--- a/LOCOMOTION.pptx
+++ b/LOCOMOTION.pptx
@@ -14,23 +14,24 @@
     <p:sldId id="261" r:id="rId8"/>
     <p:sldId id="260" r:id="rId9"/>
     <p:sldId id="262" r:id="rId10"/>
-    <p:sldId id="265" r:id="rId11"/>
-    <p:sldId id="266" r:id="rId12"/>
-    <p:sldId id="274" r:id="rId13"/>
-    <p:sldId id="275" r:id="rId14"/>
-    <p:sldId id="276" r:id="rId15"/>
-    <p:sldId id="277" r:id="rId16"/>
-    <p:sldId id="278" r:id="rId17"/>
-    <p:sldId id="267" r:id="rId18"/>
-    <p:sldId id="284" r:id="rId19"/>
-    <p:sldId id="281" r:id="rId20"/>
-    <p:sldId id="279" r:id="rId21"/>
-    <p:sldId id="282" r:id="rId22"/>
-    <p:sldId id="283" r:id="rId23"/>
+    <p:sldId id="274" r:id="rId11"/>
+    <p:sldId id="275" r:id="rId12"/>
+    <p:sldId id="276" r:id="rId13"/>
+    <p:sldId id="277" r:id="rId14"/>
+    <p:sldId id="278" r:id="rId15"/>
+    <p:sldId id="267" r:id="rId16"/>
+    <p:sldId id="284" r:id="rId17"/>
+    <p:sldId id="281" r:id="rId18"/>
+    <p:sldId id="279" r:id="rId19"/>
+    <p:sldId id="282" r:id="rId20"/>
+    <p:sldId id="283" r:id="rId21"/>
+    <p:sldId id="266" r:id="rId22"/>
+    <p:sldId id="265" r:id="rId23"/>
     <p:sldId id="271" r:id="rId24"/>
-    <p:sldId id="268" r:id="rId25"/>
-    <p:sldId id="270" r:id="rId26"/>
-    <p:sldId id="263" r:id="rId27"/>
+    <p:sldId id="270" r:id="rId25"/>
+    <p:sldId id="263" r:id="rId26"/>
+    <p:sldId id="285" r:id="rId27"/>
+    <p:sldId id="287" r:id="rId28"/>
   </p:sldIdLst>
   <p:sldSz cx="12192000" cy="6858000"/>
   <p:notesSz cx="9939338" cy="6807200"/>
@@ -2287,25 +2288,24 @@
       </dgm:t>
     </dgm:pt>
     <dgm:pt modelId="{1B313CA5-0F6A-4488-8991-9DE47FD517B1}">
-      <dgm:prSet/>
+      <dgm:prSet custT="1"/>
       <dgm:spPr/>
       <dgm:t>
         <a:bodyPr/>
         <a:lstStyle/>
         <a:p>
           <a:r>
-            <a:rPr kumimoji="1" lang="ja-JP" dirty="0"/>
-            <a:t>将来データを</a:t>
+            <a:rPr lang="ja-JP" altLang="en-US" sz="2000" dirty="0"/>
+            <a:t>将来、ビッグデータとマシーンラーニングなどを</a:t>
           </a:r>
+          <a:endParaRPr lang="en-US" altLang="ja-JP" sz="2000" dirty="0"/>
+        </a:p>
+        <a:p>
           <a:r>
-            <a:rPr kumimoji="1" lang="en-US" dirty="0"/>
-            <a:t>AI</a:t>
+            <a:rPr lang="ja-JP" altLang="en-US" sz="2000" dirty="0"/>
+            <a:t>適用するため</a:t>
           </a:r>
-          <a:r>
-            <a:rPr kumimoji="1" lang="ja-JP" dirty="0"/>
-            <a:t>に活用するため</a:t>
-          </a:r>
-          <a:endParaRPr lang="en-US" dirty="0"/>
+          <a:endParaRPr lang="en-US" sz="2000" dirty="0"/>
         </a:p>
       </dgm:t>
     </dgm:pt>
@@ -2369,17 +2369,36 @@
       </dgm:t>
     </dgm:pt>
     <dgm:pt modelId="{01E6F57F-4FC9-4572-870E-7E39DAA08A97}">
-      <dgm:prSet/>
+      <dgm:prSet custT="1"/>
       <dgm:spPr/>
       <dgm:t>
         <a:bodyPr/>
         <a:lstStyle/>
         <a:p>
           <a:r>
-            <a:rPr kumimoji="1" lang="ja-JP" dirty="0"/>
+            <a:rPr kumimoji="1" lang="ja-JP" sz="2000" dirty="0"/>
             <a:t>スマートフォンアプリ開発環境</a:t>
           </a:r>
-          <a:endParaRPr lang="en-US" dirty="0"/>
+          <a:r>
+            <a:rPr kumimoji="1" lang="ja-JP" altLang="en-US" sz="2000" dirty="0"/>
+            <a:t>、</a:t>
+          </a:r>
+          <a:r>
+            <a:rPr kumimoji="1" lang="en-US" altLang="ja-JP" sz="2000" dirty="0"/>
+            <a:t>Python</a:t>
+          </a:r>
+          <a:r>
+            <a:rPr kumimoji="1" lang="ja-JP" altLang="en-US" sz="2000" dirty="0"/>
+            <a:t>言語に</a:t>
+          </a:r>
+          <a:endParaRPr kumimoji="1" lang="en-US" altLang="ja-JP" sz="2000" dirty="0"/>
+        </a:p>
+        <a:p>
+          <a:r>
+            <a:rPr kumimoji="1" lang="ja-JP" altLang="en-US" sz="2000" dirty="0"/>
+            <a:t>対応できる言語</a:t>
+          </a:r>
+          <a:endParaRPr lang="en-US" sz="2000" dirty="0"/>
         </a:p>
       </dgm:t>
     </dgm:pt>
@@ -2443,29 +2462,40 @@
       </dgm:t>
     </dgm:pt>
     <dgm:pt modelId="{2F6E1CF0-A057-4941-B9AF-67047003DA99}">
-      <dgm:prSet/>
+      <dgm:prSet custT="1"/>
       <dgm:spPr/>
       <dgm:t>
         <a:bodyPr/>
         <a:lstStyle/>
         <a:p>
           <a:r>
-            <a:rPr kumimoji="1" lang="en-US" dirty="0" err="1"/>
+            <a:rPr kumimoji="1" lang="en-US" sz="2000" dirty="0" err="1"/>
             <a:t>Kivy</a:t>
           </a:r>
           <a:r>
-            <a:rPr kumimoji="1" lang="ja-JP" dirty="0"/>
-            <a:t>で開発されたアプリを</a:t>
+            <a:rPr kumimoji="1" lang="ja-JP" sz="2000" dirty="0"/>
+            <a:t>で開発された</a:t>
           </a:r>
           <a:r>
-            <a:rPr kumimoji="1" lang="en-US" dirty="0"/>
+            <a:rPr kumimoji="1" lang="ja-JP" altLang="en-US" sz="2000" dirty="0"/>
+            <a:t>プログラム</a:t>
+          </a:r>
+          <a:r>
+            <a:rPr kumimoji="1" lang="ja-JP" sz="2000" dirty="0"/>
+            <a:t>を</a:t>
+          </a:r>
+          <a:endParaRPr kumimoji="1" lang="en-US" altLang="ja-JP" sz="2000" dirty="0"/>
+        </a:p>
+        <a:p>
+          <a:r>
+            <a:rPr kumimoji="1" lang="en-US" sz="2000" dirty="0"/>
             <a:t>APK</a:t>
           </a:r>
           <a:r>
-            <a:rPr kumimoji="1" lang="ja-JP" dirty="0"/>
+            <a:rPr kumimoji="1" lang="ja-JP" sz="2000" dirty="0"/>
             <a:t>（アンドロイド・パッケージ）化にする</a:t>
           </a:r>
-          <a:endParaRPr lang="en-US" dirty="0"/>
+          <a:endParaRPr kumimoji="1" lang="en-US" altLang="ja-JP" sz="2000" dirty="0"/>
         </a:p>
       </dgm:t>
     </dgm:pt>
@@ -2505,7 +2535,7 @@
       <dgm:spPr/>
     </dgm:pt>
     <dgm:pt modelId="{A30180E1-F0F5-49D5-94EB-AF4915B7DA2A}" type="pres">
-      <dgm:prSet presAssocID="{1D2880E3-422B-4779-B27D-E605991AB12E}" presName="bgRect" presStyleLbl="bgShp" presStyleIdx="0" presStyleCnt="3"/>
+      <dgm:prSet presAssocID="{1D2880E3-422B-4779-B27D-E605991AB12E}" presName="bgRect" presStyleLbl="bgShp" presStyleIdx="0" presStyleCnt="3" custLinFactNeighborX="-579" custLinFactNeighborY="10665"/>
       <dgm:spPr/>
     </dgm:pt>
     <dgm:pt modelId="{08AB16D9-15D8-4315-AA57-6626504C3909}" type="pres">
@@ -2550,7 +2580,7 @@
       <dgm:spPr/>
     </dgm:pt>
     <dgm:pt modelId="{94349653-0D33-4DBA-B810-B8EE6BE951B7}" type="pres">
-      <dgm:prSet presAssocID="{1D2880E3-422B-4779-B27D-E605991AB12E}" presName="desTx" presStyleLbl="revTx" presStyleIdx="1" presStyleCnt="6">
+      <dgm:prSet presAssocID="{1D2880E3-422B-4779-B27D-E605991AB12E}" presName="desTx" presStyleLbl="revTx" presStyleIdx="1" presStyleCnt="6" custScaleX="222486" custScaleY="99288">
         <dgm:presLayoutVars/>
       </dgm:prSet>
       <dgm:spPr/>
@@ -2564,7 +2594,7 @@
       <dgm:spPr/>
     </dgm:pt>
     <dgm:pt modelId="{2C6724AC-2724-4404-B971-7A1E69C1013E}" type="pres">
-      <dgm:prSet presAssocID="{47863F90-5F7D-468F-BEB3-7F982EE6D578}" presName="bgRect" presStyleLbl="bgShp" presStyleIdx="1" presStyleCnt="3"/>
+      <dgm:prSet presAssocID="{47863F90-5F7D-468F-BEB3-7F982EE6D578}" presName="bgRect" presStyleLbl="bgShp" presStyleIdx="1" presStyleCnt="3" custLinFactNeighborX="397" custLinFactNeighborY="1752"/>
       <dgm:spPr/>
     </dgm:pt>
     <dgm:pt modelId="{890361A3-51B9-47AD-BE99-FA735327A448}" type="pres">
@@ -2609,7 +2639,7 @@
       <dgm:spPr/>
     </dgm:pt>
     <dgm:pt modelId="{3D7DDFAF-137E-4527-8816-B785C0699588}" type="pres">
-      <dgm:prSet presAssocID="{47863F90-5F7D-468F-BEB3-7F982EE6D578}" presName="desTx" presStyleLbl="revTx" presStyleIdx="3" presStyleCnt="6">
+      <dgm:prSet presAssocID="{47863F90-5F7D-468F-BEB3-7F982EE6D578}" presName="desTx" presStyleLbl="revTx" presStyleIdx="3" presStyleCnt="6" custScaleX="216199" custLinFactNeighborX="-2788" custLinFactNeighborY="-584">
         <dgm:presLayoutVars/>
       </dgm:prSet>
       <dgm:spPr/>
@@ -2668,7 +2698,7 @@
       <dgm:spPr/>
     </dgm:pt>
     <dgm:pt modelId="{44FC4C39-822D-4058-AA24-1A0730AFF361}" type="pres">
-      <dgm:prSet presAssocID="{57C254E5-2675-4C6F-90E2-F345196772F8}" presName="desTx" presStyleLbl="revTx" presStyleIdx="5" presStyleCnt="6">
+      <dgm:prSet presAssocID="{57C254E5-2675-4C6F-90E2-F345196772F8}" presName="desTx" presStyleLbl="revTx" presStyleIdx="5" presStyleCnt="6" custScaleX="223766">
         <dgm:presLayoutVars/>
       </dgm:prSet>
       <dgm:spPr/>
@@ -2734,8 +2764,8 @@
       </dsp:nvSpPr>
       <dsp:spPr>
         <a:xfrm>
-          <a:off x="0" y="651"/>
-          <a:ext cx="6651253" cy="1524988"/>
+          <a:off x="-1279200" y="170626"/>
+          <a:ext cx="10726270" cy="1520525"/>
         </a:xfrm>
         <a:prstGeom prst="roundRect">
           <a:avLst>
@@ -2776,8 +2806,8 @@
       </dsp:nvSpPr>
       <dsp:spPr>
         <a:xfrm>
-          <a:off x="461309" y="343774"/>
-          <a:ext cx="838743" cy="838743"/>
+          <a:off x="-819241" y="350580"/>
+          <a:ext cx="836288" cy="836288"/>
         </a:xfrm>
         <a:prstGeom prst="rect">
           <a:avLst/>
@@ -2826,8 +2856,8 @@
       </dsp:nvSpPr>
       <dsp:spPr>
         <a:xfrm>
-          <a:off x="1761361" y="651"/>
-          <a:ext cx="2993063" cy="1524988"/>
+          <a:off x="477005" y="8462"/>
+          <a:ext cx="4826821" cy="1520525"/>
         </a:xfrm>
         <a:prstGeom prst="rect">
           <a:avLst/>
@@ -2851,7 +2881,7 @@
         <a:fontRef idx="minor"/>
       </dsp:style>
       <dsp:txBody>
-        <a:bodyPr spcFirstLastPara="0" vert="horz" wrap="square" lIns="161395" tIns="161395" rIns="161395" bIns="161395" numCol="1" spcCol="1270" anchor="ctr" anchorCtr="0">
+        <a:bodyPr spcFirstLastPara="0" vert="horz" wrap="square" lIns="160922" tIns="160922" rIns="160922" bIns="160922" numCol="1" spcCol="1270" anchor="ctr" anchorCtr="0">
           <a:noAutofit/>
         </a:bodyPr>
         <a:lstStyle/>
@@ -2876,8 +2906,8 @@
         </a:p>
       </dsp:txBody>
       <dsp:txXfrm>
-        <a:off x="1761361" y="651"/>
-        <a:ext cx="2993063" cy="1524988"/>
+        <a:off x="477005" y="8462"/>
+        <a:ext cx="4826821" cy="1520525"/>
       </dsp:txXfrm>
     </dsp:sp>
     <dsp:sp modelId="{94349653-0D33-4DBA-B810-B8EE6BE951B7}">
@@ -2887,8 +2917,8 @@
       </dsp:nvSpPr>
       <dsp:spPr>
         <a:xfrm>
-          <a:off x="4754425" y="651"/>
-          <a:ext cx="1896827" cy="1524988"/>
+          <a:off x="2768485" y="13847"/>
+          <a:ext cx="9210491" cy="1501882"/>
         </a:xfrm>
         <a:prstGeom prst="rect">
           <a:avLst/>
@@ -2912,12 +2942,12 @@
         <a:fontRef idx="minor"/>
       </dsp:style>
       <dsp:txBody>
-        <a:bodyPr spcFirstLastPara="0" vert="horz" wrap="square" lIns="161395" tIns="161395" rIns="161395" bIns="161395" numCol="1" spcCol="1270" anchor="ctr" anchorCtr="0">
+        <a:bodyPr spcFirstLastPara="0" vert="horz" wrap="square" lIns="160089" tIns="160089" rIns="160089" bIns="160089" numCol="1" spcCol="1270" anchor="ctr" anchorCtr="0">
           <a:noAutofit/>
         </a:bodyPr>
         <a:lstStyle/>
         <a:p>
-          <a:pPr marL="0" lvl="0" indent="0" algn="l" defTabSz="622300">
+          <a:pPr marL="0" lvl="0" indent="0" algn="l" defTabSz="889000">
             <a:lnSpc>
               <a:spcPct val="90000"/>
             </a:lnSpc>
@@ -2930,23 +2960,34 @@
             <a:buNone/>
           </a:pPr>
           <a:r>
-            <a:rPr kumimoji="1" lang="ja-JP" sz="1400" kern="1200" dirty="0"/>
-            <a:t>将来データを</a:t>
+            <a:rPr lang="ja-JP" altLang="en-US" sz="2000" kern="1200" dirty="0"/>
+            <a:t>将来、ビッグデータとマシーンラーニングなどを</a:t>
           </a:r>
+          <a:endParaRPr lang="en-US" altLang="ja-JP" sz="2000" kern="1200" dirty="0"/>
+        </a:p>
+        <a:p>
+          <a:pPr marL="0" lvl="0" indent="0" algn="l" defTabSz="889000">
+            <a:lnSpc>
+              <a:spcPct val="90000"/>
+            </a:lnSpc>
+            <a:spcBef>
+              <a:spcPct val="0"/>
+            </a:spcBef>
+            <a:spcAft>
+              <a:spcPct val="35000"/>
+            </a:spcAft>
+            <a:buNone/>
+          </a:pPr>
           <a:r>
-            <a:rPr kumimoji="1" lang="en-US" sz="1400" kern="1200" dirty="0"/>
-            <a:t>AI</a:t>
+            <a:rPr lang="ja-JP" altLang="en-US" sz="2000" kern="1200" dirty="0"/>
+            <a:t>適用するため</a:t>
           </a:r>
-          <a:r>
-            <a:rPr kumimoji="1" lang="ja-JP" sz="1400" kern="1200" dirty="0"/>
-            <a:t>に活用するため</a:t>
-          </a:r>
-          <a:endParaRPr lang="en-US" sz="1400" kern="1200" dirty="0"/>
+          <a:endParaRPr lang="en-US" sz="2000" kern="1200" dirty="0"/>
         </a:p>
       </dsp:txBody>
       <dsp:txXfrm>
-        <a:off x="4754425" y="651"/>
-        <a:ext cx="1896827" cy="1524988"/>
+        <a:off x="2768485" y="13847"/>
+        <a:ext cx="9210491" cy="1501882"/>
       </dsp:txXfrm>
     </dsp:sp>
     <dsp:sp modelId="{2C6724AC-2724-4404-B971-7A1E69C1013E}">
@@ -2956,8 +2997,8 @@
       </dsp:nvSpPr>
       <dsp:spPr>
         <a:xfrm>
-          <a:off x="0" y="1906887"/>
-          <a:ext cx="6651253" cy="1524988"/>
+          <a:off x="-1236617" y="1935758"/>
+          <a:ext cx="10726270" cy="1520525"/>
         </a:xfrm>
         <a:prstGeom prst="roundRect">
           <a:avLst>
@@ -2998,8 +3039,8 @@
       </dsp:nvSpPr>
       <dsp:spPr>
         <a:xfrm>
-          <a:off x="461309" y="2250010"/>
-          <a:ext cx="838743" cy="838743"/>
+          <a:off x="-819241" y="2251237"/>
+          <a:ext cx="836288" cy="836288"/>
         </a:xfrm>
         <a:prstGeom prst="rect">
           <a:avLst/>
@@ -3048,8 +3089,8 @@
       </dsp:nvSpPr>
       <dsp:spPr>
         <a:xfrm>
-          <a:off x="1761361" y="1906887"/>
-          <a:ext cx="2993063" cy="1524988"/>
+          <a:off x="477005" y="1909119"/>
+          <a:ext cx="4826821" cy="1520525"/>
         </a:xfrm>
         <a:prstGeom prst="rect">
           <a:avLst/>
@@ -3073,7 +3114,7 @@
         <a:fontRef idx="minor"/>
       </dsp:style>
       <dsp:txBody>
-        <a:bodyPr spcFirstLastPara="0" vert="horz" wrap="square" lIns="161395" tIns="161395" rIns="161395" bIns="161395" numCol="1" spcCol="1270" anchor="ctr" anchorCtr="0">
+        <a:bodyPr spcFirstLastPara="0" vert="horz" wrap="square" lIns="160922" tIns="160922" rIns="160922" bIns="160922" numCol="1" spcCol="1270" anchor="ctr" anchorCtr="0">
           <a:noAutofit/>
         </a:bodyPr>
         <a:lstStyle/>
@@ -3098,8 +3139,8 @@
         </a:p>
       </dsp:txBody>
       <dsp:txXfrm>
-        <a:off x="1761361" y="1906887"/>
-        <a:ext cx="2993063" cy="1524988"/>
+        <a:off x="477005" y="1909119"/>
+        <a:ext cx="4826821" cy="1520525"/>
       </dsp:txXfrm>
     </dsp:sp>
     <dsp:sp modelId="{3D7DDFAF-137E-4527-8816-B785C0699588}">
@@ -3109,8 +3150,8 @@
       </dsp:nvSpPr>
       <dsp:spPr>
         <a:xfrm>
-          <a:off x="4754425" y="1906887"/>
-          <a:ext cx="1896827" cy="1524988"/>
+          <a:off x="2783202" y="1900239"/>
+          <a:ext cx="8950221" cy="1520525"/>
         </a:xfrm>
         <a:prstGeom prst="rect">
           <a:avLst/>
@@ -3134,12 +3175,12 @@
         <a:fontRef idx="minor"/>
       </dsp:style>
       <dsp:txBody>
-        <a:bodyPr spcFirstLastPara="0" vert="horz" wrap="square" lIns="161395" tIns="161395" rIns="161395" bIns="161395" numCol="1" spcCol="1270" anchor="ctr" anchorCtr="0">
+        <a:bodyPr spcFirstLastPara="0" vert="horz" wrap="square" lIns="160922" tIns="160922" rIns="160922" bIns="160922" numCol="1" spcCol="1270" anchor="ctr" anchorCtr="0">
           <a:noAutofit/>
         </a:bodyPr>
         <a:lstStyle/>
         <a:p>
-          <a:pPr marL="0" lvl="0" indent="0" algn="l" defTabSz="622300">
+          <a:pPr marL="0" lvl="0" indent="0" algn="l" defTabSz="889000">
             <a:lnSpc>
               <a:spcPct val="90000"/>
             </a:lnSpc>
@@ -3152,15 +3193,46 @@
             <a:buNone/>
           </a:pPr>
           <a:r>
-            <a:rPr kumimoji="1" lang="ja-JP" sz="1400" kern="1200" dirty="0"/>
+            <a:rPr kumimoji="1" lang="ja-JP" sz="2000" kern="1200" dirty="0"/>
             <a:t>スマートフォンアプリ開発環境</a:t>
           </a:r>
-          <a:endParaRPr lang="en-US" sz="1400" kern="1200" dirty="0"/>
+          <a:r>
+            <a:rPr kumimoji="1" lang="ja-JP" altLang="en-US" sz="2000" kern="1200" dirty="0"/>
+            <a:t>、</a:t>
+          </a:r>
+          <a:r>
+            <a:rPr kumimoji="1" lang="en-US" altLang="ja-JP" sz="2000" kern="1200" dirty="0"/>
+            <a:t>Python</a:t>
+          </a:r>
+          <a:r>
+            <a:rPr kumimoji="1" lang="ja-JP" altLang="en-US" sz="2000" kern="1200" dirty="0"/>
+            <a:t>言語に</a:t>
+          </a:r>
+          <a:endParaRPr kumimoji="1" lang="en-US" altLang="ja-JP" sz="2000" kern="1200" dirty="0"/>
+        </a:p>
+        <a:p>
+          <a:pPr marL="0" lvl="0" indent="0" algn="l" defTabSz="889000">
+            <a:lnSpc>
+              <a:spcPct val="90000"/>
+            </a:lnSpc>
+            <a:spcBef>
+              <a:spcPct val="0"/>
+            </a:spcBef>
+            <a:spcAft>
+              <a:spcPct val="35000"/>
+            </a:spcAft>
+            <a:buNone/>
+          </a:pPr>
+          <a:r>
+            <a:rPr kumimoji="1" lang="ja-JP" altLang="en-US" sz="2000" kern="1200" dirty="0"/>
+            <a:t>対応できる言語</a:t>
+          </a:r>
+          <a:endParaRPr lang="en-US" sz="2000" kern="1200" dirty="0"/>
         </a:p>
       </dsp:txBody>
       <dsp:txXfrm>
-        <a:off x="4754425" y="1906887"/>
-        <a:ext cx="1896827" cy="1524988"/>
+        <a:off x="2783202" y="1900239"/>
+        <a:ext cx="8950221" cy="1520525"/>
       </dsp:txXfrm>
     </dsp:sp>
     <dsp:sp modelId="{74B22583-A51E-422B-B7CA-F6AF048419C7}">
@@ -3170,8 +3242,8 @@
       </dsp:nvSpPr>
       <dsp:spPr>
         <a:xfrm>
-          <a:off x="0" y="3813123"/>
-          <a:ext cx="6651253" cy="1524988"/>
+          <a:off x="-1279200" y="3809776"/>
+          <a:ext cx="10726270" cy="1520525"/>
         </a:xfrm>
         <a:prstGeom prst="roundRect">
           <a:avLst>
@@ -3212,8 +3284,8 @@
       </dsp:nvSpPr>
       <dsp:spPr>
         <a:xfrm>
-          <a:off x="461309" y="4156246"/>
-          <a:ext cx="838743" cy="838743"/>
+          <a:off x="-819241" y="4151894"/>
+          <a:ext cx="836288" cy="836288"/>
         </a:xfrm>
         <a:prstGeom prst="rect">
           <a:avLst/>
@@ -3262,8 +3334,8 @@
       </dsp:nvSpPr>
       <dsp:spPr>
         <a:xfrm>
-          <a:off x="1761361" y="3813123"/>
-          <a:ext cx="2993063" cy="1524988"/>
+          <a:off x="477005" y="3809776"/>
+          <a:ext cx="4826821" cy="1520525"/>
         </a:xfrm>
         <a:prstGeom prst="rect">
           <a:avLst/>
@@ -3287,7 +3359,7 @@
         <a:fontRef idx="minor"/>
       </dsp:style>
       <dsp:txBody>
-        <a:bodyPr spcFirstLastPara="0" vert="horz" wrap="square" lIns="161395" tIns="161395" rIns="161395" bIns="161395" numCol="1" spcCol="1270" anchor="ctr" anchorCtr="0">
+        <a:bodyPr spcFirstLastPara="0" vert="horz" wrap="square" lIns="160922" tIns="160922" rIns="160922" bIns="160922" numCol="1" spcCol="1270" anchor="ctr" anchorCtr="0">
           <a:noAutofit/>
         </a:bodyPr>
         <a:lstStyle/>
@@ -3312,8 +3384,8 @@
         </a:p>
       </dsp:txBody>
       <dsp:txXfrm>
-        <a:off x="1761361" y="3813123"/>
-        <a:ext cx="2993063" cy="1524988"/>
+        <a:off x="477005" y="3809776"/>
+        <a:ext cx="4826821" cy="1520525"/>
       </dsp:txXfrm>
     </dsp:sp>
     <dsp:sp modelId="{44FC4C39-822D-4058-AA24-1A0730AFF361}">
@@ -3323,8 +3395,8 @@
       </dsp:nvSpPr>
       <dsp:spPr>
         <a:xfrm>
-          <a:off x="4754425" y="3813123"/>
-          <a:ext cx="1896827" cy="1524988"/>
+          <a:off x="2741991" y="3809776"/>
+          <a:ext cx="9263480" cy="1520525"/>
         </a:xfrm>
         <a:prstGeom prst="rect">
           <a:avLst/>
@@ -3348,12 +3420,12 @@
         <a:fontRef idx="minor"/>
       </dsp:style>
       <dsp:txBody>
-        <a:bodyPr spcFirstLastPara="0" vert="horz" wrap="square" lIns="161395" tIns="161395" rIns="161395" bIns="161395" numCol="1" spcCol="1270" anchor="ctr" anchorCtr="0">
+        <a:bodyPr spcFirstLastPara="0" vert="horz" wrap="square" lIns="160922" tIns="160922" rIns="160922" bIns="160922" numCol="1" spcCol="1270" anchor="ctr" anchorCtr="0">
           <a:noAutofit/>
         </a:bodyPr>
         <a:lstStyle/>
         <a:p>
-          <a:pPr marL="0" lvl="0" indent="0" algn="l" defTabSz="622300">
+          <a:pPr marL="0" lvl="0" indent="0" algn="l" defTabSz="889000">
             <a:lnSpc>
               <a:spcPct val="90000"/>
             </a:lnSpc>
@@ -3366,27 +3438,50 @@
             <a:buNone/>
           </a:pPr>
           <a:r>
-            <a:rPr kumimoji="1" lang="en-US" sz="1400" kern="1200" dirty="0" err="1"/>
+            <a:rPr kumimoji="1" lang="en-US" sz="2000" kern="1200" dirty="0" err="1"/>
             <a:t>Kivy</a:t>
           </a:r>
           <a:r>
-            <a:rPr kumimoji="1" lang="ja-JP" sz="1400" kern="1200" dirty="0"/>
-            <a:t>で開発されたアプリを</a:t>
+            <a:rPr kumimoji="1" lang="ja-JP" sz="2000" kern="1200" dirty="0"/>
+            <a:t>で開発された</a:t>
           </a:r>
           <a:r>
-            <a:rPr kumimoji="1" lang="en-US" sz="1400" kern="1200" dirty="0"/>
+            <a:rPr kumimoji="1" lang="ja-JP" altLang="en-US" sz="2000" kern="1200" dirty="0"/>
+            <a:t>プログラム</a:t>
+          </a:r>
+          <a:r>
+            <a:rPr kumimoji="1" lang="ja-JP" sz="2000" kern="1200" dirty="0"/>
+            <a:t>を</a:t>
+          </a:r>
+          <a:endParaRPr kumimoji="1" lang="en-US" altLang="ja-JP" sz="2000" kern="1200" dirty="0"/>
+        </a:p>
+        <a:p>
+          <a:pPr marL="0" lvl="0" indent="0" algn="l" defTabSz="889000">
+            <a:lnSpc>
+              <a:spcPct val="90000"/>
+            </a:lnSpc>
+            <a:spcBef>
+              <a:spcPct val="0"/>
+            </a:spcBef>
+            <a:spcAft>
+              <a:spcPct val="35000"/>
+            </a:spcAft>
+            <a:buNone/>
+          </a:pPr>
+          <a:r>
+            <a:rPr kumimoji="1" lang="en-US" sz="2000" kern="1200" dirty="0"/>
             <a:t>APK</a:t>
           </a:r>
           <a:r>
-            <a:rPr kumimoji="1" lang="ja-JP" sz="1400" kern="1200" dirty="0"/>
+            <a:rPr kumimoji="1" lang="ja-JP" sz="2000" kern="1200" dirty="0"/>
             <a:t>（アンドロイド・パッケージ）化にする</a:t>
           </a:r>
-          <a:endParaRPr lang="en-US" sz="1400" kern="1200" dirty="0"/>
+          <a:endParaRPr kumimoji="1" lang="en-US" altLang="ja-JP" sz="2000" kern="1200" dirty="0"/>
         </a:p>
       </dsp:txBody>
       <dsp:txXfrm>
-        <a:off x="4754425" y="3813123"/>
-        <a:ext cx="1896827" cy="1524988"/>
+        <a:off x="2741991" y="3809776"/>
+        <a:ext cx="9263480" cy="1520525"/>
       </dsp:txXfrm>
     </dsp:sp>
   </dsp:spTree>
@@ -7066,7 +7161,7 @@
           <a:p>
             <a:fld id="{3C04E684-10F4-4CC3-A0B9-F03AA7BE37CF}" type="datetimeFigureOut">
               <a:rPr lang="en-US" smtClean="0"/>
-              <a:t>11/28/2023</a:t>
+              <a:t>12/3/2023</a:t>
             </a:fld>
             <a:endParaRPr lang="en-US"/>
           </a:p>
@@ -9556,7 +9651,7 @@
           <a:p>
             <a:fld id="{3C04E684-10F4-4CC3-A0B9-F03AA7BE37CF}" type="datetimeFigureOut">
               <a:rPr lang="en-US" smtClean="0"/>
-              <a:t>11/28/2023</a:t>
+              <a:t>12/3/2023</a:t>
             </a:fld>
             <a:endParaRPr lang="en-US"/>
           </a:p>
@@ -9754,7 +9849,7 @@
           <a:p>
             <a:fld id="{3C04E684-10F4-4CC3-A0B9-F03AA7BE37CF}" type="datetimeFigureOut">
               <a:rPr lang="en-US" smtClean="0"/>
-              <a:t>11/28/2023</a:t>
+              <a:t>12/3/2023</a:t>
             </a:fld>
             <a:endParaRPr lang="en-US"/>
           </a:p>
@@ -9962,7 +10057,7 @@
           <a:p>
             <a:fld id="{3C04E684-10F4-4CC3-A0B9-F03AA7BE37CF}" type="datetimeFigureOut">
               <a:rPr lang="en-US" smtClean="0"/>
-              <a:t>11/28/2023</a:t>
+              <a:t>12/3/2023</a:t>
             </a:fld>
             <a:endParaRPr lang="en-US"/>
           </a:p>
@@ -10182,7 +10277,7 @@
           <a:p>
             <a:fld id="{3C04E684-10F4-4CC3-A0B9-F03AA7BE37CF}" type="datetimeFigureOut">
               <a:rPr lang="en-US" smtClean="0"/>
-              <a:t>11/28/2023</a:t>
+              <a:t>12/3/2023</a:t>
             </a:fld>
             <a:endParaRPr lang="en-US"/>
           </a:p>
@@ -10412,7 +10507,7 @@
           <a:p>
             <a:fld id="{3C04E684-10F4-4CC3-A0B9-F03AA7BE37CF}" type="datetimeFigureOut">
               <a:rPr lang="en-US" smtClean="0"/>
-              <a:t>11/28/2023</a:t>
+              <a:t>12/3/2023</a:t>
             </a:fld>
             <a:endParaRPr lang="en-US"/>
           </a:p>
@@ -10687,7 +10782,7 @@
           <a:p>
             <a:fld id="{3C04E684-10F4-4CC3-A0B9-F03AA7BE37CF}" type="datetimeFigureOut">
               <a:rPr lang="en-US" smtClean="0"/>
-              <a:t>11/28/2023</a:t>
+              <a:t>12/3/2023</a:t>
             </a:fld>
             <a:endParaRPr lang="en-US"/>
           </a:p>
@@ -11016,7 +11111,7 @@
           <a:p>
             <a:fld id="{3C04E684-10F4-4CC3-A0B9-F03AA7BE37CF}" type="datetimeFigureOut">
               <a:rPr lang="en-US" smtClean="0"/>
-              <a:t>11/28/2023</a:t>
+              <a:t>12/3/2023</a:t>
             </a:fld>
             <a:endParaRPr lang="en-US"/>
           </a:p>
@@ -11492,7 +11587,7 @@
           <a:p>
             <a:fld id="{3C04E684-10F4-4CC3-A0B9-F03AA7BE37CF}" type="datetimeFigureOut">
               <a:rPr lang="en-US" smtClean="0"/>
-              <a:t>11/28/2023</a:t>
+              <a:t>12/3/2023</a:t>
             </a:fld>
             <a:endParaRPr lang="en-US"/>
           </a:p>
@@ -11633,7 +11728,7 @@
           <a:p>
             <a:fld id="{3C04E684-10F4-4CC3-A0B9-F03AA7BE37CF}" type="datetimeFigureOut">
               <a:rPr lang="en-US" smtClean="0"/>
-              <a:t>11/28/2023</a:t>
+              <a:t>12/3/2023</a:t>
             </a:fld>
             <a:endParaRPr lang="en-US"/>
           </a:p>
@@ -11746,7 +11841,7 @@
           <a:p>
             <a:fld id="{3C04E684-10F4-4CC3-A0B9-F03AA7BE37CF}" type="datetimeFigureOut">
               <a:rPr lang="en-US" smtClean="0"/>
-              <a:t>11/28/2023</a:t>
+              <a:t>12/3/2023</a:t>
             </a:fld>
             <a:endParaRPr lang="en-US"/>
           </a:p>
@@ -12483,7 +12578,7 @@
           <a:p>
             <a:fld id="{3C04E684-10F4-4CC3-A0B9-F03AA7BE37CF}" type="datetimeFigureOut">
               <a:rPr lang="en-US" smtClean="0"/>
-              <a:t>11/28/2023</a:t>
+              <a:t>12/3/2023</a:t>
             </a:fld>
             <a:endParaRPr lang="en-US"/>
           </a:p>
@@ -12826,7 +12921,7 @@
           <a:p>
             <a:fld id="{3C04E684-10F4-4CC3-A0B9-F03AA7BE37CF}" type="datetimeFigureOut">
               <a:rPr lang="en-US" smtClean="0"/>
-              <a:t>11/28/2023</a:t>
+              <a:t>12/3/2023</a:t>
             </a:fld>
             <a:endParaRPr lang="en-US"/>
           </a:p>
@@ -13114,7 +13209,7 @@
           <a:p>
             <a:fld id="{3C04E684-10F4-4CC3-A0B9-F03AA7BE37CF}" type="datetimeFigureOut">
               <a:rPr lang="en-US" smtClean="0"/>
-              <a:t>11/28/2023</a:t>
+              <a:t>12/3/2023</a:t>
             </a:fld>
             <a:endParaRPr lang="en-US"/>
           </a:p>
@@ -13344,7 +13439,7 @@
           <a:p>
             <a:fld id="{3C04E684-10F4-4CC3-A0B9-F03AA7BE37CF}" type="datetimeFigureOut">
               <a:rPr lang="en-US" smtClean="0"/>
-              <a:t>11/28/2023</a:t>
+              <a:t>12/3/2023</a:t>
             </a:fld>
             <a:endParaRPr lang="en-US"/>
           </a:p>
@@ -13584,7 +13679,7 @@
           <a:p>
             <a:fld id="{3C04E684-10F4-4CC3-A0B9-F03AA7BE37CF}" type="datetimeFigureOut">
               <a:rPr lang="en-US" smtClean="0"/>
-              <a:t>11/28/2023</a:t>
+              <a:t>12/3/2023</a:t>
             </a:fld>
             <a:endParaRPr lang="en-US"/>
           </a:p>
@@ -14226,7 +14321,7 @@
           <a:p>
             <a:fld id="{3C04E684-10F4-4CC3-A0B9-F03AA7BE37CF}" type="datetimeFigureOut">
               <a:rPr lang="en-US" smtClean="0"/>
-              <a:t>11/28/2023</a:t>
+              <a:t>12/3/2023</a:t>
             </a:fld>
             <a:endParaRPr lang="en-US"/>
           </a:p>
@@ -15026,7 +15121,7 @@
           <a:p>
             <a:fld id="{3C04E684-10F4-4CC3-A0B9-F03AA7BE37CF}" type="datetimeFigureOut">
               <a:rPr lang="en-US" smtClean="0"/>
-              <a:t>11/28/2023</a:t>
+              <a:t>12/3/2023</a:t>
             </a:fld>
             <a:endParaRPr lang="en-US"/>
           </a:p>
@@ -15977,7 +16072,7 @@
           <a:p>
             <a:fld id="{3C04E684-10F4-4CC3-A0B9-F03AA7BE37CF}" type="datetimeFigureOut">
               <a:rPr lang="en-US" smtClean="0"/>
-              <a:t>11/28/2023</a:t>
+              <a:t>12/3/2023</a:t>
             </a:fld>
             <a:endParaRPr lang="en-US"/>
           </a:p>
@@ -18326,7 +18421,7 @@
           <a:p>
             <a:fld id="{3C04E684-10F4-4CC3-A0B9-F03AA7BE37CF}" type="datetimeFigureOut">
               <a:rPr lang="en-US" smtClean="0"/>
-              <a:t>11/28/2023</a:t>
+              <a:t>12/3/2023</a:t>
             </a:fld>
             <a:endParaRPr lang="en-US"/>
           </a:p>
@@ -18439,7 +18534,7 @@
           <a:p>
             <a:fld id="{3C04E684-10F4-4CC3-A0B9-F03AA7BE37CF}" type="datetimeFigureOut">
               <a:rPr lang="en-US" smtClean="0"/>
-              <a:t>11/28/2023</a:t>
+              <a:t>12/3/2023</a:t>
             </a:fld>
             <a:endParaRPr lang="en-US"/>
           </a:p>
@@ -18946,7 +19041,7 @@
           <a:p>
             <a:fld id="{3C04E684-10F4-4CC3-A0B9-F03AA7BE37CF}" type="datetimeFigureOut">
               <a:rPr lang="en-US" smtClean="0"/>
-              <a:t>11/28/2023</a:t>
+              <a:t>12/3/2023</a:t>
             </a:fld>
             <a:endParaRPr lang="en-US"/>
           </a:p>
@@ -20249,7 +20344,7 @@
           <a:p>
             <a:fld id="{3C04E684-10F4-4CC3-A0B9-F03AA7BE37CF}" type="datetimeFigureOut">
               <a:rPr lang="en-US" smtClean="0"/>
-              <a:t>11/28/2023</a:t>
+              <a:t>12/3/2023</a:t>
             </a:fld>
             <a:endParaRPr lang="en-US"/>
           </a:p>
@@ -20492,7 +20587,7 @@
           <a:p>
             <a:fld id="{3C04E684-10F4-4CC3-A0B9-F03AA7BE37CF}" type="datetimeFigureOut">
               <a:rPr lang="en-US" smtClean="0"/>
-              <a:t>11/28/2023</a:t>
+              <a:t>12/3/2023</a:t>
             </a:fld>
             <a:endParaRPr lang="en-US"/>
           </a:p>
@@ -21093,7 +21188,7 @@
           <a:p>
             <a:fld id="{3C04E684-10F4-4CC3-A0B9-F03AA7BE37CF}" type="datetimeFigureOut">
               <a:rPr lang="en-US" smtClean="0"/>
-              <a:t>11/28/2023</a:t>
+              <a:t>12/3/2023</a:t>
             </a:fld>
             <a:endParaRPr lang="en-US"/>
           </a:p>
@@ -21576,8 +21671,8 @@
         </p:nvSpPr>
         <p:spPr>
           <a:xfrm>
-            <a:off x="3212601" y="4396392"/>
-            <a:ext cx="5147960" cy="1748835"/>
+            <a:off x="3212601" y="4702629"/>
+            <a:ext cx="5147960" cy="1442598"/>
           </a:xfrm>
         </p:spPr>
         <p:txBody>
@@ -21588,8 +21683,28 @@
           <a:p>
             <a:pPr algn="ctr"/>
             <a:r>
+              <a:rPr kumimoji="1" lang="en-US" altLang="ja-JP" sz="2000" dirty="0"/>
+              <a:t>2023</a:t>
+            </a:r>
+            <a:r>
               <a:rPr kumimoji="1" lang="ja-JP" altLang="en-US" sz="2000" dirty="0"/>
-              <a:t>宮崎大学情報システム工学部</a:t>
+              <a:t>年</a:t>
+            </a:r>
+            <a:r>
+              <a:rPr kumimoji="1" lang="en-US" altLang="ja-JP" sz="2000" dirty="0"/>
+              <a:t>12</a:t>
+            </a:r>
+            <a:r>
+              <a:rPr kumimoji="1" lang="ja-JP" altLang="en-US" sz="2000" dirty="0"/>
+              <a:t>月</a:t>
+            </a:r>
+            <a:r>
+              <a:rPr kumimoji="1" lang="en-US" altLang="ja-JP" sz="2000" dirty="0"/>
+              <a:t>4</a:t>
+            </a:r>
+            <a:r>
+              <a:rPr kumimoji="1" lang="ja-JP" altLang="en-US" sz="2000" dirty="0"/>
+              <a:t>日</a:t>
             </a:r>
             <a:endParaRPr kumimoji="1" lang="en-US" altLang="ja-JP" sz="2000" dirty="0"/>
           </a:p>
@@ -21628,165 +21743,6 @@
 </file>
 
 <file path=ppt/slides/slide10.xml><?xml version="1.0" encoding="utf-8"?>
-<p:sld xmlns:a="http://schemas.openxmlformats.org/drawingml/2006/main" xmlns:r="http://schemas.openxmlformats.org/officeDocument/2006/relationships" xmlns:p="http://schemas.openxmlformats.org/presentationml/2006/main">
-  <p:cSld>
-    <p:spTree>
-      <p:nvGrpSpPr>
-        <p:cNvPr id="1" name=""/>
-        <p:cNvGrpSpPr/>
-        <p:nvPr/>
-      </p:nvGrpSpPr>
-      <p:grpSpPr>
-        <a:xfrm>
-          <a:off x="0" y="0"/>
-          <a:ext cx="0" cy="0"/>
-          <a:chOff x="0" y="0"/>
-          <a:chExt cx="0" cy="0"/>
-        </a:xfrm>
-      </p:grpSpPr>
-      <p:sp>
-        <p:nvSpPr>
-          <p:cNvPr id="2" name="タイトル 1">
-            <a:extLst>
-              <a:ext uri="{FF2B5EF4-FFF2-40B4-BE49-F238E27FC236}">
-                <a16:creationId xmlns:a16="http://schemas.microsoft.com/office/drawing/2014/main" id="{3AB3D46E-75D0-82E4-A303-E24A0E426E06}"/>
-              </a:ext>
-            </a:extLst>
-          </p:cNvPr>
-          <p:cNvSpPr>
-            <a:spLocks noGrp="1"/>
-          </p:cNvSpPr>
-          <p:nvPr>
-            <p:ph type="title"/>
-          </p:nvPr>
-        </p:nvSpPr>
-        <p:spPr>
-          <a:xfrm>
-            <a:off x="-2864907" y="0"/>
-            <a:ext cx="9517294" cy="1152663"/>
-          </a:xfrm>
-        </p:spPr>
-        <p:txBody>
-          <a:bodyPr vert="horz" lIns="91440" tIns="45720" rIns="91440" bIns="45720" rtlCol="0" anchor="ctr">
-            <a:normAutofit/>
-          </a:bodyPr>
-          <a:lstStyle/>
-          <a:p>
-            <a:pPr algn="ctr">
-              <a:lnSpc>
-                <a:spcPct val="90000"/>
-              </a:lnSpc>
-            </a:pPr>
-            <a:r>
-              <a:rPr kumimoji="1" lang="ja-JP" altLang="en-US" sz="3600" i="1" dirty="0"/>
-              <a:t>アプリの流れ</a:t>
-            </a:r>
-          </a:p>
-        </p:txBody>
-      </p:sp>
-      <p:sp>
-        <p:nvSpPr>
-          <p:cNvPr id="12" name="矢印: 右 11">
-            <a:extLst>
-              <a:ext uri="{FF2B5EF4-FFF2-40B4-BE49-F238E27FC236}">
-                <a16:creationId xmlns:a16="http://schemas.microsoft.com/office/drawing/2014/main" id="{61EB42A2-8DC9-9D91-B498-C3AB87ECA907}"/>
-              </a:ext>
-            </a:extLst>
-          </p:cNvPr>
-          <p:cNvSpPr/>
-          <p:nvPr/>
-        </p:nvSpPr>
-        <p:spPr>
-          <a:xfrm>
-            <a:off x="1506409" y="6404247"/>
-            <a:ext cx="8968509" cy="232830"/>
-          </a:xfrm>
-          <a:prstGeom prst="rightArrow">
-            <a:avLst/>
-          </a:prstGeom>
-        </p:spPr>
-        <p:style>
-          <a:lnRef idx="2">
-            <a:schemeClr val="dk1">
-              <a:shade val="15000"/>
-            </a:schemeClr>
-          </a:lnRef>
-          <a:fillRef idx="1">
-            <a:schemeClr val="dk1"/>
-          </a:fillRef>
-          <a:effectRef idx="0">
-            <a:schemeClr val="dk1"/>
-          </a:effectRef>
-          <a:fontRef idx="minor">
-            <a:schemeClr val="lt1"/>
-          </a:fontRef>
-        </p:style>
-        <p:txBody>
-          <a:bodyPr rtlCol="0" anchor="ctr"/>
-          <a:lstStyle/>
-          <a:p>
-            <a:pPr algn="ctr"/>
-            <a:endParaRPr kumimoji="1" lang="ja-JP" altLang="en-US"/>
-          </a:p>
-        </p:txBody>
-      </p:sp>
-      <p:cxnSp>
-        <p:nvCxnSpPr>
-          <p:cNvPr id="3" name="直線コネクタ 2">
-            <a:extLst>
-              <a:ext uri="{FF2B5EF4-FFF2-40B4-BE49-F238E27FC236}">
-                <a16:creationId xmlns:a16="http://schemas.microsoft.com/office/drawing/2014/main" id="{F8FDB5D7-39E4-B377-50C8-EBECC81CBF0C}"/>
-              </a:ext>
-            </a:extLst>
-          </p:cNvPr>
-          <p:cNvCxnSpPr>
-            <a:cxnSpLocks/>
-          </p:cNvCxnSpPr>
-          <p:nvPr/>
-        </p:nvCxnSpPr>
-        <p:spPr>
-          <a:xfrm>
-            <a:off x="627529" y="1001486"/>
-            <a:ext cx="10726271" cy="0"/>
-          </a:xfrm>
-          <a:prstGeom prst="line">
-            <a:avLst/>
-          </a:prstGeom>
-          <a:ln w="38100" cmpd="dbl">
-            <a:solidFill>
-              <a:schemeClr val="tx1"/>
-            </a:solidFill>
-          </a:ln>
-        </p:spPr>
-        <p:style>
-          <a:lnRef idx="1">
-            <a:schemeClr val="accent1"/>
-          </a:lnRef>
-          <a:fillRef idx="0">
-            <a:schemeClr val="accent1"/>
-          </a:fillRef>
-          <a:effectRef idx="0">
-            <a:schemeClr val="accent1"/>
-          </a:effectRef>
-          <a:fontRef idx="minor">
-            <a:schemeClr val="tx1"/>
-          </a:fontRef>
-        </p:style>
-      </p:cxnSp>
-    </p:spTree>
-    <p:extLst>
-      <p:ext uri="{BB962C8B-B14F-4D97-AF65-F5344CB8AC3E}">
-        <p14:creationId xmlns:p14="http://schemas.microsoft.com/office/powerpoint/2010/main" val="3367460123"/>
-      </p:ext>
-    </p:extLst>
-  </p:cSld>
-  <p:clrMapOvr>
-    <a:masterClrMapping/>
-  </p:clrMapOvr>
-</p:sld>
-</file>
-
-<file path=ppt/slides/slide11.xml><?xml version="1.0" encoding="utf-8"?>
 <p:sld xmlns:a="http://schemas.openxmlformats.org/drawingml/2006/main" xmlns:r="http://schemas.openxmlformats.org/officeDocument/2006/relationships" xmlns:p="http://schemas.openxmlformats.org/presentationml/2006/main">
   <p:cSld>
     <p:spTree>
@@ -21833,7 +21789,7 @@
           <a:p>
             <a:r>
               <a:rPr kumimoji="1" lang="ja-JP" altLang="en-US" sz="2800" dirty="0"/>
-              <a:t>アドレス画面</a:t>
+              <a:t>タイトル画面</a:t>
             </a:r>
             <a:r>
               <a:rPr kumimoji="1" lang="en-US" altLang="ja-JP" sz="2800" dirty="0"/>
@@ -21841,7 +21797,7 @@
             </a:r>
             <a:r>
               <a:rPr lang="en-US" altLang="ja-JP" sz="2800" dirty="0"/>
-              <a:t>Address</a:t>
+              <a:t>Title</a:t>
             </a:r>
             <a:r>
               <a:rPr kumimoji="1" lang="ja-JP" altLang="en-US" sz="2800" dirty="0"/>
@@ -21882,323 +21838,77 @@
           </a:xfrm>
         </p:spPr>
         <p:txBody>
-          <a:bodyPr/>
-          <a:lstStyle/>
-          <a:p>
-            <a:r>
-              <a:rPr lang="en-US" altLang="ja-JP" sz="1800" dirty="0"/>
-              <a:t>Connection</a:t>
-            </a:r>
-            <a:r>
-              <a:rPr lang="ja-JP" altLang="en-US" sz="1800" dirty="0"/>
-              <a:t> </a:t>
-            </a:r>
-            <a:r>
-              <a:rPr lang="en-US" altLang="ja-JP" sz="1800" dirty="0"/>
-              <a:t>window</a:t>
-            </a:r>
-            <a:r>
-              <a:rPr lang="ja-JP" altLang="en-US" sz="1800" dirty="0"/>
-              <a:t> </a:t>
-            </a:r>
-            <a:r>
-              <a:rPr lang="en-US" altLang="ja-JP" sz="1800" dirty="0"/>
-              <a:t>where</a:t>
-            </a:r>
-            <a:r>
-              <a:rPr lang="ja-JP" altLang="en-US" sz="1800" dirty="0"/>
-              <a:t> </a:t>
-            </a:r>
-            <a:r>
-              <a:rPr lang="en-US" altLang="ja-JP" sz="1800" dirty="0"/>
-              <a:t>you</a:t>
-            </a:r>
-            <a:r>
-              <a:rPr lang="ja-JP" altLang="en-US" sz="1800" dirty="0"/>
-              <a:t> </a:t>
-            </a:r>
-            <a:r>
-              <a:rPr lang="en-US" altLang="ja-JP" sz="1800" dirty="0"/>
-              <a:t>put</a:t>
-            </a:r>
-            <a:r>
-              <a:rPr lang="ja-JP" altLang="en-US" sz="1800" dirty="0"/>
-              <a:t> </a:t>
-            </a:r>
-            <a:r>
-              <a:rPr lang="en-US" altLang="ja-JP" sz="1800" dirty="0"/>
-              <a:t>the</a:t>
-            </a:r>
-            <a:r>
-              <a:rPr lang="ja-JP" altLang="en-US" sz="1800" dirty="0"/>
-              <a:t> </a:t>
-            </a:r>
-            <a:r>
-              <a:rPr lang="en-US" altLang="ja-JP" sz="1800" dirty="0"/>
-              <a:t>IP</a:t>
-            </a:r>
-            <a:r>
-              <a:rPr lang="ja-JP" altLang="en-US" sz="1800" dirty="0"/>
-              <a:t> </a:t>
-            </a:r>
-            <a:r>
-              <a:rPr lang="en-US" altLang="ja-JP" sz="1800" dirty="0"/>
-              <a:t>address of the server</a:t>
-            </a:r>
-            <a:r>
-              <a:rPr lang="ja-JP" altLang="en-US" sz="1800" dirty="0"/>
-              <a:t> </a:t>
-            </a:r>
-            <a:r>
-              <a:rPr lang="en-US" altLang="ja-JP" sz="1800" dirty="0"/>
-              <a:t>into the text field and will connect </a:t>
-            </a:r>
-          </a:p>
-          <a:p>
-            <a:r>
-              <a:rPr lang="en-US" altLang="ja-JP" sz="1800" dirty="0"/>
-              <a:t>Inserted with it the guidelines in case the user fails to connect to the server successfully</a:t>
-            </a:r>
-          </a:p>
-          <a:p>
-            <a:endParaRPr lang="en-US" altLang="ja-JP" sz="1800" dirty="0"/>
-          </a:p>
-        </p:txBody>
-      </p:sp>
-      <p:cxnSp>
-        <p:nvCxnSpPr>
-          <p:cNvPr id="4" name="直線コネクタ 3">
-            <a:extLst>
-              <a:ext uri="{FF2B5EF4-FFF2-40B4-BE49-F238E27FC236}">
-                <a16:creationId xmlns:a16="http://schemas.microsoft.com/office/drawing/2014/main" id="{77FD0231-A0D6-70F0-63A7-A1184127BCDF}"/>
-              </a:ext>
-            </a:extLst>
-          </p:cNvPr>
-          <p:cNvCxnSpPr>
-            <a:cxnSpLocks/>
-          </p:cNvCxnSpPr>
-          <p:nvPr/>
-        </p:nvCxnSpPr>
-        <p:spPr>
-          <a:xfrm>
-            <a:off x="627529" y="1001486"/>
-            <a:ext cx="10726271" cy="0"/>
-          </a:xfrm>
-          <a:prstGeom prst="line">
-            <a:avLst/>
-          </a:prstGeom>
-          <a:ln w="38100" cmpd="dbl">
-            <a:solidFill>
-              <a:schemeClr val="tx1"/>
-            </a:solidFill>
-          </a:ln>
-        </p:spPr>
-        <p:style>
-          <a:lnRef idx="1">
-            <a:schemeClr val="accent1"/>
-          </a:lnRef>
-          <a:fillRef idx="0">
-            <a:schemeClr val="accent1"/>
-          </a:fillRef>
-          <a:effectRef idx="0">
-            <a:schemeClr val="accent1"/>
-          </a:effectRef>
-          <a:fontRef idx="minor">
-            <a:schemeClr val="tx1"/>
-          </a:fontRef>
-        </p:style>
-      </p:cxnSp>
-      <p:pic>
-        <p:nvPicPr>
-          <p:cNvPr id="6" name="図 5" descr="グラフィカル ユーザー インターフェイス, テキスト, アプリケーション&#10;&#10;自動的に生成された説明">
-            <a:extLst>
-              <a:ext uri="{FF2B5EF4-FFF2-40B4-BE49-F238E27FC236}">
-                <a16:creationId xmlns:a16="http://schemas.microsoft.com/office/drawing/2014/main" id="{2C5B2021-9737-B696-9B18-083F11BCA9E2}"/>
-              </a:ext>
-            </a:extLst>
-          </p:cNvPr>
-          <p:cNvPicPr>
-            <a:picLocks noChangeAspect="1"/>
-          </p:cNvPicPr>
-          <p:nvPr/>
-        </p:nvPicPr>
-        <p:blipFill>
-          <a:blip r:embed="rId2">
-            <a:extLst>
-              <a:ext uri="{28A0092B-C50C-407E-A947-70E740481C1C}">
-                <a14:useLocalDpi xmlns:a14="http://schemas.microsoft.com/office/drawing/2010/main" val="0"/>
-              </a:ext>
-            </a:extLst>
-          </a:blip>
-          <a:stretch>
-            <a:fillRect/>
-          </a:stretch>
-        </p:blipFill>
-        <p:spPr>
-          <a:xfrm>
-            <a:off x="7902747" y="1001486"/>
-            <a:ext cx="3451053" cy="5100054"/>
-          </a:xfrm>
-          <a:prstGeom prst="rect">
-            <a:avLst/>
-          </a:prstGeom>
-        </p:spPr>
-      </p:pic>
-    </p:spTree>
-    <p:extLst>
-      <p:ext uri="{BB962C8B-B14F-4D97-AF65-F5344CB8AC3E}">
-        <p14:creationId xmlns:p14="http://schemas.microsoft.com/office/powerpoint/2010/main" val="3806400426"/>
-      </p:ext>
-    </p:extLst>
-  </p:cSld>
-  <p:clrMapOvr>
-    <a:masterClrMapping/>
-  </p:clrMapOvr>
-</p:sld>
-</file>
-
-<file path=ppt/slides/slide12.xml><?xml version="1.0" encoding="utf-8"?>
-<p:sld xmlns:a="http://schemas.openxmlformats.org/drawingml/2006/main" xmlns:r="http://schemas.openxmlformats.org/officeDocument/2006/relationships" xmlns:p="http://schemas.openxmlformats.org/presentationml/2006/main">
-  <p:cSld>
-    <p:spTree>
-      <p:nvGrpSpPr>
-        <p:cNvPr id="1" name=""/>
-        <p:cNvGrpSpPr/>
-        <p:nvPr/>
-      </p:nvGrpSpPr>
-      <p:grpSpPr>
-        <a:xfrm>
-          <a:off x="0" y="0"/>
-          <a:ext cx="0" cy="0"/>
-          <a:chOff x="0" y="0"/>
-          <a:chExt cx="0" cy="0"/>
-        </a:xfrm>
-      </p:grpSpPr>
-      <p:sp>
-        <p:nvSpPr>
-          <p:cNvPr id="2" name="タイトル 1">
-            <a:extLst>
-              <a:ext uri="{FF2B5EF4-FFF2-40B4-BE49-F238E27FC236}">
-                <a16:creationId xmlns:a16="http://schemas.microsoft.com/office/drawing/2014/main" id="{6EEB1D21-E123-6A0D-4387-7842071A44C3}"/>
-              </a:ext>
-            </a:extLst>
-          </p:cNvPr>
-          <p:cNvSpPr>
-            <a:spLocks noGrp="1"/>
-          </p:cNvSpPr>
-          <p:nvPr>
-            <p:ph type="title"/>
-          </p:nvPr>
-        </p:nvSpPr>
-        <p:spPr>
-          <a:xfrm>
-            <a:off x="508262" y="6906"/>
-            <a:ext cx="10515600" cy="1325563"/>
-          </a:xfrm>
-        </p:spPr>
-        <p:txBody>
           <a:bodyPr>
             <a:normAutofit/>
           </a:bodyPr>
           <a:lstStyle/>
           <a:p>
             <a:r>
-              <a:rPr kumimoji="1" lang="ja-JP" altLang="en-US" sz="2800" dirty="0"/>
-              <a:t>タイトル画面</a:t>
-            </a:r>
-            <a:r>
-              <a:rPr kumimoji="1" lang="en-US" altLang="ja-JP" sz="2800" dirty="0"/>
+              <a:rPr lang="ja-JP" altLang="en-US" sz="2000" dirty="0"/>
+              <a:t>アプリの全体とシステム全体の説明画面。</a:t>
+            </a:r>
+            <a:endParaRPr lang="en-US" altLang="ja-JP" sz="2000" dirty="0"/>
+          </a:p>
+          <a:p>
+            <a:r>
+              <a:rPr lang="ja-JP" altLang="en-US" sz="2000" dirty="0"/>
+              <a:t>以下の画面と機能をここからアクセス可能：</a:t>
+            </a:r>
+            <a:endParaRPr lang="en-US" altLang="ja-JP" sz="2000" dirty="0"/>
+          </a:p>
+          <a:p>
+            <a:pPr marL="800100" lvl="1" indent="-342900">
+              <a:buFont typeface="+mj-lt"/>
+              <a:buAutoNum type="arabicPeriod"/>
+            </a:pPr>
+            <a:r>
+              <a:rPr lang="ja-JP" altLang="en-US" sz="2000" dirty="0"/>
+              <a:t>説明画面</a:t>
+            </a:r>
+            <a:endParaRPr lang="en-US" altLang="ja-JP" sz="2000" dirty="0"/>
+          </a:p>
+          <a:p>
+            <a:pPr marL="800100" lvl="1" indent="-342900">
+              <a:buFont typeface="+mj-lt"/>
+              <a:buAutoNum type="arabicPeriod"/>
+            </a:pPr>
+            <a:r>
+              <a:rPr lang="ja-JP" altLang="en-US" sz="2000" dirty="0"/>
+              <a:t>メンテナンス画面</a:t>
+            </a:r>
+            <a:r>
+              <a:rPr lang="en-US" altLang="ja-JP" sz="2000" dirty="0"/>
+              <a:t> </a:t>
+            </a:r>
+          </a:p>
+          <a:p>
+            <a:pPr marL="800100" lvl="1" indent="-342900">
+              <a:buFont typeface="+mj-lt"/>
+              <a:buAutoNum type="arabicPeriod"/>
+            </a:pPr>
+            <a:r>
+              <a:rPr lang="ja-JP" altLang="en-US" sz="2000" dirty="0"/>
+              <a:t>シャットダウンと再起動機能</a:t>
+            </a:r>
+            <a:r>
+              <a:rPr lang="en-US" altLang="ja-JP" sz="2000" dirty="0"/>
               <a:t>(</a:t>
             </a:r>
             <a:r>
-              <a:rPr lang="en-US" altLang="ja-JP" sz="2800" dirty="0"/>
-              <a:t>Title</a:t>
-            </a:r>
-            <a:r>
-              <a:rPr kumimoji="1" lang="ja-JP" altLang="en-US" sz="2800" dirty="0"/>
-              <a:t> </a:t>
-            </a:r>
-            <a:r>
-              <a:rPr kumimoji="1" lang="en-US" altLang="ja-JP" sz="2800" dirty="0"/>
-              <a:t>Window</a:t>
-            </a:r>
-            <a:r>
-              <a:rPr lang="ja-JP" altLang="en-US" sz="2800" dirty="0"/>
-              <a:t>）</a:t>
-            </a:r>
-            <a:endParaRPr kumimoji="1" lang="ja-JP" altLang="en-US" dirty="0"/>
-          </a:p>
-        </p:txBody>
-      </p:sp>
-      <p:sp>
-        <p:nvSpPr>
-          <p:cNvPr id="3" name="コンテンツ プレースホルダー 2">
-            <a:extLst>
-              <a:ext uri="{FF2B5EF4-FFF2-40B4-BE49-F238E27FC236}">
-                <a16:creationId xmlns:a16="http://schemas.microsoft.com/office/drawing/2014/main" id="{FBEFD887-8E4D-0747-2470-BA7EA0F692F7}"/>
-              </a:ext>
-            </a:extLst>
-          </p:cNvPr>
-          <p:cNvSpPr>
-            <a:spLocks noGrp="1"/>
-          </p:cNvSpPr>
-          <p:nvPr>
-            <p:ph idx="1"/>
-          </p:nvPr>
-        </p:nvSpPr>
-        <p:spPr>
-          <a:xfrm>
-            <a:off x="627529" y="1332469"/>
-            <a:ext cx="5797731" cy="4160520"/>
-          </a:xfrm>
-        </p:spPr>
-        <p:txBody>
-          <a:bodyPr/>
-          <a:lstStyle/>
-          <a:p>
-            <a:r>
-              <a:rPr lang="en-US" altLang="ja-JP" sz="1800" dirty="0"/>
-              <a:t>Explaining about the whole system that the application will provide service </a:t>
-            </a:r>
-          </a:p>
-          <a:p>
-            <a:r>
-              <a:rPr lang="en-US" altLang="ja-JP" sz="1800" dirty="0"/>
-              <a:t>You can access multiple screens from here</a:t>
-            </a:r>
-          </a:p>
-          <a:p>
-            <a:pPr lvl="1"/>
-            <a:r>
-              <a:rPr lang="en-US" altLang="ja-JP" sz="1400" dirty="0"/>
-              <a:t>Explanation screen</a:t>
-            </a:r>
-          </a:p>
-          <a:p>
-            <a:pPr lvl="1"/>
-            <a:r>
-              <a:rPr lang="en-US" altLang="ja-JP" sz="1400" dirty="0"/>
-              <a:t>Maintenance screen a</a:t>
-            </a:r>
-          </a:p>
-          <a:p>
-            <a:pPr lvl="1"/>
-            <a:r>
-              <a:rPr lang="en-US" altLang="ja-JP" sz="1400" dirty="0"/>
-              <a:t>And the shutdown button(shutdown button and application will end)</a:t>
-            </a:r>
-          </a:p>
-          <a:p>
-            <a:r>
-              <a:rPr lang="en-US" altLang="ja-JP" sz="1800" dirty="0"/>
-              <a:t>A popup window will appear in case the user accidentally press the shutdown button to prevent accidental shutdown</a:t>
-            </a:r>
-          </a:p>
-          <a:p>
-            <a:pPr marL="0" indent="0">
-              <a:buNone/>
-            </a:pPr>
-            <a:endParaRPr kumimoji="1" lang="ja-JP" altLang="en-US" sz="1800" dirty="0"/>
+              <a:rPr lang="ja-JP" altLang="en-US" sz="2000" dirty="0"/>
+              <a:t>センサー異常が発生するたび再起動操作を提案する</a:t>
+            </a:r>
+            <a:r>
+              <a:rPr lang="en-US" altLang="ja-JP" sz="2000" dirty="0"/>
+              <a:t>)</a:t>
+            </a:r>
+          </a:p>
+          <a:p>
+            <a:r>
+              <a:rPr lang="ja-JP" altLang="en-US" sz="2000" dirty="0"/>
+              <a:t>誤操作を避けるためにシャットダウンボタンを押す度確認ポップアップを表示する。</a:t>
+            </a:r>
+            <a:endParaRPr kumimoji="1" lang="ja-JP" altLang="en-US" sz="2000" dirty="0"/>
           </a:p>
         </p:txBody>
       </p:sp>
@@ -22273,7 +21983,7 @@
         </p:blipFill>
         <p:spPr>
           <a:xfrm>
-            <a:off x="7845953" y="1001486"/>
+            <a:off x="7516015" y="1071154"/>
             <a:ext cx="3507847" cy="5166558"/>
           </a:xfrm>
           <a:prstGeom prst="rect">
@@ -22281,6 +21991,189 @@
           </a:prstGeom>
         </p:spPr>
       </p:pic>
+      <p:sp>
+        <p:nvSpPr>
+          <p:cNvPr id="5" name="Oval 4">
+            <a:extLst>
+              <a:ext uri="{FF2B5EF4-FFF2-40B4-BE49-F238E27FC236}">
+                <a16:creationId xmlns:a16="http://schemas.microsoft.com/office/drawing/2014/main" id="{56D9A530-789C-BABD-3F4C-B9AC537BF942}"/>
+              </a:ext>
+            </a:extLst>
+          </p:cNvPr>
+          <p:cNvSpPr/>
+          <p:nvPr/>
+        </p:nvSpPr>
+        <p:spPr>
+          <a:xfrm>
+            <a:off x="10955894" y="1314602"/>
+            <a:ext cx="374469" cy="366716"/>
+          </a:xfrm>
+          <a:prstGeom prst="ellipse">
+            <a:avLst/>
+          </a:prstGeom>
+          <a:solidFill>
+            <a:srgbClr val="FFFF00"/>
+          </a:solidFill>
+        </p:spPr>
+        <p:style>
+          <a:lnRef idx="2">
+            <a:schemeClr val="accent1">
+              <a:shade val="15000"/>
+            </a:schemeClr>
+          </a:lnRef>
+          <a:fillRef idx="1">
+            <a:schemeClr val="accent1"/>
+          </a:fillRef>
+          <a:effectRef idx="0">
+            <a:schemeClr val="accent1"/>
+          </a:effectRef>
+          <a:fontRef idx="minor">
+            <a:schemeClr val="lt1"/>
+          </a:fontRef>
+        </p:style>
+        <p:txBody>
+          <a:bodyPr rtlCol="0" anchor="ctr"/>
+          <a:lstStyle/>
+          <a:p>
+            <a:pPr algn="ctr"/>
+            <a:r>
+              <a:rPr lang="en-US" altLang="ja-JP" dirty="0">
+                <a:solidFill>
+                  <a:schemeClr val="tx1"/>
+                </a:solidFill>
+              </a:rPr>
+              <a:t>1</a:t>
+            </a:r>
+            <a:endParaRPr lang="en-US" dirty="0">
+              <a:solidFill>
+                <a:schemeClr val="tx1"/>
+              </a:solidFill>
+            </a:endParaRPr>
+          </a:p>
+        </p:txBody>
+      </p:sp>
+      <p:sp>
+        <p:nvSpPr>
+          <p:cNvPr id="6" name="Oval 5">
+            <a:extLst>
+              <a:ext uri="{FF2B5EF4-FFF2-40B4-BE49-F238E27FC236}">
+                <a16:creationId xmlns:a16="http://schemas.microsoft.com/office/drawing/2014/main" id="{EAB87F69-3E38-144C-5A4F-86A2D81A05CF}"/>
+              </a:ext>
+            </a:extLst>
+          </p:cNvPr>
+          <p:cNvSpPr/>
+          <p:nvPr/>
+        </p:nvSpPr>
+        <p:spPr>
+          <a:xfrm>
+            <a:off x="10223282" y="1000587"/>
+            <a:ext cx="374469" cy="366716"/>
+          </a:xfrm>
+          <a:prstGeom prst="ellipse">
+            <a:avLst/>
+          </a:prstGeom>
+          <a:solidFill>
+            <a:srgbClr val="FFFF00"/>
+          </a:solidFill>
+        </p:spPr>
+        <p:style>
+          <a:lnRef idx="2">
+            <a:schemeClr val="accent1">
+              <a:shade val="15000"/>
+            </a:schemeClr>
+          </a:lnRef>
+          <a:fillRef idx="1">
+            <a:schemeClr val="accent1"/>
+          </a:fillRef>
+          <a:effectRef idx="0">
+            <a:schemeClr val="accent1"/>
+          </a:effectRef>
+          <a:fontRef idx="minor">
+            <a:schemeClr val="lt1"/>
+          </a:fontRef>
+        </p:style>
+        <p:txBody>
+          <a:bodyPr rtlCol="0" anchor="ctr"/>
+          <a:lstStyle/>
+          <a:p>
+            <a:pPr algn="ctr"/>
+            <a:r>
+              <a:rPr lang="en-US" altLang="ja-JP" dirty="0">
+                <a:solidFill>
+                  <a:schemeClr val="tx1"/>
+                </a:solidFill>
+              </a:rPr>
+              <a:t>3</a:t>
+            </a:r>
+            <a:endParaRPr lang="en-US" dirty="0">
+              <a:solidFill>
+                <a:schemeClr val="tx1"/>
+              </a:solidFill>
+            </a:endParaRPr>
+          </a:p>
+        </p:txBody>
+      </p:sp>
+      <p:sp>
+        <p:nvSpPr>
+          <p:cNvPr id="8" name="Oval 7">
+            <a:extLst>
+              <a:ext uri="{FF2B5EF4-FFF2-40B4-BE49-F238E27FC236}">
+                <a16:creationId xmlns:a16="http://schemas.microsoft.com/office/drawing/2014/main" id="{B7CDE190-6DBE-7694-14F1-D534DDE71DEA}"/>
+              </a:ext>
+            </a:extLst>
+          </p:cNvPr>
+          <p:cNvSpPr/>
+          <p:nvPr/>
+        </p:nvSpPr>
+        <p:spPr>
+          <a:xfrm>
+            <a:off x="7264783" y="1183945"/>
+            <a:ext cx="374469" cy="366716"/>
+          </a:xfrm>
+          <a:prstGeom prst="ellipse">
+            <a:avLst/>
+          </a:prstGeom>
+          <a:solidFill>
+            <a:srgbClr val="FFFF00"/>
+          </a:solidFill>
+        </p:spPr>
+        <p:style>
+          <a:lnRef idx="2">
+            <a:schemeClr val="accent1">
+              <a:shade val="15000"/>
+            </a:schemeClr>
+          </a:lnRef>
+          <a:fillRef idx="1">
+            <a:schemeClr val="accent1"/>
+          </a:fillRef>
+          <a:effectRef idx="0">
+            <a:schemeClr val="accent1"/>
+          </a:effectRef>
+          <a:fontRef idx="minor">
+            <a:schemeClr val="lt1"/>
+          </a:fontRef>
+        </p:style>
+        <p:txBody>
+          <a:bodyPr rtlCol="0" anchor="ctr"/>
+          <a:lstStyle/>
+          <a:p>
+            <a:pPr algn="ctr"/>
+            <a:r>
+              <a:rPr lang="en-US" altLang="ja-JP" dirty="0">
+                <a:solidFill>
+                  <a:schemeClr val="tx1"/>
+                </a:solidFill>
+              </a:rPr>
+              <a:t>2</a:t>
+            </a:r>
+            <a:endParaRPr lang="en-US" dirty="0">
+              <a:solidFill>
+                <a:schemeClr val="tx1"/>
+              </a:solidFill>
+            </a:endParaRPr>
+          </a:p>
+        </p:txBody>
+      </p:sp>
     </p:spTree>
     <p:extLst>
       <p:ext uri="{BB962C8B-B14F-4D97-AF65-F5344CB8AC3E}">
@@ -22294,7 +22187,7 @@
 </p:sld>
 </file>
 
-<file path=ppt/slides/slide13.xml><?xml version="1.0" encoding="utf-8"?>
+<file path=ppt/slides/slide11.xml><?xml version="1.0" encoding="utf-8"?>
 <p:sld xmlns:a="http://schemas.openxmlformats.org/drawingml/2006/main" xmlns:r="http://schemas.openxmlformats.org/officeDocument/2006/relationships" xmlns:p="http://schemas.openxmlformats.org/presentationml/2006/main">
   <p:cSld>
     <p:spTree>
@@ -22385,19 +22278,20 @@
         </p:nvSpPr>
         <p:spPr>
           <a:xfrm>
-            <a:off x="627529" y="1332469"/>
-            <a:ext cx="5797731" cy="4160520"/>
+            <a:off x="627529" y="1140824"/>
+            <a:ext cx="5797731" cy="3315846"/>
           </a:xfrm>
         </p:spPr>
         <p:txBody>
-          <a:bodyPr/>
+          <a:bodyPr>
+            <a:normAutofit/>
+          </a:bodyPr>
           <a:lstStyle/>
           <a:p>
             <a:r>
-              <a:rPr kumimoji="1" lang="en-US" altLang="ja-JP" sz="1800" dirty="0"/>
-              <a:t>This screen will explain the flow of the test and what is expected from the user </a:t>
-            </a:r>
-            <a:endParaRPr kumimoji="1" lang="ja-JP" altLang="en-US" sz="1800" dirty="0"/>
+              <a:rPr kumimoji="1" lang="ja-JP" altLang="en-US" sz="2000" dirty="0"/>
+              <a:t>テストの時の動作や立ち上がりテストの詳細説明を表示する画面</a:t>
+            </a:r>
           </a:p>
         </p:txBody>
       </p:sp>
@@ -22472,7 +22366,7 @@
         </p:blipFill>
         <p:spPr>
           <a:xfrm>
-            <a:off x="7731449" y="1001486"/>
+            <a:off x="7731449" y="1140824"/>
             <a:ext cx="3622351" cy="5366061"/>
           </a:xfrm>
           <a:prstGeom prst="rect">
@@ -22493,7 +22387,7 @@
 </p:sld>
 </file>
 
-<file path=ppt/slides/slide14.xml><?xml version="1.0" encoding="utf-8"?>
+<file path=ppt/slides/slide12.xml><?xml version="1.0" encoding="utf-8"?>
 <p:sld xmlns:a="http://schemas.openxmlformats.org/drawingml/2006/main" xmlns:r="http://schemas.openxmlformats.org/officeDocument/2006/relationships" xmlns:p="http://schemas.openxmlformats.org/presentationml/2006/main">
   <p:cSld>
     <p:spTree>
@@ -22586,64 +22480,67 @@
         </p:spPr>
         <p:txBody>
           <a:bodyPr>
-            <a:normAutofit lnSpcReduction="10000"/>
+            <a:noAutofit/>
           </a:bodyPr>
           <a:lstStyle/>
           <a:p>
             <a:r>
-              <a:rPr lang="en-US" altLang="ja-JP" sz="1800" dirty="0"/>
-              <a:t>User will input their height and  age so that system can provide appropriate measurements that will cater to the user based on the metrics inputted</a:t>
-            </a:r>
-          </a:p>
-          <a:p>
-            <a:r>
-              <a:rPr lang="en-US" altLang="ja-JP" sz="1800" dirty="0"/>
-              <a:t>For the gender button it is still yet to be implemented, because the calculations involved does not require the metrics, “gender”</a:t>
-            </a:r>
-          </a:p>
-          <a:p>
-            <a:r>
-              <a:rPr lang="en-US" altLang="ja-JP" sz="1800" dirty="0"/>
-              <a:t>User can either take the test straight away of practice first until they are confident before taking the test</a:t>
-            </a:r>
-          </a:p>
-          <a:p>
-            <a:r>
-              <a:rPr lang="en-US" altLang="ja-JP" sz="1800" dirty="0"/>
-              <a:t>The </a:t>
-            </a:r>
-            <a:r>
-              <a:rPr lang="en-US" altLang="ja-JP" sz="1800" dirty="0" err="1"/>
-              <a:t>textfield</a:t>
-            </a:r>
-            <a:r>
-              <a:rPr lang="en-US" altLang="ja-JP" sz="1800" dirty="0"/>
-              <a:t> will be highlighted in the case of inappropriate values are inputted and </a:t>
-            </a:r>
-            <a:r>
-              <a:rPr lang="en-US" altLang="ja-JP" sz="1800" dirty="0" err="1"/>
-              <a:t>and</a:t>
-            </a:r>
-            <a:r>
-              <a:rPr lang="en-US" altLang="ja-JP" sz="1800" dirty="0"/>
-              <a:t> error message will appear. </a:t>
-            </a:r>
-          </a:p>
-          <a:p>
-            <a:r>
-              <a:rPr lang="en-US" altLang="ja-JP" sz="1800" dirty="0"/>
-              <a:t>For the time being the range for age is (15-95)</a:t>
-            </a:r>
-          </a:p>
-          <a:p>
-            <a:r>
-              <a:rPr kumimoji="1" lang="en-US" altLang="ja-JP" sz="1800" dirty="0"/>
-              <a:t>For height it is 90cm-200cm</a:t>
-            </a:r>
-            <a:endParaRPr kumimoji="1" lang="ja-JP" altLang="en-US" sz="1800" dirty="0"/>
-          </a:p>
-          <a:p>
-            <a:endParaRPr kumimoji="1" lang="ja-JP" altLang="en-US" sz="1800" dirty="0"/>
+              <a:rPr lang="ja-JP" altLang="en-US" sz="2000" dirty="0"/>
+              <a:t>ユーザーは自分の身長と年齢を入力し、システムは入力されたメトリクスに基づいてユーザーに適切な測定値を提供する。</a:t>
+            </a:r>
+            <a:endParaRPr lang="en-US" altLang="ja-JP" sz="2000" dirty="0"/>
+          </a:p>
+          <a:p>
+            <a:r>
+              <a:rPr lang="ja-JP" altLang="en-US" sz="2000" dirty="0"/>
+              <a:t>「性別」のメトリクスはまだ実装されていない。なぜなら、関連する計算にはまだ必要がない。</a:t>
+            </a:r>
+            <a:endParaRPr lang="en-US" altLang="ja-JP" sz="2000" dirty="0"/>
+          </a:p>
+          <a:p>
+            <a:r>
+              <a:rPr lang="ja-JP" altLang="en-US" sz="2000" dirty="0"/>
+              <a:t>ユーザーはテストをすぐに受けるか、テストを受ける前に自信を持つまで練習することができる。</a:t>
+            </a:r>
+            <a:endParaRPr lang="en-US" altLang="ja-JP" sz="2000" dirty="0"/>
+          </a:p>
+          <a:p>
+            <a:r>
+              <a:rPr lang="ja-JP" altLang="en-US" sz="2000" dirty="0"/>
+              <a:t>不適切な値が入力された場合、テキストフィールドが強調表示され、エラーメッセージが表示される。</a:t>
+            </a:r>
+            <a:endParaRPr lang="en-US" altLang="ja-JP" sz="2000" dirty="0"/>
+          </a:p>
+          <a:p>
+            <a:r>
+              <a:rPr lang="ja-JP" altLang="en-US" sz="2000" dirty="0"/>
+              <a:t>年齢の範囲は（</a:t>
+            </a:r>
+            <a:r>
+              <a:rPr lang="en-US" altLang="ja-JP" sz="2000" dirty="0"/>
+              <a:t>15-95</a:t>
+            </a:r>
+            <a:r>
+              <a:rPr lang="ja-JP" altLang="en-US" sz="2000" dirty="0"/>
+              <a:t>歳）で、身長の範囲は</a:t>
+            </a:r>
+            <a:r>
+              <a:rPr lang="en-US" altLang="ja-JP" sz="2000" dirty="0"/>
+              <a:t>90cm</a:t>
+            </a:r>
+            <a:r>
+              <a:rPr lang="ja-JP" altLang="en-US" sz="2000" dirty="0"/>
+              <a:t>から</a:t>
+            </a:r>
+            <a:r>
+              <a:rPr lang="en-US" altLang="ja-JP" sz="2000" dirty="0"/>
+              <a:t>200cm</a:t>
+            </a:r>
+            <a:r>
+              <a:rPr lang="ja-JP" altLang="en-US" sz="2000" dirty="0"/>
+              <a:t>である</a:t>
+            </a:r>
+            <a:endParaRPr kumimoji="1" lang="ja-JP" altLang="en-US" sz="2000" dirty="0"/>
           </a:p>
         </p:txBody>
       </p:sp>
@@ -22718,7 +22615,7 @@
         </p:blipFill>
         <p:spPr>
           <a:xfrm>
-            <a:off x="7788312" y="1001486"/>
+            <a:off x="7788312" y="1123406"/>
             <a:ext cx="3565488" cy="5228705"/>
           </a:xfrm>
           <a:prstGeom prst="rect">
@@ -22739,7 +22636,7 @@
 </p:sld>
 </file>
 
-<file path=ppt/slides/slide15.xml><?xml version="1.0" encoding="utf-8"?>
+<file path=ppt/slides/slide13.xml><?xml version="1.0" encoding="utf-8"?>
 <p:sld xmlns:a="http://schemas.openxmlformats.org/drawingml/2006/main" xmlns:r="http://schemas.openxmlformats.org/officeDocument/2006/relationships" xmlns:p="http://schemas.openxmlformats.org/presentationml/2006/main">
   <p:cSld>
     <p:spTree>
@@ -22835,39 +22732,37 @@
           </a:xfrm>
         </p:spPr>
         <p:txBody>
-          <a:bodyPr/>
+          <a:bodyPr>
+            <a:normAutofit/>
+          </a:bodyPr>
           <a:lstStyle/>
           <a:p>
             <a:r>
-              <a:rPr kumimoji="1" lang="en-US" altLang="ja-JP" sz="1800" dirty="0"/>
-              <a:t>Basically, the loading window while waiting for the chair to move to the calculated height</a:t>
-            </a:r>
-          </a:p>
-          <a:p>
-            <a:r>
-              <a:rPr lang="en-US" altLang="ja-JP" sz="1800" dirty="0"/>
-              <a:t>User cannot move to another screen while the chair is moving</a:t>
-            </a:r>
-          </a:p>
-          <a:p>
-            <a:r>
-              <a:rPr kumimoji="1" lang="en-US" altLang="ja-JP" sz="1800" dirty="0"/>
-              <a:t>In the case of error while the chair is moving, A popup window will appear and  bring the user back to the input screen</a:t>
-            </a:r>
-          </a:p>
-          <a:p>
-            <a:endParaRPr lang="en-US" altLang="ja-JP" sz="1800" dirty="0"/>
-          </a:p>
-          <a:p>
-            <a:r>
-              <a:rPr kumimoji="1" lang="en-US" altLang="ja-JP" sz="1800" dirty="0"/>
-              <a:t>A thread process is used to separate between th</a:t>
-            </a:r>
-            <a:r>
-              <a:rPr lang="en-US" altLang="ja-JP" sz="1800" dirty="0"/>
-              <a:t>e GUI and the daemon process as not to interrupt one another</a:t>
-            </a:r>
-            <a:endParaRPr kumimoji="1" lang="en-US" altLang="ja-JP" sz="1800" dirty="0"/>
+              <a:rPr lang="ja-JP" altLang="en-US" sz="2000" dirty="0"/>
+              <a:t>椅子が目標の高さに移動するのを待っている間のローディング画面</a:t>
+            </a:r>
+            <a:endParaRPr lang="en-US" altLang="ja-JP" sz="2000" dirty="0"/>
+          </a:p>
+          <a:p>
+            <a:r>
+              <a:rPr lang="ja-JP" altLang="en-US" sz="2000" dirty="0"/>
+              <a:t>ユーザーは椅子が動いている間に別の画面に移動することはできない。</a:t>
+            </a:r>
+            <a:endParaRPr lang="en-US" altLang="ja-JP" sz="2000" dirty="0"/>
+          </a:p>
+          <a:p>
+            <a:r>
+              <a:rPr lang="ja-JP" altLang="en-US" sz="2000" dirty="0"/>
+              <a:t>椅子が動いている最中にエラーが発生した場合（緊急停止）、ポップアップ画面が表示され、ユーザーが入力画面に戻される。</a:t>
+            </a:r>
+            <a:endParaRPr lang="en-US" altLang="ja-JP" sz="2000" dirty="0"/>
+          </a:p>
+          <a:p>
+            <a:r>
+              <a:rPr lang="ja-JP" altLang="en-US" sz="2000" dirty="0"/>
+              <a:t>「進む」ボタンは計算された高さに達するまで無効になる。</a:t>
+            </a:r>
+            <a:endParaRPr kumimoji="1" lang="en-US" altLang="ja-JP" sz="2000" dirty="0"/>
           </a:p>
         </p:txBody>
       </p:sp>
@@ -22963,7 +22858,7 @@
 </p:sld>
 </file>
 
-<file path=ppt/slides/slide16.xml><?xml version="1.0" encoding="utf-8"?>
+<file path=ppt/slides/slide14.xml><?xml version="1.0" encoding="utf-8"?>
 <p:sld xmlns:a="http://schemas.openxmlformats.org/drawingml/2006/main" xmlns:r="http://schemas.openxmlformats.org/officeDocument/2006/relationships" xmlns:p="http://schemas.openxmlformats.org/presentationml/2006/main">
   <p:cSld>
     <p:spTree>
@@ -23055,40 +22950,57 @@
         <p:spPr>
           <a:xfrm>
             <a:off x="627529" y="1332469"/>
-            <a:ext cx="5797731" cy="4160520"/>
+            <a:ext cx="5797731" cy="4589360"/>
           </a:xfrm>
         </p:spPr>
         <p:txBody>
-          <a:bodyPr/>
+          <a:bodyPr>
+            <a:normAutofit/>
+          </a:bodyPr>
           <a:lstStyle/>
           <a:p>
             <a:r>
-              <a:rPr kumimoji="1" lang="en-US" altLang="ja-JP" sz="1800" dirty="0"/>
-              <a:t>This window will guide the user on what to do during the test , a clear picture and instruction is provided. </a:t>
-            </a:r>
-          </a:p>
-          <a:p>
-            <a:r>
-              <a:rPr lang="en-US" altLang="ja-JP" sz="1800" dirty="0"/>
-              <a:t>User must choose between either they fail or pass the current test so that they can proceed to the next stage of the test</a:t>
-            </a:r>
-          </a:p>
-          <a:p>
-            <a:r>
-              <a:rPr kumimoji="1" lang="en-US" altLang="ja-JP" sz="1800" dirty="0"/>
-              <a:t>The retry b</a:t>
-            </a:r>
-            <a:r>
-              <a:rPr lang="en-US" altLang="ja-JP" sz="1800" dirty="0"/>
-              <a:t>utton will change the text and guide the user in case they want to retry the current stage of the test</a:t>
-            </a:r>
-          </a:p>
-          <a:p>
-            <a:r>
-              <a:rPr lang="en-US" altLang="ja-JP" sz="1800" dirty="0"/>
-              <a:t>Number of retries will not affect the results for test as of now</a:t>
-            </a:r>
-            <a:endParaRPr kumimoji="1" lang="ja-JP" altLang="en-US" sz="1800" dirty="0"/>
+              <a:rPr lang="ja-JP" altLang="en-US" sz="2000" dirty="0"/>
+              <a:t>この画面は、テスト画面でユーザーに何をするかを案内する。明確な画像と説明が提供する。</a:t>
+            </a:r>
+            <a:endParaRPr lang="en-US" altLang="ja-JP" sz="2000" dirty="0"/>
+          </a:p>
+          <a:p>
+            <a:r>
+              <a:rPr lang="ja-JP" altLang="en-US" sz="2000" dirty="0"/>
+              <a:t>ユーザーは現在のテストに合格するか不合格にするかを選択し、次のステージに進む。</a:t>
+            </a:r>
+            <a:endParaRPr lang="en-US" altLang="ja-JP" sz="2000" dirty="0"/>
+          </a:p>
+          <a:p>
+            <a:r>
+              <a:rPr lang="ja-JP" altLang="en-US" sz="2000" dirty="0"/>
+              <a:t>現時点では、再試回数はテストの結果に影響しない</a:t>
+            </a:r>
+            <a:endParaRPr kumimoji="1" lang="en-US" altLang="ja-JP" sz="2000" dirty="0"/>
+          </a:p>
+          <a:p>
+            <a:r>
+              <a:rPr lang="ja-JP" altLang="en-US" sz="2000" dirty="0"/>
+              <a:t>「未実装」</a:t>
+            </a:r>
+            <a:r>
+              <a:rPr lang="en-US" altLang="ja-JP" sz="2000" dirty="0"/>
+              <a:t>; </a:t>
+            </a:r>
+            <a:r>
+              <a:rPr lang="ja-JP" altLang="en-US" sz="2000" dirty="0"/>
+              <a:t>画像の代わりにビデオや</a:t>
+            </a:r>
+            <a:r>
+              <a:rPr lang="en-US" altLang="ja-JP" sz="2000" dirty="0"/>
+              <a:t>GIF</a:t>
+            </a:r>
+            <a:r>
+              <a:rPr lang="ja-JP" altLang="en-US" sz="2000" dirty="0"/>
+              <a:t>を挿入して理解しやすくする予定。</a:t>
+            </a:r>
+            <a:endParaRPr kumimoji="1" lang="ja-JP" altLang="en-US" sz="2000" dirty="0"/>
           </a:p>
         </p:txBody>
       </p:sp>
@@ -23163,8 +23075,8 @@
         </p:blipFill>
         <p:spPr>
           <a:xfrm>
-            <a:off x="7665348" y="1001486"/>
-            <a:ext cx="3688452" cy="5432563"/>
+            <a:off x="7876019" y="1114699"/>
+            <a:ext cx="3477781" cy="5122275"/>
           </a:xfrm>
           <a:prstGeom prst="rect">
             <a:avLst/>
@@ -23184,7 +23096,7 @@
 </p:sld>
 </file>
 
-<file path=ppt/slides/slide17.xml><?xml version="1.0" encoding="utf-8"?>
+<file path=ppt/slides/slide15.xml><?xml version="1.0" encoding="utf-8"?>
 <p:sld xmlns:a="http://schemas.openxmlformats.org/drawingml/2006/main" xmlns:r="http://schemas.openxmlformats.org/officeDocument/2006/relationships" xmlns:p="http://schemas.openxmlformats.org/presentationml/2006/main">
   <p:cSld>
     <p:spTree>
@@ -23276,36 +23188,24 @@
           </a:xfrm>
         </p:spPr>
         <p:txBody>
-          <a:bodyPr/>
+          <a:bodyPr>
+            <a:normAutofit/>
+          </a:bodyPr>
           <a:lstStyle/>
           <a:p>
             <a:r>
-              <a:rPr kumimoji="1" lang="en-US" altLang="ja-JP" sz="1800" dirty="0"/>
-              <a:t>This window will guide the user on what to do during the test , a clear picture and instruction is provided. </a:t>
-            </a:r>
-          </a:p>
-          <a:p>
-            <a:r>
-              <a:rPr lang="en-US" altLang="ja-JP" sz="1800" dirty="0"/>
-              <a:t>User must choose between either they fail or pass the current test so that they can proceed to the next stage of the test</a:t>
-            </a:r>
-          </a:p>
-          <a:p>
-            <a:r>
-              <a:rPr kumimoji="1" lang="en-US" altLang="ja-JP" sz="1800" dirty="0"/>
-              <a:t>The retry b</a:t>
-            </a:r>
-            <a:r>
-              <a:rPr lang="en-US" altLang="ja-JP" sz="1800" dirty="0"/>
-              <a:t>utton will change the text and guide the user in case they want to retry the current stage of the test</a:t>
-            </a:r>
-          </a:p>
-          <a:p>
-            <a:r>
-              <a:rPr lang="en-US" altLang="ja-JP" sz="1800" dirty="0"/>
-              <a:t>Number of retries will not affect the results for test as of now</a:t>
-            </a:r>
-            <a:endParaRPr kumimoji="1" lang="ja-JP" altLang="en-US" sz="1800" dirty="0"/>
+              <a:rPr lang="ja-JP" altLang="en-US" sz="2000" dirty="0"/>
+              <a:t>「練習画面」は「テスト画面」と同じ機能を持っているが、テストは</a:t>
+            </a:r>
+            <a:r>
+              <a:rPr lang="en-US" altLang="ja-JP" sz="2000" dirty="0"/>
+              <a:t>1</a:t>
+            </a:r>
+            <a:r>
+              <a:rPr lang="ja-JP" altLang="en-US" sz="2000" dirty="0"/>
+              <a:t>回だけ実行する。練習が終了した後、ユーザーは入力画面に戻れる。</a:t>
+            </a:r>
+            <a:endParaRPr kumimoji="1" lang="ja-JP" altLang="en-US" sz="2000" dirty="0"/>
           </a:p>
         </p:txBody>
       </p:sp>
@@ -23401,7 +23301,7 @@
 </p:sld>
 </file>
 
-<file path=ppt/slides/slide18.xml><?xml version="1.0" encoding="utf-8"?>
+<file path=ppt/slides/slide16.xml><?xml version="1.0" encoding="utf-8"?>
 <p:sld xmlns:a="http://schemas.openxmlformats.org/drawingml/2006/main" xmlns:r="http://schemas.openxmlformats.org/officeDocument/2006/relationships" xmlns:p="http://schemas.openxmlformats.org/presentationml/2006/main">
   <p:cSld>
     <p:spTree>
@@ -23501,48 +23401,92 @@
           </a:xfrm>
         </p:spPr>
         <p:txBody>
-          <a:bodyPr/>
+          <a:bodyPr>
+            <a:normAutofit/>
+          </a:bodyPr>
           <a:lstStyle/>
           <a:p>
             <a:r>
-              <a:rPr kumimoji="1" lang="en-US" altLang="ja-JP" sz="1800" dirty="0"/>
-              <a:t>The result window ill show the advice and your current locomotion age in the case of a bad locomo</a:t>
+              <a:rPr lang="ja-JP" altLang="en-US" sz="1800" dirty="0"/>
+              <a:t>結果画面ではアドバイスと現在の運動年齢が表示されます。悪い運動年齢の場合、例えば実際の年齢</a:t>
             </a:r>
             <a:r>
               <a:rPr lang="en-US" altLang="ja-JP" sz="1800" dirty="0"/>
-              <a:t>tion age </a:t>
-            </a:r>
-            <a:r>
-              <a:rPr lang="en-US" altLang="ja-JP" sz="1800" dirty="0" err="1"/>
-              <a:t>e.g</a:t>
+              <a:t>: 50</a:t>
+            </a:r>
+            <a:r>
+              <a:rPr lang="ja-JP" altLang="en-US" sz="1800" dirty="0"/>
+              <a:t>、運動年齢</a:t>
             </a:r>
             <a:r>
               <a:rPr lang="en-US" altLang="ja-JP" sz="1800" dirty="0"/>
-              <a:t> real age : 50 , locomotion age : 80 the application will advice you to go to take a test at the nearest medical facilities,</a:t>
-            </a:r>
-          </a:p>
-          <a:p>
+              <a:t>: 80</a:t>
+            </a:r>
+            <a:r>
+              <a:rPr lang="ja-JP" altLang="en-US" sz="1800" dirty="0"/>
+              <a:t>の場合、アプリケーションは最寄りの医療機関でテストを受けるように勧める。</a:t>
+            </a:r>
+            <a:endParaRPr lang="en-US" altLang="ja-JP" sz="1800" dirty="0"/>
+          </a:p>
+          <a:p>
+            <a:r>
+              <a:rPr lang="ja-JP" altLang="en-US" sz="1800" dirty="0"/>
+              <a:t>底部の</a:t>
+            </a:r>
             <a:r>
               <a:rPr lang="en-US" altLang="ja-JP" sz="1800" dirty="0"/>
-              <a:t>The four QR code at the bottom will show you the nearest locomotion checkup place and websites on further detailed explanation of the </a:t>
-            </a:r>
-            <a:r>
-              <a:rPr lang="en-US" altLang="ja-JP" sz="1800" dirty="0" err="1"/>
-              <a:t>lomotion</a:t>
+              <a:t>4</a:t>
+            </a:r>
+            <a:r>
+              <a:rPr lang="ja-JP" altLang="en-US" sz="1800" dirty="0"/>
+              <a:t>つの</a:t>
             </a:r>
             <a:r>
               <a:rPr lang="en-US" altLang="ja-JP" sz="1800" dirty="0"/>
-              <a:t> syndrome</a:t>
-            </a:r>
-          </a:p>
-          <a:p>
-            <a:r>
-              <a:rPr kumimoji="1" lang="en-US" altLang="ja-JP" sz="1800" dirty="0"/>
-              <a:t>The end button will bring the </a:t>
-            </a:r>
-            <a:r>
-              <a:rPr lang="en-US" altLang="ja-JP" sz="1800" dirty="0"/>
-              <a:t>user back to the main screen</a:t>
+              <a:t>QR</a:t>
+            </a:r>
+            <a:r>
+              <a:rPr lang="ja-JP" altLang="en-US" sz="1800" dirty="0"/>
+              <a:t>コードは、最寄りの運動機能検査場所と、運動機能症候群の詳細な説明が記載されたウェブサイトを表示する</a:t>
+            </a:r>
+            <a:endParaRPr lang="en-US" altLang="ja-JP" sz="1800" dirty="0"/>
+          </a:p>
+          <a:p>
+            <a:pPr lvl="1"/>
+            <a:r>
+              <a:rPr lang="ja-JP" altLang="en-US" sz="1800" dirty="0"/>
+              <a:t>ロコモについて</a:t>
+            </a:r>
+            <a:endParaRPr lang="en-US" altLang="ja-JP" sz="1800" dirty="0"/>
+          </a:p>
+          <a:p>
+            <a:pPr lvl="1"/>
+            <a:r>
+              <a:rPr lang="ja-JP" altLang="en-US" sz="1800" dirty="0"/>
+              <a:t>宮崎市のロコモ検診</a:t>
+            </a:r>
+            <a:endParaRPr lang="en-US" altLang="ja-JP" sz="1800" dirty="0"/>
+          </a:p>
+          <a:p>
+            <a:pPr lvl="1"/>
+            <a:r>
+              <a:rPr lang="ja-JP" altLang="en-US" sz="1800" dirty="0"/>
+              <a:t>宮崎県健康長寿サポートサイト</a:t>
+            </a:r>
+            <a:endParaRPr lang="en-US" altLang="ja-JP" sz="1800" dirty="0"/>
+          </a:p>
+          <a:p>
+            <a:pPr lvl="1"/>
+            <a:r>
+              <a:rPr lang="ja-JP" altLang="en-US" sz="1800" dirty="0"/>
+              <a:t>近くのロコモ外来病院</a:t>
+            </a:r>
+            <a:endParaRPr lang="en-US" altLang="ja-JP" sz="1800" dirty="0"/>
+          </a:p>
+          <a:p>
+            <a:r>
+              <a:rPr lang="ja-JP" altLang="en-US" sz="1800" dirty="0"/>
+              <a:t>「終了」ボタンはユーザーを入力画面に戻する。</a:t>
             </a:r>
             <a:endParaRPr kumimoji="1" lang="ja-JP" altLang="en-US" sz="1800" dirty="0"/>
           </a:p>
@@ -23619,8 +23563,8 @@
         </p:blipFill>
         <p:spPr>
           <a:xfrm>
-            <a:off x="3760934" y="0"/>
-            <a:ext cx="4670131" cy="6858000"/>
+            <a:off x="7576459" y="1177325"/>
+            <a:ext cx="3666308" cy="5383904"/>
           </a:xfrm>
           <a:prstGeom prst="rect">
             <a:avLst/>
@@ -23640,7 +23584,7 @@
 </p:sld>
 </file>
 
-<file path=ppt/slides/slide19.xml><?xml version="1.0" encoding="utf-8"?>
+<file path=ppt/slides/slide17.xml><?xml version="1.0" encoding="utf-8"?>
 <p:sld xmlns:a="http://schemas.openxmlformats.org/drawingml/2006/main" xmlns:r="http://schemas.openxmlformats.org/officeDocument/2006/relationships" xmlns:p="http://schemas.openxmlformats.org/presentationml/2006/main">
   <p:cSld>
     <p:spTree>
@@ -23732,34 +23676,77 @@
           </a:xfrm>
         </p:spPr>
         <p:txBody>
-          <a:bodyPr/>
+          <a:bodyPr>
+            <a:normAutofit/>
+          </a:bodyPr>
           <a:lstStyle/>
           <a:p>
             <a:r>
-              <a:rPr kumimoji="1" lang="en-US" altLang="ja-JP" sz="1800" dirty="0"/>
-              <a:t>Maintenance window is for adjusting the reading of the sensor .</a:t>
-            </a:r>
-          </a:p>
-          <a:p>
-            <a:r>
-              <a:rPr lang="en-US" altLang="ja-JP" sz="1800" dirty="0"/>
-              <a:t>Because of the sensor is not quite accurate because of the noise especially at further distance, (40cm&gt;) a correction is done.</a:t>
-            </a:r>
-          </a:p>
-          <a:p>
-            <a:r>
-              <a:rPr lang="en-US" altLang="ja-JP" sz="1800" dirty="0"/>
-              <a:t>This screen will ask the person in charge to move the chair three times and each time the current reading of the chair will be recorded (10cm,30cm,50cm)</a:t>
-            </a:r>
-          </a:p>
-          <a:p>
-            <a:r>
-              <a:rPr lang="en-US" altLang="ja-JP" sz="1800" dirty="0"/>
-              <a:t>The calculated correction values will be sent to the chair and stored inside the server. The values stored will be used every time the chair is using the sensor for testing of practice purposes </a:t>
-            </a:r>
-          </a:p>
-          <a:p>
-            <a:endParaRPr kumimoji="1" lang="en-US" altLang="ja-JP" sz="1800" dirty="0"/>
+              <a:rPr lang="ja-JP" altLang="en-US" sz="2000" dirty="0"/>
+              <a:t>「メンテナンス画面」はセンサーの読み取りを調整するためのものです</a:t>
+            </a:r>
+            <a:endParaRPr lang="en-US" altLang="ja-JP" sz="2000" dirty="0"/>
+          </a:p>
+          <a:p>
+            <a:r>
+              <a:rPr lang="ja-JP" altLang="en-US" sz="2000" dirty="0"/>
+              <a:t>センサーはノイズの影響で特に</a:t>
+            </a:r>
+            <a:r>
+              <a:rPr lang="en-US" altLang="ja-JP" sz="2000" dirty="0"/>
+              <a:t>40cm</a:t>
+            </a:r>
+            <a:r>
+              <a:rPr lang="ja-JP" altLang="en-US" sz="2000" dirty="0"/>
+              <a:t>以上の距離ではあまり正確ではありません。補正が行われます</a:t>
+            </a:r>
+            <a:endParaRPr lang="en-US" altLang="ja-JP" sz="2000" dirty="0"/>
+          </a:p>
+          <a:p>
+            <a:r>
+              <a:rPr lang="ja-JP" altLang="en-US" sz="2000" dirty="0"/>
+              <a:t>この画面では、担当者に対して椅子を</a:t>
+            </a:r>
+            <a:r>
+              <a:rPr lang="en-US" altLang="ja-JP" sz="2000" dirty="0"/>
+              <a:t>3</a:t>
+            </a:r>
+            <a:r>
+              <a:rPr lang="ja-JP" altLang="en-US" sz="2000" dirty="0"/>
+              <a:t>回動かすように依頼し、各回の椅子の現在の読み取り値が記録されます（</a:t>
+            </a:r>
+            <a:r>
+              <a:rPr lang="en-US" altLang="ja-JP" sz="2000" dirty="0"/>
+              <a:t>10cm</a:t>
+            </a:r>
+            <a:r>
+              <a:rPr lang="ja-JP" altLang="en-US" sz="2000" dirty="0"/>
+              <a:t>、</a:t>
+            </a:r>
+            <a:r>
+              <a:rPr lang="en-US" altLang="ja-JP" sz="2000" dirty="0"/>
+              <a:t>30cm</a:t>
+            </a:r>
+            <a:r>
+              <a:rPr lang="ja-JP" altLang="en-US" sz="2000" dirty="0"/>
+              <a:t>、</a:t>
+            </a:r>
+            <a:r>
+              <a:rPr lang="en-US" altLang="ja-JP" sz="2000" dirty="0"/>
+              <a:t>50cm</a:t>
+            </a:r>
+            <a:r>
+              <a:rPr lang="ja-JP" altLang="en-US" sz="2000" dirty="0"/>
+              <a:t>）</a:t>
+            </a:r>
+            <a:endParaRPr lang="en-US" altLang="ja-JP" sz="2000" dirty="0"/>
+          </a:p>
+          <a:p>
+            <a:r>
+              <a:rPr lang="ja-JP" altLang="en-US" sz="2000" dirty="0"/>
+              <a:t>計算された補正値は椅子に送信され、サーバー内に保存されます。保存された値は、椅子がセンサーを使用してテストまたは練習を行うたびに使用されます</a:t>
+            </a:r>
+            <a:endParaRPr kumimoji="1" lang="en-US" altLang="ja-JP" sz="2000" dirty="0"/>
           </a:p>
         </p:txBody>
       </p:sp>
@@ -23855,6 +23842,473 @@
 </p:sld>
 </file>
 
+<file path=ppt/slides/slide18.xml><?xml version="1.0" encoding="utf-8"?>
+<p:sld xmlns:a="http://schemas.openxmlformats.org/drawingml/2006/main" xmlns:r="http://schemas.openxmlformats.org/officeDocument/2006/relationships" xmlns:p="http://schemas.openxmlformats.org/presentationml/2006/main">
+  <p:cSld>
+    <p:spTree>
+      <p:nvGrpSpPr>
+        <p:cNvPr id="1" name=""/>
+        <p:cNvGrpSpPr/>
+        <p:nvPr/>
+      </p:nvGrpSpPr>
+      <p:grpSpPr>
+        <a:xfrm>
+          <a:off x="0" y="0"/>
+          <a:ext cx="0" cy="0"/>
+          <a:chOff x="0" y="0"/>
+          <a:chExt cx="0" cy="0"/>
+        </a:xfrm>
+      </p:grpSpPr>
+      <p:sp>
+        <p:nvSpPr>
+          <p:cNvPr id="2" name="タイトル 1">
+            <a:extLst>
+              <a:ext uri="{FF2B5EF4-FFF2-40B4-BE49-F238E27FC236}">
+                <a16:creationId xmlns:a16="http://schemas.microsoft.com/office/drawing/2014/main" id="{6EEB1D21-E123-6A0D-4387-7842071A44C3}"/>
+              </a:ext>
+            </a:extLst>
+          </p:cNvPr>
+          <p:cNvSpPr>
+            <a:spLocks noGrp="1"/>
+          </p:cNvSpPr>
+          <p:nvPr>
+            <p:ph type="title"/>
+          </p:nvPr>
+        </p:nvSpPr>
+        <p:spPr>
+          <a:xfrm>
+            <a:off x="508262" y="6906"/>
+            <a:ext cx="7410253" cy="1325563"/>
+          </a:xfrm>
+        </p:spPr>
+        <p:txBody>
+          <a:bodyPr>
+            <a:normAutofit/>
+          </a:bodyPr>
+          <a:lstStyle/>
+          <a:p>
+            <a:r>
+              <a:rPr kumimoji="1" lang="ja-JP" altLang="en-US" sz="2800" dirty="0"/>
+              <a:t>グラフ画面</a:t>
+            </a:r>
+            <a:r>
+              <a:rPr kumimoji="1" lang="en-US" altLang="ja-JP" sz="2800" dirty="0"/>
+              <a:t>(Graph</a:t>
+            </a:r>
+            <a:r>
+              <a:rPr kumimoji="1" lang="ja-JP" altLang="en-US" sz="2800" dirty="0"/>
+              <a:t> </a:t>
+            </a:r>
+            <a:r>
+              <a:rPr kumimoji="1" lang="en-US" altLang="ja-JP" sz="2800" dirty="0"/>
+              <a:t>Window</a:t>
+            </a:r>
+            <a:r>
+              <a:rPr lang="ja-JP" altLang="en-US" sz="2800" dirty="0"/>
+              <a:t>）</a:t>
+            </a:r>
+            <a:endParaRPr kumimoji="1" lang="ja-JP" altLang="en-US" dirty="0"/>
+          </a:p>
+        </p:txBody>
+      </p:sp>
+      <p:sp>
+        <p:nvSpPr>
+          <p:cNvPr id="3" name="コンテンツ プレースホルダー 2">
+            <a:extLst>
+              <a:ext uri="{FF2B5EF4-FFF2-40B4-BE49-F238E27FC236}">
+                <a16:creationId xmlns:a16="http://schemas.microsoft.com/office/drawing/2014/main" id="{FBEFD887-8E4D-0747-2470-BA7EA0F692F7}"/>
+              </a:ext>
+            </a:extLst>
+          </p:cNvPr>
+          <p:cNvSpPr>
+            <a:spLocks noGrp="1"/>
+          </p:cNvSpPr>
+          <p:nvPr>
+            <p:ph idx="1"/>
+          </p:nvPr>
+        </p:nvSpPr>
+        <p:spPr>
+          <a:xfrm>
+            <a:off x="627529" y="1332469"/>
+            <a:ext cx="5797731" cy="4160520"/>
+          </a:xfrm>
+        </p:spPr>
+        <p:txBody>
+          <a:bodyPr/>
+          <a:lstStyle/>
+          <a:p>
+            <a:r>
+              <a:rPr lang="ja-JP" altLang="en-US" sz="2000" dirty="0"/>
+              <a:t>治療を受けた後に再びテストを受けに来るユーザーのために、進捗を追跡するためのものです</a:t>
+            </a:r>
+            <a:endParaRPr lang="en-US" altLang="ja-JP" sz="2000" dirty="0"/>
+          </a:p>
+          <a:p>
+            <a:r>
+              <a:rPr lang="ja-JP" altLang="en-US" sz="2000" dirty="0"/>
+              <a:t>これはまだ構築されていません。なぜなら、ユーザーの個人データを保存するためにデータベースが必要であり、そのためには同意書が必要だからです</a:t>
+            </a:r>
+            <a:r>
+              <a:rPr lang="ja-JP" altLang="en-US" sz="1800" dirty="0"/>
+              <a:t>。</a:t>
+            </a:r>
+            <a:endParaRPr kumimoji="1" lang="ja-JP" altLang="en-US" sz="1800" dirty="0"/>
+          </a:p>
+        </p:txBody>
+      </p:sp>
+      <p:cxnSp>
+        <p:nvCxnSpPr>
+          <p:cNvPr id="4" name="直線コネクタ 3">
+            <a:extLst>
+              <a:ext uri="{FF2B5EF4-FFF2-40B4-BE49-F238E27FC236}">
+                <a16:creationId xmlns:a16="http://schemas.microsoft.com/office/drawing/2014/main" id="{77FD0231-A0D6-70F0-63A7-A1184127BCDF}"/>
+              </a:ext>
+            </a:extLst>
+          </p:cNvPr>
+          <p:cNvCxnSpPr>
+            <a:cxnSpLocks/>
+          </p:cNvCxnSpPr>
+          <p:nvPr/>
+        </p:nvCxnSpPr>
+        <p:spPr>
+          <a:xfrm>
+            <a:off x="627529" y="1001486"/>
+            <a:ext cx="10726271" cy="0"/>
+          </a:xfrm>
+          <a:prstGeom prst="line">
+            <a:avLst/>
+          </a:prstGeom>
+          <a:ln w="38100" cmpd="dbl">
+            <a:solidFill>
+              <a:schemeClr val="tx1"/>
+            </a:solidFill>
+          </a:ln>
+        </p:spPr>
+        <p:style>
+          <a:lnRef idx="1">
+            <a:schemeClr val="accent1"/>
+          </a:lnRef>
+          <a:fillRef idx="0">
+            <a:schemeClr val="accent1"/>
+          </a:fillRef>
+          <a:effectRef idx="0">
+            <a:schemeClr val="accent1"/>
+          </a:effectRef>
+          <a:fontRef idx="minor">
+            <a:schemeClr val="tx1"/>
+          </a:fontRef>
+        </p:style>
+      </p:cxnSp>
+      <p:sp>
+        <p:nvSpPr>
+          <p:cNvPr id="7" name="正方形/長方形 6">
+            <a:extLst>
+              <a:ext uri="{FF2B5EF4-FFF2-40B4-BE49-F238E27FC236}">
+                <a16:creationId xmlns:a16="http://schemas.microsoft.com/office/drawing/2014/main" id="{7FF2F209-BF63-6984-FAEE-54B0779DDD88}"/>
+              </a:ext>
+            </a:extLst>
+          </p:cNvPr>
+          <p:cNvSpPr/>
+          <p:nvPr/>
+        </p:nvSpPr>
+        <p:spPr>
+          <a:xfrm>
+            <a:off x="8247529" y="1144392"/>
+            <a:ext cx="3106271" cy="4799208"/>
+          </a:xfrm>
+          <a:prstGeom prst="rect">
+            <a:avLst/>
+          </a:prstGeom>
+          <a:noFill/>
+          <a:ln>
+            <a:solidFill>
+              <a:srgbClr val="FF0000"/>
+            </a:solidFill>
+          </a:ln>
+        </p:spPr>
+        <p:style>
+          <a:lnRef idx="2">
+            <a:schemeClr val="dk1">
+              <a:shade val="15000"/>
+            </a:schemeClr>
+          </a:lnRef>
+          <a:fillRef idx="1">
+            <a:schemeClr val="dk1"/>
+          </a:fillRef>
+          <a:effectRef idx="0">
+            <a:schemeClr val="dk1"/>
+          </a:effectRef>
+          <a:fontRef idx="minor">
+            <a:schemeClr val="lt1"/>
+          </a:fontRef>
+        </p:style>
+        <p:txBody>
+          <a:bodyPr rtlCol="0" anchor="ctr"/>
+          <a:lstStyle/>
+          <a:p>
+            <a:pPr algn="ctr"/>
+            <a:r>
+              <a:rPr kumimoji="1" lang="ja-JP" altLang="en-US" dirty="0">
+                <a:solidFill>
+                  <a:srgbClr val="FF0000"/>
+                </a:solidFill>
+              </a:rPr>
+              <a:t>未実装</a:t>
+            </a:r>
+          </a:p>
+        </p:txBody>
+      </p:sp>
+    </p:spTree>
+    <p:extLst>
+      <p:ext uri="{BB962C8B-B14F-4D97-AF65-F5344CB8AC3E}">
+        <p14:creationId xmlns:p14="http://schemas.microsoft.com/office/powerpoint/2010/main" val="722174485"/>
+      </p:ext>
+    </p:extLst>
+  </p:cSld>
+  <p:clrMapOvr>
+    <a:masterClrMapping/>
+  </p:clrMapOvr>
+</p:sld>
+</file>
+
+<file path=ppt/slides/slide19.xml><?xml version="1.0" encoding="utf-8"?>
+<p:sld xmlns:a="http://schemas.openxmlformats.org/drawingml/2006/main" xmlns:r="http://schemas.openxmlformats.org/officeDocument/2006/relationships" xmlns:p="http://schemas.openxmlformats.org/presentationml/2006/main">
+  <p:cSld>
+    <p:spTree>
+      <p:nvGrpSpPr>
+        <p:cNvPr id="1" name=""/>
+        <p:cNvGrpSpPr/>
+        <p:nvPr/>
+      </p:nvGrpSpPr>
+      <p:grpSpPr>
+        <a:xfrm>
+          <a:off x="0" y="0"/>
+          <a:ext cx="0" cy="0"/>
+          <a:chOff x="0" y="0"/>
+          <a:chExt cx="0" cy="0"/>
+        </a:xfrm>
+      </p:grpSpPr>
+      <p:sp>
+        <p:nvSpPr>
+          <p:cNvPr id="2" name="タイトル 1">
+            <a:extLst>
+              <a:ext uri="{FF2B5EF4-FFF2-40B4-BE49-F238E27FC236}">
+                <a16:creationId xmlns:a16="http://schemas.microsoft.com/office/drawing/2014/main" id="{6EEB1D21-E123-6A0D-4387-7842071A44C3}"/>
+              </a:ext>
+            </a:extLst>
+          </p:cNvPr>
+          <p:cNvSpPr>
+            <a:spLocks noGrp="1"/>
+          </p:cNvSpPr>
+          <p:nvPr>
+            <p:ph type="title"/>
+          </p:nvPr>
+        </p:nvSpPr>
+        <p:spPr>
+          <a:xfrm>
+            <a:off x="508262" y="6906"/>
+            <a:ext cx="10515600" cy="1325563"/>
+          </a:xfrm>
+        </p:spPr>
+        <p:txBody>
+          <a:bodyPr>
+            <a:normAutofit/>
+          </a:bodyPr>
+          <a:lstStyle/>
+          <a:p>
+            <a:r>
+              <a:rPr lang="ja-JP" altLang="en-US" sz="2800" dirty="0"/>
+              <a:t>フィードバック</a:t>
+            </a:r>
+            <a:r>
+              <a:rPr kumimoji="1" lang="ja-JP" altLang="en-US" sz="2800" dirty="0"/>
+              <a:t>画面</a:t>
+            </a:r>
+            <a:r>
+              <a:rPr kumimoji="1" lang="en-US" altLang="ja-JP" sz="2800" dirty="0"/>
+              <a:t>(Feedback</a:t>
+            </a:r>
+            <a:r>
+              <a:rPr kumimoji="1" lang="ja-JP" altLang="en-US" sz="2800" dirty="0"/>
+              <a:t> </a:t>
+            </a:r>
+            <a:r>
+              <a:rPr kumimoji="1" lang="en-US" altLang="ja-JP" sz="2800" dirty="0"/>
+              <a:t>Window</a:t>
+            </a:r>
+            <a:r>
+              <a:rPr lang="ja-JP" altLang="en-US" sz="2800" dirty="0"/>
+              <a:t>）</a:t>
+            </a:r>
+            <a:endParaRPr kumimoji="1" lang="ja-JP" altLang="en-US" dirty="0"/>
+          </a:p>
+        </p:txBody>
+      </p:sp>
+      <p:sp>
+        <p:nvSpPr>
+          <p:cNvPr id="3" name="コンテンツ プレースホルダー 2">
+            <a:extLst>
+              <a:ext uri="{FF2B5EF4-FFF2-40B4-BE49-F238E27FC236}">
+                <a16:creationId xmlns:a16="http://schemas.microsoft.com/office/drawing/2014/main" id="{FBEFD887-8E4D-0747-2470-BA7EA0F692F7}"/>
+              </a:ext>
+            </a:extLst>
+          </p:cNvPr>
+          <p:cNvSpPr>
+            <a:spLocks noGrp="1"/>
+          </p:cNvSpPr>
+          <p:nvPr>
+            <p:ph idx="1"/>
+          </p:nvPr>
+        </p:nvSpPr>
+        <p:spPr>
+          <a:xfrm>
+            <a:off x="627529" y="1332469"/>
+            <a:ext cx="5797731" cy="4160520"/>
+          </a:xfrm>
+        </p:spPr>
+        <p:txBody>
+          <a:bodyPr/>
+          <a:lstStyle/>
+          <a:p>
+            <a:r>
+              <a:rPr lang="ja-JP" altLang="en-US" sz="2000" dirty="0"/>
+              <a:t>これはフィードバック画面になります。ユーザーはモバイルアプリを使用中に発生した情報やバグを報告できます。</a:t>
+            </a:r>
+            <a:endParaRPr lang="en-US" altLang="ja-JP" sz="2000" dirty="0"/>
+          </a:p>
+          <a:p>
+            <a:r>
+              <a:rPr lang="ja-JP" altLang="en-US" sz="2000" dirty="0"/>
+              <a:t>すべてのフィードバックは匿名です</a:t>
+            </a:r>
+            <a:endParaRPr lang="en-US" altLang="ja-JP" sz="2000" dirty="0"/>
+          </a:p>
+          <a:p>
+            <a:r>
+              <a:rPr lang="ja-JP" altLang="en-US" sz="2000" dirty="0"/>
+              <a:t>この機能はまだ構築されていません。なぜなら、椅子に接続している間にインターネットへの接続が失われる可能性があり、開発者がどこからでもアクセスできるようにフィードバックのレスポンスをインターネット上に保存する方法を考える必要があるからです。</a:t>
+            </a:r>
+          </a:p>
+          <a:p>
+            <a:endParaRPr kumimoji="1" lang="ja-JP" altLang="en-US" sz="1800" dirty="0"/>
+          </a:p>
+        </p:txBody>
+      </p:sp>
+      <p:cxnSp>
+        <p:nvCxnSpPr>
+          <p:cNvPr id="4" name="直線コネクタ 3">
+            <a:extLst>
+              <a:ext uri="{FF2B5EF4-FFF2-40B4-BE49-F238E27FC236}">
+                <a16:creationId xmlns:a16="http://schemas.microsoft.com/office/drawing/2014/main" id="{77FD0231-A0D6-70F0-63A7-A1184127BCDF}"/>
+              </a:ext>
+            </a:extLst>
+          </p:cNvPr>
+          <p:cNvCxnSpPr>
+            <a:cxnSpLocks/>
+          </p:cNvCxnSpPr>
+          <p:nvPr/>
+        </p:nvCxnSpPr>
+        <p:spPr>
+          <a:xfrm>
+            <a:off x="627529" y="1001486"/>
+            <a:ext cx="10726271" cy="0"/>
+          </a:xfrm>
+          <a:prstGeom prst="line">
+            <a:avLst/>
+          </a:prstGeom>
+          <a:ln w="38100" cmpd="dbl">
+            <a:solidFill>
+              <a:schemeClr val="tx1"/>
+            </a:solidFill>
+          </a:ln>
+        </p:spPr>
+        <p:style>
+          <a:lnRef idx="1">
+            <a:schemeClr val="accent1"/>
+          </a:lnRef>
+          <a:fillRef idx="0">
+            <a:schemeClr val="accent1"/>
+          </a:fillRef>
+          <a:effectRef idx="0">
+            <a:schemeClr val="accent1"/>
+          </a:effectRef>
+          <a:fontRef idx="minor">
+            <a:schemeClr val="tx1"/>
+          </a:fontRef>
+        </p:style>
+      </p:cxnSp>
+      <p:sp>
+        <p:nvSpPr>
+          <p:cNvPr id="6" name="正方形/長方形 5">
+            <a:extLst>
+              <a:ext uri="{FF2B5EF4-FFF2-40B4-BE49-F238E27FC236}">
+                <a16:creationId xmlns:a16="http://schemas.microsoft.com/office/drawing/2014/main" id="{7A695DE2-D99A-A5E7-464E-506FD5EECF14}"/>
+              </a:ext>
+            </a:extLst>
+          </p:cNvPr>
+          <p:cNvSpPr/>
+          <p:nvPr/>
+        </p:nvSpPr>
+        <p:spPr>
+          <a:xfrm>
+            <a:off x="8079971" y="1123129"/>
+            <a:ext cx="3273829" cy="4733385"/>
+          </a:xfrm>
+          <a:prstGeom prst="rect">
+            <a:avLst/>
+          </a:prstGeom>
+          <a:noFill/>
+          <a:ln>
+            <a:solidFill>
+              <a:srgbClr val="FF0000"/>
+            </a:solidFill>
+          </a:ln>
+        </p:spPr>
+        <p:style>
+          <a:lnRef idx="2">
+            <a:schemeClr val="dk1">
+              <a:shade val="15000"/>
+            </a:schemeClr>
+          </a:lnRef>
+          <a:fillRef idx="1">
+            <a:schemeClr val="dk1"/>
+          </a:fillRef>
+          <a:effectRef idx="0">
+            <a:schemeClr val="dk1"/>
+          </a:effectRef>
+          <a:fontRef idx="minor">
+            <a:schemeClr val="lt1"/>
+          </a:fontRef>
+        </p:style>
+        <p:txBody>
+          <a:bodyPr rtlCol="0" anchor="ctr"/>
+          <a:lstStyle/>
+          <a:p>
+            <a:pPr algn="ctr"/>
+            <a:r>
+              <a:rPr kumimoji="1" lang="ja-JP" altLang="en-US" dirty="0">
+                <a:solidFill>
+                  <a:srgbClr val="FF0000"/>
+                </a:solidFill>
+              </a:rPr>
+              <a:t>未実装</a:t>
+            </a:r>
+          </a:p>
+        </p:txBody>
+      </p:sp>
+    </p:spTree>
+    <p:extLst>
+      <p:ext uri="{BB962C8B-B14F-4D97-AF65-F5344CB8AC3E}">
+        <p14:creationId xmlns:p14="http://schemas.microsoft.com/office/powerpoint/2010/main" val="3455028739"/>
+      </p:ext>
+    </p:extLst>
+  </p:cSld>
+  <p:clrMapOvr>
+    <a:masterClrMapping/>
+  </p:clrMapOvr>
+</p:sld>
+</file>
+
 <file path=ppt/slides/slide2.xml><?xml version="1.0" encoding="utf-8"?>
 <p:sld xmlns:a="http://schemas.openxmlformats.org/drawingml/2006/main" xmlns:r="http://schemas.openxmlformats.org/officeDocument/2006/relationships" xmlns:p="http://schemas.openxmlformats.org/presentationml/2006/main">
   <p:cSld>
@@ -23921,35 +24375,58 @@
             <p:ph idx="1"/>
           </p:nvPr>
         </p:nvSpPr>
-        <p:spPr/>
+        <p:spPr>
+          <a:xfrm>
+            <a:off x="838200" y="1343818"/>
+            <a:ext cx="10515600" cy="4833145"/>
+          </a:xfrm>
+        </p:spPr>
         <p:txBody>
           <a:bodyPr/>
           <a:lstStyle/>
           <a:p>
             <a:r>
               <a:rPr kumimoji="1" lang="ja-JP" altLang="en-US" dirty="0"/>
-              <a:t>背景と目的</a:t>
+              <a:t>背景</a:t>
             </a:r>
             <a:endParaRPr kumimoji="1" lang="en-US" altLang="ja-JP" dirty="0"/>
           </a:p>
           <a:p>
             <a:r>
               <a:rPr kumimoji="1" lang="ja-JP" altLang="en-US" dirty="0"/>
-              <a:t>全体構造</a:t>
+              <a:t>目的、手法</a:t>
             </a:r>
             <a:endParaRPr kumimoji="1" lang="en-US" altLang="ja-JP" dirty="0"/>
           </a:p>
           <a:p>
             <a:r>
+              <a:rPr lang="ja-JP" altLang="en-US" dirty="0"/>
+              <a:t>既存</a:t>
+            </a:r>
+            <a:r>
               <a:rPr kumimoji="1" lang="ja-JP" altLang="en-US" dirty="0"/>
-              <a:t>準備</a:t>
+              <a:t>構造</a:t>
             </a:r>
             <a:endParaRPr kumimoji="1" lang="en-US" altLang="ja-JP" dirty="0"/>
           </a:p>
           <a:p>
             <a:r>
+              <a:rPr lang="ja-JP" altLang="en-US" dirty="0"/>
+              <a:t>言語と環境</a:t>
+            </a:r>
+            <a:endParaRPr kumimoji="1" lang="en-US" altLang="ja-JP" dirty="0"/>
+          </a:p>
+          <a:p>
+            <a:r>
+              <a:rPr lang="ja-JP" altLang="en-US" dirty="0"/>
+              <a:t>画面説明</a:t>
+            </a:r>
+            <a:endParaRPr lang="en-US" altLang="ja-JP" dirty="0"/>
+          </a:p>
+          <a:p>
+            <a:r>
               <a:rPr kumimoji="1" lang="ja-JP" altLang="en-US" dirty="0"/>
-              <a:t>アプリ</a:t>
+              <a:t>工夫点</a:t>
             </a:r>
             <a:endParaRPr kumimoji="1" lang="en-US" altLang="ja-JP" dirty="0"/>
           </a:p>
@@ -24047,7 +24524,7 @@
           <p:cNvPr id="2" name="タイトル 1">
             <a:extLst>
               <a:ext uri="{FF2B5EF4-FFF2-40B4-BE49-F238E27FC236}">
-                <a16:creationId xmlns:a16="http://schemas.microsoft.com/office/drawing/2014/main" id="{6EEB1D21-E123-6A0D-4387-7842071A44C3}"/>
+                <a16:creationId xmlns:a16="http://schemas.microsoft.com/office/drawing/2014/main" id="{3AB3D46E-75D0-82E4-A303-E24A0E426E06}"/>
               </a:ext>
             </a:extLst>
           </p:cNvPr>
@@ -24060,86 +24537,80 @@
         </p:nvSpPr>
         <p:spPr>
           <a:xfrm>
-            <a:off x="508262" y="6906"/>
-            <a:ext cx="7410253" cy="1325563"/>
+            <a:off x="627528" y="1"/>
+            <a:ext cx="3151991" cy="1001486"/>
           </a:xfrm>
         </p:spPr>
         <p:txBody>
-          <a:bodyPr>
+          <a:bodyPr vert="horz" lIns="91440" tIns="45720" rIns="91440" bIns="45720" rtlCol="0" anchor="ctr">
             <a:normAutofit/>
           </a:bodyPr>
           <a:lstStyle/>
           <a:p>
-            <a:r>
-              <a:rPr kumimoji="1" lang="ja-JP" altLang="en-US" sz="2800" dirty="0"/>
-              <a:t>グラフ画面</a:t>
-            </a:r>
-            <a:r>
-              <a:rPr kumimoji="1" lang="en-US" altLang="ja-JP" sz="2800" dirty="0"/>
-              <a:t>(Graph</a:t>
-            </a:r>
-            <a:r>
-              <a:rPr kumimoji="1" lang="ja-JP" altLang="en-US" sz="2800" dirty="0"/>
-              <a:t> </a:t>
-            </a:r>
-            <a:r>
-              <a:rPr kumimoji="1" lang="en-US" altLang="ja-JP" sz="2800" dirty="0"/>
-              <a:t>Window</a:t>
-            </a:r>
-            <a:r>
-              <a:rPr lang="ja-JP" altLang="en-US" sz="2800" dirty="0"/>
-              <a:t>）</a:t>
-            </a:r>
-            <a:endParaRPr kumimoji="1" lang="ja-JP" altLang="en-US" dirty="0"/>
+            <a:pPr algn="ctr">
+              <a:lnSpc>
+                <a:spcPct val="90000"/>
+              </a:lnSpc>
+            </a:pPr>
+            <a:r>
+              <a:rPr kumimoji="1" lang="ja-JP" altLang="en-US" sz="3600" dirty="0"/>
+              <a:t>アプリの流れ</a:t>
+            </a:r>
           </a:p>
         </p:txBody>
       </p:sp>
       <p:sp>
         <p:nvSpPr>
-          <p:cNvPr id="3" name="コンテンツ プレースホルダー 2">
+          <p:cNvPr id="12" name="矢印: 右 11">
             <a:extLst>
               <a:ext uri="{FF2B5EF4-FFF2-40B4-BE49-F238E27FC236}">
-                <a16:creationId xmlns:a16="http://schemas.microsoft.com/office/drawing/2014/main" id="{FBEFD887-8E4D-0747-2470-BA7EA0F692F7}"/>
+                <a16:creationId xmlns:a16="http://schemas.microsoft.com/office/drawing/2014/main" id="{61EB42A2-8DC9-9D91-B498-C3AB87ECA907}"/>
               </a:ext>
             </a:extLst>
           </p:cNvPr>
-          <p:cNvSpPr>
-            <a:spLocks noGrp="1"/>
-          </p:cNvSpPr>
-          <p:nvPr>
-            <p:ph idx="1"/>
-          </p:nvPr>
+          <p:cNvSpPr/>
+          <p:nvPr/>
         </p:nvSpPr>
         <p:spPr>
           <a:xfrm>
-            <a:off x="627529" y="1332469"/>
-            <a:ext cx="5797731" cy="4160520"/>
+            <a:off x="1506409" y="6504280"/>
+            <a:ext cx="8968509" cy="232830"/>
           </a:xfrm>
+          <a:prstGeom prst="rightArrow">
+            <a:avLst/>
+          </a:prstGeom>
         </p:spPr>
+        <p:style>
+          <a:lnRef idx="2">
+            <a:schemeClr val="dk1">
+              <a:shade val="15000"/>
+            </a:schemeClr>
+          </a:lnRef>
+          <a:fillRef idx="1">
+            <a:schemeClr val="dk1"/>
+          </a:fillRef>
+          <a:effectRef idx="0">
+            <a:schemeClr val="dk1"/>
+          </a:effectRef>
+          <a:fontRef idx="minor">
+            <a:schemeClr val="lt1"/>
+          </a:fontRef>
+        </p:style>
         <p:txBody>
-          <a:bodyPr/>
+          <a:bodyPr rtlCol="0" anchor="ctr"/>
           <a:lstStyle/>
           <a:p>
-            <a:r>
-              <a:rPr kumimoji="1" lang="en-US" altLang="ja-JP" sz="1800" dirty="0"/>
-              <a:t>This is for users that will come to take the test again after undergoing treatments to track their progress</a:t>
-            </a:r>
-          </a:p>
-          <a:p>
-            <a:r>
-              <a:rPr lang="en-US" altLang="ja-JP" sz="1800" dirty="0"/>
-              <a:t>It is still yet to be built because it will require a database to store the user personal data and a consent form will be required in order to do so</a:t>
-            </a:r>
-            <a:endParaRPr kumimoji="1" lang="ja-JP" altLang="en-US" sz="1800" dirty="0"/>
+            <a:pPr algn="ctr"/>
+            <a:endParaRPr kumimoji="1" lang="ja-JP" altLang="en-US"/>
           </a:p>
         </p:txBody>
       </p:sp>
       <p:cxnSp>
         <p:nvCxnSpPr>
-          <p:cNvPr id="4" name="直線コネクタ 3">
+          <p:cNvPr id="3" name="直線コネクタ 2">
             <a:extLst>
               <a:ext uri="{FF2B5EF4-FFF2-40B4-BE49-F238E27FC236}">
-                <a16:creationId xmlns:a16="http://schemas.microsoft.com/office/drawing/2014/main" id="{77FD0231-A0D6-70F0-63A7-A1184127BCDF}"/>
+                <a16:creationId xmlns:a16="http://schemas.microsoft.com/office/drawing/2014/main" id="{F8FDB5D7-39E4-B377-50C8-EBECC81CBF0C}"/>
               </a:ext>
             </a:extLst>
           </p:cNvPr>
@@ -24177,12 +24648,309 @@
           </a:fontRef>
         </p:style>
       </p:cxnSp>
+      <p:pic>
+        <p:nvPicPr>
+          <p:cNvPr id="4" name="図 5" descr="グラフィカル ユーザー インターフェイス, テキスト, アプリケーション&#10;&#10;自動的に生成された説明">
+            <a:extLst>
+              <a:ext uri="{FF2B5EF4-FFF2-40B4-BE49-F238E27FC236}">
+                <a16:creationId xmlns:a16="http://schemas.microsoft.com/office/drawing/2014/main" id="{1B238D06-4850-343F-A213-6B6B10F04461}"/>
+              </a:ext>
+            </a:extLst>
+          </p:cNvPr>
+          <p:cNvPicPr>
+            <a:picLocks noChangeAspect="1"/>
+          </p:cNvPicPr>
+          <p:nvPr/>
+        </p:nvPicPr>
+        <p:blipFill>
+          <a:blip r:embed="rId2">
+            <a:extLst>
+              <a:ext uri="{28A0092B-C50C-407E-A947-70E740481C1C}">
+                <a14:useLocalDpi xmlns:a14="http://schemas.microsoft.com/office/drawing/2010/main" val="0"/>
+              </a:ext>
+            </a:extLst>
+          </a:blip>
+          <a:stretch>
+            <a:fillRect/>
+          </a:stretch>
+        </p:blipFill>
+        <p:spPr>
+          <a:xfrm>
+            <a:off x="627528" y="1121274"/>
+            <a:ext cx="3151545" cy="4896344"/>
+          </a:xfrm>
+          <a:prstGeom prst="rect">
+            <a:avLst/>
+          </a:prstGeom>
+        </p:spPr>
+      </p:pic>
+      <p:pic>
+        <p:nvPicPr>
+          <p:cNvPr id="5" name="図 6" descr="グラフィカル ユーザー インターフェイス, テキスト, アプリケーション, Teams&#10;&#10;自動的に生成された説明">
+            <a:extLst>
+              <a:ext uri="{FF2B5EF4-FFF2-40B4-BE49-F238E27FC236}">
+                <a16:creationId xmlns:a16="http://schemas.microsoft.com/office/drawing/2014/main" id="{28B97016-4A4A-D2C7-1D2F-02DFEAE5C632}"/>
+              </a:ext>
+            </a:extLst>
+          </p:cNvPr>
+          <p:cNvPicPr>
+            <a:picLocks noChangeAspect="1"/>
+          </p:cNvPicPr>
+          <p:nvPr/>
+        </p:nvPicPr>
+        <p:blipFill>
+          <a:blip r:embed="rId3">
+            <a:extLst>
+              <a:ext uri="{28A0092B-C50C-407E-A947-70E740481C1C}">
+                <a14:useLocalDpi xmlns:a14="http://schemas.microsoft.com/office/drawing/2010/main" val="0"/>
+              </a:ext>
+            </a:extLst>
+          </a:blip>
+          <a:stretch>
+            <a:fillRect/>
+          </a:stretch>
+        </p:blipFill>
+        <p:spPr>
+          <a:xfrm>
+            <a:off x="4282178" y="1070809"/>
+            <a:ext cx="3324386" cy="4896346"/>
+          </a:xfrm>
+          <a:prstGeom prst="rect">
+            <a:avLst/>
+          </a:prstGeom>
+        </p:spPr>
+      </p:pic>
+      <p:pic>
+        <p:nvPicPr>
+          <p:cNvPr id="6" name="図 6" descr="グラフィカル ユーザー インターフェイス, アプリケーション, Teams&#10;&#10;自動的に生成された説明">
+            <a:extLst>
+              <a:ext uri="{FF2B5EF4-FFF2-40B4-BE49-F238E27FC236}">
+                <a16:creationId xmlns:a16="http://schemas.microsoft.com/office/drawing/2014/main" id="{5118C895-A65A-C495-FB2A-0E75201C86F1}"/>
+              </a:ext>
+            </a:extLst>
+          </p:cNvPr>
+          <p:cNvPicPr>
+            <a:picLocks noChangeAspect="1"/>
+          </p:cNvPicPr>
+          <p:nvPr/>
+        </p:nvPicPr>
+        <p:blipFill>
+          <a:blip r:embed="rId4">
+            <a:extLst>
+              <a:ext uri="{28A0092B-C50C-407E-A947-70E740481C1C}">
+                <a14:useLocalDpi xmlns:a14="http://schemas.microsoft.com/office/drawing/2010/main" val="0"/>
+              </a:ext>
+            </a:extLst>
+          </a:blip>
+          <a:stretch>
+            <a:fillRect/>
+          </a:stretch>
+        </p:blipFill>
+        <p:spPr>
+          <a:xfrm>
+            <a:off x="8189634" y="1138532"/>
+            <a:ext cx="3164166" cy="4879083"/>
+          </a:xfrm>
+          <a:prstGeom prst="rect">
+            <a:avLst/>
+          </a:prstGeom>
+        </p:spPr>
+      </p:pic>
       <p:sp>
         <p:nvSpPr>
-          <p:cNvPr id="7" name="正方形/長方形 6">
+          <p:cNvPr id="7" name="TextBox 6">
             <a:extLst>
               <a:ext uri="{FF2B5EF4-FFF2-40B4-BE49-F238E27FC236}">
-                <a16:creationId xmlns:a16="http://schemas.microsoft.com/office/drawing/2014/main" id="{7FF2F209-BF63-6984-FAEE-54B0779DDD88}"/>
+                <a16:creationId xmlns:a16="http://schemas.microsoft.com/office/drawing/2014/main" id="{04E569FE-C49E-9F65-87F4-B21B5183784B}"/>
+              </a:ext>
+            </a:extLst>
+          </p:cNvPr>
+          <p:cNvSpPr txBox="1"/>
+          <p:nvPr/>
+        </p:nvSpPr>
+        <p:spPr>
+          <a:xfrm>
+            <a:off x="619895" y="6017615"/>
+            <a:ext cx="2959327" cy="369332"/>
+          </a:xfrm>
+          <a:prstGeom prst="rect">
+            <a:avLst/>
+          </a:prstGeom>
+          <a:noFill/>
+        </p:spPr>
+        <p:txBody>
+          <a:bodyPr wrap="square" rtlCol="0">
+            <a:spAutoFit/>
+          </a:bodyPr>
+          <a:lstStyle/>
+          <a:p>
+            <a:pPr algn="ctr"/>
+            <a:r>
+              <a:rPr lang="ja-JP" altLang="en-US" dirty="0"/>
+              <a:t>アドレス画面</a:t>
+            </a:r>
+            <a:endParaRPr lang="en-US" dirty="0"/>
+          </a:p>
+        </p:txBody>
+      </p:sp>
+      <p:sp>
+        <p:nvSpPr>
+          <p:cNvPr id="10" name="TextBox 9">
+            <a:extLst>
+              <a:ext uri="{FF2B5EF4-FFF2-40B4-BE49-F238E27FC236}">
+                <a16:creationId xmlns:a16="http://schemas.microsoft.com/office/drawing/2014/main" id="{DEADB278-D7B8-ECC1-4B40-01FA5F1D1FF5}"/>
+              </a:ext>
+            </a:extLst>
+          </p:cNvPr>
+          <p:cNvSpPr txBox="1"/>
+          <p:nvPr/>
+        </p:nvSpPr>
+        <p:spPr>
+          <a:xfrm>
+            <a:off x="4315851" y="6017615"/>
+            <a:ext cx="3337005" cy="369332"/>
+          </a:xfrm>
+          <a:prstGeom prst="rect">
+            <a:avLst/>
+          </a:prstGeom>
+          <a:noFill/>
+        </p:spPr>
+        <p:txBody>
+          <a:bodyPr wrap="square" rtlCol="0">
+            <a:spAutoFit/>
+          </a:bodyPr>
+          <a:lstStyle/>
+          <a:p>
+            <a:pPr algn="ctr"/>
+            <a:r>
+              <a:rPr lang="ja-JP" altLang="en-US" dirty="0"/>
+              <a:t>タイトル画面</a:t>
+            </a:r>
+            <a:endParaRPr lang="en-US" dirty="0"/>
+          </a:p>
+        </p:txBody>
+      </p:sp>
+      <p:sp>
+        <p:nvSpPr>
+          <p:cNvPr id="11" name="TextBox 10">
+            <a:extLst>
+              <a:ext uri="{FF2B5EF4-FFF2-40B4-BE49-F238E27FC236}">
+                <a16:creationId xmlns:a16="http://schemas.microsoft.com/office/drawing/2014/main" id="{F3FC7F17-BA0C-7476-4A54-AAD5E5B5D152}"/>
+              </a:ext>
+            </a:extLst>
+          </p:cNvPr>
+          <p:cNvSpPr txBox="1"/>
+          <p:nvPr/>
+        </p:nvSpPr>
+        <p:spPr>
+          <a:xfrm>
+            <a:off x="8189634" y="6017615"/>
+            <a:ext cx="3156533" cy="369332"/>
+          </a:xfrm>
+          <a:prstGeom prst="rect">
+            <a:avLst/>
+          </a:prstGeom>
+          <a:noFill/>
+        </p:spPr>
+        <p:txBody>
+          <a:bodyPr wrap="square" rtlCol="0">
+            <a:spAutoFit/>
+          </a:bodyPr>
+          <a:lstStyle/>
+          <a:p>
+            <a:pPr algn="ctr"/>
+            <a:r>
+              <a:rPr lang="ja-JP" altLang="en-US" dirty="0"/>
+              <a:t>入力画面</a:t>
+            </a:r>
+            <a:endParaRPr lang="en-US" dirty="0"/>
+          </a:p>
+        </p:txBody>
+      </p:sp>
+    </p:spTree>
+    <p:extLst>
+      <p:ext uri="{BB962C8B-B14F-4D97-AF65-F5344CB8AC3E}">
+        <p14:creationId xmlns:p14="http://schemas.microsoft.com/office/powerpoint/2010/main" val="3367460123"/>
+      </p:ext>
+    </p:extLst>
+  </p:cSld>
+  <p:clrMapOvr>
+    <a:masterClrMapping/>
+  </p:clrMapOvr>
+</p:sld>
+</file>
+
+<file path=ppt/slides/slide21.xml><?xml version="1.0" encoding="utf-8"?>
+<p:sld xmlns:a="http://schemas.openxmlformats.org/drawingml/2006/main" xmlns:r="http://schemas.openxmlformats.org/officeDocument/2006/relationships" xmlns:p="http://schemas.openxmlformats.org/presentationml/2006/main">
+  <p:cSld>
+    <p:bg>
+      <p:bgPr>
+        <a:solidFill>
+          <a:schemeClr val="bg1"/>
+        </a:solidFill>
+        <a:effectLst/>
+      </p:bgPr>
+    </p:bg>
+    <p:spTree>
+      <p:nvGrpSpPr>
+        <p:cNvPr id="1" name=""/>
+        <p:cNvGrpSpPr/>
+        <p:nvPr/>
+      </p:nvGrpSpPr>
+      <p:grpSpPr>
+        <a:xfrm>
+          <a:off x="0" y="0"/>
+          <a:ext cx="0" cy="0"/>
+          <a:chOff x="0" y="0"/>
+          <a:chExt cx="0" cy="0"/>
+        </a:xfrm>
+      </p:grpSpPr>
+      <p:sp>
+        <p:nvSpPr>
+          <p:cNvPr id="2" name="タイトル 1">
+            <a:extLst>
+              <a:ext uri="{FF2B5EF4-FFF2-40B4-BE49-F238E27FC236}">
+                <a16:creationId xmlns:a16="http://schemas.microsoft.com/office/drawing/2014/main" id="{3AB3D46E-75D0-82E4-A303-E24A0E426E06}"/>
+              </a:ext>
+            </a:extLst>
+          </p:cNvPr>
+          <p:cNvSpPr>
+            <a:spLocks noGrp="1"/>
+          </p:cNvSpPr>
+          <p:nvPr>
+            <p:ph type="title"/>
+          </p:nvPr>
+        </p:nvSpPr>
+        <p:spPr>
+          <a:xfrm>
+            <a:off x="627529" y="1"/>
+            <a:ext cx="2681728" cy="1001486"/>
+          </a:xfrm>
+        </p:spPr>
+        <p:txBody>
+          <a:bodyPr vert="horz" lIns="91440" tIns="45720" rIns="91440" bIns="45720" rtlCol="0" anchor="ctr">
+            <a:normAutofit/>
+          </a:bodyPr>
+          <a:lstStyle/>
+          <a:p>
+            <a:pPr algn="ctr">
+              <a:lnSpc>
+                <a:spcPct val="90000"/>
+              </a:lnSpc>
+            </a:pPr>
+            <a:r>
+              <a:rPr kumimoji="1" lang="ja-JP" altLang="en-US" sz="3200" dirty="0"/>
+              <a:t>アプリの流れ</a:t>
+            </a:r>
+          </a:p>
+        </p:txBody>
+      </p:sp>
+      <p:sp>
+        <p:nvSpPr>
+          <p:cNvPr id="12" name="矢印: 右 11">
+            <a:extLst>
+              <a:ext uri="{FF2B5EF4-FFF2-40B4-BE49-F238E27FC236}">
+                <a16:creationId xmlns:a16="http://schemas.microsoft.com/office/drawing/2014/main" id="{61EB42A2-8DC9-9D91-B498-C3AB87ECA907}"/>
               </a:ext>
             </a:extLst>
           </p:cNvPr>
@@ -24191,18 +24959,12 @@
         </p:nvSpPr>
         <p:spPr>
           <a:xfrm>
-            <a:off x="8247529" y="1117478"/>
-            <a:ext cx="3106271" cy="4900931"/>
+            <a:off x="1323763" y="6282142"/>
+            <a:ext cx="8968509" cy="232830"/>
           </a:xfrm>
-          <a:prstGeom prst="rect">
+          <a:prstGeom prst="rightArrow">
             <a:avLst/>
           </a:prstGeom>
-          <a:noFill/>
-          <a:ln>
-            <a:solidFill>
-              <a:srgbClr val="FF0000"/>
-            </a:solidFill>
-          </a:ln>
         </p:spPr>
         <p:style>
           <a:lnRef idx="2">
@@ -24225,149 +24987,7 @@
           <a:lstStyle/>
           <a:p>
             <a:pPr algn="ctr"/>
-            <a:r>
-              <a:rPr kumimoji="1" lang="ja-JP" altLang="en-US" dirty="0">
-                <a:solidFill>
-                  <a:srgbClr val="FF0000"/>
-                </a:solidFill>
-              </a:rPr>
-              <a:t>未実装</a:t>
-            </a:r>
-          </a:p>
-        </p:txBody>
-      </p:sp>
-    </p:spTree>
-    <p:extLst>
-      <p:ext uri="{BB962C8B-B14F-4D97-AF65-F5344CB8AC3E}">
-        <p14:creationId xmlns:p14="http://schemas.microsoft.com/office/powerpoint/2010/main" val="722174485"/>
-      </p:ext>
-    </p:extLst>
-  </p:cSld>
-  <p:clrMapOvr>
-    <a:masterClrMapping/>
-  </p:clrMapOvr>
-</p:sld>
-</file>
-
-<file path=ppt/slides/slide21.xml><?xml version="1.0" encoding="utf-8"?>
-<p:sld xmlns:a="http://schemas.openxmlformats.org/drawingml/2006/main" xmlns:r="http://schemas.openxmlformats.org/officeDocument/2006/relationships" xmlns:p="http://schemas.openxmlformats.org/presentationml/2006/main">
-  <p:cSld>
-    <p:spTree>
-      <p:nvGrpSpPr>
-        <p:cNvPr id="1" name=""/>
-        <p:cNvGrpSpPr/>
-        <p:nvPr/>
-      </p:nvGrpSpPr>
-      <p:grpSpPr>
-        <a:xfrm>
-          <a:off x="0" y="0"/>
-          <a:ext cx="0" cy="0"/>
-          <a:chOff x="0" y="0"/>
-          <a:chExt cx="0" cy="0"/>
-        </a:xfrm>
-      </p:grpSpPr>
-      <p:sp>
-        <p:nvSpPr>
-          <p:cNvPr id="2" name="タイトル 1">
-            <a:extLst>
-              <a:ext uri="{FF2B5EF4-FFF2-40B4-BE49-F238E27FC236}">
-                <a16:creationId xmlns:a16="http://schemas.microsoft.com/office/drawing/2014/main" id="{6EEB1D21-E123-6A0D-4387-7842071A44C3}"/>
-              </a:ext>
-            </a:extLst>
-          </p:cNvPr>
-          <p:cNvSpPr>
-            <a:spLocks noGrp="1"/>
-          </p:cNvSpPr>
-          <p:nvPr>
-            <p:ph type="title"/>
-          </p:nvPr>
-        </p:nvSpPr>
-        <p:spPr>
-          <a:xfrm>
-            <a:off x="508262" y="6906"/>
-            <a:ext cx="10515600" cy="1325563"/>
-          </a:xfrm>
-        </p:spPr>
-        <p:txBody>
-          <a:bodyPr>
-            <a:normAutofit/>
-          </a:bodyPr>
-          <a:lstStyle/>
-          <a:p>
-            <a:r>
-              <a:rPr lang="ja-JP" altLang="en-US" sz="2800" dirty="0"/>
-              <a:t>フィードバック</a:t>
-            </a:r>
-            <a:r>
-              <a:rPr kumimoji="1" lang="ja-JP" altLang="en-US" sz="2800" dirty="0"/>
-              <a:t>画面</a:t>
-            </a:r>
-            <a:r>
-              <a:rPr kumimoji="1" lang="en-US" altLang="ja-JP" sz="2800" dirty="0"/>
-              <a:t>(Feedback</a:t>
-            </a:r>
-            <a:r>
-              <a:rPr kumimoji="1" lang="ja-JP" altLang="en-US" sz="2800" dirty="0"/>
-              <a:t> </a:t>
-            </a:r>
-            <a:r>
-              <a:rPr kumimoji="1" lang="en-US" altLang="ja-JP" sz="2800" dirty="0"/>
-              <a:t>Window</a:t>
-            </a:r>
-            <a:r>
-              <a:rPr lang="ja-JP" altLang="en-US" sz="2800" dirty="0"/>
-              <a:t>）</a:t>
-            </a:r>
-            <a:endParaRPr kumimoji="1" lang="ja-JP" altLang="en-US" dirty="0"/>
-          </a:p>
-        </p:txBody>
-      </p:sp>
-      <p:sp>
-        <p:nvSpPr>
-          <p:cNvPr id="3" name="コンテンツ プレースホルダー 2">
-            <a:extLst>
-              <a:ext uri="{FF2B5EF4-FFF2-40B4-BE49-F238E27FC236}">
-                <a16:creationId xmlns:a16="http://schemas.microsoft.com/office/drawing/2014/main" id="{FBEFD887-8E4D-0747-2470-BA7EA0F692F7}"/>
-              </a:ext>
-            </a:extLst>
-          </p:cNvPr>
-          <p:cNvSpPr>
-            <a:spLocks noGrp="1"/>
-          </p:cNvSpPr>
-          <p:nvPr>
-            <p:ph idx="1"/>
-          </p:nvPr>
-        </p:nvSpPr>
-        <p:spPr>
-          <a:xfrm>
-            <a:off x="627529" y="1332469"/>
-            <a:ext cx="5797731" cy="4160520"/>
-          </a:xfrm>
-        </p:spPr>
-        <p:txBody>
-          <a:bodyPr/>
-          <a:lstStyle/>
-          <a:p>
-            <a:r>
-              <a:rPr kumimoji="1" lang="en-US" altLang="ja-JP" sz="1800" dirty="0"/>
-              <a:t>This will be the feedback screen so that user can provide information or bugs that appeared while using the mobile application</a:t>
-            </a:r>
-          </a:p>
-          <a:p>
-            <a:r>
-              <a:rPr lang="en-US" altLang="ja-JP" sz="1800" dirty="0"/>
-              <a:t>All feedbacks will be anonymous </a:t>
-            </a:r>
-            <a:endParaRPr kumimoji="1" lang="en-US" altLang="ja-JP" sz="1800" dirty="0"/>
-          </a:p>
-          <a:p>
-            <a:r>
-              <a:rPr lang="en-US" altLang="ja-JP" sz="1800" dirty="0"/>
-              <a:t>This function is yet to be built because while connected to the chair, connections to the internet will be lost and need to figure out ways to store the feedback response on the internet so that Developers can access it anywhere to make improvements on the mobile application</a:t>
-            </a:r>
-          </a:p>
-          <a:p>
-            <a:endParaRPr kumimoji="1" lang="ja-JP" altLang="en-US" sz="1800" dirty="0"/>
+            <a:endParaRPr kumimoji="1" lang="ja-JP" altLang="en-US"/>
           </a:p>
         </p:txBody>
       </p:sp>
@@ -24376,7 +24996,7 @@
           <p:cNvPr id="4" name="直線コネクタ 3">
             <a:extLst>
               <a:ext uri="{FF2B5EF4-FFF2-40B4-BE49-F238E27FC236}">
-                <a16:creationId xmlns:a16="http://schemas.microsoft.com/office/drawing/2014/main" id="{77FD0231-A0D6-70F0-63A7-A1184127BCDF}"/>
+                <a16:creationId xmlns:a16="http://schemas.microsoft.com/office/drawing/2014/main" id="{D3FAA09E-3508-75BA-C755-0F16F3FE0CC4}"/>
               </a:ext>
             </a:extLst>
           </p:cNvPr>
@@ -24414,69 +25034,229 @@
           </a:fontRef>
         </p:style>
       </p:cxnSp>
-      <p:sp>
-        <p:nvSpPr>
-          <p:cNvPr id="6" name="正方形/長方形 5">
+      <p:pic>
+        <p:nvPicPr>
+          <p:cNvPr id="3" name="図 6" descr="グラフィカル ユーザー インターフェイス, アプリケーション, Teams&#10;&#10;自動的に生成された説明">
             <a:extLst>
               <a:ext uri="{FF2B5EF4-FFF2-40B4-BE49-F238E27FC236}">
-                <a16:creationId xmlns:a16="http://schemas.microsoft.com/office/drawing/2014/main" id="{7A695DE2-D99A-A5E7-464E-506FD5EECF14}"/>
+                <a16:creationId xmlns:a16="http://schemas.microsoft.com/office/drawing/2014/main" id="{BF6CDF93-BE8C-4827-1573-EC41ECC830FF}"/>
               </a:ext>
             </a:extLst>
           </p:cNvPr>
-          <p:cNvSpPr/>
+          <p:cNvPicPr>
+            <a:picLocks noChangeAspect="1"/>
+          </p:cNvPicPr>
+          <p:nvPr/>
+        </p:nvPicPr>
+        <p:blipFill>
+          <a:blip r:embed="rId2">
+            <a:extLst>
+              <a:ext uri="{28A0092B-C50C-407E-A947-70E740481C1C}">
+                <a14:useLocalDpi xmlns:a14="http://schemas.microsoft.com/office/drawing/2010/main" val="0"/>
+              </a:ext>
+            </a:extLst>
+          </a:blip>
+          <a:stretch>
+            <a:fillRect/>
+          </a:stretch>
+        </p:blipFill>
+        <p:spPr>
+          <a:xfrm>
+            <a:off x="627529" y="1133369"/>
+            <a:ext cx="3159773" cy="4649122"/>
+          </a:xfrm>
+          <a:prstGeom prst="rect">
+            <a:avLst/>
+          </a:prstGeom>
+        </p:spPr>
+      </p:pic>
+      <p:pic>
+        <p:nvPicPr>
+          <p:cNvPr id="5" name="図 6" descr="グラフィカル ユーザー インターフェイス が含まれている画像&#10;&#10;自動的に生成された説明">
+            <a:extLst>
+              <a:ext uri="{FF2B5EF4-FFF2-40B4-BE49-F238E27FC236}">
+                <a16:creationId xmlns:a16="http://schemas.microsoft.com/office/drawing/2014/main" id="{9EBE2F74-38C5-3A88-FF90-5D90369D6BC4}"/>
+              </a:ext>
+            </a:extLst>
+          </p:cNvPr>
+          <p:cNvPicPr>
+            <a:picLocks noChangeAspect="1"/>
+          </p:cNvPicPr>
+          <p:nvPr/>
+        </p:nvPicPr>
+        <p:blipFill>
+          <a:blip r:embed="rId3">
+            <a:extLst>
+              <a:ext uri="{28A0092B-C50C-407E-A947-70E740481C1C}">
+                <a14:useLocalDpi xmlns:a14="http://schemas.microsoft.com/office/drawing/2010/main" val="0"/>
+              </a:ext>
+            </a:extLst>
+          </a:blip>
+          <a:stretch>
+            <a:fillRect/>
+          </a:stretch>
+        </p:blipFill>
+        <p:spPr>
+          <a:xfrm>
+            <a:off x="4529996" y="1133368"/>
+            <a:ext cx="3156533" cy="4649121"/>
+          </a:xfrm>
+          <a:prstGeom prst="rect">
+            <a:avLst/>
+          </a:prstGeom>
+        </p:spPr>
+      </p:pic>
+      <p:pic>
+        <p:nvPicPr>
+          <p:cNvPr id="6" name="図 6" descr="QR コード&#10;&#10;自動的に生成された説明">
+            <a:extLst>
+              <a:ext uri="{FF2B5EF4-FFF2-40B4-BE49-F238E27FC236}">
+                <a16:creationId xmlns:a16="http://schemas.microsoft.com/office/drawing/2014/main" id="{3F20FAB9-EC2E-B655-2F3A-9E1BCBC253B1}"/>
+              </a:ext>
+            </a:extLst>
+          </p:cNvPr>
+          <p:cNvPicPr>
+            <a:picLocks noChangeAspect="1"/>
+          </p:cNvPicPr>
+          <p:nvPr/>
+        </p:nvPicPr>
+        <p:blipFill>
+          <a:blip r:embed="rId4">
+            <a:extLst>
+              <a:ext uri="{28A0092B-C50C-407E-A947-70E740481C1C}">
+                <a14:useLocalDpi xmlns:a14="http://schemas.microsoft.com/office/drawing/2010/main" val="0"/>
+              </a:ext>
+            </a:extLst>
+          </a:blip>
+          <a:stretch>
+            <a:fillRect/>
+          </a:stretch>
+        </p:blipFill>
+        <p:spPr>
+          <a:xfrm>
+            <a:off x="8102180" y="1133368"/>
+            <a:ext cx="3165938" cy="4649121"/>
+          </a:xfrm>
+          <a:prstGeom prst="rect">
+            <a:avLst/>
+          </a:prstGeom>
+        </p:spPr>
+      </p:pic>
+      <p:sp>
+        <p:nvSpPr>
+          <p:cNvPr id="8" name="TextBox 7">
+            <a:extLst>
+              <a:ext uri="{FF2B5EF4-FFF2-40B4-BE49-F238E27FC236}">
+                <a16:creationId xmlns:a16="http://schemas.microsoft.com/office/drawing/2014/main" id="{BD6D1F3D-15DF-0FEC-3934-A6BB7C2B2321}"/>
+              </a:ext>
+            </a:extLst>
+          </p:cNvPr>
+          <p:cNvSpPr txBox="1"/>
           <p:nvPr/>
         </p:nvSpPr>
         <p:spPr>
           <a:xfrm>
-            <a:off x="8079971" y="1268398"/>
-            <a:ext cx="3273829" cy="4733385"/>
+            <a:off x="4529996" y="5782489"/>
+            <a:ext cx="3156533" cy="369332"/>
           </a:xfrm>
           <a:prstGeom prst="rect">
             <a:avLst/>
           </a:prstGeom>
           <a:noFill/>
-          <a:ln>
-            <a:solidFill>
-              <a:srgbClr val="FF0000"/>
-            </a:solidFill>
-          </a:ln>
         </p:spPr>
-        <p:style>
-          <a:lnRef idx="2">
-            <a:schemeClr val="dk1">
-              <a:shade val="15000"/>
-            </a:schemeClr>
-          </a:lnRef>
-          <a:fillRef idx="1">
-            <a:schemeClr val="dk1"/>
-          </a:fillRef>
-          <a:effectRef idx="0">
-            <a:schemeClr val="dk1"/>
-          </a:effectRef>
-          <a:fontRef idx="minor">
-            <a:schemeClr val="lt1"/>
-          </a:fontRef>
-        </p:style>
         <p:txBody>
-          <a:bodyPr rtlCol="0" anchor="ctr"/>
+          <a:bodyPr wrap="square" rtlCol="0">
+            <a:spAutoFit/>
+          </a:bodyPr>
           <a:lstStyle/>
           <a:p>
             <a:pPr algn="ctr"/>
             <a:r>
-              <a:rPr kumimoji="1" lang="ja-JP" altLang="en-US" dirty="0">
-                <a:solidFill>
-                  <a:srgbClr val="FF0000"/>
-                </a:solidFill>
-              </a:rPr>
-              <a:t>未実装</a:t>
-            </a:r>
+              <a:rPr lang="ja-JP" altLang="en-US" dirty="0"/>
+              <a:t>テスト画面</a:t>
+            </a:r>
+            <a:endParaRPr lang="en-US" dirty="0"/>
+          </a:p>
+        </p:txBody>
+      </p:sp>
+      <p:sp>
+        <p:nvSpPr>
+          <p:cNvPr id="9" name="TextBox 8">
+            <a:extLst>
+              <a:ext uri="{FF2B5EF4-FFF2-40B4-BE49-F238E27FC236}">
+                <a16:creationId xmlns:a16="http://schemas.microsoft.com/office/drawing/2014/main" id="{6F9A8B02-1EE3-E969-3ECD-71AA38C995E9}"/>
+              </a:ext>
+            </a:extLst>
+          </p:cNvPr>
+          <p:cNvSpPr txBox="1"/>
+          <p:nvPr/>
+        </p:nvSpPr>
+        <p:spPr>
+          <a:xfrm>
+            <a:off x="8102180" y="5742047"/>
+            <a:ext cx="3156533" cy="369332"/>
+          </a:xfrm>
+          <a:prstGeom prst="rect">
+            <a:avLst/>
+          </a:prstGeom>
+          <a:noFill/>
+        </p:spPr>
+        <p:txBody>
+          <a:bodyPr wrap="square" rtlCol="0">
+            <a:spAutoFit/>
+          </a:bodyPr>
+          <a:lstStyle/>
+          <a:p>
+            <a:pPr algn="ctr"/>
+            <a:r>
+              <a:rPr lang="ja-JP" altLang="en-US" dirty="0"/>
+              <a:t>結果画面</a:t>
+            </a:r>
+            <a:endParaRPr lang="en-US" dirty="0"/>
+          </a:p>
+        </p:txBody>
+      </p:sp>
+      <p:sp>
+        <p:nvSpPr>
+          <p:cNvPr id="10" name="TextBox 9">
+            <a:extLst>
+              <a:ext uri="{FF2B5EF4-FFF2-40B4-BE49-F238E27FC236}">
+                <a16:creationId xmlns:a16="http://schemas.microsoft.com/office/drawing/2014/main" id="{597DA982-6122-F82A-DC92-DB694CF4D7CE}"/>
+              </a:ext>
+            </a:extLst>
+          </p:cNvPr>
+          <p:cNvSpPr txBox="1"/>
+          <p:nvPr/>
+        </p:nvSpPr>
+        <p:spPr>
+          <a:xfrm>
+            <a:off x="630769" y="5768588"/>
+            <a:ext cx="3156533" cy="369332"/>
+          </a:xfrm>
+          <a:prstGeom prst="rect">
+            <a:avLst/>
+          </a:prstGeom>
+          <a:noFill/>
+        </p:spPr>
+        <p:txBody>
+          <a:bodyPr wrap="square" rtlCol="0">
+            <a:spAutoFit/>
+          </a:bodyPr>
+          <a:lstStyle/>
+          <a:p>
+            <a:pPr algn="ctr"/>
+            <a:r>
+              <a:rPr lang="ja-JP" altLang="en-US" dirty="0"/>
+              <a:t>ローディングス画面</a:t>
+            </a:r>
+            <a:endParaRPr lang="en-US" dirty="0"/>
           </a:p>
         </p:txBody>
       </p:sp>
     </p:spTree>
     <p:extLst>
       <p:ext uri="{BB962C8B-B14F-4D97-AF65-F5344CB8AC3E}">
-        <p14:creationId xmlns:p14="http://schemas.microsoft.com/office/powerpoint/2010/main" val="3455028739"/>
+        <p14:creationId xmlns:p14="http://schemas.microsoft.com/office/powerpoint/2010/main" val="217578578"/>
       </p:ext>
     </p:extLst>
   </p:cSld>
@@ -24521,8 +25301,8 @@
         </p:nvSpPr>
         <p:spPr>
           <a:xfrm>
-            <a:off x="505691" y="18255"/>
-            <a:ext cx="10515600" cy="1325563"/>
+            <a:off x="627529" y="18256"/>
+            <a:ext cx="2272425" cy="983230"/>
           </a:xfrm>
         </p:spPr>
         <p:txBody>
@@ -24560,50 +25340,54 @@
           </a:xfrm>
         </p:spPr>
         <p:txBody>
-          <a:bodyPr/>
+          <a:bodyPr>
+            <a:normAutofit/>
+          </a:bodyPr>
           <a:lstStyle/>
           <a:p>
             <a:r>
-              <a:rPr kumimoji="1" lang="en-US" altLang="ja-JP" dirty="0"/>
-              <a:t>Use Blue trust Peace and Order</a:t>
-            </a:r>
-          </a:p>
-          <a:p>
-            <a:r>
-              <a:rPr lang="en-US" altLang="ja-JP" dirty="0"/>
-              <a:t>Use Fonts that is easily readable by the user</a:t>
-            </a:r>
-          </a:p>
-          <a:p>
-            <a:r>
-              <a:rPr kumimoji="1" lang="en-US" altLang="ja-JP" dirty="0"/>
-              <a:t>Use leave comments in each lines of code so that easier for the next person that will oversee the applications for maintenance purposes</a:t>
-            </a:r>
-          </a:p>
-          <a:p>
-            <a:r>
-              <a:rPr lang="en-US" altLang="ja-JP" dirty="0"/>
-              <a:t>Split the GUI Thread and Process Thread so </a:t>
-            </a:r>
-            <a:r>
-              <a:rPr lang="en-US" altLang="ja-JP"/>
-              <a:t>that the UI </a:t>
-            </a:r>
-            <a:r>
-              <a:rPr lang="en-US" altLang="ja-JP" dirty="0"/>
-              <a:t>does not hang while waiting data from the user</a:t>
-            </a:r>
-          </a:p>
-          <a:p>
-            <a:r>
-              <a:rPr kumimoji="1" lang="en-US" altLang="ja-JP" dirty="0"/>
-              <a:t>Add Feedback Me</a:t>
-            </a:r>
-            <a:r>
-              <a:rPr lang="en-US" altLang="ja-JP" dirty="0"/>
-              <a:t>chanism so that User can Provide useful input on improvisation of the app</a:t>
-            </a:r>
-            <a:endParaRPr kumimoji="1" lang="en-US" altLang="ja-JP" dirty="0"/>
+              <a:rPr lang="ja-JP" altLang="en-US" sz="2400" dirty="0"/>
+              <a:t>各行のコードにコメントを残してください。これにより、次のメンテナンスを担当する人が作業しやすくなります。</a:t>
+            </a:r>
+            <a:endParaRPr lang="en-US" altLang="ja-JP" sz="2400" dirty="0"/>
+          </a:p>
+          <a:p>
+            <a:r>
+              <a:rPr lang="en-US" altLang="ja-JP" sz="2400" dirty="0"/>
+              <a:t>GUI</a:t>
+            </a:r>
+            <a:r>
+              <a:rPr lang="ja-JP" altLang="en-US" sz="2400" dirty="0"/>
+              <a:t>とデーモンプロセスの間に割り込みを防ぐためにスレッドプロセスを利用する</a:t>
+            </a:r>
+            <a:endParaRPr lang="en-US" altLang="ja-JP" sz="2400" dirty="0"/>
+          </a:p>
+          <a:p>
+            <a:r>
+              <a:rPr lang="ja-JP" altLang="en-US" sz="2400" dirty="0"/>
+              <a:t>ユーザーにより読みやすいフォントサイズを使用し、すべてのサイズに対応するためにフォーミュラ「</a:t>
+            </a:r>
+            <a:r>
+              <a:rPr lang="en-US" altLang="ja-JP" sz="2400" dirty="0" err="1"/>
+              <a:t>font_size</a:t>
+            </a:r>
+            <a:r>
+              <a:rPr lang="en-US" altLang="ja-JP" sz="2400" dirty="0"/>
+              <a:t>: </a:t>
+            </a:r>
+            <a:r>
+              <a:rPr lang="en-US" altLang="ja-JP" sz="2400" dirty="0" err="1"/>
+              <a:t>self.width</a:t>
+            </a:r>
+            <a:r>
+              <a:rPr lang="en-US" altLang="ja-JP" sz="2400" dirty="0"/>
+              <a:t> / x</a:t>
+            </a:r>
+            <a:r>
+              <a:rPr lang="ja-JP" altLang="en-US" sz="2400" dirty="0"/>
+              <a:t>」を使用してください。</a:t>
+            </a:r>
+            <a:endParaRPr lang="en-US" altLang="ja-JP" sz="2400" dirty="0"/>
           </a:p>
           <a:p>
             <a:endParaRPr kumimoji="1" lang="ja-JP" altLang="en-US" dirty="0"/>
@@ -24688,1413 +25472,6 @@
           <p:cNvPr id="2" name="タイトル 1">
             <a:extLst>
               <a:ext uri="{FF2B5EF4-FFF2-40B4-BE49-F238E27FC236}">
-                <a16:creationId xmlns:a16="http://schemas.microsoft.com/office/drawing/2014/main" id="{6E0C4224-92F6-8903-2B56-06CA8EDEC7B7}"/>
-              </a:ext>
-            </a:extLst>
-          </p:cNvPr>
-          <p:cNvSpPr>
-            <a:spLocks noGrp="1"/>
-          </p:cNvSpPr>
-          <p:nvPr>
-            <p:ph type="title"/>
-          </p:nvPr>
-        </p:nvSpPr>
-        <p:spPr>
-          <a:xfrm>
-            <a:off x="615042" y="-134664"/>
-            <a:ext cx="6523348" cy="1325563"/>
-          </a:xfrm>
-        </p:spPr>
-        <p:txBody>
-          <a:bodyPr>
-            <a:normAutofit/>
-          </a:bodyPr>
-          <a:lstStyle/>
-          <a:p>
-            <a:r>
-              <a:rPr kumimoji="1" lang="ja-JP" altLang="en-US" dirty="0"/>
-              <a:t>データ送信の仕組み</a:t>
-            </a:r>
-          </a:p>
-        </p:txBody>
-      </p:sp>
-      <p:grpSp>
-        <p:nvGrpSpPr>
-          <p:cNvPr id="27" name="グループ化 26">
-            <a:extLst>
-              <a:ext uri="{FF2B5EF4-FFF2-40B4-BE49-F238E27FC236}">
-                <a16:creationId xmlns:a16="http://schemas.microsoft.com/office/drawing/2014/main" id="{2B475C66-199B-9CEF-FE74-C79B59F45CA0}"/>
-              </a:ext>
-            </a:extLst>
-          </p:cNvPr>
-          <p:cNvGrpSpPr/>
-          <p:nvPr/>
-        </p:nvGrpSpPr>
-        <p:grpSpPr>
-          <a:xfrm>
-            <a:off x="0" y="917624"/>
-            <a:ext cx="5021578" cy="5160959"/>
-            <a:chOff x="961211" y="956231"/>
-            <a:chExt cx="5021578" cy="5825250"/>
-          </a:xfrm>
-        </p:grpSpPr>
-        <p:sp>
-          <p:nvSpPr>
-            <p:cNvPr id="4" name="矢印: 下 3">
-              <a:extLst>
-                <a:ext uri="{FF2B5EF4-FFF2-40B4-BE49-F238E27FC236}">
-                  <a16:creationId xmlns:a16="http://schemas.microsoft.com/office/drawing/2014/main" id="{A08DE3E4-9769-ACCD-F7B8-3329FC28529C}"/>
-                </a:ext>
-              </a:extLst>
-            </p:cNvPr>
-            <p:cNvSpPr>
-              <a:spLocks/>
-            </p:cNvSpPr>
-            <p:nvPr/>
-          </p:nvSpPr>
-          <p:spPr>
-            <a:xfrm>
-              <a:off x="1428207" y="1325563"/>
-              <a:ext cx="296092" cy="5455918"/>
-            </a:xfrm>
-            <a:prstGeom prst="downArrow">
-              <a:avLst/>
-            </a:prstGeom>
-            <a:solidFill>
-              <a:schemeClr val="tx2">
-                <a:lumMod val="50000"/>
-                <a:lumOff val="50000"/>
-              </a:schemeClr>
-            </a:solidFill>
-          </p:spPr>
-          <p:style>
-            <a:lnRef idx="2">
-              <a:schemeClr val="accent1">
-                <a:shade val="15000"/>
-              </a:schemeClr>
-            </a:lnRef>
-            <a:fillRef idx="1">
-              <a:schemeClr val="accent1"/>
-            </a:fillRef>
-            <a:effectRef idx="0">
-              <a:schemeClr val="accent1"/>
-            </a:effectRef>
-            <a:fontRef idx="minor">
-              <a:schemeClr val="lt1"/>
-            </a:fontRef>
-          </p:style>
-          <p:txBody>
-            <a:bodyPr rtlCol="0" anchor="ctr"/>
-            <a:lstStyle/>
-            <a:p>
-              <a:pPr algn="ctr"/>
-              <a:endParaRPr kumimoji="1" lang="ja-JP" altLang="en-US"/>
-            </a:p>
-          </p:txBody>
-        </p:sp>
-        <p:sp>
-          <p:nvSpPr>
-            <p:cNvPr id="5" name="矢印: 下 4">
-              <a:extLst>
-                <a:ext uri="{FF2B5EF4-FFF2-40B4-BE49-F238E27FC236}">
-                  <a16:creationId xmlns:a16="http://schemas.microsoft.com/office/drawing/2014/main" id="{C53F9750-2D00-419E-52C2-10C771B754FC}"/>
-                </a:ext>
-              </a:extLst>
-            </p:cNvPr>
-            <p:cNvSpPr>
-              <a:spLocks/>
-            </p:cNvSpPr>
-            <p:nvPr/>
-          </p:nvSpPr>
-          <p:spPr>
-            <a:xfrm>
-              <a:off x="5185954" y="1325563"/>
-              <a:ext cx="296092" cy="5368831"/>
-            </a:xfrm>
-            <a:prstGeom prst="downArrow">
-              <a:avLst/>
-            </a:prstGeom>
-            <a:solidFill>
-              <a:schemeClr val="tx2">
-                <a:lumMod val="50000"/>
-                <a:lumOff val="50000"/>
-              </a:schemeClr>
-            </a:solidFill>
-          </p:spPr>
-          <p:style>
-            <a:lnRef idx="2">
-              <a:schemeClr val="accent1">
-                <a:shade val="15000"/>
-              </a:schemeClr>
-            </a:lnRef>
-            <a:fillRef idx="1">
-              <a:schemeClr val="accent1"/>
-            </a:fillRef>
-            <a:effectRef idx="0">
-              <a:schemeClr val="accent1"/>
-            </a:effectRef>
-            <a:fontRef idx="minor">
-              <a:schemeClr val="lt1"/>
-            </a:fontRef>
-          </p:style>
-          <p:txBody>
-            <a:bodyPr rtlCol="0" anchor="ctr"/>
-            <a:lstStyle/>
-            <a:p>
-              <a:pPr algn="ctr"/>
-              <a:endParaRPr kumimoji="1" lang="ja-JP" altLang="en-US"/>
-            </a:p>
-          </p:txBody>
-        </p:sp>
-        <p:sp>
-          <p:nvSpPr>
-            <p:cNvPr id="7" name="テキスト ボックス 6">
-              <a:extLst>
-                <a:ext uri="{FF2B5EF4-FFF2-40B4-BE49-F238E27FC236}">
-                  <a16:creationId xmlns:a16="http://schemas.microsoft.com/office/drawing/2014/main" id="{F9DF5F2B-96EA-26D7-5D07-840468FB9504}"/>
-                </a:ext>
-              </a:extLst>
-            </p:cNvPr>
-            <p:cNvSpPr txBox="1">
-              <a:spLocks/>
-            </p:cNvSpPr>
-            <p:nvPr/>
-          </p:nvSpPr>
-          <p:spPr>
-            <a:xfrm>
-              <a:off x="961211" y="996016"/>
-              <a:ext cx="2029097" cy="369332"/>
-            </a:xfrm>
-            <a:prstGeom prst="rect">
-              <a:avLst/>
-            </a:prstGeom>
-            <a:noFill/>
-          </p:spPr>
-          <p:txBody>
-            <a:bodyPr wrap="square" rtlCol="0">
-              <a:spAutoFit/>
-            </a:bodyPr>
-            <a:lstStyle/>
-            <a:p>
-              <a:r>
-                <a:rPr kumimoji="1" lang="ja-JP" altLang="en-US" dirty="0"/>
-                <a:t>クライアント</a:t>
-              </a:r>
-            </a:p>
-          </p:txBody>
-        </p:sp>
-        <p:sp>
-          <p:nvSpPr>
-            <p:cNvPr id="9" name="テキスト ボックス 8">
-              <a:extLst>
-                <a:ext uri="{FF2B5EF4-FFF2-40B4-BE49-F238E27FC236}">
-                  <a16:creationId xmlns:a16="http://schemas.microsoft.com/office/drawing/2014/main" id="{9F2F3FCE-CBC7-957B-920D-B136B310A94E}"/>
-                </a:ext>
-              </a:extLst>
-            </p:cNvPr>
-            <p:cNvSpPr txBox="1">
-              <a:spLocks/>
-            </p:cNvSpPr>
-            <p:nvPr/>
-          </p:nvSpPr>
-          <p:spPr>
-            <a:xfrm>
-              <a:off x="4855029" y="956231"/>
-              <a:ext cx="1127760" cy="369332"/>
-            </a:xfrm>
-            <a:prstGeom prst="rect">
-              <a:avLst/>
-            </a:prstGeom>
-            <a:noFill/>
-          </p:spPr>
-          <p:txBody>
-            <a:bodyPr wrap="square" rtlCol="0">
-              <a:spAutoFit/>
-            </a:bodyPr>
-            <a:lstStyle/>
-            <a:p>
-              <a:r>
-                <a:rPr kumimoji="1" lang="ja-JP" altLang="en-US" dirty="0"/>
-                <a:t>サーバー</a:t>
-              </a:r>
-            </a:p>
-          </p:txBody>
-        </p:sp>
-        <p:cxnSp>
-          <p:nvCxnSpPr>
-            <p:cNvPr id="11" name="直線矢印コネクタ 10">
-              <a:extLst>
-                <a:ext uri="{FF2B5EF4-FFF2-40B4-BE49-F238E27FC236}">
-                  <a16:creationId xmlns:a16="http://schemas.microsoft.com/office/drawing/2014/main" id="{6A77656F-3634-FF7C-376B-C5E90A3BEB32}"/>
-                </a:ext>
-              </a:extLst>
-            </p:cNvPr>
-            <p:cNvCxnSpPr>
-              <a:cxnSpLocks/>
-            </p:cNvCxnSpPr>
-            <p:nvPr/>
-          </p:nvCxnSpPr>
-          <p:spPr>
-            <a:xfrm>
-              <a:off x="1663337" y="1680754"/>
-              <a:ext cx="3522617" cy="0"/>
-            </a:xfrm>
-            <a:prstGeom prst="straightConnector1">
-              <a:avLst/>
-            </a:prstGeom>
-            <a:ln>
-              <a:tailEnd type="triangle"/>
-            </a:ln>
-          </p:spPr>
-          <p:style>
-            <a:lnRef idx="1">
-              <a:schemeClr val="dk1"/>
-            </a:lnRef>
-            <a:fillRef idx="0">
-              <a:schemeClr val="dk1"/>
-            </a:fillRef>
-            <a:effectRef idx="0">
-              <a:schemeClr val="dk1"/>
-            </a:effectRef>
-            <a:fontRef idx="minor">
-              <a:schemeClr val="tx1"/>
-            </a:fontRef>
-          </p:style>
-        </p:cxnSp>
-        <p:cxnSp>
-          <p:nvCxnSpPr>
-            <p:cNvPr id="12" name="直線矢印コネクタ 11">
-              <a:extLst>
-                <a:ext uri="{FF2B5EF4-FFF2-40B4-BE49-F238E27FC236}">
-                  <a16:creationId xmlns:a16="http://schemas.microsoft.com/office/drawing/2014/main" id="{4BF59A6C-C770-5061-A847-CDFD8CC61821}"/>
-                </a:ext>
-              </a:extLst>
-            </p:cNvPr>
-            <p:cNvCxnSpPr>
-              <a:cxnSpLocks/>
-            </p:cNvCxnSpPr>
-            <p:nvPr/>
-          </p:nvCxnSpPr>
-          <p:spPr>
-            <a:xfrm flipH="1">
-              <a:off x="1626325" y="2316480"/>
-              <a:ext cx="3596640" cy="0"/>
-            </a:xfrm>
-            <a:prstGeom prst="straightConnector1">
-              <a:avLst/>
-            </a:prstGeom>
-            <a:ln>
-              <a:tailEnd type="triangle"/>
-            </a:ln>
-          </p:spPr>
-          <p:style>
-            <a:lnRef idx="1">
-              <a:schemeClr val="dk1"/>
-            </a:lnRef>
-            <a:fillRef idx="0">
-              <a:schemeClr val="dk1"/>
-            </a:fillRef>
-            <a:effectRef idx="0">
-              <a:schemeClr val="dk1"/>
-            </a:effectRef>
-            <a:fontRef idx="minor">
-              <a:schemeClr val="tx1"/>
-            </a:fontRef>
-          </p:style>
-        </p:cxnSp>
-        <p:sp>
-          <p:nvSpPr>
-            <p:cNvPr id="16" name="テキスト ボックス 15">
-              <a:extLst>
-                <a:ext uri="{FF2B5EF4-FFF2-40B4-BE49-F238E27FC236}">
-                  <a16:creationId xmlns:a16="http://schemas.microsoft.com/office/drawing/2014/main" id="{50857171-0D70-EA1E-3E06-0BADB14CE7B3}"/>
-                </a:ext>
-              </a:extLst>
-            </p:cNvPr>
-            <p:cNvSpPr txBox="1">
-              <a:spLocks/>
-            </p:cNvSpPr>
-            <p:nvPr/>
-          </p:nvSpPr>
-          <p:spPr>
-            <a:xfrm>
-              <a:off x="3424645" y="1410657"/>
-              <a:ext cx="2497181" cy="307777"/>
-            </a:xfrm>
-            <a:prstGeom prst="rect">
-              <a:avLst/>
-            </a:prstGeom>
-            <a:noFill/>
-          </p:spPr>
-          <p:txBody>
-            <a:bodyPr wrap="square" rtlCol="0">
-              <a:spAutoFit/>
-            </a:bodyPr>
-            <a:lstStyle/>
-            <a:p>
-              <a:r>
-                <a:rPr lang="ja-JP" altLang="en-US" sz="1400" dirty="0"/>
-                <a:t>座席</a:t>
-              </a:r>
-              <a:r>
-                <a:rPr kumimoji="1" lang="ja-JP" altLang="en-US" sz="1400" dirty="0"/>
-                <a:t>の高さ、</a:t>
-              </a:r>
-              <a:r>
-                <a:rPr kumimoji="1" lang="en-US" altLang="ja-JP" sz="1400" dirty="0"/>
-                <a:t>height</a:t>
-              </a:r>
-              <a:endParaRPr kumimoji="1" lang="ja-JP" altLang="en-US" sz="1400" dirty="0"/>
-            </a:p>
-          </p:txBody>
-        </p:sp>
-        <p:sp>
-          <p:nvSpPr>
-            <p:cNvPr id="17" name="テキスト ボックス 16">
-              <a:extLst>
-                <a:ext uri="{FF2B5EF4-FFF2-40B4-BE49-F238E27FC236}">
-                  <a16:creationId xmlns:a16="http://schemas.microsoft.com/office/drawing/2014/main" id="{A32C88E9-E46B-2188-9D41-9D68D5CDBD99}"/>
-                </a:ext>
-              </a:extLst>
-            </p:cNvPr>
-            <p:cNvSpPr txBox="1">
-              <a:spLocks/>
-            </p:cNvSpPr>
-            <p:nvPr/>
-          </p:nvSpPr>
-          <p:spPr>
-            <a:xfrm>
-              <a:off x="1626325" y="1979822"/>
-              <a:ext cx="2497181" cy="523220"/>
-            </a:xfrm>
-            <a:prstGeom prst="rect">
-              <a:avLst/>
-            </a:prstGeom>
-            <a:noFill/>
-          </p:spPr>
-          <p:txBody>
-            <a:bodyPr wrap="square" rtlCol="0">
-              <a:spAutoFit/>
-            </a:bodyPr>
-            <a:lstStyle/>
-            <a:p>
-              <a:r>
-                <a:rPr lang="en-US" altLang="ja-JP" sz="1400" dirty="0"/>
-                <a:t>“+OK”</a:t>
-              </a:r>
-            </a:p>
-            <a:p>
-              <a:endParaRPr kumimoji="1" lang="ja-JP" altLang="en-US" sz="1400" dirty="0"/>
-            </a:p>
-          </p:txBody>
-        </p:sp>
-        <p:cxnSp>
-          <p:nvCxnSpPr>
-            <p:cNvPr id="18" name="直線矢印コネクタ 17">
-              <a:extLst>
-                <a:ext uri="{FF2B5EF4-FFF2-40B4-BE49-F238E27FC236}">
-                  <a16:creationId xmlns:a16="http://schemas.microsoft.com/office/drawing/2014/main" id="{E3787BC4-B6F5-C751-8736-7D05F3488C5B}"/>
-                </a:ext>
-              </a:extLst>
-            </p:cNvPr>
-            <p:cNvCxnSpPr>
-              <a:cxnSpLocks/>
-            </p:cNvCxnSpPr>
-            <p:nvPr/>
-          </p:nvCxnSpPr>
-          <p:spPr>
-            <a:xfrm>
-              <a:off x="1663337" y="2950844"/>
-              <a:ext cx="3522617" cy="0"/>
-            </a:xfrm>
-            <a:prstGeom prst="straightConnector1">
-              <a:avLst/>
-            </a:prstGeom>
-            <a:ln>
-              <a:tailEnd type="triangle"/>
-            </a:ln>
-          </p:spPr>
-          <p:style>
-            <a:lnRef idx="1">
-              <a:schemeClr val="dk1"/>
-            </a:lnRef>
-            <a:fillRef idx="0">
-              <a:schemeClr val="dk1"/>
-            </a:fillRef>
-            <a:effectRef idx="0">
-              <a:schemeClr val="dk1"/>
-            </a:effectRef>
-            <a:fontRef idx="minor">
-              <a:schemeClr val="tx1"/>
-            </a:fontRef>
-          </p:style>
-        </p:cxnSp>
-        <p:cxnSp>
-          <p:nvCxnSpPr>
-            <p:cNvPr id="19" name="直線矢印コネクタ 18">
-              <a:extLst>
-                <a:ext uri="{FF2B5EF4-FFF2-40B4-BE49-F238E27FC236}">
-                  <a16:creationId xmlns:a16="http://schemas.microsoft.com/office/drawing/2014/main" id="{346D313D-8740-04ED-BED4-EF87F7C81A7A}"/>
-                </a:ext>
-              </a:extLst>
-            </p:cNvPr>
-            <p:cNvCxnSpPr>
-              <a:cxnSpLocks/>
-            </p:cNvCxnSpPr>
-            <p:nvPr/>
-          </p:nvCxnSpPr>
-          <p:spPr>
-            <a:xfrm flipH="1">
-              <a:off x="1626325" y="3583577"/>
-              <a:ext cx="3596640" cy="0"/>
-            </a:xfrm>
-            <a:prstGeom prst="straightConnector1">
-              <a:avLst/>
-            </a:prstGeom>
-            <a:ln>
-              <a:tailEnd type="triangle"/>
-            </a:ln>
-          </p:spPr>
-          <p:style>
-            <a:lnRef idx="1">
-              <a:schemeClr val="dk1"/>
-            </a:lnRef>
-            <a:fillRef idx="0">
-              <a:schemeClr val="dk1"/>
-            </a:fillRef>
-            <a:effectRef idx="0">
-              <a:schemeClr val="dk1"/>
-            </a:effectRef>
-            <a:fontRef idx="minor">
-              <a:schemeClr val="tx1"/>
-            </a:fontRef>
-          </p:style>
-        </p:cxnSp>
-        <p:sp>
-          <p:nvSpPr>
-            <p:cNvPr id="20" name="テキスト ボックス 19">
-              <a:extLst>
-                <a:ext uri="{FF2B5EF4-FFF2-40B4-BE49-F238E27FC236}">
-                  <a16:creationId xmlns:a16="http://schemas.microsoft.com/office/drawing/2014/main" id="{4C9A4220-EDD3-BE0A-D1A1-FE3092AF0736}"/>
-                </a:ext>
-              </a:extLst>
-            </p:cNvPr>
-            <p:cNvSpPr txBox="1">
-              <a:spLocks/>
-            </p:cNvSpPr>
-            <p:nvPr/>
-          </p:nvSpPr>
-          <p:spPr>
-            <a:xfrm>
-              <a:off x="3423559" y="2677287"/>
-              <a:ext cx="2497181" cy="307777"/>
-            </a:xfrm>
-            <a:prstGeom prst="rect">
-              <a:avLst/>
-            </a:prstGeom>
-            <a:noFill/>
-          </p:spPr>
-          <p:txBody>
-            <a:bodyPr wrap="square" rtlCol="0">
-              <a:spAutoFit/>
-            </a:bodyPr>
-            <a:lstStyle/>
-            <a:p>
-              <a:r>
-                <a:rPr lang="ja-JP" altLang="en-US" sz="1400" dirty="0"/>
-                <a:t>座席</a:t>
-              </a:r>
-              <a:r>
-                <a:rPr kumimoji="1" lang="ja-JP" altLang="en-US" sz="1400" dirty="0"/>
-                <a:t>の高さ、</a:t>
-              </a:r>
-              <a:r>
-                <a:rPr kumimoji="1" lang="en-US" altLang="ja-JP" sz="1400" dirty="0"/>
-                <a:t>height</a:t>
-              </a:r>
-              <a:endParaRPr kumimoji="1" lang="ja-JP" altLang="en-US" sz="1400" dirty="0"/>
-            </a:p>
-          </p:txBody>
-        </p:sp>
-        <p:sp>
-          <p:nvSpPr>
-            <p:cNvPr id="21" name="テキスト ボックス 20">
-              <a:extLst>
-                <a:ext uri="{FF2B5EF4-FFF2-40B4-BE49-F238E27FC236}">
-                  <a16:creationId xmlns:a16="http://schemas.microsoft.com/office/drawing/2014/main" id="{D987716F-9816-2F76-9529-57EB322E378F}"/>
-                </a:ext>
-              </a:extLst>
-            </p:cNvPr>
-            <p:cNvSpPr txBox="1">
-              <a:spLocks/>
-            </p:cNvSpPr>
-            <p:nvPr/>
-          </p:nvSpPr>
-          <p:spPr>
-            <a:xfrm>
-              <a:off x="3423560" y="4071528"/>
-              <a:ext cx="2497181" cy="307777"/>
-            </a:xfrm>
-            <a:prstGeom prst="rect">
-              <a:avLst/>
-            </a:prstGeom>
-            <a:noFill/>
-          </p:spPr>
-          <p:txBody>
-            <a:bodyPr wrap="square" rtlCol="0">
-              <a:spAutoFit/>
-            </a:bodyPr>
-            <a:lstStyle/>
-            <a:p>
-              <a:r>
-                <a:rPr lang="ja-JP" altLang="en-US" sz="1400" dirty="0"/>
-                <a:t>座席</a:t>
-              </a:r>
-              <a:r>
-                <a:rPr kumimoji="1" lang="ja-JP" altLang="en-US" sz="1400" dirty="0"/>
-                <a:t>の高さ、</a:t>
-              </a:r>
-              <a:r>
-                <a:rPr kumimoji="1" lang="en-US" altLang="ja-JP" sz="1400" dirty="0"/>
-                <a:t>height</a:t>
-              </a:r>
-              <a:endParaRPr kumimoji="1" lang="ja-JP" altLang="en-US" sz="1400" dirty="0"/>
-            </a:p>
-          </p:txBody>
-        </p:sp>
-        <p:cxnSp>
-          <p:nvCxnSpPr>
-            <p:cNvPr id="22" name="直線矢印コネクタ 21">
-              <a:extLst>
-                <a:ext uri="{FF2B5EF4-FFF2-40B4-BE49-F238E27FC236}">
-                  <a16:creationId xmlns:a16="http://schemas.microsoft.com/office/drawing/2014/main" id="{73CAD52B-A2C3-0EDA-2AE6-64F4011E8004}"/>
-                </a:ext>
-              </a:extLst>
-            </p:cNvPr>
-            <p:cNvCxnSpPr>
-              <a:cxnSpLocks/>
-            </p:cNvCxnSpPr>
-            <p:nvPr/>
-          </p:nvCxnSpPr>
-          <p:spPr>
-            <a:xfrm flipH="1">
-              <a:off x="1625240" y="5146766"/>
-              <a:ext cx="3596640" cy="0"/>
-            </a:xfrm>
-            <a:prstGeom prst="straightConnector1">
-              <a:avLst/>
-            </a:prstGeom>
-            <a:ln>
-              <a:tailEnd type="triangle"/>
-            </a:ln>
-          </p:spPr>
-          <p:style>
-            <a:lnRef idx="1">
-              <a:schemeClr val="dk1"/>
-            </a:lnRef>
-            <a:fillRef idx="0">
-              <a:schemeClr val="dk1"/>
-            </a:fillRef>
-            <a:effectRef idx="0">
-              <a:schemeClr val="dk1"/>
-            </a:effectRef>
-            <a:fontRef idx="minor">
-              <a:schemeClr val="tx1"/>
-            </a:fontRef>
-          </p:style>
-        </p:cxnSp>
-        <p:sp>
-          <p:nvSpPr>
-            <p:cNvPr id="23" name="テキスト ボックス 22">
-              <a:extLst>
-                <a:ext uri="{FF2B5EF4-FFF2-40B4-BE49-F238E27FC236}">
-                  <a16:creationId xmlns:a16="http://schemas.microsoft.com/office/drawing/2014/main" id="{D3732B6A-AFC5-A9EF-EAA3-2D2675D26B43}"/>
-                </a:ext>
-              </a:extLst>
-            </p:cNvPr>
-            <p:cNvSpPr txBox="1">
-              <a:spLocks/>
-            </p:cNvSpPr>
-            <p:nvPr/>
-          </p:nvSpPr>
-          <p:spPr>
-            <a:xfrm>
-              <a:off x="1675312" y="3250377"/>
-              <a:ext cx="2497181" cy="523220"/>
-            </a:xfrm>
-            <a:prstGeom prst="rect">
-              <a:avLst/>
-            </a:prstGeom>
-            <a:noFill/>
-          </p:spPr>
-          <p:txBody>
-            <a:bodyPr wrap="square" rtlCol="0">
-              <a:spAutoFit/>
-            </a:bodyPr>
-            <a:lstStyle/>
-            <a:p>
-              <a:r>
-                <a:rPr lang="en-US" altLang="ja-JP" sz="1400" dirty="0"/>
-                <a:t>“+OK”</a:t>
-              </a:r>
-            </a:p>
-            <a:p>
-              <a:endParaRPr kumimoji="1" lang="ja-JP" altLang="en-US" sz="1400" dirty="0"/>
-            </a:p>
-          </p:txBody>
-        </p:sp>
-        <p:sp>
-          <p:nvSpPr>
-            <p:cNvPr id="24" name="テキスト ボックス 23">
-              <a:extLst>
-                <a:ext uri="{FF2B5EF4-FFF2-40B4-BE49-F238E27FC236}">
-                  <a16:creationId xmlns:a16="http://schemas.microsoft.com/office/drawing/2014/main" id="{DA5B1E1D-ADE1-606F-1F19-FD2AB2A448A8}"/>
-                </a:ext>
-              </a:extLst>
-            </p:cNvPr>
-            <p:cNvSpPr txBox="1">
-              <a:spLocks/>
-            </p:cNvSpPr>
-            <p:nvPr/>
-          </p:nvSpPr>
-          <p:spPr>
-            <a:xfrm>
-              <a:off x="1625240" y="4801736"/>
-              <a:ext cx="2497181" cy="523220"/>
-            </a:xfrm>
-            <a:prstGeom prst="rect">
-              <a:avLst/>
-            </a:prstGeom>
-            <a:noFill/>
-          </p:spPr>
-          <p:txBody>
-            <a:bodyPr wrap="square" rtlCol="0">
-              <a:spAutoFit/>
-            </a:bodyPr>
-            <a:lstStyle/>
-            <a:p>
-              <a:r>
-                <a:rPr lang="en-US" altLang="ja-JP" sz="1400" dirty="0"/>
-                <a:t>“+OK”</a:t>
-              </a:r>
-            </a:p>
-            <a:p>
-              <a:endParaRPr kumimoji="1" lang="ja-JP" altLang="en-US" sz="1400" dirty="0"/>
-            </a:p>
-          </p:txBody>
-        </p:sp>
-        <p:cxnSp>
-          <p:nvCxnSpPr>
-            <p:cNvPr id="26" name="直線矢印コネクタ 25">
-              <a:extLst>
-                <a:ext uri="{FF2B5EF4-FFF2-40B4-BE49-F238E27FC236}">
-                  <a16:creationId xmlns:a16="http://schemas.microsoft.com/office/drawing/2014/main" id="{8A1EDA78-4B77-79AE-5808-D0AB1F1D1A5D}"/>
-                </a:ext>
-              </a:extLst>
-            </p:cNvPr>
-            <p:cNvCxnSpPr>
-              <a:cxnSpLocks/>
-            </p:cNvCxnSpPr>
-            <p:nvPr/>
-          </p:nvCxnSpPr>
-          <p:spPr>
-            <a:xfrm>
-              <a:off x="1699263" y="4315098"/>
-              <a:ext cx="3522617" cy="0"/>
-            </a:xfrm>
-            <a:prstGeom prst="straightConnector1">
-              <a:avLst/>
-            </a:prstGeom>
-            <a:ln>
-              <a:tailEnd type="triangle"/>
-            </a:ln>
-          </p:spPr>
-          <p:style>
-            <a:lnRef idx="1">
-              <a:schemeClr val="dk1"/>
-            </a:lnRef>
-            <a:fillRef idx="0">
-              <a:schemeClr val="dk1"/>
-            </a:fillRef>
-            <a:effectRef idx="0">
-              <a:schemeClr val="dk1"/>
-            </a:effectRef>
-            <a:fontRef idx="minor">
-              <a:schemeClr val="tx1"/>
-            </a:fontRef>
-          </p:style>
-        </p:cxnSp>
-      </p:grpSp>
-      <p:sp>
-        <p:nvSpPr>
-          <p:cNvPr id="29" name="矢印: 下 28">
-            <a:extLst>
-              <a:ext uri="{FF2B5EF4-FFF2-40B4-BE49-F238E27FC236}">
-                <a16:creationId xmlns:a16="http://schemas.microsoft.com/office/drawing/2014/main" id="{192CEE9E-4C4D-7B1F-9F1E-127158052D4C}"/>
-              </a:ext>
-            </a:extLst>
-          </p:cNvPr>
-          <p:cNvSpPr>
-            <a:spLocks/>
-          </p:cNvSpPr>
-          <p:nvPr/>
-        </p:nvSpPr>
-        <p:spPr>
-          <a:xfrm>
-            <a:off x="6592386" y="1280087"/>
-            <a:ext cx="296092" cy="4833744"/>
-          </a:xfrm>
-          <a:prstGeom prst="downArrow">
-            <a:avLst/>
-          </a:prstGeom>
-          <a:solidFill>
-            <a:schemeClr val="tx2">
-              <a:lumMod val="50000"/>
-              <a:lumOff val="50000"/>
-            </a:schemeClr>
-          </a:solidFill>
-        </p:spPr>
-        <p:style>
-          <a:lnRef idx="2">
-            <a:schemeClr val="accent1">
-              <a:shade val="15000"/>
-            </a:schemeClr>
-          </a:lnRef>
-          <a:fillRef idx="1">
-            <a:schemeClr val="accent1"/>
-          </a:fillRef>
-          <a:effectRef idx="0">
-            <a:schemeClr val="accent1"/>
-          </a:effectRef>
-          <a:fontRef idx="minor">
-            <a:schemeClr val="lt1"/>
-          </a:fontRef>
-        </p:style>
-        <p:txBody>
-          <a:bodyPr rtlCol="0" anchor="ctr"/>
-          <a:lstStyle/>
-          <a:p>
-            <a:pPr algn="ctr"/>
-            <a:endParaRPr kumimoji="1" lang="ja-JP" altLang="en-US"/>
-          </a:p>
-        </p:txBody>
-      </p:sp>
-      <p:sp>
-        <p:nvSpPr>
-          <p:cNvPr id="30" name="矢印: 下 29">
-            <a:extLst>
-              <a:ext uri="{FF2B5EF4-FFF2-40B4-BE49-F238E27FC236}">
-                <a16:creationId xmlns:a16="http://schemas.microsoft.com/office/drawing/2014/main" id="{39DDE861-490E-F8B6-8E18-B99E4A963EFF}"/>
-              </a:ext>
-            </a:extLst>
-          </p:cNvPr>
-          <p:cNvSpPr>
-            <a:spLocks/>
-          </p:cNvSpPr>
-          <p:nvPr/>
-        </p:nvSpPr>
-        <p:spPr>
-          <a:xfrm>
-            <a:off x="10350133" y="1280087"/>
-            <a:ext cx="296092" cy="4756588"/>
-          </a:xfrm>
-          <a:prstGeom prst="downArrow">
-            <a:avLst/>
-          </a:prstGeom>
-          <a:solidFill>
-            <a:schemeClr val="tx2">
-              <a:lumMod val="50000"/>
-              <a:lumOff val="50000"/>
-            </a:schemeClr>
-          </a:solidFill>
-        </p:spPr>
-        <p:style>
-          <a:lnRef idx="2">
-            <a:schemeClr val="accent1">
-              <a:shade val="15000"/>
-            </a:schemeClr>
-          </a:lnRef>
-          <a:fillRef idx="1">
-            <a:schemeClr val="accent1"/>
-          </a:fillRef>
-          <a:effectRef idx="0">
-            <a:schemeClr val="accent1"/>
-          </a:effectRef>
-          <a:fontRef idx="minor">
-            <a:schemeClr val="lt1"/>
-          </a:fontRef>
-        </p:style>
-        <p:txBody>
-          <a:bodyPr rtlCol="0" anchor="ctr"/>
-          <a:lstStyle/>
-          <a:p>
-            <a:pPr algn="ctr"/>
-            <a:endParaRPr kumimoji="1" lang="ja-JP" altLang="en-US"/>
-          </a:p>
-        </p:txBody>
-      </p:sp>
-      <p:sp>
-        <p:nvSpPr>
-          <p:cNvPr id="31" name="テキスト ボックス 30">
-            <a:extLst>
-              <a:ext uri="{FF2B5EF4-FFF2-40B4-BE49-F238E27FC236}">
-                <a16:creationId xmlns:a16="http://schemas.microsoft.com/office/drawing/2014/main" id="{8CFD507E-4D9F-CBD8-C060-3C6E50F1606A}"/>
-              </a:ext>
-            </a:extLst>
-          </p:cNvPr>
-          <p:cNvSpPr txBox="1">
-            <a:spLocks/>
-          </p:cNvSpPr>
-          <p:nvPr/>
-        </p:nvSpPr>
-        <p:spPr>
-          <a:xfrm>
-            <a:off x="6125390" y="988120"/>
-            <a:ext cx="2029097" cy="327215"/>
-          </a:xfrm>
-          <a:prstGeom prst="rect">
-            <a:avLst/>
-          </a:prstGeom>
-          <a:noFill/>
-        </p:spPr>
-        <p:txBody>
-          <a:bodyPr wrap="square" rtlCol="0">
-            <a:spAutoFit/>
-          </a:bodyPr>
-          <a:lstStyle/>
-          <a:p>
-            <a:r>
-              <a:rPr kumimoji="1" lang="ja-JP" altLang="en-US" dirty="0"/>
-              <a:t>クライアント</a:t>
-            </a:r>
-          </a:p>
-        </p:txBody>
-      </p:sp>
-      <p:sp>
-        <p:nvSpPr>
-          <p:cNvPr id="32" name="テキスト ボックス 31">
-            <a:extLst>
-              <a:ext uri="{FF2B5EF4-FFF2-40B4-BE49-F238E27FC236}">
-                <a16:creationId xmlns:a16="http://schemas.microsoft.com/office/drawing/2014/main" id="{C96ABC48-9507-4738-2577-99A98E0D14F4}"/>
-              </a:ext>
-            </a:extLst>
-          </p:cNvPr>
-          <p:cNvSpPr txBox="1">
-            <a:spLocks/>
-          </p:cNvSpPr>
-          <p:nvPr/>
-        </p:nvSpPr>
-        <p:spPr>
-          <a:xfrm>
-            <a:off x="10019208" y="952872"/>
-            <a:ext cx="1127760" cy="327215"/>
-          </a:xfrm>
-          <a:prstGeom prst="rect">
-            <a:avLst/>
-          </a:prstGeom>
-          <a:noFill/>
-        </p:spPr>
-        <p:txBody>
-          <a:bodyPr wrap="square" rtlCol="0">
-            <a:spAutoFit/>
-          </a:bodyPr>
-          <a:lstStyle/>
-          <a:p>
-            <a:r>
-              <a:rPr kumimoji="1" lang="ja-JP" altLang="en-US" dirty="0"/>
-              <a:t>サーバー</a:t>
-            </a:r>
-          </a:p>
-        </p:txBody>
-      </p:sp>
-      <p:cxnSp>
-        <p:nvCxnSpPr>
-          <p:cNvPr id="33" name="直線矢印コネクタ 32">
-            <a:extLst>
-              <a:ext uri="{FF2B5EF4-FFF2-40B4-BE49-F238E27FC236}">
-                <a16:creationId xmlns:a16="http://schemas.microsoft.com/office/drawing/2014/main" id="{B1F223E1-93BE-E2DD-F000-9FB02DDB170D}"/>
-              </a:ext>
-            </a:extLst>
-          </p:cNvPr>
-          <p:cNvCxnSpPr>
-            <a:cxnSpLocks/>
-          </p:cNvCxnSpPr>
-          <p:nvPr/>
-        </p:nvCxnSpPr>
-        <p:spPr>
-          <a:xfrm>
-            <a:off x="6827516" y="1594773"/>
-            <a:ext cx="3522617" cy="0"/>
-          </a:xfrm>
-          <a:prstGeom prst="straightConnector1">
-            <a:avLst/>
-          </a:prstGeom>
-          <a:ln>
-            <a:tailEnd type="triangle"/>
-          </a:ln>
-        </p:spPr>
-        <p:style>
-          <a:lnRef idx="1">
-            <a:schemeClr val="dk1"/>
-          </a:lnRef>
-          <a:fillRef idx="0">
-            <a:schemeClr val="dk1"/>
-          </a:fillRef>
-          <a:effectRef idx="0">
-            <a:schemeClr val="dk1"/>
-          </a:effectRef>
-          <a:fontRef idx="minor">
-            <a:schemeClr val="tx1"/>
-          </a:fontRef>
-        </p:style>
-      </p:cxnSp>
-      <p:cxnSp>
-        <p:nvCxnSpPr>
-          <p:cNvPr id="34" name="直線矢印コネクタ 33">
-            <a:extLst>
-              <a:ext uri="{FF2B5EF4-FFF2-40B4-BE49-F238E27FC236}">
-                <a16:creationId xmlns:a16="http://schemas.microsoft.com/office/drawing/2014/main" id="{F6B46D7D-5579-7386-1167-9AB45E964DCE}"/>
-              </a:ext>
-            </a:extLst>
-          </p:cNvPr>
-          <p:cNvCxnSpPr>
-            <a:cxnSpLocks/>
-          </p:cNvCxnSpPr>
-          <p:nvPr/>
-        </p:nvCxnSpPr>
-        <p:spPr>
-          <a:xfrm flipH="1">
-            <a:off x="6827516" y="2363816"/>
-            <a:ext cx="3596640" cy="0"/>
-          </a:xfrm>
-          <a:prstGeom prst="straightConnector1">
-            <a:avLst/>
-          </a:prstGeom>
-          <a:ln>
-            <a:tailEnd type="triangle"/>
-          </a:ln>
-        </p:spPr>
-        <p:style>
-          <a:lnRef idx="1">
-            <a:schemeClr val="dk1"/>
-          </a:lnRef>
-          <a:fillRef idx="0">
-            <a:schemeClr val="dk1"/>
-          </a:fillRef>
-          <a:effectRef idx="0">
-            <a:schemeClr val="dk1"/>
-          </a:effectRef>
-          <a:fontRef idx="minor">
-            <a:schemeClr val="tx1"/>
-          </a:fontRef>
-        </p:style>
-      </p:cxnSp>
-      <p:sp>
-        <p:nvSpPr>
-          <p:cNvPr id="35" name="テキスト ボックス 34">
-            <a:extLst>
-              <a:ext uri="{FF2B5EF4-FFF2-40B4-BE49-F238E27FC236}">
-                <a16:creationId xmlns:a16="http://schemas.microsoft.com/office/drawing/2014/main" id="{87F05637-3199-41E0-B208-5A23872998ED}"/>
-              </a:ext>
-            </a:extLst>
-          </p:cNvPr>
-          <p:cNvSpPr txBox="1">
-            <a:spLocks/>
-          </p:cNvSpPr>
-          <p:nvPr/>
-        </p:nvSpPr>
-        <p:spPr>
-          <a:xfrm>
-            <a:off x="8588824" y="1355477"/>
-            <a:ext cx="2497181" cy="307777"/>
-          </a:xfrm>
-          <a:prstGeom prst="rect">
-            <a:avLst/>
-          </a:prstGeom>
-          <a:noFill/>
-        </p:spPr>
-        <p:txBody>
-          <a:bodyPr wrap="square" rtlCol="0">
-            <a:spAutoFit/>
-          </a:bodyPr>
-          <a:lstStyle/>
-          <a:p>
-            <a:r>
-              <a:rPr lang="en-US" altLang="ja-JP" sz="1400" dirty="0"/>
-              <a:t>“GET_HEIGHT”</a:t>
-            </a:r>
-            <a:endParaRPr kumimoji="1" lang="ja-JP" altLang="en-US" sz="1400" dirty="0"/>
-          </a:p>
-        </p:txBody>
-      </p:sp>
-      <p:sp>
-        <p:nvSpPr>
-          <p:cNvPr id="36" name="テキスト ボックス 35">
-            <a:extLst>
-              <a:ext uri="{FF2B5EF4-FFF2-40B4-BE49-F238E27FC236}">
-                <a16:creationId xmlns:a16="http://schemas.microsoft.com/office/drawing/2014/main" id="{CE1959F1-99F7-783D-EED1-C9BE90FD2E85}"/>
-              </a:ext>
-            </a:extLst>
-          </p:cNvPr>
-          <p:cNvSpPr txBox="1">
-            <a:spLocks/>
-          </p:cNvSpPr>
-          <p:nvPr/>
-        </p:nvSpPr>
-        <p:spPr>
-          <a:xfrm>
-            <a:off x="6789419" y="2006597"/>
-            <a:ext cx="2497181" cy="523220"/>
-          </a:xfrm>
-          <a:prstGeom prst="rect">
-            <a:avLst/>
-          </a:prstGeom>
-          <a:noFill/>
-        </p:spPr>
-        <p:txBody>
-          <a:bodyPr wrap="square" rtlCol="0">
-            <a:spAutoFit/>
-          </a:bodyPr>
-          <a:lstStyle/>
-          <a:p>
-            <a:r>
-              <a:rPr lang="en-US" altLang="ja-JP" sz="1400" dirty="0"/>
-              <a:t>“</a:t>
-            </a:r>
-            <a:r>
-              <a:rPr lang="ja-JP" altLang="en-US" sz="1400" dirty="0"/>
-              <a:t>現在の高さ、</a:t>
-            </a:r>
-            <a:r>
-              <a:rPr lang="en-US" altLang="ja-JP" sz="1400" dirty="0"/>
-              <a:t>height”</a:t>
-            </a:r>
-          </a:p>
-          <a:p>
-            <a:endParaRPr kumimoji="1" lang="ja-JP" altLang="en-US" sz="1400" dirty="0"/>
-          </a:p>
-        </p:txBody>
-      </p:sp>
-      <p:cxnSp>
-        <p:nvCxnSpPr>
-          <p:cNvPr id="37" name="直線矢印コネクタ 36">
-            <a:extLst>
-              <a:ext uri="{FF2B5EF4-FFF2-40B4-BE49-F238E27FC236}">
-                <a16:creationId xmlns:a16="http://schemas.microsoft.com/office/drawing/2014/main" id="{484842BB-BDF0-2174-52AC-9ABF77C4198B}"/>
-              </a:ext>
-            </a:extLst>
-          </p:cNvPr>
-          <p:cNvCxnSpPr>
-            <a:cxnSpLocks/>
-          </p:cNvCxnSpPr>
-          <p:nvPr/>
-        </p:nvCxnSpPr>
-        <p:spPr>
-          <a:xfrm>
-            <a:off x="6827516" y="3184883"/>
-            <a:ext cx="3596640" cy="0"/>
-          </a:xfrm>
-          <a:prstGeom prst="straightConnector1">
-            <a:avLst/>
-          </a:prstGeom>
-          <a:ln>
-            <a:tailEnd type="triangle"/>
-          </a:ln>
-        </p:spPr>
-        <p:style>
-          <a:lnRef idx="1">
-            <a:schemeClr val="dk1"/>
-          </a:lnRef>
-          <a:fillRef idx="0">
-            <a:schemeClr val="dk1"/>
-          </a:fillRef>
-          <a:effectRef idx="0">
-            <a:schemeClr val="dk1"/>
-          </a:effectRef>
-          <a:fontRef idx="minor">
-            <a:schemeClr val="tx1"/>
-          </a:fontRef>
-        </p:style>
-      </p:cxnSp>
-      <p:cxnSp>
-        <p:nvCxnSpPr>
-          <p:cNvPr id="38" name="直線矢印コネクタ 37">
-            <a:extLst>
-              <a:ext uri="{FF2B5EF4-FFF2-40B4-BE49-F238E27FC236}">
-                <a16:creationId xmlns:a16="http://schemas.microsoft.com/office/drawing/2014/main" id="{98ED7928-B0A0-F590-B5C7-11B2F47C8223}"/>
-              </a:ext>
-            </a:extLst>
-          </p:cNvPr>
-          <p:cNvCxnSpPr>
-            <a:cxnSpLocks/>
-          </p:cNvCxnSpPr>
-          <p:nvPr/>
-        </p:nvCxnSpPr>
-        <p:spPr>
-          <a:xfrm flipH="1">
-            <a:off x="6827516" y="4055667"/>
-            <a:ext cx="3596640" cy="0"/>
-          </a:xfrm>
-          <a:prstGeom prst="straightConnector1">
-            <a:avLst/>
-          </a:prstGeom>
-          <a:ln>
-            <a:tailEnd type="triangle"/>
-          </a:ln>
-        </p:spPr>
-        <p:style>
-          <a:lnRef idx="1">
-            <a:schemeClr val="dk1"/>
-          </a:lnRef>
-          <a:fillRef idx="0">
-            <a:schemeClr val="dk1"/>
-          </a:fillRef>
-          <a:effectRef idx="0">
-            <a:schemeClr val="dk1"/>
-          </a:effectRef>
-          <a:fontRef idx="minor">
-            <a:schemeClr val="tx1"/>
-          </a:fontRef>
-        </p:style>
-      </p:cxnSp>
-      <p:sp>
-        <p:nvSpPr>
-          <p:cNvPr id="45" name="テキスト ボックス 44">
-            <a:extLst>
-              <a:ext uri="{FF2B5EF4-FFF2-40B4-BE49-F238E27FC236}">
-                <a16:creationId xmlns:a16="http://schemas.microsoft.com/office/drawing/2014/main" id="{6A29B9D7-E754-E37C-C0C8-88CDC4A87127}"/>
-              </a:ext>
-            </a:extLst>
-          </p:cNvPr>
-          <p:cNvSpPr txBox="1">
-            <a:spLocks/>
-          </p:cNvSpPr>
-          <p:nvPr/>
-        </p:nvSpPr>
-        <p:spPr>
-          <a:xfrm>
-            <a:off x="8770617" y="2929978"/>
-            <a:ext cx="2497181" cy="307777"/>
-          </a:xfrm>
-          <a:prstGeom prst="rect">
-            <a:avLst/>
-          </a:prstGeom>
-          <a:noFill/>
-        </p:spPr>
-        <p:txBody>
-          <a:bodyPr wrap="square" rtlCol="0">
-            <a:spAutoFit/>
-          </a:bodyPr>
-          <a:lstStyle/>
-          <a:p>
-            <a:r>
-              <a:rPr lang="en-US" altLang="ja-JP" sz="1400" dirty="0"/>
-              <a:t>“GET_HEIGHT”</a:t>
-            </a:r>
-            <a:endParaRPr kumimoji="1" lang="ja-JP" altLang="en-US" sz="1400" dirty="0"/>
-          </a:p>
-        </p:txBody>
-      </p:sp>
-      <p:sp>
-        <p:nvSpPr>
-          <p:cNvPr id="46" name="テキスト ボックス 45">
-            <a:extLst>
-              <a:ext uri="{FF2B5EF4-FFF2-40B4-BE49-F238E27FC236}">
-                <a16:creationId xmlns:a16="http://schemas.microsoft.com/office/drawing/2014/main" id="{9644E17C-FC58-627B-91A7-E4F8A62E991D}"/>
-              </a:ext>
-            </a:extLst>
-          </p:cNvPr>
-          <p:cNvSpPr txBox="1">
-            <a:spLocks/>
-          </p:cNvSpPr>
-          <p:nvPr/>
-        </p:nvSpPr>
-        <p:spPr>
-          <a:xfrm>
-            <a:off x="6755129" y="3673949"/>
-            <a:ext cx="2497181" cy="523220"/>
-          </a:xfrm>
-          <a:prstGeom prst="rect">
-            <a:avLst/>
-          </a:prstGeom>
-          <a:noFill/>
-        </p:spPr>
-        <p:txBody>
-          <a:bodyPr wrap="square" rtlCol="0">
-            <a:spAutoFit/>
-          </a:bodyPr>
-          <a:lstStyle/>
-          <a:p>
-            <a:r>
-              <a:rPr lang="en-US" altLang="ja-JP" sz="1400" dirty="0"/>
-              <a:t>“</a:t>
-            </a:r>
-            <a:r>
-              <a:rPr lang="ja-JP" altLang="en-US" sz="1400" dirty="0"/>
-              <a:t>現在の高さ、</a:t>
-            </a:r>
-            <a:r>
-              <a:rPr lang="en-US" altLang="ja-JP" sz="1400" dirty="0"/>
-              <a:t>height”</a:t>
-            </a:r>
-          </a:p>
-          <a:p>
-            <a:endParaRPr kumimoji="1" lang="ja-JP" altLang="en-US" sz="1400" dirty="0"/>
-          </a:p>
-        </p:txBody>
-      </p:sp>
-      <p:sp>
-        <p:nvSpPr>
-          <p:cNvPr id="48" name="テキスト ボックス 47">
-            <a:extLst>
-              <a:ext uri="{FF2B5EF4-FFF2-40B4-BE49-F238E27FC236}">
-                <a16:creationId xmlns:a16="http://schemas.microsoft.com/office/drawing/2014/main" id="{4C389EDC-A245-A588-0DA4-47952B6F8ECF}"/>
-              </a:ext>
-            </a:extLst>
-          </p:cNvPr>
-          <p:cNvSpPr txBox="1"/>
-          <p:nvPr/>
-        </p:nvSpPr>
-        <p:spPr>
-          <a:xfrm>
-            <a:off x="1874519" y="6172669"/>
-            <a:ext cx="1175657" cy="461665"/>
-          </a:xfrm>
-          <a:prstGeom prst="rect">
-            <a:avLst/>
-          </a:prstGeom>
-          <a:noFill/>
-        </p:spPr>
-        <p:txBody>
-          <a:bodyPr wrap="square" rtlCol="0">
-            <a:spAutoFit/>
-          </a:bodyPr>
-          <a:lstStyle/>
-          <a:p>
-            <a:pPr algn="ctr"/>
-            <a:r>
-              <a:rPr kumimoji="1" lang="ja-JP" altLang="en-US" sz="2400" b="1" dirty="0"/>
-              <a:t>テスト</a:t>
-            </a:r>
-            <a:endParaRPr kumimoji="1" lang="ja-JP" altLang="en-US" b="1" dirty="0"/>
-          </a:p>
-        </p:txBody>
-      </p:sp>
-      <p:sp>
-        <p:nvSpPr>
-          <p:cNvPr id="49" name="テキスト ボックス 48">
-            <a:extLst>
-              <a:ext uri="{FF2B5EF4-FFF2-40B4-BE49-F238E27FC236}">
-                <a16:creationId xmlns:a16="http://schemas.microsoft.com/office/drawing/2014/main" id="{3EFC85E3-749C-09D6-57BC-A0B8579EB02D}"/>
-              </a:ext>
-            </a:extLst>
-          </p:cNvPr>
-          <p:cNvSpPr txBox="1"/>
-          <p:nvPr/>
-        </p:nvSpPr>
-        <p:spPr>
-          <a:xfrm>
-            <a:off x="7744091" y="6172669"/>
-            <a:ext cx="1763490" cy="400110"/>
-          </a:xfrm>
-          <a:prstGeom prst="rect">
-            <a:avLst/>
-          </a:prstGeom>
-          <a:noFill/>
-        </p:spPr>
-        <p:txBody>
-          <a:bodyPr wrap="square" rtlCol="0">
-            <a:spAutoFit/>
-          </a:bodyPr>
-          <a:lstStyle/>
-          <a:p>
-            <a:pPr algn="ctr"/>
-            <a:r>
-              <a:rPr kumimoji="1" lang="ja-JP" altLang="en-US" sz="2000" b="1" dirty="0"/>
-              <a:t>メンテナンス</a:t>
-            </a:r>
-            <a:endParaRPr kumimoji="1" lang="ja-JP" altLang="en-US" b="1" dirty="0"/>
-          </a:p>
-        </p:txBody>
-      </p:sp>
-      <p:cxnSp>
-        <p:nvCxnSpPr>
-          <p:cNvPr id="3" name="直線コネクタ 2">
-            <a:extLst>
-              <a:ext uri="{FF2B5EF4-FFF2-40B4-BE49-F238E27FC236}">
-                <a16:creationId xmlns:a16="http://schemas.microsoft.com/office/drawing/2014/main" id="{C76C5FA2-8ECD-B07C-D6C2-99E30B6A918B}"/>
-              </a:ext>
-            </a:extLst>
-          </p:cNvPr>
-          <p:cNvCxnSpPr>
-            <a:cxnSpLocks/>
-          </p:cNvCxnSpPr>
-          <p:nvPr/>
-        </p:nvCxnSpPr>
-        <p:spPr>
-          <a:xfrm>
-            <a:off x="627529" y="1001486"/>
-            <a:ext cx="10726271" cy="0"/>
-          </a:xfrm>
-          <a:prstGeom prst="line">
-            <a:avLst/>
-          </a:prstGeom>
-          <a:ln w="38100" cmpd="dbl">
-            <a:solidFill>
-              <a:schemeClr val="tx1"/>
-            </a:solidFill>
-          </a:ln>
-        </p:spPr>
-        <p:style>
-          <a:lnRef idx="1">
-            <a:schemeClr val="accent1"/>
-          </a:lnRef>
-          <a:fillRef idx="0">
-            <a:schemeClr val="accent1"/>
-          </a:fillRef>
-          <a:effectRef idx="0">
-            <a:schemeClr val="accent1"/>
-          </a:effectRef>
-          <a:fontRef idx="minor">
-            <a:schemeClr val="tx1"/>
-          </a:fontRef>
-        </p:style>
-      </p:cxnSp>
-    </p:spTree>
-    <p:extLst>
-      <p:ext uri="{BB962C8B-B14F-4D97-AF65-F5344CB8AC3E}">
-        <p14:creationId xmlns:p14="http://schemas.microsoft.com/office/powerpoint/2010/main" val="1276612045"/>
-      </p:ext>
-    </p:extLst>
-  </p:cSld>
-  <p:clrMapOvr>
-    <a:masterClrMapping/>
-  </p:clrMapOvr>
-</p:sld>
-</file>
-
-<file path=ppt/slides/slide24.xml><?xml version="1.0" encoding="utf-8"?>
-<p:sld xmlns:a="http://schemas.openxmlformats.org/drawingml/2006/main" xmlns:r="http://schemas.openxmlformats.org/officeDocument/2006/relationships" xmlns:p="http://schemas.openxmlformats.org/presentationml/2006/main">
-  <p:cSld>
-    <p:spTree>
-      <p:nvGrpSpPr>
-        <p:cNvPr id="1" name=""/>
-        <p:cNvGrpSpPr/>
-        <p:nvPr/>
-      </p:nvGrpSpPr>
-      <p:grpSpPr>
-        <a:xfrm>
-          <a:off x="0" y="0"/>
-          <a:ext cx="0" cy="0"/>
-          <a:chOff x="0" y="0"/>
-          <a:chExt cx="0" cy="0"/>
-        </a:xfrm>
-      </p:grpSpPr>
-      <p:sp>
-        <p:nvSpPr>
-          <p:cNvPr id="2" name="タイトル 1">
-            <a:extLst>
-              <a:ext uri="{FF2B5EF4-FFF2-40B4-BE49-F238E27FC236}">
                 <a16:creationId xmlns:a16="http://schemas.microsoft.com/office/drawing/2014/main" id="{E7C34087-D387-2788-E7CB-EA5316389707}"/>
               </a:ext>
             </a:extLst>
@@ -26108,8 +25485,8 @@
         </p:nvSpPr>
         <p:spPr>
           <a:xfrm>
-            <a:off x="627529" y="-41708"/>
-            <a:ext cx="10515600" cy="1325563"/>
+            <a:off x="627529" y="-1"/>
+            <a:ext cx="10515600" cy="1001487"/>
           </a:xfrm>
         </p:spPr>
         <p:txBody>
@@ -26286,7 +25663,7 @@
 </p:sld>
 </file>
 
-<file path=ppt/slides/slide25.xml><?xml version="1.0" encoding="utf-8"?>
+<file path=ppt/slides/slide24.xml><?xml version="1.0" encoding="utf-8"?>
 <p:sld xmlns:a="http://schemas.openxmlformats.org/drawingml/2006/main" xmlns:r="http://schemas.openxmlformats.org/officeDocument/2006/relationships" xmlns:p="http://schemas.openxmlformats.org/presentationml/2006/main">
   <p:cSld>
     <p:spTree>
@@ -26319,7 +25696,12 @@
             <p:ph type="title"/>
           </p:nvPr>
         </p:nvSpPr>
-        <p:spPr/>
+        <p:spPr>
+          <a:xfrm>
+            <a:off x="627529" y="98290"/>
+            <a:ext cx="3317454" cy="903196"/>
+          </a:xfrm>
+        </p:spPr>
         <p:txBody>
           <a:bodyPr/>
           <a:lstStyle/>
@@ -26349,8 +25731,8 @@
         </p:nvSpPr>
         <p:spPr>
           <a:xfrm>
-            <a:off x="838200" y="1532708"/>
-            <a:ext cx="10515600" cy="5325292"/>
+            <a:off x="838200" y="1712686"/>
+            <a:ext cx="10515600" cy="5145314"/>
           </a:xfrm>
         </p:spPr>
         <p:txBody>
@@ -26358,62 +25740,64 @@
           <a:lstStyle/>
           <a:p>
             <a:r>
-              <a:rPr kumimoji="1" lang="ja-JP" altLang="en-US" dirty="0"/>
-              <a:t>アクセシビリティのガイドラインの通りに体が不自由な人にも使いやすいようにする</a:t>
-            </a:r>
-            <a:endParaRPr kumimoji="1" lang="en-US" altLang="ja-JP" dirty="0"/>
-          </a:p>
-          <a:p>
-            <a:r>
-              <a:rPr kumimoji="1" lang="ja-JP" altLang="en-US" dirty="0"/>
-              <a:t>データの保存機能を追加する</a:t>
-            </a:r>
-            <a:endParaRPr kumimoji="1" lang="en-US" altLang="ja-JP" dirty="0"/>
-          </a:p>
-          <a:p>
-            <a:r>
-              <a:rPr kumimoji="1" lang="ja-JP" altLang="en-US" dirty="0"/>
-              <a:t>サーバ側のプログラムを改善する（自動てき接続切断）</a:t>
-            </a:r>
-            <a:endParaRPr kumimoji="1" lang="en-US" altLang="ja-JP" dirty="0"/>
-          </a:p>
-          <a:p>
-            <a:pPr lvl="1"/>
-            <a:r>
-              <a:rPr kumimoji="1" lang="ja-JP" altLang="en-US" dirty="0"/>
-              <a:t>自動再起動</a:t>
-            </a:r>
-            <a:endParaRPr kumimoji="1" lang="en-US" altLang="ja-JP" dirty="0"/>
-          </a:p>
-          <a:p>
-            <a:r>
-              <a:rPr kumimoji="1" lang="ja-JP" altLang="en-US" dirty="0"/>
-              <a:t>接続ガイドラインを追加する</a:t>
-            </a:r>
-            <a:endParaRPr kumimoji="1" lang="en-US" altLang="ja-JP" dirty="0"/>
-          </a:p>
-          <a:p>
-            <a:r>
-              <a:rPr kumimoji="1" lang="ja-JP" altLang="en-US" dirty="0"/>
-              <a:t>説明画面に画像を追加する</a:t>
-            </a:r>
-            <a:endParaRPr kumimoji="1" lang="en-US" altLang="ja-JP" dirty="0"/>
-          </a:p>
-          <a:p>
-            <a:r>
-              <a:rPr kumimoji="1" lang="ja-JP" altLang="en-US" dirty="0"/>
-              <a:t>スレッドをもっとよく利用する</a:t>
-            </a:r>
-            <a:r>
-              <a:rPr kumimoji="1" lang="en-US" altLang="ja-JP" dirty="0"/>
-              <a:t>.</a:t>
-            </a:r>
-          </a:p>
-          <a:p>
-            <a:r>
-              <a:rPr kumimoji="1" lang="ja-JP" altLang="en-US" dirty="0"/>
-              <a:t>デバッグ</a:t>
-            </a:r>
+              <a:rPr lang="ja-JP" altLang="en-US" sz="2400" dirty="0"/>
+              <a:t>以前のデータを保存するために</a:t>
+            </a:r>
+            <a:r>
+              <a:rPr lang="en-US" altLang="ja-JP" sz="2400" dirty="0"/>
+              <a:t>SQLite3</a:t>
+            </a:r>
+            <a:r>
+              <a:rPr lang="ja-JP" altLang="en-US" sz="2400" dirty="0"/>
+              <a:t>をデータベースとして使用してください</a:t>
+            </a:r>
+            <a:endParaRPr lang="en-US" altLang="ja-JP" sz="2400" dirty="0"/>
+          </a:p>
+          <a:p>
+            <a:r>
+              <a:rPr lang="ja-JP" altLang="en-US" sz="2400" dirty="0"/>
+              <a:t>ユニットテストと</a:t>
+            </a:r>
+            <a:r>
+              <a:rPr lang="en-US" altLang="ja-JP" sz="2400" dirty="0"/>
+              <a:t>GUI</a:t>
+            </a:r>
+            <a:r>
+              <a:rPr lang="ja-JP" altLang="en-US" sz="2400" dirty="0"/>
+              <a:t>テスト（両方とも</a:t>
+            </a:r>
+            <a:r>
+              <a:rPr lang="en-US" altLang="ja-JP" sz="2400" dirty="0" err="1"/>
+              <a:t>pytest</a:t>
+            </a:r>
+            <a:r>
+              <a:rPr lang="ja-JP" altLang="en-US" sz="2400" dirty="0"/>
+              <a:t>を使用）</a:t>
+            </a:r>
+            <a:endParaRPr lang="en-US" altLang="ja-JP" sz="2400" dirty="0"/>
+          </a:p>
+          <a:p>
+            <a:r>
+              <a:rPr lang="ja-JP" altLang="en-US" sz="2400" dirty="0"/>
+              <a:t>フィードバックメカニズムを追加して、ユーザーがアプリの改善に役立つフィードバックを提供できるようにします。</a:t>
+            </a:r>
+            <a:endParaRPr lang="en-US" altLang="ja-JP" sz="2400" dirty="0"/>
+          </a:p>
+          <a:p>
+            <a:r>
+              <a:rPr lang="ja-JP" altLang="en-US" sz="2400" dirty="0"/>
+              <a:t>アプリに関するドキュメンテーションを作成して、将来の開発者がアプリケーションの改善を続けることができるようにします。</a:t>
+            </a:r>
+            <a:endParaRPr lang="en-US" altLang="ja-JP" sz="2400" dirty="0"/>
+          </a:p>
+          <a:p>
+            <a:r>
+              <a:rPr lang="ja-JP" altLang="en-US" sz="2400" dirty="0"/>
+              <a:t>結果を印刷してユーザーに渡すためにプリンターを使用します（すでにプリンターを購入済み）。</a:t>
+            </a:r>
+            <a:endParaRPr kumimoji="1" lang="en-US" altLang="ja-JP" sz="2400" dirty="0"/>
+          </a:p>
+          <a:p>
             <a:endParaRPr kumimoji="1" lang="en-US" altLang="ja-JP" dirty="0"/>
           </a:p>
         </p:txBody>
@@ -26474,6 +25858,596 @@
 </p:sld>
 </file>
 
+<file path=ppt/slides/slide25.xml><?xml version="1.0" encoding="utf-8"?>
+<p:sld xmlns:a="http://schemas.openxmlformats.org/drawingml/2006/main" xmlns:r="http://schemas.openxmlformats.org/officeDocument/2006/relationships" xmlns:p="http://schemas.openxmlformats.org/presentationml/2006/main">
+  <p:cSld>
+    <p:spTree>
+      <p:nvGrpSpPr>
+        <p:cNvPr id="1" name=""/>
+        <p:cNvGrpSpPr/>
+        <p:nvPr/>
+      </p:nvGrpSpPr>
+      <p:grpSpPr>
+        <a:xfrm>
+          <a:off x="0" y="0"/>
+          <a:ext cx="0" cy="0"/>
+          <a:chOff x="0" y="0"/>
+          <a:chExt cx="0" cy="0"/>
+        </a:xfrm>
+      </p:grpSpPr>
+      <p:sp>
+        <p:nvSpPr>
+          <p:cNvPr id="2" name="Title 1">
+            <a:extLst>
+              <a:ext uri="{FF2B5EF4-FFF2-40B4-BE49-F238E27FC236}">
+                <a16:creationId xmlns:a16="http://schemas.microsoft.com/office/drawing/2014/main" id="{62F1DA4A-5CCF-7259-9D4C-6752F5B0827F}"/>
+              </a:ext>
+            </a:extLst>
+          </p:cNvPr>
+          <p:cNvSpPr>
+            <a:spLocks noGrp="1"/>
+          </p:cNvSpPr>
+          <p:nvPr>
+            <p:ph type="title"/>
+          </p:nvPr>
+        </p:nvSpPr>
+        <p:spPr>
+          <a:xfrm>
+            <a:off x="627529" y="-117014"/>
+            <a:ext cx="10515600" cy="1325563"/>
+          </a:xfrm>
+        </p:spPr>
+        <p:txBody>
+          <a:bodyPr/>
+          <a:lstStyle/>
+          <a:p>
+            <a:r>
+              <a:rPr lang="ja-JP" altLang="en-US" dirty="0"/>
+              <a:t>補足｜</a:t>
+            </a:r>
+            <a:r>
+              <a:rPr lang="en-US" altLang="ja-JP" dirty="0" err="1"/>
+              <a:t>Kivy</a:t>
+            </a:r>
+            <a:endParaRPr lang="en-US" dirty="0"/>
+          </a:p>
+        </p:txBody>
+      </p:sp>
+      <p:sp>
+        <p:nvSpPr>
+          <p:cNvPr id="3" name="Content Placeholder 2">
+            <a:extLst>
+              <a:ext uri="{FF2B5EF4-FFF2-40B4-BE49-F238E27FC236}">
+                <a16:creationId xmlns:a16="http://schemas.microsoft.com/office/drawing/2014/main" id="{57DBF572-88C9-63D7-1EE4-F07580B11B84}"/>
+              </a:ext>
+            </a:extLst>
+          </p:cNvPr>
+          <p:cNvSpPr>
+            <a:spLocks noGrp="1"/>
+          </p:cNvSpPr>
+          <p:nvPr>
+            <p:ph idx="1"/>
+          </p:nvPr>
+        </p:nvSpPr>
+        <p:spPr>
+          <a:xfrm>
+            <a:off x="838200" y="1208549"/>
+            <a:ext cx="10515600" cy="4968414"/>
+          </a:xfrm>
+        </p:spPr>
+        <p:txBody>
+          <a:bodyPr>
+            <a:normAutofit/>
+          </a:bodyPr>
+          <a:lstStyle/>
+          <a:p>
+            <a:pPr>
+              <a:lnSpc>
+                <a:spcPct val="100000"/>
+              </a:lnSpc>
+            </a:pPr>
+            <a:r>
+              <a:rPr lang="en-US" altLang="ja-JP" sz="2000" dirty="0" err="1"/>
+              <a:t>Kivy</a:t>
+            </a:r>
+            <a:r>
+              <a:rPr lang="ja-JP" altLang="en-US" sz="2000" dirty="0"/>
+              <a:t>はマルチタッチアプリケーションを開発するためのオープンソースライブラリです。 </a:t>
+            </a:r>
+            <a:r>
+              <a:rPr lang="en-US" altLang="ja-JP" sz="2000" dirty="0" err="1"/>
+              <a:t>Kivy</a:t>
+            </a:r>
+            <a:r>
+              <a:rPr lang="ja-JP" altLang="en-US" sz="2000" dirty="0"/>
+              <a:t>はクロスプラットフォーム（</a:t>
+            </a:r>
+            <a:r>
+              <a:rPr lang="en-US" altLang="ja-JP" sz="2000" dirty="0"/>
+              <a:t>Linux / OSX / Windows / Android / iOS</a:t>
+            </a:r>
+            <a:r>
+              <a:rPr lang="ja-JP" altLang="en-US" sz="2000" dirty="0"/>
+              <a:t>）で、</a:t>
+            </a:r>
+            <a:r>
+              <a:rPr lang="en-US" altLang="ja-JP" sz="2000" dirty="0">
+                <a:hlinkClick r:id="rId2"/>
+              </a:rPr>
+              <a:t>MIT </a:t>
+            </a:r>
+            <a:r>
+              <a:rPr lang="ja-JP" altLang="en-US" sz="2000" dirty="0">
+                <a:hlinkClick r:id="rId2"/>
+              </a:rPr>
+              <a:t>ライセンス</a:t>
+            </a:r>
+            <a:r>
+              <a:rPr lang="ja-JP" altLang="en-US" sz="2000" dirty="0"/>
+              <a:t> でリリースされている。</a:t>
+            </a:r>
+          </a:p>
+          <a:p>
+            <a:pPr>
+              <a:lnSpc>
+                <a:spcPct val="100000"/>
+              </a:lnSpc>
+            </a:pPr>
+            <a:r>
+              <a:rPr lang="en-US" altLang="ja-JP" sz="2000" dirty="0" err="1"/>
+              <a:t>Kivy</a:t>
+            </a:r>
+            <a:r>
+              <a:rPr lang="ja-JP" altLang="en-US" sz="2000" dirty="0"/>
+              <a:t>は多くのマルチタッチ入力デバイス、マルチタッチ対応の</a:t>
+            </a:r>
+            <a:r>
+              <a:rPr lang="en-US" altLang="ja-JP" sz="2000" dirty="0"/>
+              <a:t>widget</a:t>
+            </a:r>
+            <a:r>
+              <a:rPr lang="ja-JP" altLang="en-US" sz="2000" dirty="0"/>
+              <a:t>ライブラリ、およびハードウェアアクセラレーションされた</a:t>
+            </a:r>
+            <a:r>
+              <a:rPr lang="en-US" altLang="ja-JP" sz="2000" dirty="0"/>
+              <a:t>OpenGL</a:t>
+            </a:r>
+            <a:r>
+              <a:rPr lang="ja-JP" altLang="en-US" sz="2000" dirty="0"/>
+              <a:t>による描画のネイティブサポートを備えている。 </a:t>
+            </a:r>
+            <a:r>
+              <a:rPr lang="en-US" altLang="ja-JP" sz="2000" dirty="0" err="1"/>
+              <a:t>Kivy</a:t>
+            </a:r>
+            <a:r>
+              <a:rPr lang="ja-JP" altLang="en-US" sz="2000" dirty="0"/>
+              <a:t>は可能な限り迅速かつ簡単にインタラクティブなアプリケーションを作成することに集中できるように設計されている。</a:t>
+            </a:r>
+          </a:p>
+          <a:p>
+            <a:pPr>
+              <a:lnSpc>
+                <a:spcPct val="100000"/>
+              </a:lnSpc>
+            </a:pPr>
+            <a:r>
+              <a:rPr lang="en-US" altLang="ja-JP" sz="2000" dirty="0" err="1"/>
+              <a:t>Kivy</a:t>
+            </a:r>
+            <a:r>
+              <a:rPr lang="ja-JP" altLang="en-US" sz="2000" dirty="0"/>
+              <a:t>を使うと</a:t>
+            </a:r>
+            <a:r>
+              <a:rPr lang="en-US" altLang="ja-JP" sz="2000" dirty="0"/>
+              <a:t>Python</a:t>
+            </a:r>
+            <a:r>
+              <a:rPr lang="ja-JP" altLang="en-US" sz="2000" dirty="0"/>
+              <a:t>の動的な性質をフル活用できる。 アプリケーションに統合できる高品質で無料のライブラリが何千もある。 同時にパフォーマンス重視の部品は </a:t>
+            </a:r>
+            <a:r>
+              <a:rPr lang="en-US" altLang="ja-JP" sz="2000" dirty="0" err="1">
+                <a:hlinkClick r:id="rId3"/>
+              </a:rPr>
+              <a:t>Cython</a:t>
+            </a:r>
+            <a:r>
+              <a:rPr lang="ja-JP" altLang="en-US" sz="2000" dirty="0"/>
+              <a:t> を使用して実装される</a:t>
+            </a:r>
+          </a:p>
+          <a:p>
+            <a:pPr lvl="1"/>
+            <a:endParaRPr lang="en-US" dirty="0"/>
+          </a:p>
+        </p:txBody>
+      </p:sp>
+      <p:cxnSp>
+        <p:nvCxnSpPr>
+          <p:cNvPr id="4" name="直線コネクタ 3">
+            <a:extLst>
+              <a:ext uri="{FF2B5EF4-FFF2-40B4-BE49-F238E27FC236}">
+                <a16:creationId xmlns:a16="http://schemas.microsoft.com/office/drawing/2014/main" id="{AA76A91D-8E06-9B47-C46C-9C0F742EB246}"/>
+              </a:ext>
+            </a:extLst>
+          </p:cNvPr>
+          <p:cNvCxnSpPr>
+            <a:cxnSpLocks/>
+          </p:cNvCxnSpPr>
+          <p:nvPr/>
+        </p:nvCxnSpPr>
+        <p:spPr>
+          <a:xfrm>
+            <a:off x="627529" y="1001486"/>
+            <a:ext cx="10726271" cy="0"/>
+          </a:xfrm>
+          <a:prstGeom prst="line">
+            <a:avLst/>
+          </a:prstGeom>
+          <a:ln w="38100" cmpd="dbl">
+            <a:solidFill>
+              <a:schemeClr val="tx1"/>
+            </a:solidFill>
+          </a:ln>
+        </p:spPr>
+        <p:style>
+          <a:lnRef idx="1">
+            <a:schemeClr val="accent1"/>
+          </a:lnRef>
+          <a:fillRef idx="0">
+            <a:schemeClr val="accent1"/>
+          </a:fillRef>
+          <a:effectRef idx="0">
+            <a:schemeClr val="accent1"/>
+          </a:effectRef>
+          <a:fontRef idx="minor">
+            <a:schemeClr val="tx1"/>
+          </a:fontRef>
+        </p:style>
+      </p:cxnSp>
+    </p:spTree>
+    <p:extLst>
+      <p:ext uri="{BB962C8B-B14F-4D97-AF65-F5344CB8AC3E}">
+        <p14:creationId xmlns:p14="http://schemas.microsoft.com/office/powerpoint/2010/main" val="1734715318"/>
+      </p:ext>
+    </p:extLst>
+  </p:cSld>
+  <p:clrMapOvr>
+    <a:masterClrMapping/>
+  </p:clrMapOvr>
+</p:sld>
+</file>
+
+<file path=ppt/slides/slide26.xml><?xml version="1.0" encoding="utf-8"?>
+<p:sld xmlns:a="http://schemas.openxmlformats.org/drawingml/2006/main" xmlns:r="http://schemas.openxmlformats.org/officeDocument/2006/relationships" xmlns:p="http://schemas.openxmlformats.org/presentationml/2006/main">
+  <p:cSld>
+    <p:spTree>
+      <p:nvGrpSpPr>
+        <p:cNvPr id="1" name=""/>
+        <p:cNvGrpSpPr/>
+        <p:nvPr/>
+      </p:nvGrpSpPr>
+      <p:grpSpPr>
+        <a:xfrm>
+          <a:off x="0" y="0"/>
+          <a:ext cx="0" cy="0"/>
+          <a:chOff x="0" y="0"/>
+          <a:chExt cx="0" cy="0"/>
+        </a:xfrm>
+      </p:grpSpPr>
+      <p:sp>
+        <p:nvSpPr>
+          <p:cNvPr id="2" name="Title 1">
+            <a:extLst>
+              <a:ext uri="{FF2B5EF4-FFF2-40B4-BE49-F238E27FC236}">
+                <a16:creationId xmlns:a16="http://schemas.microsoft.com/office/drawing/2014/main" id="{62F1DA4A-5CCF-7259-9D4C-6752F5B0827F}"/>
+              </a:ext>
+            </a:extLst>
+          </p:cNvPr>
+          <p:cNvSpPr>
+            <a:spLocks noGrp="1"/>
+          </p:cNvSpPr>
+          <p:nvPr>
+            <p:ph type="title"/>
+          </p:nvPr>
+        </p:nvSpPr>
+        <p:spPr>
+          <a:xfrm>
+            <a:off x="627529" y="-117014"/>
+            <a:ext cx="10515600" cy="1325563"/>
+          </a:xfrm>
+        </p:spPr>
+        <p:txBody>
+          <a:bodyPr/>
+          <a:lstStyle/>
+          <a:p>
+            <a:r>
+              <a:rPr lang="ja-JP" altLang="en-US" dirty="0"/>
+              <a:t>補足｜</a:t>
+            </a:r>
+            <a:r>
+              <a:rPr lang="en-US" altLang="ja-JP" dirty="0" err="1"/>
+              <a:t>Buildozer</a:t>
+            </a:r>
+            <a:endParaRPr lang="en-US" dirty="0"/>
+          </a:p>
+        </p:txBody>
+      </p:sp>
+      <p:sp>
+        <p:nvSpPr>
+          <p:cNvPr id="3" name="Content Placeholder 2">
+            <a:extLst>
+              <a:ext uri="{FF2B5EF4-FFF2-40B4-BE49-F238E27FC236}">
+                <a16:creationId xmlns:a16="http://schemas.microsoft.com/office/drawing/2014/main" id="{57DBF572-88C9-63D7-1EE4-F07580B11B84}"/>
+              </a:ext>
+            </a:extLst>
+          </p:cNvPr>
+          <p:cNvSpPr>
+            <a:spLocks noGrp="1"/>
+          </p:cNvSpPr>
+          <p:nvPr>
+            <p:ph idx="1"/>
+          </p:nvPr>
+        </p:nvSpPr>
+        <p:spPr>
+          <a:xfrm>
+            <a:off x="838200" y="1208548"/>
+            <a:ext cx="10515600" cy="5508135"/>
+          </a:xfrm>
+        </p:spPr>
+        <p:txBody>
+          <a:bodyPr>
+            <a:normAutofit/>
+          </a:bodyPr>
+          <a:lstStyle/>
+          <a:p>
+            <a:pPr>
+              <a:lnSpc>
+                <a:spcPct val="100000"/>
+              </a:lnSpc>
+            </a:pPr>
+            <a:r>
+              <a:rPr lang="en-US" altLang="ja-JP" sz="2000" dirty="0" err="1"/>
+              <a:t>Buildozer</a:t>
+            </a:r>
+            <a:r>
+              <a:rPr lang="ja-JP" altLang="en-US" sz="2000" dirty="0"/>
+              <a:t>は、モバイルアプリケーションを簡単にパッケージ化することを目的としたツールです。これはビルド全体のプロセスを自動化し、</a:t>
+            </a:r>
+            <a:r>
+              <a:rPr lang="en-US" altLang="ja-JP" sz="2000" dirty="0"/>
+              <a:t>Python-for-Android</a:t>
+            </a:r>
+            <a:r>
+              <a:rPr lang="ja-JP" altLang="en-US" sz="2000" dirty="0"/>
+              <a:t>、</a:t>
+            </a:r>
+            <a:r>
+              <a:rPr lang="en-US" altLang="ja-JP" sz="2000" dirty="0"/>
+              <a:t>Android SDK</a:t>
+            </a:r>
+            <a:r>
+              <a:rPr lang="ja-JP" altLang="en-US" sz="2000" dirty="0"/>
+              <a:t>、</a:t>
+            </a:r>
+            <a:r>
+              <a:rPr lang="en-US" altLang="ja-JP" sz="2000" dirty="0"/>
+              <a:t>NDK</a:t>
+            </a:r>
+            <a:r>
+              <a:rPr lang="ja-JP" altLang="en-US" sz="2000" dirty="0"/>
+              <a:t>などの必要なものをダウンロードする。</a:t>
+            </a:r>
+          </a:p>
+          <a:p>
+            <a:pPr>
+              <a:lnSpc>
+                <a:spcPct val="100000"/>
+              </a:lnSpc>
+            </a:pPr>
+            <a:r>
+              <a:rPr lang="en-US" altLang="ja-JP" sz="2000" dirty="0" err="1"/>
+              <a:t>Buildozer</a:t>
+            </a:r>
+            <a:r>
+              <a:rPr lang="ja-JP" altLang="en-US" sz="2000" dirty="0"/>
+              <a:t>は、アプリケーションディレクトリにある</a:t>
+            </a:r>
+            <a:r>
+              <a:rPr lang="en-US" altLang="ja-JP" sz="2000" dirty="0" err="1"/>
+              <a:t>buildozer.spec</a:t>
+            </a:r>
+            <a:r>
+              <a:rPr lang="ja-JP" altLang="en-US" sz="2000" dirty="0"/>
+              <a:t>という名前のファイルを管理する。このファイルには、アプリケーションの要件やタイトル、アイコン、含まれるモジュールなどの設定が記述されている。</a:t>
+            </a:r>
+            <a:r>
+              <a:rPr lang="en-US" altLang="ja-JP" sz="2000" dirty="0" err="1"/>
+              <a:t>Buildozer</a:t>
+            </a:r>
+            <a:r>
+              <a:rPr lang="ja-JP" altLang="en-US" sz="2000" dirty="0"/>
+              <a:t>は仕様ファイルを使用して、</a:t>
+            </a:r>
+            <a:r>
+              <a:rPr lang="en-US" altLang="ja-JP" sz="2000" dirty="0"/>
+              <a:t>Android</a:t>
+            </a:r>
+            <a:r>
+              <a:rPr lang="ja-JP" altLang="en-US" sz="2000" dirty="0"/>
+              <a:t>、</a:t>
+            </a:r>
+            <a:r>
+              <a:rPr lang="en-US" altLang="ja-JP" sz="2000" dirty="0"/>
+              <a:t>iOS</a:t>
+            </a:r>
+            <a:r>
+              <a:rPr lang="ja-JP" altLang="en-US" sz="2000" dirty="0"/>
+              <a:t>などのプラットフォーム向けのパッケージを作成する。</a:t>
+            </a:r>
+          </a:p>
+          <a:p>
+            <a:pPr>
+              <a:lnSpc>
+                <a:spcPct val="100000"/>
+              </a:lnSpc>
+            </a:pPr>
+            <a:r>
+              <a:rPr lang="ja-JP" altLang="en-US" sz="2000" dirty="0"/>
+              <a:t>現在、</a:t>
+            </a:r>
+            <a:r>
+              <a:rPr lang="en-US" altLang="ja-JP" sz="2000" dirty="0" err="1"/>
+              <a:t>Buildozer</a:t>
+            </a:r>
+            <a:r>
+              <a:rPr lang="ja-JP" altLang="en-US" sz="2000" dirty="0"/>
+              <a:t>は以下のプラットフォームに対するパッケージングをサポートしている：</a:t>
+            </a:r>
+          </a:p>
+          <a:p>
+            <a:pPr lvl="1">
+              <a:lnSpc>
+                <a:spcPct val="100000"/>
+              </a:lnSpc>
+            </a:pPr>
+            <a:r>
+              <a:rPr lang="en-US" altLang="ja-JP" sz="2000" dirty="0"/>
+              <a:t>Android: Python for Android</a:t>
+            </a:r>
+            <a:r>
+              <a:rPr lang="ja-JP" altLang="en-US" sz="2000" dirty="0"/>
+              <a:t>を介して。</a:t>
+            </a:r>
+            <a:r>
+              <a:rPr lang="en-US" altLang="ja-JP" sz="2000" dirty="0"/>
+              <a:t>Android</a:t>
+            </a:r>
+            <a:r>
+              <a:rPr lang="ja-JP" altLang="en-US" sz="2000" dirty="0"/>
+              <a:t>用にコンパイルするには</a:t>
+            </a:r>
+            <a:r>
+              <a:rPr lang="en-US" altLang="ja-JP" sz="2000" dirty="0"/>
+              <a:t>Linux</a:t>
+            </a:r>
+            <a:r>
+              <a:rPr lang="ja-JP" altLang="en-US" sz="2000" dirty="0"/>
+              <a:t>または</a:t>
+            </a:r>
+            <a:r>
+              <a:rPr lang="en-US" altLang="ja-JP" sz="2000" dirty="0"/>
+              <a:t>OSX</a:t>
+            </a:r>
+            <a:r>
+              <a:rPr lang="ja-JP" altLang="en-US" sz="2000" dirty="0"/>
+              <a:t>のコンピュータが必要。</a:t>
+            </a:r>
+          </a:p>
+          <a:p>
+            <a:pPr lvl="1">
+              <a:lnSpc>
+                <a:spcPct val="100000"/>
+              </a:lnSpc>
+            </a:pPr>
+            <a:r>
+              <a:rPr lang="en-US" altLang="ja-JP" sz="2000" dirty="0"/>
+              <a:t>iOS: </a:t>
+            </a:r>
+            <a:r>
+              <a:rPr lang="en-US" altLang="ja-JP" sz="2000" dirty="0" err="1"/>
+              <a:t>Kivy</a:t>
+            </a:r>
+            <a:r>
+              <a:rPr lang="en-US" altLang="ja-JP" sz="2000" dirty="0"/>
+              <a:t> iOS</a:t>
+            </a:r>
+            <a:r>
+              <a:rPr lang="ja-JP" altLang="en-US" sz="2000" dirty="0"/>
+              <a:t>を介して。</a:t>
+            </a:r>
+            <a:r>
+              <a:rPr lang="en-US" altLang="ja-JP" sz="2000" dirty="0"/>
+              <a:t>iOS</a:t>
+            </a:r>
+            <a:r>
+              <a:rPr lang="ja-JP" altLang="en-US" sz="2000" dirty="0"/>
+              <a:t>用にコンパイルするには</a:t>
+            </a:r>
+            <a:r>
+              <a:rPr lang="en-US" altLang="ja-JP" sz="2000" dirty="0"/>
+              <a:t>OSX</a:t>
+            </a:r>
+            <a:r>
+              <a:rPr lang="ja-JP" altLang="en-US" sz="2000" dirty="0"/>
+              <a:t>のコンピュータが必要。</a:t>
+            </a:r>
+          </a:p>
+          <a:p>
+            <a:pPr lvl="1"/>
+            <a:endParaRPr lang="en-US" dirty="0"/>
+          </a:p>
+        </p:txBody>
+      </p:sp>
+      <p:cxnSp>
+        <p:nvCxnSpPr>
+          <p:cNvPr id="4" name="直線コネクタ 3">
+            <a:extLst>
+              <a:ext uri="{FF2B5EF4-FFF2-40B4-BE49-F238E27FC236}">
+                <a16:creationId xmlns:a16="http://schemas.microsoft.com/office/drawing/2014/main" id="{AA76A91D-8E06-9B47-C46C-9C0F742EB246}"/>
+              </a:ext>
+            </a:extLst>
+          </p:cNvPr>
+          <p:cNvCxnSpPr>
+            <a:cxnSpLocks/>
+          </p:cNvCxnSpPr>
+          <p:nvPr/>
+        </p:nvCxnSpPr>
+        <p:spPr>
+          <a:xfrm>
+            <a:off x="627529" y="1001486"/>
+            <a:ext cx="10726271" cy="0"/>
+          </a:xfrm>
+          <a:prstGeom prst="line">
+            <a:avLst/>
+          </a:prstGeom>
+          <a:ln w="38100" cmpd="dbl">
+            <a:solidFill>
+              <a:schemeClr val="tx1"/>
+            </a:solidFill>
+          </a:ln>
+        </p:spPr>
+        <p:style>
+          <a:lnRef idx="1">
+            <a:schemeClr val="accent1"/>
+          </a:lnRef>
+          <a:fillRef idx="0">
+            <a:schemeClr val="accent1"/>
+          </a:fillRef>
+          <a:effectRef idx="0">
+            <a:schemeClr val="accent1"/>
+          </a:effectRef>
+          <a:fontRef idx="minor">
+            <a:schemeClr val="tx1"/>
+          </a:fontRef>
+        </p:style>
+      </p:cxnSp>
+    </p:spTree>
+    <p:extLst>
+      <p:ext uri="{BB962C8B-B14F-4D97-AF65-F5344CB8AC3E}">
+        <p14:creationId xmlns:p14="http://schemas.microsoft.com/office/powerpoint/2010/main" val="3137044147"/>
+      </p:ext>
+    </p:extLst>
+  </p:cSld>
+  <p:clrMapOvr>
+    <a:masterClrMapping/>
+  </p:clrMapOvr>
+</p:sld>
+</file>
+
 <file path=ppt/slides/slide3.xml><?xml version="1.0" encoding="utf-8"?>
 <p:sld xmlns:a="http://schemas.openxmlformats.org/drawingml/2006/main" xmlns:r="http://schemas.openxmlformats.org/officeDocument/2006/relationships" xmlns:p="http://schemas.openxmlformats.org/presentationml/2006/main">
   <p:cSld>
@@ -26521,6 +26495,14 @@
               <a:rPr kumimoji="1" lang="ja-JP" altLang="en-US" dirty="0"/>
               <a:t>背景</a:t>
             </a:r>
+            <a:r>
+              <a:rPr kumimoji="1" lang="en-US" altLang="ja-JP" dirty="0"/>
+              <a:t>|</a:t>
+            </a:r>
+            <a:r>
+              <a:rPr kumimoji="1" lang="ja-JP" altLang="en-US" dirty="0"/>
+              <a:t>ロコモティブシンドローム</a:t>
+            </a:r>
           </a:p>
         </p:txBody>
       </p:sp>
@@ -26540,7 +26522,12 @@
             <p:ph idx="1"/>
           </p:nvPr>
         </p:nvSpPr>
-        <p:spPr/>
+        <p:spPr>
+          <a:xfrm>
+            <a:off x="838200" y="1343818"/>
+            <a:ext cx="10515600" cy="4833145"/>
+          </a:xfrm>
+        </p:spPr>
         <p:txBody>
           <a:bodyPr/>
           <a:lstStyle/>
@@ -26561,29 +26548,6 @@
           </a:p>
           <a:p>
             <a:endParaRPr lang="en-US" altLang="ja-JP" dirty="0"/>
-          </a:p>
-          <a:p>
-            <a:r>
-              <a:rPr kumimoji="1" lang="ja-JP" altLang="en-US" dirty="0"/>
-              <a:t>＃</a:t>
-            </a:r>
-            <a:r>
-              <a:rPr kumimoji="1" lang="en-US" altLang="ja-JP" dirty="0" err="1"/>
-              <a:t>pendekkan</a:t>
-            </a:r>
-            <a:r>
-              <a:rPr kumimoji="1" lang="en-US" altLang="ja-JP" dirty="0"/>
-              <a:t> </a:t>
-            </a:r>
-            <a:r>
-              <a:rPr kumimoji="1" lang="en-US" altLang="ja-JP" dirty="0" err="1"/>
-              <a:t>sikit</a:t>
-            </a:r>
-            <a:r>
-              <a:rPr kumimoji="1" lang="en-US" altLang="ja-JP" dirty="0"/>
-              <a:t> intro</a:t>
-            </a:r>
-            <a:endParaRPr kumimoji="1" lang="ja-JP" altLang="en-US" dirty="0"/>
           </a:p>
         </p:txBody>
       </p:sp>
@@ -27668,24 +27632,34 @@
         <p:spPr>
           <a:xfrm>
             <a:off x="838200" y="1840539"/>
-            <a:ext cx="4199021" cy="4502799"/>
+            <a:ext cx="5257800" cy="4502799"/>
           </a:xfrm>
         </p:spPr>
         <p:txBody>
-          <a:bodyPr/>
+          <a:bodyPr>
+            <a:normAutofit/>
+          </a:bodyPr>
           <a:lstStyle/>
           <a:p>
             <a:r>
-              <a:rPr kumimoji="1" lang="en-US" altLang="ja-JP" dirty="0"/>
-              <a:t>Must be moved by hand</a:t>
-            </a:r>
-          </a:p>
-          <a:p>
-            <a:r>
-              <a:rPr kumimoji="1" lang="en-US" altLang="ja-JP" dirty="0"/>
-              <a:t>Result also must be calculated by hand</a:t>
-            </a:r>
-            <a:endParaRPr kumimoji="1" lang="ja-JP" altLang="en-US" dirty="0"/>
+              <a:rPr kumimoji="1" lang="ja-JP" altLang="en-US" sz="2000" dirty="0"/>
+              <a:t>手動で動かせないといけない</a:t>
+            </a:r>
+            <a:endParaRPr kumimoji="1" lang="en-US" altLang="ja-JP" sz="2000" dirty="0"/>
+          </a:p>
+          <a:p>
+            <a:r>
+              <a:rPr kumimoji="1" lang="ja-JP" altLang="en-US" sz="2000" dirty="0"/>
+              <a:t>検査官がいないと自ら出来ない</a:t>
+            </a:r>
+            <a:endParaRPr kumimoji="1" lang="en-US" altLang="ja-JP" sz="2000" dirty="0"/>
+          </a:p>
+          <a:p>
+            <a:r>
+              <a:rPr lang="ja-JP" altLang="en-US" sz="2000" dirty="0"/>
+              <a:t>結果は一般人には分かりにくい</a:t>
+            </a:r>
+            <a:endParaRPr kumimoji="1" lang="ja-JP" altLang="en-US" sz="2000" dirty="0"/>
           </a:p>
         </p:txBody>
       </p:sp>
@@ -27703,16 +27677,15 @@
           </p:cNvPicPr>
           <p:nvPr/>
         </p:nvPicPr>
-        <p:blipFill>
+        <p:blipFill rotWithShape="1">
           <a:blip r:embed="rId2"/>
-          <a:stretch>
-            <a:fillRect/>
-          </a:stretch>
+          <a:srcRect l="59632"/>
+          <a:stretch/>
         </p:blipFill>
         <p:spPr>
           <a:xfrm>
-            <a:off x="5232483" y="1840540"/>
-            <a:ext cx="6121317" cy="4502799"/>
+            <a:off x="7402285" y="1325563"/>
+            <a:ext cx="2743200" cy="4998702"/>
           </a:xfrm>
           <a:prstGeom prst="rect">
             <a:avLst/>
@@ -27767,6 +27740,209 @@
           </a:fontRef>
         </p:style>
       </p:cxnSp>
+      <p:sp>
+        <p:nvSpPr>
+          <p:cNvPr id="6" name="コンテンツ プレースホルダー 2">
+            <a:extLst>
+              <a:ext uri="{FF2B5EF4-FFF2-40B4-BE49-F238E27FC236}">
+                <a16:creationId xmlns:a16="http://schemas.microsoft.com/office/drawing/2014/main" id="{C9199DDC-BA56-6C96-9891-31676A183407}"/>
+              </a:ext>
+            </a:extLst>
+          </p:cNvPr>
+          <p:cNvSpPr txBox="1">
+            <a:spLocks/>
+          </p:cNvSpPr>
+          <p:nvPr/>
+        </p:nvSpPr>
+        <p:spPr>
+          <a:xfrm>
+            <a:off x="838200" y="1150326"/>
+            <a:ext cx="1719349" cy="482138"/>
+          </a:xfrm>
+          <a:prstGeom prst="rect">
+            <a:avLst/>
+          </a:prstGeom>
+        </p:spPr>
+        <p:txBody>
+          <a:bodyPr vert="horz" lIns="91440" tIns="45720" rIns="91440" bIns="45720" rtlCol="0">
+            <a:normAutofit/>
+          </a:bodyPr>
+          <a:lstStyle>
+            <a:lvl1pPr marL="228600" indent="-228600" algn="l" defTabSz="914400" rtl="0" eaLnBrk="1" latinLnBrk="0" hangingPunct="1">
+              <a:lnSpc>
+                <a:spcPct val="90000"/>
+              </a:lnSpc>
+              <a:spcBef>
+                <a:spcPts val="1000"/>
+              </a:spcBef>
+              <a:buFont typeface="Arial" panose="020B0604020202020204" pitchFamily="34" charset="0"/>
+              <a:buChar char="•"/>
+              <a:defRPr kumimoji="1" sz="2800" kern="1200">
+                <a:solidFill>
+                  <a:schemeClr val="tx1"/>
+                </a:solidFill>
+                <a:latin typeface="+mn-lt"/>
+                <a:ea typeface="+mn-ea"/>
+                <a:cs typeface="+mn-cs"/>
+              </a:defRPr>
+            </a:lvl1pPr>
+            <a:lvl2pPr marL="685800" indent="-228600" algn="l" defTabSz="914400" rtl="0" eaLnBrk="1" latinLnBrk="0" hangingPunct="1">
+              <a:lnSpc>
+                <a:spcPct val="90000"/>
+              </a:lnSpc>
+              <a:spcBef>
+                <a:spcPts val="500"/>
+              </a:spcBef>
+              <a:buFont typeface="Arial" panose="020B0604020202020204" pitchFamily="34" charset="0"/>
+              <a:buChar char="•"/>
+              <a:defRPr kumimoji="1" sz="2400" kern="1200">
+                <a:solidFill>
+                  <a:schemeClr val="tx1"/>
+                </a:solidFill>
+                <a:latin typeface="+mn-lt"/>
+                <a:ea typeface="+mn-ea"/>
+                <a:cs typeface="+mn-cs"/>
+              </a:defRPr>
+            </a:lvl2pPr>
+            <a:lvl3pPr marL="1143000" indent="-228600" algn="l" defTabSz="914400" rtl="0" eaLnBrk="1" latinLnBrk="0" hangingPunct="1">
+              <a:lnSpc>
+                <a:spcPct val="90000"/>
+              </a:lnSpc>
+              <a:spcBef>
+                <a:spcPts val="500"/>
+              </a:spcBef>
+              <a:buFont typeface="Arial" panose="020B0604020202020204" pitchFamily="34" charset="0"/>
+              <a:buChar char="•"/>
+              <a:defRPr kumimoji="1" sz="2000" kern="1200">
+                <a:solidFill>
+                  <a:schemeClr val="tx1"/>
+                </a:solidFill>
+                <a:latin typeface="+mn-lt"/>
+                <a:ea typeface="+mn-ea"/>
+                <a:cs typeface="+mn-cs"/>
+              </a:defRPr>
+            </a:lvl3pPr>
+            <a:lvl4pPr marL="1600200" indent="-228600" algn="l" defTabSz="914400" rtl="0" eaLnBrk="1" latinLnBrk="0" hangingPunct="1">
+              <a:lnSpc>
+                <a:spcPct val="90000"/>
+              </a:lnSpc>
+              <a:spcBef>
+                <a:spcPts val="500"/>
+              </a:spcBef>
+              <a:buFont typeface="Arial" panose="020B0604020202020204" pitchFamily="34" charset="0"/>
+              <a:buChar char="•"/>
+              <a:defRPr kumimoji="1" sz="1800" kern="1200">
+                <a:solidFill>
+                  <a:schemeClr val="tx1"/>
+                </a:solidFill>
+                <a:latin typeface="+mn-lt"/>
+                <a:ea typeface="+mn-ea"/>
+                <a:cs typeface="+mn-cs"/>
+              </a:defRPr>
+            </a:lvl4pPr>
+            <a:lvl5pPr marL="2057400" indent="-228600" algn="l" defTabSz="914400" rtl="0" eaLnBrk="1" latinLnBrk="0" hangingPunct="1">
+              <a:lnSpc>
+                <a:spcPct val="90000"/>
+              </a:lnSpc>
+              <a:spcBef>
+                <a:spcPts val="500"/>
+              </a:spcBef>
+              <a:buFont typeface="Arial" panose="020B0604020202020204" pitchFamily="34" charset="0"/>
+              <a:buChar char="•"/>
+              <a:defRPr kumimoji="1" sz="1800" kern="1200">
+                <a:solidFill>
+                  <a:schemeClr val="tx1"/>
+                </a:solidFill>
+                <a:latin typeface="+mn-lt"/>
+                <a:ea typeface="+mn-ea"/>
+                <a:cs typeface="+mn-cs"/>
+              </a:defRPr>
+            </a:lvl5pPr>
+            <a:lvl6pPr marL="2514600" indent="-228600" algn="l" defTabSz="914400" rtl="0" eaLnBrk="1" latinLnBrk="0" hangingPunct="1">
+              <a:lnSpc>
+                <a:spcPct val="90000"/>
+              </a:lnSpc>
+              <a:spcBef>
+                <a:spcPts val="500"/>
+              </a:spcBef>
+              <a:buFont typeface="Arial" panose="020B0604020202020204" pitchFamily="34" charset="0"/>
+              <a:buChar char="•"/>
+              <a:defRPr kumimoji="1" sz="1800" kern="1200">
+                <a:solidFill>
+                  <a:schemeClr val="tx1"/>
+                </a:solidFill>
+                <a:latin typeface="+mn-lt"/>
+                <a:ea typeface="+mn-ea"/>
+                <a:cs typeface="+mn-cs"/>
+              </a:defRPr>
+            </a:lvl6pPr>
+            <a:lvl7pPr marL="2971800" indent="-228600" algn="l" defTabSz="914400" rtl="0" eaLnBrk="1" latinLnBrk="0" hangingPunct="1">
+              <a:lnSpc>
+                <a:spcPct val="90000"/>
+              </a:lnSpc>
+              <a:spcBef>
+                <a:spcPts val="500"/>
+              </a:spcBef>
+              <a:buFont typeface="Arial" panose="020B0604020202020204" pitchFamily="34" charset="0"/>
+              <a:buChar char="•"/>
+              <a:defRPr kumimoji="1" sz="1800" kern="1200">
+                <a:solidFill>
+                  <a:schemeClr val="tx1"/>
+                </a:solidFill>
+                <a:latin typeface="+mn-lt"/>
+                <a:ea typeface="+mn-ea"/>
+                <a:cs typeface="+mn-cs"/>
+              </a:defRPr>
+            </a:lvl7pPr>
+            <a:lvl8pPr marL="3429000" indent="-228600" algn="l" defTabSz="914400" rtl="0" eaLnBrk="1" latinLnBrk="0" hangingPunct="1">
+              <a:lnSpc>
+                <a:spcPct val="90000"/>
+              </a:lnSpc>
+              <a:spcBef>
+                <a:spcPts val="500"/>
+              </a:spcBef>
+              <a:buFont typeface="Arial" panose="020B0604020202020204" pitchFamily="34" charset="0"/>
+              <a:buChar char="•"/>
+              <a:defRPr kumimoji="1" sz="1800" kern="1200">
+                <a:solidFill>
+                  <a:schemeClr val="tx1"/>
+                </a:solidFill>
+                <a:latin typeface="+mn-lt"/>
+                <a:ea typeface="+mn-ea"/>
+                <a:cs typeface="+mn-cs"/>
+              </a:defRPr>
+            </a:lvl8pPr>
+            <a:lvl9pPr marL="3886200" indent="-228600" algn="l" defTabSz="914400" rtl="0" eaLnBrk="1" latinLnBrk="0" hangingPunct="1">
+              <a:lnSpc>
+                <a:spcPct val="90000"/>
+              </a:lnSpc>
+              <a:spcBef>
+                <a:spcPts val="500"/>
+              </a:spcBef>
+              <a:buFont typeface="Arial" panose="020B0604020202020204" pitchFamily="34" charset="0"/>
+              <a:buChar char="•"/>
+              <a:defRPr kumimoji="1" sz="1800" kern="1200">
+                <a:solidFill>
+                  <a:schemeClr val="tx1"/>
+                </a:solidFill>
+                <a:latin typeface="+mn-lt"/>
+                <a:ea typeface="+mn-ea"/>
+                <a:cs typeface="+mn-cs"/>
+              </a:defRPr>
+            </a:lvl9pPr>
+          </a:lstStyle>
+          <a:p>
+            <a:pPr marL="0" indent="0">
+              <a:buNone/>
+            </a:pPr>
+            <a:r>
+              <a:rPr lang="ja-JP" altLang="en-US" dirty="0"/>
+              <a:t>問題点：</a:t>
+            </a:r>
+            <a:endParaRPr lang="en-US" altLang="ja-JP" dirty="0"/>
+          </a:p>
+        </p:txBody>
+      </p:sp>
     </p:spTree>
     <p:extLst>
       <p:ext uri="{BB962C8B-B14F-4D97-AF65-F5344CB8AC3E}">
@@ -27825,8 +28001,13 @@
           <a:p>
             <a:r>
               <a:rPr kumimoji="1" lang="ja-JP" altLang="en-US" dirty="0"/>
-              <a:t>目的、手法、結果</a:t>
-            </a:r>
+              <a:t>目的、</a:t>
+            </a:r>
+            <a:r>
+              <a:rPr lang="ja-JP" altLang="en-US" dirty="0"/>
+              <a:t>手法</a:t>
+            </a:r>
+            <a:endParaRPr kumimoji="1" lang="ja-JP" altLang="en-US" dirty="0"/>
           </a:p>
         </p:txBody>
       </p:sp>
@@ -27846,11 +28027,26 @@
             <p:ph idx="1"/>
           </p:nvPr>
         </p:nvSpPr>
-        <p:spPr/>
+        <p:spPr>
+          <a:xfrm>
+            <a:off x="627529" y="1343818"/>
+            <a:ext cx="10515600" cy="4351338"/>
+          </a:xfrm>
+        </p:spPr>
         <p:txBody>
-          <a:bodyPr/>
+          <a:bodyPr>
+            <a:normAutofit/>
+          </a:bodyPr>
           <a:lstStyle/>
           <a:p>
+            <a:r>
+              <a:rPr kumimoji="1" lang="ja-JP" altLang="en-US" b="1" dirty="0"/>
+              <a:t>目的</a:t>
+            </a:r>
+            <a:endParaRPr kumimoji="1" lang="en-US" altLang="ja-JP" b="1" dirty="0"/>
+          </a:p>
+          <a:p>
+            <a:pPr lvl="1"/>
             <a:r>
               <a:rPr kumimoji="1" lang="ja-JP" altLang="en-US" dirty="0"/>
               <a:t>アプリによるシステムの単純化と自動化だれでも使えるようにする</a:t>
@@ -27858,6 +28054,20 @@
             <a:endParaRPr kumimoji="1" lang="en-US" altLang="ja-JP" dirty="0"/>
           </a:p>
           <a:p>
+            <a:pPr marL="0" indent="0">
+              <a:buNone/>
+            </a:pPr>
+            <a:endParaRPr lang="en-US" altLang="ja-JP" sz="2400" dirty="0"/>
+          </a:p>
+          <a:p>
+            <a:r>
+              <a:rPr kumimoji="1" lang="ja-JP" altLang="en-US" b="1" dirty="0"/>
+              <a:t>手法</a:t>
+            </a:r>
+            <a:endParaRPr kumimoji="1" lang="en-US" altLang="ja-JP" b="1" dirty="0"/>
+          </a:p>
+          <a:p>
+            <a:pPr lvl="1"/>
             <a:r>
               <a:rPr kumimoji="1" lang="en-US" altLang="ja-JP" dirty="0" err="1"/>
               <a:t>Kivy</a:t>
@@ -27968,8 +28178,8 @@
         </p:nvSpPr>
         <p:spPr>
           <a:xfrm>
-            <a:off x="838200" y="1495426"/>
-            <a:ext cx="3220880" cy="4024310"/>
+            <a:off x="627529" y="100884"/>
+            <a:ext cx="3220880" cy="891175"/>
           </a:xfrm>
         </p:spPr>
         <p:txBody>
@@ -28001,14 +28211,14 @@
             <p:ph idx="1"/>
             <p:extLst>
               <p:ext uri="{D42A27DB-BD31-4B8C-83A1-F6EECF244321}">
-                <p14:modId xmlns:p14="http://schemas.microsoft.com/office/powerpoint/2010/main" val="2004268806"/>
+                <p14:modId xmlns:p14="http://schemas.microsoft.com/office/powerpoint/2010/main" val="301629909"/>
               </p:ext>
             </p:extLst>
           </p:nvPr>
         </p:nvGraphicFramePr>
         <p:xfrm>
-          <a:off x="4702547" y="838199"/>
-          <a:ext cx="6651253" cy="5338764"/>
+          <a:off x="1864146" y="1010914"/>
+          <a:ext cx="10726271" cy="5338764"/>
         </p:xfrm>
         <a:graphic>
           <a:graphicData uri="http://schemas.openxmlformats.org/drawingml/2006/diagram">
@@ -28075,14 +28285,6 @@
 <file path=ppt/slides/slide9.xml><?xml version="1.0" encoding="utf-8"?>
 <p:sld xmlns:a="http://schemas.openxmlformats.org/drawingml/2006/main" xmlns:r="http://schemas.openxmlformats.org/officeDocument/2006/relationships" xmlns:p="http://schemas.openxmlformats.org/presentationml/2006/main">
   <p:cSld>
-    <p:bg>
-      <p:bgPr>
-        <a:solidFill>
-          <a:schemeClr val="bg1"/>
-        </a:solidFill>
-        <a:effectLst/>
-      </p:bgPr>
-    </p:bg>
     <p:spTree>
       <p:nvGrpSpPr>
         <p:cNvPr id="1" name=""/>
@@ -28102,7 +28304,7 @@
           <p:cNvPr id="2" name="タイトル 1">
             <a:extLst>
               <a:ext uri="{FF2B5EF4-FFF2-40B4-BE49-F238E27FC236}">
-                <a16:creationId xmlns:a16="http://schemas.microsoft.com/office/drawing/2014/main" id="{3AB3D46E-75D0-82E4-A303-E24A0E426E06}"/>
+                <a16:creationId xmlns:a16="http://schemas.microsoft.com/office/drawing/2014/main" id="{6EEB1D21-E123-6A0D-4387-7842071A44C3}"/>
               </a:ext>
             </a:extLst>
           </p:cNvPr>
@@ -28115,71 +28317,92 @@
         </p:nvSpPr>
         <p:spPr>
           <a:xfrm>
-            <a:off x="-2959175" y="0"/>
-            <a:ext cx="9517294" cy="1152663"/>
+            <a:off x="508262" y="6906"/>
+            <a:ext cx="10515600" cy="1325563"/>
           </a:xfrm>
         </p:spPr>
         <p:txBody>
-          <a:bodyPr vert="horz" lIns="91440" tIns="45720" rIns="91440" bIns="45720" rtlCol="0" anchor="ctr">
+          <a:bodyPr>
             <a:normAutofit/>
           </a:bodyPr>
           <a:lstStyle/>
           <a:p>
-            <a:pPr algn="ctr">
-              <a:lnSpc>
-                <a:spcPct val="90000"/>
-              </a:lnSpc>
-            </a:pPr>
-            <a:r>
-              <a:rPr kumimoji="1" lang="ja-JP" altLang="en-US" sz="3200" dirty="0"/>
-              <a:t>アプリの流れ</a:t>
-            </a:r>
+            <a:r>
+              <a:rPr kumimoji="1" lang="ja-JP" altLang="en-US" sz="2800" dirty="0"/>
+              <a:t>アドレス画面</a:t>
+            </a:r>
+            <a:r>
+              <a:rPr kumimoji="1" lang="en-US" altLang="ja-JP" sz="2800" dirty="0"/>
+              <a:t>(</a:t>
+            </a:r>
+            <a:r>
+              <a:rPr lang="en-US" altLang="ja-JP" sz="2800" dirty="0"/>
+              <a:t>Address</a:t>
+            </a:r>
+            <a:r>
+              <a:rPr kumimoji="1" lang="ja-JP" altLang="en-US" sz="2800" dirty="0"/>
+              <a:t> </a:t>
+            </a:r>
+            <a:r>
+              <a:rPr kumimoji="1" lang="en-US" altLang="ja-JP" sz="2800" dirty="0"/>
+              <a:t>Window</a:t>
+            </a:r>
+            <a:r>
+              <a:rPr lang="ja-JP" altLang="en-US" sz="2800" dirty="0"/>
+              <a:t>）</a:t>
+            </a:r>
+            <a:endParaRPr kumimoji="1" lang="ja-JP" altLang="en-US" dirty="0"/>
           </a:p>
         </p:txBody>
       </p:sp>
       <p:sp>
         <p:nvSpPr>
-          <p:cNvPr id="12" name="矢印: 右 11">
+          <p:cNvPr id="3" name="コンテンツ プレースホルダー 2">
             <a:extLst>
               <a:ext uri="{FF2B5EF4-FFF2-40B4-BE49-F238E27FC236}">
-                <a16:creationId xmlns:a16="http://schemas.microsoft.com/office/drawing/2014/main" id="{61EB42A2-8DC9-9D91-B498-C3AB87ECA907}"/>
+                <a16:creationId xmlns:a16="http://schemas.microsoft.com/office/drawing/2014/main" id="{FBEFD887-8E4D-0747-2470-BA7EA0F692F7}"/>
               </a:ext>
             </a:extLst>
           </p:cNvPr>
-          <p:cNvSpPr/>
-          <p:nvPr/>
+          <p:cNvSpPr>
+            <a:spLocks noGrp="1"/>
+          </p:cNvSpPr>
+          <p:nvPr>
+            <p:ph idx="1"/>
+          </p:nvPr>
         </p:nvSpPr>
         <p:spPr>
           <a:xfrm>
-            <a:off x="1349889" y="6398556"/>
-            <a:ext cx="8968509" cy="232830"/>
+            <a:off x="627529" y="1332469"/>
+            <a:ext cx="5797731" cy="4160520"/>
           </a:xfrm>
-          <a:prstGeom prst="rightArrow">
-            <a:avLst/>
-          </a:prstGeom>
         </p:spPr>
-        <p:style>
-          <a:lnRef idx="2">
-            <a:schemeClr val="dk1">
-              <a:shade val="15000"/>
-            </a:schemeClr>
-          </a:lnRef>
-          <a:fillRef idx="1">
-            <a:schemeClr val="dk1"/>
-          </a:fillRef>
-          <a:effectRef idx="0">
-            <a:schemeClr val="dk1"/>
-          </a:effectRef>
-          <a:fontRef idx="minor">
-            <a:schemeClr val="lt1"/>
-          </a:fontRef>
-        </p:style>
         <p:txBody>
-          <a:bodyPr rtlCol="0" anchor="ctr"/>
+          <a:bodyPr>
+            <a:normAutofit/>
+          </a:bodyPr>
           <a:lstStyle/>
           <a:p>
-            <a:pPr algn="ctr"/>
-            <a:endParaRPr kumimoji="1" lang="ja-JP" altLang="en-US"/>
+            <a:r>
+              <a:rPr lang="ja-JP" altLang="en-US" sz="2000" dirty="0"/>
+              <a:t>サーバーの</a:t>
+            </a:r>
+            <a:r>
+              <a:rPr lang="en-US" altLang="ja-JP" sz="2000" dirty="0"/>
+              <a:t>IP</a:t>
+            </a:r>
+            <a:r>
+              <a:rPr lang="ja-JP" altLang="en-US" sz="2000" dirty="0"/>
+              <a:t>アドレスをテキストフィールドに入力して接続するアドレス画面です</a:t>
+            </a:r>
+            <a:endParaRPr lang="en-US" altLang="ja-JP" sz="2000" dirty="0"/>
+          </a:p>
+          <a:p>
+            <a:r>
+              <a:rPr lang="ja-JP" altLang="en-US" sz="2000" dirty="0"/>
+              <a:t>ユーザーがサーバーに正常に接続できない場合のガイドラインも一緒に挿入する</a:t>
+            </a:r>
+            <a:endParaRPr lang="en-US" altLang="ja-JP" sz="2000" dirty="0"/>
           </a:p>
         </p:txBody>
       </p:sp>
@@ -28188,7 +28411,7 @@
           <p:cNvPr id="4" name="直線コネクタ 3">
             <a:extLst>
               <a:ext uri="{FF2B5EF4-FFF2-40B4-BE49-F238E27FC236}">
-                <a16:creationId xmlns:a16="http://schemas.microsoft.com/office/drawing/2014/main" id="{D3FAA09E-3508-75BA-C755-0F16F3FE0CC4}"/>
+                <a16:creationId xmlns:a16="http://schemas.microsoft.com/office/drawing/2014/main" id="{77FD0231-A0D6-70F0-63A7-A1184127BCDF}"/>
               </a:ext>
             </a:extLst>
           </p:cNvPr>
@@ -28226,10 +28449,46 @@
           </a:fontRef>
         </p:style>
       </p:cxnSp>
+      <p:pic>
+        <p:nvPicPr>
+          <p:cNvPr id="6" name="図 5" descr="グラフィカル ユーザー インターフェイス, テキスト, アプリケーション&#10;&#10;自動的に生成された説明">
+            <a:extLst>
+              <a:ext uri="{FF2B5EF4-FFF2-40B4-BE49-F238E27FC236}">
+                <a16:creationId xmlns:a16="http://schemas.microsoft.com/office/drawing/2014/main" id="{2C5B2021-9737-B696-9B18-083F11BCA9E2}"/>
+              </a:ext>
+            </a:extLst>
+          </p:cNvPr>
+          <p:cNvPicPr>
+            <a:picLocks noChangeAspect="1"/>
+          </p:cNvPicPr>
+          <p:nvPr/>
+        </p:nvPicPr>
+        <p:blipFill>
+          <a:blip r:embed="rId2">
+            <a:extLst>
+              <a:ext uri="{28A0092B-C50C-407E-A947-70E740481C1C}">
+                <a14:useLocalDpi xmlns:a14="http://schemas.microsoft.com/office/drawing/2010/main" val="0"/>
+              </a:ext>
+            </a:extLst>
+          </a:blip>
+          <a:stretch>
+            <a:fillRect/>
+          </a:stretch>
+        </p:blipFill>
+        <p:spPr>
+          <a:xfrm>
+            <a:off x="7902747" y="1132114"/>
+            <a:ext cx="3451053" cy="5100054"/>
+          </a:xfrm>
+          <a:prstGeom prst="rect">
+            <a:avLst/>
+          </a:prstGeom>
+        </p:spPr>
+      </p:pic>
     </p:spTree>
     <p:extLst>
       <p:ext uri="{BB962C8B-B14F-4D97-AF65-F5344CB8AC3E}">
-        <p14:creationId xmlns:p14="http://schemas.microsoft.com/office/powerpoint/2010/main" val="217578578"/>
+        <p14:creationId xmlns:p14="http://schemas.microsoft.com/office/powerpoint/2010/main" val="3806400426"/>
       </p:ext>
     </p:extLst>
   </p:cSld>

--- a/LOCOMOTION.pptx
+++ b/LOCOMOTION.pptx
@@ -5,33 +5,35 @@
     <p:sldMasterId id="2147483713" r:id="rId1"/>
     <p:sldMasterId id="2147483714" r:id="rId2"/>
   </p:sldMasterIdLst>
+  <p:notesMasterIdLst>
+    <p:notesMasterId r:id="rId28"/>
+  </p:notesMasterIdLst>
   <p:sldIdLst>
     <p:sldId id="256" r:id="rId3"/>
     <p:sldId id="257" r:id="rId4"/>
     <p:sldId id="258" r:id="rId5"/>
-    <p:sldId id="259" r:id="rId6"/>
-    <p:sldId id="272" r:id="rId7"/>
-    <p:sldId id="261" r:id="rId8"/>
-    <p:sldId id="260" r:id="rId9"/>
-    <p:sldId id="262" r:id="rId10"/>
-    <p:sldId id="274" r:id="rId11"/>
-    <p:sldId id="275" r:id="rId12"/>
-    <p:sldId id="276" r:id="rId13"/>
-    <p:sldId id="277" r:id="rId14"/>
-    <p:sldId id="278" r:id="rId15"/>
-    <p:sldId id="267" r:id="rId16"/>
-    <p:sldId id="284" r:id="rId17"/>
-    <p:sldId id="281" r:id="rId18"/>
-    <p:sldId id="279" r:id="rId19"/>
-    <p:sldId id="282" r:id="rId20"/>
-    <p:sldId id="283" r:id="rId21"/>
-    <p:sldId id="266" r:id="rId22"/>
-    <p:sldId id="265" r:id="rId23"/>
-    <p:sldId id="271" r:id="rId24"/>
-    <p:sldId id="270" r:id="rId25"/>
-    <p:sldId id="263" r:id="rId26"/>
-    <p:sldId id="285" r:id="rId27"/>
-    <p:sldId id="287" r:id="rId28"/>
+    <p:sldId id="272" r:id="rId6"/>
+    <p:sldId id="261" r:id="rId7"/>
+    <p:sldId id="260" r:id="rId8"/>
+    <p:sldId id="262" r:id="rId9"/>
+    <p:sldId id="274" r:id="rId10"/>
+    <p:sldId id="275" r:id="rId11"/>
+    <p:sldId id="276" r:id="rId12"/>
+    <p:sldId id="277" r:id="rId13"/>
+    <p:sldId id="278" r:id="rId14"/>
+    <p:sldId id="267" r:id="rId15"/>
+    <p:sldId id="284" r:id="rId16"/>
+    <p:sldId id="281" r:id="rId17"/>
+    <p:sldId id="279" r:id="rId18"/>
+    <p:sldId id="282" r:id="rId19"/>
+    <p:sldId id="283" r:id="rId20"/>
+    <p:sldId id="266" r:id="rId21"/>
+    <p:sldId id="265" r:id="rId22"/>
+    <p:sldId id="271" r:id="rId23"/>
+    <p:sldId id="270" r:id="rId24"/>
+    <p:sldId id="263" r:id="rId25"/>
+    <p:sldId id="285" r:id="rId26"/>
+    <p:sldId id="287" r:id="rId27"/>
   </p:sldIdLst>
   <p:sldSz cx="12192000" cy="6858000"/>
   <p:notesSz cx="9939338" cy="6807200"/>
@@ -2396,7 +2398,7 @@
         <a:p>
           <a:r>
             <a:rPr kumimoji="1" lang="ja-JP" altLang="en-US" sz="2000" dirty="0"/>
-            <a:t>対応できる言語</a:t>
+            <a:t>対応できるフレームワーク</a:t>
           </a:r>
           <a:endParaRPr lang="en-US" sz="2000" dirty="0"/>
         </a:p>
@@ -3225,7 +3227,7 @@
           </a:pPr>
           <a:r>
             <a:rPr kumimoji="1" lang="ja-JP" altLang="en-US" sz="2000" kern="1200" dirty="0"/>
-            <a:t>対応できる言語</a:t>
+            <a:t>対応できるフレームワーク</a:t>
           </a:r>
           <a:endParaRPr lang="en-US" sz="2000" kern="1200" dirty="0"/>
         </a:p>
@@ -4816,6 +4818,458 @@
 </dgm:styleDef>
 </file>
 
+<file path=ppt/notesMasters/notesMaster1.xml><?xml version="1.0" encoding="utf-8"?>
+<p:notesMaster xmlns:a="http://schemas.openxmlformats.org/drawingml/2006/main" xmlns:r="http://schemas.openxmlformats.org/officeDocument/2006/relationships" xmlns:p="http://schemas.openxmlformats.org/presentationml/2006/main">
+  <p:cSld>
+    <p:bg>
+      <p:bgRef idx="1001">
+        <a:schemeClr val="bg1"/>
+      </p:bgRef>
+    </p:bg>
+    <p:spTree>
+      <p:nvGrpSpPr>
+        <p:cNvPr id="1" name=""/>
+        <p:cNvGrpSpPr/>
+        <p:nvPr/>
+      </p:nvGrpSpPr>
+      <p:grpSpPr>
+        <a:xfrm>
+          <a:off x="0" y="0"/>
+          <a:ext cx="0" cy="0"/>
+          <a:chOff x="0" y="0"/>
+          <a:chExt cx="0" cy="0"/>
+        </a:xfrm>
+      </p:grpSpPr>
+      <p:sp>
+        <p:nvSpPr>
+          <p:cNvPr id="2" name="Header Placeholder 1"/>
+          <p:cNvSpPr>
+            <a:spLocks noGrp="1"/>
+          </p:cNvSpPr>
+          <p:nvPr>
+            <p:ph type="hdr" sz="quarter"/>
+          </p:nvPr>
+        </p:nvSpPr>
+        <p:spPr>
+          <a:xfrm>
+            <a:off x="0" y="0"/>
+            <a:ext cx="4306888" cy="341313"/>
+          </a:xfrm>
+          <a:prstGeom prst="rect">
+            <a:avLst/>
+          </a:prstGeom>
+        </p:spPr>
+        <p:txBody>
+          <a:bodyPr vert="horz" lIns="91440" tIns="45720" rIns="91440" bIns="45720" rtlCol="0"/>
+          <a:lstStyle>
+            <a:lvl1pPr algn="l">
+              <a:defRPr sz="1200"/>
+            </a:lvl1pPr>
+          </a:lstStyle>
+          <a:p>
+            <a:endParaRPr lang="en-US"/>
+          </a:p>
+        </p:txBody>
+      </p:sp>
+      <p:sp>
+        <p:nvSpPr>
+          <p:cNvPr id="3" name="Date Placeholder 2"/>
+          <p:cNvSpPr>
+            <a:spLocks noGrp="1"/>
+          </p:cNvSpPr>
+          <p:nvPr>
+            <p:ph type="dt" idx="1"/>
+          </p:nvPr>
+        </p:nvSpPr>
+        <p:spPr>
+          <a:xfrm>
+            <a:off x="5629275" y="0"/>
+            <a:ext cx="4308475" cy="341313"/>
+          </a:xfrm>
+          <a:prstGeom prst="rect">
+            <a:avLst/>
+          </a:prstGeom>
+        </p:spPr>
+        <p:txBody>
+          <a:bodyPr vert="horz" lIns="91440" tIns="45720" rIns="91440" bIns="45720" rtlCol="0"/>
+          <a:lstStyle>
+            <a:lvl1pPr algn="r">
+              <a:defRPr sz="1200"/>
+            </a:lvl1pPr>
+          </a:lstStyle>
+          <a:p>
+            <a:fld id="{40394EA3-A8D3-42DC-A7DD-8A5F263E5D3E}" type="datetimeFigureOut">
+              <a:rPr lang="en-US" smtClean="0"/>
+              <a:t>12/4/2023</a:t>
+            </a:fld>
+            <a:endParaRPr lang="en-US"/>
+          </a:p>
+        </p:txBody>
+      </p:sp>
+      <p:sp>
+        <p:nvSpPr>
+          <p:cNvPr id="4" name="Slide Image Placeholder 3"/>
+          <p:cNvSpPr>
+            <a:spLocks noGrp="1" noRot="1" noChangeAspect="1"/>
+          </p:cNvSpPr>
+          <p:nvPr>
+            <p:ph type="sldImg" idx="2"/>
+          </p:nvPr>
+        </p:nvSpPr>
+        <p:spPr>
+          <a:xfrm>
+            <a:off x="2927350" y="850900"/>
+            <a:ext cx="4084638" cy="2297113"/>
+          </a:xfrm>
+          <a:prstGeom prst="rect">
+            <a:avLst/>
+          </a:prstGeom>
+          <a:noFill/>
+          <a:ln w="12700">
+            <a:solidFill>
+              <a:prstClr val="black"/>
+            </a:solidFill>
+          </a:ln>
+        </p:spPr>
+        <p:txBody>
+          <a:bodyPr vert="horz" lIns="91440" tIns="45720" rIns="91440" bIns="45720" rtlCol="0" anchor="ctr"/>
+          <a:lstStyle/>
+          <a:p>
+            <a:endParaRPr lang="en-US"/>
+          </a:p>
+        </p:txBody>
+      </p:sp>
+      <p:sp>
+        <p:nvSpPr>
+          <p:cNvPr id="5" name="Notes Placeholder 4"/>
+          <p:cNvSpPr>
+            <a:spLocks noGrp="1"/>
+          </p:cNvSpPr>
+          <p:nvPr>
+            <p:ph type="body" sz="quarter" idx="3"/>
+          </p:nvPr>
+        </p:nvSpPr>
+        <p:spPr>
+          <a:xfrm>
+            <a:off x="993775" y="3276600"/>
+            <a:ext cx="7951788" cy="2679700"/>
+          </a:xfrm>
+          <a:prstGeom prst="rect">
+            <a:avLst/>
+          </a:prstGeom>
+        </p:spPr>
+        <p:txBody>
+          <a:bodyPr vert="horz" lIns="91440" tIns="45720" rIns="91440" bIns="45720" rtlCol="0"/>
+          <a:lstStyle/>
+          <a:p>
+            <a:pPr lvl="0"/>
+            <a:r>
+              <a:rPr lang="en-US"/>
+              <a:t>Click to edit Master text styles</a:t>
+            </a:r>
+          </a:p>
+          <a:p>
+            <a:pPr lvl="1"/>
+            <a:r>
+              <a:rPr lang="en-US"/>
+              <a:t>Second level</a:t>
+            </a:r>
+          </a:p>
+          <a:p>
+            <a:pPr lvl="2"/>
+            <a:r>
+              <a:rPr lang="en-US"/>
+              <a:t>Third level</a:t>
+            </a:r>
+          </a:p>
+          <a:p>
+            <a:pPr lvl="3"/>
+            <a:r>
+              <a:rPr lang="en-US"/>
+              <a:t>Fourth level</a:t>
+            </a:r>
+          </a:p>
+          <a:p>
+            <a:pPr lvl="4"/>
+            <a:r>
+              <a:rPr lang="en-US"/>
+              <a:t>Fifth level</a:t>
+            </a:r>
+          </a:p>
+        </p:txBody>
+      </p:sp>
+      <p:sp>
+        <p:nvSpPr>
+          <p:cNvPr id="6" name="Footer Placeholder 5"/>
+          <p:cNvSpPr>
+            <a:spLocks noGrp="1"/>
+          </p:cNvSpPr>
+          <p:nvPr>
+            <p:ph type="ftr" sz="quarter" idx="4"/>
+          </p:nvPr>
+        </p:nvSpPr>
+        <p:spPr>
+          <a:xfrm>
+            <a:off x="0" y="6465888"/>
+            <a:ext cx="4306888" cy="341312"/>
+          </a:xfrm>
+          <a:prstGeom prst="rect">
+            <a:avLst/>
+          </a:prstGeom>
+        </p:spPr>
+        <p:txBody>
+          <a:bodyPr vert="horz" lIns="91440" tIns="45720" rIns="91440" bIns="45720" rtlCol="0" anchor="b"/>
+          <a:lstStyle>
+            <a:lvl1pPr algn="l">
+              <a:defRPr sz="1200"/>
+            </a:lvl1pPr>
+          </a:lstStyle>
+          <a:p>
+            <a:endParaRPr lang="en-US"/>
+          </a:p>
+        </p:txBody>
+      </p:sp>
+      <p:sp>
+        <p:nvSpPr>
+          <p:cNvPr id="7" name="Slide Number Placeholder 6"/>
+          <p:cNvSpPr>
+            <a:spLocks noGrp="1"/>
+          </p:cNvSpPr>
+          <p:nvPr>
+            <p:ph type="sldNum" sz="quarter" idx="5"/>
+          </p:nvPr>
+        </p:nvSpPr>
+        <p:spPr>
+          <a:xfrm>
+            <a:off x="5629275" y="6465888"/>
+            <a:ext cx="4308475" cy="341312"/>
+          </a:xfrm>
+          <a:prstGeom prst="rect">
+            <a:avLst/>
+          </a:prstGeom>
+        </p:spPr>
+        <p:txBody>
+          <a:bodyPr vert="horz" lIns="91440" tIns="45720" rIns="91440" bIns="45720" rtlCol="0" anchor="b"/>
+          <a:lstStyle>
+            <a:lvl1pPr algn="r">
+              <a:defRPr sz="1200"/>
+            </a:lvl1pPr>
+          </a:lstStyle>
+          <a:p>
+            <a:fld id="{E514846E-43DE-4673-B789-A08E43E45A17}" type="slidenum">
+              <a:rPr lang="en-US" smtClean="0"/>
+              <a:t>‹#›</a:t>
+            </a:fld>
+            <a:endParaRPr lang="en-US"/>
+          </a:p>
+        </p:txBody>
+      </p:sp>
+    </p:spTree>
+    <p:extLst>
+      <p:ext uri="{BB962C8B-B14F-4D97-AF65-F5344CB8AC3E}">
+        <p14:creationId xmlns:p14="http://schemas.microsoft.com/office/powerpoint/2010/main" val="2958586393"/>
+      </p:ext>
+    </p:extLst>
+  </p:cSld>
+  <p:clrMap bg1="lt1" tx1="dk1" bg2="lt2" tx2="dk2" accent1="accent1" accent2="accent2" accent3="accent3" accent4="accent4" accent5="accent5" accent6="accent6" hlink="hlink" folHlink="folHlink"/>
+  <p:notesStyle>
+    <a:lvl1pPr marL="0" algn="l" defTabSz="914400" rtl="0" eaLnBrk="1" latinLnBrk="0" hangingPunct="1">
+      <a:defRPr sz="1200" kern="1200">
+        <a:solidFill>
+          <a:schemeClr val="tx1"/>
+        </a:solidFill>
+        <a:latin typeface="+mn-lt"/>
+        <a:ea typeface="+mn-ea"/>
+        <a:cs typeface="+mn-cs"/>
+      </a:defRPr>
+    </a:lvl1pPr>
+    <a:lvl2pPr marL="457200" algn="l" defTabSz="914400" rtl="0" eaLnBrk="1" latinLnBrk="0" hangingPunct="1">
+      <a:defRPr sz="1200" kern="1200">
+        <a:solidFill>
+          <a:schemeClr val="tx1"/>
+        </a:solidFill>
+        <a:latin typeface="+mn-lt"/>
+        <a:ea typeface="+mn-ea"/>
+        <a:cs typeface="+mn-cs"/>
+      </a:defRPr>
+    </a:lvl2pPr>
+    <a:lvl3pPr marL="914400" algn="l" defTabSz="914400" rtl="0" eaLnBrk="1" latinLnBrk="0" hangingPunct="1">
+      <a:defRPr sz="1200" kern="1200">
+        <a:solidFill>
+          <a:schemeClr val="tx1"/>
+        </a:solidFill>
+        <a:latin typeface="+mn-lt"/>
+        <a:ea typeface="+mn-ea"/>
+        <a:cs typeface="+mn-cs"/>
+      </a:defRPr>
+    </a:lvl3pPr>
+    <a:lvl4pPr marL="1371600" algn="l" defTabSz="914400" rtl="0" eaLnBrk="1" latinLnBrk="0" hangingPunct="1">
+      <a:defRPr sz="1200" kern="1200">
+        <a:solidFill>
+          <a:schemeClr val="tx1"/>
+        </a:solidFill>
+        <a:latin typeface="+mn-lt"/>
+        <a:ea typeface="+mn-ea"/>
+        <a:cs typeface="+mn-cs"/>
+      </a:defRPr>
+    </a:lvl4pPr>
+    <a:lvl5pPr marL="1828800" algn="l" defTabSz="914400" rtl="0" eaLnBrk="1" latinLnBrk="0" hangingPunct="1">
+      <a:defRPr sz="1200" kern="1200">
+        <a:solidFill>
+          <a:schemeClr val="tx1"/>
+        </a:solidFill>
+        <a:latin typeface="+mn-lt"/>
+        <a:ea typeface="+mn-ea"/>
+        <a:cs typeface="+mn-cs"/>
+      </a:defRPr>
+    </a:lvl5pPr>
+    <a:lvl6pPr marL="2286000" algn="l" defTabSz="914400" rtl="0" eaLnBrk="1" latinLnBrk="0" hangingPunct="1">
+      <a:defRPr sz="1200" kern="1200">
+        <a:solidFill>
+          <a:schemeClr val="tx1"/>
+        </a:solidFill>
+        <a:latin typeface="+mn-lt"/>
+        <a:ea typeface="+mn-ea"/>
+        <a:cs typeface="+mn-cs"/>
+      </a:defRPr>
+    </a:lvl6pPr>
+    <a:lvl7pPr marL="2743200" algn="l" defTabSz="914400" rtl="0" eaLnBrk="1" latinLnBrk="0" hangingPunct="1">
+      <a:defRPr sz="1200" kern="1200">
+        <a:solidFill>
+          <a:schemeClr val="tx1"/>
+        </a:solidFill>
+        <a:latin typeface="+mn-lt"/>
+        <a:ea typeface="+mn-ea"/>
+        <a:cs typeface="+mn-cs"/>
+      </a:defRPr>
+    </a:lvl7pPr>
+    <a:lvl8pPr marL="3200400" algn="l" defTabSz="914400" rtl="0" eaLnBrk="1" latinLnBrk="0" hangingPunct="1">
+      <a:defRPr sz="1200" kern="1200">
+        <a:solidFill>
+          <a:schemeClr val="tx1"/>
+        </a:solidFill>
+        <a:latin typeface="+mn-lt"/>
+        <a:ea typeface="+mn-ea"/>
+        <a:cs typeface="+mn-cs"/>
+      </a:defRPr>
+    </a:lvl8pPr>
+    <a:lvl9pPr marL="3657600" algn="l" defTabSz="914400" rtl="0" eaLnBrk="1" latinLnBrk="0" hangingPunct="1">
+      <a:defRPr sz="1200" kern="1200">
+        <a:solidFill>
+          <a:schemeClr val="tx1"/>
+        </a:solidFill>
+        <a:latin typeface="+mn-lt"/>
+        <a:ea typeface="+mn-ea"/>
+        <a:cs typeface="+mn-cs"/>
+      </a:defRPr>
+    </a:lvl9pPr>
+  </p:notesStyle>
+</p:notesMaster>
+</file>
+
+<file path=ppt/notesSlides/notesSlide1.xml><?xml version="1.0" encoding="utf-8"?>
+<p:notes xmlns:a="http://schemas.openxmlformats.org/drawingml/2006/main" xmlns:r="http://schemas.openxmlformats.org/officeDocument/2006/relationships" xmlns:p="http://schemas.openxmlformats.org/presentationml/2006/main">
+  <p:cSld>
+    <p:spTree>
+      <p:nvGrpSpPr>
+        <p:cNvPr id="1" name=""/>
+        <p:cNvGrpSpPr/>
+        <p:nvPr/>
+      </p:nvGrpSpPr>
+      <p:grpSpPr>
+        <a:xfrm>
+          <a:off x="0" y="0"/>
+          <a:ext cx="0" cy="0"/>
+          <a:chOff x="0" y="0"/>
+          <a:chExt cx="0" cy="0"/>
+        </a:xfrm>
+      </p:grpSpPr>
+      <p:sp>
+        <p:nvSpPr>
+          <p:cNvPr id="2" name="Slide Image Placeholder 1"/>
+          <p:cNvSpPr>
+            <a:spLocks noGrp="1" noRot="1" noChangeAspect="1"/>
+          </p:cNvSpPr>
+          <p:nvPr>
+            <p:ph type="sldImg"/>
+          </p:nvPr>
+        </p:nvSpPr>
+        <p:spPr/>
+      </p:sp>
+      <p:sp>
+        <p:nvSpPr>
+          <p:cNvPr id="3" name="Notes Placeholder 2"/>
+          <p:cNvSpPr>
+            <a:spLocks noGrp="1"/>
+          </p:cNvSpPr>
+          <p:nvPr>
+            <p:ph type="body" idx="1"/>
+          </p:nvPr>
+        </p:nvSpPr>
+        <p:spPr/>
+        <p:txBody>
+          <a:bodyPr/>
+          <a:lstStyle/>
+          <a:p>
+            <a:r>
+              <a:rPr lang="ja-JP" altLang="en-US" dirty="0"/>
+              <a:t>この実験では早期予防方法の一つは立ち上がりテストです。</a:t>
+            </a:r>
+            <a:br>
+              <a:rPr lang="en-US" altLang="ja-JP" dirty="0"/>
+            </a:br>
+            <a:r>
+              <a:rPr lang="ja-JP" altLang="en-US" dirty="0"/>
+              <a:t>患者が</a:t>
+            </a:r>
+            <a:r>
+              <a:rPr lang="en-US" altLang="ja-JP" dirty="0"/>
+              <a:t>3</a:t>
+            </a:r>
+            <a:r>
+              <a:rPr lang="ja-JP" altLang="en-US" dirty="0"/>
+              <a:t>回座って立ち上がりテストです患者の年齢や身長によって椅子の高さや立ち上がり方が変わります。</a:t>
+            </a:r>
+            <a:endParaRPr lang="en-US" dirty="0"/>
+          </a:p>
+        </p:txBody>
+      </p:sp>
+      <p:sp>
+        <p:nvSpPr>
+          <p:cNvPr id="4" name="Slide Number Placeholder 3"/>
+          <p:cNvSpPr>
+            <a:spLocks noGrp="1"/>
+          </p:cNvSpPr>
+          <p:nvPr>
+            <p:ph type="sldNum" sz="quarter" idx="5"/>
+          </p:nvPr>
+        </p:nvSpPr>
+        <p:spPr/>
+        <p:txBody>
+          <a:bodyPr/>
+          <a:lstStyle/>
+          <a:p>
+            <a:fld id="{E514846E-43DE-4673-B789-A08E43E45A17}" type="slidenum">
+              <a:rPr lang="en-US" smtClean="0"/>
+              <a:t>4</a:t>
+            </a:fld>
+            <a:endParaRPr lang="en-US"/>
+          </a:p>
+        </p:txBody>
+      </p:sp>
+    </p:spTree>
+    <p:extLst>
+      <p:ext uri="{BB962C8B-B14F-4D97-AF65-F5344CB8AC3E}">
+        <p14:creationId xmlns:p14="http://schemas.microsoft.com/office/powerpoint/2010/main" val="3890642740"/>
+      </p:ext>
+    </p:extLst>
+  </p:cSld>
+  <p:clrMapOvr>
+    <a:masterClrMapping/>
+  </p:clrMapOvr>
+</p:notes>
+</file>
+
 <file path=ppt/slideLayouts/slideLayout1.xml><?xml version="1.0" encoding="utf-8"?>
 <p:sldLayout xmlns:a="http://schemas.openxmlformats.org/drawingml/2006/main" xmlns:r="http://schemas.openxmlformats.org/officeDocument/2006/relationships" xmlns:p="http://schemas.openxmlformats.org/presentationml/2006/main" type="title" preserve="1">
   <p:cSld name="Title Slide">
@@ -7161,7 +7615,7 @@
           <a:p>
             <a:fld id="{3C04E684-10F4-4CC3-A0B9-F03AA7BE37CF}" type="datetimeFigureOut">
               <a:rPr lang="en-US" smtClean="0"/>
-              <a:t>12/3/2023</a:t>
+              <a:t>12/4/2023</a:t>
             </a:fld>
             <a:endParaRPr lang="en-US"/>
           </a:p>
@@ -9651,7 +10105,7 @@
           <a:p>
             <a:fld id="{3C04E684-10F4-4CC3-A0B9-F03AA7BE37CF}" type="datetimeFigureOut">
               <a:rPr lang="en-US" smtClean="0"/>
-              <a:t>12/3/2023</a:t>
+              <a:t>12/4/2023</a:t>
             </a:fld>
             <a:endParaRPr lang="en-US"/>
           </a:p>
@@ -9849,7 +10303,7 @@
           <a:p>
             <a:fld id="{3C04E684-10F4-4CC3-A0B9-F03AA7BE37CF}" type="datetimeFigureOut">
               <a:rPr lang="en-US" smtClean="0"/>
-              <a:t>12/3/2023</a:t>
+              <a:t>12/4/2023</a:t>
             </a:fld>
             <a:endParaRPr lang="en-US"/>
           </a:p>
@@ -10057,7 +10511,7 @@
           <a:p>
             <a:fld id="{3C04E684-10F4-4CC3-A0B9-F03AA7BE37CF}" type="datetimeFigureOut">
               <a:rPr lang="en-US" smtClean="0"/>
-              <a:t>12/3/2023</a:t>
+              <a:t>12/4/2023</a:t>
             </a:fld>
             <a:endParaRPr lang="en-US"/>
           </a:p>
@@ -10277,7 +10731,7 @@
           <a:p>
             <a:fld id="{3C04E684-10F4-4CC3-A0B9-F03AA7BE37CF}" type="datetimeFigureOut">
               <a:rPr lang="en-US" smtClean="0"/>
-              <a:t>12/3/2023</a:t>
+              <a:t>12/4/2023</a:t>
             </a:fld>
             <a:endParaRPr lang="en-US"/>
           </a:p>
@@ -10507,7 +10961,7 @@
           <a:p>
             <a:fld id="{3C04E684-10F4-4CC3-A0B9-F03AA7BE37CF}" type="datetimeFigureOut">
               <a:rPr lang="en-US" smtClean="0"/>
-              <a:t>12/3/2023</a:t>
+              <a:t>12/4/2023</a:t>
             </a:fld>
             <a:endParaRPr lang="en-US"/>
           </a:p>
@@ -10782,7 +11236,7 @@
           <a:p>
             <a:fld id="{3C04E684-10F4-4CC3-A0B9-F03AA7BE37CF}" type="datetimeFigureOut">
               <a:rPr lang="en-US" smtClean="0"/>
-              <a:t>12/3/2023</a:t>
+              <a:t>12/4/2023</a:t>
             </a:fld>
             <a:endParaRPr lang="en-US"/>
           </a:p>
@@ -11111,7 +11565,7 @@
           <a:p>
             <a:fld id="{3C04E684-10F4-4CC3-A0B9-F03AA7BE37CF}" type="datetimeFigureOut">
               <a:rPr lang="en-US" smtClean="0"/>
-              <a:t>12/3/2023</a:t>
+              <a:t>12/4/2023</a:t>
             </a:fld>
             <a:endParaRPr lang="en-US"/>
           </a:p>
@@ -11587,7 +12041,7 @@
           <a:p>
             <a:fld id="{3C04E684-10F4-4CC3-A0B9-F03AA7BE37CF}" type="datetimeFigureOut">
               <a:rPr lang="en-US" smtClean="0"/>
-              <a:t>12/3/2023</a:t>
+              <a:t>12/4/2023</a:t>
             </a:fld>
             <a:endParaRPr lang="en-US"/>
           </a:p>
@@ -11728,7 +12182,7 @@
           <a:p>
             <a:fld id="{3C04E684-10F4-4CC3-A0B9-F03AA7BE37CF}" type="datetimeFigureOut">
               <a:rPr lang="en-US" smtClean="0"/>
-              <a:t>12/3/2023</a:t>
+              <a:t>12/4/2023</a:t>
             </a:fld>
             <a:endParaRPr lang="en-US"/>
           </a:p>
@@ -11841,7 +12295,7 @@
           <a:p>
             <a:fld id="{3C04E684-10F4-4CC3-A0B9-F03AA7BE37CF}" type="datetimeFigureOut">
               <a:rPr lang="en-US" smtClean="0"/>
-              <a:t>12/3/2023</a:t>
+              <a:t>12/4/2023</a:t>
             </a:fld>
             <a:endParaRPr lang="en-US"/>
           </a:p>
@@ -12578,7 +13032,7 @@
           <a:p>
             <a:fld id="{3C04E684-10F4-4CC3-A0B9-F03AA7BE37CF}" type="datetimeFigureOut">
               <a:rPr lang="en-US" smtClean="0"/>
-              <a:t>12/3/2023</a:t>
+              <a:t>12/4/2023</a:t>
             </a:fld>
             <a:endParaRPr lang="en-US"/>
           </a:p>
@@ -12921,7 +13375,7 @@
           <a:p>
             <a:fld id="{3C04E684-10F4-4CC3-A0B9-F03AA7BE37CF}" type="datetimeFigureOut">
               <a:rPr lang="en-US" smtClean="0"/>
-              <a:t>12/3/2023</a:t>
+              <a:t>12/4/2023</a:t>
             </a:fld>
             <a:endParaRPr lang="en-US"/>
           </a:p>
@@ -13209,7 +13663,7 @@
           <a:p>
             <a:fld id="{3C04E684-10F4-4CC3-A0B9-F03AA7BE37CF}" type="datetimeFigureOut">
               <a:rPr lang="en-US" smtClean="0"/>
-              <a:t>12/3/2023</a:t>
+              <a:t>12/4/2023</a:t>
             </a:fld>
             <a:endParaRPr lang="en-US"/>
           </a:p>
@@ -13439,7 +13893,7 @@
           <a:p>
             <a:fld id="{3C04E684-10F4-4CC3-A0B9-F03AA7BE37CF}" type="datetimeFigureOut">
               <a:rPr lang="en-US" smtClean="0"/>
-              <a:t>12/3/2023</a:t>
+              <a:t>12/4/2023</a:t>
             </a:fld>
             <a:endParaRPr lang="en-US"/>
           </a:p>
@@ -13679,7 +14133,7 @@
           <a:p>
             <a:fld id="{3C04E684-10F4-4CC3-A0B9-F03AA7BE37CF}" type="datetimeFigureOut">
               <a:rPr lang="en-US" smtClean="0"/>
-              <a:t>12/3/2023</a:t>
+              <a:t>12/4/2023</a:t>
             </a:fld>
             <a:endParaRPr lang="en-US"/>
           </a:p>
@@ -14321,7 +14775,7 @@
           <a:p>
             <a:fld id="{3C04E684-10F4-4CC3-A0B9-F03AA7BE37CF}" type="datetimeFigureOut">
               <a:rPr lang="en-US" smtClean="0"/>
-              <a:t>12/3/2023</a:t>
+              <a:t>12/4/2023</a:t>
             </a:fld>
             <a:endParaRPr lang="en-US"/>
           </a:p>
@@ -15121,7 +15575,7 @@
           <a:p>
             <a:fld id="{3C04E684-10F4-4CC3-A0B9-F03AA7BE37CF}" type="datetimeFigureOut">
               <a:rPr lang="en-US" smtClean="0"/>
-              <a:t>12/3/2023</a:t>
+              <a:t>12/4/2023</a:t>
             </a:fld>
             <a:endParaRPr lang="en-US"/>
           </a:p>
@@ -16072,7 +16526,7 @@
           <a:p>
             <a:fld id="{3C04E684-10F4-4CC3-A0B9-F03AA7BE37CF}" type="datetimeFigureOut">
               <a:rPr lang="en-US" smtClean="0"/>
-              <a:t>12/3/2023</a:t>
+              <a:t>12/4/2023</a:t>
             </a:fld>
             <a:endParaRPr lang="en-US"/>
           </a:p>
@@ -18421,7 +18875,7 @@
           <a:p>
             <a:fld id="{3C04E684-10F4-4CC3-A0B9-F03AA7BE37CF}" type="datetimeFigureOut">
               <a:rPr lang="en-US" smtClean="0"/>
-              <a:t>12/3/2023</a:t>
+              <a:t>12/4/2023</a:t>
             </a:fld>
             <a:endParaRPr lang="en-US"/>
           </a:p>
@@ -18534,7 +18988,7 @@
           <a:p>
             <a:fld id="{3C04E684-10F4-4CC3-A0B9-F03AA7BE37CF}" type="datetimeFigureOut">
               <a:rPr lang="en-US" smtClean="0"/>
-              <a:t>12/3/2023</a:t>
+              <a:t>12/4/2023</a:t>
             </a:fld>
             <a:endParaRPr lang="en-US"/>
           </a:p>
@@ -19041,7 +19495,7 @@
           <a:p>
             <a:fld id="{3C04E684-10F4-4CC3-A0B9-F03AA7BE37CF}" type="datetimeFigureOut">
               <a:rPr lang="en-US" smtClean="0"/>
-              <a:t>12/3/2023</a:t>
+              <a:t>12/4/2023</a:t>
             </a:fld>
             <a:endParaRPr lang="en-US"/>
           </a:p>
@@ -20344,7 +20798,7 @@
           <a:p>
             <a:fld id="{3C04E684-10F4-4CC3-A0B9-F03AA7BE37CF}" type="datetimeFigureOut">
               <a:rPr lang="en-US" smtClean="0"/>
-              <a:t>12/3/2023</a:t>
+              <a:t>12/4/2023</a:t>
             </a:fld>
             <a:endParaRPr lang="en-US"/>
           </a:p>
@@ -20587,7 +21041,7 @@
           <a:p>
             <a:fld id="{3C04E684-10F4-4CC3-A0B9-F03AA7BE37CF}" type="datetimeFigureOut">
               <a:rPr lang="en-US" smtClean="0"/>
-              <a:t>12/3/2023</a:t>
+              <a:t>12/4/2023</a:t>
             </a:fld>
             <a:endParaRPr lang="en-US"/>
           </a:p>
@@ -21188,7 +21642,7 @@
           <a:p>
             <a:fld id="{3C04E684-10F4-4CC3-A0B9-F03AA7BE37CF}" type="datetimeFigureOut">
               <a:rPr lang="en-US" smtClean="0"/>
-              <a:t>12/3/2023</a:t>
+              <a:t>12/4/2023</a:t>
             </a:fld>
             <a:endParaRPr lang="en-US"/>
           </a:p>
@@ -21789,451 +22243,6 @@
           <a:p>
             <a:r>
               <a:rPr kumimoji="1" lang="ja-JP" altLang="en-US" sz="2800" dirty="0"/>
-              <a:t>タイトル画面</a:t>
-            </a:r>
-            <a:r>
-              <a:rPr kumimoji="1" lang="en-US" altLang="ja-JP" sz="2800" dirty="0"/>
-              <a:t>(</a:t>
-            </a:r>
-            <a:r>
-              <a:rPr lang="en-US" altLang="ja-JP" sz="2800" dirty="0"/>
-              <a:t>Title</a:t>
-            </a:r>
-            <a:r>
-              <a:rPr kumimoji="1" lang="ja-JP" altLang="en-US" sz="2800" dirty="0"/>
-              <a:t> </a:t>
-            </a:r>
-            <a:r>
-              <a:rPr kumimoji="1" lang="en-US" altLang="ja-JP" sz="2800" dirty="0"/>
-              <a:t>Window</a:t>
-            </a:r>
-            <a:r>
-              <a:rPr lang="ja-JP" altLang="en-US" sz="2800" dirty="0"/>
-              <a:t>）</a:t>
-            </a:r>
-            <a:endParaRPr kumimoji="1" lang="ja-JP" altLang="en-US" dirty="0"/>
-          </a:p>
-        </p:txBody>
-      </p:sp>
-      <p:sp>
-        <p:nvSpPr>
-          <p:cNvPr id="3" name="コンテンツ プレースホルダー 2">
-            <a:extLst>
-              <a:ext uri="{FF2B5EF4-FFF2-40B4-BE49-F238E27FC236}">
-                <a16:creationId xmlns:a16="http://schemas.microsoft.com/office/drawing/2014/main" id="{FBEFD887-8E4D-0747-2470-BA7EA0F692F7}"/>
-              </a:ext>
-            </a:extLst>
-          </p:cNvPr>
-          <p:cNvSpPr>
-            <a:spLocks noGrp="1"/>
-          </p:cNvSpPr>
-          <p:nvPr>
-            <p:ph idx="1"/>
-          </p:nvPr>
-        </p:nvSpPr>
-        <p:spPr>
-          <a:xfrm>
-            <a:off x="627529" y="1332469"/>
-            <a:ext cx="5797731" cy="4160520"/>
-          </a:xfrm>
-        </p:spPr>
-        <p:txBody>
-          <a:bodyPr>
-            <a:normAutofit/>
-          </a:bodyPr>
-          <a:lstStyle/>
-          <a:p>
-            <a:r>
-              <a:rPr lang="ja-JP" altLang="en-US" sz="2000" dirty="0"/>
-              <a:t>アプリの全体とシステム全体の説明画面。</a:t>
-            </a:r>
-            <a:endParaRPr lang="en-US" altLang="ja-JP" sz="2000" dirty="0"/>
-          </a:p>
-          <a:p>
-            <a:r>
-              <a:rPr lang="ja-JP" altLang="en-US" sz="2000" dirty="0"/>
-              <a:t>以下の画面と機能をここからアクセス可能：</a:t>
-            </a:r>
-            <a:endParaRPr lang="en-US" altLang="ja-JP" sz="2000" dirty="0"/>
-          </a:p>
-          <a:p>
-            <a:pPr marL="800100" lvl="1" indent="-342900">
-              <a:buFont typeface="+mj-lt"/>
-              <a:buAutoNum type="arabicPeriod"/>
-            </a:pPr>
-            <a:r>
-              <a:rPr lang="ja-JP" altLang="en-US" sz="2000" dirty="0"/>
-              <a:t>説明画面</a:t>
-            </a:r>
-            <a:endParaRPr lang="en-US" altLang="ja-JP" sz="2000" dirty="0"/>
-          </a:p>
-          <a:p>
-            <a:pPr marL="800100" lvl="1" indent="-342900">
-              <a:buFont typeface="+mj-lt"/>
-              <a:buAutoNum type="arabicPeriod"/>
-            </a:pPr>
-            <a:r>
-              <a:rPr lang="ja-JP" altLang="en-US" sz="2000" dirty="0"/>
-              <a:t>メンテナンス画面</a:t>
-            </a:r>
-            <a:r>
-              <a:rPr lang="en-US" altLang="ja-JP" sz="2000" dirty="0"/>
-              <a:t> </a:t>
-            </a:r>
-          </a:p>
-          <a:p>
-            <a:pPr marL="800100" lvl="1" indent="-342900">
-              <a:buFont typeface="+mj-lt"/>
-              <a:buAutoNum type="arabicPeriod"/>
-            </a:pPr>
-            <a:r>
-              <a:rPr lang="ja-JP" altLang="en-US" sz="2000" dirty="0"/>
-              <a:t>シャットダウンと再起動機能</a:t>
-            </a:r>
-            <a:r>
-              <a:rPr lang="en-US" altLang="ja-JP" sz="2000" dirty="0"/>
-              <a:t>(</a:t>
-            </a:r>
-            <a:r>
-              <a:rPr lang="ja-JP" altLang="en-US" sz="2000" dirty="0"/>
-              <a:t>センサー異常が発生するたび再起動操作を提案する</a:t>
-            </a:r>
-            <a:r>
-              <a:rPr lang="en-US" altLang="ja-JP" sz="2000" dirty="0"/>
-              <a:t>)</a:t>
-            </a:r>
-          </a:p>
-          <a:p>
-            <a:r>
-              <a:rPr lang="ja-JP" altLang="en-US" sz="2000" dirty="0"/>
-              <a:t>誤操作を避けるためにシャットダウンボタンを押す度確認ポップアップを表示する。</a:t>
-            </a:r>
-            <a:endParaRPr kumimoji="1" lang="ja-JP" altLang="en-US" sz="2000" dirty="0"/>
-          </a:p>
-        </p:txBody>
-      </p:sp>
-      <p:cxnSp>
-        <p:nvCxnSpPr>
-          <p:cNvPr id="4" name="直線コネクタ 3">
-            <a:extLst>
-              <a:ext uri="{FF2B5EF4-FFF2-40B4-BE49-F238E27FC236}">
-                <a16:creationId xmlns:a16="http://schemas.microsoft.com/office/drawing/2014/main" id="{77FD0231-A0D6-70F0-63A7-A1184127BCDF}"/>
-              </a:ext>
-            </a:extLst>
-          </p:cNvPr>
-          <p:cNvCxnSpPr>
-            <a:cxnSpLocks/>
-          </p:cNvCxnSpPr>
-          <p:nvPr/>
-        </p:nvCxnSpPr>
-        <p:spPr>
-          <a:xfrm>
-            <a:off x="627529" y="1001486"/>
-            <a:ext cx="10726271" cy="0"/>
-          </a:xfrm>
-          <a:prstGeom prst="line">
-            <a:avLst/>
-          </a:prstGeom>
-          <a:ln w="38100" cmpd="dbl">
-            <a:solidFill>
-              <a:schemeClr val="tx1"/>
-            </a:solidFill>
-          </a:ln>
-        </p:spPr>
-        <p:style>
-          <a:lnRef idx="1">
-            <a:schemeClr val="accent1"/>
-          </a:lnRef>
-          <a:fillRef idx="0">
-            <a:schemeClr val="accent1"/>
-          </a:fillRef>
-          <a:effectRef idx="0">
-            <a:schemeClr val="accent1"/>
-          </a:effectRef>
-          <a:fontRef idx="minor">
-            <a:schemeClr val="tx1"/>
-          </a:fontRef>
-        </p:style>
-      </p:cxnSp>
-      <p:pic>
-        <p:nvPicPr>
-          <p:cNvPr id="7" name="図 6" descr="グラフィカル ユーザー インターフェイス, テキスト, アプリケーション, Teams&#10;&#10;自動的に生成された説明">
-            <a:extLst>
-              <a:ext uri="{FF2B5EF4-FFF2-40B4-BE49-F238E27FC236}">
-                <a16:creationId xmlns:a16="http://schemas.microsoft.com/office/drawing/2014/main" id="{CC359BE9-7355-DA1D-035B-574D2994FE18}"/>
-              </a:ext>
-            </a:extLst>
-          </p:cNvPr>
-          <p:cNvPicPr>
-            <a:picLocks noChangeAspect="1"/>
-          </p:cNvPicPr>
-          <p:nvPr/>
-        </p:nvPicPr>
-        <p:blipFill>
-          <a:blip r:embed="rId2">
-            <a:extLst>
-              <a:ext uri="{28A0092B-C50C-407E-A947-70E740481C1C}">
-                <a14:useLocalDpi xmlns:a14="http://schemas.microsoft.com/office/drawing/2010/main" val="0"/>
-              </a:ext>
-            </a:extLst>
-          </a:blip>
-          <a:stretch>
-            <a:fillRect/>
-          </a:stretch>
-        </p:blipFill>
-        <p:spPr>
-          <a:xfrm>
-            <a:off x="7516015" y="1071154"/>
-            <a:ext cx="3507847" cy="5166558"/>
-          </a:xfrm>
-          <a:prstGeom prst="rect">
-            <a:avLst/>
-          </a:prstGeom>
-        </p:spPr>
-      </p:pic>
-      <p:sp>
-        <p:nvSpPr>
-          <p:cNvPr id="5" name="Oval 4">
-            <a:extLst>
-              <a:ext uri="{FF2B5EF4-FFF2-40B4-BE49-F238E27FC236}">
-                <a16:creationId xmlns:a16="http://schemas.microsoft.com/office/drawing/2014/main" id="{56D9A530-789C-BABD-3F4C-B9AC537BF942}"/>
-              </a:ext>
-            </a:extLst>
-          </p:cNvPr>
-          <p:cNvSpPr/>
-          <p:nvPr/>
-        </p:nvSpPr>
-        <p:spPr>
-          <a:xfrm>
-            <a:off x="10955894" y="1314602"/>
-            <a:ext cx="374469" cy="366716"/>
-          </a:xfrm>
-          <a:prstGeom prst="ellipse">
-            <a:avLst/>
-          </a:prstGeom>
-          <a:solidFill>
-            <a:srgbClr val="FFFF00"/>
-          </a:solidFill>
-        </p:spPr>
-        <p:style>
-          <a:lnRef idx="2">
-            <a:schemeClr val="accent1">
-              <a:shade val="15000"/>
-            </a:schemeClr>
-          </a:lnRef>
-          <a:fillRef idx="1">
-            <a:schemeClr val="accent1"/>
-          </a:fillRef>
-          <a:effectRef idx="0">
-            <a:schemeClr val="accent1"/>
-          </a:effectRef>
-          <a:fontRef idx="minor">
-            <a:schemeClr val="lt1"/>
-          </a:fontRef>
-        </p:style>
-        <p:txBody>
-          <a:bodyPr rtlCol="0" anchor="ctr"/>
-          <a:lstStyle/>
-          <a:p>
-            <a:pPr algn="ctr"/>
-            <a:r>
-              <a:rPr lang="en-US" altLang="ja-JP" dirty="0">
-                <a:solidFill>
-                  <a:schemeClr val="tx1"/>
-                </a:solidFill>
-              </a:rPr>
-              <a:t>1</a:t>
-            </a:r>
-            <a:endParaRPr lang="en-US" dirty="0">
-              <a:solidFill>
-                <a:schemeClr val="tx1"/>
-              </a:solidFill>
-            </a:endParaRPr>
-          </a:p>
-        </p:txBody>
-      </p:sp>
-      <p:sp>
-        <p:nvSpPr>
-          <p:cNvPr id="6" name="Oval 5">
-            <a:extLst>
-              <a:ext uri="{FF2B5EF4-FFF2-40B4-BE49-F238E27FC236}">
-                <a16:creationId xmlns:a16="http://schemas.microsoft.com/office/drawing/2014/main" id="{EAB87F69-3E38-144C-5A4F-86A2D81A05CF}"/>
-              </a:ext>
-            </a:extLst>
-          </p:cNvPr>
-          <p:cNvSpPr/>
-          <p:nvPr/>
-        </p:nvSpPr>
-        <p:spPr>
-          <a:xfrm>
-            <a:off x="10223282" y="1000587"/>
-            <a:ext cx="374469" cy="366716"/>
-          </a:xfrm>
-          <a:prstGeom prst="ellipse">
-            <a:avLst/>
-          </a:prstGeom>
-          <a:solidFill>
-            <a:srgbClr val="FFFF00"/>
-          </a:solidFill>
-        </p:spPr>
-        <p:style>
-          <a:lnRef idx="2">
-            <a:schemeClr val="accent1">
-              <a:shade val="15000"/>
-            </a:schemeClr>
-          </a:lnRef>
-          <a:fillRef idx="1">
-            <a:schemeClr val="accent1"/>
-          </a:fillRef>
-          <a:effectRef idx="0">
-            <a:schemeClr val="accent1"/>
-          </a:effectRef>
-          <a:fontRef idx="minor">
-            <a:schemeClr val="lt1"/>
-          </a:fontRef>
-        </p:style>
-        <p:txBody>
-          <a:bodyPr rtlCol="0" anchor="ctr"/>
-          <a:lstStyle/>
-          <a:p>
-            <a:pPr algn="ctr"/>
-            <a:r>
-              <a:rPr lang="en-US" altLang="ja-JP" dirty="0">
-                <a:solidFill>
-                  <a:schemeClr val="tx1"/>
-                </a:solidFill>
-              </a:rPr>
-              <a:t>3</a:t>
-            </a:r>
-            <a:endParaRPr lang="en-US" dirty="0">
-              <a:solidFill>
-                <a:schemeClr val="tx1"/>
-              </a:solidFill>
-            </a:endParaRPr>
-          </a:p>
-        </p:txBody>
-      </p:sp>
-      <p:sp>
-        <p:nvSpPr>
-          <p:cNvPr id="8" name="Oval 7">
-            <a:extLst>
-              <a:ext uri="{FF2B5EF4-FFF2-40B4-BE49-F238E27FC236}">
-                <a16:creationId xmlns:a16="http://schemas.microsoft.com/office/drawing/2014/main" id="{B7CDE190-6DBE-7694-14F1-D534DDE71DEA}"/>
-              </a:ext>
-            </a:extLst>
-          </p:cNvPr>
-          <p:cNvSpPr/>
-          <p:nvPr/>
-        </p:nvSpPr>
-        <p:spPr>
-          <a:xfrm>
-            <a:off x="7264783" y="1183945"/>
-            <a:ext cx="374469" cy="366716"/>
-          </a:xfrm>
-          <a:prstGeom prst="ellipse">
-            <a:avLst/>
-          </a:prstGeom>
-          <a:solidFill>
-            <a:srgbClr val="FFFF00"/>
-          </a:solidFill>
-        </p:spPr>
-        <p:style>
-          <a:lnRef idx="2">
-            <a:schemeClr val="accent1">
-              <a:shade val="15000"/>
-            </a:schemeClr>
-          </a:lnRef>
-          <a:fillRef idx="1">
-            <a:schemeClr val="accent1"/>
-          </a:fillRef>
-          <a:effectRef idx="0">
-            <a:schemeClr val="accent1"/>
-          </a:effectRef>
-          <a:fontRef idx="minor">
-            <a:schemeClr val="lt1"/>
-          </a:fontRef>
-        </p:style>
-        <p:txBody>
-          <a:bodyPr rtlCol="0" anchor="ctr"/>
-          <a:lstStyle/>
-          <a:p>
-            <a:pPr algn="ctr"/>
-            <a:r>
-              <a:rPr lang="en-US" altLang="ja-JP" dirty="0">
-                <a:solidFill>
-                  <a:schemeClr val="tx1"/>
-                </a:solidFill>
-              </a:rPr>
-              <a:t>2</a:t>
-            </a:r>
-            <a:endParaRPr lang="en-US" dirty="0">
-              <a:solidFill>
-                <a:schemeClr val="tx1"/>
-              </a:solidFill>
-            </a:endParaRPr>
-          </a:p>
-        </p:txBody>
-      </p:sp>
-    </p:spTree>
-    <p:extLst>
-      <p:ext uri="{BB962C8B-B14F-4D97-AF65-F5344CB8AC3E}">
-        <p14:creationId xmlns:p14="http://schemas.microsoft.com/office/powerpoint/2010/main" val="209793855"/>
-      </p:ext>
-    </p:extLst>
-  </p:cSld>
-  <p:clrMapOvr>
-    <a:masterClrMapping/>
-  </p:clrMapOvr>
-</p:sld>
-</file>
-
-<file path=ppt/slides/slide11.xml><?xml version="1.0" encoding="utf-8"?>
-<p:sld xmlns:a="http://schemas.openxmlformats.org/drawingml/2006/main" xmlns:r="http://schemas.openxmlformats.org/officeDocument/2006/relationships" xmlns:p="http://schemas.openxmlformats.org/presentationml/2006/main">
-  <p:cSld>
-    <p:spTree>
-      <p:nvGrpSpPr>
-        <p:cNvPr id="1" name=""/>
-        <p:cNvGrpSpPr/>
-        <p:nvPr/>
-      </p:nvGrpSpPr>
-      <p:grpSpPr>
-        <a:xfrm>
-          <a:off x="0" y="0"/>
-          <a:ext cx="0" cy="0"/>
-          <a:chOff x="0" y="0"/>
-          <a:chExt cx="0" cy="0"/>
-        </a:xfrm>
-      </p:grpSpPr>
-      <p:sp>
-        <p:nvSpPr>
-          <p:cNvPr id="2" name="タイトル 1">
-            <a:extLst>
-              <a:ext uri="{FF2B5EF4-FFF2-40B4-BE49-F238E27FC236}">
-                <a16:creationId xmlns:a16="http://schemas.microsoft.com/office/drawing/2014/main" id="{6EEB1D21-E123-6A0D-4387-7842071A44C3}"/>
-              </a:ext>
-            </a:extLst>
-          </p:cNvPr>
-          <p:cNvSpPr>
-            <a:spLocks noGrp="1"/>
-          </p:cNvSpPr>
-          <p:nvPr>
-            <p:ph type="title"/>
-          </p:nvPr>
-        </p:nvSpPr>
-        <p:spPr>
-          <a:xfrm>
-            <a:off x="508262" y="6906"/>
-            <a:ext cx="10515600" cy="1325563"/>
-          </a:xfrm>
-        </p:spPr>
-        <p:txBody>
-          <a:bodyPr>
-            <a:normAutofit/>
-          </a:bodyPr>
-          <a:lstStyle/>
-          <a:p>
-            <a:r>
-              <a:rPr kumimoji="1" lang="ja-JP" altLang="en-US" sz="2800" dirty="0"/>
               <a:t>説明画面</a:t>
             </a:r>
             <a:r>
@@ -22387,7 +22396,7 @@
 </p:sld>
 </file>
 
-<file path=ppt/slides/slide12.xml><?xml version="1.0" encoding="utf-8"?>
+<file path=ppt/slides/slide11.xml><?xml version="1.0" encoding="utf-8"?>
 <p:sld xmlns:a="http://schemas.openxmlformats.org/drawingml/2006/main" xmlns:r="http://schemas.openxmlformats.org/officeDocument/2006/relationships" xmlns:p="http://schemas.openxmlformats.org/presentationml/2006/main">
   <p:cSld>
     <p:spTree>
@@ -22636,7 +22645,7 @@
 </p:sld>
 </file>
 
-<file path=ppt/slides/slide13.xml><?xml version="1.0" encoding="utf-8"?>
+<file path=ppt/slides/slide12.xml><?xml version="1.0" encoding="utf-8"?>
 <p:sld xmlns:a="http://schemas.openxmlformats.org/drawingml/2006/main" xmlns:r="http://schemas.openxmlformats.org/officeDocument/2006/relationships" xmlns:p="http://schemas.openxmlformats.org/presentationml/2006/main">
   <p:cSld>
     <p:spTree>
@@ -22858,7 +22867,7 @@
 </p:sld>
 </file>
 
-<file path=ppt/slides/slide14.xml><?xml version="1.0" encoding="utf-8"?>
+<file path=ppt/slides/slide13.xml><?xml version="1.0" encoding="utf-8"?>
 <p:sld xmlns:a="http://schemas.openxmlformats.org/drawingml/2006/main" xmlns:r="http://schemas.openxmlformats.org/officeDocument/2006/relationships" xmlns:p="http://schemas.openxmlformats.org/presentationml/2006/main">
   <p:cSld>
     <p:spTree>
@@ -23096,7 +23105,7 @@
 </p:sld>
 </file>
 
-<file path=ppt/slides/slide15.xml><?xml version="1.0" encoding="utf-8"?>
+<file path=ppt/slides/slide14.xml><?xml version="1.0" encoding="utf-8"?>
 <p:sld xmlns:a="http://schemas.openxmlformats.org/drawingml/2006/main" xmlns:r="http://schemas.openxmlformats.org/officeDocument/2006/relationships" xmlns:p="http://schemas.openxmlformats.org/presentationml/2006/main">
   <p:cSld>
     <p:spTree>
@@ -23301,7 +23310,7 @@
 </p:sld>
 </file>
 
-<file path=ppt/slides/slide16.xml><?xml version="1.0" encoding="utf-8"?>
+<file path=ppt/slides/slide15.xml><?xml version="1.0" encoding="utf-8"?>
 <p:sld xmlns:a="http://schemas.openxmlformats.org/drawingml/2006/main" xmlns:r="http://schemas.openxmlformats.org/officeDocument/2006/relationships" xmlns:p="http://schemas.openxmlformats.org/presentationml/2006/main">
   <p:cSld>
     <p:spTree>
@@ -23397,7 +23406,7 @@
         <p:spPr>
           <a:xfrm>
             <a:off x="627529" y="1332469"/>
-            <a:ext cx="5797731" cy="4160520"/>
+            <a:ext cx="5797731" cy="3735290"/>
           </a:xfrm>
         </p:spPr>
         <p:txBody>
@@ -23408,7 +23417,7 @@
           <a:p>
             <a:r>
               <a:rPr lang="ja-JP" altLang="en-US" sz="1800" dirty="0"/>
-              <a:t>結果画面ではアドバイスと現在の運動年齢が表示されます。悪い運動年齢の場合、例えば実際の年齢</a:t>
+              <a:t>結果画面ではアドバイスと現在のロコモ年齢が表示する。悪いロコモ年齢の場合、例えば実際の年齢</a:t>
             </a:r>
             <a:r>
               <a:rPr lang="en-US" altLang="ja-JP" sz="1800" dirty="0"/>
@@ -23416,7 +23425,7 @@
             </a:r>
             <a:r>
               <a:rPr lang="ja-JP" altLang="en-US" sz="1800" dirty="0"/>
-              <a:t>、運動年齢</a:t>
+              <a:t>、ロコモ年齢</a:t>
             </a:r>
             <a:r>
               <a:rPr lang="en-US" altLang="ja-JP" sz="1800" dirty="0"/>
@@ -23424,14 +23433,14 @@
             </a:r>
             <a:r>
               <a:rPr lang="ja-JP" altLang="en-US" sz="1800" dirty="0"/>
-              <a:t>の場合、アプリケーションは最寄りの医療機関でテストを受けるように勧める。</a:t>
+              <a:t>の場合、アプリケーションは近くの医療機関でテストを受けるように勧める。</a:t>
             </a:r>
             <a:endParaRPr lang="en-US" altLang="ja-JP" sz="1800" dirty="0"/>
           </a:p>
           <a:p>
             <a:r>
               <a:rPr lang="ja-JP" altLang="en-US" sz="1800" dirty="0"/>
-              <a:t>底部の</a:t>
+              <a:t>以下のの</a:t>
             </a:r>
             <a:r>
               <a:rPr lang="en-US" altLang="ja-JP" sz="1800" dirty="0"/>
@@ -23486,7 +23495,7 @@
           <a:p>
             <a:r>
               <a:rPr lang="ja-JP" altLang="en-US" sz="1800" dirty="0"/>
-              <a:t>「終了」ボタンはユーザーを入力画面に戻する。</a:t>
+              <a:t>「終了」ボタンはユーザーを入力画面に戻す。</a:t>
             </a:r>
             <a:endParaRPr kumimoji="1" lang="ja-JP" altLang="en-US" sz="1800" dirty="0"/>
           </a:p>
@@ -23571,6 +23580,42 @@
           </a:prstGeom>
         </p:spPr>
       </p:pic>
+      <p:sp>
+        <p:nvSpPr>
+          <p:cNvPr id="5" name="TextBox 4">
+            <a:extLst>
+              <a:ext uri="{FF2B5EF4-FFF2-40B4-BE49-F238E27FC236}">
+                <a16:creationId xmlns:a16="http://schemas.microsoft.com/office/drawing/2014/main" id="{0B25F562-83E5-009C-69BC-761D207F446E}"/>
+              </a:ext>
+            </a:extLst>
+          </p:cNvPr>
+          <p:cNvSpPr txBox="1"/>
+          <p:nvPr/>
+        </p:nvSpPr>
+        <p:spPr>
+          <a:xfrm>
+            <a:off x="592052" y="6059811"/>
+            <a:ext cx="5762254" cy="369332"/>
+          </a:xfrm>
+          <a:prstGeom prst="rect">
+            <a:avLst/>
+          </a:prstGeom>
+          <a:noFill/>
+        </p:spPr>
+        <p:txBody>
+          <a:bodyPr wrap="square" rtlCol="0">
+            <a:spAutoFit/>
+          </a:bodyPr>
+          <a:lstStyle/>
+          <a:p>
+            <a:r>
+              <a:rPr lang="ja-JP" altLang="en-US" dirty="0"/>
+              <a:t>ロコモ年齢：身体と運動機能の年齢</a:t>
+            </a:r>
+            <a:endParaRPr lang="en-US" dirty="0"/>
+          </a:p>
+        </p:txBody>
+      </p:sp>
     </p:spTree>
     <p:extLst>
       <p:ext uri="{BB962C8B-B14F-4D97-AF65-F5344CB8AC3E}">
@@ -23584,7 +23629,7 @@
 </p:sld>
 </file>
 
-<file path=ppt/slides/slide17.xml><?xml version="1.0" encoding="utf-8"?>
+<file path=ppt/slides/slide16.xml><?xml version="1.0" encoding="utf-8"?>
 <p:sld xmlns:a="http://schemas.openxmlformats.org/drawingml/2006/main" xmlns:r="http://schemas.openxmlformats.org/officeDocument/2006/relationships" xmlns:p="http://schemas.openxmlformats.org/presentationml/2006/main">
   <p:cSld>
     <p:spTree>
@@ -23683,7 +23728,7 @@
           <a:p>
             <a:r>
               <a:rPr lang="ja-JP" altLang="en-US" sz="2000" dirty="0"/>
-              <a:t>「メンテナンス画面」はセンサーの読み取りを調整するためのものです</a:t>
+              <a:t>「メンテナンス画面」はセンサーの測定値を調整するためのものである</a:t>
             </a:r>
             <a:endParaRPr lang="en-US" altLang="ja-JP" sz="2000" dirty="0"/>
           </a:p>
@@ -23698,7 +23743,7 @@
             </a:r>
             <a:r>
               <a:rPr lang="ja-JP" altLang="en-US" sz="2000" dirty="0"/>
-              <a:t>以上の距離ではあまり正確ではありません。補正が行われます</a:t>
+              <a:t>以上の距離ではあまり正確ではないため、校正が行う</a:t>
             </a:r>
             <a:endParaRPr lang="en-US" altLang="ja-JP" sz="2000" dirty="0"/>
           </a:p>
@@ -23713,7 +23758,7 @@
             </a:r>
             <a:r>
               <a:rPr lang="ja-JP" altLang="en-US" sz="2000" dirty="0"/>
-              <a:t>回動かすように依頼し、各回の椅子の現在の読み取り値が記録されます（</a:t>
+              <a:t>回動かすように依頼し、各回の椅子の現在の測定値が記録されます（</a:t>
             </a:r>
             <a:r>
               <a:rPr lang="en-US" altLang="ja-JP" sz="2000" dirty="0"/>
@@ -23744,7 +23789,7 @@
           <a:p>
             <a:r>
               <a:rPr lang="ja-JP" altLang="en-US" sz="2000" dirty="0"/>
-              <a:t>計算された補正値は椅子に送信され、サーバー内に保存されます。保存された値は、椅子がセンサーを使用してテストまたは練習を行うたびに使用されます</a:t>
+              <a:t>計算した校正値は椅子に送信し、サーバー内に保存する。保存した値は、椅子がセンサーを使用してテストまたは練習を行うたびに使用する</a:t>
             </a:r>
             <a:endParaRPr kumimoji="1" lang="en-US" altLang="ja-JP" sz="2000" dirty="0"/>
           </a:p>
@@ -23842,7 +23887,7 @@
 </p:sld>
 </file>
 
-<file path=ppt/slides/slide18.xml><?xml version="1.0" encoding="utf-8"?>
+<file path=ppt/slides/slide17.xml><?xml version="1.0" encoding="utf-8"?>
 <p:sld xmlns:a="http://schemas.openxmlformats.org/drawingml/2006/main" xmlns:r="http://schemas.openxmlformats.org/officeDocument/2006/relationships" xmlns:p="http://schemas.openxmlformats.org/presentationml/2006/main">
   <p:cSld>
     <p:spTree>
@@ -23939,14 +23984,14 @@
           <a:p>
             <a:r>
               <a:rPr lang="ja-JP" altLang="en-US" sz="2000" dirty="0"/>
-              <a:t>治療を受けた後に再びテストを受けに来るユーザーのために、進捗を追跡するためのものです</a:t>
+              <a:t>治療を受けた後に再びテストを受けに来るユーザーのために、進捗を追跡するためのものである</a:t>
             </a:r>
             <a:endParaRPr lang="en-US" altLang="ja-JP" sz="2000" dirty="0"/>
           </a:p>
           <a:p>
             <a:r>
               <a:rPr lang="ja-JP" altLang="en-US" sz="2000" dirty="0"/>
-              <a:t>これはまだ構築されていません。なぜなら、ユーザーの個人データを保存するためにデータベースが必要であり、そのためには同意書が必要だからです</a:t>
+              <a:t>これはまだ構築されていない。なぜなら、ユーザーの個人データを保存するためにデータベースが必要であり、そのためには同意書が必要だから</a:t>
             </a:r>
             <a:r>
               <a:rPr lang="ja-JP" altLang="en-US" sz="1800" dirty="0"/>
@@ -24071,7 +24116,7 @@
 </p:sld>
 </file>
 
-<file path=ppt/slides/slide19.xml><?xml version="1.0" encoding="utf-8"?>
+<file path=ppt/slides/slide18.xml><?xml version="1.0" encoding="utf-8"?>
 <p:sld xmlns:a="http://schemas.openxmlformats.org/drawingml/2006/main" xmlns:r="http://schemas.openxmlformats.org/officeDocument/2006/relationships" xmlns:p="http://schemas.openxmlformats.org/presentationml/2006/main">
   <p:cSld>
     <p:spTree>
@@ -24172,21 +24217,21 @@
           <a:p>
             <a:r>
               <a:rPr lang="ja-JP" altLang="en-US" sz="2000" dirty="0"/>
-              <a:t>これはフィードバック画面になります。ユーザーはモバイルアプリを使用中に発生した情報やバグを報告できます。</a:t>
+              <a:t>ユーザーはモバイルアプリを使用中に発生した情報やバグを報告できる。</a:t>
             </a:r>
             <a:endParaRPr lang="en-US" altLang="ja-JP" sz="2000" dirty="0"/>
           </a:p>
           <a:p>
             <a:r>
               <a:rPr lang="ja-JP" altLang="en-US" sz="2000" dirty="0"/>
-              <a:t>すべてのフィードバックは匿名です</a:t>
+              <a:t>すべてのフィードバックは匿名である</a:t>
             </a:r>
             <a:endParaRPr lang="en-US" altLang="ja-JP" sz="2000" dirty="0"/>
           </a:p>
           <a:p>
             <a:r>
               <a:rPr lang="ja-JP" altLang="en-US" sz="2000" dirty="0"/>
-              <a:t>この機能はまだ構築されていません。なぜなら、椅子に接続している間にインターネットへの接続が失われる可能性があり、開発者がどこからでもアクセスできるようにフィードバックのレスポンスをインターネット上に保存する方法を考える必要があるからです。</a:t>
+              <a:t>この機能はまだ作成してない。なぜなら、椅子に接続している間にインターネットへの接続が失われる可能性があり、開発者がどこからでもアクセスできるようにフィードバックのレスポンスをインターネット上に保存する方法を考える必要があるから。</a:t>
             </a:r>
           </a:p>
           <a:p>
@@ -24309,200 +24354,7 @@
 </p:sld>
 </file>
 
-<file path=ppt/slides/slide2.xml><?xml version="1.0" encoding="utf-8"?>
-<p:sld xmlns:a="http://schemas.openxmlformats.org/drawingml/2006/main" xmlns:r="http://schemas.openxmlformats.org/officeDocument/2006/relationships" xmlns:p="http://schemas.openxmlformats.org/presentationml/2006/main">
-  <p:cSld>
-    <p:spTree>
-      <p:nvGrpSpPr>
-        <p:cNvPr id="1" name=""/>
-        <p:cNvGrpSpPr/>
-        <p:nvPr/>
-      </p:nvGrpSpPr>
-      <p:grpSpPr>
-        <a:xfrm>
-          <a:off x="0" y="0"/>
-          <a:ext cx="0" cy="0"/>
-          <a:chOff x="0" y="0"/>
-          <a:chExt cx="0" cy="0"/>
-        </a:xfrm>
-      </p:grpSpPr>
-      <p:sp>
-        <p:nvSpPr>
-          <p:cNvPr id="2" name="タイトル 1">
-            <a:extLst>
-              <a:ext uri="{FF2B5EF4-FFF2-40B4-BE49-F238E27FC236}">
-                <a16:creationId xmlns:a16="http://schemas.microsoft.com/office/drawing/2014/main" id="{956F2F01-7487-06F1-2E3D-D17989598C1D}"/>
-              </a:ext>
-            </a:extLst>
-          </p:cNvPr>
-          <p:cNvSpPr>
-            <a:spLocks noGrp="1"/>
-          </p:cNvSpPr>
-          <p:nvPr>
-            <p:ph type="title"/>
-          </p:nvPr>
-        </p:nvSpPr>
-        <p:spPr>
-          <a:xfrm>
-            <a:off x="838200" y="18255"/>
-            <a:ext cx="10515600" cy="1325563"/>
-          </a:xfrm>
-        </p:spPr>
-        <p:txBody>
-          <a:bodyPr/>
-          <a:lstStyle/>
-          <a:p>
-            <a:r>
-              <a:rPr kumimoji="1" lang="ja-JP" altLang="en-US" dirty="0"/>
-              <a:t>目次</a:t>
-            </a:r>
-          </a:p>
-        </p:txBody>
-      </p:sp>
-      <p:sp>
-        <p:nvSpPr>
-          <p:cNvPr id="3" name="コンテンツ プレースホルダー 2">
-            <a:extLst>
-              <a:ext uri="{FF2B5EF4-FFF2-40B4-BE49-F238E27FC236}">
-                <a16:creationId xmlns:a16="http://schemas.microsoft.com/office/drawing/2014/main" id="{6ED2D96B-5701-6F40-465F-28905C7803F3}"/>
-              </a:ext>
-            </a:extLst>
-          </p:cNvPr>
-          <p:cNvSpPr>
-            <a:spLocks noGrp="1"/>
-          </p:cNvSpPr>
-          <p:nvPr>
-            <p:ph idx="1"/>
-          </p:nvPr>
-        </p:nvSpPr>
-        <p:spPr>
-          <a:xfrm>
-            <a:off x="838200" y="1343818"/>
-            <a:ext cx="10515600" cy="4833145"/>
-          </a:xfrm>
-        </p:spPr>
-        <p:txBody>
-          <a:bodyPr/>
-          <a:lstStyle/>
-          <a:p>
-            <a:r>
-              <a:rPr kumimoji="1" lang="ja-JP" altLang="en-US" dirty="0"/>
-              <a:t>背景</a:t>
-            </a:r>
-            <a:endParaRPr kumimoji="1" lang="en-US" altLang="ja-JP" dirty="0"/>
-          </a:p>
-          <a:p>
-            <a:r>
-              <a:rPr kumimoji="1" lang="ja-JP" altLang="en-US" dirty="0"/>
-              <a:t>目的、手法</a:t>
-            </a:r>
-            <a:endParaRPr kumimoji="1" lang="en-US" altLang="ja-JP" dirty="0"/>
-          </a:p>
-          <a:p>
-            <a:r>
-              <a:rPr lang="ja-JP" altLang="en-US" dirty="0"/>
-              <a:t>既存</a:t>
-            </a:r>
-            <a:r>
-              <a:rPr kumimoji="1" lang="ja-JP" altLang="en-US" dirty="0"/>
-              <a:t>構造</a:t>
-            </a:r>
-            <a:endParaRPr kumimoji="1" lang="en-US" altLang="ja-JP" dirty="0"/>
-          </a:p>
-          <a:p>
-            <a:r>
-              <a:rPr lang="ja-JP" altLang="en-US" dirty="0"/>
-              <a:t>言語と環境</a:t>
-            </a:r>
-            <a:endParaRPr kumimoji="1" lang="en-US" altLang="ja-JP" dirty="0"/>
-          </a:p>
-          <a:p>
-            <a:r>
-              <a:rPr lang="ja-JP" altLang="en-US" dirty="0"/>
-              <a:t>画面説明</a:t>
-            </a:r>
-            <a:endParaRPr lang="en-US" altLang="ja-JP" dirty="0"/>
-          </a:p>
-          <a:p>
-            <a:r>
-              <a:rPr kumimoji="1" lang="ja-JP" altLang="en-US" dirty="0"/>
-              <a:t>工夫点</a:t>
-            </a:r>
-            <a:endParaRPr kumimoji="1" lang="en-US" altLang="ja-JP" dirty="0"/>
-          </a:p>
-          <a:p>
-            <a:r>
-              <a:rPr kumimoji="1" lang="ja-JP" altLang="en-US" dirty="0"/>
-              <a:t>まとめ</a:t>
-            </a:r>
-            <a:endParaRPr kumimoji="1" lang="en-US" altLang="ja-JP" dirty="0"/>
-          </a:p>
-          <a:p>
-            <a:r>
-              <a:rPr kumimoji="1" lang="ja-JP" altLang="en-US" dirty="0"/>
-              <a:t>今後の課題</a:t>
-            </a:r>
-            <a:endParaRPr kumimoji="1" lang="en-US" altLang="ja-JP" dirty="0"/>
-          </a:p>
-        </p:txBody>
-      </p:sp>
-      <p:cxnSp>
-        <p:nvCxnSpPr>
-          <p:cNvPr id="5" name="直線コネクタ 4">
-            <a:extLst>
-              <a:ext uri="{FF2B5EF4-FFF2-40B4-BE49-F238E27FC236}">
-                <a16:creationId xmlns:a16="http://schemas.microsoft.com/office/drawing/2014/main" id="{3F9AC763-EE07-C78B-1BAF-36204BF61A7D}"/>
-              </a:ext>
-            </a:extLst>
-          </p:cNvPr>
-          <p:cNvCxnSpPr>
-            <a:cxnSpLocks/>
-          </p:cNvCxnSpPr>
-          <p:nvPr/>
-        </p:nvCxnSpPr>
-        <p:spPr>
-          <a:xfrm>
-            <a:off x="627529" y="1001486"/>
-            <a:ext cx="10726271" cy="0"/>
-          </a:xfrm>
-          <a:prstGeom prst="line">
-            <a:avLst/>
-          </a:prstGeom>
-          <a:ln w="38100" cmpd="dbl">
-            <a:solidFill>
-              <a:schemeClr val="tx1"/>
-            </a:solidFill>
-          </a:ln>
-        </p:spPr>
-        <p:style>
-          <a:lnRef idx="1">
-            <a:schemeClr val="accent1"/>
-          </a:lnRef>
-          <a:fillRef idx="0">
-            <a:schemeClr val="accent1"/>
-          </a:fillRef>
-          <a:effectRef idx="0">
-            <a:schemeClr val="accent1"/>
-          </a:effectRef>
-          <a:fontRef idx="minor">
-            <a:schemeClr val="tx1"/>
-          </a:fontRef>
-        </p:style>
-      </p:cxnSp>
-    </p:spTree>
-    <p:extLst>
-      <p:ext uri="{BB962C8B-B14F-4D97-AF65-F5344CB8AC3E}">
-        <p14:creationId xmlns:p14="http://schemas.microsoft.com/office/powerpoint/2010/main" val="3045649195"/>
-      </p:ext>
-    </p:extLst>
-  </p:cSld>
-  <p:clrMapOvr>
-    <a:masterClrMapping/>
-  </p:clrMapOvr>
-</p:sld>
-</file>
-
-<file path=ppt/slides/slide20.xml><?xml version="1.0" encoding="utf-8"?>
+<file path=ppt/slides/slide19.xml><?xml version="1.0" encoding="utf-8"?>
 <p:sld xmlns:a="http://schemas.openxmlformats.org/drawingml/2006/main" xmlns:r="http://schemas.openxmlformats.org/officeDocument/2006/relationships" xmlns:p="http://schemas.openxmlformats.org/presentationml/2006/main">
   <p:cSld>
     <p:spTree>
@@ -24880,7 +24732,200 @@
 </p:sld>
 </file>
 
-<file path=ppt/slides/slide21.xml><?xml version="1.0" encoding="utf-8"?>
+<file path=ppt/slides/slide2.xml><?xml version="1.0" encoding="utf-8"?>
+<p:sld xmlns:a="http://schemas.openxmlformats.org/drawingml/2006/main" xmlns:r="http://schemas.openxmlformats.org/officeDocument/2006/relationships" xmlns:p="http://schemas.openxmlformats.org/presentationml/2006/main">
+  <p:cSld>
+    <p:spTree>
+      <p:nvGrpSpPr>
+        <p:cNvPr id="1" name=""/>
+        <p:cNvGrpSpPr/>
+        <p:nvPr/>
+      </p:nvGrpSpPr>
+      <p:grpSpPr>
+        <a:xfrm>
+          <a:off x="0" y="0"/>
+          <a:ext cx="0" cy="0"/>
+          <a:chOff x="0" y="0"/>
+          <a:chExt cx="0" cy="0"/>
+        </a:xfrm>
+      </p:grpSpPr>
+      <p:sp>
+        <p:nvSpPr>
+          <p:cNvPr id="2" name="タイトル 1">
+            <a:extLst>
+              <a:ext uri="{FF2B5EF4-FFF2-40B4-BE49-F238E27FC236}">
+                <a16:creationId xmlns:a16="http://schemas.microsoft.com/office/drawing/2014/main" id="{956F2F01-7487-06F1-2E3D-D17989598C1D}"/>
+              </a:ext>
+            </a:extLst>
+          </p:cNvPr>
+          <p:cNvSpPr>
+            <a:spLocks noGrp="1"/>
+          </p:cNvSpPr>
+          <p:nvPr>
+            <p:ph type="title"/>
+          </p:nvPr>
+        </p:nvSpPr>
+        <p:spPr>
+          <a:xfrm>
+            <a:off x="838200" y="18255"/>
+            <a:ext cx="10515600" cy="1325563"/>
+          </a:xfrm>
+        </p:spPr>
+        <p:txBody>
+          <a:bodyPr/>
+          <a:lstStyle/>
+          <a:p>
+            <a:r>
+              <a:rPr kumimoji="1" lang="ja-JP" altLang="en-US" dirty="0"/>
+              <a:t>目次</a:t>
+            </a:r>
+          </a:p>
+        </p:txBody>
+      </p:sp>
+      <p:sp>
+        <p:nvSpPr>
+          <p:cNvPr id="3" name="コンテンツ プレースホルダー 2">
+            <a:extLst>
+              <a:ext uri="{FF2B5EF4-FFF2-40B4-BE49-F238E27FC236}">
+                <a16:creationId xmlns:a16="http://schemas.microsoft.com/office/drawing/2014/main" id="{6ED2D96B-5701-6F40-465F-28905C7803F3}"/>
+              </a:ext>
+            </a:extLst>
+          </p:cNvPr>
+          <p:cNvSpPr>
+            <a:spLocks noGrp="1"/>
+          </p:cNvSpPr>
+          <p:nvPr>
+            <p:ph idx="1"/>
+          </p:nvPr>
+        </p:nvSpPr>
+        <p:spPr>
+          <a:xfrm>
+            <a:off x="838200" y="1343818"/>
+            <a:ext cx="10515600" cy="4833145"/>
+          </a:xfrm>
+        </p:spPr>
+        <p:txBody>
+          <a:bodyPr/>
+          <a:lstStyle/>
+          <a:p>
+            <a:r>
+              <a:rPr kumimoji="1" lang="ja-JP" altLang="en-US" dirty="0"/>
+              <a:t>背景</a:t>
+            </a:r>
+            <a:endParaRPr kumimoji="1" lang="en-US" altLang="ja-JP" dirty="0"/>
+          </a:p>
+          <a:p>
+            <a:r>
+              <a:rPr kumimoji="1" lang="ja-JP" altLang="en-US" dirty="0"/>
+              <a:t>目的、手法</a:t>
+            </a:r>
+            <a:endParaRPr kumimoji="1" lang="en-US" altLang="ja-JP" dirty="0"/>
+          </a:p>
+          <a:p>
+            <a:r>
+              <a:rPr lang="ja-JP" altLang="en-US" dirty="0"/>
+              <a:t>既存</a:t>
+            </a:r>
+            <a:r>
+              <a:rPr kumimoji="1" lang="ja-JP" altLang="en-US" dirty="0"/>
+              <a:t>構造</a:t>
+            </a:r>
+            <a:endParaRPr kumimoji="1" lang="en-US" altLang="ja-JP" dirty="0"/>
+          </a:p>
+          <a:p>
+            <a:r>
+              <a:rPr lang="ja-JP" altLang="en-US" dirty="0"/>
+              <a:t>言語と環境</a:t>
+            </a:r>
+            <a:endParaRPr kumimoji="1" lang="en-US" altLang="ja-JP" dirty="0"/>
+          </a:p>
+          <a:p>
+            <a:r>
+              <a:rPr lang="ja-JP" altLang="en-US" dirty="0"/>
+              <a:t>画面説明</a:t>
+            </a:r>
+            <a:endParaRPr lang="en-US" altLang="ja-JP" dirty="0"/>
+          </a:p>
+          <a:p>
+            <a:r>
+              <a:rPr kumimoji="1" lang="ja-JP" altLang="en-US" dirty="0"/>
+              <a:t>工夫点</a:t>
+            </a:r>
+            <a:endParaRPr kumimoji="1" lang="en-US" altLang="ja-JP" dirty="0"/>
+          </a:p>
+          <a:p>
+            <a:r>
+              <a:rPr kumimoji="1" lang="ja-JP" altLang="en-US" dirty="0"/>
+              <a:t>まとめ</a:t>
+            </a:r>
+            <a:endParaRPr kumimoji="1" lang="en-US" altLang="ja-JP" dirty="0"/>
+          </a:p>
+          <a:p>
+            <a:r>
+              <a:rPr kumimoji="1" lang="ja-JP" altLang="en-US" dirty="0"/>
+              <a:t>今後の課題</a:t>
+            </a:r>
+            <a:endParaRPr kumimoji="1" lang="en-US" altLang="ja-JP" dirty="0"/>
+          </a:p>
+        </p:txBody>
+      </p:sp>
+      <p:cxnSp>
+        <p:nvCxnSpPr>
+          <p:cNvPr id="5" name="直線コネクタ 4">
+            <a:extLst>
+              <a:ext uri="{FF2B5EF4-FFF2-40B4-BE49-F238E27FC236}">
+                <a16:creationId xmlns:a16="http://schemas.microsoft.com/office/drawing/2014/main" id="{3F9AC763-EE07-C78B-1BAF-36204BF61A7D}"/>
+              </a:ext>
+            </a:extLst>
+          </p:cNvPr>
+          <p:cNvCxnSpPr>
+            <a:cxnSpLocks/>
+          </p:cNvCxnSpPr>
+          <p:nvPr/>
+        </p:nvCxnSpPr>
+        <p:spPr>
+          <a:xfrm>
+            <a:off x="627529" y="1001486"/>
+            <a:ext cx="10726271" cy="0"/>
+          </a:xfrm>
+          <a:prstGeom prst="line">
+            <a:avLst/>
+          </a:prstGeom>
+          <a:ln w="38100" cmpd="dbl">
+            <a:solidFill>
+              <a:schemeClr val="tx1"/>
+            </a:solidFill>
+          </a:ln>
+        </p:spPr>
+        <p:style>
+          <a:lnRef idx="1">
+            <a:schemeClr val="accent1"/>
+          </a:lnRef>
+          <a:fillRef idx="0">
+            <a:schemeClr val="accent1"/>
+          </a:fillRef>
+          <a:effectRef idx="0">
+            <a:schemeClr val="accent1"/>
+          </a:effectRef>
+          <a:fontRef idx="minor">
+            <a:schemeClr val="tx1"/>
+          </a:fontRef>
+        </p:style>
+      </p:cxnSp>
+    </p:spTree>
+    <p:extLst>
+      <p:ext uri="{BB962C8B-B14F-4D97-AF65-F5344CB8AC3E}">
+        <p14:creationId xmlns:p14="http://schemas.microsoft.com/office/powerpoint/2010/main" val="3045649195"/>
+      </p:ext>
+    </p:extLst>
+  </p:cSld>
+  <p:clrMapOvr>
+    <a:masterClrMapping/>
+  </p:clrMapOvr>
+</p:sld>
+</file>
+
+<file path=ppt/slides/slide20.xml><?xml version="1.0" encoding="utf-8"?>
 <p:sld xmlns:a="http://schemas.openxmlformats.org/drawingml/2006/main" xmlns:r="http://schemas.openxmlformats.org/officeDocument/2006/relationships" xmlns:p="http://schemas.openxmlformats.org/presentationml/2006/main">
   <p:cSld>
     <p:bg>
@@ -25266,7 +25311,7 @@
 </p:sld>
 </file>
 
-<file path=ppt/slides/slide22.xml><?xml version="1.0" encoding="utf-8"?>
+<file path=ppt/slides/slide21.xml><?xml version="1.0" encoding="utf-8"?>
 <p:sld xmlns:a="http://schemas.openxmlformats.org/drawingml/2006/main" xmlns:r="http://schemas.openxmlformats.org/officeDocument/2006/relationships" xmlns:p="http://schemas.openxmlformats.org/presentationml/2006/main">
   <p:cSld>
     <p:spTree>
@@ -25347,7 +25392,7 @@
           <a:p>
             <a:r>
               <a:rPr lang="ja-JP" altLang="en-US" sz="2400" dirty="0"/>
-              <a:t>各行のコードにコメントを残してください。これにより、次のメンテナンスを担当する人が作業しやすくなります。</a:t>
+              <a:t>各行のコードにコメントを残す。これにより、次のメンテナンスを担当する人が作業しやすくなる。</a:t>
             </a:r>
             <a:endParaRPr lang="en-US" altLang="ja-JP" sz="2400" dirty="0"/>
           </a:p>
@@ -25358,14 +25403,14 @@
             </a:r>
             <a:r>
               <a:rPr lang="ja-JP" altLang="en-US" sz="2400" dirty="0"/>
-              <a:t>とデーモンプロセスの間に割り込みを防ぐためにスレッドプロセスを利用する</a:t>
+              <a:t>とメインプロセスの間に割り込みを防ぐためにスレッドプロセスを利用する</a:t>
             </a:r>
             <a:endParaRPr lang="en-US" altLang="ja-JP" sz="2400" dirty="0"/>
           </a:p>
           <a:p>
             <a:r>
               <a:rPr lang="ja-JP" altLang="en-US" sz="2400" dirty="0"/>
-              <a:t>ユーザーにより読みやすいフォントサイズを使用し、すべてのサイズに対応するためにフォーミュラ「</a:t>
+              <a:t>ユーザーにより読みやすいフォントサイズを使用し、すべてのスクリーンサイズに対応するために「</a:t>
             </a:r>
             <a:r>
               <a:rPr lang="en-US" altLang="ja-JP" sz="2400" dirty="0" err="1"/>
@@ -25385,7 +25430,7 @@
             </a:r>
             <a:r>
               <a:rPr lang="ja-JP" altLang="en-US" sz="2400" dirty="0"/>
-              <a:t>」を使用してください。</a:t>
+              <a:t>」を使用する。</a:t>
             </a:r>
             <a:endParaRPr lang="en-US" altLang="ja-JP" sz="2400" dirty="0"/>
           </a:p>
@@ -25450,7 +25495,7 @@
 </p:sld>
 </file>
 
-<file path=ppt/slides/slide23.xml><?xml version="1.0" encoding="utf-8"?>
+<file path=ppt/slides/slide22.xml><?xml version="1.0" encoding="utf-8"?>
 <p:sld xmlns:a="http://schemas.openxmlformats.org/drawingml/2006/main" xmlns:r="http://schemas.openxmlformats.org/officeDocument/2006/relationships" xmlns:p="http://schemas.openxmlformats.org/presentationml/2006/main">
   <p:cSld>
     <p:spTree>
@@ -25533,58 +25578,52 @@
               <a:rPr kumimoji="1" lang="ja-JP" altLang="en-US" b="1" u="sng" dirty="0"/>
               <a:t>目的</a:t>
             </a:r>
-            <a:endParaRPr kumimoji="1" lang="en-US" altLang="ja-JP" b="1" u="sng" dirty="0"/>
-          </a:p>
-          <a:p>
-            <a:pPr lvl="1"/>
-            <a:r>
-              <a:rPr kumimoji="1" lang="ja-JP" altLang="en-US" dirty="0"/>
-              <a:t>測定の簡単化と自動化</a:t>
-            </a:r>
-            <a:endParaRPr kumimoji="1" lang="en-US" altLang="ja-JP" dirty="0"/>
-          </a:p>
-          <a:p>
-            <a:pPr lvl="1"/>
-            <a:r>
-              <a:rPr kumimoji="1" lang="ja-JP" altLang="en-US" dirty="0"/>
-              <a:t>分かりやすい測定結果の表示</a:t>
-            </a:r>
-            <a:endParaRPr kumimoji="1" lang="en-US" altLang="ja-JP" dirty="0"/>
-          </a:p>
-          <a:p>
-            <a:pPr lvl="1"/>
-            <a:r>
-              <a:rPr kumimoji="1" lang="ja-JP" altLang="en-US" dirty="0"/>
-              <a:t>より合理的な立ち上がりテストの実現</a:t>
-            </a:r>
+            <a:endParaRPr lang="en-US" altLang="ja-JP" b="1" u="sng" dirty="0"/>
           </a:p>
           <a:p>
             <a:pPr marL="0" indent="0">
               <a:buNone/>
             </a:pPr>
             <a:r>
-              <a:rPr kumimoji="1" lang="ja-JP" altLang="en-US" b="1" dirty="0"/>
-              <a:t>手段</a:t>
-            </a:r>
-            <a:endParaRPr kumimoji="1" lang="en-US" altLang="ja-JP" b="1" dirty="0"/>
+              <a:rPr kumimoji="1" lang="ja-JP" altLang="en-US" dirty="0"/>
+              <a:t>アプリによるシステムの単純化と自動化</a:t>
+            </a:r>
+            <a:endParaRPr lang="en-US" altLang="ja-JP" sz="2400" dirty="0"/>
           </a:p>
           <a:p>
             <a:pPr marL="0" indent="0">
               <a:buNone/>
             </a:pPr>
-            <a:r>
-              <a:rPr kumimoji="1" lang="ja-JP" altLang="en-US" dirty="0"/>
-              <a:t>システムを自動化するための</a:t>
-            </a:r>
+            <a:endParaRPr kumimoji="1" lang="en-US" altLang="ja-JP" b="1" dirty="0"/>
+          </a:p>
+          <a:p>
+            <a:pPr marL="0" indent="0">
+              <a:buNone/>
+            </a:pPr>
+            <a:r>
+              <a:rPr kumimoji="1" lang="ja-JP" altLang="en-US" b="1" dirty="0"/>
+              <a:t>手段</a:t>
+            </a:r>
+            <a:endParaRPr lang="en-US" altLang="ja-JP" b="1" dirty="0"/>
+          </a:p>
+          <a:p>
+            <a:pPr marL="0" indent="0">
+              <a:buNone/>
+            </a:pPr>
             <a:r>
               <a:rPr kumimoji="1" lang="en-US" altLang="ja-JP" dirty="0" err="1"/>
               <a:t>Kivy</a:t>
             </a:r>
             <a:r>
               <a:rPr kumimoji="1" lang="ja-JP" altLang="en-US" dirty="0"/>
-              <a:t>環境でできたスマホアプリを開発する</a:t>
-            </a:r>
-            <a:endParaRPr kumimoji="1" lang="en-US" altLang="ja-JP" dirty="0"/>
+              <a:t>アプリを利用してモバイルアプリ開発を行った</a:t>
+            </a:r>
+          </a:p>
+          <a:p>
+            <a:pPr marL="0" indent="0">
+              <a:buNone/>
+            </a:pPr>
+            <a:endParaRPr kumimoji="1" lang="en-US" altLang="ja-JP" b="1" dirty="0"/>
           </a:p>
           <a:p>
             <a:pPr marL="0" indent="0">
@@ -25663,7 +25702,7 @@
 </p:sld>
 </file>
 
-<file path=ppt/slides/slide24.xml><?xml version="1.0" encoding="utf-8"?>
+<file path=ppt/slides/slide23.xml><?xml version="1.0" encoding="utf-8"?>
 <p:sld xmlns:a="http://schemas.openxmlformats.org/drawingml/2006/main" xmlns:r="http://schemas.openxmlformats.org/officeDocument/2006/relationships" xmlns:p="http://schemas.openxmlformats.org/presentationml/2006/main">
   <p:cSld>
     <p:spTree>
@@ -25749,7 +25788,7 @@
             </a:r>
             <a:r>
               <a:rPr lang="ja-JP" altLang="en-US" sz="2400" dirty="0"/>
-              <a:t>をデータベースとして使用してください</a:t>
+              <a:t>をデータベースとして使用する予定</a:t>
             </a:r>
             <a:endParaRPr lang="en-US" altLang="ja-JP" sz="2400" dirty="0"/>
           </a:p>
@@ -25779,21 +25818,21 @@
           <a:p>
             <a:r>
               <a:rPr lang="ja-JP" altLang="en-US" sz="2400" dirty="0"/>
-              <a:t>フィードバックメカニズムを追加して、ユーザーがアプリの改善に役立つフィードバックを提供できるようにします。</a:t>
+              <a:t>フィードバックメカニズムを追加して、ユーザーがアプリの改善に役立つフィードバックを提供できるようにする。</a:t>
             </a:r>
             <a:endParaRPr lang="en-US" altLang="ja-JP" sz="2400" dirty="0"/>
           </a:p>
           <a:p>
             <a:r>
               <a:rPr lang="ja-JP" altLang="en-US" sz="2400" dirty="0"/>
-              <a:t>アプリに関するドキュメンテーションを作成して、将来の開発者がアプリケーションの改善を続けることができるようにします。</a:t>
+              <a:t>アプリに関するドキュメンテーションを作成して、将来の開発者がアプリケーションの改善を続けることができるようにする。</a:t>
             </a:r>
             <a:endParaRPr lang="en-US" altLang="ja-JP" sz="2400" dirty="0"/>
           </a:p>
           <a:p>
             <a:r>
               <a:rPr lang="ja-JP" altLang="en-US" sz="2400" dirty="0"/>
-              <a:t>結果を印刷してユーザーに渡すためにプリンターを使用します（すでにプリンターを購入済み）。</a:t>
+              <a:t>結果を印刷してユーザーに渡すためにプリンターを使用する（すでにプリンターを購入済み）。</a:t>
             </a:r>
             <a:endParaRPr kumimoji="1" lang="en-US" altLang="ja-JP" sz="2400" dirty="0"/>
           </a:p>
@@ -25858,7 +25897,7 @@
 </p:sld>
 </file>
 
-<file path=ppt/slides/slide25.xml><?xml version="1.0" encoding="utf-8"?>
+<file path=ppt/slides/slide24.xml><?xml version="1.0" encoding="utf-8"?>
 <p:sld xmlns:a="http://schemas.openxmlformats.org/drawingml/2006/main" xmlns:r="http://schemas.openxmlformats.org/officeDocument/2006/relationships" xmlns:p="http://schemas.openxmlformats.org/presentationml/2006/main">
   <p:cSld>
     <p:spTree>
@@ -26121,7 +26160,7 @@
 </p:sld>
 </file>
 
-<file path=ppt/slides/slide26.xml><?xml version="1.0" encoding="utf-8"?>
+<file path=ppt/slides/slide25.xml><?xml version="1.0" encoding="utf-8"?>
 <p:sld xmlns:a="http://schemas.openxmlformats.org/drawingml/2006/main" xmlns:r="http://schemas.openxmlformats.org/officeDocument/2006/relationships" xmlns:p="http://schemas.openxmlformats.org/presentationml/2006/main">
   <p:cSld>
     <p:spTree>
@@ -26534,7 +26573,7 @@
           <a:p>
             <a:r>
               <a:rPr kumimoji="1" lang="ja-JP" altLang="en-US" dirty="0"/>
-              <a:t>ロコモとはロコモティブシンドロームの略称であり、運動器症候群のことである。人間は加齢と共に移動機能を低下するが，その低下のペースは平均より顕著に早い場合，ロコモ発症の可能性があり，移動機能に障害が生じ，介護や支援が必要となることがある．</a:t>
+              <a:t>ロコモとはロコモティブシンドロームの略称であり、運動器症候群のことである。人間は加齢と共に移動機能を低下するが，その低下のペースは平均より早い場合，ロコモ発症の可能性があり，移動機能に障害が生じ，支援が必要となることがある．</a:t>
             </a:r>
             <a:r>
               <a:rPr kumimoji="1" lang="en-US" altLang="ja-JP" dirty="0"/>
@@ -26542,7 +26581,7 @@
             </a:r>
             <a:r>
               <a:rPr kumimoji="1" lang="ja-JP" altLang="en-US" dirty="0"/>
-              <a:t>年日本整形外科学会がロコモの概念を提唱し、人間の基礎移動機能（立ち上がる機能や歩く機能）の低下の早期予防を促している。</a:t>
+              <a:t>年日本整形外科学会がロコモの概念を提案し、人間の基礎移動機能（立ち上がる機能や歩く機能）の低下の早期予防を促している。</a:t>
             </a:r>
             <a:endParaRPr kumimoji="1" lang="en-US" altLang="ja-JP" dirty="0"/>
           </a:p>
@@ -26629,790 +26668,6 @@
           <p:cNvPr id="2" name="タイトル 1">
             <a:extLst>
               <a:ext uri="{FF2B5EF4-FFF2-40B4-BE49-F238E27FC236}">
-                <a16:creationId xmlns:a16="http://schemas.microsoft.com/office/drawing/2014/main" id="{1987C39E-F634-600F-9D16-AF905F546FCF}"/>
-              </a:ext>
-            </a:extLst>
-          </p:cNvPr>
-          <p:cNvSpPr>
-            <a:spLocks noGrp="1"/>
-          </p:cNvSpPr>
-          <p:nvPr>
-            <p:ph type="title"/>
-          </p:nvPr>
-        </p:nvSpPr>
-        <p:spPr>
-          <a:xfrm>
-            <a:off x="627529" y="0"/>
-            <a:ext cx="10515600" cy="1325563"/>
-          </a:xfrm>
-        </p:spPr>
-        <p:txBody>
-          <a:bodyPr/>
-          <a:lstStyle/>
-          <a:p>
-            <a:r>
-              <a:rPr kumimoji="1" lang="ja-JP" altLang="en-US" dirty="0"/>
-              <a:t>背景</a:t>
-            </a:r>
-          </a:p>
-        </p:txBody>
-      </p:sp>
-      <p:sp>
-        <p:nvSpPr>
-          <p:cNvPr id="3" name="コンテンツ プレースホルダー 2">
-            <a:extLst>
-              <a:ext uri="{FF2B5EF4-FFF2-40B4-BE49-F238E27FC236}">
-                <a16:creationId xmlns:a16="http://schemas.microsoft.com/office/drawing/2014/main" id="{3BA551AA-063E-6B9A-99AE-E875D1B447DB}"/>
-              </a:ext>
-            </a:extLst>
-          </p:cNvPr>
-          <p:cNvSpPr>
-            <a:spLocks noGrp="1"/>
-          </p:cNvSpPr>
-          <p:nvPr>
-            <p:ph idx="1"/>
-          </p:nvPr>
-        </p:nvSpPr>
-        <p:spPr>
-          <a:xfrm>
-            <a:off x="838200" y="2682240"/>
-            <a:ext cx="4038600" cy="2897204"/>
-          </a:xfrm>
-          <a:ln>
-            <a:solidFill>
-              <a:schemeClr val="tx1"/>
-            </a:solidFill>
-          </a:ln>
-        </p:spPr>
-        <p:txBody>
-          <a:bodyPr/>
-          <a:lstStyle/>
-          <a:p>
-            <a:r>
-              <a:rPr kumimoji="1" lang="ja-JP" altLang="en-US" sz="2000" dirty="0"/>
-              <a:t>健康寿命の延伸</a:t>
-            </a:r>
-            <a:endParaRPr kumimoji="1" lang="en-US" altLang="ja-JP" sz="2000" dirty="0"/>
-          </a:p>
-          <a:p>
-            <a:r>
-              <a:rPr kumimoji="1" lang="ja-JP" altLang="en-US" sz="2000" dirty="0"/>
-              <a:t>質の高い老後生活</a:t>
-            </a:r>
-            <a:endParaRPr kumimoji="1" lang="en-US" altLang="ja-JP" sz="2000" dirty="0"/>
-          </a:p>
-          <a:p>
-            <a:r>
-              <a:rPr kumimoji="1" lang="ja-JP" altLang="en-US" sz="2000" dirty="0"/>
-              <a:t>医療・介護負担の軽減</a:t>
-            </a:r>
-          </a:p>
-        </p:txBody>
-      </p:sp>
-      <p:sp>
-        <p:nvSpPr>
-          <p:cNvPr id="4" name="コンテンツ プレースホルダー 2">
-            <a:extLst>
-              <a:ext uri="{FF2B5EF4-FFF2-40B4-BE49-F238E27FC236}">
-                <a16:creationId xmlns:a16="http://schemas.microsoft.com/office/drawing/2014/main" id="{3877ADE0-E822-672A-ECBC-6EFEFB6067EC}"/>
-              </a:ext>
-            </a:extLst>
-          </p:cNvPr>
-          <p:cNvSpPr txBox="1">
-            <a:spLocks/>
-          </p:cNvSpPr>
-          <p:nvPr/>
-        </p:nvSpPr>
-        <p:spPr>
-          <a:xfrm>
-            <a:off x="838200" y="1980398"/>
-            <a:ext cx="4038600" cy="2897204"/>
-          </a:xfrm>
-          <a:prstGeom prst="rect">
-            <a:avLst/>
-          </a:prstGeom>
-        </p:spPr>
-        <p:txBody>
-          <a:bodyPr lIns="109728" tIns="109728" rIns="109728" bIns="91440"/>
-          <a:lstStyle>
-            <a:lvl1pPr marL="228600" indent="-228600" algn="l" defTabSz="914400" rtl="0" eaLnBrk="1" latinLnBrk="0" hangingPunct="1">
-              <a:lnSpc>
-                <a:spcPct val="120000"/>
-              </a:lnSpc>
-              <a:spcBef>
-                <a:spcPts val="1000"/>
-              </a:spcBef>
-              <a:buFont typeface="Arial" panose="020B0604020202020204" pitchFamily="34" charset="0"/>
-              <a:buChar char="•"/>
-              <a:defRPr sz="2400" kern="1200" spc="200">
-                <a:solidFill>
-                  <a:schemeClr val="tx1"/>
-                </a:solidFill>
-                <a:latin typeface="+mn-lt"/>
-                <a:ea typeface="+mn-ea"/>
-                <a:cs typeface="+mn-cs"/>
-              </a:defRPr>
-            </a:lvl1pPr>
-            <a:lvl2pPr marL="685800" indent="-228600" algn="l" defTabSz="914400" rtl="0" eaLnBrk="1" latinLnBrk="0" hangingPunct="1">
-              <a:lnSpc>
-                <a:spcPct val="120000"/>
-              </a:lnSpc>
-              <a:spcBef>
-                <a:spcPts val="500"/>
-              </a:spcBef>
-              <a:buFont typeface="Arial" panose="020B0604020202020204" pitchFamily="34" charset="0"/>
-              <a:buChar char="•"/>
-              <a:defRPr sz="2000" kern="1200" spc="200">
-                <a:solidFill>
-                  <a:schemeClr val="tx1"/>
-                </a:solidFill>
-                <a:latin typeface="+mn-lt"/>
-                <a:ea typeface="+mn-ea"/>
-                <a:cs typeface="+mn-cs"/>
-              </a:defRPr>
-            </a:lvl2pPr>
-            <a:lvl3pPr marL="1143000" indent="-228600" algn="l" defTabSz="914400" rtl="0" eaLnBrk="1" latinLnBrk="0" hangingPunct="1">
-              <a:lnSpc>
-                <a:spcPct val="120000"/>
-              </a:lnSpc>
-              <a:spcBef>
-                <a:spcPts val="500"/>
-              </a:spcBef>
-              <a:buFont typeface="Arial" panose="020B0604020202020204" pitchFamily="34" charset="0"/>
-              <a:buChar char="•"/>
-              <a:defRPr sz="1800" kern="1200" spc="200">
-                <a:solidFill>
-                  <a:schemeClr val="tx1"/>
-                </a:solidFill>
-                <a:latin typeface="+mn-lt"/>
-                <a:ea typeface="+mn-ea"/>
-                <a:cs typeface="+mn-cs"/>
-              </a:defRPr>
-            </a:lvl3pPr>
-            <a:lvl4pPr marL="1600200" indent="-228600" algn="l" defTabSz="914400" rtl="0" eaLnBrk="1" latinLnBrk="0" hangingPunct="1">
-              <a:lnSpc>
-                <a:spcPct val="120000"/>
-              </a:lnSpc>
-              <a:spcBef>
-                <a:spcPts val="500"/>
-              </a:spcBef>
-              <a:buFont typeface="Arial" panose="020B0604020202020204" pitchFamily="34" charset="0"/>
-              <a:buChar char="•"/>
-              <a:defRPr sz="1600" kern="1200" spc="200">
-                <a:solidFill>
-                  <a:schemeClr val="tx1"/>
-                </a:solidFill>
-                <a:latin typeface="+mn-lt"/>
-                <a:ea typeface="+mn-ea"/>
-                <a:cs typeface="+mn-cs"/>
-              </a:defRPr>
-            </a:lvl4pPr>
-            <a:lvl5pPr marL="2057400" indent="-228600" algn="l" defTabSz="914400" rtl="0" eaLnBrk="1" latinLnBrk="0" hangingPunct="1">
-              <a:lnSpc>
-                <a:spcPct val="120000"/>
-              </a:lnSpc>
-              <a:spcBef>
-                <a:spcPts val="500"/>
-              </a:spcBef>
-              <a:buFont typeface="Arial" panose="020B0604020202020204" pitchFamily="34" charset="0"/>
-              <a:buChar char="•"/>
-              <a:defRPr sz="1600" kern="1200" spc="200">
-                <a:solidFill>
-                  <a:schemeClr val="tx1"/>
-                </a:solidFill>
-                <a:latin typeface="+mn-lt"/>
-                <a:ea typeface="+mn-ea"/>
-                <a:cs typeface="+mn-cs"/>
-              </a:defRPr>
-            </a:lvl5pPr>
-            <a:lvl6pPr marL="2514600" indent="-228600" algn="l" defTabSz="914400" rtl="0" eaLnBrk="1" latinLnBrk="0" hangingPunct="1">
-              <a:lnSpc>
-                <a:spcPct val="90000"/>
-              </a:lnSpc>
-              <a:spcBef>
-                <a:spcPts val="500"/>
-              </a:spcBef>
-              <a:buFont typeface="Arial" panose="020B0604020202020204" pitchFamily="34" charset="0"/>
-              <a:buChar char="•"/>
-              <a:defRPr sz="1800" kern="1200">
-                <a:solidFill>
-                  <a:schemeClr val="tx1"/>
-                </a:solidFill>
-                <a:latin typeface="+mn-lt"/>
-                <a:ea typeface="+mn-ea"/>
-                <a:cs typeface="+mn-cs"/>
-              </a:defRPr>
-            </a:lvl6pPr>
-            <a:lvl7pPr marL="2971800" indent="-228600" algn="l" defTabSz="914400" rtl="0" eaLnBrk="1" latinLnBrk="0" hangingPunct="1">
-              <a:lnSpc>
-                <a:spcPct val="90000"/>
-              </a:lnSpc>
-              <a:spcBef>
-                <a:spcPts val="500"/>
-              </a:spcBef>
-              <a:buFont typeface="Arial" panose="020B0604020202020204" pitchFamily="34" charset="0"/>
-              <a:buChar char="•"/>
-              <a:defRPr sz="1800" kern="1200">
-                <a:solidFill>
-                  <a:schemeClr val="tx1"/>
-                </a:solidFill>
-                <a:latin typeface="+mn-lt"/>
-                <a:ea typeface="+mn-ea"/>
-                <a:cs typeface="+mn-cs"/>
-              </a:defRPr>
-            </a:lvl7pPr>
-            <a:lvl8pPr marL="3429000" indent="-228600" algn="l" defTabSz="914400" rtl="0" eaLnBrk="1" latinLnBrk="0" hangingPunct="1">
-              <a:lnSpc>
-                <a:spcPct val="90000"/>
-              </a:lnSpc>
-              <a:spcBef>
-                <a:spcPts val="500"/>
-              </a:spcBef>
-              <a:buFont typeface="Arial" panose="020B0604020202020204" pitchFamily="34" charset="0"/>
-              <a:buChar char="•"/>
-              <a:defRPr sz="1800" kern="1200">
-                <a:solidFill>
-                  <a:schemeClr val="tx1"/>
-                </a:solidFill>
-                <a:latin typeface="+mn-lt"/>
-                <a:ea typeface="+mn-ea"/>
-                <a:cs typeface="+mn-cs"/>
-              </a:defRPr>
-            </a:lvl8pPr>
-            <a:lvl9pPr marL="3886200" indent="-228600" algn="l" defTabSz="914400" rtl="0" eaLnBrk="1" latinLnBrk="0" hangingPunct="1">
-              <a:lnSpc>
-                <a:spcPct val="90000"/>
-              </a:lnSpc>
-              <a:spcBef>
-                <a:spcPts val="500"/>
-              </a:spcBef>
-              <a:buFont typeface="Arial" panose="020B0604020202020204" pitchFamily="34" charset="0"/>
-              <a:buChar char="•"/>
-              <a:defRPr sz="1800" kern="1200">
-                <a:solidFill>
-                  <a:schemeClr val="tx1"/>
-                </a:solidFill>
-                <a:latin typeface="+mn-lt"/>
-                <a:ea typeface="+mn-ea"/>
-                <a:cs typeface="+mn-cs"/>
-              </a:defRPr>
-            </a:lvl9pPr>
-          </a:lstStyle>
-          <a:p>
-            <a:pPr marL="0" indent="0">
-              <a:buNone/>
-            </a:pPr>
-            <a:r>
-              <a:rPr kumimoji="1" lang="ja-JP" altLang="en-US" b="1" dirty="0"/>
-              <a:t>ロコモ早期対応の意義</a:t>
-            </a:r>
-          </a:p>
-        </p:txBody>
-      </p:sp>
-      <p:sp>
-        <p:nvSpPr>
-          <p:cNvPr id="5" name="コンテンツ プレースホルダー 2">
-            <a:extLst>
-              <a:ext uri="{FF2B5EF4-FFF2-40B4-BE49-F238E27FC236}">
-                <a16:creationId xmlns:a16="http://schemas.microsoft.com/office/drawing/2014/main" id="{65C817F3-AF80-C4F2-9551-0A21934BA845}"/>
-              </a:ext>
-            </a:extLst>
-          </p:cNvPr>
-          <p:cNvSpPr txBox="1">
-            <a:spLocks/>
-          </p:cNvSpPr>
-          <p:nvPr/>
-        </p:nvSpPr>
-        <p:spPr>
-          <a:xfrm>
-            <a:off x="6096000" y="2682240"/>
-            <a:ext cx="4038600" cy="2897204"/>
-          </a:xfrm>
-          <a:prstGeom prst="rect">
-            <a:avLst/>
-          </a:prstGeom>
-          <a:ln>
-            <a:solidFill>
-              <a:schemeClr val="tx1"/>
-            </a:solidFill>
-          </a:ln>
-        </p:spPr>
-        <p:txBody>
-          <a:bodyPr lIns="109728" tIns="109728" rIns="109728" bIns="91440"/>
-          <a:lstStyle>
-            <a:lvl1pPr marL="228600" indent="-228600" algn="l" defTabSz="914400" rtl="0" eaLnBrk="1" latinLnBrk="0" hangingPunct="1">
-              <a:lnSpc>
-                <a:spcPct val="120000"/>
-              </a:lnSpc>
-              <a:spcBef>
-                <a:spcPts val="1000"/>
-              </a:spcBef>
-              <a:buFont typeface="Arial" panose="020B0604020202020204" pitchFamily="34" charset="0"/>
-              <a:buChar char="•"/>
-              <a:defRPr sz="2400" kern="1200" spc="200">
-                <a:solidFill>
-                  <a:schemeClr val="tx1"/>
-                </a:solidFill>
-                <a:latin typeface="+mn-lt"/>
-                <a:ea typeface="+mn-ea"/>
-                <a:cs typeface="+mn-cs"/>
-              </a:defRPr>
-            </a:lvl1pPr>
-            <a:lvl2pPr marL="685800" indent="-228600" algn="l" defTabSz="914400" rtl="0" eaLnBrk="1" latinLnBrk="0" hangingPunct="1">
-              <a:lnSpc>
-                <a:spcPct val="120000"/>
-              </a:lnSpc>
-              <a:spcBef>
-                <a:spcPts val="500"/>
-              </a:spcBef>
-              <a:buFont typeface="Arial" panose="020B0604020202020204" pitchFamily="34" charset="0"/>
-              <a:buChar char="•"/>
-              <a:defRPr sz="2000" kern="1200" spc="200">
-                <a:solidFill>
-                  <a:schemeClr val="tx1"/>
-                </a:solidFill>
-                <a:latin typeface="+mn-lt"/>
-                <a:ea typeface="+mn-ea"/>
-                <a:cs typeface="+mn-cs"/>
-              </a:defRPr>
-            </a:lvl2pPr>
-            <a:lvl3pPr marL="1143000" indent="-228600" algn="l" defTabSz="914400" rtl="0" eaLnBrk="1" latinLnBrk="0" hangingPunct="1">
-              <a:lnSpc>
-                <a:spcPct val="120000"/>
-              </a:lnSpc>
-              <a:spcBef>
-                <a:spcPts val="500"/>
-              </a:spcBef>
-              <a:buFont typeface="Arial" panose="020B0604020202020204" pitchFamily="34" charset="0"/>
-              <a:buChar char="•"/>
-              <a:defRPr sz="1800" kern="1200" spc="200">
-                <a:solidFill>
-                  <a:schemeClr val="tx1"/>
-                </a:solidFill>
-                <a:latin typeface="+mn-lt"/>
-                <a:ea typeface="+mn-ea"/>
-                <a:cs typeface="+mn-cs"/>
-              </a:defRPr>
-            </a:lvl3pPr>
-            <a:lvl4pPr marL="1600200" indent="-228600" algn="l" defTabSz="914400" rtl="0" eaLnBrk="1" latinLnBrk="0" hangingPunct="1">
-              <a:lnSpc>
-                <a:spcPct val="120000"/>
-              </a:lnSpc>
-              <a:spcBef>
-                <a:spcPts val="500"/>
-              </a:spcBef>
-              <a:buFont typeface="Arial" panose="020B0604020202020204" pitchFamily="34" charset="0"/>
-              <a:buChar char="•"/>
-              <a:defRPr sz="1600" kern="1200" spc="200">
-                <a:solidFill>
-                  <a:schemeClr val="tx1"/>
-                </a:solidFill>
-                <a:latin typeface="+mn-lt"/>
-                <a:ea typeface="+mn-ea"/>
-                <a:cs typeface="+mn-cs"/>
-              </a:defRPr>
-            </a:lvl4pPr>
-            <a:lvl5pPr marL="2057400" indent="-228600" algn="l" defTabSz="914400" rtl="0" eaLnBrk="1" latinLnBrk="0" hangingPunct="1">
-              <a:lnSpc>
-                <a:spcPct val="120000"/>
-              </a:lnSpc>
-              <a:spcBef>
-                <a:spcPts val="500"/>
-              </a:spcBef>
-              <a:buFont typeface="Arial" panose="020B0604020202020204" pitchFamily="34" charset="0"/>
-              <a:buChar char="•"/>
-              <a:defRPr sz="1600" kern="1200" spc="200">
-                <a:solidFill>
-                  <a:schemeClr val="tx1"/>
-                </a:solidFill>
-                <a:latin typeface="+mn-lt"/>
-                <a:ea typeface="+mn-ea"/>
-                <a:cs typeface="+mn-cs"/>
-              </a:defRPr>
-            </a:lvl5pPr>
-            <a:lvl6pPr marL="2514600" indent="-228600" algn="l" defTabSz="914400" rtl="0" eaLnBrk="1" latinLnBrk="0" hangingPunct="1">
-              <a:lnSpc>
-                <a:spcPct val="90000"/>
-              </a:lnSpc>
-              <a:spcBef>
-                <a:spcPts val="500"/>
-              </a:spcBef>
-              <a:buFont typeface="Arial" panose="020B0604020202020204" pitchFamily="34" charset="0"/>
-              <a:buChar char="•"/>
-              <a:defRPr sz="1800" kern="1200">
-                <a:solidFill>
-                  <a:schemeClr val="tx1"/>
-                </a:solidFill>
-                <a:latin typeface="+mn-lt"/>
-                <a:ea typeface="+mn-ea"/>
-                <a:cs typeface="+mn-cs"/>
-              </a:defRPr>
-            </a:lvl6pPr>
-            <a:lvl7pPr marL="2971800" indent="-228600" algn="l" defTabSz="914400" rtl="0" eaLnBrk="1" latinLnBrk="0" hangingPunct="1">
-              <a:lnSpc>
-                <a:spcPct val="90000"/>
-              </a:lnSpc>
-              <a:spcBef>
-                <a:spcPts val="500"/>
-              </a:spcBef>
-              <a:buFont typeface="Arial" panose="020B0604020202020204" pitchFamily="34" charset="0"/>
-              <a:buChar char="•"/>
-              <a:defRPr sz="1800" kern="1200">
-                <a:solidFill>
-                  <a:schemeClr val="tx1"/>
-                </a:solidFill>
-                <a:latin typeface="+mn-lt"/>
-                <a:ea typeface="+mn-ea"/>
-                <a:cs typeface="+mn-cs"/>
-              </a:defRPr>
-            </a:lvl7pPr>
-            <a:lvl8pPr marL="3429000" indent="-228600" algn="l" defTabSz="914400" rtl="0" eaLnBrk="1" latinLnBrk="0" hangingPunct="1">
-              <a:lnSpc>
-                <a:spcPct val="90000"/>
-              </a:lnSpc>
-              <a:spcBef>
-                <a:spcPts val="500"/>
-              </a:spcBef>
-              <a:buFont typeface="Arial" panose="020B0604020202020204" pitchFamily="34" charset="0"/>
-              <a:buChar char="•"/>
-              <a:defRPr sz="1800" kern="1200">
-                <a:solidFill>
-                  <a:schemeClr val="tx1"/>
-                </a:solidFill>
-                <a:latin typeface="+mn-lt"/>
-                <a:ea typeface="+mn-ea"/>
-                <a:cs typeface="+mn-cs"/>
-              </a:defRPr>
-            </a:lvl8pPr>
-            <a:lvl9pPr marL="3886200" indent="-228600" algn="l" defTabSz="914400" rtl="0" eaLnBrk="1" latinLnBrk="0" hangingPunct="1">
-              <a:lnSpc>
-                <a:spcPct val="90000"/>
-              </a:lnSpc>
-              <a:spcBef>
-                <a:spcPts val="500"/>
-              </a:spcBef>
-              <a:buFont typeface="Arial" panose="020B0604020202020204" pitchFamily="34" charset="0"/>
-              <a:buChar char="•"/>
-              <a:defRPr sz="1800" kern="1200">
-                <a:solidFill>
-                  <a:schemeClr val="tx1"/>
-                </a:solidFill>
-                <a:latin typeface="+mn-lt"/>
-                <a:ea typeface="+mn-ea"/>
-                <a:cs typeface="+mn-cs"/>
-              </a:defRPr>
-            </a:lvl9pPr>
-          </a:lstStyle>
-          <a:p>
-            <a:r>
-              <a:rPr kumimoji="1" lang="ja-JP" altLang="en-US" sz="2000" dirty="0">
-                <a:solidFill>
-                  <a:srgbClr val="FF0000"/>
-                </a:solidFill>
-              </a:rPr>
-              <a:t>立ち上がりテスト</a:t>
-            </a:r>
-          </a:p>
-          <a:p>
-            <a:r>
-              <a:rPr kumimoji="1" lang="ja-JP" altLang="en-US" sz="2000" dirty="0"/>
-              <a:t>２ステップテスト</a:t>
-            </a:r>
-          </a:p>
-          <a:p>
-            <a:r>
-              <a:rPr kumimoji="1" lang="ja-JP" altLang="en-US" sz="2000" dirty="0"/>
-              <a:t>ロコモ</a:t>
-            </a:r>
-            <a:r>
-              <a:rPr lang="en-US" altLang="ja-JP" sz="2000" dirty="0"/>
-              <a:t>25</a:t>
-            </a:r>
-            <a:r>
-              <a:rPr kumimoji="1" lang="ja-JP" altLang="en-US" sz="2000" dirty="0"/>
-              <a:t>（アンケート）</a:t>
-            </a:r>
-          </a:p>
-        </p:txBody>
-      </p:sp>
-      <p:sp>
-        <p:nvSpPr>
-          <p:cNvPr id="6" name="コンテンツ プレースホルダー 2">
-            <a:extLst>
-              <a:ext uri="{FF2B5EF4-FFF2-40B4-BE49-F238E27FC236}">
-                <a16:creationId xmlns:a16="http://schemas.microsoft.com/office/drawing/2014/main" id="{ED8FD5EF-356D-5D53-5BCD-C28E44BFE597}"/>
-              </a:ext>
-            </a:extLst>
-          </p:cNvPr>
-          <p:cNvSpPr txBox="1">
-            <a:spLocks/>
-          </p:cNvSpPr>
-          <p:nvPr/>
-        </p:nvSpPr>
-        <p:spPr>
-          <a:xfrm>
-            <a:off x="6096000" y="1980398"/>
-            <a:ext cx="4038600" cy="2897204"/>
-          </a:xfrm>
-          <a:prstGeom prst="rect">
-            <a:avLst/>
-          </a:prstGeom>
-        </p:spPr>
-        <p:txBody>
-          <a:bodyPr lIns="109728" tIns="109728" rIns="109728" bIns="91440"/>
-          <a:lstStyle>
-            <a:lvl1pPr marL="228600" indent="-228600" algn="l" defTabSz="914400" rtl="0" eaLnBrk="1" latinLnBrk="0" hangingPunct="1">
-              <a:lnSpc>
-                <a:spcPct val="120000"/>
-              </a:lnSpc>
-              <a:spcBef>
-                <a:spcPts val="1000"/>
-              </a:spcBef>
-              <a:buFont typeface="Arial" panose="020B0604020202020204" pitchFamily="34" charset="0"/>
-              <a:buChar char="•"/>
-              <a:defRPr sz="2400" kern="1200" spc="200">
-                <a:solidFill>
-                  <a:schemeClr val="tx1"/>
-                </a:solidFill>
-                <a:latin typeface="+mn-lt"/>
-                <a:ea typeface="+mn-ea"/>
-                <a:cs typeface="+mn-cs"/>
-              </a:defRPr>
-            </a:lvl1pPr>
-            <a:lvl2pPr marL="685800" indent="-228600" algn="l" defTabSz="914400" rtl="0" eaLnBrk="1" latinLnBrk="0" hangingPunct="1">
-              <a:lnSpc>
-                <a:spcPct val="120000"/>
-              </a:lnSpc>
-              <a:spcBef>
-                <a:spcPts val="500"/>
-              </a:spcBef>
-              <a:buFont typeface="Arial" panose="020B0604020202020204" pitchFamily="34" charset="0"/>
-              <a:buChar char="•"/>
-              <a:defRPr sz="2000" kern="1200" spc="200">
-                <a:solidFill>
-                  <a:schemeClr val="tx1"/>
-                </a:solidFill>
-                <a:latin typeface="+mn-lt"/>
-                <a:ea typeface="+mn-ea"/>
-                <a:cs typeface="+mn-cs"/>
-              </a:defRPr>
-            </a:lvl2pPr>
-            <a:lvl3pPr marL="1143000" indent="-228600" algn="l" defTabSz="914400" rtl="0" eaLnBrk="1" latinLnBrk="0" hangingPunct="1">
-              <a:lnSpc>
-                <a:spcPct val="120000"/>
-              </a:lnSpc>
-              <a:spcBef>
-                <a:spcPts val="500"/>
-              </a:spcBef>
-              <a:buFont typeface="Arial" panose="020B0604020202020204" pitchFamily="34" charset="0"/>
-              <a:buChar char="•"/>
-              <a:defRPr sz="1800" kern="1200" spc="200">
-                <a:solidFill>
-                  <a:schemeClr val="tx1"/>
-                </a:solidFill>
-                <a:latin typeface="+mn-lt"/>
-                <a:ea typeface="+mn-ea"/>
-                <a:cs typeface="+mn-cs"/>
-              </a:defRPr>
-            </a:lvl3pPr>
-            <a:lvl4pPr marL="1600200" indent="-228600" algn="l" defTabSz="914400" rtl="0" eaLnBrk="1" latinLnBrk="0" hangingPunct="1">
-              <a:lnSpc>
-                <a:spcPct val="120000"/>
-              </a:lnSpc>
-              <a:spcBef>
-                <a:spcPts val="500"/>
-              </a:spcBef>
-              <a:buFont typeface="Arial" panose="020B0604020202020204" pitchFamily="34" charset="0"/>
-              <a:buChar char="•"/>
-              <a:defRPr sz="1600" kern="1200" spc="200">
-                <a:solidFill>
-                  <a:schemeClr val="tx1"/>
-                </a:solidFill>
-                <a:latin typeface="+mn-lt"/>
-                <a:ea typeface="+mn-ea"/>
-                <a:cs typeface="+mn-cs"/>
-              </a:defRPr>
-            </a:lvl4pPr>
-            <a:lvl5pPr marL="2057400" indent="-228600" algn="l" defTabSz="914400" rtl="0" eaLnBrk="1" latinLnBrk="0" hangingPunct="1">
-              <a:lnSpc>
-                <a:spcPct val="120000"/>
-              </a:lnSpc>
-              <a:spcBef>
-                <a:spcPts val="500"/>
-              </a:spcBef>
-              <a:buFont typeface="Arial" panose="020B0604020202020204" pitchFamily="34" charset="0"/>
-              <a:buChar char="•"/>
-              <a:defRPr sz="1600" kern="1200" spc="200">
-                <a:solidFill>
-                  <a:schemeClr val="tx1"/>
-                </a:solidFill>
-                <a:latin typeface="+mn-lt"/>
-                <a:ea typeface="+mn-ea"/>
-                <a:cs typeface="+mn-cs"/>
-              </a:defRPr>
-            </a:lvl5pPr>
-            <a:lvl6pPr marL="2514600" indent="-228600" algn="l" defTabSz="914400" rtl="0" eaLnBrk="1" latinLnBrk="0" hangingPunct="1">
-              <a:lnSpc>
-                <a:spcPct val="90000"/>
-              </a:lnSpc>
-              <a:spcBef>
-                <a:spcPts val="500"/>
-              </a:spcBef>
-              <a:buFont typeface="Arial" panose="020B0604020202020204" pitchFamily="34" charset="0"/>
-              <a:buChar char="•"/>
-              <a:defRPr sz="1800" kern="1200">
-                <a:solidFill>
-                  <a:schemeClr val="tx1"/>
-                </a:solidFill>
-                <a:latin typeface="+mn-lt"/>
-                <a:ea typeface="+mn-ea"/>
-                <a:cs typeface="+mn-cs"/>
-              </a:defRPr>
-            </a:lvl6pPr>
-            <a:lvl7pPr marL="2971800" indent="-228600" algn="l" defTabSz="914400" rtl="0" eaLnBrk="1" latinLnBrk="0" hangingPunct="1">
-              <a:lnSpc>
-                <a:spcPct val="90000"/>
-              </a:lnSpc>
-              <a:spcBef>
-                <a:spcPts val="500"/>
-              </a:spcBef>
-              <a:buFont typeface="Arial" panose="020B0604020202020204" pitchFamily="34" charset="0"/>
-              <a:buChar char="•"/>
-              <a:defRPr sz="1800" kern="1200">
-                <a:solidFill>
-                  <a:schemeClr val="tx1"/>
-                </a:solidFill>
-                <a:latin typeface="+mn-lt"/>
-                <a:ea typeface="+mn-ea"/>
-                <a:cs typeface="+mn-cs"/>
-              </a:defRPr>
-            </a:lvl7pPr>
-            <a:lvl8pPr marL="3429000" indent="-228600" algn="l" defTabSz="914400" rtl="0" eaLnBrk="1" latinLnBrk="0" hangingPunct="1">
-              <a:lnSpc>
-                <a:spcPct val="90000"/>
-              </a:lnSpc>
-              <a:spcBef>
-                <a:spcPts val="500"/>
-              </a:spcBef>
-              <a:buFont typeface="Arial" panose="020B0604020202020204" pitchFamily="34" charset="0"/>
-              <a:buChar char="•"/>
-              <a:defRPr sz="1800" kern="1200">
-                <a:solidFill>
-                  <a:schemeClr val="tx1"/>
-                </a:solidFill>
-                <a:latin typeface="+mn-lt"/>
-                <a:ea typeface="+mn-ea"/>
-                <a:cs typeface="+mn-cs"/>
-              </a:defRPr>
-            </a:lvl8pPr>
-            <a:lvl9pPr marL="3886200" indent="-228600" algn="l" defTabSz="914400" rtl="0" eaLnBrk="1" latinLnBrk="0" hangingPunct="1">
-              <a:lnSpc>
-                <a:spcPct val="90000"/>
-              </a:lnSpc>
-              <a:spcBef>
-                <a:spcPts val="500"/>
-              </a:spcBef>
-              <a:buFont typeface="Arial" panose="020B0604020202020204" pitchFamily="34" charset="0"/>
-              <a:buChar char="•"/>
-              <a:defRPr sz="1800" kern="1200">
-                <a:solidFill>
-                  <a:schemeClr val="tx1"/>
-                </a:solidFill>
-                <a:latin typeface="+mn-lt"/>
-                <a:ea typeface="+mn-ea"/>
-                <a:cs typeface="+mn-cs"/>
-              </a:defRPr>
-            </a:lvl9pPr>
-          </a:lstStyle>
-          <a:p>
-            <a:pPr marL="0" indent="0">
-              <a:buNone/>
-            </a:pPr>
-            <a:r>
-              <a:rPr kumimoji="1" lang="ja-JP" altLang="en-US" b="1" dirty="0"/>
-              <a:t>ロコモの検証方法</a:t>
-            </a:r>
-          </a:p>
-        </p:txBody>
-      </p:sp>
-      <p:cxnSp>
-        <p:nvCxnSpPr>
-          <p:cNvPr id="7" name="直線コネクタ 6">
-            <a:extLst>
-              <a:ext uri="{FF2B5EF4-FFF2-40B4-BE49-F238E27FC236}">
-                <a16:creationId xmlns:a16="http://schemas.microsoft.com/office/drawing/2014/main" id="{63C3EF3A-82E9-9ADB-6195-3FF62609A71E}"/>
-              </a:ext>
-            </a:extLst>
-          </p:cNvPr>
-          <p:cNvCxnSpPr>
-            <a:cxnSpLocks/>
-          </p:cNvCxnSpPr>
-          <p:nvPr/>
-        </p:nvCxnSpPr>
-        <p:spPr>
-          <a:xfrm>
-            <a:off x="627529" y="1001486"/>
-            <a:ext cx="10726271" cy="0"/>
-          </a:xfrm>
-          <a:prstGeom prst="line">
-            <a:avLst/>
-          </a:prstGeom>
-          <a:ln w="38100" cmpd="dbl">
-            <a:solidFill>
-              <a:schemeClr val="tx1"/>
-            </a:solidFill>
-          </a:ln>
-        </p:spPr>
-        <p:style>
-          <a:lnRef idx="1">
-            <a:schemeClr val="accent1"/>
-          </a:lnRef>
-          <a:fillRef idx="0">
-            <a:schemeClr val="accent1"/>
-          </a:fillRef>
-          <a:effectRef idx="0">
-            <a:schemeClr val="accent1"/>
-          </a:effectRef>
-          <a:fontRef idx="minor">
-            <a:schemeClr val="tx1"/>
-          </a:fontRef>
-        </p:style>
-      </p:cxnSp>
-    </p:spTree>
-    <p:extLst>
-      <p:ext uri="{BB962C8B-B14F-4D97-AF65-F5344CB8AC3E}">
-        <p14:creationId xmlns:p14="http://schemas.microsoft.com/office/powerpoint/2010/main" val="4161500993"/>
-      </p:ext>
-    </p:extLst>
-  </p:cSld>
-  <p:clrMapOvr>
-    <a:masterClrMapping/>
-  </p:clrMapOvr>
-</p:sld>
-</file>
-
-<file path=ppt/slides/slide5.xml><?xml version="1.0" encoding="utf-8"?>
-<p:sld xmlns:a="http://schemas.openxmlformats.org/drawingml/2006/main" xmlns:r="http://schemas.openxmlformats.org/officeDocument/2006/relationships" xmlns:p="http://schemas.openxmlformats.org/presentationml/2006/main">
-  <p:cSld>
-    <p:spTree>
-      <p:nvGrpSpPr>
-        <p:cNvPr id="1" name=""/>
-        <p:cNvGrpSpPr/>
-        <p:nvPr/>
-      </p:nvGrpSpPr>
-      <p:grpSpPr>
-        <a:xfrm>
-          <a:off x="0" y="0"/>
-          <a:ext cx="0" cy="0"/>
-          <a:chOff x="0" y="0"/>
-          <a:chExt cx="0" cy="0"/>
-        </a:xfrm>
-      </p:grpSpPr>
-      <p:sp>
-        <p:nvSpPr>
-          <p:cNvPr id="2" name="タイトル 1">
-            <a:extLst>
-              <a:ext uri="{FF2B5EF4-FFF2-40B4-BE49-F238E27FC236}">
                 <a16:creationId xmlns:a16="http://schemas.microsoft.com/office/drawing/2014/main" id="{F3A677F6-2B6C-A612-31E0-CD623AB88590}"/>
               </a:ext>
             </a:extLst>
@@ -27492,7 +26747,7 @@
           <p:nvPr/>
         </p:nvPicPr>
         <p:blipFill>
-          <a:blip r:embed="rId2"/>
+          <a:blip r:embed="rId3"/>
           <a:stretch>
             <a:fillRect/>
           </a:stretch>
@@ -27563,7 +26818,7 @@
 </p:sld>
 </file>
 
-<file path=ppt/slides/slide6.xml><?xml version="1.0" encoding="utf-8"?>
+<file path=ppt/slides/slide5.xml><?xml version="1.0" encoding="utf-8"?>
 <p:sld xmlns:a="http://schemas.openxmlformats.org/drawingml/2006/main" xmlns:r="http://schemas.openxmlformats.org/officeDocument/2006/relationships" xmlns:p="http://schemas.openxmlformats.org/presentationml/2006/main">
   <p:cSld>
     <p:spTree>
@@ -27956,7 +27211,7 @@
 </p:sld>
 </file>
 
-<file path=ppt/slides/slide7.xml><?xml version="1.0" encoding="utf-8"?>
+<file path=ppt/slides/slide6.xml><?xml version="1.0" encoding="utf-8"?>
 <p:sld xmlns:a="http://schemas.openxmlformats.org/drawingml/2006/main" xmlns:r="http://schemas.openxmlformats.org/officeDocument/2006/relationships" xmlns:p="http://schemas.openxmlformats.org/presentationml/2006/main">
   <p:cSld>
     <p:spTree>
@@ -28049,14 +27304,8 @@
             <a:pPr lvl="1"/>
             <a:r>
               <a:rPr kumimoji="1" lang="ja-JP" altLang="en-US" dirty="0"/>
-              <a:t>アプリによるシステムの単純化と自動化だれでも使えるようにする</a:t>
-            </a:r>
-            <a:endParaRPr kumimoji="1" lang="en-US" altLang="ja-JP" dirty="0"/>
-          </a:p>
-          <a:p>
-            <a:pPr marL="0" indent="0">
-              <a:buNone/>
-            </a:pPr>
+              <a:t>アプリによるシステムの単純化と自動化</a:t>
+            </a:r>
             <a:endParaRPr lang="en-US" altLang="ja-JP" sz="2400" dirty="0"/>
           </a:p>
           <a:p>
@@ -28135,7 +27384,7 @@
 </p:sld>
 </file>
 
-<file path=ppt/slides/slide8.xml><?xml version="1.0" encoding="utf-8"?>
+<file path=ppt/slides/slide7.xml><?xml version="1.0" encoding="utf-8"?>
 <p:sld xmlns:a="http://schemas.openxmlformats.org/drawingml/2006/main" xmlns:r="http://schemas.openxmlformats.org/officeDocument/2006/relationships" xmlns:p="http://schemas.openxmlformats.org/presentationml/2006/main">
   <p:cSld>
     <p:bg>
@@ -28211,7 +27460,7 @@
             <p:ph idx="1"/>
             <p:extLst>
               <p:ext uri="{D42A27DB-BD31-4B8C-83A1-F6EECF244321}">
-                <p14:modId xmlns:p14="http://schemas.microsoft.com/office/powerpoint/2010/main" val="301629909"/>
+                <p14:modId xmlns:p14="http://schemas.microsoft.com/office/powerpoint/2010/main" val="1302071775"/>
               </p:ext>
             </p:extLst>
           </p:nvPr>
@@ -28282,7 +27531,7 @@
 </p:sld>
 </file>
 
-<file path=ppt/slides/slide9.xml><?xml version="1.0" encoding="utf-8"?>
+<file path=ppt/slides/slide8.xml><?xml version="1.0" encoding="utf-8"?>
 <p:sld xmlns:a="http://schemas.openxmlformats.org/drawingml/2006/main" xmlns:r="http://schemas.openxmlformats.org/officeDocument/2006/relationships" xmlns:p="http://schemas.openxmlformats.org/presentationml/2006/main">
   <p:cSld>
     <p:spTree>
@@ -28393,7 +27642,7 @@
             </a:r>
             <a:r>
               <a:rPr lang="ja-JP" altLang="en-US" sz="2000" dirty="0"/>
-              <a:t>アドレスをテキストフィールドに入力して接続するアドレス画面です</a:t>
+              <a:t>アドレスをテキストフィールドに入力して接続する画面である</a:t>
             </a:r>
             <a:endParaRPr lang="en-US" altLang="ja-JP" sz="2000" dirty="0"/>
           </a:p>
@@ -28489,6 +27738,451 @@
     <p:extLst>
       <p:ext uri="{BB962C8B-B14F-4D97-AF65-F5344CB8AC3E}">
         <p14:creationId xmlns:p14="http://schemas.microsoft.com/office/powerpoint/2010/main" val="3806400426"/>
+      </p:ext>
+    </p:extLst>
+  </p:cSld>
+  <p:clrMapOvr>
+    <a:masterClrMapping/>
+  </p:clrMapOvr>
+</p:sld>
+</file>
+
+<file path=ppt/slides/slide9.xml><?xml version="1.0" encoding="utf-8"?>
+<p:sld xmlns:a="http://schemas.openxmlformats.org/drawingml/2006/main" xmlns:r="http://schemas.openxmlformats.org/officeDocument/2006/relationships" xmlns:p="http://schemas.openxmlformats.org/presentationml/2006/main">
+  <p:cSld>
+    <p:spTree>
+      <p:nvGrpSpPr>
+        <p:cNvPr id="1" name=""/>
+        <p:cNvGrpSpPr/>
+        <p:nvPr/>
+      </p:nvGrpSpPr>
+      <p:grpSpPr>
+        <a:xfrm>
+          <a:off x="0" y="0"/>
+          <a:ext cx="0" cy="0"/>
+          <a:chOff x="0" y="0"/>
+          <a:chExt cx="0" cy="0"/>
+        </a:xfrm>
+      </p:grpSpPr>
+      <p:sp>
+        <p:nvSpPr>
+          <p:cNvPr id="2" name="タイトル 1">
+            <a:extLst>
+              <a:ext uri="{FF2B5EF4-FFF2-40B4-BE49-F238E27FC236}">
+                <a16:creationId xmlns:a16="http://schemas.microsoft.com/office/drawing/2014/main" id="{6EEB1D21-E123-6A0D-4387-7842071A44C3}"/>
+              </a:ext>
+            </a:extLst>
+          </p:cNvPr>
+          <p:cNvSpPr>
+            <a:spLocks noGrp="1"/>
+          </p:cNvSpPr>
+          <p:nvPr>
+            <p:ph type="title"/>
+          </p:nvPr>
+        </p:nvSpPr>
+        <p:spPr>
+          <a:xfrm>
+            <a:off x="508262" y="6906"/>
+            <a:ext cx="10515600" cy="1325563"/>
+          </a:xfrm>
+        </p:spPr>
+        <p:txBody>
+          <a:bodyPr>
+            <a:normAutofit/>
+          </a:bodyPr>
+          <a:lstStyle/>
+          <a:p>
+            <a:r>
+              <a:rPr kumimoji="1" lang="ja-JP" altLang="en-US" sz="2800" dirty="0"/>
+              <a:t>タイトル画面</a:t>
+            </a:r>
+            <a:r>
+              <a:rPr kumimoji="1" lang="en-US" altLang="ja-JP" sz="2800" dirty="0"/>
+              <a:t>(</a:t>
+            </a:r>
+            <a:r>
+              <a:rPr lang="en-US" altLang="ja-JP" sz="2800" dirty="0"/>
+              <a:t>Title</a:t>
+            </a:r>
+            <a:r>
+              <a:rPr kumimoji="1" lang="ja-JP" altLang="en-US" sz="2800" dirty="0"/>
+              <a:t> </a:t>
+            </a:r>
+            <a:r>
+              <a:rPr kumimoji="1" lang="en-US" altLang="ja-JP" sz="2800" dirty="0"/>
+              <a:t>Window</a:t>
+            </a:r>
+            <a:r>
+              <a:rPr lang="ja-JP" altLang="en-US" sz="2800" dirty="0"/>
+              <a:t>）</a:t>
+            </a:r>
+            <a:endParaRPr kumimoji="1" lang="ja-JP" altLang="en-US" dirty="0"/>
+          </a:p>
+        </p:txBody>
+      </p:sp>
+      <p:sp>
+        <p:nvSpPr>
+          <p:cNvPr id="3" name="コンテンツ プレースホルダー 2">
+            <a:extLst>
+              <a:ext uri="{FF2B5EF4-FFF2-40B4-BE49-F238E27FC236}">
+                <a16:creationId xmlns:a16="http://schemas.microsoft.com/office/drawing/2014/main" id="{FBEFD887-8E4D-0747-2470-BA7EA0F692F7}"/>
+              </a:ext>
+            </a:extLst>
+          </p:cNvPr>
+          <p:cNvSpPr>
+            <a:spLocks noGrp="1"/>
+          </p:cNvSpPr>
+          <p:nvPr>
+            <p:ph idx="1"/>
+          </p:nvPr>
+        </p:nvSpPr>
+        <p:spPr>
+          <a:xfrm>
+            <a:off x="627529" y="1332469"/>
+            <a:ext cx="5797731" cy="4160520"/>
+          </a:xfrm>
+        </p:spPr>
+        <p:txBody>
+          <a:bodyPr>
+            <a:normAutofit/>
+          </a:bodyPr>
+          <a:lstStyle/>
+          <a:p>
+            <a:r>
+              <a:rPr lang="ja-JP" altLang="en-US" sz="2000" dirty="0"/>
+              <a:t>アプリの全体とシステム全体の説明画面。</a:t>
+            </a:r>
+            <a:endParaRPr lang="en-US" altLang="ja-JP" sz="2000" dirty="0"/>
+          </a:p>
+          <a:p>
+            <a:r>
+              <a:rPr lang="ja-JP" altLang="en-US" sz="2000" dirty="0"/>
+              <a:t>以下の画面と機能はここからアクセスが可能：</a:t>
+            </a:r>
+            <a:endParaRPr lang="en-US" altLang="ja-JP" sz="2000" dirty="0"/>
+          </a:p>
+          <a:p>
+            <a:pPr marL="800100" lvl="1" indent="-342900">
+              <a:buFont typeface="+mj-lt"/>
+              <a:buAutoNum type="arabicPeriod"/>
+            </a:pPr>
+            <a:r>
+              <a:rPr lang="ja-JP" altLang="en-US" sz="2000" dirty="0"/>
+              <a:t>説明画面</a:t>
+            </a:r>
+            <a:endParaRPr lang="en-US" altLang="ja-JP" sz="2000" dirty="0"/>
+          </a:p>
+          <a:p>
+            <a:pPr marL="800100" lvl="1" indent="-342900">
+              <a:buFont typeface="+mj-lt"/>
+              <a:buAutoNum type="arabicPeriod"/>
+            </a:pPr>
+            <a:r>
+              <a:rPr lang="ja-JP" altLang="en-US" sz="2000" dirty="0"/>
+              <a:t>メンテナンス画面</a:t>
+            </a:r>
+            <a:r>
+              <a:rPr lang="en-US" altLang="ja-JP" sz="2000" dirty="0"/>
+              <a:t> </a:t>
+            </a:r>
+          </a:p>
+          <a:p>
+            <a:pPr marL="800100" lvl="1" indent="-342900">
+              <a:buFont typeface="+mj-lt"/>
+              <a:buAutoNum type="arabicPeriod"/>
+            </a:pPr>
+            <a:r>
+              <a:rPr lang="ja-JP" altLang="en-US" sz="2000" dirty="0"/>
+              <a:t>シャットダウンと再起動機能</a:t>
+            </a:r>
+            <a:r>
+              <a:rPr lang="en-US" altLang="ja-JP" sz="2000" dirty="0"/>
+              <a:t>(</a:t>
+            </a:r>
+            <a:r>
+              <a:rPr lang="ja-JP" altLang="en-US" sz="2000" dirty="0"/>
+              <a:t>センサー異常が発生するたび再起動操作を提案する</a:t>
+            </a:r>
+            <a:r>
+              <a:rPr lang="en-US" altLang="ja-JP" sz="2000" dirty="0"/>
+              <a:t>)</a:t>
+            </a:r>
+          </a:p>
+          <a:p>
+            <a:r>
+              <a:rPr lang="ja-JP" altLang="en-US" sz="2000" dirty="0"/>
+              <a:t>誤操作を避けるためにシャットダウンボタンを押す度確認ポップアップを表示する。</a:t>
+            </a:r>
+            <a:endParaRPr kumimoji="1" lang="ja-JP" altLang="en-US" sz="2000" dirty="0"/>
+          </a:p>
+        </p:txBody>
+      </p:sp>
+      <p:cxnSp>
+        <p:nvCxnSpPr>
+          <p:cNvPr id="4" name="直線コネクタ 3">
+            <a:extLst>
+              <a:ext uri="{FF2B5EF4-FFF2-40B4-BE49-F238E27FC236}">
+                <a16:creationId xmlns:a16="http://schemas.microsoft.com/office/drawing/2014/main" id="{77FD0231-A0D6-70F0-63A7-A1184127BCDF}"/>
+              </a:ext>
+            </a:extLst>
+          </p:cNvPr>
+          <p:cNvCxnSpPr>
+            <a:cxnSpLocks/>
+          </p:cNvCxnSpPr>
+          <p:nvPr/>
+        </p:nvCxnSpPr>
+        <p:spPr>
+          <a:xfrm>
+            <a:off x="627529" y="1001486"/>
+            <a:ext cx="10726271" cy="0"/>
+          </a:xfrm>
+          <a:prstGeom prst="line">
+            <a:avLst/>
+          </a:prstGeom>
+          <a:ln w="38100" cmpd="dbl">
+            <a:solidFill>
+              <a:schemeClr val="tx1"/>
+            </a:solidFill>
+          </a:ln>
+        </p:spPr>
+        <p:style>
+          <a:lnRef idx="1">
+            <a:schemeClr val="accent1"/>
+          </a:lnRef>
+          <a:fillRef idx="0">
+            <a:schemeClr val="accent1"/>
+          </a:fillRef>
+          <a:effectRef idx="0">
+            <a:schemeClr val="accent1"/>
+          </a:effectRef>
+          <a:fontRef idx="minor">
+            <a:schemeClr val="tx1"/>
+          </a:fontRef>
+        </p:style>
+      </p:cxnSp>
+      <p:pic>
+        <p:nvPicPr>
+          <p:cNvPr id="7" name="図 6" descr="グラフィカル ユーザー インターフェイス, テキスト, アプリケーション, Teams&#10;&#10;自動的に生成された説明">
+            <a:extLst>
+              <a:ext uri="{FF2B5EF4-FFF2-40B4-BE49-F238E27FC236}">
+                <a16:creationId xmlns:a16="http://schemas.microsoft.com/office/drawing/2014/main" id="{CC359BE9-7355-DA1D-035B-574D2994FE18}"/>
+              </a:ext>
+            </a:extLst>
+          </p:cNvPr>
+          <p:cNvPicPr>
+            <a:picLocks noChangeAspect="1"/>
+          </p:cNvPicPr>
+          <p:nvPr/>
+        </p:nvPicPr>
+        <p:blipFill>
+          <a:blip r:embed="rId2">
+            <a:extLst>
+              <a:ext uri="{28A0092B-C50C-407E-A947-70E740481C1C}">
+                <a14:useLocalDpi xmlns:a14="http://schemas.microsoft.com/office/drawing/2010/main" val="0"/>
+              </a:ext>
+            </a:extLst>
+          </a:blip>
+          <a:stretch>
+            <a:fillRect/>
+          </a:stretch>
+        </p:blipFill>
+        <p:spPr>
+          <a:xfrm>
+            <a:off x="7516015" y="1071154"/>
+            <a:ext cx="3507847" cy="5166558"/>
+          </a:xfrm>
+          <a:prstGeom prst="rect">
+            <a:avLst/>
+          </a:prstGeom>
+        </p:spPr>
+      </p:pic>
+      <p:sp>
+        <p:nvSpPr>
+          <p:cNvPr id="5" name="Oval 4">
+            <a:extLst>
+              <a:ext uri="{FF2B5EF4-FFF2-40B4-BE49-F238E27FC236}">
+                <a16:creationId xmlns:a16="http://schemas.microsoft.com/office/drawing/2014/main" id="{56D9A530-789C-BABD-3F4C-B9AC537BF942}"/>
+              </a:ext>
+            </a:extLst>
+          </p:cNvPr>
+          <p:cNvSpPr/>
+          <p:nvPr/>
+        </p:nvSpPr>
+        <p:spPr>
+          <a:xfrm>
+            <a:off x="10955894" y="1314602"/>
+            <a:ext cx="374469" cy="366716"/>
+          </a:xfrm>
+          <a:prstGeom prst="ellipse">
+            <a:avLst/>
+          </a:prstGeom>
+          <a:solidFill>
+            <a:srgbClr val="FFFF00"/>
+          </a:solidFill>
+        </p:spPr>
+        <p:style>
+          <a:lnRef idx="2">
+            <a:schemeClr val="accent1">
+              <a:shade val="15000"/>
+            </a:schemeClr>
+          </a:lnRef>
+          <a:fillRef idx="1">
+            <a:schemeClr val="accent1"/>
+          </a:fillRef>
+          <a:effectRef idx="0">
+            <a:schemeClr val="accent1"/>
+          </a:effectRef>
+          <a:fontRef idx="minor">
+            <a:schemeClr val="lt1"/>
+          </a:fontRef>
+        </p:style>
+        <p:txBody>
+          <a:bodyPr rtlCol="0" anchor="ctr"/>
+          <a:lstStyle/>
+          <a:p>
+            <a:pPr algn="ctr"/>
+            <a:r>
+              <a:rPr lang="en-US" altLang="ja-JP" dirty="0">
+                <a:solidFill>
+                  <a:schemeClr val="tx1"/>
+                </a:solidFill>
+              </a:rPr>
+              <a:t>1</a:t>
+            </a:r>
+            <a:endParaRPr lang="en-US" dirty="0">
+              <a:solidFill>
+                <a:schemeClr val="tx1"/>
+              </a:solidFill>
+            </a:endParaRPr>
+          </a:p>
+        </p:txBody>
+      </p:sp>
+      <p:sp>
+        <p:nvSpPr>
+          <p:cNvPr id="6" name="Oval 5">
+            <a:extLst>
+              <a:ext uri="{FF2B5EF4-FFF2-40B4-BE49-F238E27FC236}">
+                <a16:creationId xmlns:a16="http://schemas.microsoft.com/office/drawing/2014/main" id="{EAB87F69-3E38-144C-5A4F-86A2D81A05CF}"/>
+              </a:ext>
+            </a:extLst>
+          </p:cNvPr>
+          <p:cNvSpPr/>
+          <p:nvPr/>
+        </p:nvSpPr>
+        <p:spPr>
+          <a:xfrm>
+            <a:off x="10223282" y="1000587"/>
+            <a:ext cx="374469" cy="366716"/>
+          </a:xfrm>
+          <a:prstGeom prst="ellipse">
+            <a:avLst/>
+          </a:prstGeom>
+          <a:solidFill>
+            <a:srgbClr val="FFFF00"/>
+          </a:solidFill>
+        </p:spPr>
+        <p:style>
+          <a:lnRef idx="2">
+            <a:schemeClr val="accent1">
+              <a:shade val="15000"/>
+            </a:schemeClr>
+          </a:lnRef>
+          <a:fillRef idx="1">
+            <a:schemeClr val="accent1"/>
+          </a:fillRef>
+          <a:effectRef idx="0">
+            <a:schemeClr val="accent1"/>
+          </a:effectRef>
+          <a:fontRef idx="minor">
+            <a:schemeClr val="lt1"/>
+          </a:fontRef>
+        </p:style>
+        <p:txBody>
+          <a:bodyPr rtlCol="0" anchor="ctr"/>
+          <a:lstStyle/>
+          <a:p>
+            <a:pPr algn="ctr"/>
+            <a:r>
+              <a:rPr lang="en-US" altLang="ja-JP" dirty="0">
+                <a:solidFill>
+                  <a:schemeClr val="tx1"/>
+                </a:solidFill>
+              </a:rPr>
+              <a:t>3</a:t>
+            </a:r>
+            <a:endParaRPr lang="en-US" dirty="0">
+              <a:solidFill>
+                <a:schemeClr val="tx1"/>
+              </a:solidFill>
+            </a:endParaRPr>
+          </a:p>
+        </p:txBody>
+      </p:sp>
+      <p:sp>
+        <p:nvSpPr>
+          <p:cNvPr id="8" name="Oval 7">
+            <a:extLst>
+              <a:ext uri="{FF2B5EF4-FFF2-40B4-BE49-F238E27FC236}">
+                <a16:creationId xmlns:a16="http://schemas.microsoft.com/office/drawing/2014/main" id="{B7CDE190-6DBE-7694-14F1-D534DDE71DEA}"/>
+              </a:ext>
+            </a:extLst>
+          </p:cNvPr>
+          <p:cNvSpPr/>
+          <p:nvPr/>
+        </p:nvSpPr>
+        <p:spPr>
+          <a:xfrm>
+            <a:off x="7264783" y="1183945"/>
+            <a:ext cx="374469" cy="366716"/>
+          </a:xfrm>
+          <a:prstGeom prst="ellipse">
+            <a:avLst/>
+          </a:prstGeom>
+          <a:solidFill>
+            <a:srgbClr val="FFFF00"/>
+          </a:solidFill>
+        </p:spPr>
+        <p:style>
+          <a:lnRef idx="2">
+            <a:schemeClr val="accent1">
+              <a:shade val="15000"/>
+            </a:schemeClr>
+          </a:lnRef>
+          <a:fillRef idx="1">
+            <a:schemeClr val="accent1"/>
+          </a:fillRef>
+          <a:effectRef idx="0">
+            <a:schemeClr val="accent1"/>
+          </a:effectRef>
+          <a:fontRef idx="minor">
+            <a:schemeClr val="lt1"/>
+          </a:fontRef>
+        </p:style>
+        <p:txBody>
+          <a:bodyPr rtlCol="0" anchor="ctr"/>
+          <a:lstStyle/>
+          <a:p>
+            <a:pPr algn="ctr"/>
+            <a:r>
+              <a:rPr lang="en-US" altLang="ja-JP" dirty="0">
+                <a:solidFill>
+                  <a:schemeClr val="tx1"/>
+                </a:solidFill>
+              </a:rPr>
+              <a:t>2</a:t>
+            </a:r>
+            <a:endParaRPr lang="en-US" dirty="0">
+              <a:solidFill>
+                <a:schemeClr val="tx1"/>
+              </a:solidFill>
+            </a:endParaRPr>
+          </a:p>
+        </p:txBody>
+      </p:sp>
+    </p:spTree>
+    <p:extLst>
+      <p:ext uri="{BB962C8B-B14F-4D97-AF65-F5344CB8AC3E}">
+        <p14:creationId xmlns:p14="http://schemas.microsoft.com/office/powerpoint/2010/main" val="209793855"/>
       </p:ext>
     </p:extLst>
   </p:cSld>
@@ -28992,4 +28686,299 @@
     </a:ext>
   </a:extLst>
 </a:theme>
+</file>
+
+<file path=ppt/theme/theme3.xml><?xml version="1.0" encoding="utf-8"?>
+<a:theme xmlns:a="http://schemas.openxmlformats.org/drawingml/2006/main" name="Office Theme">
+  <a:themeElements>
+    <a:clrScheme name="Office">
+      <a:dk1>
+        <a:sysClr val="windowText" lastClr="000000"/>
+      </a:dk1>
+      <a:lt1>
+        <a:sysClr val="window" lastClr="FFFFFF"/>
+      </a:lt1>
+      <a:dk2>
+        <a:srgbClr val="44546A"/>
+      </a:dk2>
+      <a:lt2>
+        <a:srgbClr val="E7E6E6"/>
+      </a:lt2>
+      <a:accent1>
+        <a:srgbClr val="4472C4"/>
+      </a:accent1>
+      <a:accent2>
+        <a:srgbClr val="ED7D31"/>
+      </a:accent2>
+      <a:accent3>
+        <a:srgbClr val="A5A5A5"/>
+      </a:accent3>
+      <a:accent4>
+        <a:srgbClr val="FFC000"/>
+      </a:accent4>
+      <a:accent5>
+        <a:srgbClr val="5B9BD5"/>
+      </a:accent5>
+      <a:accent6>
+        <a:srgbClr val="70AD47"/>
+      </a:accent6>
+      <a:hlink>
+        <a:srgbClr val="0563C1"/>
+      </a:hlink>
+      <a:folHlink>
+        <a:srgbClr val="954F72"/>
+      </a:folHlink>
+    </a:clrScheme>
+    <a:fontScheme name="Office">
+      <a:majorFont>
+        <a:latin typeface="Calibri Light" panose="020F0302020204030204"/>
+        <a:ea typeface=""/>
+        <a:cs typeface=""/>
+        <a:font script="Jpan" typeface="游ゴシック Light"/>
+        <a:font script="Hang" typeface="맑은 고딕"/>
+        <a:font script="Hans" typeface="等线 Light"/>
+        <a:font script="Hant" typeface="新細明體"/>
+        <a:font script="Arab" typeface="Times New Roman"/>
+        <a:font script="Hebr" typeface="Times New Roman"/>
+        <a:font script="Thai" typeface="Angsana New"/>
+        <a:font script="Ethi" typeface="Nyala"/>
+        <a:font script="Beng" typeface="Vrinda"/>
+        <a:font script="Gujr" typeface="Shruti"/>
+        <a:font script="Khmr" typeface="MoolBoran"/>
+        <a:font script="Knda" typeface="Tunga"/>
+        <a:font script="Guru" typeface="Raavi"/>
+        <a:font script="Cans" typeface="Euphemia"/>
+        <a:font script="Cher" typeface="Plantagenet Cherokee"/>
+        <a:font script="Yiii" typeface="Microsoft Yi Baiti"/>
+        <a:font script="Tibt" typeface="Microsoft Himalaya"/>
+        <a:font script="Thaa" typeface="MV Boli"/>
+        <a:font script="Deva" typeface="Mangal"/>
+        <a:font script="Telu" typeface="Gautami"/>
+        <a:font script="Taml" typeface="Latha"/>
+        <a:font script="Syrc" typeface="Estrangelo Edessa"/>
+        <a:font script="Orya" typeface="Kalinga"/>
+        <a:font script="Mlym" typeface="Kartika"/>
+        <a:font script="Laoo" typeface="DokChampa"/>
+        <a:font script="Sinh" typeface="Iskoola Pota"/>
+        <a:font script="Mong" typeface="Mongolian Baiti"/>
+        <a:font script="Viet" typeface="Times New Roman"/>
+        <a:font script="Uigh" typeface="Microsoft Uighur"/>
+        <a:font script="Geor" typeface="Sylfaen"/>
+        <a:font script="Armn" typeface="Arial"/>
+        <a:font script="Bugi" typeface="Leelawadee UI"/>
+        <a:font script="Bopo" typeface="Microsoft JhengHei"/>
+        <a:font script="Java" typeface="Javanese Text"/>
+        <a:font script="Lisu" typeface="Segoe UI"/>
+        <a:font script="Mymr" typeface="Myanmar Text"/>
+        <a:font script="Nkoo" typeface="Ebrima"/>
+        <a:font script="Olck" typeface="Nirmala UI"/>
+        <a:font script="Osma" typeface="Ebrima"/>
+        <a:font script="Phag" typeface="Phagspa"/>
+        <a:font script="Syrn" typeface="Estrangelo Edessa"/>
+        <a:font script="Syrj" typeface="Estrangelo Edessa"/>
+        <a:font script="Syre" typeface="Estrangelo Edessa"/>
+        <a:font script="Sora" typeface="Nirmala UI"/>
+        <a:font script="Tale" typeface="Microsoft Tai Le"/>
+        <a:font script="Talu" typeface="Microsoft New Tai Lue"/>
+        <a:font script="Tfng" typeface="Ebrima"/>
+      </a:majorFont>
+      <a:minorFont>
+        <a:latin typeface="Calibri" panose="020F0502020204030204"/>
+        <a:ea typeface=""/>
+        <a:cs typeface=""/>
+        <a:font script="Jpan" typeface="游ゴシック"/>
+        <a:font script="Hang" typeface="맑은 고딕"/>
+        <a:font script="Hans" typeface="等线"/>
+        <a:font script="Hant" typeface="新細明體"/>
+        <a:font script="Arab" typeface="Arial"/>
+        <a:font script="Hebr" typeface="Arial"/>
+        <a:font script="Thai" typeface="Cordia New"/>
+        <a:font script="Ethi" typeface="Nyala"/>
+        <a:font script="Beng" typeface="Vrinda"/>
+        <a:font script="Gujr" typeface="Shruti"/>
+        <a:font script="Khmr" typeface="DaunPenh"/>
+        <a:font script="Knda" typeface="Tunga"/>
+        <a:font script="Guru" typeface="Raavi"/>
+        <a:font script="Cans" typeface="Euphemia"/>
+        <a:font script="Cher" typeface="Plantagenet Cherokee"/>
+        <a:font script="Yiii" typeface="Microsoft Yi Baiti"/>
+        <a:font script="Tibt" typeface="Microsoft Himalaya"/>
+        <a:font script="Thaa" typeface="MV Boli"/>
+        <a:font script="Deva" typeface="Mangal"/>
+        <a:font script="Telu" typeface="Gautami"/>
+        <a:font script="Taml" typeface="Latha"/>
+        <a:font script="Syrc" typeface="Estrangelo Edessa"/>
+        <a:font script="Orya" typeface="Kalinga"/>
+        <a:font script="Mlym" typeface="Kartika"/>
+        <a:font script="Laoo" typeface="DokChampa"/>
+        <a:font script="Sinh" typeface="Iskoola Pota"/>
+        <a:font script="Mong" typeface="Mongolian Baiti"/>
+        <a:font script="Viet" typeface="Arial"/>
+        <a:font script="Uigh" typeface="Microsoft Uighur"/>
+        <a:font script="Geor" typeface="Sylfaen"/>
+        <a:font script="Armn" typeface="Arial"/>
+        <a:font script="Bugi" typeface="Leelawadee UI"/>
+        <a:font script="Bopo" typeface="Microsoft JhengHei"/>
+        <a:font script="Java" typeface="Javanese Text"/>
+        <a:font script="Lisu" typeface="Segoe UI"/>
+        <a:font script="Mymr" typeface="Myanmar Text"/>
+        <a:font script="Nkoo" typeface="Ebrima"/>
+        <a:font script="Olck" typeface="Nirmala UI"/>
+        <a:font script="Osma" typeface="Ebrima"/>
+        <a:font script="Phag" typeface="Phagspa"/>
+        <a:font script="Syrn" typeface="Estrangelo Edessa"/>
+        <a:font script="Syrj" typeface="Estrangelo Edessa"/>
+        <a:font script="Syre" typeface="Estrangelo Edessa"/>
+        <a:font script="Sora" typeface="Nirmala UI"/>
+        <a:font script="Tale" typeface="Microsoft Tai Le"/>
+        <a:font script="Talu" typeface="Microsoft New Tai Lue"/>
+        <a:font script="Tfng" typeface="Ebrima"/>
+      </a:minorFont>
+    </a:fontScheme>
+    <a:fmtScheme name="Office">
+      <a:fillStyleLst>
+        <a:solidFill>
+          <a:schemeClr val="phClr"/>
+        </a:solidFill>
+        <a:gradFill rotWithShape="1">
+          <a:gsLst>
+            <a:gs pos="0">
+              <a:schemeClr val="phClr">
+                <a:lumMod val="110000"/>
+                <a:satMod val="105000"/>
+                <a:tint val="67000"/>
+              </a:schemeClr>
+            </a:gs>
+            <a:gs pos="50000">
+              <a:schemeClr val="phClr">
+                <a:lumMod val="105000"/>
+                <a:satMod val="103000"/>
+                <a:tint val="73000"/>
+              </a:schemeClr>
+            </a:gs>
+            <a:gs pos="100000">
+              <a:schemeClr val="phClr">
+                <a:lumMod val="105000"/>
+                <a:satMod val="109000"/>
+                <a:tint val="81000"/>
+              </a:schemeClr>
+            </a:gs>
+          </a:gsLst>
+          <a:lin ang="5400000" scaled="0"/>
+        </a:gradFill>
+        <a:gradFill rotWithShape="1">
+          <a:gsLst>
+            <a:gs pos="0">
+              <a:schemeClr val="phClr">
+                <a:satMod val="103000"/>
+                <a:lumMod val="102000"/>
+                <a:tint val="94000"/>
+              </a:schemeClr>
+            </a:gs>
+            <a:gs pos="50000">
+              <a:schemeClr val="phClr">
+                <a:satMod val="110000"/>
+                <a:lumMod val="100000"/>
+                <a:shade val="100000"/>
+              </a:schemeClr>
+            </a:gs>
+            <a:gs pos="100000">
+              <a:schemeClr val="phClr">
+                <a:lumMod val="99000"/>
+                <a:satMod val="120000"/>
+                <a:shade val="78000"/>
+              </a:schemeClr>
+            </a:gs>
+          </a:gsLst>
+          <a:lin ang="5400000" scaled="0"/>
+        </a:gradFill>
+      </a:fillStyleLst>
+      <a:lnStyleLst>
+        <a:ln w="6350" cap="flat" cmpd="sng" algn="ctr">
+          <a:solidFill>
+            <a:schemeClr val="phClr"/>
+          </a:solidFill>
+          <a:prstDash val="solid"/>
+          <a:miter lim="800000"/>
+        </a:ln>
+        <a:ln w="12700" cap="flat" cmpd="sng" algn="ctr">
+          <a:solidFill>
+            <a:schemeClr val="phClr"/>
+          </a:solidFill>
+          <a:prstDash val="solid"/>
+          <a:miter lim="800000"/>
+        </a:ln>
+        <a:ln w="19050" cap="flat" cmpd="sng" algn="ctr">
+          <a:solidFill>
+            <a:schemeClr val="phClr"/>
+          </a:solidFill>
+          <a:prstDash val="solid"/>
+          <a:miter lim="800000"/>
+        </a:ln>
+      </a:lnStyleLst>
+      <a:effectStyleLst>
+        <a:effectStyle>
+          <a:effectLst/>
+        </a:effectStyle>
+        <a:effectStyle>
+          <a:effectLst/>
+        </a:effectStyle>
+        <a:effectStyle>
+          <a:effectLst>
+            <a:outerShdw blurRad="57150" dist="19050" dir="5400000" algn="ctr" rotWithShape="0">
+              <a:srgbClr val="000000">
+                <a:alpha val="63000"/>
+              </a:srgbClr>
+            </a:outerShdw>
+          </a:effectLst>
+        </a:effectStyle>
+      </a:effectStyleLst>
+      <a:bgFillStyleLst>
+        <a:solidFill>
+          <a:schemeClr val="phClr"/>
+        </a:solidFill>
+        <a:solidFill>
+          <a:schemeClr val="phClr">
+            <a:tint val="95000"/>
+            <a:satMod val="170000"/>
+          </a:schemeClr>
+        </a:solidFill>
+        <a:gradFill rotWithShape="1">
+          <a:gsLst>
+            <a:gs pos="0">
+              <a:schemeClr val="phClr">
+                <a:tint val="93000"/>
+                <a:satMod val="150000"/>
+                <a:shade val="98000"/>
+                <a:lumMod val="102000"/>
+              </a:schemeClr>
+            </a:gs>
+            <a:gs pos="50000">
+              <a:schemeClr val="phClr">
+                <a:tint val="98000"/>
+                <a:satMod val="130000"/>
+                <a:shade val="90000"/>
+                <a:lumMod val="103000"/>
+              </a:schemeClr>
+            </a:gs>
+            <a:gs pos="100000">
+              <a:schemeClr val="phClr">
+                <a:shade val="63000"/>
+                <a:satMod val="120000"/>
+              </a:schemeClr>
+            </a:gs>
+          </a:gsLst>
+          <a:lin ang="5400000" scaled="0"/>
+        </a:gradFill>
+      </a:bgFillStyleLst>
+    </a:fmtScheme>
+  </a:themeElements>
+  <a:objectDefaults/>
+  <a:extraClrSchemeLst/>
+  <a:extLst>
+    <a:ext uri="{05A4C25C-085E-4340-85A3-A5531E510DB2}">
+      <thm15:themeFamily xmlns:thm15="http://schemas.microsoft.com/office/thememl/2012/main" name="Office Theme" id="{62F939B6-93AF-4DB8-9C6B-D6C7DFDC589F}" vid="{4A3C46E8-61CC-4603-A589-7422A47A8E4A}"/>
+    </a:ext>
+  </a:extLst>
+</a:theme>
 </file>
--- a/LOCOMOTION.pptx
+++ b/LOCOMOTION.pptx
@@ -140,16 +140,107 @@
 </p:presentation>
 </file>
 
-<file path=ppt/revisionInfo.xml><?xml version="1.0" encoding="utf-8"?>
-<p1510:revInfo xmlns:a="http://schemas.openxmlformats.org/drawingml/2006/main" xmlns:r="http://schemas.openxmlformats.org/officeDocument/2006/relationships" xmlns:p1510="http://schemas.microsoft.com/office/powerpoint/2015/10/main">
-  <p1510:revLst>
-    <p1510:client id="{A281A685-0FDB-43DE-919C-A21A02B2DCD0}" v="61" dt="2023-11-28T11:17:43.432"/>
-  </p1510:revLst>
-</p1510:revInfo>
-</file>
-
 <file path=ppt/changesInfos/changesInfo1.xml><?xml version="1.0" encoding="utf-8"?>
 <pc:chgInfo xmlns:a="http://schemas.openxmlformats.org/drawingml/2006/main" xmlns:r="http://schemas.openxmlformats.org/officeDocument/2006/relationships" xmlns:ac="http://schemas.microsoft.com/office/drawing/2013/main/command" xmlns:pc="http://schemas.microsoft.com/office/powerpoint/2013/main/command">
+  <pc:docChgLst>
+    <pc:chgData name="Afiq Fadzil" userId="f7de1b20f90eb635" providerId="LiveId" clId="{9BBCAB1B-262A-4314-B34C-F0852F04E847}"/>
+    <pc:docChg chg="modSld">
+      <pc:chgData name="Afiq Fadzil" userId="f7de1b20f90eb635" providerId="LiveId" clId="{9BBCAB1B-262A-4314-B34C-F0852F04E847}" dt="2023-12-04T06:30:00.505" v="0"/>
+      <pc:docMkLst>
+        <pc:docMk/>
+      </pc:docMkLst>
+      <pc:sldChg chg="modSp">
+        <pc:chgData name="Afiq Fadzil" userId="f7de1b20f90eb635" providerId="LiveId" clId="{9BBCAB1B-262A-4314-B34C-F0852F04E847}" dt="2023-12-04T06:30:00.505" v="0"/>
+        <pc:sldMkLst>
+          <pc:docMk/>
+          <pc:sldMk cId="4139760777" sldId="263"/>
+        </pc:sldMkLst>
+        <pc:spChg chg="mod">
+          <ac:chgData name="Afiq Fadzil" userId="f7de1b20f90eb635" providerId="LiveId" clId="{9BBCAB1B-262A-4314-B34C-F0852F04E847}" dt="2023-12-04T06:30:00.505" v="0"/>
+          <ac:spMkLst>
+            <pc:docMk/>
+            <pc:sldMk cId="4139760777" sldId="263"/>
+            <ac:spMk id="3" creationId="{1A600162-6B50-E164-1128-4DC44B553C73}"/>
+          </ac:spMkLst>
+        </pc:spChg>
+      </pc:sldChg>
+      <pc:sldChg chg="modSp">
+        <pc:chgData name="Afiq Fadzil" userId="f7de1b20f90eb635" providerId="LiveId" clId="{9BBCAB1B-262A-4314-B34C-F0852F04E847}" dt="2023-12-04T06:30:00.505" v="0"/>
+        <pc:sldMkLst>
+          <pc:docMk/>
+          <pc:sldMk cId="1016423153" sldId="271"/>
+        </pc:sldMkLst>
+        <pc:spChg chg="mod">
+          <ac:chgData name="Afiq Fadzil" userId="f7de1b20f90eb635" providerId="LiveId" clId="{9BBCAB1B-262A-4314-B34C-F0852F04E847}" dt="2023-12-04T06:30:00.505" v="0"/>
+          <ac:spMkLst>
+            <pc:docMk/>
+            <pc:sldMk cId="1016423153" sldId="271"/>
+            <ac:spMk id="3" creationId="{8F6C75BE-EEAC-8A65-ACD5-F23936F4B615}"/>
+          </ac:spMkLst>
+        </pc:spChg>
+      </pc:sldChg>
+      <pc:sldChg chg="modSp">
+        <pc:chgData name="Afiq Fadzil" userId="f7de1b20f90eb635" providerId="LiveId" clId="{9BBCAB1B-262A-4314-B34C-F0852F04E847}" dt="2023-12-04T06:30:00.505" v="0"/>
+        <pc:sldMkLst>
+          <pc:docMk/>
+          <pc:sldMk cId="2925587204" sldId="279"/>
+        </pc:sldMkLst>
+        <pc:spChg chg="mod">
+          <ac:chgData name="Afiq Fadzil" userId="f7de1b20f90eb635" providerId="LiveId" clId="{9BBCAB1B-262A-4314-B34C-F0852F04E847}" dt="2023-12-04T06:30:00.505" v="0"/>
+          <ac:spMkLst>
+            <pc:docMk/>
+            <pc:sldMk cId="2925587204" sldId="279"/>
+            <ac:spMk id="3" creationId="{FBEFD887-8E4D-0747-2470-BA7EA0F692F7}"/>
+          </ac:spMkLst>
+        </pc:spChg>
+      </pc:sldChg>
+      <pc:sldChg chg="modSp">
+        <pc:chgData name="Afiq Fadzil" userId="f7de1b20f90eb635" providerId="LiveId" clId="{9BBCAB1B-262A-4314-B34C-F0852F04E847}" dt="2023-12-04T06:30:00.505" v="0"/>
+        <pc:sldMkLst>
+          <pc:docMk/>
+          <pc:sldMk cId="3455028739" sldId="283"/>
+        </pc:sldMkLst>
+        <pc:spChg chg="mod">
+          <ac:chgData name="Afiq Fadzil" userId="f7de1b20f90eb635" providerId="LiveId" clId="{9BBCAB1B-262A-4314-B34C-F0852F04E847}" dt="2023-12-04T06:30:00.505" v="0"/>
+          <ac:spMkLst>
+            <pc:docMk/>
+            <pc:sldMk cId="3455028739" sldId="283"/>
+            <ac:spMk id="3" creationId="{FBEFD887-8E4D-0747-2470-BA7EA0F692F7}"/>
+          </ac:spMkLst>
+        </pc:spChg>
+      </pc:sldChg>
+      <pc:sldChg chg="modSp">
+        <pc:chgData name="Afiq Fadzil" userId="f7de1b20f90eb635" providerId="LiveId" clId="{9BBCAB1B-262A-4314-B34C-F0852F04E847}" dt="2023-12-04T06:30:00.505" v="0"/>
+        <pc:sldMkLst>
+          <pc:docMk/>
+          <pc:sldMk cId="1734715318" sldId="285"/>
+        </pc:sldMkLst>
+        <pc:spChg chg="mod">
+          <ac:chgData name="Afiq Fadzil" userId="f7de1b20f90eb635" providerId="LiveId" clId="{9BBCAB1B-262A-4314-B34C-F0852F04E847}" dt="2023-12-04T06:30:00.505" v="0"/>
+          <ac:spMkLst>
+            <pc:docMk/>
+            <pc:sldMk cId="1734715318" sldId="285"/>
+            <ac:spMk id="3" creationId="{57DBF572-88C9-63D7-1EE4-F07580B11B84}"/>
+          </ac:spMkLst>
+        </pc:spChg>
+      </pc:sldChg>
+      <pc:sldChg chg="modSp">
+        <pc:chgData name="Afiq Fadzil" userId="f7de1b20f90eb635" providerId="LiveId" clId="{9BBCAB1B-262A-4314-B34C-F0852F04E847}" dt="2023-12-04T06:30:00.505" v="0"/>
+        <pc:sldMkLst>
+          <pc:docMk/>
+          <pc:sldMk cId="3137044147" sldId="287"/>
+        </pc:sldMkLst>
+        <pc:spChg chg="mod">
+          <ac:chgData name="Afiq Fadzil" userId="f7de1b20f90eb635" providerId="LiveId" clId="{9BBCAB1B-262A-4314-B34C-F0852F04E847}" dt="2023-12-04T06:30:00.505" v="0"/>
+          <ac:spMkLst>
+            <pc:docMk/>
+            <pc:sldMk cId="3137044147" sldId="287"/>
+            <ac:spMk id="3" creationId="{57DBF572-88C9-63D7-1EE4-F07580B11B84}"/>
+          </ac:spMkLst>
+        </pc:spChg>
+      </pc:sldChg>
+    </pc:docChg>
+  </pc:docChgLst>
   <pc:docChgLst>
     <pc:chgData name="ＭＵＨＡＭＭＡＤ　ＡＦＩＱ　ＢＩＮ　ＭＯＨＤ　ＦＡＤＺＩＬ" userId="767c1948-256d-4a5c-b75d-8ffb57a7db17" providerId="ADAL" clId="{A281A685-0FDB-43DE-919C-A21A02B2DCD0}"/>
     <pc:docChg chg="undo custSel addSld delSld modSld sldOrd">
@@ -23789,7 +23880,7 @@
           <a:p>
             <a:r>
               <a:rPr lang="ja-JP" altLang="en-US" sz="2000" dirty="0"/>
-              <a:t>計算した校正値は椅子に送信し、サーバー内に保存する。保存した値は、椅子がセンサーを使用してテストまたは練習を行うたびに使用する</a:t>
+              <a:t>計算した校正値は椅子に送信し、サーバー内に保存する。保存した値は、椅子がセンサーを利用してテストまたは練習を行うたびに利用する</a:t>
             </a:r>
             <a:endParaRPr kumimoji="1" lang="en-US" altLang="ja-JP" sz="2000" dirty="0"/>
           </a:p>
@@ -24217,7 +24308,7 @@
           <a:p>
             <a:r>
               <a:rPr lang="ja-JP" altLang="en-US" sz="2000" dirty="0"/>
-              <a:t>ユーザーはモバイルアプリを使用中に発生した情報やバグを報告できる。</a:t>
+              <a:t>ユーザーはモバイルアプリを利用中に発生した情報やバグを報告できる。</a:t>
             </a:r>
             <a:endParaRPr lang="en-US" altLang="ja-JP" sz="2000" dirty="0"/>
           </a:p>
@@ -25410,7 +25501,7 @@
           <a:p>
             <a:r>
               <a:rPr lang="ja-JP" altLang="en-US" sz="2400" dirty="0"/>
-              <a:t>ユーザーにより読みやすいフォントサイズを使用し、すべてのスクリーンサイズに対応するために「</a:t>
+              <a:t>ユーザーにより読みやすいフォントサイズを利用し、すべてのスクリーンサイズに対応するために「</a:t>
             </a:r>
             <a:r>
               <a:rPr lang="en-US" altLang="ja-JP" sz="2400" dirty="0" err="1"/>
@@ -25430,7 +25521,7 @@
             </a:r>
             <a:r>
               <a:rPr lang="ja-JP" altLang="en-US" sz="2400" dirty="0"/>
-              <a:t>」を使用する。</a:t>
+              <a:t>」を利用する。</a:t>
             </a:r>
             <a:endParaRPr lang="en-US" altLang="ja-JP" sz="2400" dirty="0"/>
           </a:p>
@@ -25788,7 +25879,7 @@
             </a:r>
             <a:r>
               <a:rPr lang="ja-JP" altLang="en-US" sz="2400" dirty="0"/>
-              <a:t>をデータベースとして使用する予定</a:t>
+              <a:t>をデータベースとして利用する予定</a:t>
             </a:r>
             <a:endParaRPr lang="en-US" altLang="ja-JP" sz="2400" dirty="0"/>
           </a:p>
@@ -25811,7 +25902,7 @@
             </a:r>
             <a:r>
               <a:rPr lang="ja-JP" altLang="en-US" sz="2400" dirty="0"/>
-              <a:t>を使用）</a:t>
+              <a:t>を利用）</a:t>
             </a:r>
             <a:endParaRPr lang="en-US" altLang="ja-JP" sz="2400" dirty="0"/>
           </a:p>
@@ -25832,7 +25923,7 @@
           <a:p>
             <a:r>
               <a:rPr lang="ja-JP" altLang="en-US" sz="2400" dirty="0"/>
-              <a:t>結果を印刷してユーザーに渡すためにプリンターを使用する（すでにプリンターを購入済み）。</a:t>
+              <a:t>結果を印刷してユーザーに渡すためにプリンターを利用する（すでにプリンターを購入済み）。</a:t>
             </a:r>
             <a:endParaRPr kumimoji="1" lang="en-US" altLang="ja-JP" sz="2400" dirty="0"/>
           </a:p>
@@ -26095,7 +26186,7 @@
             </a:r>
             <a:r>
               <a:rPr lang="ja-JP" altLang="en-US" sz="2000" dirty="0"/>
-              <a:t> を使用して実装される</a:t>
+              <a:t> を利用して実装される</a:t>
             </a:r>
           </a:p>
           <a:p>
@@ -26309,7 +26400,7 @@
             </a:r>
             <a:r>
               <a:rPr lang="ja-JP" altLang="en-US" sz="2000" dirty="0"/>
-              <a:t>は仕様ファイルを使用して、</a:t>
+              <a:t>は仕様ファイルを利用して、</a:t>
             </a:r>
             <a:r>
               <a:rPr lang="en-US" altLang="ja-JP" sz="2000" dirty="0"/>

--- a/LOCOMOTION.pptx
+++ b/LOCOMOTION.pptx
@@ -6,34 +6,36 @@
     <p:sldMasterId id="2147483714" r:id="rId2"/>
   </p:sldMasterIdLst>
   <p:notesMasterIdLst>
-    <p:notesMasterId r:id="rId28"/>
+    <p:notesMasterId r:id="rId30"/>
   </p:notesMasterIdLst>
   <p:sldIdLst>
     <p:sldId id="256" r:id="rId3"/>
     <p:sldId id="257" r:id="rId4"/>
     <p:sldId id="258" r:id="rId5"/>
-    <p:sldId id="272" r:id="rId6"/>
-    <p:sldId id="261" r:id="rId7"/>
-    <p:sldId id="260" r:id="rId8"/>
-    <p:sldId id="262" r:id="rId9"/>
-    <p:sldId id="274" r:id="rId10"/>
-    <p:sldId id="275" r:id="rId11"/>
-    <p:sldId id="276" r:id="rId12"/>
-    <p:sldId id="277" r:id="rId13"/>
-    <p:sldId id="278" r:id="rId14"/>
-    <p:sldId id="267" r:id="rId15"/>
-    <p:sldId id="284" r:id="rId16"/>
-    <p:sldId id="281" r:id="rId17"/>
-    <p:sldId id="279" r:id="rId18"/>
-    <p:sldId id="282" r:id="rId19"/>
-    <p:sldId id="283" r:id="rId20"/>
-    <p:sldId id="266" r:id="rId21"/>
-    <p:sldId id="265" r:id="rId22"/>
-    <p:sldId id="271" r:id="rId23"/>
-    <p:sldId id="270" r:id="rId24"/>
-    <p:sldId id="263" r:id="rId25"/>
-    <p:sldId id="285" r:id="rId26"/>
-    <p:sldId id="287" r:id="rId27"/>
+    <p:sldId id="288" r:id="rId6"/>
+    <p:sldId id="272" r:id="rId7"/>
+    <p:sldId id="261" r:id="rId8"/>
+    <p:sldId id="260" r:id="rId9"/>
+    <p:sldId id="262" r:id="rId10"/>
+    <p:sldId id="266" r:id="rId11"/>
+    <p:sldId id="265" r:id="rId12"/>
+    <p:sldId id="274" r:id="rId13"/>
+    <p:sldId id="275" r:id="rId14"/>
+    <p:sldId id="276" r:id="rId15"/>
+    <p:sldId id="277" r:id="rId16"/>
+    <p:sldId id="278" r:id="rId17"/>
+    <p:sldId id="267" r:id="rId18"/>
+    <p:sldId id="284" r:id="rId19"/>
+    <p:sldId id="279" r:id="rId20"/>
+    <p:sldId id="281" r:id="rId21"/>
+    <p:sldId id="289" r:id="rId22"/>
+    <p:sldId id="282" r:id="rId23"/>
+    <p:sldId id="283" r:id="rId24"/>
+    <p:sldId id="271" r:id="rId25"/>
+    <p:sldId id="270" r:id="rId26"/>
+    <p:sldId id="263" r:id="rId27"/>
+    <p:sldId id="285" r:id="rId28"/>
+    <p:sldId id="287" r:id="rId29"/>
   </p:sldIdLst>
   <p:sldSz cx="12192000" cy="6858000"/>
   <p:notesSz cx="9939338" cy="6807200"/>
@@ -4991,7 +4993,7 @@
           <a:p>
             <a:fld id="{40394EA3-A8D3-42DC-A7DD-8A5F263E5D3E}" type="datetimeFigureOut">
               <a:rPr lang="en-US" smtClean="0"/>
-              <a:t>12/4/2023</a:t>
+              <a:t>12/18/2023</a:t>
             </a:fld>
             <a:endParaRPr lang="en-US"/>
           </a:p>
@@ -5342,7 +5344,7 @@
           <a:p>
             <a:fld id="{E514846E-43DE-4673-B789-A08E43E45A17}" type="slidenum">
               <a:rPr lang="en-US" smtClean="0"/>
-              <a:t>4</a:t>
+              <a:t>5</a:t>
             </a:fld>
             <a:endParaRPr lang="en-US"/>
           </a:p>
@@ -5352,6 +5354,90 @@
     <p:extLst>
       <p:ext uri="{BB962C8B-B14F-4D97-AF65-F5344CB8AC3E}">
         <p14:creationId xmlns:p14="http://schemas.microsoft.com/office/powerpoint/2010/main" val="3890642740"/>
+      </p:ext>
+    </p:extLst>
+  </p:cSld>
+  <p:clrMapOvr>
+    <a:masterClrMapping/>
+  </p:clrMapOvr>
+</p:notes>
+</file>
+
+<file path=ppt/notesSlides/notesSlide2.xml><?xml version="1.0" encoding="utf-8"?>
+<p:notes xmlns:a="http://schemas.openxmlformats.org/drawingml/2006/main" xmlns:r="http://schemas.openxmlformats.org/officeDocument/2006/relationships" xmlns:p="http://schemas.openxmlformats.org/presentationml/2006/main">
+  <p:cSld>
+    <p:spTree>
+      <p:nvGrpSpPr>
+        <p:cNvPr id="1" name=""/>
+        <p:cNvGrpSpPr/>
+        <p:nvPr/>
+      </p:nvGrpSpPr>
+      <p:grpSpPr>
+        <a:xfrm>
+          <a:off x="0" y="0"/>
+          <a:ext cx="0" cy="0"/>
+          <a:chOff x="0" y="0"/>
+          <a:chExt cx="0" cy="0"/>
+        </a:xfrm>
+      </p:grpSpPr>
+      <p:sp>
+        <p:nvSpPr>
+          <p:cNvPr id="2" name="スライド イメージ プレースホルダー 1"/>
+          <p:cNvSpPr>
+            <a:spLocks noGrp="1" noRot="1" noChangeAspect="1"/>
+          </p:cNvSpPr>
+          <p:nvPr>
+            <p:ph type="sldImg"/>
+          </p:nvPr>
+        </p:nvSpPr>
+        <p:spPr/>
+      </p:sp>
+      <p:sp>
+        <p:nvSpPr>
+          <p:cNvPr id="3" name="ノート プレースホルダー 2"/>
+          <p:cNvSpPr>
+            <a:spLocks noGrp="1"/>
+          </p:cNvSpPr>
+          <p:nvPr>
+            <p:ph type="body" idx="1"/>
+          </p:nvPr>
+        </p:nvSpPr>
+        <p:spPr/>
+        <p:txBody>
+          <a:bodyPr/>
+          <a:lstStyle/>
+          <a:p>
+            <a:endParaRPr kumimoji="1" lang="ja-JP" altLang="en-US" dirty="0"/>
+          </a:p>
+        </p:txBody>
+      </p:sp>
+      <p:sp>
+        <p:nvSpPr>
+          <p:cNvPr id="4" name="スライド番号プレースホルダー 3"/>
+          <p:cNvSpPr>
+            <a:spLocks noGrp="1"/>
+          </p:cNvSpPr>
+          <p:nvPr>
+            <p:ph type="sldNum" sz="quarter" idx="5"/>
+          </p:nvPr>
+        </p:nvSpPr>
+        <p:spPr/>
+        <p:txBody>
+          <a:bodyPr/>
+          <a:lstStyle/>
+          <a:p>
+            <a:fld id="{E514846E-43DE-4673-B789-A08E43E45A17}" type="slidenum">
+              <a:rPr lang="en-US" smtClean="0"/>
+              <a:t>19</a:t>
+            </a:fld>
+            <a:endParaRPr lang="en-US"/>
+          </a:p>
+        </p:txBody>
+      </p:sp>
+    </p:spTree>
+    <p:extLst>
+      <p:ext uri="{BB962C8B-B14F-4D97-AF65-F5344CB8AC3E}">
+        <p14:creationId xmlns:p14="http://schemas.microsoft.com/office/powerpoint/2010/main" val="3721419257"/>
       </p:ext>
     </p:extLst>
   </p:cSld>
@@ -7706,7 +7792,7 @@
           <a:p>
             <a:fld id="{3C04E684-10F4-4CC3-A0B9-F03AA7BE37CF}" type="datetimeFigureOut">
               <a:rPr lang="en-US" smtClean="0"/>
-              <a:t>12/4/2023</a:t>
+              <a:t>12/18/2023</a:t>
             </a:fld>
             <a:endParaRPr lang="en-US"/>
           </a:p>
@@ -10196,7 +10282,7 @@
           <a:p>
             <a:fld id="{3C04E684-10F4-4CC3-A0B9-F03AA7BE37CF}" type="datetimeFigureOut">
               <a:rPr lang="en-US" smtClean="0"/>
-              <a:t>12/4/2023</a:t>
+              <a:t>12/18/2023</a:t>
             </a:fld>
             <a:endParaRPr lang="en-US"/>
           </a:p>
@@ -10394,7 +10480,7 @@
           <a:p>
             <a:fld id="{3C04E684-10F4-4CC3-A0B9-F03AA7BE37CF}" type="datetimeFigureOut">
               <a:rPr lang="en-US" smtClean="0"/>
-              <a:t>12/4/2023</a:t>
+              <a:t>12/18/2023</a:t>
             </a:fld>
             <a:endParaRPr lang="en-US"/>
           </a:p>
@@ -10602,7 +10688,7 @@
           <a:p>
             <a:fld id="{3C04E684-10F4-4CC3-A0B9-F03AA7BE37CF}" type="datetimeFigureOut">
               <a:rPr lang="en-US" smtClean="0"/>
-              <a:t>12/4/2023</a:t>
+              <a:t>12/18/2023</a:t>
             </a:fld>
             <a:endParaRPr lang="en-US"/>
           </a:p>
@@ -10822,7 +10908,7 @@
           <a:p>
             <a:fld id="{3C04E684-10F4-4CC3-A0B9-F03AA7BE37CF}" type="datetimeFigureOut">
               <a:rPr lang="en-US" smtClean="0"/>
-              <a:t>12/4/2023</a:t>
+              <a:t>12/18/2023</a:t>
             </a:fld>
             <a:endParaRPr lang="en-US"/>
           </a:p>
@@ -11052,7 +11138,7 @@
           <a:p>
             <a:fld id="{3C04E684-10F4-4CC3-A0B9-F03AA7BE37CF}" type="datetimeFigureOut">
               <a:rPr lang="en-US" smtClean="0"/>
-              <a:t>12/4/2023</a:t>
+              <a:t>12/18/2023</a:t>
             </a:fld>
             <a:endParaRPr lang="en-US"/>
           </a:p>
@@ -11327,7 +11413,7 @@
           <a:p>
             <a:fld id="{3C04E684-10F4-4CC3-A0B9-F03AA7BE37CF}" type="datetimeFigureOut">
               <a:rPr lang="en-US" smtClean="0"/>
-              <a:t>12/4/2023</a:t>
+              <a:t>12/18/2023</a:t>
             </a:fld>
             <a:endParaRPr lang="en-US"/>
           </a:p>
@@ -11656,7 +11742,7 @@
           <a:p>
             <a:fld id="{3C04E684-10F4-4CC3-A0B9-F03AA7BE37CF}" type="datetimeFigureOut">
               <a:rPr lang="en-US" smtClean="0"/>
-              <a:t>12/4/2023</a:t>
+              <a:t>12/18/2023</a:t>
             </a:fld>
             <a:endParaRPr lang="en-US"/>
           </a:p>
@@ -12132,7 +12218,7 @@
           <a:p>
             <a:fld id="{3C04E684-10F4-4CC3-A0B9-F03AA7BE37CF}" type="datetimeFigureOut">
               <a:rPr lang="en-US" smtClean="0"/>
-              <a:t>12/4/2023</a:t>
+              <a:t>12/18/2023</a:t>
             </a:fld>
             <a:endParaRPr lang="en-US"/>
           </a:p>
@@ -12273,7 +12359,7 @@
           <a:p>
             <a:fld id="{3C04E684-10F4-4CC3-A0B9-F03AA7BE37CF}" type="datetimeFigureOut">
               <a:rPr lang="en-US" smtClean="0"/>
-              <a:t>12/4/2023</a:t>
+              <a:t>12/18/2023</a:t>
             </a:fld>
             <a:endParaRPr lang="en-US"/>
           </a:p>
@@ -12386,7 +12472,7 @@
           <a:p>
             <a:fld id="{3C04E684-10F4-4CC3-A0B9-F03AA7BE37CF}" type="datetimeFigureOut">
               <a:rPr lang="en-US" smtClean="0"/>
-              <a:t>12/4/2023</a:t>
+              <a:t>12/18/2023</a:t>
             </a:fld>
             <a:endParaRPr lang="en-US"/>
           </a:p>
@@ -13123,7 +13209,7 @@
           <a:p>
             <a:fld id="{3C04E684-10F4-4CC3-A0B9-F03AA7BE37CF}" type="datetimeFigureOut">
               <a:rPr lang="en-US" smtClean="0"/>
-              <a:t>12/4/2023</a:t>
+              <a:t>12/18/2023</a:t>
             </a:fld>
             <a:endParaRPr lang="en-US"/>
           </a:p>
@@ -13466,7 +13552,7 @@
           <a:p>
             <a:fld id="{3C04E684-10F4-4CC3-A0B9-F03AA7BE37CF}" type="datetimeFigureOut">
               <a:rPr lang="en-US" smtClean="0"/>
-              <a:t>12/4/2023</a:t>
+              <a:t>12/18/2023</a:t>
             </a:fld>
             <a:endParaRPr lang="en-US"/>
           </a:p>
@@ -13754,7 +13840,7 @@
           <a:p>
             <a:fld id="{3C04E684-10F4-4CC3-A0B9-F03AA7BE37CF}" type="datetimeFigureOut">
               <a:rPr lang="en-US" smtClean="0"/>
-              <a:t>12/4/2023</a:t>
+              <a:t>12/18/2023</a:t>
             </a:fld>
             <a:endParaRPr lang="en-US"/>
           </a:p>
@@ -13984,7 +14070,7 @@
           <a:p>
             <a:fld id="{3C04E684-10F4-4CC3-A0B9-F03AA7BE37CF}" type="datetimeFigureOut">
               <a:rPr lang="en-US" smtClean="0"/>
-              <a:t>12/4/2023</a:t>
+              <a:t>12/18/2023</a:t>
             </a:fld>
             <a:endParaRPr lang="en-US"/>
           </a:p>
@@ -14224,7 +14310,7 @@
           <a:p>
             <a:fld id="{3C04E684-10F4-4CC3-A0B9-F03AA7BE37CF}" type="datetimeFigureOut">
               <a:rPr lang="en-US" smtClean="0"/>
-              <a:t>12/4/2023</a:t>
+              <a:t>12/18/2023</a:t>
             </a:fld>
             <a:endParaRPr lang="en-US"/>
           </a:p>
@@ -14866,7 +14952,7 @@
           <a:p>
             <a:fld id="{3C04E684-10F4-4CC3-A0B9-F03AA7BE37CF}" type="datetimeFigureOut">
               <a:rPr lang="en-US" smtClean="0"/>
-              <a:t>12/4/2023</a:t>
+              <a:t>12/18/2023</a:t>
             </a:fld>
             <a:endParaRPr lang="en-US"/>
           </a:p>
@@ -15666,7 +15752,7 @@
           <a:p>
             <a:fld id="{3C04E684-10F4-4CC3-A0B9-F03AA7BE37CF}" type="datetimeFigureOut">
               <a:rPr lang="en-US" smtClean="0"/>
-              <a:t>12/4/2023</a:t>
+              <a:t>12/18/2023</a:t>
             </a:fld>
             <a:endParaRPr lang="en-US"/>
           </a:p>
@@ -16617,7 +16703,7 @@
           <a:p>
             <a:fld id="{3C04E684-10F4-4CC3-A0B9-F03AA7BE37CF}" type="datetimeFigureOut">
               <a:rPr lang="en-US" smtClean="0"/>
-              <a:t>12/4/2023</a:t>
+              <a:t>12/18/2023</a:t>
             </a:fld>
             <a:endParaRPr lang="en-US"/>
           </a:p>
@@ -18966,7 +19052,7 @@
           <a:p>
             <a:fld id="{3C04E684-10F4-4CC3-A0B9-F03AA7BE37CF}" type="datetimeFigureOut">
               <a:rPr lang="en-US" smtClean="0"/>
-              <a:t>12/4/2023</a:t>
+              <a:t>12/18/2023</a:t>
             </a:fld>
             <a:endParaRPr lang="en-US"/>
           </a:p>
@@ -19079,7 +19165,7 @@
           <a:p>
             <a:fld id="{3C04E684-10F4-4CC3-A0B9-F03AA7BE37CF}" type="datetimeFigureOut">
               <a:rPr lang="en-US" smtClean="0"/>
-              <a:t>12/4/2023</a:t>
+              <a:t>12/18/2023</a:t>
             </a:fld>
             <a:endParaRPr lang="en-US"/>
           </a:p>
@@ -19586,7 +19672,7 @@
           <a:p>
             <a:fld id="{3C04E684-10F4-4CC3-A0B9-F03AA7BE37CF}" type="datetimeFigureOut">
               <a:rPr lang="en-US" smtClean="0"/>
-              <a:t>12/4/2023</a:t>
+              <a:t>12/18/2023</a:t>
             </a:fld>
             <a:endParaRPr lang="en-US"/>
           </a:p>
@@ -20889,7 +20975,7 @@
           <a:p>
             <a:fld id="{3C04E684-10F4-4CC3-A0B9-F03AA7BE37CF}" type="datetimeFigureOut">
               <a:rPr lang="en-US" smtClean="0"/>
-              <a:t>12/4/2023</a:t>
+              <a:t>12/18/2023</a:t>
             </a:fld>
             <a:endParaRPr lang="en-US"/>
           </a:p>
@@ -21132,7 +21218,7 @@
           <a:p>
             <a:fld id="{3C04E684-10F4-4CC3-A0B9-F03AA7BE37CF}" type="datetimeFigureOut">
               <a:rPr lang="en-US" smtClean="0"/>
-              <a:t>12/4/2023</a:t>
+              <a:t>12/18/2023</a:t>
             </a:fld>
             <a:endParaRPr lang="en-US"/>
           </a:p>
@@ -21733,7 +21819,7 @@
           <a:p>
             <a:fld id="{3C04E684-10F4-4CC3-A0B9-F03AA7BE37CF}" type="datetimeFigureOut">
               <a:rPr lang="en-US" smtClean="0"/>
-              <a:t>12/4/2023</a:t>
+              <a:t>12/18/2023</a:t>
             </a:fld>
             <a:endParaRPr lang="en-US"/>
           </a:p>
@@ -22188,12 +22274,8 @@
           <a:p>
             <a:pPr algn="ctr"/>
             <a:r>
-              <a:rPr kumimoji="1" lang="en-US" altLang="ja-JP" sz="4400" dirty="0" err="1"/>
-              <a:t>Kivy</a:t>
-            </a:r>
-            <a:r>
-              <a:rPr kumimoji="1" lang="ja-JP" altLang="en-US" sz="4400" dirty="0"/>
-              <a:t>環境によるロコモ年齢測定システムのモバイルアプリ開発</a:t>
+              <a:rPr kumimoji="1" lang="ja-JP" altLang="en-US" sz="4400" b="1" dirty="0"/>
+              <a:t>ロコモ年齢測定システムのモバイルアプリ開発</a:t>
             </a:r>
           </a:p>
         </p:txBody>
@@ -22288,2735 +22370,6 @@
 </file>
 
 <file path=ppt/slides/slide10.xml><?xml version="1.0" encoding="utf-8"?>
-<p:sld xmlns:a="http://schemas.openxmlformats.org/drawingml/2006/main" xmlns:r="http://schemas.openxmlformats.org/officeDocument/2006/relationships" xmlns:p="http://schemas.openxmlformats.org/presentationml/2006/main">
-  <p:cSld>
-    <p:spTree>
-      <p:nvGrpSpPr>
-        <p:cNvPr id="1" name=""/>
-        <p:cNvGrpSpPr/>
-        <p:nvPr/>
-      </p:nvGrpSpPr>
-      <p:grpSpPr>
-        <a:xfrm>
-          <a:off x="0" y="0"/>
-          <a:ext cx="0" cy="0"/>
-          <a:chOff x="0" y="0"/>
-          <a:chExt cx="0" cy="0"/>
-        </a:xfrm>
-      </p:grpSpPr>
-      <p:sp>
-        <p:nvSpPr>
-          <p:cNvPr id="2" name="タイトル 1">
-            <a:extLst>
-              <a:ext uri="{FF2B5EF4-FFF2-40B4-BE49-F238E27FC236}">
-                <a16:creationId xmlns:a16="http://schemas.microsoft.com/office/drawing/2014/main" id="{6EEB1D21-E123-6A0D-4387-7842071A44C3}"/>
-              </a:ext>
-            </a:extLst>
-          </p:cNvPr>
-          <p:cNvSpPr>
-            <a:spLocks noGrp="1"/>
-          </p:cNvSpPr>
-          <p:nvPr>
-            <p:ph type="title"/>
-          </p:nvPr>
-        </p:nvSpPr>
-        <p:spPr>
-          <a:xfrm>
-            <a:off x="508262" y="6906"/>
-            <a:ext cx="10515600" cy="1325563"/>
-          </a:xfrm>
-        </p:spPr>
-        <p:txBody>
-          <a:bodyPr>
-            <a:normAutofit/>
-          </a:bodyPr>
-          <a:lstStyle/>
-          <a:p>
-            <a:r>
-              <a:rPr kumimoji="1" lang="ja-JP" altLang="en-US" sz="2800" dirty="0"/>
-              <a:t>説明画面</a:t>
-            </a:r>
-            <a:r>
-              <a:rPr kumimoji="1" lang="en-US" altLang="ja-JP" sz="2800" dirty="0"/>
-              <a:t>(</a:t>
-            </a:r>
-            <a:r>
-              <a:rPr lang="en-US" altLang="ja-JP" sz="2800" dirty="0"/>
-              <a:t>Explanation</a:t>
-            </a:r>
-            <a:r>
-              <a:rPr kumimoji="1" lang="ja-JP" altLang="en-US" sz="2800" dirty="0"/>
-              <a:t> </a:t>
-            </a:r>
-            <a:r>
-              <a:rPr kumimoji="1" lang="en-US" altLang="ja-JP" sz="2800" dirty="0"/>
-              <a:t>Window</a:t>
-            </a:r>
-            <a:r>
-              <a:rPr lang="ja-JP" altLang="en-US" sz="2800" dirty="0"/>
-              <a:t>）</a:t>
-            </a:r>
-            <a:endParaRPr kumimoji="1" lang="ja-JP" altLang="en-US" dirty="0"/>
-          </a:p>
-        </p:txBody>
-      </p:sp>
-      <p:sp>
-        <p:nvSpPr>
-          <p:cNvPr id="3" name="コンテンツ プレースホルダー 2">
-            <a:extLst>
-              <a:ext uri="{FF2B5EF4-FFF2-40B4-BE49-F238E27FC236}">
-                <a16:creationId xmlns:a16="http://schemas.microsoft.com/office/drawing/2014/main" id="{FBEFD887-8E4D-0747-2470-BA7EA0F692F7}"/>
-              </a:ext>
-            </a:extLst>
-          </p:cNvPr>
-          <p:cNvSpPr>
-            <a:spLocks noGrp="1"/>
-          </p:cNvSpPr>
-          <p:nvPr>
-            <p:ph idx="1"/>
-          </p:nvPr>
-        </p:nvSpPr>
-        <p:spPr>
-          <a:xfrm>
-            <a:off x="627529" y="1140824"/>
-            <a:ext cx="5797731" cy="3315846"/>
-          </a:xfrm>
-        </p:spPr>
-        <p:txBody>
-          <a:bodyPr>
-            <a:normAutofit/>
-          </a:bodyPr>
-          <a:lstStyle/>
-          <a:p>
-            <a:r>
-              <a:rPr kumimoji="1" lang="ja-JP" altLang="en-US" sz="2000" dirty="0"/>
-              <a:t>テストの時の動作や立ち上がりテストの詳細説明を表示する画面</a:t>
-            </a:r>
-          </a:p>
-        </p:txBody>
-      </p:sp>
-      <p:cxnSp>
-        <p:nvCxnSpPr>
-          <p:cNvPr id="4" name="直線コネクタ 3">
-            <a:extLst>
-              <a:ext uri="{FF2B5EF4-FFF2-40B4-BE49-F238E27FC236}">
-                <a16:creationId xmlns:a16="http://schemas.microsoft.com/office/drawing/2014/main" id="{77FD0231-A0D6-70F0-63A7-A1184127BCDF}"/>
-              </a:ext>
-            </a:extLst>
-          </p:cNvPr>
-          <p:cNvCxnSpPr>
-            <a:cxnSpLocks/>
-          </p:cNvCxnSpPr>
-          <p:nvPr/>
-        </p:nvCxnSpPr>
-        <p:spPr>
-          <a:xfrm>
-            <a:off x="627529" y="1001486"/>
-            <a:ext cx="10726271" cy="0"/>
-          </a:xfrm>
-          <a:prstGeom prst="line">
-            <a:avLst/>
-          </a:prstGeom>
-          <a:ln w="38100" cmpd="dbl">
-            <a:solidFill>
-              <a:schemeClr val="tx1"/>
-            </a:solidFill>
-          </a:ln>
-        </p:spPr>
-        <p:style>
-          <a:lnRef idx="1">
-            <a:schemeClr val="accent1"/>
-          </a:lnRef>
-          <a:fillRef idx="0">
-            <a:schemeClr val="accent1"/>
-          </a:fillRef>
-          <a:effectRef idx="0">
-            <a:schemeClr val="accent1"/>
-          </a:effectRef>
-          <a:fontRef idx="minor">
-            <a:schemeClr val="tx1"/>
-          </a:fontRef>
-        </p:style>
-      </p:cxnSp>
-      <p:pic>
-        <p:nvPicPr>
-          <p:cNvPr id="7" name="図 6" descr="テキスト&#10;&#10;自動的に生成された説明">
-            <a:extLst>
-              <a:ext uri="{FF2B5EF4-FFF2-40B4-BE49-F238E27FC236}">
-                <a16:creationId xmlns:a16="http://schemas.microsoft.com/office/drawing/2014/main" id="{D8874459-9012-10A9-289A-B46DB134E39A}"/>
-              </a:ext>
-            </a:extLst>
-          </p:cNvPr>
-          <p:cNvPicPr>
-            <a:picLocks noChangeAspect="1"/>
-          </p:cNvPicPr>
-          <p:nvPr/>
-        </p:nvPicPr>
-        <p:blipFill>
-          <a:blip r:embed="rId2">
-            <a:extLst>
-              <a:ext uri="{28A0092B-C50C-407E-A947-70E740481C1C}">
-                <a14:useLocalDpi xmlns:a14="http://schemas.microsoft.com/office/drawing/2010/main" val="0"/>
-              </a:ext>
-            </a:extLst>
-          </a:blip>
-          <a:stretch>
-            <a:fillRect/>
-          </a:stretch>
-        </p:blipFill>
-        <p:spPr>
-          <a:xfrm>
-            <a:off x="7731449" y="1140824"/>
-            <a:ext cx="3622351" cy="5366061"/>
-          </a:xfrm>
-          <a:prstGeom prst="rect">
-            <a:avLst/>
-          </a:prstGeom>
-        </p:spPr>
-      </p:pic>
-    </p:spTree>
-    <p:extLst>
-      <p:ext uri="{BB962C8B-B14F-4D97-AF65-F5344CB8AC3E}">
-        <p14:creationId xmlns:p14="http://schemas.microsoft.com/office/powerpoint/2010/main" val="2794326848"/>
-      </p:ext>
-    </p:extLst>
-  </p:cSld>
-  <p:clrMapOvr>
-    <a:masterClrMapping/>
-  </p:clrMapOvr>
-</p:sld>
-</file>
-
-<file path=ppt/slides/slide11.xml><?xml version="1.0" encoding="utf-8"?>
-<p:sld xmlns:a="http://schemas.openxmlformats.org/drawingml/2006/main" xmlns:r="http://schemas.openxmlformats.org/officeDocument/2006/relationships" xmlns:p="http://schemas.openxmlformats.org/presentationml/2006/main">
-  <p:cSld>
-    <p:spTree>
-      <p:nvGrpSpPr>
-        <p:cNvPr id="1" name=""/>
-        <p:cNvGrpSpPr/>
-        <p:nvPr/>
-      </p:nvGrpSpPr>
-      <p:grpSpPr>
-        <a:xfrm>
-          <a:off x="0" y="0"/>
-          <a:ext cx="0" cy="0"/>
-          <a:chOff x="0" y="0"/>
-          <a:chExt cx="0" cy="0"/>
-        </a:xfrm>
-      </p:grpSpPr>
-      <p:sp>
-        <p:nvSpPr>
-          <p:cNvPr id="2" name="タイトル 1">
-            <a:extLst>
-              <a:ext uri="{FF2B5EF4-FFF2-40B4-BE49-F238E27FC236}">
-                <a16:creationId xmlns:a16="http://schemas.microsoft.com/office/drawing/2014/main" id="{6EEB1D21-E123-6A0D-4387-7842071A44C3}"/>
-              </a:ext>
-            </a:extLst>
-          </p:cNvPr>
-          <p:cNvSpPr>
-            <a:spLocks noGrp="1"/>
-          </p:cNvSpPr>
-          <p:nvPr>
-            <p:ph type="title"/>
-          </p:nvPr>
-        </p:nvSpPr>
-        <p:spPr>
-          <a:xfrm>
-            <a:off x="508262" y="6906"/>
-            <a:ext cx="10515600" cy="1325563"/>
-          </a:xfrm>
-        </p:spPr>
-        <p:txBody>
-          <a:bodyPr>
-            <a:normAutofit/>
-          </a:bodyPr>
-          <a:lstStyle/>
-          <a:p>
-            <a:r>
-              <a:rPr kumimoji="1" lang="ja-JP" altLang="en-US" sz="2800" dirty="0"/>
-              <a:t>入力画面</a:t>
-            </a:r>
-            <a:r>
-              <a:rPr kumimoji="1" lang="en-US" altLang="ja-JP" sz="2800" dirty="0"/>
-              <a:t>(Input</a:t>
-            </a:r>
-            <a:r>
-              <a:rPr kumimoji="1" lang="ja-JP" altLang="en-US" sz="2800" dirty="0"/>
-              <a:t> </a:t>
-            </a:r>
-            <a:r>
-              <a:rPr kumimoji="1" lang="en-US" altLang="ja-JP" sz="2800" dirty="0"/>
-              <a:t>Window</a:t>
-            </a:r>
-            <a:r>
-              <a:rPr lang="ja-JP" altLang="en-US" sz="2800" dirty="0"/>
-              <a:t>）</a:t>
-            </a:r>
-            <a:endParaRPr kumimoji="1" lang="ja-JP" altLang="en-US" dirty="0"/>
-          </a:p>
-        </p:txBody>
-      </p:sp>
-      <p:sp>
-        <p:nvSpPr>
-          <p:cNvPr id="3" name="コンテンツ プレースホルダー 2">
-            <a:extLst>
-              <a:ext uri="{FF2B5EF4-FFF2-40B4-BE49-F238E27FC236}">
-                <a16:creationId xmlns:a16="http://schemas.microsoft.com/office/drawing/2014/main" id="{FBEFD887-8E4D-0747-2470-BA7EA0F692F7}"/>
-              </a:ext>
-            </a:extLst>
-          </p:cNvPr>
-          <p:cNvSpPr>
-            <a:spLocks noGrp="1"/>
-          </p:cNvSpPr>
-          <p:nvPr>
-            <p:ph idx="1"/>
-          </p:nvPr>
-        </p:nvSpPr>
-        <p:spPr>
-          <a:xfrm>
-            <a:off x="627529" y="1332469"/>
-            <a:ext cx="5797731" cy="4160520"/>
-          </a:xfrm>
-        </p:spPr>
-        <p:txBody>
-          <a:bodyPr>
-            <a:noAutofit/>
-          </a:bodyPr>
-          <a:lstStyle/>
-          <a:p>
-            <a:r>
-              <a:rPr lang="ja-JP" altLang="en-US" sz="2000" dirty="0"/>
-              <a:t>ユーザーは自分の身長と年齢を入力し、システムは入力されたメトリクスに基づいてユーザーに適切な測定値を提供する。</a:t>
-            </a:r>
-            <a:endParaRPr lang="en-US" altLang="ja-JP" sz="2000" dirty="0"/>
-          </a:p>
-          <a:p>
-            <a:r>
-              <a:rPr lang="ja-JP" altLang="en-US" sz="2000" dirty="0"/>
-              <a:t>「性別」のメトリクスはまだ実装されていない。なぜなら、関連する計算にはまだ必要がない。</a:t>
-            </a:r>
-            <a:endParaRPr lang="en-US" altLang="ja-JP" sz="2000" dirty="0"/>
-          </a:p>
-          <a:p>
-            <a:r>
-              <a:rPr lang="ja-JP" altLang="en-US" sz="2000" dirty="0"/>
-              <a:t>ユーザーはテストをすぐに受けるか、テストを受ける前に自信を持つまで練習することができる。</a:t>
-            </a:r>
-            <a:endParaRPr lang="en-US" altLang="ja-JP" sz="2000" dirty="0"/>
-          </a:p>
-          <a:p>
-            <a:r>
-              <a:rPr lang="ja-JP" altLang="en-US" sz="2000" dirty="0"/>
-              <a:t>不適切な値が入力された場合、テキストフィールドが強調表示され、エラーメッセージが表示される。</a:t>
-            </a:r>
-            <a:endParaRPr lang="en-US" altLang="ja-JP" sz="2000" dirty="0"/>
-          </a:p>
-          <a:p>
-            <a:r>
-              <a:rPr lang="ja-JP" altLang="en-US" sz="2000" dirty="0"/>
-              <a:t>年齢の範囲は（</a:t>
-            </a:r>
-            <a:r>
-              <a:rPr lang="en-US" altLang="ja-JP" sz="2000" dirty="0"/>
-              <a:t>15-95</a:t>
-            </a:r>
-            <a:r>
-              <a:rPr lang="ja-JP" altLang="en-US" sz="2000" dirty="0"/>
-              <a:t>歳）で、身長の範囲は</a:t>
-            </a:r>
-            <a:r>
-              <a:rPr lang="en-US" altLang="ja-JP" sz="2000" dirty="0"/>
-              <a:t>90cm</a:t>
-            </a:r>
-            <a:r>
-              <a:rPr lang="ja-JP" altLang="en-US" sz="2000" dirty="0"/>
-              <a:t>から</a:t>
-            </a:r>
-            <a:r>
-              <a:rPr lang="en-US" altLang="ja-JP" sz="2000" dirty="0"/>
-              <a:t>200cm</a:t>
-            </a:r>
-            <a:r>
-              <a:rPr lang="ja-JP" altLang="en-US" sz="2000" dirty="0"/>
-              <a:t>である</a:t>
-            </a:r>
-            <a:endParaRPr kumimoji="1" lang="ja-JP" altLang="en-US" sz="2000" dirty="0"/>
-          </a:p>
-        </p:txBody>
-      </p:sp>
-      <p:cxnSp>
-        <p:nvCxnSpPr>
-          <p:cNvPr id="4" name="直線コネクタ 3">
-            <a:extLst>
-              <a:ext uri="{FF2B5EF4-FFF2-40B4-BE49-F238E27FC236}">
-                <a16:creationId xmlns:a16="http://schemas.microsoft.com/office/drawing/2014/main" id="{77FD0231-A0D6-70F0-63A7-A1184127BCDF}"/>
-              </a:ext>
-            </a:extLst>
-          </p:cNvPr>
-          <p:cNvCxnSpPr>
-            <a:cxnSpLocks/>
-          </p:cNvCxnSpPr>
-          <p:nvPr/>
-        </p:nvCxnSpPr>
-        <p:spPr>
-          <a:xfrm>
-            <a:off x="627529" y="1001486"/>
-            <a:ext cx="10726271" cy="0"/>
-          </a:xfrm>
-          <a:prstGeom prst="line">
-            <a:avLst/>
-          </a:prstGeom>
-          <a:ln w="38100" cmpd="dbl">
-            <a:solidFill>
-              <a:schemeClr val="tx1"/>
-            </a:solidFill>
-          </a:ln>
-        </p:spPr>
-        <p:style>
-          <a:lnRef idx="1">
-            <a:schemeClr val="accent1"/>
-          </a:lnRef>
-          <a:fillRef idx="0">
-            <a:schemeClr val="accent1"/>
-          </a:fillRef>
-          <a:effectRef idx="0">
-            <a:schemeClr val="accent1"/>
-          </a:effectRef>
-          <a:fontRef idx="minor">
-            <a:schemeClr val="tx1"/>
-          </a:fontRef>
-        </p:style>
-      </p:cxnSp>
-      <p:pic>
-        <p:nvPicPr>
-          <p:cNvPr id="7" name="図 6" descr="グラフィカル ユーザー インターフェイス, アプリケーション, Teams&#10;&#10;自動的に生成された説明">
-            <a:extLst>
-              <a:ext uri="{FF2B5EF4-FFF2-40B4-BE49-F238E27FC236}">
-                <a16:creationId xmlns:a16="http://schemas.microsoft.com/office/drawing/2014/main" id="{815BC05C-C0C6-1553-AEC7-255B50A088D8}"/>
-              </a:ext>
-            </a:extLst>
-          </p:cNvPr>
-          <p:cNvPicPr>
-            <a:picLocks noChangeAspect="1"/>
-          </p:cNvPicPr>
-          <p:nvPr/>
-        </p:nvPicPr>
-        <p:blipFill>
-          <a:blip r:embed="rId2">
-            <a:extLst>
-              <a:ext uri="{28A0092B-C50C-407E-A947-70E740481C1C}">
-                <a14:useLocalDpi xmlns:a14="http://schemas.microsoft.com/office/drawing/2010/main" val="0"/>
-              </a:ext>
-            </a:extLst>
-          </a:blip>
-          <a:stretch>
-            <a:fillRect/>
-          </a:stretch>
-        </p:blipFill>
-        <p:spPr>
-          <a:xfrm>
-            <a:off x="7788312" y="1123406"/>
-            <a:ext cx="3565488" cy="5228705"/>
-          </a:xfrm>
-          <a:prstGeom prst="rect">
-            <a:avLst/>
-          </a:prstGeom>
-        </p:spPr>
-      </p:pic>
-    </p:spTree>
-    <p:extLst>
-      <p:ext uri="{BB962C8B-B14F-4D97-AF65-F5344CB8AC3E}">
-        <p14:creationId xmlns:p14="http://schemas.microsoft.com/office/powerpoint/2010/main" val="3417610064"/>
-      </p:ext>
-    </p:extLst>
-  </p:cSld>
-  <p:clrMapOvr>
-    <a:masterClrMapping/>
-  </p:clrMapOvr>
-</p:sld>
-</file>
-
-<file path=ppt/slides/slide12.xml><?xml version="1.0" encoding="utf-8"?>
-<p:sld xmlns:a="http://schemas.openxmlformats.org/drawingml/2006/main" xmlns:r="http://schemas.openxmlformats.org/officeDocument/2006/relationships" xmlns:p="http://schemas.openxmlformats.org/presentationml/2006/main">
-  <p:cSld>
-    <p:spTree>
-      <p:nvGrpSpPr>
-        <p:cNvPr id="1" name=""/>
-        <p:cNvGrpSpPr/>
-        <p:nvPr/>
-      </p:nvGrpSpPr>
-      <p:grpSpPr>
-        <a:xfrm>
-          <a:off x="0" y="0"/>
-          <a:ext cx="0" cy="0"/>
-          <a:chOff x="0" y="0"/>
-          <a:chExt cx="0" cy="0"/>
-        </a:xfrm>
-      </p:grpSpPr>
-      <p:sp>
-        <p:nvSpPr>
-          <p:cNvPr id="2" name="タイトル 1">
-            <a:extLst>
-              <a:ext uri="{FF2B5EF4-FFF2-40B4-BE49-F238E27FC236}">
-                <a16:creationId xmlns:a16="http://schemas.microsoft.com/office/drawing/2014/main" id="{6EEB1D21-E123-6A0D-4387-7842071A44C3}"/>
-              </a:ext>
-            </a:extLst>
-          </p:cNvPr>
-          <p:cNvSpPr>
-            <a:spLocks noGrp="1"/>
-          </p:cNvSpPr>
-          <p:nvPr>
-            <p:ph type="title"/>
-          </p:nvPr>
-        </p:nvSpPr>
-        <p:spPr>
-          <a:xfrm>
-            <a:off x="508262" y="6906"/>
-            <a:ext cx="10515600" cy="1325563"/>
-          </a:xfrm>
-        </p:spPr>
-        <p:txBody>
-          <a:bodyPr>
-            <a:normAutofit/>
-          </a:bodyPr>
-          <a:lstStyle/>
-          <a:p>
-            <a:r>
-              <a:rPr kumimoji="1" lang="ja-JP" altLang="en-US" sz="2800" dirty="0"/>
-              <a:t>ローディング画面</a:t>
-            </a:r>
-            <a:r>
-              <a:rPr kumimoji="1" lang="en-US" altLang="ja-JP" sz="2800" dirty="0"/>
-              <a:t>(</a:t>
-            </a:r>
-            <a:r>
-              <a:rPr lang="en-US" altLang="ja-JP" sz="2800" dirty="0"/>
-              <a:t>Loading</a:t>
-            </a:r>
-            <a:r>
-              <a:rPr kumimoji="1" lang="ja-JP" altLang="en-US" sz="2800" dirty="0"/>
-              <a:t> </a:t>
-            </a:r>
-            <a:r>
-              <a:rPr kumimoji="1" lang="en-US" altLang="ja-JP" sz="2800" dirty="0"/>
-              <a:t>Window</a:t>
-            </a:r>
-            <a:r>
-              <a:rPr lang="ja-JP" altLang="en-US" sz="2800" dirty="0"/>
-              <a:t>）</a:t>
-            </a:r>
-            <a:endParaRPr kumimoji="1" lang="ja-JP" altLang="en-US" dirty="0"/>
-          </a:p>
-        </p:txBody>
-      </p:sp>
-      <p:sp>
-        <p:nvSpPr>
-          <p:cNvPr id="3" name="コンテンツ プレースホルダー 2">
-            <a:extLst>
-              <a:ext uri="{FF2B5EF4-FFF2-40B4-BE49-F238E27FC236}">
-                <a16:creationId xmlns:a16="http://schemas.microsoft.com/office/drawing/2014/main" id="{FBEFD887-8E4D-0747-2470-BA7EA0F692F7}"/>
-              </a:ext>
-            </a:extLst>
-          </p:cNvPr>
-          <p:cNvSpPr>
-            <a:spLocks noGrp="1"/>
-          </p:cNvSpPr>
-          <p:nvPr>
-            <p:ph idx="1"/>
-          </p:nvPr>
-        </p:nvSpPr>
-        <p:spPr>
-          <a:xfrm>
-            <a:off x="627529" y="1332469"/>
-            <a:ext cx="5797731" cy="4160520"/>
-          </a:xfrm>
-        </p:spPr>
-        <p:txBody>
-          <a:bodyPr>
-            <a:normAutofit/>
-          </a:bodyPr>
-          <a:lstStyle/>
-          <a:p>
-            <a:r>
-              <a:rPr lang="ja-JP" altLang="en-US" sz="2000" dirty="0"/>
-              <a:t>椅子が目標の高さに移動するのを待っている間のローディング画面</a:t>
-            </a:r>
-            <a:endParaRPr lang="en-US" altLang="ja-JP" sz="2000" dirty="0"/>
-          </a:p>
-          <a:p>
-            <a:r>
-              <a:rPr lang="ja-JP" altLang="en-US" sz="2000" dirty="0"/>
-              <a:t>ユーザーは椅子が動いている間に別の画面に移動することはできない。</a:t>
-            </a:r>
-            <a:endParaRPr lang="en-US" altLang="ja-JP" sz="2000" dirty="0"/>
-          </a:p>
-          <a:p>
-            <a:r>
-              <a:rPr lang="ja-JP" altLang="en-US" sz="2000" dirty="0"/>
-              <a:t>椅子が動いている最中にエラーが発生した場合（緊急停止）、ポップアップ画面が表示され、ユーザーが入力画面に戻される。</a:t>
-            </a:r>
-            <a:endParaRPr lang="en-US" altLang="ja-JP" sz="2000" dirty="0"/>
-          </a:p>
-          <a:p>
-            <a:r>
-              <a:rPr lang="ja-JP" altLang="en-US" sz="2000" dirty="0"/>
-              <a:t>「進む」ボタンは計算された高さに達するまで無効になる。</a:t>
-            </a:r>
-            <a:endParaRPr kumimoji="1" lang="en-US" altLang="ja-JP" sz="2000" dirty="0"/>
-          </a:p>
-        </p:txBody>
-      </p:sp>
-      <p:cxnSp>
-        <p:nvCxnSpPr>
-          <p:cNvPr id="4" name="直線コネクタ 3">
-            <a:extLst>
-              <a:ext uri="{FF2B5EF4-FFF2-40B4-BE49-F238E27FC236}">
-                <a16:creationId xmlns:a16="http://schemas.microsoft.com/office/drawing/2014/main" id="{77FD0231-A0D6-70F0-63A7-A1184127BCDF}"/>
-              </a:ext>
-            </a:extLst>
-          </p:cNvPr>
-          <p:cNvCxnSpPr>
-            <a:cxnSpLocks/>
-          </p:cNvCxnSpPr>
-          <p:nvPr/>
-        </p:nvCxnSpPr>
-        <p:spPr>
-          <a:xfrm>
-            <a:off x="627529" y="1001486"/>
-            <a:ext cx="10726271" cy="0"/>
-          </a:xfrm>
-          <a:prstGeom prst="line">
-            <a:avLst/>
-          </a:prstGeom>
-          <a:ln w="38100" cmpd="dbl">
-            <a:solidFill>
-              <a:schemeClr val="tx1"/>
-            </a:solidFill>
-          </a:ln>
-        </p:spPr>
-        <p:style>
-          <a:lnRef idx="1">
-            <a:schemeClr val="accent1"/>
-          </a:lnRef>
-          <a:fillRef idx="0">
-            <a:schemeClr val="accent1"/>
-          </a:fillRef>
-          <a:effectRef idx="0">
-            <a:schemeClr val="accent1"/>
-          </a:effectRef>
-          <a:fontRef idx="minor">
-            <a:schemeClr val="tx1"/>
-          </a:fontRef>
-        </p:style>
-      </p:cxnSp>
-      <p:pic>
-        <p:nvPicPr>
-          <p:cNvPr id="7" name="図 6" descr="グラフィカル ユーザー インターフェイス, アプリケーション, Teams&#10;&#10;自動的に生成された説明">
-            <a:extLst>
-              <a:ext uri="{FF2B5EF4-FFF2-40B4-BE49-F238E27FC236}">
-                <a16:creationId xmlns:a16="http://schemas.microsoft.com/office/drawing/2014/main" id="{CE72AA40-FDFE-3233-914E-5DE70848822E}"/>
-              </a:ext>
-            </a:extLst>
-          </p:cNvPr>
-          <p:cNvPicPr>
-            <a:picLocks noChangeAspect="1"/>
-          </p:cNvPicPr>
-          <p:nvPr/>
-        </p:nvPicPr>
-        <p:blipFill>
-          <a:blip r:embed="rId2">
-            <a:extLst>
-              <a:ext uri="{28A0092B-C50C-407E-A947-70E740481C1C}">
-                <a14:useLocalDpi xmlns:a14="http://schemas.microsoft.com/office/drawing/2010/main" val="0"/>
-              </a:ext>
-            </a:extLst>
-          </a:blip>
-          <a:stretch>
-            <a:fillRect/>
-          </a:stretch>
-        </p:blipFill>
-        <p:spPr>
-          <a:xfrm>
-            <a:off x="7864951" y="1001486"/>
-            <a:ext cx="3488849" cy="5133306"/>
-          </a:xfrm>
-          <a:prstGeom prst="rect">
-            <a:avLst/>
-          </a:prstGeom>
-        </p:spPr>
-      </p:pic>
-    </p:spTree>
-    <p:extLst>
-      <p:ext uri="{BB962C8B-B14F-4D97-AF65-F5344CB8AC3E}">
-        <p14:creationId xmlns:p14="http://schemas.microsoft.com/office/powerpoint/2010/main" val="671033849"/>
-      </p:ext>
-    </p:extLst>
-  </p:cSld>
-  <p:clrMapOvr>
-    <a:masterClrMapping/>
-  </p:clrMapOvr>
-</p:sld>
-</file>
-
-<file path=ppt/slides/slide13.xml><?xml version="1.0" encoding="utf-8"?>
-<p:sld xmlns:a="http://schemas.openxmlformats.org/drawingml/2006/main" xmlns:r="http://schemas.openxmlformats.org/officeDocument/2006/relationships" xmlns:p="http://schemas.openxmlformats.org/presentationml/2006/main">
-  <p:cSld>
-    <p:spTree>
-      <p:nvGrpSpPr>
-        <p:cNvPr id="1" name=""/>
-        <p:cNvGrpSpPr/>
-        <p:nvPr/>
-      </p:nvGrpSpPr>
-      <p:grpSpPr>
-        <a:xfrm>
-          <a:off x="0" y="0"/>
-          <a:ext cx="0" cy="0"/>
-          <a:chOff x="0" y="0"/>
-          <a:chExt cx="0" cy="0"/>
-        </a:xfrm>
-      </p:grpSpPr>
-      <p:sp>
-        <p:nvSpPr>
-          <p:cNvPr id="2" name="タイトル 1">
-            <a:extLst>
-              <a:ext uri="{FF2B5EF4-FFF2-40B4-BE49-F238E27FC236}">
-                <a16:creationId xmlns:a16="http://schemas.microsoft.com/office/drawing/2014/main" id="{6EEB1D21-E123-6A0D-4387-7842071A44C3}"/>
-              </a:ext>
-            </a:extLst>
-          </p:cNvPr>
-          <p:cNvSpPr>
-            <a:spLocks noGrp="1"/>
-          </p:cNvSpPr>
-          <p:nvPr>
-            <p:ph type="title"/>
-          </p:nvPr>
-        </p:nvSpPr>
-        <p:spPr>
-          <a:xfrm>
-            <a:off x="508262" y="6906"/>
-            <a:ext cx="10515600" cy="1325563"/>
-          </a:xfrm>
-        </p:spPr>
-        <p:txBody>
-          <a:bodyPr>
-            <a:normAutofit/>
-          </a:bodyPr>
-          <a:lstStyle/>
-          <a:p>
-            <a:r>
-              <a:rPr kumimoji="1" lang="ja-JP" altLang="en-US" sz="2800" dirty="0"/>
-              <a:t>テスト画面</a:t>
-            </a:r>
-            <a:r>
-              <a:rPr kumimoji="1" lang="en-US" altLang="ja-JP" sz="2800" dirty="0"/>
-              <a:t>(</a:t>
-            </a:r>
-            <a:r>
-              <a:rPr lang="en-US" altLang="ja-JP" sz="2800" dirty="0"/>
-              <a:t>Test</a:t>
-            </a:r>
-            <a:r>
-              <a:rPr kumimoji="1" lang="ja-JP" altLang="en-US" sz="2800" dirty="0"/>
-              <a:t> </a:t>
-            </a:r>
-            <a:r>
-              <a:rPr kumimoji="1" lang="en-US" altLang="ja-JP" sz="2800" dirty="0"/>
-              <a:t>Window</a:t>
-            </a:r>
-            <a:r>
-              <a:rPr lang="ja-JP" altLang="en-US" sz="2800" dirty="0"/>
-              <a:t>）</a:t>
-            </a:r>
-            <a:endParaRPr kumimoji="1" lang="ja-JP" altLang="en-US" dirty="0"/>
-          </a:p>
-        </p:txBody>
-      </p:sp>
-      <p:sp>
-        <p:nvSpPr>
-          <p:cNvPr id="3" name="コンテンツ プレースホルダー 2">
-            <a:extLst>
-              <a:ext uri="{FF2B5EF4-FFF2-40B4-BE49-F238E27FC236}">
-                <a16:creationId xmlns:a16="http://schemas.microsoft.com/office/drawing/2014/main" id="{FBEFD887-8E4D-0747-2470-BA7EA0F692F7}"/>
-              </a:ext>
-            </a:extLst>
-          </p:cNvPr>
-          <p:cNvSpPr>
-            <a:spLocks noGrp="1"/>
-          </p:cNvSpPr>
-          <p:nvPr>
-            <p:ph idx="1"/>
-          </p:nvPr>
-        </p:nvSpPr>
-        <p:spPr>
-          <a:xfrm>
-            <a:off x="627529" y="1332469"/>
-            <a:ext cx="5797731" cy="4589360"/>
-          </a:xfrm>
-        </p:spPr>
-        <p:txBody>
-          <a:bodyPr>
-            <a:normAutofit/>
-          </a:bodyPr>
-          <a:lstStyle/>
-          <a:p>
-            <a:r>
-              <a:rPr lang="ja-JP" altLang="en-US" sz="2000" dirty="0"/>
-              <a:t>この画面は、テスト画面でユーザーに何をするかを案内する。明確な画像と説明が提供する。</a:t>
-            </a:r>
-            <a:endParaRPr lang="en-US" altLang="ja-JP" sz="2000" dirty="0"/>
-          </a:p>
-          <a:p>
-            <a:r>
-              <a:rPr lang="ja-JP" altLang="en-US" sz="2000" dirty="0"/>
-              <a:t>ユーザーは現在のテストに合格するか不合格にするかを選択し、次のステージに進む。</a:t>
-            </a:r>
-            <a:endParaRPr lang="en-US" altLang="ja-JP" sz="2000" dirty="0"/>
-          </a:p>
-          <a:p>
-            <a:r>
-              <a:rPr lang="ja-JP" altLang="en-US" sz="2000" dirty="0"/>
-              <a:t>現時点では、再試回数はテストの結果に影響しない</a:t>
-            </a:r>
-            <a:endParaRPr kumimoji="1" lang="en-US" altLang="ja-JP" sz="2000" dirty="0"/>
-          </a:p>
-          <a:p>
-            <a:r>
-              <a:rPr lang="ja-JP" altLang="en-US" sz="2000" dirty="0"/>
-              <a:t>「未実装」</a:t>
-            </a:r>
-            <a:r>
-              <a:rPr lang="en-US" altLang="ja-JP" sz="2000" dirty="0"/>
-              <a:t>; </a:t>
-            </a:r>
-            <a:r>
-              <a:rPr lang="ja-JP" altLang="en-US" sz="2000" dirty="0"/>
-              <a:t>画像の代わりにビデオや</a:t>
-            </a:r>
-            <a:r>
-              <a:rPr lang="en-US" altLang="ja-JP" sz="2000" dirty="0"/>
-              <a:t>GIF</a:t>
-            </a:r>
-            <a:r>
-              <a:rPr lang="ja-JP" altLang="en-US" sz="2000" dirty="0"/>
-              <a:t>を挿入して理解しやすくする予定。</a:t>
-            </a:r>
-            <a:endParaRPr kumimoji="1" lang="ja-JP" altLang="en-US" sz="2000" dirty="0"/>
-          </a:p>
-        </p:txBody>
-      </p:sp>
-      <p:cxnSp>
-        <p:nvCxnSpPr>
-          <p:cNvPr id="4" name="直線コネクタ 3">
-            <a:extLst>
-              <a:ext uri="{FF2B5EF4-FFF2-40B4-BE49-F238E27FC236}">
-                <a16:creationId xmlns:a16="http://schemas.microsoft.com/office/drawing/2014/main" id="{77FD0231-A0D6-70F0-63A7-A1184127BCDF}"/>
-              </a:ext>
-            </a:extLst>
-          </p:cNvPr>
-          <p:cNvCxnSpPr>
-            <a:cxnSpLocks/>
-          </p:cNvCxnSpPr>
-          <p:nvPr/>
-        </p:nvCxnSpPr>
-        <p:spPr>
-          <a:xfrm>
-            <a:off x="627529" y="1001486"/>
-            <a:ext cx="10726271" cy="0"/>
-          </a:xfrm>
-          <a:prstGeom prst="line">
-            <a:avLst/>
-          </a:prstGeom>
-          <a:ln w="38100" cmpd="dbl">
-            <a:solidFill>
-              <a:schemeClr val="tx1"/>
-            </a:solidFill>
-          </a:ln>
-        </p:spPr>
-        <p:style>
-          <a:lnRef idx="1">
-            <a:schemeClr val="accent1"/>
-          </a:lnRef>
-          <a:fillRef idx="0">
-            <a:schemeClr val="accent1"/>
-          </a:fillRef>
-          <a:effectRef idx="0">
-            <a:schemeClr val="accent1"/>
-          </a:effectRef>
-          <a:fontRef idx="minor">
-            <a:schemeClr val="tx1"/>
-          </a:fontRef>
-        </p:style>
-      </p:cxnSp>
-      <p:pic>
-        <p:nvPicPr>
-          <p:cNvPr id="7" name="図 6" descr="グラフィカル ユーザー インターフェイス が含まれている画像&#10;&#10;自動的に生成された説明">
-            <a:extLst>
-              <a:ext uri="{FF2B5EF4-FFF2-40B4-BE49-F238E27FC236}">
-                <a16:creationId xmlns:a16="http://schemas.microsoft.com/office/drawing/2014/main" id="{DDA72725-A7E3-8075-58E3-3287A4DF4118}"/>
-              </a:ext>
-            </a:extLst>
-          </p:cNvPr>
-          <p:cNvPicPr>
-            <a:picLocks noChangeAspect="1"/>
-          </p:cNvPicPr>
-          <p:nvPr/>
-        </p:nvPicPr>
-        <p:blipFill>
-          <a:blip r:embed="rId2">
-            <a:extLst>
-              <a:ext uri="{28A0092B-C50C-407E-A947-70E740481C1C}">
-                <a14:useLocalDpi xmlns:a14="http://schemas.microsoft.com/office/drawing/2010/main" val="0"/>
-              </a:ext>
-            </a:extLst>
-          </a:blip>
-          <a:stretch>
-            <a:fillRect/>
-          </a:stretch>
-        </p:blipFill>
-        <p:spPr>
-          <a:xfrm>
-            <a:off x="7876019" y="1114699"/>
-            <a:ext cx="3477781" cy="5122275"/>
-          </a:xfrm>
-          <a:prstGeom prst="rect">
-            <a:avLst/>
-          </a:prstGeom>
-        </p:spPr>
-      </p:pic>
-    </p:spTree>
-    <p:extLst>
-      <p:ext uri="{BB962C8B-B14F-4D97-AF65-F5344CB8AC3E}">
-        <p14:creationId xmlns:p14="http://schemas.microsoft.com/office/powerpoint/2010/main" val="3271787393"/>
-      </p:ext>
-    </p:extLst>
-  </p:cSld>
-  <p:clrMapOvr>
-    <a:masterClrMapping/>
-  </p:clrMapOvr>
-</p:sld>
-</file>
-
-<file path=ppt/slides/slide14.xml><?xml version="1.0" encoding="utf-8"?>
-<p:sld xmlns:a="http://schemas.openxmlformats.org/drawingml/2006/main" xmlns:r="http://schemas.openxmlformats.org/officeDocument/2006/relationships" xmlns:p="http://schemas.openxmlformats.org/presentationml/2006/main">
-  <p:cSld>
-    <p:spTree>
-      <p:nvGrpSpPr>
-        <p:cNvPr id="1" name=""/>
-        <p:cNvGrpSpPr/>
-        <p:nvPr/>
-      </p:nvGrpSpPr>
-      <p:grpSpPr>
-        <a:xfrm>
-          <a:off x="0" y="0"/>
-          <a:ext cx="0" cy="0"/>
-          <a:chOff x="0" y="0"/>
-          <a:chExt cx="0" cy="0"/>
-        </a:xfrm>
-      </p:grpSpPr>
-      <p:sp>
-        <p:nvSpPr>
-          <p:cNvPr id="2" name="タイトル 1">
-            <a:extLst>
-              <a:ext uri="{FF2B5EF4-FFF2-40B4-BE49-F238E27FC236}">
-                <a16:creationId xmlns:a16="http://schemas.microsoft.com/office/drawing/2014/main" id="{6EEB1D21-E123-6A0D-4387-7842071A44C3}"/>
-              </a:ext>
-            </a:extLst>
-          </p:cNvPr>
-          <p:cNvSpPr>
-            <a:spLocks noGrp="1"/>
-          </p:cNvSpPr>
-          <p:nvPr>
-            <p:ph type="title"/>
-          </p:nvPr>
-        </p:nvSpPr>
-        <p:spPr>
-          <a:xfrm>
-            <a:off x="508262" y="6906"/>
-            <a:ext cx="10515600" cy="1325563"/>
-          </a:xfrm>
-        </p:spPr>
-        <p:txBody>
-          <a:bodyPr>
-            <a:normAutofit/>
-          </a:bodyPr>
-          <a:lstStyle/>
-          <a:p>
-            <a:r>
-              <a:rPr kumimoji="1" lang="ja-JP" altLang="en-US" sz="2800" dirty="0"/>
-              <a:t>練習画面</a:t>
-            </a:r>
-            <a:r>
-              <a:rPr kumimoji="1" lang="en-US" altLang="ja-JP" sz="2800" dirty="0"/>
-              <a:t>(Practice</a:t>
-            </a:r>
-            <a:r>
-              <a:rPr kumimoji="1" lang="ja-JP" altLang="en-US" sz="2800" dirty="0"/>
-              <a:t> </a:t>
-            </a:r>
-            <a:r>
-              <a:rPr kumimoji="1" lang="en-US" altLang="ja-JP" sz="2800" dirty="0"/>
-              <a:t>Window</a:t>
-            </a:r>
-            <a:r>
-              <a:rPr lang="ja-JP" altLang="en-US" sz="2800" dirty="0"/>
-              <a:t>）</a:t>
-            </a:r>
-            <a:endParaRPr kumimoji="1" lang="ja-JP" altLang="en-US" dirty="0"/>
-          </a:p>
-        </p:txBody>
-      </p:sp>
-      <p:sp>
-        <p:nvSpPr>
-          <p:cNvPr id="3" name="コンテンツ プレースホルダー 2">
-            <a:extLst>
-              <a:ext uri="{FF2B5EF4-FFF2-40B4-BE49-F238E27FC236}">
-                <a16:creationId xmlns:a16="http://schemas.microsoft.com/office/drawing/2014/main" id="{FBEFD887-8E4D-0747-2470-BA7EA0F692F7}"/>
-              </a:ext>
-            </a:extLst>
-          </p:cNvPr>
-          <p:cNvSpPr>
-            <a:spLocks noGrp="1"/>
-          </p:cNvSpPr>
-          <p:nvPr>
-            <p:ph idx="1"/>
-          </p:nvPr>
-        </p:nvSpPr>
-        <p:spPr>
-          <a:xfrm>
-            <a:off x="627529" y="1332469"/>
-            <a:ext cx="5797731" cy="4160520"/>
-          </a:xfrm>
-        </p:spPr>
-        <p:txBody>
-          <a:bodyPr>
-            <a:normAutofit/>
-          </a:bodyPr>
-          <a:lstStyle/>
-          <a:p>
-            <a:r>
-              <a:rPr lang="ja-JP" altLang="en-US" sz="2000" dirty="0"/>
-              <a:t>「練習画面」は「テスト画面」と同じ機能を持っているが、テストは</a:t>
-            </a:r>
-            <a:r>
-              <a:rPr lang="en-US" altLang="ja-JP" sz="2000" dirty="0"/>
-              <a:t>1</a:t>
-            </a:r>
-            <a:r>
-              <a:rPr lang="ja-JP" altLang="en-US" sz="2000" dirty="0"/>
-              <a:t>回だけ実行する。練習が終了した後、ユーザーは入力画面に戻れる。</a:t>
-            </a:r>
-            <a:endParaRPr kumimoji="1" lang="ja-JP" altLang="en-US" sz="2000" dirty="0"/>
-          </a:p>
-        </p:txBody>
-      </p:sp>
-      <p:cxnSp>
-        <p:nvCxnSpPr>
-          <p:cNvPr id="4" name="直線コネクタ 3">
-            <a:extLst>
-              <a:ext uri="{FF2B5EF4-FFF2-40B4-BE49-F238E27FC236}">
-                <a16:creationId xmlns:a16="http://schemas.microsoft.com/office/drawing/2014/main" id="{77FD0231-A0D6-70F0-63A7-A1184127BCDF}"/>
-              </a:ext>
-            </a:extLst>
-          </p:cNvPr>
-          <p:cNvCxnSpPr>
-            <a:cxnSpLocks/>
-          </p:cNvCxnSpPr>
-          <p:nvPr/>
-        </p:nvCxnSpPr>
-        <p:spPr>
-          <a:xfrm>
-            <a:off x="627529" y="1001486"/>
-            <a:ext cx="10726271" cy="0"/>
-          </a:xfrm>
-          <a:prstGeom prst="line">
-            <a:avLst/>
-          </a:prstGeom>
-          <a:ln w="38100" cmpd="dbl">
-            <a:solidFill>
-              <a:schemeClr val="tx1"/>
-            </a:solidFill>
-          </a:ln>
-        </p:spPr>
-        <p:style>
-          <a:lnRef idx="1">
-            <a:schemeClr val="accent1"/>
-          </a:lnRef>
-          <a:fillRef idx="0">
-            <a:schemeClr val="accent1"/>
-          </a:fillRef>
-          <a:effectRef idx="0">
-            <a:schemeClr val="accent1"/>
-          </a:effectRef>
-          <a:fontRef idx="minor">
-            <a:schemeClr val="tx1"/>
-          </a:fontRef>
-        </p:style>
-      </p:cxnSp>
-      <p:pic>
-        <p:nvPicPr>
-          <p:cNvPr id="6" name="図 5" descr="グラフィカル ユーザー インターフェイス&#10;&#10;中程度の精度で自動的に生成された説明">
-            <a:extLst>
-              <a:ext uri="{FF2B5EF4-FFF2-40B4-BE49-F238E27FC236}">
-                <a16:creationId xmlns:a16="http://schemas.microsoft.com/office/drawing/2014/main" id="{23A4ADA0-B4DA-E049-3229-C725A2AD4272}"/>
-              </a:ext>
-            </a:extLst>
-          </p:cNvPr>
-          <p:cNvPicPr>
-            <a:picLocks noChangeAspect="1"/>
-          </p:cNvPicPr>
-          <p:nvPr/>
-        </p:nvPicPr>
-        <p:blipFill>
-          <a:blip r:embed="rId2">
-            <a:extLst>
-              <a:ext uri="{28A0092B-C50C-407E-A947-70E740481C1C}">
-                <a14:useLocalDpi xmlns:a14="http://schemas.microsoft.com/office/drawing/2010/main" val="0"/>
-              </a:ext>
-            </a:extLst>
-          </a:blip>
-          <a:stretch>
-            <a:fillRect/>
-          </a:stretch>
-        </p:blipFill>
-        <p:spPr>
-          <a:xfrm>
-            <a:off x="7692388" y="1001486"/>
-            <a:ext cx="3661412" cy="5332812"/>
-          </a:xfrm>
-          <a:prstGeom prst="rect">
-            <a:avLst/>
-          </a:prstGeom>
-        </p:spPr>
-      </p:pic>
-    </p:spTree>
-    <p:extLst>
-      <p:ext uri="{BB962C8B-B14F-4D97-AF65-F5344CB8AC3E}">
-        <p14:creationId xmlns:p14="http://schemas.microsoft.com/office/powerpoint/2010/main" val="3810888355"/>
-      </p:ext>
-    </p:extLst>
-  </p:cSld>
-  <p:clrMapOvr>
-    <a:masterClrMapping/>
-  </p:clrMapOvr>
-</p:sld>
-</file>
-
-<file path=ppt/slides/slide15.xml><?xml version="1.0" encoding="utf-8"?>
-<p:sld xmlns:a="http://schemas.openxmlformats.org/drawingml/2006/main" xmlns:r="http://schemas.openxmlformats.org/officeDocument/2006/relationships" xmlns:p="http://schemas.openxmlformats.org/presentationml/2006/main">
-  <p:cSld>
-    <p:spTree>
-      <p:nvGrpSpPr>
-        <p:cNvPr id="1" name=""/>
-        <p:cNvGrpSpPr/>
-        <p:nvPr/>
-      </p:nvGrpSpPr>
-      <p:grpSpPr>
-        <a:xfrm>
-          <a:off x="0" y="0"/>
-          <a:ext cx="0" cy="0"/>
-          <a:chOff x="0" y="0"/>
-          <a:chExt cx="0" cy="0"/>
-        </a:xfrm>
-      </p:grpSpPr>
-      <p:sp>
-        <p:nvSpPr>
-          <p:cNvPr id="2" name="タイトル 1">
-            <a:extLst>
-              <a:ext uri="{FF2B5EF4-FFF2-40B4-BE49-F238E27FC236}">
-                <a16:creationId xmlns:a16="http://schemas.microsoft.com/office/drawing/2014/main" id="{6EEB1D21-E123-6A0D-4387-7842071A44C3}"/>
-              </a:ext>
-            </a:extLst>
-          </p:cNvPr>
-          <p:cNvSpPr>
-            <a:spLocks noGrp="1"/>
-          </p:cNvSpPr>
-          <p:nvPr>
-            <p:ph type="title"/>
-          </p:nvPr>
-        </p:nvSpPr>
-        <p:spPr>
-          <a:xfrm>
-            <a:off x="508262" y="6906"/>
-            <a:ext cx="10515600" cy="1325563"/>
-          </a:xfrm>
-        </p:spPr>
-        <p:txBody>
-          <a:bodyPr>
-            <a:normAutofit/>
-          </a:bodyPr>
-          <a:lstStyle/>
-          <a:p>
-            <a:r>
-              <a:rPr lang="ja-JP" altLang="en-US" sz="2800" dirty="0"/>
-              <a:t>結果</a:t>
-            </a:r>
-            <a:r>
-              <a:rPr kumimoji="1" lang="ja-JP" altLang="en-US" sz="2800" dirty="0"/>
-              <a:t>画面</a:t>
-            </a:r>
-            <a:r>
-              <a:rPr kumimoji="1" lang="en-US" altLang="ja-JP" sz="2800" dirty="0"/>
-              <a:t>(</a:t>
-            </a:r>
-            <a:r>
-              <a:rPr lang="en-US" altLang="ja-JP" sz="2800" dirty="0"/>
-              <a:t>Result</a:t>
-            </a:r>
-            <a:r>
-              <a:rPr kumimoji="1" lang="ja-JP" altLang="en-US" sz="2800" dirty="0"/>
-              <a:t> </a:t>
-            </a:r>
-            <a:r>
-              <a:rPr kumimoji="1" lang="en-US" altLang="ja-JP" sz="2800" dirty="0"/>
-              <a:t>Window</a:t>
-            </a:r>
-            <a:r>
-              <a:rPr lang="ja-JP" altLang="en-US" sz="2800" dirty="0"/>
-              <a:t>）</a:t>
-            </a:r>
-            <a:endParaRPr kumimoji="1" lang="ja-JP" altLang="en-US" dirty="0"/>
-          </a:p>
-        </p:txBody>
-      </p:sp>
-      <p:sp>
-        <p:nvSpPr>
-          <p:cNvPr id="3" name="コンテンツ プレースホルダー 2">
-            <a:extLst>
-              <a:ext uri="{FF2B5EF4-FFF2-40B4-BE49-F238E27FC236}">
-                <a16:creationId xmlns:a16="http://schemas.microsoft.com/office/drawing/2014/main" id="{FBEFD887-8E4D-0747-2470-BA7EA0F692F7}"/>
-              </a:ext>
-            </a:extLst>
-          </p:cNvPr>
-          <p:cNvSpPr>
-            <a:spLocks noGrp="1"/>
-          </p:cNvSpPr>
-          <p:nvPr>
-            <p:ph idx="1"/>
-          </p:nvPr>
-        </p:nvSpPr>
-        <p:spPr>
-          <a:xfrm>
-            <a:off x="627529" y="1332469"/>
-            <a:ext cx="5797731" cy="3735290"/>
-          </a:xfrm>
-        </p:spPr>
-        <p:txBody>
-          <a:bodyPr>
-            <a:normAutofit/>
-          </a:bodyPr>
-          <a:lstStyle/>
-          <a:p>
-            <a:r>
-              <a:rPr lang="ja-JP" altLang="en-US" sz="1800" dirty="0"/>
-              <a:t>結果画面ではアドバイスと現在のロコモ年齢が表示する。悪いロコモ年齢の場合、例えば実際の年齢</a:t>
-            </a:r>
-            <a:r>
-              <a:rPr lang="en-US" altLang="ja-JP" sz="1800" dirty="0"/>
-              <a:t>: 50</a:t>
-            </a:r>
-            <a:r>
-              <a:rPr lang="ja-JP" altLang="en-US" sz="1800" dirty="0"/>
-              <a:t>、ロコモ年齢</a:t>
-            </a:r>
-            <a:r>
-              <a:rPr lang="en-US" altLang="ja-JP" sz="1800" dirty="0"/>
-              <a:t>: 80</a:t>
-            </a:r>
-            <a:r>
-              <a:rPr lang="ja-JP" altLang="en-US" sz="1800" dirty="0"/>
-              <a:t>の場合、アプリケーションは近くの医療機関でテストを受けるように勧める。</a:t>
-            </a:r>
-            <a:endParaRPr lang="en-US" altLang="ja-JP" sz="1800" dirty="0"/>
-          </a:p>
-          <a:p>
-            <a:r>
-              <a:rPr lang="ja-JP" altLang="en-US" sz="1800" dirty="0"/>
-              <a:t>以下のの</a:t>
-            </a:r>
-            <a:r>
-              <a:rPr lang="en-US" altLang="ja-JP" sz="1800" dirty="0"/>
-              <a:t>4</a:t>
-            </a:r>
-            <a:r>
-              <a:rPr lang="ja-JP" altLang="en-US" sz="1800" dirty="0"/>
-              <a:t>つの</a:t>
-            </a:r>
-            <a:r>
-              <a:rPr lang="en-US" altLang="ja-JP" sz="1800" dirty="0"/>
-              <a:t>QR</a:t>
-            </a:r>
-            <a:r>
-              <a:rPr lang="ja-JP" altLang="en-US" sz="1800" dirty="0"/>
-              <a:t>コードは、最寄りの運動機能検査場所と、運動機能症候群の詳細な説明が記載されたウェブサイトを表示する</a:t>
-            </a:r>
-            <a:endParaRPr lang="en-US" altLang="ja-JP" sz="1800" dirty="0"/>
-          </a:p>
-          <a:p>
-            <a:pPr lvl="1"/>
-            <a:r>
-              <a:rPr lang="ja-JP" altLang="en-US" sz="1800" dirty="0"/>
-              <a:t>ロコモについて</a:t>
-            </a:r>
-            <a:endParaRPr lang="en-US" altLang="ja-JP" sz="1800" dirty="0"/>
-          </a:p>
-          <a:p>
-            <a:pPr lvl="1"/>
-            <a:r>
-              <a:rPr lang="ja-JP" altLang="en-US" sz="1800" dirty="0"/>
-              <a:t>宮崎市のロコモ検診</a:t>
-            </a:r>
-            <a:endParaRPr lang="en-US" altLang="ja-JP" sz="1800" dirty="0"/>
-          </a:p>
-          <a:p>
-            <a:pPr lvl="1"/>
-            <a:r>
-              <a:rPr lang="ja-JP" altLang="en-US" sz="1800" dirty="0"/>
-              <a:t>宮崎県健康長寿サポートサイト</a:t>
-            </a:r>
-            <a:endParaRPr lang="en-US" altLang="ja-JP" sz="1800" dirty="0"/>
-          </a:p>
-          <a:p>
-            <a:pPr lvl="1"/>
-            <a:r>
-              <a:rPr lang="ja-JP" altLang="en-US" sz="1800" dirty="0"/>
-              <a:t>近くのロコモ外来病院</a:t>
-            </a:r>
-            <a:endParaRPr lang="en-US" altLang="ja-JP" sz="1800" dirty="0"/>
-          </a:p>
-          <a:p>
-            <a:r>
-              <a:rPr lang="ja-JP" altLang="en-US" sz="1800" dirty="0"/>
-              <a:t>「終了」ボタンはユーザーを入力画面に戻す。</a:t>
-            </a:r>
-            <a:endParaRPr kumimoji="1" lang="ja-JP" altLang="en-US" sz="1800" dirty="0"/>
-          </a:p>
-        </p:txBody>
-      </p:sp>
-      <p:cxnSp>
-        <p:nvCxnSpPr>
-          <p:cNvPr id="4" name="直線コネクタ 3">
-            <a:extLst>
-              <a:ext uri="{FF2B5EF4-FFF2-40B4-BE49-F238E27FC236}">
-                <a16:creationId xmlns:a16="http://schemas.microsoft.com/office/drawing/2014/main" id="{77FD0231-A0D6-70F0-63A7-A1184127BCDF}"/>
-              </a:ext>
-            </a:extLst>
-          </p:cNvPr>
-          <p:cNvCxnSpPr>
-            <a:cxnSpLocks/>
-          </p:cNvCxnSpPr>
-          <p:nvPr/>
-        </p:nvCxnSpPr>
-        <p:spPr>
-          <a:xfrm>
-            <a:off x="627529" y="1001486"/>
-            <a:ext cx="10726271" cy="0"/>
-          </a:xfrm>
-          <a:prstGeom prst="line">
-            <a:avLst/>
-          </a:prstGeom>
-          <a:ln w="38100" cmpd="dbl">
-            <a:solidFill>
-              <a:schemeClr val="tx1"/>
-            </a:solidFill>
-          </a:ln>
-        </p:spPr>
-        <p:style>
-          <a:lnRef idx="1">
-            <a:schemeClr val="accent1"/>
-          </a:lnRef>
-          <a:fillRef idx="0">
-            <a:schemeClr val="accent1"/>
-          </a:fillRef>
-          <a:effectRef idx="0">
-            <a:schemeClr val="accent1"/>
-          </a:effectRef>
-          <a:fontRef idx="minor">
-            <a:schemeClr val="tx1"/>
-          </a:fontRef>
-        </p:style>
-      </p:cxnSp>
-      <p:pic>
-        <p:nvPicPr>
-          <p:cNvPr id="7" name="図 6" descr="QR コード&#10;&#10;自動的に生成された説明">
-            <a:extLst>
-              <a:ext uri="{FF2B5EF4-FFF2-40B4-BE49-F238E27FC236}">
-                <a16:creationId xmlns:a16="http://schemas.microsoft.com/office/drawing/2014/main" id="{5E5ECB7F-701E-82B4-3370-B8D35E8967F2}"/>
-              </a:ext>
-            </a:extLst>
-          </p:cNvPr>
-          <p:cNvPicPr>
-            <a:picLocks noChangeAspect="1"/>
-          </p:cNvPicPr>
-          <p:nvPr/>
-        </p:nvPicPr>
-        <p:blipFill>
-          <a:blip r:embed="rId2">
-            <a:extLst>
-              <a:ext uri="{28A0092B-C50C-407E-A947-70E740481C1C}">
-                <a14:useLocalDpi xmlns:a14="http://schemas.microsoft.com/office/drawing/2010/main" val="0"/>
-              </a:ext>
-            </a:extLst>
-          </a:blip>
-          <a:stretch>
-            <a:fillRect/>
-          </a:stretch>
-        </p:blipFill>
-        <p:spPr>
-          <a:xfrm>
-            <a:off x="7576459" y="1177325"/>
-            <a:ext cx="3666308" cy="5383904"/>
-          </a:xfrm>
-          <a:prstGeom prst="rect">
-            <a:avLst/>
-          </a:prstGeom>
-        </p:spPr>
-      </p:pic>
-      <p:sp>
-        <p:nvSpPr>
-          <p:cNvPr id="5" name="TextBox 4">
-            <a:extLst>
-              <a:ext uri="{FF2B5EF4-FFF2-40B4-BE49-F238E27FC236}">
-                <a16:creationId xmlns:a16="http://schemas.microsoft.com/office/drawing/2014/main" id="{0B25F562-83E5-009C-69BC-761D207F446E}"/>
-              </a:ext>
-            </a:extLst>
-          </p:cNvPr>
-          <p:cNvSpPr txBox="1"/>
-          <p:nvPr/>
-        </p:nvSpPr>
-        <p:spPr>
-          <a:xfrm>
-            <a:off x="592052" y="6059811"/>
-            <a:ext cx="5762254" cy="369332"/>
-          </a:xfrm>
-          <a:prstGeom prst="rect">
-            <a:avLst/>
-          </a:prstGeom>
-          <a:noFill/>
-        </p:spPr>
-        <p:txBody>
-          <a:bodyPr wrap="square" rtlCol="0">
-            <a:spAutoFit/>
-          </a:bodyPr>
-          <a:lstStyle/>
-          <a:p>
-            <a:r>
-              <a:rPr lang="ja-JP" altLang="en-US" dirty="0"/>
-              <a:t>ロコモ年齢：身体と運動機能の年齢</a:t>
-            </a:r>
-            <a:endParaRPr lang="en-US" dirty="0"/>
-          </a:p>
-        </p:txBody>
-      </p:sp>
-    </p:spTree>
-    <p:extLst>
-      <p:ext uri="{BB962C8B-B14F-4D97-AF65-F5344CB8AC3E}">
-        <p14:creationId xmlns:p14="http://schemas.microsoft.com/office/powerpoint/2010/main" val="3735528668"/>
-      </p:ext>
-    </p:extLst>
-  </p:cSld>
-  <p:clrMapOvr>
-    <a:masterClrMapping/>
-  </p:clrMapOvr>
-</p:sld>
-</file>
-
-<file path=ppt/slides/slide16.xml><?xml version="1.0" encoding="utf-8"?>
-<p:sld xmlns:a="http://schemas.openxmlformats.org/drawingml/2006/main" xmlns:r="http://schemas.openxmlformats.org/officeDocument/2006/relationships" xmlns:p="http://schemas.openxmlformats.org/presentationml/2006/main">
-  <p:cSld>
-    <p:spTree>
-      <p:nvGrpSpPr>
-        <p:cNvPr id="1" name=""/>
-        <p:cNvGrpSpPr/>
-        <p:nvPr/>
-      </p:nvGrpSpPr>
-      <p:grpSpPr>
-        <a:xfrm>
-          <a:off x="0" y="0"/>
-          <a:ext cx="0" cy="0"/>
-          <a:chOff x="0" y="0"/>
-          <a:chExt cx="0" cy="0"/>
-        </a:xfrm>
-      </p:grpSpPr>
-      <p:sp>
-        <p:nvSpPr>
-          <p:cNvPr id="2" name="タイトル 1">
-            <a:extLst>
-              <a:ext uri="{FF2B5EF4-FFF2-40B4-BE49-F238E27FC236}">
-                <a16:creationId xmlns:a16="http://schemas.microsoft.com/office/drawing/2014/main" id="{6EEB1D21-E123-6A0D-4387-7842071A44C3}"/>
-              </a:ext>
-            </a:extLst>
-          </p:cNvPr>
-          <p:cNvSpPr>
-            <a:spLocks noGrp="1"/>
-          </p:cNvSpPr>
-          <p:nvPr>
-            <p:ph type="title"/>
-          </p:nvPr>
-        </p:nvSpPr>
-        <p:spPr>
-          <a:xfrm>
-            <a:off x="508262" y="6906"/>
-            <a:ext cx="10515600" cy="1325563"/>
-          </a:xfrm>
-        </p:spPr>
-        <p:txBody>
-          <a:bodyPr>
-            <a:normAutofit/>
-          </a:bodyPr>
-          <a:lstStyle/>
-          <a:p>
-            <a:r>
-              <a:rPr kumimoji="1" lang="ja-JP" altLang="en-US" sz="2800" dirty="0"/>
-              <a:t>メンテナンス画面</a:t>
-            </a:r>
-            <a:r>
-              <a:rPr kumimoji="1" lang="en-US" altLang="ja-JP" sz="2800" dirty="0"/>
-              <a:t>(Maintenance</a:t>
-            </a:r>
-            <a:r>
-              <a:rPr kumimoji="1" lang="ja-JP" altLang="en-US" sz="2800" dirty="0"/>
-              <a:t> </a:t>
-            </a:r>
-            <a:r>
-              <a:rPr kumimoji="1" lang="en-US" altLang="ja-JP" sz="2800" dirty="0"/>
-              <a:t>Window</a:t>
-            </a:r>
-            <a:r>
-              <a:rPr lang="ja-JP" altLang="en-US" sz="2800" dirty="0"/>
-              <a:t>）</a:t>
-            </a:r>
-            <a:endParaRPr kumimoji="1" lang="ja-JP" altLang="en-US" dirty="0"/>
-          </a:p>
-        </p:txBody>
-      </p:sp>
-      <p:sp>
-        <p:nvSpPr>
-          <p:cNvPr id="3" name="コンテンツ プレースホルダー 2">
-            <a:extLst>
-              <a:ext uri="{FF2B5EF4-FFF2-40B4-BE49-F238E27FC236}">
-                <a16:creationId xmlns:a16="http://schemas.microsoft.com/office/drawing/2014/main" id="{FBEFD887-8E4D-0747-2470-BA7EA0F692F7}"/>
-              </a:ext>
-            </a:extLst>
-          </p:cNvPr>
-          <p:cNvSpPr>
-            <a:spLocks noGrp="1"/>
-          </p:cNvSpPr>
-          <p:nvPr>
-            <p:ph idx="1"/>
-          </p:nvPr>
-        </p:nvSpPr>
-        <p:spPr>
-          <a:xfrm>
-            <a:off x="627529" y="1332469"/>
-            <a:ext cx="5797731" cy="4160520"/>
-          </a:xfrm>
-        </p:spPr>
-        <p:txBody>
-          <a:bodyPr>
-            <a:normAutofit/>
-          </a:bodyPr>
-          <a:lstStyle/>
-          <a:p>
-            <a:r>
-              <a:rPr lang="ja-JP" altLang="en-US" sz="2000" dirty="0"/>
-              <a:t>「メンテナンス画面」はセンサーの測定値を調整するためのものである</a:t>
-            </a:r>
-            <a:endParaRPr lang="en-US" altLang="ja-JP" sz="2000" dirty="0"/>
-          </a:p>
-          <a:p>
-            <a:r>
-              <a:rPr lang="ja-JP" altLang="en-US" sz="2000" dirty="0"/>
-              <a:t>センサーはノイズの影響で特に</a:t>
-            </a:r>
-            <a:r>
-              <a:rPr lang="en-US" altLang="ja-JP" sz="2000" dirty="0"/>
-              <a:t>40cm</a:t>
-            </a:r>
-            <a:r>
-              <a:rPr lang="ja-JP" altLang="en-US" sz="2000" dirty="0"/>
-              <a:t>以上の距離ではあまり正確ではないため、校正が行う</a:t>
-            </a:r>
-            <a:endParaRPr lang="en-US" altLang="ja-JP" sz="2000" dirty="0"/>
-          </a:p>
-          <a:p>
-            <a:r>
-              <a:rPr lang="ja-JP" altLang="en-US" sz="2000" dirty="0"/>
-              <a:t>この画面では、担当者に対して椅子を</a:t>
-            </a:r>
-            <a:r>
-              <a:rPr lang="en-US" altLang="ja-JP" sz="2000" dirty="0"/>
-              <a:t>3</a:t>
-            </a:r>
-            <a:r>
-              <a:rPr lang="ja-JP" altLang="en-US" sz="2000" dirty="0"/>
-              <a:t>回動かすように依頼し、各回の椅子の現在の測定値が記録されます（</a:t>
-            </a:r>
-            <a:r>
-              <a:rPr lang="en-US" altLang="ja-JP" sz="2000" dirty="0"/>
-              <a:t>10cm</a:t>
-            </a:r>
-            <a:r>
-              <a:rPr lang="ja-JP" altLang="en-US" sz="2000" dirty="0"/>
-              <a:t>、</a:t>
-            </a:r>
-            <a:r>
-              <a:rPr lang="en-US" altLang="ja-JP" sz="2000" dirty="0"/>
-              <a:t>30cm</a:t>
-            </a:r>
-            <a:r>
-              <a:rPr lang="ja-JP" altLang="en-US" sz="2000" dirty="0"/>
-              <a:t>、</a:t>
-            </a:r>
-            <a:r>
-              <a:rPr lang="en-US" altLang="ja-JP" sz="2000" dirty="0"/>
-              <a:t>50cm</a:t>
-            </a:r>
-            <a:r>
-              <a:rPr lang="ja-JP" altLang="en-US" sz="2000" dirty="0"/>
-              <a:t>）</a:t>
-            </a:r>
-            <a:endParaRPr lang="en-US" altLang="ja-JP" sz="2000" dirty="0"/>
-          </a:p>
-          <a:p>
-            <a:r>
-              <a:rPr lang="ja-JP" altLang="en-US" sz="2000" dirty="0"/>
-              <a:t>計算した校正値は椅子に送信し、サーバー内に保存する。保存した値は、椅子がセンサーを利用してテストまたは練習を行うたびに利用する</a:t>
-            </a:r>
-            <a:endParaRPr kumimoji="1" lang="en-US" altLang="ja-JP" sz="2000" dirty="0"/>
-          </a:p>
-        </p:txBody>
-      </p:sp>
-      <p:cxnSp>
-        <p:nvCxnSpPr>
-          <p:cNvPr id="4" name="直線コネクタ 3">
-            <a:extLst>
-              <a:ext uri="{FF2B5EF4-FFF2-40B4-BE49-F238E27FC236}">
-                <a16:creationId xmlns:a16="http://schemas.microsoft.com/office/drawing/2014/main" id="{77FD0231-A0D6-70F0-63A7-A1184127BCDF}"/>
-              </a:ext>
-            </a:extLst>
-          </p:cNvPr>
-          <p:cNvCxnSpPr>
-            <a:cxnSpLocks/>
-          </p:cNvCxnSpPr>
-          <p:nvPr/>
-        </p:nvCxnSpPr>
-        <p:spPr>
-          <a:xfrm>
-            <a:off x="627529" y="1001486"/>
-            <a:ext cx="10726271" cy="0"/>
-          </a:xfrm>
-          <a:prstGeom prst="line">
-            <a:avLst/>
-          </a:prstGeom>
-          <a:ln w="38100" cmpd="dbl">
-            <a:solidFill>
-              <a:schemeClr val="tx1"/>
-            </a:solidFill>
-          </a:ln>
-        </p:spPr>
-        <p:style>
-          <a:lnRef idx="1">
-            <a:schemeClr val="accent1"/>
-          </a:lnRef>
-          <a:fillRef idx="0">
-            <a:schemeClr val="accent1"/>
-          </a:fillRef>
-          <a:effectRef idx="0">
-            <a:schemeClr val="accent1"/>
-          </a:effectRef>
-          <a:fontRef idx="minor">
-            <a:schemeClr val="tx1"/>
-          </a:fontRef>
-        </p:style>
-      </p:cxnSp>
-      <p:pic>
-        <p:nvPicPr>
-          <p:cNvPr id="7" name="図 6" descr="グラフィカル ユーザー インターフェイス, アプリケーション&#10;&#10;自動的に生成された説明">
-            <a:extLst>
-              <a:ext uri="{FF2B5EF4-FFF2-40B4-BE49-F238E27FC236}">
-                <a16:creationId xmlns:a16="http://schemas.microsoft.com/office/drawing/2014/main" id="{F3878135-BC8E-E0BF-1574-F553747F4326}"/>
-              </a:ext>
-            </a:extLst>
-          </p:cNvPr>
-          <p:cNvPicPr>
-            <a:picLocks noChangeAspect="1"/>
-          </p:cNvPicPr>
-          <p:nvPr/>
-        </p:nvPicPr>
-        <p:blipFill>
-          <a:blip r:embed="rId2">
-            <a:extLst>
-              <a:ext uri="{28A0092B-C50C-407E-A947-70E740481C1C}">
-                <a14:useLocalDpi xmlns:a14="http://schemas.microsoft.com/office/drawing/2010/main" val="0"/>
-              </a:ext>
-            </a:extLst>
-          </a:blip>
-          <a:stretch>
-            <a:fillRect/>
-          </a:stretch>
-        </p:blipFill>
-        <p:spPr>
-          <a:xfrm>
-            <a:off x="7822568" y="1001486"/>
-            <a:ext cx="3531232" cy="5183182"/>
-          </a:xfrm>
-          <a:prstGeom prst="rect">
-            <a:avLst/>
-          </a:prstGeom>
-        </p:spPr>
-      </p:pic>
-    </p:spTree>
-    <p:extLst>
-      <p:ext uri="{BB962C8B-B14F-4D97-AF65-F5344CB8AC3E}">
-        <p14:creationId xmlns:p14="http://schemas.microsoft.com/office/powerpoint/2010/main" val="2925587204"/>
-      </p:ext>
-    </p:extLst>
-  </p:cSld>
-  <p:clrMapOvr>
-    <a:masterClrMapping/>
-  </p:clrMapOvr>
-</p:sld>
-</file>
-
-<file path=ppt/slides/slide17.xml><?xml version="1.0" encoding="utf-8"?>
-<p:sld xmlns:a="http://schemas.openxmlformats.org/drawingml/2006/main" xmlns:r="http://schemas.openxmlformats.org/officeDocument/2006/relationships" xmlns:p="http://schemas.openxmlformats.org/presentationml/2006/main">
-  <p:cSld>
-    <p:spTree>
-      <p:nvGrpSpPr>
-        <p:cNvPr id="1" name=""/>
-        <p:cNvGrpSpPr/>
-        <p:nvPr/>
-      </p:nvGrpSpPr>
-      <p:grpSpPr>
-        <a:xfrm>
-          <a:off x="0" y="0"/>
-          <a:ext cx="0" cy="0"/>
-          <a:chOff x="0" y="0"/>
-          <a:chExt cx="0" cy="0"/>
-        </a:xfrm>
-      </p:grpSpPr>
-      <p:sp>
-        <p:nvSpPr>
-          <p:cNvPr id="2" name="タイトル 1">
-            <a:extLst>
-              <a:ext uri="{FF2B5EF4-FFF2-40B4-BE49-F238E27FC236}">
-                <a16:creationId xmlns:a16="http://schemas.microsoft.com/office/drawing/2014/main" id="{6EEB1D21-E123-6A0D-4387-7842071A44C3}"/>
-              </a:ext>
-            </a:extLst>
-          </p:cNvPr>
-          <p:cNvSpPr>
-            <a:spLocks noGrp="1"/>
-          </p:cNvSpPr>
-          <p:nvPr>
-            <p:ph type="title"/>
-          </p:nvPr>
-        </p:nvSpPr>
-        <p:spPr>
-          <a:xfrm>
-            <a:off x="508262" y="6906"/>
-            <a:ext cx="7410253" cy="1325563"/>
-          </a:xfrm>
-        </p:spPr>
-        <p:txBody>
-          <a:bodyPr>
-            <a:normAutofit/>
-          </a:bodyPr>
-          <a:lstStyle/>
-          <a:p>
-            <a:r>
-              <a:rPr kumimoji="1" lang="ja-JP" altLang="en-US" sz="2800" dirty="0"/>
-              <a:t>グラフ画面</a:t>
-            </a:r>
-            <a:r>
-              <a:rPr kumimoji="1" lang="en-US" altLang="ja-JP" sz="2800" dirty="0"/>
-              <a:t>(Graph</a:t>
-            </a:r>
-            <a:r>
-              <a:rPr kumimoji="1" lang="ja-JP" altLang="en-US" sz="2800" dirty="0"/>
-              <a:t> </a:t>
-            </a:r>
-            <a:r>
-              <a:rPr kumimoji="1" lang="en-US" altLang="ja-JP" sz="2800" dirty="0"/>
-              <a:t>Window</a:t>
-            </a:r>
-            <a:r>
-              <a:rPr lang="ja-JP" altLang="en-US" sz="2800" dirty="0"/>
-              <a:t>）</a:t>
-            </a:r>
-            <a:endParaRPr kumimoji="1" lang="ja-JP" altLang="en-US" dirty="0"/>
-          </a:p>
-        </p:txBody>
-      </p:sp>
-      <p:sp>
-        <p:nvSpPr>
-          <p:cNvPr id="3" name="コンテンツ プレースホルダー 2">
-            <a:extLst>
-              <a:ext uri="{FF2B5EF4-FFF2-40B4-BE49-F238E27FC236}">
-                <a16:creationId xmlns:a16="http://schemas.microsoft.com/office/drawing/2014/main" id="{FBEFD887-8E4D-0747-2470-BA7EA0F692F7}"/>
-              </a:ext>
-            </a:extLst>
-          </p:cNvPr>
-          <p:cNvSpPr>
-            <a:spLocks noGrp="1"/>
-          </p:cNvSpPr>
-          <p:nvPr>
-            <p:ph idx="1"/>
-          </p:nvPr>
-        </p:nvSpPr>
-        <p:spPr>
-          <a:xfrm>
-            <a:off x="627529" y="1332469"/>
-            <a:ext cx="5797731" cy="4160520"/>
-          </a:xfrm>
-        </p:spPr>
-        <p:txBody>
-          <a:bodyPr/>
-          <a:lstStyle/>
-          <a:p>
-            <a:r>
-              <a:rPr lang="ja-JP" altLang="en-US" sz="2000" dirty="0"/>
-              <a:t>治療を受けた後に再びテストを受けに来るユーザーのために、進捗を追跡するためのものである</a:t>
-            </a:r>
-            <a:endParaRPr lang="en-US" altLang="ja-JP" sz="2000" dirty="0"/>
-          </a:p>
-          <a:p>
-            <a:r>
-              <a:rPr lang="ja-JP" altLang="en-US" sz="2000" dirty="0"/>
-              <a:t>これはまだ構築されていない。なぜなら、ユーザーの個人データを保存するためにデータベースが必要であり、そのためには同意書が必要だから</a:t>
-            </a:r>
-            <a:r>
-              <a:rPr lang="ja-JP" altLang="en-US" sz="1800" dirty="0"/>
-              <a:t>。</a:t>
-            </a:r>
-            <a:endParaRPr kumimoji="1" lang="ja-JP" altLang="en-US" sz="1800" dirty="0"/>
-          </a:p>
-        </p:txBody>
-      </p:sp>
-      <p:cxnSp>
-        <p:nvCxnSpPr>
-          <p:cNvPr id="4" name="直線コネクタ 3">
-            <a:extLst>
-              <a:ext uri="{FF2B5EF4-FFF2-40B4-BE49-F238E27FC236}">
-                <a16:creationId xmlns:a16="http://schemas.microsoft.com/office/drawing/2014/main" id="{77FD0231-A0D6-70F0-63A7-A1184127BCDF}"/>
-              </a:ext>
-            </a:extLst>
-          </p:cNvPr>
-          <p:cNvCxnSpPr>
-            <a:cxnSpLocks/>
-          </p:cNvCxnSpPr>
-          <p:nvPr/>
-        </p:nvCxnSpPr>
-        <p:spPr>
-          <a:xfrm>
-            <a:off x="627529" y="1001486"/>
-            <a:ext cx="10726271" cy="0"/>
-          </a:xfrm>
-          <a:prstGeom prst="line">
-            <a:avLst/>
-          </a:prstGeom>
-          <a:ln w="38100" cmpd="dbl">
-            <a:solidFill>
-              <a:schemeClr val="tx1"/>
-            </a:solidFill>
-          </a:ln>
-        </p:spPr>
-        <p:style>
-          <a:lnRef idx="1">
-            <a:schemeClr val="accent1"/>
-          </a:lnRef>
-          <a:fillRef idx="0">
-            <a:schemeClr val="accent1"/>
-          </a:fillRef>
-          <a:effectRef idx="0">
-            <a:schemeClr val="accent1"/>
-          </a:effectRef>
-          <a:fontRef idx="minor">
-            <a:schemeClr val="tx1"/>
-          </a:fontRef>
-        </p:style>
-      </p:cxnSp>
-      <p:sp>
-        <p:nvSpPr>
-          <p:cNvPr id="7" name="正方形/長方形 6">
-            <a:extLst>
-              <a:ext uri="{FF2B5EF4-FFF2-40B4-BE49-F238E27FC236}">
-                <a16:creationId xmlns:a16="http://schemas.microsoft.com/office/drawing/2014/main" id="{7FF2F209-BF63-6984-FAEE-54B0779DDD88}"/>
-              </a:ext>
-            </a:extLst>
-          </p:cNvPr>
-          <p:cNvSpPr/>
-          <p:nvPr/>
-        </p:nvSpPr>
-        <p:spPr>
-          <a:xfrm>
-            <a:off x="8247529" y="1144392"/>
-            <a:ext cx="3106271" cy="4799208"/>
-          </a:xfrm>
-          <a:prstGeom prst="rect">
-            <a:avLst/>
-          </a:prstGeom>
-          <a:noFill/>
-          <a:ln>
-            <a:solidFill>
-              <a:srgbClr val="FF0000"/>
-            </a:solidFill>
-          </a:ln>
-        </p:spPr>
-        <p:style>
-          <a:lnRef idx="2">
-            <a:schemeClr val="dk1">
-              <a:shade val="15000"/>
-            </a:schemeClr>
-          </a:lnRef>
-          <a:fillRef idx="1">
-            <a:schemeClr val="dk1"/>
-          </a:fillRef>
-          <a:effectRef idx="0">
-            <a:schemeClr val="dk1"/>
-          </a:effectRef>
-          <a:fontRef idx="minor">
-            <a:schemeClr val="lt1"/>
-          </a:fontRef>
-        </p:style>
-        <p:txBody>
-          <a:bodyPr rtlCol="0" anchor="ctr"/>
-          <a:lstStyle/>
-          <a:p>
-            <a:pPr algn="ctr"/>
-            <a:r>
-              <a:rPr kumimoji="1" lang="ja-JP" altLang="en-US" dirty="0">
-                <a:solidFill>
-                  <a:srgbClr val="FF0000"/>
-                </a:solidFill>
-              </a:rPr>
-              <a:t>未実装</a:t>
-            </a:r>
-          </a:p>
-        </p:txBody>
-      </p:sp>
-    </p:spTree>
-    <p:extLst>
-      <p:ext uri="{BB962C8B-B14F-4D97-AF65-F5344CB8AC3E}">
-        <p14:creationId xmlns:p14="http://schemas.microsoft.com/office/powerpoint/2010/main" val="722174485"/>
-      </p:ext>
-    </p:extLst>
-  </p:cSld>
-  <p:clrMapOvr>
-    <a:masterClrMapping/>
-  </p:clrMapOvr>
-</p:sld>
-</file>
-
-<file path=ppt/slides/slide18.xml><?xml version="1.0" encoding="utf-8"?>
-<p:sld xmlns:a="http://schemas.openxmlformats.org/drawingml/2006/main" xmlns:r="http://schemas.openxmlformats.org/officeDocument/2006/relationships" xmlns:p="http://schemas.openxmlformats.org/presentationml/2006/main">
-  <p:cSld>
-    <p:spTree>
-      <p:nvGrpSpPr>
-        <p:cNvPr id="1" name=""/>
-        <p:cNvGrpSpPr/>
-        <p:nvPr/>
-      </p:nvGrpSpPr>
-      <p:grpSpPr>
-        <a:xfrm>
-          <a:off x="0" y="0"/>
-          <a:ext cx="0" cy="0"/>
-          <a:chOff x="0" y="0"/>
-          <a:chExt cx="0" cy="0"/>
-        </a:xfrm>
-      </p:grpSpPr>
-      <p:sp>
-        <p:nvSpPr>
-          <p:cNvPr id="2" name="タイトル 1">
-            <a:extLst>
-              <a:ext uri="{FF2B5EF4-FFF2-40B4-BE49-F238E27FC236}">
-                <a16:creationId xmlns:a16="http://schemas.microsoft.com/office/drawing/2014/main" id="{6EEB1D21-E123-6A0D-4387-7842071A44C3}"/>
-              </a:ext>
-            </a:extLst>
-          </p:cNvPr>
-          <p:cNvSpPr>
-            <a:spLocks noGrp="1"/>
-          </p:cNvSpPr>
-          <p:nvPr>
-            <p:ph type="title"/>
-          </p:nvPr>
-        </p:nvSpPr>
-        <p:spPr>
-          <a:xfrm>
-            <a:off x="508262" y="6906"/>
-            <a:ext cx="10515600" cy="1325563"/>
-          </a:xfrm>
-        </p:spPr>
-        <p:txBody>
-          <a:bodyPr>
-            <a:normAutofit/>
-          </a:bodyPr>
-          <a:lstStyle/>
-          <a:p>
-            <a:r>
-              <a:rPr lang="ja-JP" altLang="en-US" sz="2800" dirty="0"/>
-              <a:t>フィードバック</a:t>
-            </a:r>
-            <a:r>
-              <a:rPr kumimoji="1" lang="ja-JP" altLang="en-US" sz="2800" dirty="0"/>
-              <a:t>画面</a:t>
-            </a:r>
-            <a:r>
-              <a:rPr kumimoji="1" lang="en-US" altLang="ja-JP" sz="2800" dirty="0"/>
-              <a:t>(Feedback</a:t>
-            </a:r>
-            <a:r>
-              <a:rPr kumimoji="1" lang="ja-JP" altLang="en-US" sz="2800" dirty="0"/>
-              <a:t> </a:t>
-            </a:r>
-            <a:r>
-              <a:rPr kumimoji="1" lang="en-US" altLang="ja-JP" sz="2800" dirty="0"/>
-              <a:t>Window</a:t>
-            </a:r>
-            <a:r>
-              <a:rPr lang="ja-JP" altLang="en-US" sz="2800" dirty="0"/>
-              <a:t>）</a:t>
-            </a:r>
-            <a:endParaRPr kumimoji="1" lang="ja-JP" altLang="en-US" dirty="0"/>
-          </a:p>
-        </p:txBody>
-      </p:sp>
-      <p:sp>
-        <p:nvSpPr>
-          <p:cNvPr id="3" name="コンテンツ プレースホルダー 2">
-            <a:extLst>
-              <a:ext uri="{FF2B5EF4-FFF2-40B4-BE49-F238E27FC236}">
-                <a16:creationId xmlns:a16="http://schemas.microsoft.com/office/drawing/2014/main" id="{FBEFD887-8E4D-0747-2470-BA7EA0F692F7}"/>
-              </a:ext>
-            </a:extLst>
-          </p:cNvPr>
-          <p:cNvSpPr>
-            <a:spLocks noGrp="1"/>
-          </p:cNvSpPr>
-          <p:nvPr>
-            <p:ph idx="1"/>
-          </p:nvPr>
-        </p:nvSpPr>
-        <p:spPr>
-          <a:xfrm>
-            <a:off x="627529" y="1332469"/>
-            <a:ext cx="5797731" cy="4160520"/>
-          </a:xfrm>
-        </p:spPr>
-        <p:txBody>
-          <a:bodyPr/>
-          <a:lstStyle/>
-          <a:p>
-            <a:r>
-              <a:rPr lang="ja-JP" altLang="en-US" sz="2000" dirty="0"/>
-              <a:t>ユーザーはモバイルアプリを利用中に発生した情報やバグを報告できる。</a:t>
-            </a:r>
-            <a:endParaRPr lang="en-US" altLang="ja-JP" sz="2000" dirty="0"/>
-          </a:p>
-          <a:p>
-            <a:r>
-              <a:rPr lang="ja-JP" altLang="en-US" sz="2000" dirty="0"/>
-              <a:t>すべてのフィードバックは匿名である</a:t>
-            </a:r>
-            <a:endParaRPr lang="en-US" altLang="ja-JP" sz="2000" dirty="0"/>
-          </a:p>
-          <a:p>
-            <a:r>
-              <a:rPr lang="ja-JP" altLang="en-US" sz="2000" dirty="0"/>
-              <a:t>この機能はまだ作成してない。なぜなら、椅子に接続している間にインターネットへの接続が失われる可能性があり、開発者がどこからでもアクセスできるようにフィードバックのレスポンスをインターネット上に保存する方法を考える必要があるから。</a:t>
-            </a:r>
-          </a:p>
-          <a:p>
-            <a:endParaRPr kumimoji="1" lang="ja-JP" altLang="en-US" sz="1800" dirty="0"/>
-          </a:p>
-        </p:txBody>
-      </p:sp>
-      <p:cxnSp>
-        <p:nvCxnSpPr>
-          <p:cNvPr id="4" name="直線コネクタ 3">
-            <a:extLst>
-              <a:ext uri="{FF2B5EF4-FFF2-40B4-BE49-F238E27FC236}">
-                <a16:creationId xmlns:a16="http://schemas.microsoft.com/office/drawing/2014/main" id="{77FD0231-A0D6-70F0-63A7-A1184127BCDF}"/>
-              </a:ext>
-            </a:extLst>
-          </p:cNvPr>
-          <p:cNvCxnSpPr>
-            <a:cxnSpLocks/>
-          </p:cNvCxnSpPr>
-          <p:nvPr/>
-        </p:nvCxnSpPr>
-        <p:spPr>
-          <a:xfrm>
-            <a:off x="627529" y="1001486"/>
-            <a:ext cx="10726271" cy="0"/>
-          </a:xfrm>
-          <a:prstGeom prst="line">
-            <a:avLst/>
-          </a:prstGeom>
-          <a:ln w="38100" cmpd="dbl">
-            <a:solidFill>
-              <a:schemeClr val="tx1"/>
-            </a:solidFill>
-          </a:ln>
-        </p:spPr>
-        <p:style>
-          <a:lnRef idx="1">
-            <a:schemeClr val="accent1"/>
-          </a:lnRef>
-          <a:fillRef idx="0">
-            <a:schemeClr val="accent1"/>
-          </a:fillRef>
-          <a:effectRef idx="0">
-            <a:schemeClr val="accent1"/>
-          </a:effectRef>
-          <a:fontRef idx="minor">
-            <a:schemeClr val="tx1"/>
-          </a:fontRef>
-        </p:style>
-      </p:cxnSp>
-      <p:sp>
-        <p:nvSpPr>
-          <p:cNvPr id="6" name="正方形/長方形 5">
-            <a:extLst>
-              <a:ext uri="{FF2B5EF4-FFF2-40B4-BE49-F238E27FC236}">
-                <a16:creationId xmlns:a16="http://schemas.microsoft.com/office/drawing/2014/main" id="{7A695DE2-D99A-A5E7-464E-506FD5EECF14}"/>
-              </a:ext>
-            </a:extLst>
-          </p:cNvPr>
-          <p:cNvSpPr/>
-          <p:nvPr/>
-        </p:nvSpPr>
-        <p:spPr>
-          <a:xfrm>
-            <a:off x="8079971" y="1123129"/>
-            <a:ext cx="3273829" cy="4733385"/>
-          </a:xfrm>
-          <a:prstGeom prst="rect">
-            <a:avLst/>
-          </a:prstGeom>
-          <a:noFill/>
-          <a:ln>
-            <a:solidFill>
-              <a:srgbClr val="FF0000"/>
-            </a:solidFill>
-          </a:ln>
-        </p:spPr>
-        <p:style>
-          <a:lnRef idx="2">
-            <a:schemeClr val="dk1">
-              <a:shade val="15000"/>
-            </a:schemeClr>
-          </a:lnRef>
-          <a:fillRef idx="1">
-            <a:schemeClr val="dk1"/>
-          </a:fillRef>
-          <a:effectRef idx="0">
-            <a:schemeClr val="dk1"/>
-          </a:effectRef>
-          <a:fontRef idx="minor">
-            <a:schemeClr val="lt1"/>
-          </a:fontRef>
-        </p:style>
-        <p:txBody>
-          <a:bodyPr rtlCol="0" anchor="ctr"/>
-          <a:lstStyle/>
-          <a:p>
-            <a:pPr algn="ctr"/>
-            <a:r>
-              <a:rPr kumimoji="1" lang="ja-JP" altLang="en-US" dirty="0">
-                <a:solidFill>
-                  <a:srgbClr val="FF0000"/>
-                </a:solidFill>
-              </a:rPr>
-              <a:t>未実装</a:t>
-            </a:r>
-          </a:p>
-        </p:txBody>
-      </p:sp>
-    </p:spTree>
-    <p:extLst>
-      <p:ext uri="{BB962C8B-B14F-4D97-AF65-F5344CB8AC3E}">
-        <p14:creationId xmlns:p14="http://schemas.microsoft.com/office/powerpoint/2010/main" val="3455028739"/>
-      </p:ext>
-    </p:extLst>
-  </p:cSld>
-  <p:clrMapOvr>
-    <a:masterClrMapping/>
-  </p:clrMapOvr>
-</p:sld>
-</file>
-
-<file path=ppt/slides/slide19.xml><?xml version="1.0" encoding="utf-8"?>
-<p:sld xmlns:a="http://schemas.openxmlformats.org/drawingml/2006/main" xmlns:r="http://schemas.openxmlformats.org/officeDocument/2006/relationships" xmlns:p="http://schemas.openxmlformats.org/presentationml/2006/main">
-  <p:cSld>
-    <p:spTree>
-      <p:nvGrpSpPr>
-        <p:cNvPr id="1" name=""/>
-        <p:cNvGrpSpPr/>
-        <p:nvPr/>
-      </p:nvGrpSpPr>
-      <p:grpSpPr>
-        <a:xfrm>
-          <a:off x="0" y="0"/>
-          <a:ext cx="0" cy="0"/>
-          <a:chOff x="0" y="0"/>
-          <a:chExt cx="0" cy="0"/>
-        </a:xfrm>
-      </p:grpSpPr>
-      <p:sp>
-        <p:nvSpPr>
-          <p:cNvPr id="2" name="タイトル 1">
-            <a:extLst>
-              <a:ext uri="{FF2B5EF4-FFF2-40B4-BE49-F238E27FC236}">
-                <a16:creationId xmlns:a16="http://schemas.microsoft.com/office/drawing/2014/main" id="{3AB3D46E-75D0-82E4-A303-E24A0E426E06}"/>
-              </a:ext>
-            </a:extLst>
-          </p:cNvPr>
-          <p:cNvSpPr>
-            <a:spLocks noGrp="1"/>
-          </p:cNvSpPr>
-          <p:nvPr>
-            <p:ph type="title"/>
-          </p:nvPr>
-        </p:nvSpPr>
-        <p:spPr>
-          <a:xfrm>
-            <a:off x="627528" y="1"/>
-            <a:ext cx="3151991" cy="1001486"/>
-          </a:xfrm>
-        </p:spPr>
-        <p:txBody>
-          <a:bodyPr vert="horz" lIns="91440" tIns="45720" rIns="91440" bIns="45720" rtlCol="0" anchor="ctr">
-            <a:normAutofit/>
-          </a:bodyPr>
-          <a:lstStyle/>
-          <a:p>
-            <a:pPr algn="ctr">
-              <a:lnSpc>
-                <a:spcPct val="90000"/>
-              </a:lnSpc>
-            </a:pPr>
-            <a:r>
-              <a:rPr kumimoji="1" lang="ja-JP" altLang="en-US" sz="3600" dirty="0"/>
-              <a:t>アプリの流れ</a:t>
-            </a:r>
-          </a:p>
-        </p:txBody>
-      </p:sp>
-      <p:sp>
-        <p:nvSpPr>
-          <p:cNvPr id="12" name="矢印: 右 11">
-            <a:extLst>
-              <a:ext uri="{FF2B5EF4-FFF2-40B4-BE49-F238E27FC236}">
-                <a16:creationId xmlns:a16="http://schemas.microsoft.com/office/drawing/2014/main" id="{61EB42A2-8DC9-9D91-B498-C3AB87ECA907}"/>
-              </a:ext>
-            </a:extLst>
-          </p:cNvPr>
-          <p:cNvSpPr/>
-          <p:nvPr/>
-        </p:nvSpPr>
-        <p:spPr>
-          <a:xfrm>
-            <a:off x="1506409" y="6504280"/>
-            <a:ext cx="8968509" cy="232830"/>
-          </a:xfrm>
-          <a:prstGeom prst="rightArrow">
-            <a:avLst/>
-          </a:prstGeom>
-        </p:spPr>
-        <p:style>
-          <a:lnRef idx="2">
-            <a:schemeClr val="dk1">
-              <a:shade val="15000"/>
-            </a:schemeClr>
-          </a:lnRef>
-          <a:fillRef idx="1">
-            <a:schemeClr val="dk1"/>
-          </a:fillRef>
-          <a:effectRef idx="0">
-            <a:schemeClr val="dk1"/>
-          </a:effectRef>
-          <a:fontRef idx="minor">
-            <a:schemeClr val="lt1"/>
-          </a:fontRef>
-        </p:style>
-        <p:txBody>
-          <a:bodyPr rtlCol="0" anchor="ctr"/>
-          <a:lstStyle/>
-          <a:p>
-            <a:pPr algn="ctr"/>
-            <a:endParaRPr kumimoji="1" lang="ja-JP" altLang="en-US"/>
-          </a:p>
-        </p:txBody>
-      </p:sp>
-      <p:cxnSp>
-        <p:nvCxnSpPr>
-          <p:cNvPr id="3" name="直線コネクタ 2">
-            <a:extLst>
-              <a:ext uri="{FF2B5EF4-FFF2-40B4-BE49-F238E27FC236}">
-                <a16:creationId xmlns:a16="http://schemas.microsoft.com/office/drawing/2014/main" id="{F8FDB5D7-39E4-B377-50C8-EBECC81CBF0C}"/>
-              </a:ext>
-            </a:extLst>
-          </p:cNvPr>
-          <p:cNvCxnSpPr>
-            <a:cxnSpLocks/>
-          </p:cNvCxnSpPr>
-          <p:nvPr/>
-        </p:nvCxnSpPr>
-        <p:spPr>
-          <a:xfrm>
-            <a:off x="627529" y="1001486"/>
-            <a:ext cx="10726271" cy="0"/>
-          </a:xfrm>
-          <a:prstGeom prst="line">
-            <a:avLst/>
-          </a:prstGeom>
-          <a:ln w="38100" cmpd="dbl">
-            <a:solidFill>
-              <a:schemeClr val="tx1"/>
-            </a:solidFill>
-          </a:ln>
-        </p:spPr>
-        <p:style>
-          <a:lnRef idx="1">
-            <a:schemeClr val="accent1"/>
-          </a:lnRef>
-          <a:fillRef idx="0">
-            <a:schemeClr val="accent1"/>
-          </a:fillRef>
-          <a:effectRef idx="0">
-            <a:schemeClr val="accent1"/>
-          </a:effectRef>
-          <a:fontRef idx="minor">
-            <a:schemeClr val="tx1"/>
-          </a:fontRef>
-        </p:style>
-      </p:cxnSp>
-      <p:pic>
-        <p:nvPicPr>
-          <p:cNvPr id="4" name="図 5" descr="グラフィカル ユーザー インターフェイス, テキスト, アプリケーション&#10;&#10;自動的に生成された説明">
-            <a:extLst>
-              <a:ext uri="{FF2B5EF4-FFF2-40B4-BE49-F238E27FC236}">
-                <a16:creationId xmlns:a16="http://schemas.microsoft.com/office/drawing/2014/main" id="{1B238D06-4850-343F-A213-6B6B10F04461}"/>
-              </a:ext>
-            </a:extLst>
-          </p:cNvPr>
-          <p:cNvPicPr>
-            <a:picLocks noChangeAspect="1"/>
-          </p:cNvPicPr>
-          <p:nvPr/>
-        </p:nvPicPr>
-        <p:blipFill>
-          <a:blip r:embed="rId2">
-            <a:extLst>
-              <a:ext uri="{28A0092B-C50C-407E-A947-70E740481C1C}">
-                <a14:useLocalDpi xmlns:a14="http://schemas.microsoft.com/office/drawing/2010/main" val="0"/>
-              </a:ext>
-            </a:extLst>
-          </a:blip>
-          <a:stretch>
-            <a:fillRect/>
-          </a:stretch>
-        </p:blipFill>
-        <p:spPr>
-          <a:xfrm>
-            <a:off x="627528" y="1121274"/>
-            <a:ext cx="3151545" cy="4896344"/>
-          </a:xfrm>
-          <a:prstGeom prst="rect">
-            <a:avLst/>
-          </a:prstGeom>
-        </p:spPr>
-      </p:pic>
-      <p:pic>
-        <p:nvPicPr>
-          <p:cNvPr id="5" name="図 6" descr="グラフィカル ユーザー インターフェイス, テキスト, アプリケーション, Teams&#10;&#10;自動的に生成された説明">
-            <a:extLst>
-              <a:ext uri="{FF2B5EF4-FFF2-40B4-BE49-F238E27FC236}">
-                <a16:creationId xmlns:a16="http://schemas.microsoft.com/office/drawing/2014/main" id="{28B97016-4A4A-D2C7-1D2F-02DFEAE5C632}"/>
-              </a:ext>
-            </a:extLst>
-          </p:cNvPr>
-          <p:cNvPicPr>
-            <a:picLocks noChangeAspect="1"/>
-          </p:cNvPicPr>
-          <p:nvPr/>
-        </p:nvPicPr>
-        <p:blipFill>
-          <a:blip r:embed="rId3">
-            <a:extLst>
-              <a:ext uri="{28A0092B-C50C-407E-A947-70E740481C1C}">
-                <a14:useLocalDpi xmlns:a14="http://schemas.microsoft.com/office/drawing/2010/main" val="0"/>
-              </a:ext>
-            </a:extLst>
-          </a:blip>
-          <a:stretch>
-            <a:fillRect/>
-          </a:stretch>
-        </p:blipFill>
-        <p:spPr>
-          <a:xfrm>
-            <a:off x="4282178" y="1070809"/>
-            <a:ext cx="3324386" cy="4896346"/>
-          </a:xfrm>
-          <a:prstGeom prst="rect">
-            <a:avLst/>
-          </a:prstGeom>
-        </p:spPr>
-      </p:pic>
-      <p:pic>
-        <p:nvPicPr>
-          <p:cNvPr id="6" name="図 6" descr="グラフィカル ユーザー インターフェイス, アプリケーション, Teams&#10;&#10;自動的に生成された説明">
-            <a:extLst>
-              <a:ext uri="{FF2B5EF4-FFF2-40B4-BE49-F238E27FC236}">
-                <a16:creationId xmlns:a16="http://schemas.microsoft.com/office/drawing/2014/main" id="{5118C895-A65A-C495-FB2A-0E75201C86F1}"/>
-              </a:ext>
-            </a:extLst>
-          </p:cNvPr>
-          <p:cNvPicPr>
-            <a:picLocks noChangeAspect="1"/>
-          </p:cNvPicPr>
-          <p:nvPr/>
-        </p:nvPicPr>
-        <p:blipFill>
-          <a:blip r:embed="rId4">
-            <a:extLst>
-              <a:ext uri="{28A0092B-C50C-407E-A947-70E740481C1C}">
-                <a14:useLocalDpi xmlns:a14="http://schemas.microsoft.com/office/drawing/2010/main" val="0"/>
-              </a:ext>
-            </a:extLst>
-          </a:blip>
-          <a:stretch>
-            <a:fillRect/>
-          </a:stretch>
-        </p:blipFill>
-        <p:spPr>
-          <a:xfrm>
-            <a:off x="8189634" y="1138532"/>
-            <a:ext cx="3164166" cy="4879083"/>
-          </a:xfrm>
-          <a:prstGeom prst="rect">
-            <a:avLst/>
-          </a:prstGeom>
-        </p:spPr>
-      </p:pic>
-      <p:sp>
-        <p:nvSpPr>
-          <p:cNvPr id="7" name="TextBox 6">
-            <a:extLst>
-              <a:ext uri="{FF2B5EF4-FFF2-40B4-BE49-F238E27FC236}">
-                <a16:creationId xmlns:a16="http://schemas.microsoft.com/office/drawing/2014/main" id="{04E569FE-C49E-9F65-87F4-B21B5183784B}"/>
-              </a:ext>
-            </a:extLst>
-          </p:cNvPr>
-          <p:cNvSpPr txBox="1"/>
-          <p:nvPr/>
-        </p:nvSpPr>
-        <p:spPr>
-          <a:xfrm>
-            <a:off x="619895" y="6017615"/>
-            <a:ext cx="2959327" cy="369332"/>
-          </a:xfrm>
-          <a:prstGeom prst="rect">
-            <a:avLst/>
-          </a:prstGeom>
-          <a:noFill/>
-        </p:spPr>
-        <p:txBody>
-          <a:bodyPr wrap="square" rtlCol="0">
-            <a:spAutoFit/>
-          </a:bodyPr>
-          <a:lstStyle/>
-          <a:p>
-            <a:pPr algn="ctr"/>
-            <a:r>
-              <a:rPr lang="ja-JP" altLang="en-US" dirty="0"/>
-              <a:t>アドレス画面</a:t>
-            </a:r>
-            <a:endParaRPr lang="en-US" dirty="0"/>
-          </a:p>
-        </p:txBody>
-      </p:sp>
-      <p:sp>
-        <p:nvSpPr>
-          <p:cNvPr id="10" name="TextBox 9">
-            <a:extLst>
-              <a:ext uri="{FF2B5EF4-FFF2-40B4-BE49-F238E27FC236}">
-                <a16:creationId xmlns:a16="http://schemas.microsoft.com/office/drawing/2014/main" id="{DEADB278-D7B8-ECC1-4B40-01FA5F1D1FF5}"/>
-              </a:ext>
-            </a:extLst>
-          </p:cNvPr>
-          <p:cNvSpPr txBox="1"/>
-          <p:nvPr/>
-        </p:nvSpPr>
-        <p:spPr>
-          <a:xfrm>
-            <a:off x="4315851" y="6017615"/>
-            <a:ext cx="3337005" cy="369332"/>
-          </a:xfrm>
-          <a:prstGeom prst="rect">
-            <a:avLst/>
-          </a:prstGeom>
-          <a:noFill/>
-        </p:spPr>
-        <p:txBody>
-          <a:bodyPr wrap="square" rtlCol="0">
-            <a:spAutoFit/>
-          </a:bodyPr>
-          <a:lstStyle/>
-          <a:p>
-            <a:pPr algn="ctr"/>
-            <a:r>
-              <a:rPr lang="ja-JP" altLang="en-US" dirty="0"/>
-              <a:t>タイトル画面</a:t>
-            </a:r>
-            <a:endParaRPr lang="en-US" dirty="0"/>
-          </a:p>
-        </p:txBody>
-      </p:sp>
-      <p:sp>
-        <p:nvSpPr>
-          <p:cNvPr id="11" name="TextBox 10">
-            <a:extLst>
-              <a:ext uri="{FF2B5EF4-FFF2-40B4-BE49-F238E27FC236}">
-                <a16:creationId xmlns:a16="http://schemas.microsoft.com/office/drawing/2014/main" id="{F3FC7F17-BA0C-7476-4A54-AAD5E5B5D152}"/>
-              </a:ext>
-            </a:extLst>
-          </p:cNvPr>
-          <p:cNvSpPr txBox="1"/>
-          <p:nvPr/>
-        </p:nvSpPr>
-        <p:spPr>
-          <a:xfrm>
-            <a:off x="8189634" y="6017615"/>
-            <a:ext cx="3156533" cy="369332"/>
-          </a:xfrm>
-          <a:prstGeom prst="rect">
-            <a:avLst/>
-          </a:prstGeom>
-          <a:noFill/>
-        </p:spPr>
-        <p:txBody>
-          <a:bodyPr wrap="square" rtlCol="0">
-            <a:spAutoFit/>
-          </a:bodyPr>
-          <a:lstStyle/>
-          <a:p>
-            <a:pPr algn="ctr"/>
-            <a:r>
-              <a:rPr lang="ja-JP" altLang="en-US" dirty="0"/>
-              <a:t>入力画面</a:t>
-            </a:r>
-            <a:endParaRPr lang="en-US" dirty="0"/>
-          </a:p>
-        </p:txBody>
-      </p:sp>
-    </p:spTree>
-    <p:extLst>
-      <p:ext uri="{BB962C8B-B14F-4D97-AF65-F5344CB8AC3E}">
-        <p14:creationId xmlns:p14="http://schemas.microsoft.com/office/powerpoint/2010/main" val="3367460123"/>
-      </p:ext>
-    </p:extLst>
-  </p:cSld>
-  <p:clrMapOvr>
-    <a:masterClrMapping/>
-  </p:clrMapOvr>
-</p:sld>
-</file>
-
-<file path=ppt/slides/slide2.xml><?xml version="1.0" encoding="utf-8"?>
-<p:sld xmlns:a="http://schemas.openxmlformats.org/drawingml/2006/main" xmlns:r="http://schemas.openxmlformats.org/officeDocument/2006/relationships" xmlns:p="http://schemas.openxmlformats.org/presentationml/2006/main">
-  <p:cSld>
-    <p:spTree>
-      <p:nvGrpSpPr>
-        <p:cNvPr id="1" name=""/>
-        <p:cNvGrpSpPr/>
-        <p:nvPr/>
-      </p:nvGrpSpPr>
-      <p:grpSpPr>
-        <a:xfrm>
-          <a:off x="0" y="0"/>
-          <a:ext cx="0" cy="0"/>
-          <a:chOff x="0" y="0"/>
-          <a:chExt cx="0" cy="0"/>
-        </a:xfrm>
-      </p:grpSpPr>
-      <p:sp>
-        <p:nvSpPr>
-          <p:cNvPr id="2" name="タイトル 1">
-            <a:extLst>
-              <a:ext uri="{FF2B5EF4-FFF2-40B4-BE49-F238E27FC236}">
-                <a16:creationId xmlns:a16="http://schemas.microsoft.com/office/drawing/2014/main" id="{956F2F01-7487-06F1-2E3D-D17989598C1D}"/>
-              </a:ext>
-            </a:extLst>
-          </p:cNvPr>
-          <p:cNvSpPr>
-            <a:spLocks noGrp="1"/>
-          </p:cNvSpPr>
-          <p:nvPr>
-            <p:ph type="title"/>
-          </p:nvPr>
-        </p:nvSpPr>
-        <p:spPr>
-          <a:xfrm>
-            <a:off x="838200" y="18255"/>
-            <a:ext cx="10515600" cy="1325563"/>
-          </a:xfrm>
-        </p:spPr>
-        <p:txBody>
-          <a:bodyPr/>
-          <a:lstStyle/>
-          <a:p>
-            <a:r>
-              <a:rPr kumimoji="1" lang="ja-JP" altLang="en-US" dirty="0"/>
-              <a:t>目次</a:t>
-            </a:r>
-          </a:p>
-        </p:txBody>
-      </p:sp>
-      <p:sp>
-        <p:nvSpPr>
-          <p:cNvPr id="3" name="コンテンツ プレースホルダー 2">
-            <a:extLst>
-              <a:ext uri="{FF2B5EF4-FFF2-40B4-BE49-F238E27FC236}">
-                <a16:creationId xmlns:a16="http://schemas.microsoft.com/office/drawing/2014/main" id="{6ED2D96B-5701-6F40-465F-28905C7803F3}"/>
-              </a:ext>
-            </a:extLst>
-          </p:cNvPr>
-          <p:cNvSpPr>
-            <a:spLocks noGrp="1"/>
-          </p:cNvSpPr>
-          <p:nvPr>
-            <p:ph idx="1"/>
-          </p:nvPr>
-        </p:nvSpPr>
-        <p:spPr>
-          <a:xfrm>
-            <a:off x="838200" y="1343818"/>
-            <a:ext cx="10515600" cy="4833145"/>
-          </a:xfrm>
-        </p:spPr>
-        <p:txBody>
-          <a:bodyPr/>
-          <a:lstStyle/>
-          <a:p>
-            <a:r>
-              <a:rPr kumimoji="1" lang="ja-JP" altLang="en-US" dirty="0"/>
-              <a:t>背景</a:t>
-            </a:r>
-            <a:endParaRPr kumimoji="1" lang="en-US" altLang="ja-JP" dirty="0"/>
-          </a:p>
-          <a:p>
-            <a:r>
-              <a:rPr kumimoji="1" lang="ja-JP" altLang="en-US" dirty="0"/>
-              <a:t>目的、手法</a:t>
-            </a:r>
-            <a:endParaRPr kumimoji="1" lang="en-US" altLang="ja-JP" dirty="0"/>
-          </a:p>
-          <a:p>
-            <a:r>
-              <a:rPr lang="ja-JP" altLang="en-US" dirty="0"/>
-              <a:t>既存</a:t>
-            </a:r>
-            <a:r>
-              <a:rPr kumimoji="1" lang="ja-JP" altLang="en-US" dirty="0"/>
-              <a:t>構造</a:t>
-            </a:r>
-            <a:endParaRPr kumimoji="1" lang="en-US" altLang="ja-JP" dirty="0"/>
-          </a:p>
-          <a:p>
-            <a:r>
-              <a:rPr lang="ja-JP" altLang="en-US" dirty="0"/>
-              <a:t>言語と環境</a:t>
-            </a:r>
-            <a:endParaRPr kumimoji="1" lang="en-US" altLang="ja-JP" dirty="0"/>
-          </a:p>
-          <a:p>
-            <a:r>
-              <a:rPr lang="ja-JP" altLang="en-US" dirty="0"/>
-              <a:t>画面説明</a:t>
-            </a:r>
-            <a:endParaRPr lang="en-US" altLang="ja-JP" dirty="0"/>
-          </a:p>
-          <a:p>
-            <a:r>
-              <a:rPr kumimoji="1" lang="ja-JP" altLang="en-US" dirty="0"/>
-              <a:t>工夫点</a:t>
-            </a:r>
-            <a:endParaRPr kumimoji="1" lang="en-US" altLang="ja-JP" dirty="0"/>
-          </a:p>
-          <a:p>
-            <a:r>
-              <a:rPr kumimoji="1" lang="ja-JP" altLang="en-US" dirty="0"/>
-              <a:t>まとめ</a:t>
-            </a:r>
-            <a:endParaRPr kumimoji="1" lang="en-US" altLang="ja-JP" dirty="0"/>
-          </a:p>
-          <a:p>
-            <a:r>
-              <a:rPr kumimoji="1" lang="ja-JP" altLang="en-US" dirty="0"/>
-              <a:t>今後の課題</a:t>
-            </a:r>
-            <a:endParaRPr kumimoji="1" lang="en-US" altLang="ja-JP" dirty="0"/>
-          </a:p>
-        </p:txBody>
-      </p:sp>
-      <p:cxnSp>
-        <p:nvCxnSpPr>
-          <p:cNvPr id="5" name="直線コネクタ 4">
-            <a:extLst>
-              <a:ext uri="{FF2B5EF4-FFF2-40B4-BE49-F238E27FC236}">
-                <a16:creationId xmlns:a16="http://schemas.microsoft.com/office/drawing/2014/main" id="{3F9AC763-EE07-C78B-1BAF-36204BF61A7D}"/>
-              </a:ext>
-            </a:extLst>
-          </p:cNvPr>
-          <p:cNvCxnSpPr>
-            <a:cxnSpLocks/>
-          </p:cNvCxnSpPr>
-          <p:nvPr/>
-        </p:nvCxnSpPr>
-        <p:spPr>
-          <a:xfrm>
-            <a:off x="627529" y="1001486"/>
-            <a:ext cx="10726271" cy="0"/>
-          </a:xfrm>
-          <a:prstGeom prst="line">
-            <a:avLst/>
-          </a:prstGeom>
-          <a:ln w="38100" cmpd="dbl">
-            <a:solidFill>
-              <a:schemeClr val="tx1"/>
-            </a:solidFill>
-          </a:ln>
-        </p:spPr>
-        <p:style>
-          <a:lnRef idx="1">
-            <a:schemeClr val="accent1"/>
-          </a:lnRef>
-          <a:fillRef idx="0">
-            <a:schemeClr val="accent1"/>
-          </a:fillRef>
-          <a:effectRef idx="0">
-            <a:schemeClr val="accent1"/>
-          </a:effectRef>
-          <a:fontRef idx="minor">
-            <a:schemeClr val="tx1"/>
-          </a:fontRef>
-        </p:style>
-      </p:cxnSp>
-    </p:spTree>
-    <p:extLst>
-      <p:ext uri="{BB962C8B-B14F-4D97-AF65-F5344CB8AC3E}">
-        <p14:creationId xmlns:p14="http://schemas.microsoft.com/office/powerpoint/2010/main" val="3045649195"/>
-      </p:ext>
-    </p:extLst>
-  </p:cSld>
-  <p:clrMapOvr>
-    <a:masterClrMapping/>
-  </p:clrMapOvr>
-</p:sld>
-</file>
-
-<file path=ppt/slides/slide20.xml><?xml version="1.0" encoding="utf-8"?>
 <p:sld xmlns:a="http://schemas.openxmlformats.org/drawingml/2006/main" xmlns:r="http://schemas.openxmlformats.org/officeDocument/2006/relationships" xmlns:p="http://schemas.openxmlformats.org/presentationml/2006/main">
   <p:cSld>
     <p:bg>
@@ -25059,23 +22412,23 @@
         </p:nvSpPr>
         <p:spPr>
           <a:xfrm>
-            <a:off x="627529" y="1"/>
-            <a:ext cx="2681728" cy="1001486"/>
+            <a:off x="627529" y="182183"/>
+            <a:ext cx="9037581" cy="806963"/>
           </a:xfrm>
         </p:spPr>
         <p:txBody>
           <a:bodyPr vert="horz" lIns="91440" tIns="45720" rIns="91440" bIns="45720" rtlCol="0" anchor="ctr">
-            <a:normAutofit/>
+            <a:noAutofit/>
           </a:bodyPr>
           <a:lstStyle/>
           <a:p>
-            <a:pPr algn="ctr">
+            <a:pPr>
               <a:lnSpc>
                 <a:spcPct val="90000"/>
               </a:lnSpc>
             </a:pPr>
             <a:r>
-              <a:rPr kumimoji="1" lang="ja-JP" altLang="en-US" sz="3200" dirty="0"/>
+              <a:rPr kumimoji="1" lang="ja-JP" altLang="en-US" dirty="0"/>
               <a:t>アプリの流れ</a:t>
             </a:r>
           </a:p>
@@ -25389,6 +22742,52 @@
           </a:p>
         </p:txBody>
       </p:sp>
+      <p:sp>
+        <p:nvSpPr>
+          <p:cNvPr id="7" name="矢印: 左右 6">
+            <a:extLst>
+              <a:ext uri="{FF2B5EF4-FFF2-40B4-BE49-F238E27FC236}">
+                <a16:creationId xmlns:a16="http://schemas.microsoft.com/office/drawing/2014/main" id="{204D9B13-B0B8-5FDB-0FDA-07A044BEB842}"/>
+              </a:ext>
+            </a:extLst>
+          </p:cNvPr>
+          <p:cNvSpPr/>
+          <p:nvPr/>
+        </p:nvSpPr>
+        <p:spPr>
+          <a:xfrm>
+            <a:off x="3787302" y="3120390"/>
+            <a:ext cx="742694" cy="369326"/>
+          </a:xfrm>
+          <a:prstGeom prst="leftRightArrow">
+            <a:avLst/>
+          </a:prstGeom>
+        </p:spPr>
+        <p:style>
+          <a:lnRef idx="2">
+            <a:schemeClr val="accent1">
+              <a:shade val="15000"/>
+            </a:schemeClr>
+          </a:lnRef>
+          <a:fillRef idx="1">
+            <a:schemeClr val="accent1"/>
+          </a:fillRef>
+          <a:effectRef idx="0">
+            <a:schemeClr val="accent1"/>
+          </a:effectRef>
+          <a:fontRef idx="minor">
+            <a:schemeClr val="lt1"/>
+          </a:fontRef>
+        </p:style>
+        <p:txBody>
+          <a:bodyPr rtlCol="0" anchor="ctr"/>
+          <a:lstStyle/>
+          <a:p>
+            <a:pPr algn="ctr"/>
+            <a:endParaRPr kumimoji="1" lang="ja-JP" altLang="en-US"/>
+          </a:p>
+        </p:txBody>
+      </p:sp>
     </p:spTree>
     <p:extLst>
       <p:ext uri="{BB962C8B-B14F-4D97-AF65-F5344CB8AC3E}">
@@ -25402,7 +22801,3271 @@
 </p:sld>
 </file>
 
+<file path=ppt/slides/slide11.xml><?xml version="1.0" encoding="utf-8"?>
+<p:sld xmlns:a="http://schemas.openxmlformats.org/drawingml/2006/main" xmlns:r="http://schemas.openxmlformats.org/officeDocument/2006/relationships" xmlns:p="http://schemas.openxmlformats.org/presentationml/2006/main">
+  <p:cSld>
+    <p:spTree>
+      <p:nvGrpSpPr>
+        <p:cNvPr id="1" name=""/>
+        <p:cNvGrpSpPr/>
+        <p:nvPr/>
+      </p:nvGrpSpPr>
+      <p:grpSpPr>
+        <a:xfrm>
+          <a:off x="0" y="0"/>
+          <a:ext cx="0" cy="0"/>
+          <a:chOff x="0" y="0"/>
+          <a:chExt cx="0" cy="0"/>
+        </a:xfrm>
+      </p:grpSpPr>
+      <p:sp>
+        <p:nvSpPr>
+          <p:cNvPr id="2" name="タイトル 1">
+            <a:extLst>
+              <a:ext uri="{FF2B5EF4-FFF2-40B4-BE49-F238E27FC236}">
+                <a16:creationId xmlns:a16="http://schemas.microsoft.com/office/drawing/2014/main" id="{6EEB1D21-E123-6A0D-4387-7842071A44C3}"/>
+              </a:ext>
+            </a:extLst>
+          </p:cNvPr>
+          <p:cNvSpPr>
+            <a:spLocks noGrp="1"/>
+          </p:cNvSpPr>
+          <p:nvPr>
+            <p:ph type="title"/>
+          </p:nvPr>
+        </p:nvSpPr>
+        <p:spPr>
+          <a:xfrm>
+            <a:off x="627528" y="6906"/>
+            <a:ext cx="10396333" cy="1325563"/>
+          </a:xfrm>
+        </p:spPr>
+        <p:txBody>
+          <a:bodyPr>
+            <a:normAutofit/>
+          </a:bodyPr>
+          <a:lstStyle/>
+          <a:p>
+            <a:r>
+              <a:rPr kumimoji="1" lang="ja-JP" altLang="en-US" dirty="0"/>
+              <a:t>画面説明｜アドレス画面</a:t>
+            </a:r>
+          </a:p>
+        </p:txBody>
+      </p:sp>
+      <p:sp>
+        <p:nvSpPr>
+          <p:cNvPr id="3" name="コンテンツ プレースホルダー 2">
+            <a:extLst>
+              <a:ext uri="{FF2B5EF4-FFF2-40B4-BE49-F238E27FC236}">
+                <a16:creationId xmlns:a16="http://schemas.microsoft.com/office/drawing/2014/main" id="{FBEFD887-8E4D-0747-2470-BA7EA0F692F7}"/>
+              </a:ext>
+            </a:extLst>
+          </p:cNvPr>
+          <p:cNvSpPr>
+            <a:spLocks noGrp="1"/>
+          </p:cNvSpPr>
+          <p:nvPr>
+            <p:ph idx="1"/>
+          </p:nvPr>
+        </p:nvSpPr>
+        <p:spPr>
+          <a:xfrm>
+            <a:off x="627529" y="1332468"/>
+            <a:ext cx="7031800" cy="4899699"/>
+          </a:xfrm>
+        </p:spPr>
+        <p:txBody>
+          <a:bodyPr>
+            <a:normAutofit/>
+          </a:bodyPr>
+          <a:lstStyle/>
+          <a:p>
+            <a:r>
+              <a:rPr lang="ja-JP" altLang="en-US" sz="2400" dirty="0"/>
+              <a:t>サーバーの</a:t>
+            </a:r>
+            <a:r>
+              <a:rPr lang="en-US" altLang="ja-JP" sz="2400" dirty="0"/>
+              <a:t>IP</a:t>
+            </a:r>
+            <a:r>
+              <a:rPr lang="ja-JP" altLang="en-US" sz="2400" dirty="0"/>
+              <a:t>アドレスをテキストフィールドに入力して接続する画面である</a:t>
+            </a:r>
+            <a:endParaRPr lang="en-US" altLang="ja-JP" sz="2400" dirty="0"/>
+          </a:p>
+          <a:p>
+            <a:r>
+              <a:rPr lang="ja-JP" altLang="en-US" sz="2400" dirty="0"/>
+              <a:t>ユーザーがサーバーに正常に接続できない場合のガイドラインも一緒に挿入する</a:t>
+            </a:r>
+            <a:endParaRPr lang="en-US" altLang="ja-JP" sz="2400" dirty="0"/>
+          </a:p>
+        </p:txBody>
+      </p:sp>
+      <p:cxnSp>
+        <p:nvCxnSpPr>
+          <p:cNvPr id="4" name="直線コネクタ 3">
+            <a:extLst>
+              <a:ext uri="{FF2B5EF4-FFF2-40B4-BE49-F238E27FC236}">
+                <a16:creationId xmlns:a16="http://schemas.microsoft.com/office/drawing/2014/main" id="{77FD0231-A0D6-70F0-63A7-A1184127BCDF}"/>
+              </a:ext>
+            </a:extLst>
+          </p:cNvPr>
+          <p:cNvCxnSpPr>
+            <a:cxnSpLocks/>
+          </p:cNvCxnSpPr>
+          <p:nvPr/>
+        </p:nvCxnSpPr>
+        <p:spPr>
+          <a:xfrm>
+            <a:off x="627529" y="1001486"/>
+            <a:ext cx="10726271" cy="0"/>
+          </a:xfrm>
+          <a:prstGeom prst="line">
+            <a:avLst/>
+          </a:prstGeom>
+          <a:ln w="38100" cmpd="dbl">
+            <a:solidFill>
+              <a:schemeClr val="tx1"/>
+            </a:solidFill>
+          </a:ln>
+        </p:spPr>
+        <p:style>
+          <a:lnRef idx="1">
+            <a:schemeClr val="accent1"/>
+          </a:lnRef>
+          <a:fillRef idx="0">
+            <a:schemeClr val="accent1"/>
+          </a:fillRef>
+          <a:effectRef idx="0">
+            <a:schemeClr val="accent1"/>
+          </a:effectRef>
+          <a:fontRef idx="minor">
+            <a:schemeClr val="tx1"/>
+          </a:fontRef>
+        </p:style>
+      </p:cxnSp>
+      <p:pic>
+        <p:nvPicPr>
+          <p:cNvPr id="6" name="図 5" descr="グラフィカル ユーザー インターフェイス, テキスト, アプリケーション&#10;&#10;自動的に生成された説明">
+            <a:extLst>
+              <a:ext uri="{FF2B5EF4-FFF2-40B4-BE49-F238E27FC236}">
+                <a16:creationId xmlns:a16="http://schemas.microsoft.com/office/drawing/2014/main" id="{2C5B2021-9737-B696-9B18-083F11BCA9E2}"/>
+              </a:ext>
+            </a:extLst>
+          </p:cNvPr>
+          <p:cNvPicPr>
+            <a:picLocks noChangeAspect="1"/>
+          </p:cNvPicPr>
+          <p:nvPr/>
+        </p:nvPicPr>
+        <p:blipFill>
+          <a:blip r:embed="rId2">
+            <a:extLst>
+              <a:ext uri="{28A0092B-C50C-407E-A947-70E740481C1C}">
+                <a14:useLocalDpi xmlns:a14="http://schemas.microsoft.com/office/drawing/2010/main" val="0"/>
+              </a:ext>
+            </a:extLst>
+          </a:blip>
+          <a:stretch>
+            <a:fillRect/>
+          </a:stretch>
+        </p:blipFill>
+        <p:spPr>
+          <a:xfrm>
+            <a:off x="7902747" y="1132114"/>
+            <a:ext cx="3451053" cy="5100054"/>
+          </a:xfrm>
+          <a:prstGeom prst="rect">
+            <a:avLst/>
+          </a:prstGeom>
+        </p:spPr>
+      </p:pic>
+    </p:spTree>
+    <p:extLst>
+      <p:ext uri="{BB962C8B-B14F-4D97-AF65-F5344CB8AC3E}">
+        <p14:creationId xmlns:p14="http://schemas.microsoft.com/office/powerpoint/2010/main" val="3806400426"/>
+      </p:ext>
+    </p:extLst>
+  </p:cSld>
+  <p:clrMapOvr>
+    <a:masterClrMapping/>
+  </p:clrMapOvr>
+</p:sld>
+</file>
+
+<file path=ppt/slides/slide12.xml><?xml version="1.0" encoding="utf-8"?>
+<p:sld xmlns:a="http://schemas.openxmlformats.org/drawingml/2006/main" xmlns:r="http://schemas.openxmlformats.org/officeDocument/2006/relationships" xmlns:p="http://schemas.openxmlformats.org/presentationml/2006/main">
+  <p:cSld>
+    <p:spTree>
+      <p:nvGrpSpPr>
+        <p:cNvPr id="1" name=""/>
+        <p:cNvGrpSpPr/>
+        <p:nvPr/>
+      </p:nvGrpSpPr>
+      <p:grpSpPr>
+        <a:xfrm>
+          <a:off x="0" y="0"/>
+          <a:ext cx="0" cy="0"/>
+          <a:chOff x="0" y="0"/>
+          <a:chExt cx="0" cy="0"/>
+        </a:xfrm>
+      </p:grpSpPr>
+      <p:sp>
+        <p:nvSpPr>
+          <p:cNvPr id="2" name="タイトル 1">
+            <a:extLst>
+              <a:ext uri="{FF2B5EF4-FFF2-40B4-BE49-F238E27FC236}">
+                <a16:creationId xmlns:a16="http://schemas.microsoft.com/office/drawing/2014/main" id="{6EEB1D21-E123-6A0D-4387-7842071A44C3}"/>
+              </a:ext>
+            </a:extLst>
+          </p:cNvPr>
+          <p:cNvSpPr>
+            <a:spLocks noGrp="1"/>
+          </p:cNvSpPr>
+          <p:nvPr>
+            <p:ph type="title"/>
+          </p:nvPr>
+        </p:nvSpPr>
+        <p:spPr>
+          <a:xfrm>
+            <a:off x="627528" y="6906"/>
+            <a:ext cx="10396333" cy="1325563"/>
+          </a:xfrm>
+        </p:spPr>
+        <p:txBody>
+          <a:bodyPr>
+            <a:normAutofit/>
+          </a:bodyPr>
+          <a:lstStyle/>
+          <a:p>
+            <a:r>
+              <a:rPr kumimoji="1" lang="ja-JP" altLang="en-US" dirty="0"/>
+              <a:t>画面説明｜タイトル画面</a:t>
+            </a:r>
+          </a:p>
+        </p:txBody>
+      </p:sp>
+      <p:sp>
+        <p:nvSpPr>
+          <p:cNvPr id="3" name="コンテンツ プレースホルダー 2">
+            <a:extLst>
+              <a:ext uri="{FF2B5EF4-FFF2-40B4-BE49-F238E27FC236}">
+                <a16:creationId xmlns:a16="http://schemas.microsoft.com/office/drawing/2014/main" id="{FBEFD887-8E4D-0747-2470-BA7EA0F692F7}"/>
+              </a:ext>
+            </a:extLst>
+          </p:cNvPr>
+          <p:cNvSpPr>
+            <a:spLocks noGrp="1"/>
+          </p:cNvSpPr>
+          <p:nvPr>
+            <p:ph idx="1"/>
+          </p:nvPr>
+        </p:nvSpPr>
+        <p:spPr>
+          <a:xfrm>
+            <a:off x="627529" y="1332468"/>
+            <a:ext cx="6208574" cy="4905243"/>
+          </a:xfrm>
+        </p:spPr>
+        <p:txBody>
+          <a:bodyPr>
+            <a:normAutofit/>
+          </a:bodyPr>
+          <a:lstStyle/>
+          <a:p>
+            <a:r>
+              <a:rPr lang="ja-JP" altLang="en-US" sz="2400" dirty="0"/>
+              <a:t>アプリの全体とシステム全体の説明画面。</a:t>
+            </a:r>
+            <a:endParaRPr lang="en-US" altLang="ja-JP" sz="2400" dirty="0"/>
+          </a:p>
+          <a:p>
+            <a:r>
+              <a:rPr lang="ja-JP" altLang="en-US" sz="2400" dirty="0"/>
+              <a:t>以下の画面と機能はここからアクセスが可能：</a:t>
+            </a:r>
+            <a:endParaRPr lang="en-US" altLang="ja-JP" sz="2400" dirty="0"/>
+          </a:p>
+          <a:p>
+            <a:pPr marL="800100" lvl="1" indent="-342900">
+              <a:buFont typeface="+mj-lt"/>
+              <a:buAutoNum type="arabicPeriod"/>
+            </a:pPr>
+            <a:r>
+              <a:rPr lang="ja-JP" altLang="en-US" dirty="0"/>
+              <a:t>説明画面</a:t>
+            </a:r>
+            <a:endParaRPr lang="en-US" altLang="ja-JP" dirty="0"/>
+          </a:p>
+          <a:p>
+            <a:pPr marL="800100" lvl="1" indent="-342900">
+              <a:buFont typeface="+mj-lt"/>
+              <a:buAutoNum type="arabicPeriod"/>
+            </a:pPr>
+            <a:r>
+              <a:rPr lang="ja-JP" altLang="en-US" dirty="0"/>
+              <a:t>メンテナンス画面</a:t>
+            </a:r>
+            <a:r>
+              <a:rPr lang="en-US" altLang="ja-JP" dirty="0"/>
+              <a:t> </a:t>
+            </a:r>
+          </a:p>
+          <a:p>
+            <a:pPr marL="800100" lvl="1" indent="-342900">
+              <a:buFont typeface="+mj-lt"/>
+              <a:buAutoNum type="arabicPeriod"/>
+            </a:pPr>
+            <a:r>
+              <a:rPr lang="ja-JP" altLang="en-US" dirty="0"/>
+              <a:t>シャットダウンと再起動機能</a:t>
+            </a:r>
+            <a:r>
+              <a:rPr lang="en-US" altLang="ja-JP" dirty="0"/>
+              <a:t>(</a:t>
+            </a:r>
+            <a:r>
+              <a:rPr lang="ja-JP" altLang="en-US" dirty="0"/>
+              <a:t>センサー異常が発生するたび再起動操作を提案する</a:t>
+            </a:r>
+            <a:r>
+              <a:rPr lang="en-US" altLang="ja-JP" dirty="0"/>
+              <a:t>)</a:t>
+            </a:r>
+          </a:p>
+          <a:p>
+            <a:r>
+              <a:rPr lang="ja-JP" altLang="en-US" sz="2400" dirty="0"/>
+              <a:t>誤操作を避けるためにシャットダウンボタンを押す度確認ポップアップを表示する。</a:t>
+            </a:r>
+            <a:endParaRPr kumimoji="1" lang="ja-JP" altLang="en-US" sz="2400" dirty="0"/>
+          </a:p>
+        </p:txBody>
+      </p:sp>
+      <p:cxnSp>
+        <p:nvCxnSpPr>
+          <p:cNvPr id="4" name="直線コネクタ 3">
+            <a:extLst>
+              <a:ext uri="{FF2B5EF4-FFF2-40B4-BE49-F238E27FC236}">
+                <a16:creationId xmlns:a16="http://schemas.microsoft.com/office/drawing/2014/main" id="{77FD0231-A0D6-70F0-63A7-A1184127BCDF}"/>
+              </a:ext>
+            </a:extLst>
+          </p:cNvPr>
+          <p:cNvCxnSpPr>
+            <a:cxnSpLocks/>
+          </p:cNvCxnSpPr>
+          <p:nvPr/>
+        </p:nvCxnSpPr>
+        <p:spPr>
+          <a:xfrm>
+            <a:off x="627529" y="1001486"/>
+            <a:ext cx="10726271" cy="0"/>
+          </a:xfrm>
+          <a:prstGeom prst="line">
+            <a:avLst/>
+          </a:prstGeom>
+          <a:ln w="38100" cmpd="dbl">
+            <a:solidFill>
+              <a:schemeClr val="tx1"/>
+            </a:solidFill>
+          </a:ln>
+        </p:spPr>
+        <p:style>
+          <a:lnRef idx="1">
+            <a:schemeClr val="accent1"/>
+          </a:lnRef>
+          <a:fillRef idx="0">
+            <a:schemeClr val="accent1"/>
+          </a:fillRef>
+          <a:effectRef idx="0">
+            <a:schemeClr val="accent1"/>
+          </a:effectRef>
+          <a:fontRef idx="minor">
+            <a:schemeClr val="tx1"/>
+          </a:fontRef>
+        </p:style>
+      </p:cxnSp>
+      <p:pic>
+        <p:nvPicPr>
+          <p:cNvPr id="7" name="図 6" descr="グラフィカル ユーザー インターフェイス, テキスト, アプリケーション, Teams&#10;&#10;自動的に生成された説明">
+            <a:extLst>
+              <a:ext uri="{FF2B5EF4-FFF2-40B4-BE49-F238E27FC236}">
+                <a16:creationId xmlns:a16="http://schemas.microsoft.com/office/drawing/2014/main" id="{CC359BE9-7355-DA1D-035B-574D2994FE18}"/>
+              </a:ext>
+            </a:extLst>
+          </p:cNvPr>
+          <p:cNvPicPr>
+            <a:picLocks noChangeAspect="1"/>
+          </p:cNvPicPr>
+          <p:nvPr/>
+        </p:nvPicPr>
+        <p:blipFill>
+          <a:blip r:embed="rId2">
+            <a:extLst>
+              <a:ext uri="{28A0092B-C50C-407E-A947-70E740481C1C}">
+                <a14:useLocalDpi xmlns:a14="http://schemas.microsoft.com/office/drawing/2010/main" val="0"/>
+              </a:ext>
+            </a:extLst>
+          </a:blip>
+          <a:stretch>
+            <a:fillRect/>
+          </a:stretch>
+        </p:blipFill>
+        <p:spPr>
+          <a:xfrm>
+            <a:off x="7516014" y="1071154"/>
+            <a:ext cx="3507847" cy="5166558"/>
+          </a:xfrm>
+          <a:prstGeom prst="rect">
+            <a:avLst/>
+          </a:prstGeom>
+        </p:spPr>
+      </p:pic>
+      <p:sp>
+        <p:nvSpPr>
+          <p:cNvPr id="9" name="正方形/長方形 8">
+            <a:extLst>
+              <a:ext uri="{FF2B5EF4-FFF2-40B4-BE49-F238E27FC236}">
+                <a16:creationId xmlns:a16="http://schemas.microsoft.com/office/drawing/2014/main" id="{79BDE5D1-E334-6F03-7494-931CD4179048}"/>
+              </a:ext>
+            </a:extLst>
+          </p:cNvPr>
+          <p:cNvSpPr/>
+          <p:nvPr/>
+        </p:nvSpPr>
+        <p:spPr>
+          <a:xfrm>
+            <a:off x="7516015" y="1212850"/>
+            <a:ext cx="351635" cy="311150"/>
+          </a:xfrm>
+          <a:prstGeom prst="rect">
+            <a:avLst/>
+          </a:prstGeom>
+          <a:noFill/>
+          <a:ln>
+            <a:solidFill>
+              <a:srgbClr val="FF0000"/>
+            </a:solidFill>
+          </a:ln>
+        </p:spPr>
+        <p:style>
+          <a:lnRef idx="2">
+            <a:schemeClr val="accent1">
+              <a:shade val="15000"/>
+            </a:schemeClr>
+          </a:lnRef>
+          <a:fillRef idx="1">
+            <a:schemeClr val="accent1"/>
+          </a:fillRef>
+          <a:effectRef idx="0">
+            <a:schemeClr val="accent1"/>
+          </a:effectRef>
+          <a:fontRef idx="minor">
+            <a:schemeClr val="lt1"/>
+          </a:fontRef>
+        </p:style>
+        <p:txBody>
+          <a:bodyPr rtlCol="0" anchor="ctr"/>
+          <a:lstStyle/>
+          <a:p>
+            <a:pPr algn="ctr"/>
+            <a:endParaRPr kumimoji="1" lang="ja-JP" altLang="en-US"/>
+          </a:p>
+        </p:txBody>
+      </p:sp>
+      <p:sp>
+        <p:nvSpPr>
+          <p:cNvPr id="10" name="正方形/長方形 9">
+            <a:extLst>
+              <a:ext uri="{FF2B5EF4-FFF2-40B4-BE49-F238E27FC236}">
+                <a16:creationId xmlns:a16="http://schemas.microsoft.com/office/drawing/2014/main" id="{39BB71F7-9E6F-99D9-FB7F-A459AA8D63ED}"/>
+              </a:ext>
+            </a:extLst>
+          </p:cNvPr>
+          <p:cNvSpPr/>
+          <p:nvPr/>
+        </p:nvSpPr>
+        <p:spPr>
+          <a:xfrm>
+            <a:off x="10414392" y="1211728"/>
+            <a:ext cx="304929" cy="311150"/>
+          </a:xfrm>
+          <a:prstGeom prst="rect">
+            <a:avLst/>
+          </a:prstGeom>
+          <a:noFill/>
+          <a:ln>
+            <a:solidFill>
+              <a:srgbClr val="FF0000"/>
+            </a:solidFill>
+          </a:ln>
+        </p:spPr>
+        <p:style>
+          <a:lnRef idx="2">
+            <a:schemeClr val="accent1">
+              <a:shade val="15000"/>
+            </a:schemeClr>
+          </a:lnRef>
+          <a:fillRef idx="1">
+            <a:schemeClr val="accent1"/>
+          </a:fillRef>
+          <a:effectRef idx="0">
+            <a:schemeClr val="accent1"/>
+          </a:effectRef>
+          <a:fontRef idx="minor">
+            <a:schemeClr val="lt1"/>
+          </a:fontRef>
+        </p:style>
+        <p:txBody>
+          <a:bodyPr rtlCol="0" anchor="ctr"/>
+          <a:lstStyle/>
+          <a:p>
+            <a:pPr algn="ctr"/>
+            <a:endParaRPr kumimoji="1" lang="ja-JP" altLang="en-US"/>
+          </a:p>
+        </p:txBody>
+      </p:sp>
+      <p:sp>
+        <p:nvSpPr>
+          <p:cNvPr id="11" name="正方形/長方形 10">
+            <a:extLst>
+              <a:ext uri="{FF2B5EF4-FFF2-40B4-BE49-F238E27FC236}">
+                <a16:creationId xmlns:a16="http://schemas.microsoft.com/office/drawing/2014/main" id="{A7EF1467-8F8C-002B-F211-F7D7352BE7FC}"/>
+              </a:ext>
+            </a:extLst>
+          </p:cNvPr>
+          <p:cNvSpPr/>
+          <p:nvPr/>
+        </p:nvSpPr>
+        <p:spPr>
+          <a:xfrm>
+            <a:off x="10712450" y="1211728"/>
+            <a:ext cx="304930" cy="311150"/>
+          </a:xfrm>
+          <a:prstGeom prst="rect">
+            <a:avLst/>
+          </a:prstGeom>
+          <a:noFill/>
+          <a:ln>
+            <a:solidFill>
+              <a:srgbClr val="FF0000"/>
+            </a:solidFill>
+          </a:ln>
+        </p:spPr>
+        <p:style>
+          <a:lnRef idx="2">
+            <a:schemeClr val="accent1">
+              <a:shade val="15000"/>
+            </a:schemeClr>
+          </a:lnRef>
+          <a:fillRef idx="1">
+            <a:schemeClr val="accent1"/>
+          </a:fillRef>
+          <a:effectRef idx="0">
+            <a:schemeClr val="accent1"/>
+          </a:effectRef>
+          <a:fontRef idx="minor">
+            <a:schemeClr val="lt1"/>
+          </a:fontRef>
+        </p:style>
+        <p:txBody>
+          <a:bodyPr rtlCol="0" anchor="ctr"/>
+          <a:lstStyle/>
+          <a:p>
+            <a:pPr algn="ctr"/>
+            <a:endParaRPr kumimoji="1" lang="ja-JP" altLang="en-US"/>
+          </a:p>
+        </p:txBody>
+      </p:sp>
+      <p:sp>
+        <p:nvSpPr>
+          <p:cNvPr id="12" name="吹き出し: 円形 11">
+            <a:extLst>
+              <a:ext uri="{FF2B5EF4-FFF2-40B4-BE49-F238E27FC236}">
+                <a16:creationId xmlns:a16="http://schemas.microsoft.com/office/drawing/2014/main" id="{023C5E73-9D46-65E1-EE59-677DD9AA9737}"/>
+              </a:ext>
+            </a:extLst>
+          </p:cNvPr>
+          <p:cNvSpPr/>
+          <p:nvPr/>
+        </p:nvSpPr>
+        <p:spPr>
+          <a:xfrm>
+            <a:off x="7010400" y="1211728"/>
+            <a:ext cx="311788" cy="333218"/>
+          </a:xfrm>
+          <a:prstGeom prst="wedgeEllipseCallout">
+            <a:avLst>
+              <a:gd name="adj1" fmla="val 95274"/>
+              <a:gd name="adj2" fmla="val -4198"/>
+            </a:avLst>
+          </a:prstGeom>
+          <a:noFill/>
+        </p:spPr>
+        <p:style>
+          <a:lnRef idx="2">
+            <a:schemeClr val="accent1">
+              <a:shade val="15000"/>
+            </a:schemeClr>
+          </a:lnRef>
+          <a:fillRef idx="1">
+            <a:schemeClr val="accent1"/>
+          </a:fillRef>
+          <a:effectRef idx="0">
+            <a:schemeClr val="accent1"/>
+          </a:effectRef>
+          <a:fontRef idx="minor">
+            <a:schemeClr val="lt1"/>
+          </a:fontRef>
+        </p:style>
+        <p:txBody>
+          <a:bodyPr rtlCol="0" anchor="ctr"/>
+          <a:lstStyle/>
+          <a:p>
+            <a:pPr algn="ctr"/>
+            <a:endParaRPr kumimoji="1" lang="ja-JP" altLang="en-US" dirty="0"/>
+          </a:p>
+        </p:txBody>
+      </p:sp>
+      <p:sp>
+        <p:nvSpPr>
+          <p:cNvPr id="14" name="吹き出し: 円形 13">
+            <a:extLst>
+              <a:ext uri="{FF2B5EF4-FFF2-40B4-BE49-F238E27FC236}">
+                <a16:creationId xmlns:a16="http://schemas.microsoft.com/office/drawing/2014/main" id="{77F33BF1-5B4D-FCE5-EA3C-9699EBA8E565}"/>
+              </a:ext>
+            </a:extLst>
+          </p:cNvPr>
+          <p:cNvSpPr/>
+          <p:nvPr/>
+        </p:nvSpPr>
+        <p:spPr>
+          <a:xfrm>
+            <a:off x="11370334" y="1332469"/>
+            <a:ext cx="311788" cy="333218"/>
+          </a:xfrm>
+          <a:prstGeom prst="wedgeEllipseCallout">
+            <a:avLst>
+              <a:gd name="adj1" fmla="val -177636"/>
+              <a:gd name="adj2" fmla="val -32783"/>
+            </a:avLst>
+          </a:prstGeom>
+          <a:noFill/>
+        </p:spPr>
+        <p:style>
+          <a:lnRef idx="2">
+            <a:schemeClr val="accent1">
+              <a:shade val="15000"/>
+            </a:schemeClr>
+          </a:lnRef>
+          <a:fillRef idx="1">
+            <a:schemeClr val="accent1"/>
+          </a:fillRef>
+          <a:effectRef idx="0">
+            <a:schemeClr val="accent1"/>
+          </a:effectRef>
+          <a:fontRef idx="minor">
+            <a:schemeClr val="lt1"/>
+          </a:fontRef>
+        </p:style>
+        <p:txBody>
+          <a:bodyPr rtlCol="0" anchor="ctr"/>
+          <a:lstStyle/>
+          <a:p>
+            <a:pPr algn="ctr"/>
+            <a:endParaRPr kumimoji="1" lang="ja-JP" altLang="en-US"/>
+          </a:p>
+        </p:txBody>
+      </p:sp>
+      <p:sp>
+        <p:nvSpPr>
+          <p:cNvPr id="15" name="吹き出し: 円形 14">
+            <a:extLst>
+              <a:ext uri="{FF2B5EF4-FFF2-40B4-BE49-F238E27FC236}">
+                <a16:creationId xmlns:a16="http://schemas.microsoft.com/office/drawing/2014/main" id="{B070F6A7-3940-52AF-73CF-F239B0EDA0F7}"/>
+              </a:ext>
+            </a:extLst>
+          </p:cNvPr>
+          <p:cNvSpPr/>
+          <p:nvPr/>
+        </p:nvSpPr>
+        <p:spPr>
+          <a:xfrm>
+            <a:off x="10032754" y="1540492"/>
+            <a:ext cx="311788" cy="333218"/>
+          </a:xfrm>
+          <a:prstGeom prst="wedgeEllipseCallout">
+            <a:avLst>
+              <a:gd name="adj1" fmla="val 93237"/>
+              <a:gd name="adj2" fmla="val -103292"/>
+            </a:avLst>
+          </a:prstGeom>
+          <a:noFill/>
+        </p:spPr>
+        <p:style>
+          <a:lnRef idx="2">
+            <a:schemeClr val="accent1">
+              <a:shade val="15000"/>
+            </a:schemeClr>
+          </a:lnRef>
+          <a:fillRef idx="1">
+            <a:schemeClr val="accent1"/>
+          </a:fillRef>
+          <a:effectRef idx="0">
+            <a:schemeClr val="accent1"/>
+          </a:effectRef>
+          <a:fontRef idx="minor">
+            <a:schemeClr val="lt1"/>
+          </a:fontRef>
+        </p:style>
+        <p:txBody>
+          <a:bodyPr rtlCol="0" anchor="ctr"/>
+          <a:lstStyle/>
+          <a:p>
+            <a:pPr algn="ctr"/>
+            <a:endParaRPr kumimoji="1" lang="ja-JP" altLang="en-US"/>
+          </a:p>
+        </p:txBody>
+      </p:sp>
+      <p:sp>
+        <p:nvSpPr>
+          <p:cNvPr id="16" name="テキスト ボックス 15">
+            <a:extLst>
+              <a:ext uri="{FF2B5EF4-FFF2-40B4-BE49-F238E27FC236}">
+                <a16:creationId xmlns:a16="http://schemas.microsoft.com/office/drawing/2014/main" id="{56557C7C-453C-5E57-A50A-CD303079DF29}"/>
+              </a:ext>
+            </a:extLst>
+          </p:cNvPr>
+          <p:cNvSpPr txBox="1"/>
+          <p:nvPr/>
+        </p:nvSpPr>
+        <p:spPr>
+          <a:xfrm>
+            <a:off x="11370334" y="1332469"/>
+            <a:ext cx="485493" cy="369332"/>
+          </a:xfrm>
+          <a:prstGeom prst="rect">
+            <a:avLst/>
+          </a:prstGeom>
+          <a:noFill/>
+        </p:spPr>
+        <p:txBody>
+          <a:bodyPr wrap="square" rtlCol="0">
+            <a:spAutoFit/>
+          </a:bodyPr>
+          <a:lstStyle/>
+          <a:p>
+            <a:r>
+              <a:rPr lang="en-US" altLang="ja-JP" dirty="0"/>
+              <a:t>2</a:t>
+            </a:r>
+            <a:endParaRPr kumimoji="1" lang="ja-JP" altLang="en-US" dirty="0"/>
+          </a:p>
+        </p:txBody>
+      </p:sp>
+      <p:sp>
+        <p:nvSpPr>
+          <p:cNvPr id="17" name="テキスト ボックス 16">
+            <a:extLst>
+              <a:ext uri="{FF2B5EF4-FFF2-40B4-BE49-F238E27FC236}">
+                <a16:creationId xmlns:a16="http://schemas.microsoft.com/office/drawing/2014/main" id="{F2F7F0C3-9986-2A6B-4D8C-4BCFD5F529DD}"/>
+              </a:ext>
+            </a:extLst>
+          </p:cNvPr>
+          <p:cNvSpPr txBox="1"/>
+          <p:nvPr/>
+        </p:nvSpPr>
+        <p:spPr>
+          <a:xfrm>
+            <a:off x="10031644" y="1522878"/>
+            <a:ext cx="485493" cy="369332"/>
+          </a:xfrm>
+          <a:prstGeom prst="rect">
+            <a:avLst/>
+          </a:prstGeom>
+          <a:noFill/>
+        </p:spPr>
+        <p:txBody>
+          <a:bodyPr wrap="square" rtlCol="0">
+            <a:spAutoFit/>
+          </a:bodyPr>
+          <a:lstStyle/>
+          <a:p>
+            <a:r>
+              <a:rPr kumimoji="1" lang="en-US" altLang="ja-JP" dirty="0"/>
+              <a:t>3</a:t>
+            </a:r>
+            <a:endParaRPr kumimoji="1" lang="ja-JP" altLang="en-US" dirty="0"/>
+          </a:p>
+        </p:txBody>
+      </p:sp>
+      <p:sp>
+        <p:nvSpPr>
+          <p:cNvPr id="18" name="テキスト ボックス 17">
+            <a:extLst>
+              <a:ext uri="{FF2B5EF4-FFF2-40B4-BE49-F238E27FC236}">
+                <a16:creationId xmlns:a16="http://schemas.microsoft.com/office/drawing/2014/main" id="{636F3AC7-04A5-0DB5-37EB-96D64ECBAC18}"/>
+              </a:ext>
+            </a:extLst>
+          </p:cNvPr>
+          <p:cNvSpPr txBox="1"/>
+          <p:nvPr/>
+        </p:nvSpPr>
+        <p:spPr>
+          <a:xfrm>
+            <a:off x="7009808" y="1205975"/>
+            <a:ext cx="485493" cy="369332"/>
+          </a:xfrm>
+          <a:prstGeom prst="rect">
+            <a:avLst/>
+          </a:prstGeom>
+          <a:noFill/>
+        </p:spPr>
+        <p:txBody>
+          <a:bodyPr wrap="square" rtlCol="0">
+            <a:spAutoFit/>
+          </a:bodyPr>
+          <a:lstStyle/>
+          <a:p>
+            <a:r>
+              <a:rPr kumimoji="1" lang="en-US" altLang="ja-JP" dirty="0"/>
+              <a:t>1</a:t>
+            </a:r>
+            <a:endParaRPr kumimoji="1" lang="ja-JP" altLang="en-US" dirty="0"/>
+          </a:p>
+        </p:txBody>
+      </p:sp>
+    </p:spTree>
+    <p:extLst>
+      <p:ext uri="{BB962C8B-B14F-4D97-AF65-F5344CB8AC3E}">
+        <p14:creationId xmlns:p14="http://schemas.microsoft.com/office/powerpoint/2010/main" val="209793855"/>
+      </p:ext>
+    </p:extLst>
+  </p:cSld>
+  <p:clrMapOvr>
+    <a:masterClrMapping/>
+  </p:clrMapOvr>
+</p:sld>
+</file>
+
+<file path=ppt/slides/slide13.xml><?xml version="1.0" encoding="utf-8"?>
+<p:sld xmlns:a="http://schemas.openxmlformats.org/drawingml/2006/main" xmlns:r="http://schemas.openxmlformats.org/officeDocument/2006/relationships" xmlns:p="http://schemas.openxmlformats.org/presentationml/2006/main">
+  <p:cSld>
+    <p:spTree>
+      <p:nvGrpSpPr>
+        <p:cNvPr id="1" name=""/>
+        <p:cNvGrpSpPr/>
+        <p:nvPr/>
+      </p:nvGrpSpPr>
+      <p:grpSpPr>
+        <a:xfrm>
+          <a:off x="0" y="0"/>
+          <a:ext cx="0" cy="0"/>
+          <a:chOff x="0" y="0"/>
+          <a:chExt cx="0" cy="0"/>
+        </a:xfrm>
+      </p:grpSpPr>
+      <p:sp>
+        <p:nvSpPr>
+          <p:cNvPr id="2" name="タイトル 1">
+            <a:extLst>
+              <a:ext uri="{FF2B5EF4-FFF2-40B4-BE49-F238E27FC236}">
+                <a16:creationId xmlns:a16="http://schemas.microsoft.com/office/drawing/2014/main" id="{6EEB1D21-E123-6A0D-4387-7842071A44C3}"/>
+              </a:ext>
+            </a:extLst>
+          </p:cNvPr>
+          <p:cNvSpPr>
+            <a:spLocks noGrp="1"/>
+          </p:cNvSpPr>
+          <p:nvPr>
+            <p:ph type="title"/>
+          </p:nvPr>
+        </p:nvSpPr>
+        <p:spPr>
+          <a:xfrm>
+            <a:off x="627528" y="6906"/>
+            <a:ext cx="10396333" cy="1325563"/>
+          </a:xfrm>
+        </p:spPr>
+        <p:txBody>
+          <a:bodyPr>
+            <a:normAutofit/>
+          </a:bodyPr>
+          <a:lstStyle/>
+          <a:p>
+            <a:r>
+              <a:rPr kumimoji="1" lang="ja-JP" altLang="en-US" dirty="0"/>
+              <a:t>画面説明｜説明画面</a:t>
+            </a:r>
+            <a:endParaRPr kumimoji="1" lang="ja-JP" altLang="en-US" sz="6600" dirty="0"/>
+          </a:p>
+        </p:txBody>
+      </p:sp>
+      <p:sp>
+        <p:nvSpPr>
+          <p:cNvPr id="3" name="コンテンツ プレースホルダー 2">
+            <a:extLst>
+              <a:ext uri="{FF2B5EF4-FFF2-40B4-BE49-F238E27FC236}">
+                <a16:creationId xmlns:a16="http://schemas.microsoft.com/office/drawing/2014/main" id="{FBEFD887-8E4D-0747-2470-BA7EA0F692F7}"/>
+              </a:ext>
+            </a:extLst>
+          </p:cNvPr>
+          <p:cNvSpPr>
+            <a:spLocks noGrp="1"/>
+          </p:cNvSpPr>
+          <p:nvPr>
+            <p:ph idx="1"/>
+          </p:nvPr>
+        </p:nvSpPr>
+        <p:spPr>
+          <a:xfrm>
+            <a:off x="627529" y="1140823"/>
+            <a:ext cx="6913813" cy="5210807"/>
+          </a:xfrm>
+        </p:spPr>
+        <p:txBody>
+          <a:bodyPr>
+            <a:normAutofit/>
+          </a:bodyPr>
+          <a:lstStyle/>
+          <a:p>
+            <a:r>
+              <a:rPr kumimoji="1" lang="ja-JP" altLang="en-US" sz="2400" dirty="0"/>
+              <a:t>テストの時の動作や立ち上がりテストの詳細説明を表示する画面</a:t>
+            </a:r>
+          </a:p>
+        </p:txBody>
+      </p:sp>
+      <p:cxnSp>
+        <p:nvCxnSpPr>
+          <p:cNvPr id="4" name="直線コネクタ 3">
+            <a:extLst>
+              <a:ext uri="{FF2B5EF4-FFF2-40B4-BE49-F238E27FC236}">
+                <a16:creationId xmlns:a16="http://schemas.microsoft.com/office/drawing/2014/main" id="{77FD0231-A0D6-70F0-63A7-A1184127BCDF}"/>
+              </a:ext>
+            </a:extLst>
+          </p:cNvPr>
+          <p:cNvCxnSpPr>
+            <a:cxnSpLocks/>
+          </p:cNvCxnSpPr>
+          <p:nvPr/>
+        </p:nvCxnSpPr>
+        <p:spPr>
+          <a:xfrm>
+            <a:off x="627529" y="1001486"/>
+            <a:ext cx="10726271" cy="0"/>
+          </a:xfrm>
+          <a:prstGeom prst="line">
+            <a:avLst/>
+          </a:prstGeom>
+          <a:ln w="38100" cmpd="dbl">
+            <a:solidFill>
+              <a:schemeClr val="tx1"/>
+            </a:solidFill>
+          </a:ln>
+        </p:spPr>
+        <p:style>
+          <a:lnRef idx="1">
+            <a:schemeClr val="accent1"/>
+          </a:lnRef>
+          <a:fillRef idx="0">
+            <a:schemeClr val="accent1"/>
+          </a:fillRef>
+          <a:effectRef idx="0">
+            <a:schemeClr val="accent1"/>
+          </a:effectRef>
+          <a:fontRef idx="minor">
+            <a:schemeClr val="tx1"/>
+          </a:fontRef>
+        </p:style>
+      </p:cxnSp>
+      <p:pic>
+        <p:nvPicPr>
+          <p:cNvPr id="7" name="図 6" descr="テキスト&#10;&#10;自動的に生成された説明">
+            <a:extLst>
+              <a:ext uri="{FF2B5EF4-FFF2-40B4-BE49-F238E27FC236}">
+                <a16:creationId xmlns:a16="http://schemas.microsoft.com/office/drawing/2014/main" id="{D8874459-9012-10A9-289A-B46DB134E39A}"/>
+              </a:ext>
+            </a:extLst>
+          </p:cNvPr>
+          <p:cNvPicPr>
+            <a:picLocks noChangeAspect="1"/>
+          </p:cNvPicPr>
+          <p:nvPr/>
+        </p:nvPicPr>
+        <p:blipFill>
+          <a:blip r:embed="rId2">
+            <a:extLst>
+              <a:ext uri="{28A0092B-C50C-407E-A947-70E740481C1C}">
+                <a14:useLocalDpi xmlns:a14="http://schemas.microsoft.com/office/drawing/2010/main" val="0"/>
+              </a:ext>
+            </a:extLst>
+          </a:blip>
+          <a:stretch>
+            <a:fillRect/>
+          </a:stretch>
+        </p:blipFill>
+        <p:spPr>
+          <a:xfrm>
+            <a:off x="7731449" y="1140824"/>
+            <a:ext cx="3622351" cy="5366061"/>
+          </a:xfrm>
+          <a:prstGeom prst="rect">
+            <a:avLst/>
+          </a:prstGeom>
+        </p:spPr>
+      </p:pic>
+    </p:spTree>
+    <p:extLst>
+      <p:ext uri="{BB962C8B-B14F-4D97-AF65-F5344CB8AC3E}">
+        <p14:creationId xmlns:p14="http://schemas.microsoft.com/office/powerpoint/2010/main" val="2794326848"/>
+      </p:ext>
+    </p:extLst>
+  </p:cSld>
+  <p:clrMapOvr>
+    <a:masterClrMapping/>
+  </p:clrMapOvr>
+</p:sld>
+</file>
+
+<file path=ppt/slides/slide14.xml><?xml version="1.0" encoding="utf-8"?>
+<p:sld xmlns:a="http://schemas.openxmlformats.org/drawingml/2006/main" xmlns:r="http://schemas.openxmlformats.org/officeDocument/2006/relationships" xmlns:p="http://schemas.openxmlformats.org/presentationml/2006/main">
+  <p:cSld>
+    <p:spTree>
+      <p:nvGrpSpPr>
+        <p:cNvPr id="1" name=""/>
+        <p:cNvGrpSpPr/>
+        <p:nvPr/>
+      </p:nvGrpSpPr>
+      <p:grpSpPr>
+        <a:xfrm>
+          <a:off x="0" y="0"/>
+          <a:ext cx="0" cy="0"/>
+          <a:chOff x="0" y="0"/>
+          <a:chExt cx="0" cy="0"/>
+        </a:xfrm>
+      </p:grpSpPr>
+      <p:sp>
+        <p:nvSpPr>
+          <p:cNvPr id="2" name="タイトル 1">
+            <a:extLst>
+              <a:ext uri="{FF2B5EF4-FFF2-40B4-BE49-F238E27FC236}">
+                <a16:creationId xmlns:a16="http://schemas.microsoft.com/office/drawing/2014/main" id="{6EEB1D21-E123-6A0D-4387-7842071A44C3}"/>
+              </a:ext>
+            </a:extLst>
+          </p:cNvPr>
+          <p:cNvSpPr>
+            <a:spLocks noGrp="1"/>
+          </p:cNvSpPr>
+          <p:nvPr>
+            <p:ph type="title"/>
+          </p:nvPr>
+        </p:nvSpPr>
+        <p:spPr>
+          <a:xfrm>
+            <a:off x="508262" y="6906"/>
+            <a:ext cx="10515600" cy="1325563"/>
+          </a:xfrm>
+        </p:spPr>
+        <p:txBody>
+          <a:bodyPr>
+            <a:normAutofit/>
+          </a:bodyPr>
+          <a:lstStyle/>
+          <a:p>
+            <a:r>
+              <a:rPr kumimoji="1" lang="ja-JP" altLang="en-US" dirty="0"/>
+              <a:t>画面説明｜入力画面</a:t>
+            </a:r>
+            <a:endParaRPr kumimoji="1" lang="ja-JP" altLang="en-US" sz="6600" dirty="0"/>
+          </a:p>
+        </p:txBody>
+      </p:sp>
+      <p:sp>
+        <p:nvSpPr>
+          <p:cNvPr id="3" name="コンテンツ プレースホルダー 2">
+            <a:extLst>
+              <a:ext uri="{FF2B5EF4-FFF2-40B4-BE49-F238E27FC236}">
+                <a16:creationId xmlns:a16="http://schemas.microsoft.com/office/drawing/2014/main" id="{FBEFD887-8E4D-0747-2470-BA7EA0F692F7}"/>
+              </a:ext>
+            </a:extLst>
+          </p:cNvPr>
+          <p:cNvSpPr>
+            <a:spLocks noGrp="1"/>
+          </p:cNvSpPr>
+          <p:nvPr>
+            <p:ph idx="1"/>
+          </p:nvPr>
+        </p:nvSpPr>
+        <p:spPr>
+          <a:xfrm>
+            <a:off x="627529" y="1332469"/>
+            <a:ext cx="6830845" cy="5228704"/>
+          </a:xfrm>
+        </p:spPr>
+        <p:txBody>
+          <a:bodyPr>
+            <a:noAutofit/>
+          </a:bodyPr>
+          <a:lstStyle/>
+          <a:p>
+            <a:r>
+              <a:rPr lang="ja-JP" altLang="en-US" sz="2400" dirty="0"/>
+              <a:t>ユーザーは自分の身長と年齢を入力し、システムは入力されたメトリクスに基づいてユーザーに適切な測定値を提供する。</a:t>
+            </a:r>
+            <a:endParaRPr lang="en-US" altLang="ja-JP" sz="2400" dirty="0"/>
+          </a:p>
+          <a:p>
+            <a:r>
+              <a:rPr lang="ja-JP" altLang="en-US" sz="2400" dirty="0"/>
+              <a:t>「性別」のメトリクスはまだ実装されていない。なぜなら、関連する計算にはまだ必要がない。</a:t>
+            </a:r>
+            <a:endParaRPr lang="en-US" altLang="ja-JP" sz="2400" dirty="0"/>
+          </a:p>
+          <a:p>
+            <a:r>
+              <a:rPr lang="ja-JP" altLang="en-US" sz="2400" dirty="0"/>
+              <a:t>ユーザーはテストをすぐに受けるか、テストを受ける前に自信を持つまで練習することができる。</a:t>
+            </a:r>
+            <a:endParaRPr lang="en-US" altLang="ja-JP" sz="2400" dirty="0"/>
+          </a:p>
+          <a:p>
+            <a:r>
+              <a:rPr lang="ja-JP" altLang="en-US" sz="2400" dirty="0"/>
+              <a:t>不適切な値が入力された場合、テキストフィールドが強調表示され、エラーメッセージが表示される。</a:t>
+            </a:r>
+            <a:endParaRPr lang="en-US" altLang="ja-JP" sz="2400" dirty="0"/>
+          </a:p>
+          <a:p>
+            <a:r>
+              <a:rPr lang="ja-JP" altLang="en-US" sz="2400" dirty="0"/>
+              <a:t>年齢の範囲は（</a:t>
+            </a:r>
+            <a:r>
+              <a:rPr lang="en-US" altLang="ja-JP" sz="2400" dirty="0"/>
+              <a:t>15-95</a:t>
+            </a:r>
+            <a:r>
+              <a:rPr lang="ja-JP" altLang="en-US" sz="2400" dirty="0"/>
+              <a:t>歳）で、身長の範囲は</a:t>
+            </a:r>
+            <a:r>
+              <a:rPr lang="en-US" altLang="ja-JP" sz="2400" dirty="0"/>
+              <a:t>90cm</a:t>
+            </a:r>
+            <a:r>
+              <a:rPr lang="ja-JP" altLang="en-US" sz="2400" dirty="0"/>
+              <a:t>から</a:t>
+            </a:r>
+            <a:r>
+              <a:rPr lang="en-US" altLang="ja-JP" sz="2400" dirty="0"/>
+              <a:t>200cm</a:t>
+            </a:r>
+            <a:r>
+              <a:rPr lang="ja-JP" altLang="en-US" sz="2400" dirty="0"/>
+              <a:t>である</a:t>
+            </a:r>
+            <a:endParaRPr kumimoji="1" lang="ja-JP" altLang="en-US" sz="2400" dirty="0"/>
+          </a:p>
+        </p:txBody>
+      </p:sp>
+      <p:cxnSp>
+        <p:nvCxnSpPr>
+          <p:cNvPr id="4" name="直線コネクタ 3">
+            <a:extLst>
+              <a:ext uri="{FF2B5EF4-FFF2-40B4-BE49-F238E27FC236}">
+                <a16:creationId xmlns:a16="http://schemas.microsoft.com/office/drawing/2014/main" id="{77FD0231-A0D6-70F0-63A7-A1184127BCDF}"/>
+              </a:ext>
+            </a:extLst>
+          </p:cNvPr>
+          <p:cNvCxnSpPr>
+            <a:cxnSpLocks/>
+          </p:cNvCxnSpPr>
+          <p:nvPr/>
+        </p:nvCxnSpPr>
+        <p:spPr>
+          <a:xfrm>
+            <a:off x="627529" y="1001486"/>
+            <a:ext cx="10726271" cy="0"/>
+          </a:xfrm>
+          <a:prstGeom prst="line">
+            <a:avLst/>
+          </a:prstGeom>
+          <a:ln w="38100" cmpd="dbl">
+            <a:solidFill>
+              <a:schemeClr val="tx1"/>
+            </a:solidFill>
+          </a:ln>
+        </p:spPr>
+        <p:style>
+          <a:lnRef idx="1">
+            <a:schemeClr val="accent1"/>
+          </a:lnRef>
+          <a:fillRef idx="0">
+            <a:schemeClr val="accent1"/>
+          </a:fillRef>
+          <a:effectRef idx="0">
+            <a:schemeClr val="accent1"/>
+          </a:effectRef>
+          <a:fontRef idx="minor">
+            <a:schemeClr val="tx1"/>
+          </a:fontRef>
+        </p:style>
+      </p:cxnSp>
+      <p:pic>
+        <p:nvPicPr>
+          <p:cNvPr id="7" name="図 6" descr="グラフィカル ユーザー インターフェイス, アプリケーション, Teams&#10;&#10;自動的に生成された説明">
+            <a:extLst>
+              <a:ext uri="{FF2B5EF4-FFF2-40B4-BE49-F238E27FC236}">
+                <a16:creationId xmlns:a16="http://schemas.microsoft.com/office/drawing/2014/main" id="{815BC05C-C0C6-1553-AEC7-255B50A088D8}"/>
+              </a:ext>
+            </a:extLst>
+          </p:cNvPr>
+          <p:cNvPicPr>
+            <a:picLocks noChangeAspect="1"/>
+          </p:cNvPicPr>
+          <p:nvPr/>
+        </p:nvPicPr>
+        <p:blipFill>
+          <a:blip r:embed="rId2">
+            <a:extLst>
+              <a:ext uri="{28A0092B-C50C-407E-A947-70E740481C1C}">
+                <a14:useLocalDpi xmlns:a14="http://schemas.microsoft.com/office/drawing/2010/main" val="0"/>
+              </a:ext>
+            </a:extLst>
+          </a:blip>
+          <a:stretch>
+            <a:fillRect/>
+          </a:stretch>
+        </p:blipFill>
+        <p:spPr>
+          <a:xfrm>
+            <a:off x="7788312" y="1123406"/>
+            <a:ext cx="3565488" cy="5228705"/>
+          </a:xfrm>
+          <a:prstGeom prst="rect">
+            <a:avLst/>
+          </a:prstGeom>
+        </p:spPr>
+      </p:pic>
+    </p:spTree>
+    <p:extLst>
+      <p:ext uri="{BB962C8B-B14F-4D97-AF65-F5344CB8AC3E}">
+        <p14:creationId xmlns:p14="http://schemas.microsoft.com/office/powerpoint/2010/main" val="3417610064"/>
+      </p:ext>
+    </p:extLst>
+  </p:cSld>
+  <p:clrMapOvr>
+    <a:masterClrMapping/>
+  </p:clrMapOvr>
+</p:sld>
+</file>
+
+<file path=ppt/slides/slide15.xml><?xml version="1.0" encoding="utf-8"?>
+<p:sld xmlns:a="http://schemas.openxmlformats.org/drawingml/2006/main" xmlns:r="http://schemas.openxmlformats.org/officeDocument/2006/relationships" xmlns:p="http://schemas.openxmlformats.org/presentationml/2006/main">
+  <p:cSld>
+    <p:spTree>
+      <p:nvGrpSpPr>
+        <p:cNvPr id="1" name=""/>
+        <p:cNvGrpSpPr/>
+        <p:nvPr/>
+      </p:nvGrpSpPr>
+      <p:grpSpPr>
+        <a:xfrm>
+          <a:off x="0" y="0"/>
+          <a:ext cx="0" cy="0"/>
+          <a:chOff x="0" y="0"/>
+          <a:chExt cx="0" cy="0"/>
+        </a:xfrm>
+      </p:grpSpPr>
+      <p:sp>
+        <p:nvSpPr>
+          <p:cNvPr id="2" name="タイトル 1">
+            <a:extLst>
+              <a:ext uri="{FF2B5EF4-FFF2-40B4-BE49-F238E27FC236}">
+                <a16:creationId xmlns:a16="http://schemas.microsoft.com/office/drawing/2014/main" id="{6EEB1D21-E123-6A0D-4387-7842071A44C3}"/>
+              </a:ext>
+            </a:extLst>
+          </p:cNvPr>
+          <p:cNvSpPr>
+            <a:spLocks noGrp="1"/>
+          </p:cNvSpPr>
+          <p:nvPr>
+            <p:ph type="title"/>
+          </p:nvPr>
+        </p:nvSpPr>
+        <p:spPr>
+          <a:xfrm>
+            <a:off x="508262" y="6906"/>
+            <a:ext cx="10515600" cy="1325563"/>
+          </a:xfrm>
+        </p:spPr>
+        <p:txBody>
+          <a:bodyPr>
+            <a:normAutofit/>
+          </a:bodyPr>
+          <a:lstStyle/>
+          <a:p>
+            <a:r>
+              <a:rPr kumimoji="1" lang="ja-JP" altLang="en-US" dirty="0"/>
+              <a:t>画面説明｜ローディング画面</a:t>
+            </a:r>
+            <a:endParaRPr kumimoji="1" lang="ja-JP" altLang="en-US" sz="6600" dirty="0"/>
+          </a:p>
+        </p:txBody>
+      </p:sp>
+      <p:sp>
+        <p:nvSpPr>
+          <p:cNvPr id="3" name="コンテンツ プレースホルダー 2">
+            <a:extLst>
+              <a:ext uri="{FF2B5EF4-FFF2-40B4-BE49-F238E27FC236}">
+                <a16:creationId xmlns:a16="http://schemas.microsoft.com/office/drawing/2014/main" id="{FBEFD887-8E4D-0747-2470-BA7EA0F692F7}"/>
+              </a:ext>
+            </a:extLst>
+          </p:cNvPr>
+          <p:cNvSpPr>
+            <a:spLocks noGrp="1"/>
+          </p:cNvSpPr>
+          <p:nvPr>
+            <p:ph idx="1"/>
+          </p:nvPr>
+        </p:nvSpPr>
+        <p:spPr>
+          <a:xfrm>
+            <a:off x="627529" y="1332468"/>
+            <a:ext cx="7061297" cy="4802323"/>
+          </a:xfrm>
+        </p:spPr>
+        <p:txBody>
+          <a:bodyPr>
+            <a:normAutofit/>
+          </a:bodyPr>
+          <a:lstStyle/>
+          <a:p>
+            <a:r>
+              <a:rPr lang="ja-JP" altLang="en-US" sz="2400" dirty="0"/>
+              <a:t>椅子が目標の高さに移動するのを待っている間のローディング画面</a:t>
+            </a:r>
+            <a:endParaRPr lang="en-US" altLang="ja-JP" sz="2400" dirty="0"/>
+          </a:p>
+          <a:p>
+            <a:r>
+              <a:rPr lang="ja-JP" altLang="en-US" sz="2400" dirty="0"/>
+              <a:t>ユーザーは椅子が動いている間に別の画面に移動することはできない。</a:t>
+            </a:r>
+            <a:endParaRPr lang="en-US" altLang="ja-JP" sz="2400" dirty="0"/>
+          </a:p>
+          <a:p>
+            <a:r>
+              <a:rPr lang="ja-JP" altLang="en-US" sz="2400" dirty="0"/>
+              <a:t>椅子が動いている最中にエラーが発生した場合（緊急停止）、ポップアップ画面が表示され、ユーザーが入力画面に戻す。</a:t>
+            </a:r>
+            <a:endParaRPr lang="en-US" altLang="ja-JP" sz="2400" dirty="0"/>
+          </a:p>
+          <a:p>
+            <a:r>
+              <a:rPr lang="ja-JP" altLang="en-US" sz="2400" dirty="0"/>
+              <a:t>目標高さに着いたらつぎの画面に自動で移動する。</a:t>
+            </a:r>
+            <a:endParaRPr kumimoji="1" lang="en-US" altLang="ja-JP" sz="2400" dirty="0"/>
+          </a:p>
+        </p:txBody>
+      </p:sp>
+      <p:cxnSp>
+        <p:nvCxnSpPr>
+          <p:cNvPr id="4" name="直線コネクタ 3">
+            <a:extLst>
+              <a:ext uri="{FF2B5EF4-FFF2-40B4-BE49-F238E27FC236}">
+                <a16:creationId xmlns:a16="http://schemas.microsoft.com/office/drawing/2014/main" id="{77FD0231-A0D6-70F0-63A7-A1184127BCDF}"/>
+              </a:ext>
+            </a:extLst>
+          </p:cNvPr>
+          <p:cNvCxnSpPr>
+            <a:cxnSpLocks/>
+          </p:cNvCxnSpPr>
+          <p:nvPr/>
+        </p:nvCxnSpPr>
+        <p:spPr>
+          <a:xfrm>
+            <a:off x="627529" y="1001486"/>
+            <a:ext cx="10726271" cy="0"/>
+          </a:xfrm>
+          <a:prstGeom prst="line">
+            <a:avLst/>
+          </a:prstGeom>
+          <a:ln w="38100" cmpd="dbl">
+            <a:solidFill>
+              <a:schemeClr val="tx1"/>
+            </a:solidFill>
+          </a:ln>
+        </p:spPr>
+        <p:style>
+          <a:lnRef idx="1">
+            <a:schemeClr val="accent1"/>
+          </a:lnRef>
+          <a:fillRef idx="0">
+            <a:schemeClr val="accent1"/>
+          </a:fillRef>
+          <a:effectRef idx="0">
+            <a:schemeClr val="accent1"/>
+          </a:effectRef>
+          <a:fontRef idx="minor">
+            <a:schemeClr val="tx1"/>
+          </a:fontRef>
+        </p:style>
+      </p:cxnSp>
+      <p:pic>
+        <p:nvPicPr>
+          <p:cNvPr id="7" name="図 6" descr="グラフィカル ユーザー インターフェイス, アプリケーション, Teams&#10;&#10;自動的に生成された説明">
+            <a:extLst>
+              <a:ext uri="{FF2B5EF4-FFF2-40B4-BE49-F238E27FC236}">
+                <a16:creationId xmlns:a16="http://schemas.microsoft.com/office/drawing/2014/main" id="{CE72AA40-FDFE-3233-914E-5DE70848822E}"/>
+              </a:ext>
+            </a:extLst>
+          </p:cNvPr>
+          <p:cNvPicPr>
+            <a:picLocks noChangeAspect="1"/>
+          </p:cNvPicPr>
+          <p:nvPr/>
+        </p:nvPicPr>
+        <p:blipFill>
+          <a:blip r:embed="rId2">
+            <a:extLst>
+              <a:ext uri="{28A0092B-C50C-407E-A947-70E740481C1C}">
+                <a14:useLocalDpi xmlns:a14="http://schemas.microsoft.com/office/drawing/2010/main" val="0"/>
+              </a:ext>
+            </a:extLst>
+          </a:blip>
+          <a:stretch>
+            <a:fillRect/>
+          </a:stretch>
+        </p:blipFill>
+        <p:spPr>
+          <a:xfrm>
+            <a:off x="7864951" y="1001486"/>
+            <a:ext cx="3488849" cy="5133306"/>
+          </a:xfrm>
+          <a:prstGeom prst="rect">
+            <a:avLst/>
+          </a:prstGeom>
+        </p:spPr>
+      </p:pic>
+    </p:spTree>
+    <p:extLst>
+      <p:ext uri="{BB962C8B-B14F-4D97-AF65-F5344CB8AC3E}">
+        <p14:creationId xmlns:p14="http://schemas.microsoft.com/office/powerpoint/2010/main" val="671033849"/>
+      </p:ext>
+    </p:extLst>
+  </p:cSld>
+  <p:clrMapOvr>
+    <a:masterClrMapping/>
+  </p:clrMapOvr>
+</p:sld>
+</file>
+
+<file path=ppt/slides/slide16.xml><?xml version="1.0" encoding="utf-8"?>
+<p:sld xmlns:a="http://schemas.openxmlformats.org/drawingml/2006/main" xmlns:r="http://schemas.openxmlformats.org/officeDocument/2006/relationships" xmlns:p="http://schemas.openxmlformats.org/presentationml/2006/main">
+  <p:cSld>
+    <p:spTree>
+      <p:nvGrpSpPr>
+        <p:cNvPr id="1" name=""/>
+        <p:cNvGrpSpPr/>
+        <p:nvPr/>
+      </p:nvGrpSpPr>
+      <p:grpSpPr>
+        <a:xfrm>
+          <a:off x="0" y="0"/>
+          <a:ext cx="0" cy="0"/>
+          <a:chOff x="0" y="0"/>
+          <a:chExt cx="0" cy="0"/>
+        </a:xfrm>
+      </p:grpSpPr>
+      <p:sp>
+        <p:nvSpPr>
+          <p:cNvPr id="2" name="タイトル 1">
+            <a:extLst>
+              <a:ext uri="{FF2B5EF4-FFF2-40B4-BE49-F238E27FC236}">
+                <a16:creationId xmlns:a16="http://schemas.microsoft.com/office/drawing/2014/main" id="{6EEB1D21-E123-6A0D-4387-7842071A44C3}"/>
+              </a:ext>
+            </a:extLst>
+          </p:cNvPr>
+          <p:cNvSpPr>
+            <a:spLocks noGrp="1"/>
+          </p:cNvSpPr>
+          <p:nvPr>
+            <p:ph type="title"/>
+          </p:nvPr>
+        </p:nvSpPr>
+        <p:spPr>
+          <a:xfrm>
+            <a:off x="508262" y="6906"/>
+            <a:ext cx="10515600" cy="1325563"/>
+          </a:xfrm>
+        </p:spPr>
+        <p:txBody>
+          <a:bodyPr>
+            <a:normAutofit/>
+          </a:bodyPr>
+          <a:lstStyle/>
+          <a:p>
+            <a:r>
+              <a:rPr kumimoji="1" lang="ja-JP" altLang="en-US" dirty="0"/>
+              <a:t>画面説明｜テスト画面</a:t>
+            </a:r>
+            <a:endParaRPr kumimoji="1" lang="ja-JP" altLang="en-US" sz="6600" dirty="0"/>
+          </a:p>
+        </p:txBody>
+      </p:sp>
+      <p:sp>
+        <p:nvSpPr>
+          <p:cNvPr id="3" name="コンテンツ プレースホルダー 2">
+            <a:extLst>
+              <a:ext uri="{FF2B5EF4-FFF2-40B4-BE49-F238E27FC236}">
+                <a16:creationId xmlns:a16="http://schemas.microsoft.com/office/drawing/2014/main" id="{FBEFD887-8E4D-0747-2470-BA7EA0F692F7}"/>
+              </a:ext>
+            </a:extLst>
+          </p:cNvPr>
+          <p:cNvSpPr>
+            <a:spLocks noGrp="1"/>
+          </p:cNvSpPr>
+          <p:nvPr>
+            <p:ph idx="1"/>
+          </p:nvPr>
+        </p:nvSpPr>
+        <p:spPr>
+          <a:xfrm>
+            <a:off x="627529" y="1332469"/>
+            <a:ext cx="5797731" cy="4589360"/>
+          </a:xfrm>
+        </p:spPr>
+        <p:txBody>
+          <a:bodyPr>
+            <a:normAutofit/>
+          </a:bodyPr>
+          <a:lstStyle/>
+          <a:p>
+            <a:r>
+              <a:rPr lang="ja-JP" altLang="en-US" sz="2000" dirty="0"/>
+              <a:t>この画面は、テスト画面でユーザーに何をするかを案内する。明確な画像と説明が提供する。</a:t>
+            </a:r>
+            <a:endParaRPr lang="en-US" altLang="ja-JP" sz="2000" dirty="0"/>
+          </a:p>
+          <a:p>
+            <a:r>
+              <a:rPr lang="ja-JP" altLang="en-US" sz="2000" dirty="0"/>
+              <a:t>ユーザーは現在のテストに合格するか不合格にするかを選択し、次のステージに進む。</a:t>
+            </a:r>
+            <a:endParaRPr lang="en-US" altLang="ja-JP" sz="2000" dirty="0"/>
+          </a:p>
+          <a:p>
+            <a:r>
+              <a:rPr lang="ja-JP" altLang="en-US" sz="2000" dirty="0"/>
+              <a:t>現時点では、再試回数はテストの結果に影響しない</a:t>
+            </a:r>
+            <a:endParaRPr kumimoji="1" lang="en-US" altLang="ja-JP" sz="2000" dirty="0"/>
+          </a:p>
+          <a:p>
+            <a:r>
+              <a:rPr lang="ja-JP" altLang="en-US" sz="2000" dirty="0"/>
+              <a:t>「未実装」</a:t>
+            </a:r>
+            <a:r>
+              <a:rPr lang="en-US" altLang="ja-JP" sz="2000" dirty="0"/>
+              <a:t>; </a:t>
+            </a:r>
+            <a:r>
+              <a:rPr lang="ja-JP" altLang="en-US" sz="2000" dirty="0"/>
+              <a:t>画像の代わりにビデオや</a:t>
+            </a:r>
+            <a:r>
+              <a:rPr lang="en-US" altLang="ja-JP" sz="2000" dirty="0"/>
+              <a:t>GIF</a:t>
+            </a:r>
+            <a:r>
+              <a:rPr lang="ja-JP" altLang="en-US" sz="2000" dirty="0"/>
+              <a:t>を挿入して理解しやすくする予定。</a:t>
+            </a:r>
+            <a:endParaRPr kumimoji="1" lang="ja-JP" altLang="en-US" sz="2000" dirty="0"/>
+          </a:p>
+        </p:txBody>
+      </p:sp>
+      <p:cxnSp>
+        <p:nvCxnSpPr>
+          <p:cNvPr id="4" name="直線コネクタ 3">
+            <a:extLst>
+              <a:ext uri="{FF2B5EF4-FFF2-40B4-BE49-F238E27FC236}">
+                <a16:creationId xmlns:a16="http://schemas.microsoft.com/office/drawing/2014/main" id="{77FD0231-A0D6-70F0-63A7-A1184127BCDF}"/>
+              </a:ext>
+            </a:extLst>
+          </p:cNvPr>
+          <p:cNvCxnSpPr>
+            <a:cxnSpLocks/>
+          </p:cNvCxnSpPr>
+          <p:nvPr/>
+        </p:nvCxnSpPr>
+        <p:spPr>
+          <a:xfrm>
+            <a:off x="627529" y="1001486"/>
+            <a:ext cx="10726271" cy="0"/>
+          </a:xfrm>
+          <a:prstGeom prst="line">
+            <a:avLst/>
+          </a:prstGeom>
+          <a:ln w="38100" cmpd="dbl">
+            <a:solidFill>
+              <a:schemeClr val="tx1"/>
+            </a:solidFill>
+          </a:ln>
+        </p:spPr>
+        <p:style>
+          <a:lnRef idx="1">
+            <a:schemeClr val="accent1"/>
+          </a:lnRef>
+          <a:fillRef idx="0">
+            <a:schemeClr val="accent1"/>
+          </a:fillRef>
+          <a:effectRef idx="0">
+            <a:schemeClr val="accent1"/>
+          </a:effectRef>
+          <a:fontRef idx="minor">
+            <a:schemeClr val="tx1"/>
+          </a:fontRef>
+        </p:style>
+      </p:cxnSp>
+      <p:pic>
+        <p:nvPicPr>
+          <p:cNvPr id="7" name="図 6" descr="グラフィカル ユーザー インターフェイス が含まれている画像&#10;&#10;自動的に生成された説明">
+            <a:extLst>
+              <a:ext uri="{FF2B5EF4-FFF2-40B4-BE49-F238E27FC236}">
+                <a16:creationId xmlns:a16="http://schemas.microsoft.com/office/drawing/2014/main" id="{DDA72725-A7E3-8075-58E3-3287A4DF4118}"/>
+              </a:ext>
+            </a:extLst>
+          </p:cNvPr>
+          <p:cNvPicPr>
+            <a:picLocks noChangeAspect="1"/>
+          </p:cNvPicPr>
+          <p:nvPr/>
+        </p:nvPicPr>
+        <p:blipFill>
+          <a:blip r:embed="rId2">
+            <a:extLst>
+              <a:ext uri="{28A0092B-C50C-407E-A947-70E740481C1C}">
+                <a14:useLocalDpi xmlns:a14="http://schemas.microsoft.com/office/drawing/2010/main" val="0"/>
+              </a:ext>
+            </a:extLst>
+          </a:blip>
+          <a:stretch>
+            <a:fillRect/>
+          </a:stretch>
+        </p:blipFill>
+        <p:spPr>
+          <a:xfrm>
+            <a:off x="7876019" y="1114699"/>
+            <a:ext cx="3477781" cy="5122275"/>
+          </a:xfrm>
+          <a:prstGeom prst="rect">
+            <a:avLst/>
+          </a:prstGeom>
+        </p:spPr>
+      </p:pic>
+    </p:spTree>
+    <p:extLst>
+      <p:ext uri="{BB962C8B-B14F-4D97-AF65-F5344CB8AC3E}">
+        <p14:creationId xmlns:p14="http://schemas.microsoft.com/office/powerpoint/2010/main" val="3271787393"/>
+      </p:ext>
+    </p:extLst>
+  </p:cSld>
+  <p:clrMapOvr>
+    <a:masterClrMapping/>
+  </p:clrMapOvr>
+</p:sld>
+</file>
+
+<file path=ppt/slides/slide17.xml><?xml version="1.0" encoding="utf-8"?>
+<p:sld xmlns:a="http://schemas.openxmlformats.org/drawingml/2006/main" xmlns:r="http://schemas.openxmlformats.org/officeDocument/2006/relationships" xmlns:p="http://schemas.openxmlformats.org/presentationml/2006/main">
+  <p:cSld>
+    <p:spTree>
+      <p:nvGrpSpPr>
+        <p:cNvPr id="1" name=""/>
+        <p:cNvGrpSpPr/>
+        <p:nvPr/>
+      </p:nvGrpSpPr>
+      <p:grpSpPr>
+        <a:xfrm>
+          <a:off x="0" y="0"/>
+          <a:ext cx="0" cy="0"/>
+          <a:chOff x="0" y="0"/>
+          <a:chExt cx="0" cy="0"/>
+        </a:xfrm>
+      </p:grpSpPr>
+      <p:sp>
+        <p:nvSpPr>
+          <p:cNvPr id="2" name="タイトル 1">
+            <a:extLst>
+              <a:ext uri="{FF2B5EF4-FFF2-40B4-BE49-F238E27FC236}">
+                <a16:creationId xmlns:a16="http://schemas.microsoft.com/office/drawing/2014/main" id="{6EEB1D21-E123-6A0D-4387-7842071A44C3}"/>
+              </a:ext>
+            </a:extLst>
+          </p:cNvPr>
+          <p:cNvSpPr>
+            <a:spLocks noGrp="1"/>
+          </p:cNvSpPr>
+          <p:nvPr>
+            <p:ph type="title"/>
+          </p:nvPr>
+        </p:nvSpPr>
+        <p:spPr>
+          <a:xfrm>
+            <a:off x="627528" y="6906"/>
+            <a:ext cx="10396333" cy="1325563"/>
+          </a:xfrm>
+        </p:spPr>
+        <p:txBody>
+          <a:bodyPr>
+            <a:normAutofit/>
+          </a:bodyPr>
+          <a:lstStyle/>
+          <a:p>
+            <a:r>
+              <a:rPr kumimoji="1" lang="ja-JP" altLang="en-US" dirty="0"/>
+              <a:t>画面説明｜練習画面</a:t>
+            </a:r>
+            <a:endParaRPr kumimoji="1" lang="ja-JP" altLang="en-US" sz="6600" dirty="0"/>
+          </a:p>
+        </p:txBody>
+      </p:sp>
+      <p:sp>
+        <p:nvSpPr>
+          <p:cNvPr id="3" name="コンテンツ プレースホルダー 2">
+            <a:extLst>
+              <a:ext uri="{FF2B5EF4-FFF2-40B4-BE49-F238E27FC236}">
+                <a16:creationId xmlns:a16="http://schemas.microsoft.com/office/drawing/2014/main" id="{FBEFD887-8E4D-0747-2470-BA7EA0F692F7}"/>
+              </a:ext>
+            </a:extLst>
+          </p:cNvPr>
+          <p:cNvSpPr>
+            <a:spLocks noGrp="1"/>
+          </p:cNvSpPr>
+          <p:nvPr>
+            <p:ph idx="1"/>
+          </p:nvPr>
+        </p:nvSpPr>
+        <p:spPr>
+          <a:xfrm>
+            <a:off x="627529" y="1332468"/>
+            <a:ext cx="6815490" cy="5001829"/>
+          </a:xfrm>
+        </p:spPr>
+        <p:txBody>
+          <a:bodyPr>
+            <a:normAutofit/>
+          </a:bodyPr>
+          <a:lstStyle/>
+          <a:p>
+            <a:r>
+              <a:rPr lang="ja-JP" altLang="en-US" sz="2400" dirty="0"/>
+              <a:t>「練習画面」は「テスト画面」と同じ機能を持っているが、テストは</a:t>
+            </a:r>
+            <a:r>
+              <a:rPr lang="en-US" altLang="ja-JP" sz="2400" dirty="0"/>
+              <a:t>1</a:t>
+            </a:r>
+            <a:r>
+              <a:rPr lang="ja-JP" altLang="en-US" sz="2400" dirty="0"/>
+              <a:t>回だけ実行する。練習が終了した後、ユーザーは入力画面に戻れる。</a:t>
+            </a:r>
+            <a:endParaRPr kumimoji="1" lang="ja-JP" altLang="en-US" sz="2400" dirty="0"/>
+          </a:p>
+        </p:txBody>
+      </p:sp>
+      <p:cxnSp>
+        <p:nvCxnSpPr>
+          <p:cNvPr id="4" name="直線コネクタ 3">
+            <a:extLst>
+              <a:ext uri="{FF2B5EF4-FFF2-40B4-BE49-F238E27FC236}">
+                <a16:creationId xmlns:a16="http://schemas.microsoft.com/office/drawing/2014/main" id="{77FD0231-A0D6-70F0-63A7-A1184127BCDF}"/>
+              </a:ext>
+            </a:extLst>
+          </p:cNvPr>
+          <p:cNvCxnSpPr>
+            <a:cxnSpLocks/>
+          </p:cNvCxnSpPr>
+          <p:nvPr/>
+        </p:nvCxnSpPr>
+        <p:spPr>
+          <a:xfrm>
+            <a:off x="627529" y="1001486"/>
+            <a:ext cx="10726271" cy="0"/>
+          </a:xfrm>
+          <a:prstGeom prst="line">
+            <a:avLst/>
+          </a:prstGeom>
+          <a:ln w="38100" cmpd="dbl">
+            <a:solidFill>
+              <a:schemeClr val="tx1"/>
+            </a:solidFill>
+          </a:ln>
+        </p:spPr>
+        <p:style>
+          <a:lnRef idx="1">
+            <a:schemeClr val="accent1"/>
+          </a:lnRef>
+          <a:fillRef idx="0">
+            <a:schemeClr val="accent1"/>
+          </a:fillRef>
+          <a:effectRef idx="0">
+            <a:schemeClr val="accent1"/>
+          </a:effectRef>
+          <a:fontRef idx="minor">
+            <a:schemeClr val="tx1"/>
+          </a:fontRef>
+        </p:style>
+      </p:cxnSp>
+      <p:pic>
+        <p:nvPicPr>
+          <p:cNvPr id="6" name="図 5" descr="グラフィカル ユーザー インターフェイス&#10;&#10;中程度の精度で自動的に生成された説明">
+            <a:extLst>
+              <a:ext uri="{FF2B5EF4-FFF2-40B4-BE49-F238E27FC236}">
+                <a16:creationId xmlns:a16="http://schemas.microsoft.com/office/drawing/2014/main" id="{23A4ADA0-B4DA-E049-3229-C725A2AD4272}"/>
+              </a:ext>
+            </a:extLst>
+          </p:cNvPr>
+          <p:cNvPicPr>
+            <a:picLocks noChangeAspect="1"/>
+          </p:cNvPicPr>
+          <p:nvPr/>
+        </p:nvPicPr>
+        <p:blipFill>
+          <a:blip r:embed="rId2">
+            <a:extLst>
+              <a:ext uri="{28A0092B-C50C-407E-A947-70E740481C1C}">
+                <a14:useLocalDpi xmlns:a14="http://schemas.microsoft.com/office/drawing/2010/main" val="0"/>
+              </a:ext>
+            </a:extLst>
+          </a:blip>
+          <a:stretch>
+            <a:fillRect/>
+          </a:stretch>
+        </p:blipFill>
+        <p:spPr>
+          <a:xfrm>
+            <a:off x="7692388" y="1001486"/>
+            <a:ext cx="3661412" cy="5332812"/>
+          </a:xfrm>
+          <a:prstGeom prst="rect">
+            <a:avLst/>
+          </a:prstGeom>
+        </p:spPr>
+      </p:pic>
+    </p:spTree>
+    <p:extLst>
+      <p:ext uri="{BB962C8B-B14F-4D97-AF65-F5344CB8AC3E}">
+        <p14:creationId xmlns:p14="http://schemas.microsoft.com/office/powerpoint/2010/main" val="3810888355"/>
+      </p:ext>
+    </p:extLst>
+  </p:cSld>
+  <p:clrMapOvr>
+    <a:masterClrMapping/>
+  </p:clrMapOvr>
+</p:sld>
+</file>
+
+<file path=ppt/slides/slide18.xml><?xml version="1.0" encoding="utf-8"?>
+<p:sld xmlns:a="http://schemas.openxmlformats.org/drawingml/2006/main" xmlns:r="http://schemas.openxmlformats.org/officeDocument/2006/relationships" xmlns:p="http://schemas.openxmlformats.org/presentationml/2006/main">
+  <p:cSld>
+    <p:spTree>
+      <p:nvGrpSpPr>
+        <p:cNvPr id="1" name=""/>
+        <p:cNvGrpSpPr/>
+        <p:nvPr/>
+      </p:nvGrpSpPr>
+      <p:grpSpPr>
+        <a:xfrm>
+          <a:off x="0" y="0"/>
+          <a:ext cx="0" cy="0"/>
+          <a:chOff x="0" y="0"/>
+          <a:chExt cx="0" cy="0"/>
+        </a:xfrm>
+      </p:grpSpPr>
+      <p:sp>
+        <p:nvSpPr>
+          <p:cNvPr id="2" name="タイトル 1">
+            <a:extLst>
+              <a:ext uri="{FF2B5EF4-FFF2-40B4-BE49-F238E27FC236}">
+                <a16:creationId xmlns:a16="http://schemas.microsoft.com/office/drawing/2014/main" id="{6EEB1D21-E123-6A0D-4387-7842071A44C3}"/>
+              </a:ext>
+            </a:extLst>
+          </p:cNvPr>
+          <p:cNvSpPr>
+            <a:spLocks noGrp="1"/>
+          </p:cNvSpPr>
+          <p:nvPr>
+            <p:ph type="title"/>
+          </p:nvPr>
+        </p:nvSpPr>
+        <p:spPr>
+          <a:xfrm>
+            <a:off x="508262" y="6906"/>
+            <a:ext cx="10515600" cy="1325563"/>
+          </a:xfrm>
+        </p:spPr>
+        <p:txBody>
+          <a:bodyPr>
+            <a:normAutofit/>
+          </a:bodyPr>
+          <a:lstStyle/>
+          <a:p>
+            <a:r>
+              <a:rPr kumimoji="1" lang="ja-JP" altLang="en-US" dirty="0"/>
+              <a:t>画面説明｜メンテナンス画面</a:t>
+            </a:r>
+            <a:endParaRPr kumimoji="1" lang="ja-JP" altLang="en-US" sz="6600" dirty="0"/>
+          </a:p>
+        </p:txBody>
+      </p:sp>
+      <p:sp>
+        <p:nvSpPr>
+          <p:cNvPr id="3" name="コンテンツ プレースホルダー 2">
+            <a:extLst>
+              <a:ext uri="{FF2B5EF4-FFF2-40B4-BE49-F238E27FC236}">
+                <a16:creationId xmlns:a16="http://schemas.microsoft.com/office/drawing/2014/main" id="{FBEFD887-8E4D-0747-2470-BA7EA0F692F7}"/>
+              </a:ext>
+            </a:extLst>
+          </p:cNvPr>
+          <p:cNvSpPr>
+            <a:spLocks noGrp="1"/>
+          </p:cNvSpPr>
+          <p:nvPr>
+            <p:ph idx="1"/>
+          </p:nvPr>
+        </p:nvSpPr>
+        <p:spPr>
+          <a:xfrm>
+            <a:off x="627529" y="1332468"/>
+            <a:ext cx="6865101" cy="4852199"/>
+          </a:xfrm>
+        </p:spPr>
+        <p:txBody>
+          <a:bodyPr>
+            <a:normAutofit/>
+          </a:bodyPr>
+          <a:lstStyle/>
+          <a:p>
+            <a:r>
+              <a:rPr lang="ja-JP" altLang="en-US" sz="2400" dirty="0"/>
+              <a:t>「メンテナンス画面」はセンサーの測定値を調整するためのものである</a:t>
+            </a:r>
+            <a:endParaRPr lang="en-US" altLang="ja-JP" sz="2400" dirty="0"/>
+          </a:p>
+          <a:p>
+            <a:r>
+              <a:rPr lang="ja-JP" altLang="en-US" sz="2400" dirty="0"/>
+              <a:t>センサーはノイズの影響で特に</a:t>
+            </a:r>
+            <a:r>
+              <a:rPr lang="en-US" altLang="ja-JP" sz="2400" dirty="0"/>
+              <a:t>40cm</a:t>
+            </a:r>
+            <a:r>
+              <a:rPr lang="ja-JP" altLang="en-US" sz="2400" dirty="0"/>
+              <a:t>以上の距離ではあまり正確ではないため、校正が行う</a:t>
+            </a:r>
+            <a:endParaRPr lang="en-US" altLang="ja-JP" sz="2400" dirty="0"/>
+          </a:p>
+          <a:p>
+            <a:r>
+              <a:rPr lang="ja-JP" altLang="en-US" sz="2400" dirty="0"/>
+              <a:t>この画面では、担当者に対して椅子を</a:t>
+            </a:r>
+            <a:r>
+              <a:rPr lang="en-US" altLang="ja-JP" sz="2400" dirty="0"/>
+              <a:t>3</a:t>
+            </a:r>
+            <a:r>
+              <a:rPr lang="ja-JP" altLang="en-US" sz="2400" dirty="0"/>
+              <a:t>回動かすように依頼し、各回の椅子の現在の測定値が記録されます（</a:t>
+            </a:r>
+            <a:r>
+              <a:rPr lang="en-US" altLang="ja-JP" sz="2400" dirty="0"/>
+              <a:t>10cm</a:t>
+            </a:r>
+            <a:r>
+              <a:rPr lang="ja-JP" altLang="en-US" sz="2400" dirty="0"/>
+              <a:t>、</a:t>
+            </a:r>
+            <a:r>
+              <a:rPr lang="en-US" altLang="ja-JP" sz="2400" dirty="0"/>
+              <a:t>30cm</a:t>
+            </a:r>
+            <a:r>
+              <a:rPr lang="ja-JP" altLang="en-US" sz="2400" dirty="0"/>
+              <a:t>、</a:t>
+            </a:r>
+            <a:r>
+              <a:rPr lang="en-US" altLang="ja-JP" sz="2400" dirty="0"/>
+              <a:t>50cm</a:t>
+            </a:r>
+            <a:r>
+              <a:rPr lang="ja-JP" altLang="en-US" sz="2400" dirty="0"/>
+              <a:t>）</a:t>
+            </a:r>
+            <a:endParaRPr lang="en-US" altLang="ja-JP" sz="2400" dirty="0"/>
+          </a:p>
+          <a:p>
+            <a:r>
+              <a:rPr lang="ja-JP" altLang="en-US" sz="2400" dirty="0"/>
+              <a:t>計算した校正値は椅子に送信し、サーバー内に保存する。保存した値は、椅子がセンサーを利用してテストまたは練習を行うたびに利用する</a:t>
+            </a:r>
+            <a:endParaRPr kumimoji="1" lang="en-US" altLang="ja-JP" sz="2400" dirty="0"/>
+          </a:p>
+        </p:txBody>
+      </p:sp>
+      <p:cxnSp>
+        <p:nvCxnSpPr>
+          <p:cNvPr id="4" name="直線コネクタ 3">
+            <a:extLst>
+              <a:ext uri="{FF2B5EF4-FFF2-40B4-BE49-F238E27FC236}">
+                <a16:creationId xmlns:a16="http://schemas.microsoft.com/office/drawing/2014/main" id="{77FD0231-A0D6-70F0-63A7-A1184127BCDF}"/>
+              </a:ext>
+            </a:extLst>
+          </p:cNvPr>
+          <p:cNvCxnSpPr>
+            <a:cxnSpLocks/>
+          </p:cNvCxnSpPr>
+          <p:nvPr/>
+        </p:nvCxnSpPr>
+        <p:spPr>
+          <a:xfrm>
+            <a:off x="627529" y="1001486"/>
+            <a:ext cx="10726271" cy="0"/>
+          </a:xfrm>
+          <a:prstGeom prst="line">
+            <a:avLst/>
+          </a:prstGeom>
+          <a:ln w="38100" cmpd="dbl">
+            <a:solidFill>
+              <a:schemeClr val="tx1"/>
+            </a:solidFill>
+          </a:ln>
+        </p:spPr>
+        <p:style>
+          <a:lnRef idx="1">
+            <a:schemeClr val="accent1"/>
+          </a:lnRef>
+          <a:fillRef idx="0">
+            <a:schemeClr val="accent1"/>
+          </a:fillRef>
+          <a:effectRef idx="0">
+            <a:schemeClr val="accent1"/>
+          </a:effectRef>
+          <a:fontRef idx="minor">
+            <a:schemeClr val="tx1"/>
+          </a:fontRef>
+        </p:style>
+      </p:cxnSp>
+      <p:pic>
+        <p:nvPicPr>
+          <p:cNvPr id="7" name="図 6" descr="グラフィカル ユーザー インターフェイス, アプリケーション&#10;&#10;自動的に生成された説明">
+            <a:extLst>
+              <a:ext uri="{FF2B5EF4-FFF2-40B4-BE49-F238E27FC236}">
+                <a16:creationId xmlns:a16="http://schemas.microsoft.com/office/drawing/2014/main" id="{F3878135-BC8E-E0BF-1574-F553747F4326}"/>
+              </a:ext>
+            </a:extLst>
+          </p:cNvPr>
+          <p:cNvPicPr>
+            <a:picLocks noChangeAspect="1"/>
+          </p:cNvPicPr>
+          <p:nvPr/>
+        </p:nvPicPr>
+        <p:blipFill>
+          <a:blip r:embed="rId2">
+            <a:extLst>
+              <a:ext uri="{28A0092B-C50C-407E-A947-70E740481C1C}">
+                <a14:useLocalDpi xmlns:a14="http://schemas.microsoft.com/office/drawing/2010/main" val="0"/>
+              </a:ext>
+            </a:extLst>
+          </a:blip>
+          <a:stretch>
+            <a:fillRect/>
+          </a:stretch>
+        </p:blipFill>
+        <p:spPr>
+          <a:xfrm>
+            <a:off x="7822568" y="1001486"/>
+            <a:ext cx="3531232" cy="5183182"/>
+          </a:xfrm>
+          <a:prstGeom prst="rect">
+            <a:avLst/>
+          </a:prstGeom>
+        </p:spPr>
+      </p:pic>
+    </p:spTree>
+    <p:extLst>
+      <p:ext uri="{BB962C8B-B14F-4D97-AF65-F5344CB8AC3E}">
+        <p14:creationId xmlns:p14="http://schemas.microsoft.com/office/powerpoint/2010/main" val="2925587204"/>
+      </p:ext>
+    </p:extLst>
+  </p:cSld>
+  <p:clrMapOvr>
+    <a:masterClrMapping/>
+  </p:clrMapOvr>
+</p:sld>
+</file>
+
+<file path=ppt/slides/slide19.xml><?xml version="1.0" encoding="utf-8"?>
+<p:sld xmlns:a="http://schemas.openxmlformats.org/drawingml/2006/main" xmlns:r="http://schemas.openxmlformats.org/officeDocument/2006/relationships" xmlns:p="http://schemas.openxmlformats.org/presentationml/2006/main">
+  <p:cSld>
+    <p:spTree>
+      <p:nvGrpSpPr>
+        <p:cNvPr id="1" name=""/>
+        <p:cNvGrpSpPr/>
+        <p:nvPr/>
+      </p:nvGrpSpPr>
+      <p:grpSpPr>
+        <a:xfrm>
+          <a:off x="0" y="0"/>
+          <a:ext cx="0" cy="0"/>
+          <a:chOff x="0" y="0"/>
+          <a:chExt cx="0" cy="0"/>
+        </a:xfrm>
+      </p:grpSpPr>
+      <p:sp>
+        <p:nvSpPr>
+          <p:cNvPr id="2" name="タイトル 1">
+            <a:extLst>
+              <a:ext uri="{FF2B5EF4-FFF2-40B4-BE49-F238E27FC236}">
+                <a16:creationId xmlns:a16="http://schemas.microsoft.com/office/drawing/2014/main" id="{6EEB1D21-E123-6A0D-4387-7842071A44C3}"/>
+              </a:ext>
+            </a:extLst>
+          </p:cNvPr>
+          <p:cNvSpPr>
+            <a:spLocks noGrp="1"/>
+          </p:cNvSpPr>
+          <p:nvPr>
+            <p:ph type="title"/>
+          </p:nvPr>
+        </p:nvSpPr>
+        <p:spPr>
+          <a:xfrm>
+            <a:off x="627528" y="6906"/>
+            <a:ext cx="10396333" cy="1325563"/>
+          </a:xfrm>
+        </p:spPr>
+        <p:txBody>
+          <a:bodyPr>
+            <a:normAutofit/>
+          </a:bodyPr>
+          <a:lstStyle/>
+          <a:p>
+            <a:r>
+              <a:rPr kumimoji="1" lang="ja-JP" altLang="en-US" dirty="0"/>
+              <a:t>画面説明｜</a:t>
+            </a:r>
+            <a:r>
+              <a:rPr lang="ja-JP" altLang="en-US" dirty="0"/>
+              <a:t>結果</a:t>
+            </a:r>
+            <a:r>
+              <a:rPr kumimoji="1" lang="ja-JP" altLang="en-US" dirty="0"/>
+              <a:t>画面</a:t>
+            </a:r>
+            <a:endParaRPr kumimoji="1" lang="ja-JP" altLang="en-US" sz="6600" dirty="0"/>
+          </a:p>
+        </p:txBody>
+      </p:sp>
+      <p:sp>
+        <p:nvSpPr>
+          <p:cNvPr id="3" name="コンテンツ プレースホルダー 2">
+            <a:extLst>
+              <a:ext uri="{FF2B5EF4-FFF2-40B4-BE49-F238E27FC236}">
+                <a16:creationId xmlns:a16="http://schemas.microsoft.com/office/drawing/2014/main" id="{FBEFD887-8E4D-0747-2470-BA7EA0F692F7}"/>
+              </a:ext>
+            </a:extLst>
+          </p:cNvPr>
+          <p:cNvSpPr>
+            <a:spLocks noGrp="1"/>
+          </p:cNvSpPr>
+          <p:nvPr>
+            <p:ph idx="1"/>
+          </p:nvPr>
+        </p:nvSpPr>
+        <p:spPr>
+          <a:xfrm>
+            <a:off x="627529" y="1332468"/>
+            <a:ext cx="6730024" cy="5038835"/>
+          </a:xfrm>
+        </p:spPr>
+        <p:txBody>
+          <a:bodyPr>
+            <a:normAutofit/>
+          </a:bodyPr>
+          <a:lstStyle/>
+          <a:p>
+            <a:r>
+              <a:rPr lang="ja-JP" altLang="en-US" sz="2400" dirty="0"/>
+              <a:t>結果画面ではアドバイスと現在のロコモ年齢が表示する。悪いロコモ年齢の場合、例えば実際の年齢</a:t>
+            </a:r>
+            <a:r>
+              <a:rPr lang="en-US" altLang="ja-JP" sz="2400" dirty="0"/>
+              <a:t>: 50</a:t>
+            </a:r>
+            <a:r>
+              <a:rPr lang="ja-JP" altLang="en-US" sz="2400" dirty="0"/>
+              <a:t>、ロコモ年齢</a:t>
+            </a:r>
+            <a:r>
+              <a:rPr lang="en-US" altLang="ja-JP" sz="2400" dirty="0"/>
+              <a:t>: 80</a:t>
+            </a:r>
+            <a:r>
+              <a:rPr lang="ja-JP" altLang="en-US" sz="2400" dirty="0"/>
+              <a:t>の場合、アプリケーションは近くの医療機関でテストを受けるように勧める。</a:t>
+            </a:r>
+            <a:endParaRPr lang="en-US" altLang="ja-JP" sz="2400" dirty="0"/>
+          </a:p>
+          <a:p>
+            <a:r>
+              <a:rPr lang="ja-JP" altLang="en-US" sz="2400" dirty="0"/>
+              <a:t>以下のの</a:t>
+            </a:r>
+            <a:r>
+              <a:rPr lang="en-US" altLang="ja-JP" sz="2400" dirty="0"/>
+              <a:t>4</a:t>
+            </a:r>
+            <a:r>
+              <a:rPr lang="ja-JP" altLang="en-US" sz="2400" dirty="0"/>
+              <a:t>つの</a:t>
+            </a:r>
+            <a:r>
+              <a:rPr lang="en-US" altLang="ja-JP" sz="2400" dirty="0"/>
+              <a:t>QR</a:t>
+            </a:r>
+            <a:r>
+              <a:rPr lang="ja-JP" altLang="en-US" sz="2400" dirty="0"/>
+              <a:t>コードは、最寄りの運動機能検査場所と、運動機能症候群の詳細な説明が記載したウェブサイトを表示する</a:t>
+            </a:r>
+            <a:endParaRPr lang="en-US" altLang="ja-JP" sz="2400" dirty="0"/>
+          </a:p>
+          <a:p>
+            <a:pPr lvl="1"/>
+            <a:r>
+              <a:rPr lang="ja-JP" altLang="en-US" dirty="0"/>
+              <a:t>ロコモについて</a:t>
+            </a:r>
+            <a:endParaRPr lang="en-US" altLang="ja-JP" dirty="0"/>
+          </a:p>
+          <a:p>
+            <a:pPr lvl="1"/>
+            <a:r>
+              <a:rPr lang="ja-JP" altLang="en-US" dirty="0"/>
+              <a:t>宮崎市のロコモ検診</a:t>
+            </a:r>
+            <a:endParaRPr lang="en-US" altLang="ja-JP" dirty="0"/>
+          </a:p>
+          <a:p>
+            <a:pPr lvl="1"/>
+            <a:r>
+              <a:rPr lang="ja-JP" altLang="en-US" dirty="0"/>
+              <a:t>宮崎県健康長寿サポートサイト</a:t>
+            </a:r>
+            <a:endParaRPr lang="en-US" altLang="ja-JP" dirty="0"/>
+          </a:p>
+          <a:p>
+            <a:pPr lvl="1"/>
+            <a:r>
+              <a:rPr lang="ja-JP" altLang="en-US" dirty="0"/>
+              <a:t>近くのロコモ外来病院</a:t>
+            </a:r>
+            <a:endParaRPr lang="en-US" altLang="ja-JP" dirty="0"/>
+          </a:p>
+          <a:p>
+            <a:r>
+              <a:rPr lang="ja-JP" altLang="en-US" sz="2400" dirty="0"/>
+              <a:t>「終了」ボタンはユーザーを入力画面に戻す。</a:t>
+            </a:r>
+            <a:endParaRPr kumimoji="1" lang="ja-JP" altLang="en-US" sz="2400" dirty="0"/>
+          </a:p>
+        </p:txBody>
+      </p:sp>
+      <p:cxnSp>
+        <p:nvCxnSpPr>
+          <p:cNvPr id="4" name="直線コネクタ 3">
+            <a:extLst>
+              <a:ext uri="{FF2B5EF4-FFF2-40B4-BE49-F238E27FC236}">
+                <a16:creationId xmlns:a16="http://schemas.microsoft.com/office/drawing/2014/main" id="{77FD0231-A0D6-70F0-63A7-A1184127BCDF}"/>
+              </a:ext>
+            </a:extLst>
+          </p:cNvPr>
+          <p:cNvCxnSpPr>
+            <a:cxnSpLocks/>
+          </p:cNvCxnSpPr>
+          <p:nvPr/>
+        </p:nvCxnSpPr>
+        <p:spPr>
+          <a:xfrm>
+            <a:off x="627529" y="1001486"/>
+            <a:ext cx="10726271" cy="0"/>
+          </a:xfrm>
+          <a:prstGeom prst="line">
+            <a:avLst/>
+          </a:prstGeom>
+          <a:ln w="38100" cmpd="dbl">
+            <a:solidFill>
+              <a:schemeClr val="tx1"/>
+            </a:solidFill>
+          </a:ln>
+        </p:spPr>
+        <p:style>
+          <a:lnRef idx="1">
+            <a:schemeClr val="accent1"/>
+          </a:lnRef>
+          <a:fillRef idx="0">
+            <a:schemeClr val="accent1"/>
+          </a:fillRef>
+          <a:effectRef idx="0">
+            <a:schemeClr val="accent1"/>
+          </a:effectRef>
+          <a:fontRef idx="minor">
+            <a:schemeClr val="tx1"/>
+          </a:fontRef>
+        </p:style>
+      </p:cxnSp>
+      <p:pic>
+        <p:nvPicPr>
+          <p:cNvPr id="7" name="図 6" descr="QR コード&#10;&#10;自動的に生成された説明">
+            <a:extLst>
+              <a:ext uri="{FF2B5EF4-FFF2-40B4-BE49-F238E27FC236}">
+                <a16:creationId xmlns:a16="http://schemas.microsoft.com/office/drawing/2014/main" id="{5E5ECB7F-701E-82B4-3370-B8D35E8967F2}"/>
+              </a:ext>
+            </a:extLst>
+          </p:cNvPr>
+          <p:cNvPicPr>
+            <a:picLocks noChangeAspect="1"/>
+          </p:cNvPicPr>
+          <p:nvPr/>
+        </p:nvPicPr>
+        <p:blipFill>
+          <a:blip r:embed="rId3">
+            <a:extLst>
+              <a:ext uri="{28A0092B-C50C-407E-A947-70E740481C1C}">
+                <a14:useLocalDpi xmlns:a14="http://schemas.microsoft.com/office/drawing/2010/main" val="0"/>
+              </a:ext>
+            </a:extLst>
+          </a:blip>
+          <a:stretch>
+            <a:fillRect/>
+          </a:stretch>
+        </p:blipFill>
+        <p:spPr>
+          <a:xfrm>
+            <a:off x="7576459" y="1177325"/>
+            <a:ext cx="3666308" cy="5383904"/>
+          </a:xfrm>
+          <a:prstGeom prst="rect">
+            <a:avLst/>
+          </a:prstGeom>
+        </p:spPr>
+      </p:pic>
+      <p:sp>
+        <p:nvSpPr>
+          <p:cNvPr id="5" name="TextBox 4">
+            <a:extLst>
+              <a:ext uri="{FF2B5EF4-FFF2-40B4-BE49-F238E27FC236}">
+                <a16:creationId xmlns:a16="http://schemas.microsoft.com/office/drawing/2014/main" id="{0B25F562-83E5-009C-69BC-761D207F446E}"/>
+              </a:ext>
+            </a:extLst>
+          </p:cNvPr>
+          <p:cNvSpPr txBox="1"/>
+          <p:nvPr/>
+        </p:nvSpPr>
+        <p:spPr>
+          <a:xfrm>
+            <a:off x="1111414" y="6371303"/>
+            <a:ext cx="5762254" cy="369332"/>
+          </a:xfrm>
+          <a:prstGeom prst="rect">
+            <a:avLst/>
+          </a:prstGeom>
+          <a:noFill/>
+        </p:spPr>
+        <p:txBody>
+          <a:bodyPr wrap="square" rtlCol="0">
+            <a:spAutoFit/>
+          </a:bodyPr>
+          <a:lstStyle/>
+          <a:p>
+            <a:r>
+              <a:rPr lang="ja-JP" altLang="en-US" dirty="0"/>
+              <a:t>＊ロコモ年齢：身体と運動機能の年齢</a:t>
+            </a:r>
+            <a:endParaRPr lang="en-US" dirty="0"/>
+          </a:p>
+        </p:txBody>
+      </p:sp>
+    </p:spTree>
+    <p:extLst>
+      <p:ext uri="{BB962C8B-B14F-4D97-AF65-F5344CB8AC3E}">
+        <p14:creationId xmlns:p14="http://schemas.microsoft.com/office/powerpoint/2010/main" val="3735528668"/>
+      </p:ext>
+    </p:extLst>
+  </p:cSld>
+  <p:clrMapOvr>
+    <a:masterClrMapping/>
+  </p:clrMapOvr>
+</p:sld>
+</file>
+
+<file path=ppt/slides/slide2.xml><?xml version="1.0" encoding="utf-8"?>
+<p:sld xmlns:a="http://schemas.openxmlformats.org/drawingml/2006/main" xmlns:r="http://schemas.openxmlformats.org/officeDocument/2006/relationships" xmlns:p="http://schemas.openxmlformats.org/presentationml/2006/main">
+  <p:cSld>
+    <p:spTree>
+      <p:nvGrpSpPr>
+        <p:cNvPr id="1" name=""/>
+        <p:cNvGrpSpPr/>
+        <p:nvPr/>
+      </p:nvGrpSpPr>
+      <p:grpSpPr>
+        <a:xfrm>
+          <a:off x="0" y="0"/>
+          <a:ext cx="0" cy="0"/>
+          <a:chOff x="0" y="0"/>
+          <a:chExt cx="0" cy="0"/>
+        </a:xfrm>
+      </p:grpSpPr>
+      <p:sp>
+        <p:nvSpPr>
+          <p:cNvPr id="2" name="タイトル 1">
+            <a:extLst>
+              <a:ext uri="{FF2B5EF4-FFF2-40B4-BE49-F238E27FC236}">
+                <a16:creationId xmlns:a16="http://schemas.microsoft.com/office/drawing/2014/main" id="{956F2F01-7487-06F1-2E3D-D17989598C1D}"/>
+              </a:ext>
+            </a:extLst>
+          </p:cNvPr>
+          <p:cNvSpPr>
+            <a:spLocks noGrp="1"/>
+          </p:cNvSpPr>
+          <p:nvPr>
+            <p:ph type="title"/>
+          </p:nvPr>
+        </p:nvSpPr>
+        <p:spPr>
+          <a:xfrm>
+            <a:off x="627529" y="18255"/>
+            <a:ext cx="10726271" cy="1325563"/>
+          </a:xfrm>
+        </p:spPr>
+        <p:txBody>
+          <a:bodyPr>
+            <a:normAutofit/>
+          </a:bodyPr>
+          <a:lstStyle/>
+          <a:p>
+            <a:r>
+              <a:rPr kumimoji="1" lang="ja-JP" altLang="en-US" dirty="0"/>
+              <a:t>目次</a:t>
+            </a:r>
+          </a:p>
+        </p:txBody>
+      </p:sp>
+      <p:sp>
+        <p:nvSpPr>
+          <p:cNvPr id="3" name="コンテンツ プレースホルダー 2">
+            <a:extLst>
+              <a:ext uri="{FF2B5EF4-FFF2-40B4-BE49-F238E27FC236}">
+                <a16:creationId xmlns:a16="http://schemas.microsoft.com/office/drawing/2014/main" id="{6ED2D96B-5701-6F40-465F-28905C7803F3}"/>
+              </a:ext>
+            </a:extLst>
+          </p:cNvPr>
+          <p:cNvSpPr>
+            <a:spLocks noGrp="1"/>
+          </p:cNvSpPr>
+          <p:nvPr>
+            <p:ph idx="1"/>
+          </p:nvPr>
+        </p:nvSpPr>
+        <p:spPr>
+          <a:xfrm>
+            <a:off x="838200" y="1343818"/>
+            <a:ext cx="10515600" cy="4833145"/>
+          </a:xfrm>
+        </p:spPr>
+        <p:txBody>
+          <a:bodyPr/>
+          <a:lstStyle/>
+          <a:p>
+            <a:r>
+              <a:rPr kumimoji="1" lang="ja-JP" altLang="en-US" dirty="0"/>
+              <a:t>背景</a:t>
+            </a:r>
+            <a:endParaRPr kumimoji="1" lang="en-US" altLang="ja-JP" dirty="0"/>
+          </a:p>
+          <a:p>
+            <a:r>
+              <a:rPr kumimoji="1" lang="ja-JP" altLang="en-US" dirty="0"/>
+              <a:t>目的、手法</a:t>
+            </a:r>
+            <a:endParaRPr kumimoji="1" lang="en-US" altLang="ja-JP" dirty="0"/>
+          </a:p>
+          <a:p>
+            <a:r>
+              <a:rPr lang="ja-JP" altLang="en-US" dirty="0"/>
+              <a:t>既存</a:t>
+            </a:r>
+            <a:r>
+              <a:rPr kumimoji="1" lang="ja-JP" altLang="en-US" dirty="0"/>
+              <a:t>構造</a:t>
+            </a:r>
+            <a:endParaRPr kumimoji="1" lang="en-US" altLang="ja-JP" dirty="0"/>
+          </a:p>
+          <a:p>
+            <a:r>
+              <a:rPr lang="ja-JP" altLang="en-US" dirty="0"/>
+              <a:t>言語と環境</a:t>
+            </a:r>
+            <a:endParaRPr kumimoji="1" lang="en-US" altLang="ja-JP" dirty="0"/>
+          </a:p>
+          <a:p>
+            <a:r>
+              <a:rPr lang="ja-JP" altLang="en-US" dirty="0"/>
+              <a:t>画面説明</a:t>
+            </a:r>
+            <a:endParaRPr lang="en-US" altLang="ja-JP" dirty="0"/>
+          </a:p>
+          <a:p>
+            <a:r>
+              <a:rPr kumimoji="1" lang="ja-JP" altLang="en-US" dirty="0"/>
+              <a:t>工夫点</a:t>
+            </a:r>
+            <a:endParaRPr kumimoji="1" lang="en-US" altLang="ja-JP" dirty="0"/>
+          </a:p>
+          <a:p>
+            <a:r>
+              <a:rPr kumimoji="1" lang="ja-JP" altLang="en-US" dirty="0"/>
+              <a:t>まとめ</a:t>
+            </a:r>
+            <a:endParaRPr kumimoji="1" lang="en-US" altLang="ja-JP" dirty="0"/>
+          </a:p>
+          <a:p>
+            <a:r>
+              <a:rPr kumimoji="1" lang="ja-JP" altLang="en-US" dirty="0"/>
+              <a:t>今後の課題</a:t>
+            </a:r>
+            <a:endParaRPr kumimoji="1" lang="en-US" altLang="ja-JP" dirty="0"/>
+          </a:p>
+        </p:txBody>
+      </p:sp>
+      <p:cxnSp>
+        <p:nvCxnSpPr>
+          <p:cNvPr id="5" name="直線コネクタ 4">
+            <a:extLst>
+              <a:ext uri="{FF2B5EF4-FFF2-40B4-BE49-F238E27FC236}">
+                <a16:creationId xmlns:a16="http://schemas.microsoft.com/office/drawing/2014/main" id="{3F9AC763-EE07-C78B-1BAF-36204BF61A7D}"/>
+              </a:ext>
+            </a:extLst>
+          </p:cNvPr>
+          <p:cNvCxnSpPr>
+            <a:cxnSpLocks/>
+          </p:cNvCxnSpPr>
+          <p:nvPr/>
+        </p:nvCxnSpPr>
+        <p:spPr>
+          <a:xfrm>
+            <a:off x="627529" y="1001486"/>
+            <a:ext cx="10726271" cy="0"/>
+          </a:xfrm>
+          <a:prstGeom prst="line">
+            <a:avLst/>
+          </a:prstGeom>
+          <a:ln w="38100" cmpd="dbl">
+            <a:solidFill>
+              <a:schemeClr val="tx1"/>
+            </a:solidFill>
+          </a:ln>
+        </p:spPr>
+        <p:style>
+          <a:lnRef idx="1">
+            <a:schemeClr val="accent1"/>
+          </a:lnRef>
+          <a:fillRef idx="0">
+            <a:schemeClr val="accent1"/>
+          </a:fillRef>
+          <a:effectRef idx="0">
+            <a:schemeClr val="accent1"/>
+          </a:effectRef>
+          <a:fontRef idx="minor">
+            <a:schemeClr val="tx1"/>
+          </a:fontRef>
+        </p:style>
+      </p:cxnSp>
+    </p:spTree>
+    <p:extLst>
+      <p:ext uri="{BB962C8B-B14F-4D97-AF65-F5344CB8AC3E}">
+        <p14:creationId xmlns:p14="http://schemas.microsoft.com/office/powerpoint/2010/main" val="3045649195"/>
+      </p:ext>
+    </p:extLst>
+  </p:cSld>
+  <p:clrMapOvr>
+    <a:masterClrMapping/>
+  </p:clrMapOvr>
+</p:sld>
+</file>
+
+<file path=ppt/slides/slide20.xml><?xml version="1.0" encoding="utf-8"?>
+<p:sld xmlns:a="http://schemas.openxmlformats.org/drawingml/2006/main" xmlns:r="http://schemas.openxmlformats.org/officeDocument/2006/relationships" xmlns:p="http://schemas.openxmlformats.org/presentationml/2006/main">
+  <p:cSld>
+    <p:spTree>
+      <p:nvGrpSpPr>
+        <p:cNvPr id="1" name=""/>
+        <p:cNvGrpSpPr/>
+        <p:nvPr/>
+      </p:nvGrpSpPr>
+      <p:grpSpPr>
+        <a:xfrm>
+          <a:off x="0" y="0"/>
+          <a:ext cx="0" cy="0"/>
+          <a:chOff x="0" y="0"/>
+          <a:chExt cx="0" cy="0"/>
+        </a:xfrm>
+      </p:grpSpPr>
+      <p:sp>
+        <p:nvSpPr>
+          <p:cNvPr id="2" name="タイトル 1">
+            <a:extLst>
+              <a:ext uri="{FF2B5EF4-FFF2-40B4-BE49-F238E27FC236}">
+                <a16:creationId xmlns:a16="http://schemas.microsoft.com/office/drawing/2014/main" id="{6EEB1D21-E123-6A0D-4387-7842071A44C3}"/>
+              </a:ext>
+            </a:extLst>
+          </p:cNvPr>
+          <p:cNvSpPr>
+            <a:spLocks noGrp="1"/>
+          </p:cNvSpPr>
+          <p:nvPr>
+            <p:ph type="title"/>
+          </p:nvPr>
+        </p:nvSpPr>
+        <p:spPr>
+          <a:xfrm>
+            <a:off x="508262" y="6906"/>
+            <a:ext cx="10515600" cy="1325563"/>
+          </a:xfrm>
+        </p:spPr>
+        <p:txBody>
+          <a:bodyPr>
+            <a:normAutofit/>
+          </a:bodyPr>
+          <a:lstStyle/>
+          <a:p>
+            <a:r>
+              <a:rPr kumimoji="1" lang="ja-JP" altLang="en-US" dirty="0"/>
+              <a:t>画面説明｜</a:t>
+            </a:r>
+            <a:r>
+              <a:rPr lang="ja-JP" altLang="en-US" dirty="0"/>
+              <a:t>結果</a:t>
+            </a:r>
+            <a:r>
+              <a:rPr kumimoji="1" lang="ja-JP" altLang="en-US" dirty="0"/>
+              <a:t>画面（追加）</a:t>
+            </a:r>
+            <a:endParaRPr kumimoji="1" lang="ja-JP" altLang="en-US" sz="6600" dirty="0"/>
+          </a:p>
+        </p:txBody>
+      </p:sp>
+      <p:sp>
+        <p:nvSpPr>
+          <p:cNvPr id="3" name="コンテンツ プレースホルダー 2">
+            <a:extLst>
+              <a:ext uri="{FF2B5EF4-FFF2-40B4-BE49-F238E27FC236}">
+                <a16:creationId xmlns:a16="http://schemas.microsoft.com/office/drawing/2014/main" id="{FBEFD887-8E4D-0747-2470-BA7EA0F692F7}"/>
+              </a:ext>
+            </a:extLst>
+          </p:cNvPr>
+          <p:cNvSpPr>
+            <a:spLocks noGrp="1"/>
+          </p:cNvSpPr>
+          <p:nvPr>
+            <p:ph idx="1"/>
+          </p:nvPr>
+        </p:nvSpPr>
+        <p:spPr>
+          <a:xfrm>
+            <a:off x="627528" y="1332468"/>
+            <a:ext cx="10726271" cy="4616047"/>
+          </a:xfrm>
+        </p:spPr>
+        <p:txBody>
+          <a:bodyPr>
+            <a:normAutofit/>
+          </a:bodyPr>
+          <a:lstStyle/>
+          <a:p>
+            <a:r>
+              <a:rPr kumimoji="1" lang="ja-JP" altLang="en-US" sz="2400" dirty="0"/>
+              <a:t>ロコモティブシンドロームの重症度</a:t>
+            </a:r>
+            <a:endParaRPr kumimoji="1" lang="en-US" altLang="ja-JP" sz="2400" dirty="0"/>
+          </a:p>
+          <a:p>
+            <a:pPr lvl="1"/>
+            <a:r>
+              <a:rPr lang="en-US" altLang="ja-JP" dirty="0"/>
+              <a:t>C1</a:t>
+            </a:r>
+            <a:r>
+              <a:rPr lang="ja-JP" altLang="en-US" dirty="0"/>
+              <a:t>：素晴らしい基礎運動力です</a:t>
+            </a:r>
+            <a:endParaRPr lang="en-US" altLang="ja-JP" dirty="0"/>
+          </a:p>
+          <a:p>
+            <a:pPr lvl="1"/>
+            <a:r>
+              <a:rPr kumimoji="1" lang="en-US" altLang="ja-JP" dirty="0"/>
+              <a:t>C2</a:t>
+            </a:r>
+            <a:r>
+              <a:rPr kumimoji="1" lang="ja-JP" altLang="en-US" dirty="0"/>
+              <a:t>：良い基礎運動力です</a:t>
+            </a:r>
+            <a:endParaRPr kumimoji="1" lang="en-US" altLang="ja-JP" dirty="0"/>
+          </a:p>
+          <a:p>
+            <a:pPr lvl="1"/>
+            <a:r>
+              <a:rPr lang="en-US" altLang="ja-JP" dirty="0"/>
+              <a:t>C3</a:t>
+            </a:r>
+            <a:r>
+              <a:rPr lang="ja-JP" altLang="en-US" dirty="0"/>
+              <a:t>：基礎運動力平均より低い、筋肉バランス感覚のトレーニングをしましょう</a:t>
+            </a:r>
+            <a:endParaRPr lang="en-US" altLang="ja-JP" dirty="0"/>
+          </a:p>
+          <a:p>
+            <a:pPr lvl="1"/>
+            <a:r>
+              <a:rPr kumimoji="1" lang="en-US" altLang="ja-JP" dirty="0"/>
+              <a:t>C4</a:t>
+            </a:r>
+            <a:r>
+              <a:rPr kumimoji="1" lang="ja-JP" altLang="en-US" dirty="0"/>
+              <a:t>：ロコモシンドロームの傾向がありロコモ検診してください</a:t>
+            </a:r>
+            <a:endParaRPr kumimoji="1" lang="en-US" altLang="ja-JP" dirty="0"/>
+          </a:p>
+          <a:p>
+            <a:pPr lvl="1"/>
+            <a:r>
+              <a:rPr lang="en-US" altLang="ja-JP" dirty="0"/>
+              <a:t>C5</a:t>
+            </a:r>
+            <a:r>
+              <a:rPr lang="ja-JP" altLang="en-US" dirty="0"/>
+              <a:t>：基礎運動能力がい著しく低下、ちかくの整形外科病院で受診してください</a:t>
+            </a:r>
+            <a:endParaRPr kumimoji="1" lang="ja-JP" altLang="en-US" dirty="0"/>
+          </a:p>
+        </p:txBody>
+      </p:sp>
+      <p:cxnSp>
+        <p:nvCxnSpPr>
+          <p:cNvPr id="4" name="直線コネクタ 3">
+            <a:extLst>
+              <a:ext uri="{FF2B5EF4-FFF2-40B4-BE49-F238E27FC236}">
+                <a16:creationId xmlns:a16="http://schemas.microsoft.com/office/drawing/2014/main" id="{77FD0231-A0D6-70F0-63A7-A1184127BCDF}"/>
+              </a:ext>
+            </a:extLst>
+          </p:cNvPr>
+          <p:cNvCxnSpPr>
+            <a:cxnSpLocks/>
+          </p:cNvCxnSpPr>
+          <p:nvPr/>
+        </p:nvCxnSpPr>
+        <p:spPr>
+          <a:xfrm>
+            <a:off x="627529" y="1001486"/>
+            <a:ext cx="10726271" cy="0"/>
+          </a:xfrm>
+          <a:prstGeom prst="line">
+            <a:avLst/>
+          </a:prstGeom>
+          <a:ln w="38100" cmpd="dbl">
+            <a:solidFill>
+              <a:schemeClr val="tx1"/>
+            </a:solidFill>
+          </a:ln>
+        </p:spPr>
+        <p:style>
+          <a:lnRef idx="1">
+            <a:schemeClr val="accent1"/>
+          </a:lnRef>
+          <a:fillRef idx="0">
+            <a:schemeClr val="accent1"/>
+          </a:fillRef>
+          <a:effectRef idx="0">
+            <a:schemeClr val="accent1"/>
+          </a:effectRef>
+          <a:fontRef idx="minor">
+            <a:schemeClr val="tx1"/>
+          </a:fontRef>
+        </p:style>
+      </p:cxnSp>
+    </p:spTree>
+    <p:extLst>
+      <p:ext uri="{BB962C8B-B14F-4D97-AF65-F5344CB8AC3E}">
+        <p14:creationId xmlns:p14="http://schemas.microsoft.com/office/powerpoint/2010/main" val="3932334651"/>
+      </p:ext>
+    </p:extLst>
+  </p:cSld>
+  <p:clrMapOvr>
+    <a:masterClrMapping/>
+  </p:clrMapOvr>
+</p:sld>
+</file>
+
 <file path=ppt/slides/slide21.xml><?xml version="1.0" encoding="utf-8"?>
+<p:sld xmlns:a="http://schemas.openxmlformats.org/drawingml/2006/main" xmlns:r="http://schemas.openxmlformats.org/officeDocument/2006/relationships" xmlns:p="http://schemas.openxmlformats.org/presentationml/2006/main">
+  <p:cSld>
+    <p:spTree>
+      <p:nvGrpSpPr>
+        <p:cNvPr id="1" name=""/>
+        <p:cNvGrpSpPr/>
+        <p:nvPr/>
+      </p:nvGrpSpPr>
+      <p:grpSpPr>
+        <a:xfrm>
+          <a:off x="0" y="0"/>
+          <a:ext cx="0" cy="0"/>
+          <a:chOff x="0" y="0"/>
+          <a:chExt cx="0" cy="0"/>
+        </a:xfrm>
+      </p:grpSpPr>
+      <p:sp>
+        <p:nvSpPr>
+          <p:cNvPr id="2" name="タイトル 1">
+            <a:extLst>
+              <a:ext uri="{FF2B5EF4-FFF2-40B4-BE49-F238E27FC236}">
+                <a16:creationId xmlns:a16="http://schemas.microsoft.com/office/drawing/2014/main" id="{6EEB1D21-E123-6A0D-4387-7842071A44C3}"/>
+              </a:ext>
+            </a:extLst>
+          </p:cNvPr>
+          <p:cNvSpPr>
+            <a:spLocks noGrp="1"/>
+          </p:cNvSpPr>
+          <p:nvPr>
+            <p:ph type="title"/>
+          </p:nvPr>
+        </p:nvSpPr>
+        <p:spPr>
+          <a:xfrm>
+            <a:off x="627529" y="6906"/>
+            <a:ext cx="7290986" cy="1325563"/>
+          </a:xfrm>
+        </p:spPr>
+        <p:txBody>
+          <a:bodyPr>
+            <a:normAutofit/>
+          </a:bodyPr>
+          <a:lstStyle/>
+          <a:p>
+            <a:r>
+              <a:rPr kumimoji="1" lang="ja-JP" altLang="en-US" dirty="0"/>
+              <a:t>画面説明｜グラフ画面</a:t>
+            </a:r>
+            <a:endParaRPr kumimoji="1" lang="ja-JP" altLang="en-US" sz="6600" dirty="0"/>
+          </a:p>
+        </p:txBody>
+      </p:sp>
+      <p:sp>
+        <p:nvSpPr>
+          <p:cNvPr id="3" name="コンテンツ プレースホルダー 2">
+            <a:extLst>
+              <a:ext uri="{FF2B5EF4-FFF2-40B4-BE49-F238E27FC236}">
+                <a16:creationId xmlns:a16="http://schemas.microsoft.com/office/drawing/2014/main" id="{FBEFD887-8E4D-0747-2470-BA7EA0F692F7}"/>
+              </a:ext>
+            </a:extLst>
+          </p:cNvPr>
+          <p:cNvSpPr>
+            <a:spLocks noGrp="1"/>
+          </p:cNvSpPr>
+          <p:nvPr>
+            <p:ph idx="1"/>
+          </p:nvPr>
+        </p:nvSpPr>
+        <p:spPr>
+          <a:xfrm>
+            <a:off x="627529" y="1332468"/>
+            <a:ext cx="7061297" cy="4611132"/>
+          </a:xfrm>
+        </p:spPr>
+        <p:txBody>
+          <a:bodyPr>
+            <a:normAutofit/>
+          </a:bodyPr>
+          <a:lstStyle/>
+          <a:p>
+            <a:r>
+              <a:rPr lang="ja-JP" altLang="en-US" sz="2400" dirty="0"/>
+              <a:t>治療を受けた後に再びテストを受けに来るユーザーのために、進捗を追跡するためのものである</a:t>
+            </a:r>
+            <a:endParaRPr lang="en-US" altLang="ja-JP" sz="2400" dirty="0"/>
+          </a:p>
+          <a:p>
+            <a:r>
+              <a:rPr lang="ja-JP" altLang="en-US" sz="2400" dirty="0"/>
+              <a:t>これはまだ構築されていない。なぜなら、ユーザーの個人データを保存するためにデータベースが必要であり、そのためには同意書が必要だから。</a:t>
+            </a:r>
+            <a:endParaRPr kumimoji="1" lang="ja-JP" altLang="en-US" sz="2400" dirty="0"/>
+          </a:p>
+        </p:txBody>
+      </p:sp>
+      <p:cxnSp>
+        <p:nvCxnSpPr>
+          <p:cNvPr id="4" name="直線コネクタ 3">
+            <a:extLst>
+              <a:ext uri="{FF2B5EF4-FFF2-40B4-BE49-F238E27FC236}">
+                <a16:creationId xmlns:a16="http://schemas.microsoft.com/office/drawing/2014/main" id="{77FD0231-A0D6-70F0-63A7-A1184127BCDF}"/>
+              </a:ext>
+            </a:extLst>
+          </p:cNvPr>
+          <p:cNvCxnSpPr>
+            <a:cxnSpLocks/>
+          </p:cNvCxnSpPr>
+          <p:nvPr/>
+        </p:nvCxnSpPr>
+        <p:spPr>
+          <a:xfrm>
+            <a:off x="627529" y="1001486"/>
+            <a:ext cx="10726271" cy="0"/>
+          </a:xfrm>
+          <a:prstGeom prst="line">
+            <a:avLst/>
+          </a:prstGeom>
+          <a:ln w="38100" cmpd="dbl">
+            <a:solidFill>
+              <a:schemeClr val="tx1"/>
+            </a:solidFill>
+          </a:ln>
+        </p:spPr>
+        <p:style>
+          <a:lnRef idx="1">
+            <a:schemeClr val="accent1"/>
+          </a:lnRef>
+          <a:fillRef idx="0">
+            <a:schemeClr val="accent1"/>
+          </a:fillRef>
+          <a:effectRef idx="0">
+            <a:schemeClr val="accent1"/>
+          </a:effectRef>
+          <a:fontRef idx="minor">
+            <a:schemeClr val="tx1"/>
+          </a:fontRef>
+        </p:style>
+      </p:cxnSp>
+      <p:sp>
+        <p:nvSpPr>
+          <p:cNvPr id="7" name="正方形/長方形 6">
+            <a:extLst>
+              <a:ext uri="{FF2B5EF4-FFF2-40B4-BE49-F238E27FC236}">
+                <a16:creationId xmlns:a16="http://schemas.microsoft.com/office/drawing/2014/main" id="{7FF2F209-BF63-6984-FAEE-54B0779DDD88}"/>
+              </a:ext>
+            </a:extLst>
+          </p:cNvPr>
+          <p:cNvSpPr/>
+          <p:nvPr/>
+        </p:nvSpPr>
+        <p:spPr>
+          <a:xfrm>
+            <a:off x="8247529" y="1144392"/>
+            <a:ext cx="3106271" cy="4799208"/>
+          </a:xfrm>
+          <a:prstGeom prst="rect">
+            <a:avLst/>
+          </a:prstGeom>
+          <a:noFill/>
+          <a:ln>
+            <a:solidFill>
+              <a:srgbClr val="FF0000"/>
+            </a:solidFill>
+          </a:ln>
+        </p:spPr>
+        <p:style>
+          <a:lnRef idx="2">
+            <a:schemeClr val="dk1">
+              <a:shade val="15000"/>
+            </a:schemeClr>
+          </a:lnRef>
+          <a:fillRef idx="1">
+            <a:schemeClr val="dk1"/>
+          </a:fillRef>
+          <a:effectRef idx="0">
+            <a:schemeClr val="dk1"/>
+          </a:effectRef>
+          <a:fontRef idx="minor">
+            <a:schemeClr val="lt1"/>
+          </a:fontRef>
+        </p:style>
+        <p:txBody>
+          <a:bodyPr rtlCol="0" anchor="ctr"/>
+          <a:lstStyle/>
+          <a:p>
+            <a:pPr algn="ctr"/>
+            <a:r>
+              <a:rPr kumimoji="1" lang="ja-JP" altLang="en-US" dirty="0">
+                <a:solidFill>
+                  <a:srgbClr val="FF0000"/>
+                </a:solidFill>
+              </a:rPr>
+              <a:t>未実装</a:t>
+            </a:r>
+          </a:p>
+        </p:txBody>
+      </p:sp>
+    </p:spTree>
+    <p:extLst>
+      <p:ext uri="{BB962C8B-B14F-4D97-AF65-F5344CB8AC3E}">
+        <p14:creationId xmlns:p14="http://schemas.microsoft.com/office/powerpoint/2010/main" val="722174485"/>
+      </p:ext>
+    </p:extLst>
+  </p:cSld>
+  <p:clrMapOvr>
+    <a:masterClrMapping/>
+  </p:clrMapOvr>
+</p:sld>
+</file>
+
+<file path=ppt/slides/slide22.xml><?xml version="1.0" encoding="utf-8"?>
+<p:sld xmlns:a="http://schemas.openxmlformats.org/drawingml/2006/main" xmlns:r="http://schemas.openxmlformats.org/officeDocument/2006/relationships" xmlns:p="http://schemas.openxmlformats.org/presentationml/2006/main">
+  <p:cSld>
+    <p:spTree>
+      <p:nvGrpSpPr>
+        <p:cNvPr id="1" name=""/>
+        <p:cNvGrpSpPr/>
+        <p:nvPr/>
+      </p:nvGrpSpPr>
+      <p:grpSpPr>
+        <a:xfrm>
+          <a:off x="0" y="0"/>
+          <a:ext cx="0" cy="0"/>
+          <a:chOff x="0" y="0"/>
+          <a:chExt cx="0" cy="0"/>
+        </a:xfrm>
+      </p:grpSpPr>
+      <p:sp>
+        <p:nvSpPr>
+          <p:cNvPr id="2" name="タイトル 1">
+            <a:extLst>
+              <a:ext uri="{FF2B5EF4-FFF2-40B4-BE49-F238E27FC236}">
+                <a16:creationId xmlns:a16="http://schemas.microsoft.com/office/drawing/2014/main" id="{6EEB1D21-E123-6A0D-4387-7842071A44C3}"/>
+              </a:ext>
+            </a:extLst>
+          </p:cNvPr>
+          <p:cNvSpPr>
+            <a:spLocks noGrp="1"/>
+          </p:cNvSpPr>
+          <p:nvPr>
+            <p:ph type="title"/>
+          </p:nvPr>
+        </p:nvSpPr>
+        <p:spPr>
+          <a:xfrm>
+            <a:off x="627528" y="6906"/>
+            <a:ext cx="10396333" cy="1325563"/>
+          </a:xfrm>
+        </p:spPr>
+        <p:txBody>
+          <a:bodyPr>
+            <a:normAutofit/>
+          </a:bodyPr>
+          <a:lstStyle/>
+          <a:p>
+            <a:r>
+              <a:rPr kumimoji="1" lang="ja-JP" altLang="en-US" dirty="0"/>
+              <a:t>画面説明｜</a:t>
+            </a:r>
+            <a:r>
+              <a:rPr lang="ja-JP" altLang="en-US" dirty="0"/>
+              <a:t>フィードバック</a:t>
+            </a:r>
+            <a:r>
+              <a:rPr kumimoji="1" lang="ja-JP" altLang="en-US" dirty="0"/>
+              <a:t>画面</a:t>
+            </a:r>
+            <a:endParaRPr kumimoji="1" lang="ja-JP" altLang="en-US" sz="6600" dirty="0"/>
+          </a:p>
+        </p:txBody>
+      </p:sp>
+      <p:sp>
+        <p:nvSpPr>
+          <p:cNvPr id="3" name="コンテンツ プレースホルダー 2">
+            <a:extLst>
+              <a:ext uri="{FF2B5EF4-FFF2-40B4-BE49-F238E27FC236}">
+                <a16:creationId xmlns:a16="http://schemas.microsoft.com/office/drawing/2014/main" id="{FBEFD887-8E4D-0747-2470-BA7EA0F692F7}"/>
+              </a:ext>
+            </a:extLst>
+          </p:cNvPr>
+          <p:cNvSpPr>
+            <a:spLocks noGrp="1"/>
+          </p:cNvSpPr>
+          <p:nvPr>
+            <p:ph idx="1"/>
+          </p:nvPr>
+        </p:nvSpPr>
+        <p:spPr>
+          <a:xfrm>
+            <a:off x="627529" y="1332468"/>
+            <a:ext cx="6943310" cy="4524045"/>
+          </a:xfrm>
+        </p:spPr>
+        <p:txBody>
+          <a:bodyPr>
+            <a:normAutofit/>
+          </a:bodyPr>
+          <a:lstStyle/>
+          <a:p>
+            <a:r>
+              <a:rPr lang="ja-JP" altLang="en-US" sz="2400" dirty="0"/>
+              <a:t>ユーザーはモバイルアプリを利用中に発生した情報やバグを報告できる。</a:t>
+            </a:r>
+            <a:endParaRPr lang="en-US" altLang="ja-JP" sz="2400" dirty="0"/>
+          </a:p>
+          <a:p>
+            <a:r>
+              <a:rPr lang="ja-JP" altLang="en-US" sz="2400" dirty="0"/>
+              <a:t>すべてのフィードバックは匿名である</a:t>
+            </a:r>
+            <a:endParaRPr lang="en-US" altLang="ja-JP" sz="2400" dirty="0"/>
+          </a:p>
+          <a:p>
+            <a:r>
+              <a:rPr lang="ja-JP" altLang="en-US" sz="2400" dirty="0"/>
+              <a:t>椅子に接続している間にインターネットへの接続が失う可能性があり、開発者がどこからでもアクセスできるようにフィードバックのレスポンスをインターネット上に保存する方法を考える必要がある。</a:t>
+            </a:r>
+          </a:p>
+          <a:p>
+            <a:endParaRPr kumimoji="1" lang="ja-JP" altLang="en-US" sz="2000" dirty="0"/>
+          </a:p>
+        </p:txBody>
+      </p:sp>
+      <p:cxnSp>
+        <p:nvCxnSpPr>
+          <p:cNvPr id="4" name="直線コネクタ 3">
+            <a:extLst>
+              <a:ext uri="{FF2B5EF4-FFF2-40B4-BE49-F238E27FC236}">
+                <a16:creationId xmlns:a16="http://schemas.microsoft.com/office/drawing/2014/main" id="{77FD0231-A0D6-70F0-63A7-A1184127BCDF}"/>
+              </a:ext>
+            </a:extLst>
+          </p:cNvPr>
+          <p:cNvCxnSpPr>
+            <a:cxnSpLocks/>
+          </p:cNvCxnSpPr>
+          <p:nvPr/>
+        </p:nvCxnSpPr>
+        <p:spPr>
+          <a:xfrm>
+            <a:off x="627529" y="1001486"/>
+            <a:ext cx="10726271" cy="0"/>
+          </a:xfrm>
+          <a:prstGeom prst="line">
+            <a:avLst/>
+          </a:prstGeom>
+          <a:ln w="38100" cmpd="dbl">
+            <a:solidFill>
+              <a:schemeClr val="tx1"/>
+            </a:solidFill>
+          </a:ln>
+        </p:spPr>
+        <p:style>
+          <a:lnRef idx="1">
+            <a:schemeClr val="accent1"/>
+          </a:lnRef>
+          <a:fillRef idx="0">
+            <a:schemeClr val="accent1"/>
+          </a:fillRef>
+          <a:effectRef idx="0">
+            <a:schemeClr val="accent1"/>
+          </a:effectRef>
+          <a:fontRef idx="minor">
+            <a:schemeClr val="tx1"/>
+          </a:fontRef>
+        </p:style>
+      </p:cxnSp>
+      <p:sp>
+        <p:nvSpPr>
+          <p:cNvPr id="6" name="正方形/長方形 5">
+            <a:extLst>
+              <a:ext uri="{FF2B5EF4-FFF2-40B4-BE49-F238E27FC236}">
+                <a16:creationId xmlns:a16="http://schemas.microsoft.com/office/drawing/2014/main" id="{7A695DE2-D99A-A5E7-464E-506FD5EECF14}"/>
+              </a:ext>
+            </a:extLst>
+          </p:cNvPr>
+          <p:cNvSpPr/>
+          <p:nvPr/>
+        </p:nvSpPr>
+        <p:spPr>
+          <a:xfrm>
+            <a:off x="8079971" y="1123129"/>
+            <a:ext cx="3273829" cy="4733385"/>
+          </a:xfrm>
+          <a:prstGeom prst="rect">
+            <a:avLst/>
+          </a:prstGeom>
+          <a:noFill/>
+          <a:ln>
+            <a:solidFill>
+              <a:srgbClr val="FF0000"/>
+            </a:solidFill>
+          </a:ln>
+        </p:spPr>
+        <p:style>
+          <a:lnRef idx="2">
+            <a:schemeClr val="dk1">
+              <a:shade val="15000"/>
+            </a:schemeClr>
+          </a:lnRef>
+          <a:fillRef idx="1">
+            <a:schemeClr val="dk1"/>
+          </a:fillRef>
+          <a:effectRef idx="0">
+            <a:schemeClr val="dk1"/>
+          </a:effectRef>
+          <a:fontRef idx="minor">
+            <a:schemeClr val="lt1"/>
+          </a:fontRef>
+        </p:style>
+        <p:txBody>
+          <a:bodyPr rtlCol="0" anchor="ctr"/>
+          <a:lstStyle/>
+          <a:p>
+            <a:pPr algn="ctr"/>
+            <a:r>
+              <a:rPr kumimoji="1" lang="ja-JP" altLang="en-US" dirty="0">
+                <a:solidFill>
+                  <a:srgbClr val="FF0000"/>
+                </a:solidFill>
+              </a:rPr>
+              <a:t>未実装</a:t>
+            </a:r>
+          </a:p>
+        </p:txBody>
+      </p:sp>
+    </p:spTree>
+    <p:extLst>
+      <p:ext uri="{BB962C8B-B14F-4D97-AF65-F5344CB8AC3E}">
+        <p14:creationId xmlns:p14="http://schemas.microsoft.com/office/powerpoint/2010/main" val="3455028739"/>
+      </p:ext>
+    </p:extLst>
+  </p:cSld>
+  <p:clrMapOvr>
+    <a:masterClrMapping/>
+  </p:clrMapOvr>
+</p:sld>
+</file>
+
+<file path=ppt/slides/slide23.xml><?xml version="1.0" encoding="utf-8"?>
 <p:sld xmlns:a="http://schemas.openxmlformats.org/drawingml/2006/main" xmlns:r="http://schemas.openxmlformats.org/officeDocument/2006/relationships" xmlns:p="http://schemas.openxmlformats.org/presentationml/2006/main">
   <p:cSld>
     <p:spTree>
@@ -25509,15 +26172,15 @@
             </a:r>
             <a:r>
               <a:rPr lang="en-US" altLang="ja-JP" sz="2400" dirty="0"/>
-              <a:t>: </a:t>
-            </a:r>
-            <a:r>
-              <a:rPr lang="en-US" altLang="ja-JP" sz="2400" dirty="0" err="1"/>
-              <a:t>self.width</a:t>
+              <a:t>: self</a:t>
+            </a:r>
+            <a:r>
+              <a:rPr lang="ja-JP" altLang="en-US" sz="2400" dirty="0"/>
+              <a:t>。</a:t>
             </a:r>
             <a:r>
               <a:rPr lang="en-US" altLang="ja-JP" sz="2400" dirty="0"/>
-              <a:t> / x</a:t>
+              <a:t>width / x</a:t>
             </a:r>
             <a:r>
               <a:rPr lang="ja-JP" altLang="en-US" sz="2400" dirty="0"/>
@@ -25586,7 +26249,7 @@
 </p:sld>
 </file>
 
-<file path=ppt/slides/slide22.xml><?xml version="1.0" encoding="utf-8"?>
+<file path=ppt/slides/slide24.xml><?xml version="1.0" encoding="utf-8"?>
 <p:sld xmlns:a="http://schemas.openxmlformats.org/drawingml/2006/main" xmlns:r="http://schemas.openxmlformats.org/officeDocument/2006/relationships" xmlns:p="http://schemas.openxmlformats.org/presentationml/2006/main">
   <p:cSld>
     <p:spTree>
@@ -25707,7 +26370,7 @@
             </a:r>
             <a:r>
               <a:rPr kumimoji="1" lang="ja-JP" altLang="en-US" dirty="0"/>
-              <a:t>アプリを利用してモバイルアプリ開発を行った</a:t>
+              <a:t>フレームワークを利用してモバイルアプリの開発を行った</a:t>
             </a:r>
           </a:p>
           <a:p>
@@ -25793,7 +26456,7 @@
 </p:sld>
 </file>
 
-<file path=ppt/slides/slide23.xml><?xml version="1.0" encoding="utf-8"?>
+<file path=ppt/slides/slide25.xml><?xml version="1.0" encoding="utf-8"?>
 <p:sld xmlns:a="http://schemas.openxmlformats.org/drawingml/2006/main" xmlns:r="http://schemas.openxmlformats.org/officeDocument/2006/relationships" xmlns:p="http://schemas.openxmlformats.org/presentationml/2006/main">
   <p:cSld>
     <p:spTree>
@@ -25988,7 +26651,7 @@
 </p:sld>
 </file>
 
-<file path=ppt/slides/slide24.xml><?xml version="1.0" encoding="utf-8"?>
+<file path=ppt/slides/slide26.xml><?xml version="1.0" encoding="utf-8"?>
 <p:sld xmlns:a="http://schemas.openxmlformats.org/drawingml/2006/main" xmlns:r="http://schemas.openxmlformats.org/officeDocument/2006/relationships" xmlns:p="http://schemas.openxmlformats.org/presentationml/2006/main">
   <p:cSld>
     <p:spTree>
@@ -26251,7 +26914,7 @@
 </p:sld>
 </file>
 
-<file path=ppt/slides/slide25.xml><?xml version="1.0" encoding="utf-8"?>
+<file path=ppt/slides/slide27.xml><?xml version="1.0" encoding="utf-8"?>
 <p:sld xmlns:a="http://schemas.openxmlformats.org/drawingml/2006/main" xmlns:r="http://schemas.openxmlformats.org/officeDocument/2006/relationships" xmlns:p="http://schemas.openxmlformats.org/presentationml/2006/main">
   <p:cSld>
     <p:spTree>
@@ -26388,7 +27051,15 @@
             </a:r>
             <a:r>
               <a:rPr lang="en-US" altLang="ja-JP" sz="2000" dirty="0" err="1"/>
-              <a:t>buildozer.spec</a:t>
+              <a:t>buildozer</a:t>
+            </a:r>
+            <a:r>
+              <a:rPr lang="ja-JP" altLang="en-US" sz="2000" dirty="0"/>
+              <a:t>。</a:t>
+            </a:r>
+            <a:r>
+              <a:rPr lang="en-US" altLang="ja-JP" sz="2000" dirty="0"/>
+              <a:t>spec</a:t>
             </a:r>
             <a:r>
               <a:rPr lang="ja-JP" altLang="en-US" sz="2000" dirty="0"/>
@@ -26613,12 +27284,14 @@
         </p:nvSpPr>
         <p:spPr>
           <a:xfrm>
-            <a:off x="838200" y="18255"/>
-            <a:ext cx="10515600" cy="1325563"/>
+            <a:off x="627529" y="18255"/>
+            <a:ext cx="10726271" cy="1325563"/>
           </a:xfrm>
         </p:spPr>
         <p:txBody>
-          <a:bodyPr/>
+          <a:bodyPr>
+            <a:normAutofit/>
+          </a:bodyPr>
           <a:lstStyle/>
           <a:p>
             <a:r>
@@ -26664,8 +27337,18 @@
           <a:p>
             <a:r>
               <a:rPr kumimoji="1" lang="ja-JP" altLang="en-US" dirty="0"/>
-              <a:t>ロコモとはロコモティブシンドロームの略称であり、運動器症候群のことである。人間は加齢と共に移動機能を低下するが，その低下のペースは平均より早い場合，ロコモ発症の可能性があり，移動機能に障害が生じ，支援が必要となることがある．</a:t>
-            </a:r>
+              <a:t>ロコモとはロコモティブシンドロームの略称であり、運動器症候群のことである。</a:t>
+            </a:r>
+            <a:endParaRPr kumimoji="1" lang="en-US" altLang="ja-JP" dirty="0"/>
+          </a:p>
+          <a:p>
+            <a:r>
+              <a:rPr kumimoji="1" lang="ja-JP" altLang="en-US" dirty="0"/>
+              <a:t>人間は加齢と共に移動機能を低下するが，その低下のペースは平均より早い場合，ロコモ発症の可能性があり支援が必要となることがある。</a:t>
+            </a:r>
+            <a:endParaRPr kumimoji="1" lang="en-US" altLang="ja-JP" dirty="0"/>
+          </a:p>
+          <a:p>
             <a:r>
               <a:rPr kumimoji="1" lang="en-US" altLang="ja-JP" dirty="0"/>
               <a:t>2007</a:t>
@@ -26759,6 +27442,121 @@
           <p:cNvPr id="2" name="タイトル 1">
             <a:extLst>
               <a:ext uri="{FF2B5EF4-FFF2-40B4-BE49-F238E27FC236}">
+                <a16:creationId xmlns:a16="http://schemas.microsoft.com/office/drawing/2014/main" id="{51228198-B5DD-A164-D439-2A6D29C74FF3}"/>
+              </a:ext>
+            </a:extLst>
+          </p:cNvPr>
+          <p:cNvSpPr>
+            <a:spLocks noGrp="1"/>
+          </p:cNvSpPr>
+          <p:nvPr>
+            <p:ph type="title"/>
+          </p:nvPr>
+        </p:nvSpPr>
+        <p:spPr/>
+        <p:txBody>
+          <a:bodyPr/>
+          <a:lstStyle/>
+          <a:p>
+            <a:r>
+              <a:rPr kumimoji="1" lang="en-US" altLang="ja-JP" dirty="0"/>
+              <a:t>Questions</a:t>
+            </a:r>
+            <a:endParaRPr kumimoji="1" lang="ja-JP" altLang="en-US" dirty="0"/>
+          </a:p>
+        </p:txBody>
+      </p:sp>
+      <p:sp>
+        <p:nvSpPr>
+          <p:cNvPr id="3" name="コンテンツ プレースホルダー 2">
+            <a:extLst>
+              <a:ext uri="{FF2B5EF4-FFF2-40B4-BE49-F238E27FC236}">
+                <a16:creationId xmlns:a16="http://schemas.microsoft.com/office/drawing/2014/main" id="{122D1DB1-E0F0-455E-82B4-DAEB17DB7218}"/>
+              </a:ext>
+            </a:extLst>
+          </p:cNvPr>
+          <p:cNvSpPr>
+            <a:spLocks noGrp="1"/>
+          </p:cNvSpPr>
+          <p:nvPr>
+            <p:ph idx="1"/>
+          </p:nvPr>
+        </p:nvSpPr>
+        <p:spPr/>
+        <p:txBody>
+          <a:bodyPr/>
+          <a:lstStyle/>
+          <a:p>
+            <a:r>
+              <a:rPr lang="en-US" altLang="ja-JP" dirty="0"/>
+              <a:t>Where do you put the chair?</a:t>
+            </a:r>
+          </a:p>
+          <a:p>
+            <a:r>
+              <a:rPr lang="en-US" altLang="ja-JP" dirty="0"/>
+              <a:t>Who will use the application_</a:t>
+            </a:r>
+          </a:p>
+          <a:p>
+            <a:pPr lvl="1"/>
+            <a:r>
+              <a:rPr lang="en-US" altLang="ja-JP" dirty="0"/>
+              <a:t>Patient, Medical Worker</a:t>
+            </a:r>
+          </a:p>
+          <a:p>
+            <a:r>
+              <a:rPr lang="en-US" altLang="ja-JP" dirty="0"/>
+              <a:t>In what way does the application automate and simplify current system?</a:t>
+            </a:r>
+          </a:p>
+          <a:p>
+            <a:r>
+              <a:rPr lang="en-US" altLang="ja-JP" dirty="0"/>
+              <a:t>How does the old system work and what does  your application do to solve or improve the old system</a:t>
+            </a:r>
+          </a:p>
+          <a:p>
+            <a:endParaRPr kumimoji="1" lang="ja-JP" altLang="en-US" dirty="0"/>
+          </a:p>
+        </p:txBody>
+      </p:sp>
+    </p:spTree>
+    <p:extLst>
+      <p:ext uri="{BB962C8B-B14F-4D97-AF65-F5344CB8AC3E}">
+        <p14:creationId xmlns:p14="http://schemas.microsoft.com/office/powerpoint/2010/main" val="2065796967"/>
+      </p:ext>
+    </p:extLst>
+  </p:cSld>
+  <p:clrMapOvr>
+    <a:masterClrMapping/>
+  </p:clrMapOvr>
+</p:sld>
+</file>
+
+<file path=ppt/slides/slide5.xml><?xml version="1.0" encoding="utf-8"?>
+<p:sld xmlns:a="http://schemas.openxmlformats.org/drawingml/2006/main" xmlns:r="http://schemas.openxmlformats.org/officeDocument/2006/relationships" xmlns:p="http://schemas.openxmlformats.org/presentationml/2006/main">
+  <p:cSld>
+    <p:spTree>
+      <p:nvGrpSpPr>
+        <p:cNvPr id="1" name=""/>
+        <p:cNvGrpSpPr/>
+        <p:nvPr/>
+      </p:nvGrpSpPr>
+      <p:grpSpPr>
+        <a:xfrm>
+          <a:off x="0" y="0"/>
+          <a:ext cx="0" cy="0"/>
+          <a:chOff x="0" y="0"/>
+          <a:chExt cx="0" cy="0"/>
+        </a:xfrm>
+      </p:grpSpPr>
+      <p:sp>
+        <p:nvSpPr>
+          <p:cNvPr id="2" name="タイトル 1">
+            <a:extLst>
+              <a:ext uri="{FF2B5EF4-FFF2-40B4-BE49-F238E27FC236}">
                 <a16:creationId xmlns:a16="http://schemas.microsoft.com/office/drawing/2014/main" id="{F3A677F6-2B6C-A612-31E0-CD623AB88590}"/>
               </a:ext>
             </a:extLst>
@@ -26777,13 +27575,24 @@
           </a:xfrm>
         </p:spPr>
         <p:txBody>
-          <a:bodyPr/>
+          <a:bodyPr>
+            <a:normAutofit/>
+          </a:bodyPr>
           <a:lstStyle/>
           <a:p>
             <a:r>
               <a:rPr kumimoji="1" lang="ja-JP" altLang="en-US" dirty="0"/>
               <a:t>背景</a:t>
             </a:r>
+            <a:r>
+              <a:rPr lang="en-US" altLang="ja-JP" dirty="0"/>
+              <a:t>|</a:t>
+            </a:r>
+            <a:r>
+              <a:rPr lang="ja-JP" altLang="en-US" dirty="0"/>
+              <a:t>立ち上がりテスト</a:t>
+            </a:r>
+            <a:endParaRPr kumimoji="1" lang="ja-JP" altLang="en-US" dirty="0"/>
           </a:p>
         </p:txBody>
       </p:sp>
@@ -26805,54 +27614,100 @@
         </p:nvSpPr>
         <p:spPr>
           <a:xfrm>
-            <a:off x="838200" y="1445000"/>
-            <a:ext cx="10515600" cy="491375"/>
+            <a:off x="627529" y="1445002"/>
+            <a:ext cx="5770821" cy="4879263"/>
           </a:xfrm>
         </p:spPr>
         <p:txBody>
-          <a:bodyPr/>
+          <a:bodyPr>
+            <a:normAutofit/>
+          </a:bodyPr>
           <a:lstStyle/>
           <a:p>
             <a:pPr marL="0" indent="0">
               <a:buNone/>
             </a:pPr>
             <a:r>
-              <a:rPr kumimoji="1" lang="ja-JP" altLang="en-US" dirty="0"/>
-              <a:t>立ち上がりテスト</a:t>
-            </a:r>
+              <a:rPr lang="ja-JP" altLang="en-US" sz="1800" dirty="0"/>
+              <a:t>構造</a:t>
+            </a:r>
+            <a:endParaRPr lang="en-US" altLang="ja-JP" sz="1800" dirty="0"/>
+          </a:p>
+          <a:p>
+            <a:r>
+              <a:rPr lang="ja-JP" altLang="en-US" sz="1800" dirty="0"/>
+              <a:t>電動上下椅子</a:t>
+            </a:r>
+            <a:endParaRPr lang="en-US" altLang="ja-JP" sz="1800" dirty="0"/>
+          </a:p>
+          <a:p>
+            <a:r>
+              <a:rPr lang="en-US" altLang="ja-JP" sz="1800" dirty="0" err="1"/>
+              <a:t>RaspberryPi</a:t>
+            </a:r>
+            <a:endParaRPr lang="en-US" altLang="ja-JP" sz="1800" dirty="0"/>
+          </a:p>
+          <a:p>
+            <a:pPr marL="0" indent="0">
+              <a:buNone/>
+            </a:pPr>
+            <a:r>
+              <a:rPr lang="en-US" altLang="ja-JP" sz="1800" dirty="0"/>
+              <a:t>Explanation</a:t>
+            </a:r>
+          </a:p>
+          <a:p>
+            <a:r>
+              <a:rPr lang="en-US" altLang="ja-JP" sz="1800" dirty="0"/>
+              <a:t>One examiner will attend and ask the examinee to sit on the chair and calculate the specific height for the patient</a:t>
+            </a:r>
+          </a:p>
+          <a:p>
+            <a:r>
+              <a:rPr lang="en-US" altLang="ja-JP" sz="1800" dirty="0"/>
+              <a:t>This will determine the height of the seat the user will start with, age will also be asked to determine the current default of the examinee </a:t>
+            </a:r>
+            <a:r>
+              <a:rPr lang="en-US" altLang="ja-JP" sz="1800" dirty="0" err="1"/>
+              <a:t>locomo</a:t>
+            </a:r>
+            <a:r>
+              <a:rPr lang="en-US" altLang="ja-JP" sz="1800" dirty="0"/>
+              <a:t> status</a:t>
+            </a:r>
+          </a:p>
+          <a:p>
+            <a:r>
+              <a:rPr lang="en-US" altLang="ja-JP" sz="1800" dirty="0"/>
+              <a:t>The patient will be asked to stand up either with one or both leg depending on the state of locomotion of patient</a:t>
+            </a:r>
+          </a:p>
+          <a:p>
+            <a:r>
+              <a:rPr lang="en-US" altLang="ja-JP" sz="1800" dirty="0"/>
+              <a:t>At the end the examiner will give out the results to the patient</a:t>
+            </a:r>
+          </a:p>
+          <a:p>
+            <a:endParaRPr lang="en-US" altLang="ja-JP" sz="1800" dirty="0"/>
+          </a:p>
+          <a:p>
+            <a:endParaRPr lang="en-US" altLang="ja-JP" dirty="0"/>
+          </a:p>
+          <a:p>
+            <a:endParaRPr lang="en-US" altLang="ja-JP" dirty="0"/>
+          </a:p>
+          <a:p>
+            <a:endParaRPr lang="en-US" altLang="ja-JP" dirty="0"/>
+          </a:p>
+          <a:p>
+            <a:pPr marL="0" indent="0">
+              <a:buNone/>
+            </a:pPr>
+            <a:endParaRPr kumimoji="1" lang="ja-JP" altLang="en-US" dirty="0"/>
           </a:p>
         </p:txBody>
       </p:sp>
-      <p:pic>
-        <p:nvPicPr>
-          <p:cNvPr id="5" name="図 4">
-            <a:extLst>
-              <a:ext uri="{FF2B5EF4-FFF2-40B4-BE49-F238E27FC236}">
-                <a16:creationId xmlns:a16="http://schemas.microsoft.com/office/drawing/2014/main" id="{B955B8C0-27BB-3BDA-6755-6A6F744D76D5}"/>
-              </a:ext>
-            </a:extLst>
-          </p:cNvPr>
-          <p:cNvPicPr>
-            <a:picLocks noChangeAspect="1"/>
-          </p:cNvPicPr>
-          <p:nvPr/>
-        </p:nvPicPr>
-        <p:blipFill>
-          <a:blip r:embed="rId3"/>
-          <a:stretch>
-            <a:fillRect/>
-          </a:stretch>
-        </p:blipFill>
-        <p:spPr>
-          <a:xfrm>
-            <a:off x="1145185" y="2376684"/>
-            <a:ext cx="8766761" cy="3356828"/>
-          </a:xfrm>
-          <a:prstGeom prst="rect">
-            <a:avLst/>
-          </a:prstGeom>
-        </p:spPr>
-      </p:pic>
       <p:cxnSp>
         <p:nvCxnSpPr>
           <p:cNvPr id="4" name="直線コネクタ 3">
@@ -26896,6 +27751,40 @@
           </a:fontRef>
         </p:style>
       </p:cxnSp>
+      <p:pic>
+        <p:nvPicPr>
+          <p:cNvPr id="6" name="図 5">
+            <a:extLst>
+              <a:ext uri="{FF2B5EF4-FFF2-40B4-BE49-F238E27FC236}">
+                <a16:creationId xmlns:a16="http://schemas.microsoft.com/office/drawing/2014/main" id="{F5C078B6-4E4E-E022-37F2-8E33257119BD}"/>
+              </a:ext>
+            </a:extLst>
+          </p:cNvPr>
+          <p:cNvPicPr>
+            <a:picLocks noChangeAspect="1"/>
+          </p:cNvPicPr>
+          <p:nvPr/>
+        </p:nvPicPr>
+        <p:blipFill rotWithShape="1">
+          <a:blip r:embed="rId3"/>
+          <a:srcRect l="59632"/>
+          <a:stretch/>
+        </p:blipFill>
+        <p:spPr>
+          <a:xfrm>
+            <a:off x="8429609" y="1325563"/>
+            <a:ext cx="2818855" cy="4998702"/>
+          </a:xfrm>
+          <a:prstGeom prst="rect">
+            <a:avLst/>
+          </a:prstGeom>
+          <a:ln>
+            <a:solidFill>
+              <a:schemeClr val="tx1"/>
+            </a:solidFill>
+          </a:ln>
+        </p:spPr>
+      </p:pic>
     </p:spTree>
     <p:extLst>
       <p:ext uri="{BB962C8B-B14F-4D97-AF65-F5344CB8AC3E}">
@@ -26909,7 +27798,7 @@
 </p:sld>
 </file>
 
-<file path=ppt/slides/slide5.xml><?xml version="1.0" encoding="utf-8"?>
+<file path=ppt/slides/slide6.xml><?xml version="1.0" encoding="utf-8"?>
 <p:sld xmlns:a="http://schemas.openxmlformats.org/drawingml/2006/main" xmlns:r="http://schemas.openxmlformats.org/officeDocument/2006/relationships" xmlns:p="http://schemas.openxmlformats.org/presentationml/2006/main">
   <p:cSld>
     <p:spTree>
@@ -26954,7 +27843,7 @@
           <a:p>
             <a:r>
               <a:rPr kumimoji="1" lang="ja-JP" altLang="en-US" dirty="0"/>
-              <a:t>既存システムの構造構造</a:t>
+              <a:t>背景｜既存システムの構造</a:t>
             </a:r>
           </a:p>
         </p:txBody>
@@ -26977,8 +27866,8 @@
         </p:nvSpPr>
         <p:spPr>
           <a:xfrm>
-            <a:off x="838200" y="1840539"/>
-            <a:ext cx="5257800" cy="4502799"/>
+            <a:off x="838199" y="1840539"/>
+            <a:ext cx="6211529" cy="4502799"/>
           </a:xfrm>
         </p:spPr>
         <p:txBody>
@@ -26988,24 +27877,72 @@
           <a:lstStyle/>
           <a:p>
             <a:r>
-              <a:rPr kumimoji="1" lang="ja-JP" altLang="en-US" sz="2000" dirty="0"/>
+              <a:rPr kumimoji="1" lang="ja-JP" altLang="en-US" sz="2400" dirty="0"/>
               <a:t>手動で動かせないといけない</a:t>
             </a:r>
-            <a:endParaRPr kumimoji="1" lang="en-US" altLang="ja-JP" sz="2000" dirty="0"/>
-          </a:p>
-          <a:p>
-            <a:r>
-              <a:rPr kumimoji="1" lang="ja-JP" altLang="en-US" sz="2000" dirty="0"/>
+            <a:endParaRPr lang="en-US" altLang="ja-JP" sz="2400" dirty="0"/>
+          </a:p>
+          <a:p>
+            <a:pPr lvl="1"/>
+            <a:r>
+              <a:rPr kumimoji="1" lang="ja-JP" altLang="en-US" dirty="0">
+                <a:solidFill>
+                  <a:srgbClr val="FF0000"/>
+                </a:solidFill>
+              </a:rPr>
+              <a:t>毎回ボタン式を押さないといけない</a:t>
+            </a:r>
+            <a:endParaRPr kumimoji="1" lang="en-US" altLang="ja-JP" dirty="0">
+              <a:solidFill>
+                <a:srgbClr val="FF0000"/>
+              </a:solidFill>
+            </a:endParaRPr>
+          </a:p>
+          <a:p>
+            <a:r>
+              <a:rPr kumimoji="1" lang="ja-JP" altLang="en-US" sz="2400" dirty="0"/>
               <a:t>検査官がいないと自ら出来ない</a:t>
             </a:r>
-            <a:endParaRPr kumimoji="1" lang="en-US" altLang="ja-JP" sz="2000" dirty="0"/>
-          </a:p>
-          <a:p>
-            <a:r>
-              <a:rPr lang="ja-JP" altLang="en-US" sz="2000" dirty="0"/>
+            <a:endParaRPr kumimoji="1" lang="en-US" altLang="ja-JP" sz="2400" dirty="0"/>
+          </a:p>
+          <a:p>
+            <a:pPr lvl="1"/>
+            <a:r>
+              <a:rPr lang="ja-JP" altLang="en-US" dirty="0">
+                <a:solidFill>
+                  <a:srgbClr val="FF0000"/>
+                </a:solidFill>
+              </a:rPr>
+              <a:t>システムの計算式が一般人には分からない</a:t>
+            </a:r>
+            <a:endParaRPr kumimoji="1" lang="en-US" altLang="ja-JP" dirty="0">
+              <a:solidFill>
+                <a:srgbClr val="FF0000"/>
+              </a:solidFill>
+            </a:endParaRPr>
+          </a:p>
+          <a:p>
+            <a:r>
+              <a:rPr lang="ja-JP" altLang="en-US" sz="2400" dirty="0"/>
               <a:t>結果は一般人には分かりにくい</a:t>
             </a:r>
-            <a:endParaRPr kumimoji="1" lang="ja-JP" altLang="en-US" sz="2000" dirty="0"/>
+            <a:endParaRPr lang="en-US" altLang="ja-JP" sz="2400" dirty="0"/>
+          </a:p>
+          <a:p>
+            <a:pPr lvl="1"/>
+            <a:r>
+              <a:rPr lang="ja-JP" altLang="en-US" dirty="0">
+                <a:solidFill>
+                  <a:srgbClr val="FF0000"/>
+                </a:solidFill>
+              </a:rPr>
+              <a:t>測定終わったからの解説がシステムの論文を読まないと分からない</a:t>
+            </a:r>
+            <a:endParaRPr kumimoji="1" lang="ja-JP" altLang="en-US" dirty="0">
+              <a:solidFill>
+                <a:srgbClr val="FF0000"/>
+              </a:solidFill>
+            </a:endParaRPr>
           </a:p>
         </p:txBody>
       </p:sp>
@@ -27030,8 +27967,8 @@
         </p:blipFill>
         <p:spPr>
           <a:xfrm>
-            <a:off x="7402285" y="1325563"/>
-            <a:ext cx="2743200" cy="4998702"/>
+            <a:off x="7326630" y="1325563"/>
+            <a:ext cx="2818855" cy="4998702"/>
           </a:xfrm>
           <a:prstGeom prst="rect">
             <a:avLst/>
@@ -27302,7 +28239,7 @@
 </p:sld>
 </file>
 
-<file path=ppt/slides/slide6.xml><?xml version="1.0" encoding="utf-8"?>
+<file path=ppt/slides/slide7.xml><?xml version="1.0" encoding="utf-8"?>
 <p:sld xmlns:a="http://schemas.openxmlformats.org/drawingml/2006/main" xmlns:r="http://schemas.openxmlformats.org/officeDocument/2006/relationships" xmlns:p="http://schemas.openxmlformats.org/presentationml/2006/main">
   <p:cSld>
     <p:spTree>
@@ -27475,7 +28412,7 @@
 </p:sld>
 </file>
 
-<file path=ppt/slides/slide7.xml><?xml version="1.0" encoding="utf-8"?>
+<file path=ppt/slides/slide8.xml><?xml version="1.0" encoding="utf-8"?>
 <p:sld xmlns:a="http://schemas.openxmlformats.org/drawingml/2006/main" xmlns:r="http://schemas.openxmlformats.org/officeDocument/2006/relationships" xmlns:p="http://schemas.openxmlformats.org/presentationml/2006/main">
   <p:cSld>
     <p:bg>
@@ -27518,8 +28455,8 @@
         </p:nvSpPr>
         <p:spPr>
           <a:xfrm>
-            <a:off x="627529" y="100884"/>
-            <a:ext cx="3220880" cy="891175"/>
+            <a:off x="627529" y="221464"/>
+            <a:ext cx="9732322" cy="891175"/>
           </a:xfrm>
         </p:spPr>
         <p:txBody>
@@ -27529,7 +28466,7 @@
           <a:lstStyle/>
           <a:p>
             <a:r>
-              <a:rPr kumimoji="1" lang="ja-JP" altLang="en-US" sz="3600" dirty="0"/>
+              <a:rPr kumimoji="1" lang="ja-JP" altLang="en-US" dirty="0"/>
               <a:t>言語と環境</a:t>
             </a:r>
           </a:p>
@@ -27622,7 +28559,7 @@
 </p:sld>
 </file>
 
-<file path=ppt/slides/slide8.xml><?xml version="1.0" encoding="utf-8"?>
+<file path=ppt/slides/slide9.xml><?xml version="1.0" encoding="utf-8"?>
 <p:sld xmlns:a="http://schemas.openxmlformats.org/drawingml/2006/main" xmlns:r="http://schemas.openxmlformats.org/officeDocument/2006/relationships" xmlns:p="http://schemas.openxmlformats.org/presentationml/2006/main">
   <p:cSld>
     <p:spTree>
@@ -27644,7 +28581,7 @@
           <p:cNvPr id="2" name="タイトル 1">
             <a:extLst>
               <a:ext uri="{FF2B5EF4-FFF2-40B4-BE49-F238E27FC236}">
-                <a16:creationId xmlns:a16="http://schemas.microsoft.com/office/drawing/2014/main" id="{6EEB1D21-E123-6A0D-4387-7842071A44C3}"/>
+                <a16:creationId xmlns:a16="http://schemas.microsoft.com/office/drawing/2014/main" id="{3AB3D46E-75D0-82E4-A303-E24A0E426E06}"/>
               </a:ext>
             </a:extLst>
           </p:cNvPr>
@@ -27657,101 +28594,80 @@
         </p:nvSpPr>
         <p:spPr>
           <a:xfrm>
-            <a:off x="508262" y="6906"/>
-            <a:ext cx="10515600" cy="1325563"/>
+            <a:off x="619895" y="146878"/>
+            <a:ext cx="10726272" cy="1001486"/>
           </a:xfrm>
         </p:spPr>
         <p:txBody>
-          <a:bodyPr>
+          <a:bodyPr vert="horz" lIns="91440" tIns="45720" rIns="91440" bIns="45720" rtlCol="0" anchor="ctr">
             <a:normAutofit/>
           </a:bodyPr>
           <a:lstStyle/>
           <a:p>
-            <a:r>
-              <a:rPr kumimoji="1" lang="ja-JP" altLang="en-US" sz="2800" dirty="0"/>
-              <a:t>アドレス画面</a:t>
-            </a:r>
-            <a:r>
-              <a:rPr kumimoji="1" lang="en-US" altLang="ja-JP" sz="2800" dirty="0"/>
-              <a:t>(</a:t>
-            </a:r>
-            <a:r>
-              <a:rPr lang="en-US" altLang="ja-JP" sz="2800" dirty="0"/>
-              <a:t>Address</a:t>
-            </a:r>
-            <a:r>
-              <a:rPr kumimoji="1" lang="ja-JP" altLang="en-US" sz="2800" dirty="0"/>
-              <a:t> </a:t>
-            </a:r>
-            <a:r>
-              <a:rPr kumimoji="1" lang="en-US" altLang="ja-JP" sz="2800" dirty="0"/>
-              <a:t>Window</a:t>
-            </a:r>
-            <a:r>
-              <a:rPr lang="ja-JP" altLang="en-US" sz="2800" dirty="0"/>
-              <a:t>）</a:t>
-            </a:r>
-            <a:endParaRPr kumimoji="1" lang="ja-JP" altLang="en-US" dirty="0"/>
+            <a:pPr>
+              <a:lnSpc>
+                <a:spcPct val="90000"/>
+              </a:lnSpc>
+            </a:pPr>
+            <a:r>
+              <a:rPr kumimoji="1" lang="ja-JP" altLang="en-US" dirty="0"/>
+              <a:t>アプリの流れ</a:t>
+            </a:r>
           </a:p>
         </p:txBody>
       </p:sp>
       <p:sp>
         <p:nvSpPr>
-          <p:cNvPr id="3" name="コンテンツ プレースホルダー 2">
+          <p:cNvPr id="12" name="矢印: 右 11">
             <a:extLst>
               <a:ext uri="{FF2B5EF4-FFF2-40B4-BE49-F238E27FC236}">
-                <a16:creationId xmlns:a16="http://schemas.microsoft.com/office/drawing/2014/main" id="{FBEFD887-8E4D-0747-2470-BA7EA0F692F7}"/>
+                <a16:creationId xmlns:a16="http://schemas.microsoft.com/office/drawing/2014/main" id="{61EB42A2-8DC9-9D91-B498-C3AB87ECA907}"/>
               </a:ext>
             </a:extLst>
           </p:cNvPr>
-          <p:cNvSpPr>
-            <a:spLocks noGrp="1"/>
-          </p:cNvSpPr>
-          <p:nvPr>
-            <p:ph idx="1"/>
-          </p:nvPr>
+          <p:cNvSpPr/>
+          <p:nvPr/>
         </p:nvSpPr>
         <p:spPr>
           <a:xfrm>
-            <a:off x="627529" y="1332469"/>
-            <a:ext cx="5797731" cy="4160520"/>
+            <a:off x="1506409" y="6504280"/>
+            <a:ext cx="8968509" cy="232830"/>
           </a:xfrm>
+          <a:prstGeom prst="rightArrow">
+            <a:avLst/>
+          </a:prstGeom>
         </p:spPr>
+        <p:style>
+          <a:lnRef idx="2">
+            <a:schemeClr val="dk1">
+              <a:shade val="15000"/>
+            </a:schemeClr>
+          </a:lnRef>
+          <a:fillRef idx="1">
+            <a:schemeClr val="dk1"/>
+          </a:fillRef>
+          <a:effectRef idx="0">
+            <a:schemeClr val="dk1"/>
+          </a:effectRef>
+          <a:fontRef idx="minor">
+            <a:schemeClr val="lt1"/>
+          </a:fontRef>
+        </p:style>
         <p:txBody>
-          <a:bodyPr>
-            <a:normAutofit/>
-          </a:bodyPr>
+          <a:bodyPr rtlCol="0" anchor="ctr"/>
           <a:lstStyle/>
           <a:p>
-            <a:r>
-              <a:rPr lang="ja-JP" altLang="en-US" sz="2000" dirty="0"/>
-              <a:t>サーバーの</a:t>
-            </a:r>
-            <a:r>
-              <a:rPr lang="en-US" altLang="ja-JP" sz="2000" dirty="0"/>
-              <a:t>IP</a:t>
-            </a:r>
-            <a:r>
-              <a:rPr lang="ja-JP" altLang="en-US" sz="2000" dirty="0"/>
-              <a:t>アドレスをテキストフィールドに入力して接続する画面である</a:t>
-            </a:r>
-            <a:endParaRPr lang="en-US" altLang="ja-JP" sz="2000" dirty="0"/>
-          </a:p>
-          <a:p>
-            <a:r>
-              <a:rPr lang="ja-JP" altLang="en-US" sz="2000" dirty="0"/>
-              <a:t>ユーザーがサーバーに正常に接続できない場合のガイドラインも一緒に挿入する</a:t>
-            </a:r>
-            <a:endParaRPr lang="en-US" altLang="ja-JP" sz="2000" dirty="0"/>
+            <a:pPr algn="ctr"/>
+            <a:endParaRPr kumimoji="1" lang="ja-JP" altLang="en-US"/>
           </a:p>
         </p:txBody>
       </p:sp>
       <p:cxnSp>
         <p:nvCxnSpPr>
-          <p:cNvPr id="4" name="直線コネクタ 3">
+          <p:cNvPr id="3" name="直線コネクタ 2">
             <a:extLst>
               <a:ext uri="{FF2B5EF4-FFF2-40B4-BE49-F238E27FC236}">
-                <a16:creationId xmlns:a16="http://schemas.microsoft.com/office/drawing/2014/main" id="{77FD0231-A0D6-70F0-63A7-A1184127BCDF}"/>
+                <a16:creationId xmlns:a16="http://schemas.microsoft.com/office/drawing/2014/main" id="{F8FDB5D7-39E4-B377-50C8-EBECC81CBF0C}"/>
               </a:ext>
             </a:extLst>
           </p:cNvPr>
@@ -27791,10 +28707,10 @@
       </p:cxnSp>
       <p:pic>
         <p:nvPicPr>
-          <p:cNvPr id="6" name="図 5" descr="グラフィカル ユーザー インターフェイス, テキスト, アプリケーション&#10;&#10;自動的に生成された説明">
+          <p:cNvPr id="4" name="図 5" descr="グラフィカル ユーザー インターフェイス, テキスト, アプリケーション&#10;&#10;自動的に生成された説明">
             <a:extLst>
               <a:ext uri="{FF2B5EF4-FFF2-40B4-BE49-F238E27FC236}">
-                <a16:creationId xmlns:a16="http://schemas.microsoft.com/office/drawing/2014/main" id="{2C5B2021-9737-B696-9B18-083F11BCA9E2}"/>
+                <a16:creationId xmlns:a16="http://schemas.microsoft.com/office/drawing/2014/main" id="{1B238D06-4850-343F-A213-6B6B10F04461}"/>
               </a:ext>
             </a:extLst>
           </p:cNvPr>
@@ -27817,246 +28733,20 @@
         </p:blipFill>
         <p:spPr>
           <a:xfrm>
-            <a:off x="7902747" y="1132114"/>
-            <a:ext cx="3451053" cy="5100054"/>
+            <a:off x="627528" y="1121274"/>
+            <a:ext cx="3151545" cy="4896344"/>
           </a:xfrm>
           <a:prstGeom prst="rect">
             <a:avLst/>
           </a:prstGeom>
         </p:spPr>
       </p:pic>
-    </p:spTree>
-    <p:extLst>
-      <p:ext uri="{BB962C8B-B14F-4D97-AF65-F5344CB8AC3E}">
-        <p14:creationId xmlns:p14="http://schemas.microsoft.com/office/powerpoint/2010/main" val="3806400426"/>
-      </p:ext>
-    </p:extLst>
-  </p:cSld>
-  <p:clrMapOvr>
-    <a:masterClrMapping/>
-  </p:clrMapOvr>
-</p:sld>
-</file>
-
-<file path=ppt/slides/slide9.xml><?xml version="1.0" encoding="utf-8"?>
-<p:sld xmlns:a="http://schemas.openxmlformats.org/drawingml/2006/main" xmlns:r="http://schemas.openxmlformats.org/officeDocument/2006/relationships" xmlns:p="http://schemas.openxmlformats.org/presentationml/2006/main">
-  <p:cSld>
-    <p:spTree>
-      <p:nvGrpSpPr>
-        <p:cNvPr id="1" name=""/>
-        <p:cNvGrpSpPr/>
-        <p:nvPr/>
-      </p:nvGrpSpPr>
-      <p:grpSpPr>
-        <a:xfrm>
-          <a:off x="0" y="0"/>
-          <a:ext cx="0" cy="0"/>
-          <a:chOff x="0" y="0"/>
-          <a:chExt cx="0" cy="0"/>
-        </a:xfrm>
-      </p:grpSpPr>
-      <p:sp>
-        <p:nvSpPr>
-          <p:cNvPr id="2" name="タイトル 1">
+      <p:pic>
+        <p:nvPicPr>
+          <p:cNvPr id="5" name="図 6" descr="グラフィカル ユーザー インターフェイス, テキスト, アプリケーション, Teams&#10;&#10;自動的に生成された説明">
             <a:extLst>
               <a:ext uri="{FF2B5EF4-FFF2-40B4-BE49-F238E27FC236}">
-                <a16:creationId xmlns:a16="http://schemas.microsoft.com/office/drawing/2014/main" id="{6EEB1D21-E123-6A0D-4387-7842071A44C3}"/>
-              </a:ext>
-            </a:extLst>
-          </p:cNvPr>
-          <p:cNvSpPr>
-            <a:spLocks noGrp="1"/>
-          </p:cNvSpPr>
-          <p:nvPr>
-            <p:ph type="title"/>
-          </p:nvPr>
-        </p:nvSpPr>
-        <p:spPr>
-          <a:xfrm>
-            <a:off x="508262" y="6906"/>
-            <a:ext cx="10515600" cy="1325563"/>
-          </a:xfrm>
-        </p:spPr>
-        <p:txBody>
-          <a:bodyPr>
-            <a:normAutofit/>
-          </a:bodyPr>
-          <a:lstStyle/>
-          <a:p>
-            <a:r>
-              <a:rPr kumimoji="1" lang="ja-JP" altLang="en-US" sz="2800" dirty="0"/>
-              <a:t>タイトル画面</a:t>
-            </a:r>
-            <a:r>
-              <a:rPr kumimoji="1" lang="en-US" altLang="ja-JP" sz="2800" dirty="0"/>
-              <a:t>(</a:t>
-            </a:r>
-            <a:r>
-              <a:rPr lang="en-US" altLang="ja-JP" sz="2800" dirty="0"/>
-              <a:t>Title</a:t>
-            </a:r>
-            <a:r>
-              <a:rPr kumimoji="1" lang="ja-JP" altLang="en-US" sz="2800" dirty="0"/>
-              <a:t> </a:t>
-            </a:r>
-            <a:r>
-              <a:rPr kumimoji="1" lang="en-US" altLang="ja-JP" sz="2800" dirty="0"/>
-              <a:t>Window</a:t>
-            </a:r>
-            <a:r>
-              <a:rPr lang="ja-JP" altLang="en-US" sz="2800" dirty="0"/>
-              <a:t>）</a:t>
-            </a:r>
-            <a:endParaRPr kumimoji="1" lang="ja-JP" altLang="en-US" dirty="0"/>
-          </a:p>
-        </p:txBody>
-      </p:sp>
-      <p:sp>
-        <p:nvSpPr>
-          <p:cNvPr id="3" name="コンテンツ プレースホルダー 2">
-            <a:extLst>
-              <a:ext uri="{FF2B5EF4-FFF2-40B4-BE49-F238E27FC236}">
-                <a16:creationId xmlns:a16="http://schemas.microsoft.com/office/drawing/2014/main" id="{FBEFD887-8E4D-0747-2470-BA7EA0F692F7}"/>
-              </a:ext>
-            </a:extLst>
-          </p:cNvPr>
-          <p:cNvSpPr>
-            <a:spLocks noGrp="1"/>
-          </p:cNvSpPr>
-          <p:nvPr>
-            <p:ph idx="1"/>
-          </p:nvPr>
-        </p:nvSpPr>
-        <p:spPr>
-          <a:xfrm>
-            <a:off x="627529" y="1332469"/>
-            <a:ext cx="5797731" cy="4160520"/>
-          </a:xfrm>
-        </p:spPr>
-        <p:txBody>
-          <a:bodyPr>
-            <a:normAutofit/>
-          </a:bodyPr>
-          <a:lstStyle/>
-          <a:p>
-            <a:r>
-              <a:rPr lang="ja-JP" altLang="en-US" sz="2000" dirty="0"/>
-              <a:t>アプリの全体とシステム全体の説明画面。</a:t>
-            </a:r>
-            <a:endParaRPr lang="en-US" altLang="ja-JP" sz="2000" dirty="0"/>
-          </a:p>
-          <a:p>
-            <a:r>
-              <a:rPr lang="ja-JP" altLang="en-US" sz="2000" dirty="0"/>
-              <a:t>以下の画面と機能はここからアクセスが可能：</a:t>
-            </a:r>
-            <a:endParaRPr lang="en-US" altLang="ja-JP" sz="2000" dirty="0"/>
-          </a:p>
-          <a:p>
-            <a:pPr marL="800100" lvl="1" indent="-342900">
-              <a:buFont typeface="+mj-lt"/>
-              <a:buAutoNum type="arabicPeriod"/>
-            </a:pPr>
-            <a:r>
-              <a:rPr lang="ja-JP" altLang="en-US" sz="2000" dirty="0"/>
-              <a:t>説明画面</a:t>
-            </a:r>
-            <a:endParaRPr lang="en-US" altLang="ja-JP" sz="2000" dirty="0"/>
-          </a:p>
-          <a:p>
-            <a:pPr marL="800100" lvl="1" indent="-342900">
-              <a:buFont typeface="+mj-lt"/>
-              <a:buAutoNum type="arabicPeriod"/>
-            </a:pPr>
-            <a:r>
-              <a:rPr lang="ja-JP" altLang="en-US" sz="2000" dirty="0"/>
-              <a:t>メンテナンス画面</a:t>
-            </a:r>
-            <a:r>
-              <a:rPr lang="en-US" altLang="ja-JP" sz="2000" dirty="0"/>
-              <a:t> </a:t>
-            </a:r>
-          </a:p>
-          <a:p>
-            <a:pPr marL="800100" lvl="1" indent="-342900">
-              <a:buFont typeface="+mj-lt"/>
-              <a:buAutoNum type="arabicPeriod"/>
-            </a:pPr>
-            <a:r>
-              <a:rPr lang="ja-JP" altLang="en-US" sz="2000" dirty="0"/>
-              <a:t>シャットダウンと再起動機能</a:t>
-            </a:r>
-            <a:r>
-              <a:rPr lang="en-US" altLang="ja-JP" sz="2000" dirty="0"/>
-              <a:t>(</a:t>
-            </a:r>
-            <a:r>
-              <a:rPr lang="ja-JP" altLang="en-US" sz="2000" dirty="0"/>
-              <a:t>センサー異常が発生するたび再起動操作を提案する</a:t>
-            </a:r>
-            <a:r>
-              <a:rPr lang="en-US" altLang="ja-JP" sz="2000" dirty="0"/>
-              <a:t>)</a:t>
-            </a:r>
-          </a:p>
-          <a:p>
-            <a:r>
-              <a:rPr lang="ja-JP" altLang="en-US" sz="2000" dirty="0"/>
-              <a:t>誤操作を避けるためにシャットダウンボタンを押す度確認ポップアップを表示する。</a:t>
-            </a:r>
-            <a:endParaRPr kumimoji="1" lang="ja-JP" altLang="en-US" sz="2000" dirty="0"/>
-          </a:p>
-        </p:txBody>
-      </p:sp>
-      <p:cxnSp>
-        <p:nvCxnSpPr>
-          <p:cNvPr id="4" name="直線コネクタ 3">
-            <a:extLst>
-              <a:ext uri="{FF2B5EF4-FFF2-40B4-BE49-F238E27FC236}">
-                <a16:creationId xmlns:a16="http://schemas.microsoft.com/office/drawing/2014/main" id="{77FD0231-A0D6-70F0-63A7-A1184127BCDF}"/>
-              </a:ext>
-            </a:extLst>
-          </p:cNvPr>
-          <p:cNvCxnSpPr>
-            <a:cxnSpLocks/>
-          </p:cNvCxnSpPr>
-          <p:nvPr/>
-        </p:nvCxnSpPr>
-        <p:spPr>
-          <a:xfrm>
-            <a:off x="627529" y="1001486"/>
-            <a:ext cx="10726271" cy="0"/>
-          </a:xfrm>
-          <a:prstGeom prst="line">
-            <a:avLst/>
-          </a:prstGeom>
-          <a:ln w="38100" cmpd="dbl">
-            <a:solidFill>
-              <a:schemeClr val="tx1"/>
-            </a:solidFill>
-          </a:ln>
-        </p:spPr>
-        <p:style>
-          <a:lnRef idx="1">
-            <a:schemeClr val="accent1"/>
-          </a:lnRef>
-          <a:fillRef idx="0">
-            <a:schemeClr val="accent1"/>
-          </a:fillRef>
-          <a:effectRef idx="0">
-            <a:schemeClr val="accent1"/>
-          </a:effectRef>
-          <a:fontRef idx="minor">
-            <a:schemeClr val="tx1"/>
-          </a:fontRef>
-        </p:style>
-      </p:cxnSp>
-      <p:pic>
-        <p:nvPicPr>
-          <p:cNvPr id="7" name="図 6" descr="グラフィカル ユーザー インターフェイス, テキスト, アプリケーション, Teams&#10;&#10;自動的に生成された説明">
-            <a:extLst>
-              <a:ext uri="{FF2B5EF4-FFF2-40B4-BE49-F238E27FC236}">
-                <a16:creationId xmlns:a16="http://schemas.microsoft.com/office/drawing/2014/main" id="{CC359BE9-7355-DA1D-035B-574D2994FE18}"/>
+                <a16:creationId xmlns:a16="http://schemas.microsoft.com/office/drawing/2014/main" id="{28B97016-4A4A-D2C7-1D2F-02DFEAE5C632}"/>
               </a:ext>
             </a:extLst>
           </p:cNvPr>
@@ -28066,7 +28756,7 @@
           <p:nvPr/>
         </p:nvPicPr>
         <p:blipFill>
-          <a:blip r:embed="rId2">
+          <a:blip r:embed="rId3">
             <a:extLst>
               <a:ext uri="{28A0092B-C50C-407E-A947-70E740481C1C}">
                 <a14:useLocalDpi xmlns:a14="http://schemas.microsoft.com/office/drawing/2010/main" val="0"/>
@@ -28079,8 +28769,44 @@
         </p:blipFill>
         <p:spPr>
           <a:xfrm>
-            <a:off x="7516015" y="1071154"/>
-            <a:ext cx="3507847" cy="5166558"/>
+            <a:off x="4282178" y="1070809"/>
+            <a:ext cx="3324386" cy="4896346"/>
+          </a:xfrm>
+          <a:prstGeom prst="rect">
+            <a:avLst/>
+          </a:prstGeom>
+        </p:spPr>
+      </p:pic>
+      <p:pic>
+        <p:nvPicPr>
+          <p:cNvPr id="6" name="図 6" descr="グラフィカル ユーザー インターフェイス, アプリケーション, Teams&#10;&#10;自動的に生成された説明">
+            <a:extLst>
+              <a:ext uri="{FF2B5EF4-FFF2-40B4-BE49-F238E27FC236}">
+                <a16:creationId xmlns:a16="http://schemas.microsoft.com/office/drawing/2014/main" id="{5118C895-A65A-C495-FB2A-0E75201C86F1}"/>
+              </a:ext>
+            </a:extLst>
+          </p:cNvPr>
+          <p:cNvPicPr>
+            <a:picLocks noChangeAspect="1"/>
+          </p:cNvPicPr>
+          <p:nvPr/>
+        </p:nvPicPr>
+        <p:blipFill>
+          <a:blip r:embed="rId4">
+            <a:extLst>
+              <a:ext uri="{28A0092B-C50C-407E-A947-70E740481C1C}">
+                <a14:useLocalDpi xmlns:a14="http://schemas.microsoft.com/office/drawing/2010/main" val="0"/>
+              </a:ext>
+            </a:extLst>
+          </a:blip>
+          <a:stretch>
+            <a:fillRect/>
+          </a:stretch>
+        </p:blipFill>
+        <p:spPr>
+          <a:xfrm>
+            <a:off x="8189634" y="1138532"/>
+            <a:ext cx="3164166" cy="4879083"/>
           </a:xfrm>
           <a:prstGeom prst="rect">
             <a:avLst/>
@@ -28089,191 +28815,119 @@
       </p:pic>
       <p:sp>
         <p:nvSpPr>
-          <p:cNvPr id="5" name="Oval 4">
+          <p:cNvPr id="7" name="TextBox 6">
             <a:extLst>
               <a:ext uri="{FF2B5EF4-FFF2-40B4-BE49-F238E27FC236}">
-                <a16:creationId xmlns:a16="http://schemas.microsoft.com/office/drawing/2014/main" id="{56D9A530-789C-BABD-3F4C-B9AC537BF942}"/>
+                <a16:creationId xmlns:a16="http://schemas.microsoft.com/office/drawing/2014/main" id="{04E569FE-C49E-9F65-87F4-B21B5183784B}"/>
               </a:ext>
             </a:extLst>
           </p:cNvPr>
-          <p:cNvSpPr/>
+          <p:cNvSpPr txBox="1"/>
           <p:nvPr/>
         </p:nvSpPr>
         <p:spPr>
           <a:xfrm>
-            <a:off x="10955894" y="1314602"/>
-            <a:ext cx="374469" cy="366716"/>
+            <a:off x="619895" y="6017615"/>
+            <a:ext cx="2959327" cy="369332"/>
           </a:xfrm>
-          <a:prstGeom prst="ellipse">
+          <a:prstGeom prst="rect">
             <a:avLst/>
           </a:prstGeom>
-          <a:solidFill>
-            <a:srgbClr val="FFFF00"/>
-          </a:solidFill>
+          <a:noFill/>
         </p:spPr>
-        <p:style>
-          <a:lnRef idx="2">
-            <a:schemeClr val="accent1">
-              <a:shade val="15000"/>
-            </a:schemeClr>
-          </a:lnRef>
-          <a:fillRef idx="1">
-            <a:schemeClr val="accent1"/>
-          </a:fillRef>
-          <a:effectRef idx="0">
-            <a:schemeClr val="accent1"/>
-          </a:effectRef>
-          <a:fontRef idx="minor">
-            <a:schemeClr val="lt1"/>
-          </a:fontRef>
-        </p:style>
         <p:txBody>
-          <a:bodyPr rtlCol="0" anchor="ctr"/>
+          <a:bodyPr wrap="square" rtlCol="0">
+            <a:spAutoFit/>
+          </a:bodyPr>
           <a:lstStyle/>
           <a:p>
             <a:pPr algn="ctr"/>
             <a:r>
-              <a:rPr lang="en-US" altLang="ja-JP" dirty="0">
-                <a:solidFill>
-                  <a:schemeClr val="tx1"/>
-                </a:solidFill>
-              </a:rPr>
-              <a:t>1</a:t>
-            </a:r>
-            <a:endParaRPr lang="en-US" dirty="0">
-              <a:solidFill>
-                <a:schemeClr val="tx1"/>
-              </a:solidFill>
-            </a:endParaRPr>
+              <a:rPr lang="ja-JP" altLang="en-US" dirty="0"/>
+              <a:t>アドレス画面</a:t>
+            </a:r>
+            <a:endParaRPr lang="en-US" dirty="0"/>
           </a:p>
         </p:txBody>
       </p:sp>
       <p:sp>
         <p:nvSpPr>
-          <p:cNvPr id="6" name="Oval 5">
+          <p:cNvPr id="10" name="TextBox 9">
             <a:extLst>
               <a:ext uri="{FF2B5EF4-FFF2-40B4-BE49-F238E27FC236}">
-                <a16:creationId xmlns:a16="http://schemas.microsoft.com/office/drawing/2014/main" id="{EAB87F69-3E38-144C-5A4F-86A2D81A05CF}"/>
+                <a16:creationId xmlns:a16="http://schemas.microsoft.com/office/drawing/2014/main" id="{DEADB278-D7B8-ECC1-4B40-01FA5F1D1FF5}"/>
               </a:ext>
             </a:extLst>
           </p:cNvPr>
-          <p:cNvSpPr/>
+          <p:cNvSpPr txBox="1"/>
           <p:nvPr/>
         </p:nvSpPr>
         <p:spPr>
           <a:xfrm>
-            <a:off x="10223282" y="1000587"/>
-            <a:ext cx="374469" cy="366716"/>
+            <a:off x="4315851" y="6017615"/>
+            <a:ext cx="3337005" cy="369332"/>
           </a:xfrm>
-          <a:prstGeom prst="ellipse">
+          <a:prstGeom prst="rect">
             <a:avLst/>
           </a:prstGeom>
-          <a:solidFill>
-            <a:srgbClr val="FFFF00"/>
-          </a:solidFill>
+          <a:noFill/>
         </p:spPr>
-        <p:style>
-          <a:lnRef idx="2">
-            <a:schemeClr val="accent1">
-              <a:shade val="15000"/>
-            </a:schemeClr>
-          </a:lnRef>
-          <a:fillRef idx="1">
-            <a:schemeClr val="accent1"/>
-          </a:fillRef>
-          <a:effectRef idx="0">
-            <a:schemeClr val="accent1"/>
-          </a:effectRef>
-          <a:fontRef idx="minor">
-            <a:schemeClr val="lt1"/>
-          </a:fontRef>
-        </p:style>
         <p:txBody>
-          <a:bodyPr rtlCol="0" anchor="ctr"/>
+          <a:bodyPr wrap="square" rtlCol="0">
+            <a:spAutoFit/>
+          </a:bodyPr>
           <a:lstStyle/>
           <a:p>
             <a:pPr algn="ctr"/>
             <a:r>
-              <a:rPr lang="en-US" altLang="ja-JP" dirty="0">
-                <a:solidFill>
-                  <a:schemeClr val="tx1"/>
-                </a:solidFill>
-              </a:rPr>
-              <a:t>3</a:t>
-            </a:r>
-            <a:endParaRPr lang="en-US" dirty="0">
-              <a:solidFill>
-                <a:schemeClr val="tx1"/>
-              </a:solidFill>
-            </a:endParaRPr>
+              <a:rPr lang="ja-JP" altLang="en-US" dirty="0"/>
+              <a:t>タイトル画面</a:t>
+            </a:r>
+            <a:endParaRPr lang="en-US" dirty="0"/>
           </a:p>
         </p:txBody>
       </p:sp>
       <p:sp>
         <p:nvSpPr>
-          <p:cNvPr id="8" name="Oval 7">
+          <p:cNvPr id="11" name="TextBox 10">
             <a:extLst>
               <a:ext uri="{FF2B5EF4-FFF2-40B4-BE49-F238E27FC236}">
-                <a16:creationId xmlns:a16="http://schemas.microsoft.com/office/drawing/2014/main" id="{B7CDE190-6DBE-7694-14F1-D534DDE71DEA}"/>
+                <a16:creationId xmlns:a16="http://schemas.microsoft.com/office/drawing/2014/main" id="{F3FC7F17-BA0C-7476-4A54-AAD5E5B5D152}"/>
               </a:ext>
             </a:extLst>
           </p:cNvPr>
-          <p:cNvSpPr/>
+          <p:cNvSpPr txBox="1"/>
           <p:nvPr/>
         </p:nvSpPr>
         <p:spPr>
           <a:xfrm>
-            <a:off x="7264783" y="1183945"/>
-            <a:ext cx="374469" cy="366716"/>
+            <a:off x="8189634" y="6017615"/>
+            <a:ext cx="3156533" cy="369332"/>
           </a:xfrm>
-          <a:prstGeom prst="ellipse">
+          <a:prstGeom prst="rect">
             <a:avLst/>
           </a:prstGeom>
-          <a:solidFill>
-            <a:srgbClr val="FFFF00"/>
-          </a:solidFill>
+          <a:noFill/>
         </p:spPr>
-        <p:style>
-          <a:lnRef idx="2">
-            <a:schemeClr val="accent1">
-              <a:shade val="15000"/>
-            </a:schemeClr>
-          </a:lnRef>
-          <a:fillRef idx="1">
-            <a:schemeClr val="accent1"/>
-          </a:fillRef>
-          <a:effectRef idx="0">
-            <a:schemeClr val="accent1"/>
-          </a:effectRef>
-          <a:fontRef idx="minor">
-            <a:schemeClr val="lt1"/>
-          </a:fontRef>
-        </p:style>
         <p:txBody>
-          <a:bodyPr rtlCol="0" anchor="ctr"/>
+          <a:bodyPr wrap="square" rtlCol="0">
+            <a:spAutoFit/>
+          </a:bodyPr>
           <a:lstStyle/>
           <a:p>
             <a:pPr algn="ctr"/>
             <a:r>
-              <a:rPr lang="en-US" altLang="ja-JP" dirty="0">
-                <a:solidFill>
-                  <a:schemeClr val="tx1"/>
-                </a:solidFill>
-              </a:rPr>
-              <a:t>2</a:t>
-            </a:r>
-            <a:endParaRPr lang="en-US" dirty="0">
-              <a:solidFill>
-                <a:schemeClr val="tx1"/>
-              </a:solidFill>
-            </a:endParaRPr>
+              <a:rPr lang="ja-JP" altLang="en-US" dirty="0"/>
+              <a:t>入力画面</a:t>
+            </a:r>
+            <a:endParaRPr lang="en-US" dirty="0"/>
           </a:p>
         </p:txBody>
       </p:sp>
     </p:spTree>
     <p:extLst>
       <p:ext uri="{BB962C8B-B14F-4D97-AF65-F5344CB8AC3E}">
-        <p14:creationId xmlns:p14="http://schemas.microsoft.com/office/powerpoint/2010/main" val="209793855"/>
+        <p14:creationId xmlns:p14="http://schemas.microsoft.com/office/powerpoint/2010/main" val="3367460123"/>
       </p:ext>
     </p:extLst>
   </p:cSld>
